--- a/Hydraulics.pptx
+++ b/Hydraulics.pptx
@@ -246,7 +246,7 @@
           <a:p>
             <a:fld id="{9DC3C411-F96B-413D-814B-89EB0AAF7601}" type="datetimeFigureOut">
               <a:rPr lang="en-US" smtClean="0"/>
-              <a:t>11/12/2018</a:t>
+              <a:t>6/18/2019</a:t>
             </a:fld>
             <a:endParaRPr lang="en-US"/>
           </a:p>
@@ -416,7 +416,7 @@
           <a:p>
             <a:fld id="{9DC3C411-F96B-413D-814B-89EB0AAF7601}" type="datetimeFigureOut">
               <a:rPr lang="en-US" smtClean="0"/>
-              <a:t>11/12/2018</a:t>
+              <a:t>6/18/2019</a:t>
             </a:fld>
             <a:endParaRPr lang="en-US"/>
           </a:p>
@@ -596,7 +596,7 @@
           <a:p>
             <a:fld id="{9DC3C411-F96B-413D-814B-89EB0AAF7601}" type="datetimeFigureOut">
               <a:rPr lang="en-US" smtClean="0"/>
-              <a:t>11/12/2018</a:t>
+              <a:t>6/18/2019</a:t>
             </a:fld>
             <a:endParaRPr lang="en-US"/>
           </a:p>
@@ -766,7 +766,7 @@
           <a:p>
             <a:fld id="{9DC3C411-F96B-413D-814B-89EB0AAF7601}" type="datetimeFigureOut">
               <a:rPr lang="en-US" smtClean="0"/>
-              <a:t>11/12/2018</a:t>
+              <a:t>6/18/2019</a:t>
             </a:fld>
             <a:endParaRPr lang="en-US"/>
           </a:p>
@@ -1010,7 +1010,7 @@
           <a:p>
             <a:fld id="{9DC3C411-F96B-413D-814B-89EB0AAF7601}" type="datetimeFigureOut">
               <a:rPr lang="en-US" smtClean="0"/>
-              <a:t>11/12/2018</a:t>
+              <a:t>6/18/2019</a:t>
             </a:fld>
             <a:endParaRPr lang="en-US"/>
           </a:p>
@@ -1242,7 +1242,7 @@
           <a:p>
             <a:fld id="{9DC3C411-F96B-413D-814B-89EB0AAF7601}" type="datetimeFigureOut">
               <a:rPr lang="en-US" smtClean="0"/>
-              <a:t>11/12/2018</a:t>
+              <a:t>6/18/2019</a:t>
             </a:fld>
             <a:endParaRPr lang="en-US"/>
           </a:p>
@@ -1609,7 +1609,7 @@
           <a:p>
             <a:fld id="{9DC3C411-F96B-413D-814B-89EB0AAF7601}" type="datetimeFigureOut">
               <a:rPr lang="en-US" smtClean="0"/>
-              <a:t>11/12/2018</a:t>
+              <a:t>6/18/2019</a:t>
             </a:fld>
             <a:endParaRPr lang="en-US"/>
           </a:p>
@@ -1727,7 +1727,7 @@
           <a:p>
             <a:fld id="{9DC3C411-F96B-413D-814B-89EB0AAF7601}" type="datetimeFigureOut">
               <a:rPr lang="en-US" smtClean="0"/>
-              <a:t>11/12/2018</a:t>
+              <a:t>6/18/2019</a:t>
             </a:fld>
             <a:endParaRPr lang="en-US"/>
           </a:p>
@@ -1822,7 +1822,7 @@
           <a:p>
             <a:fld id="{9DC3C411-F96B-413D-814B-89EB0AAF7601}" type="datetimeFigureOut">
               <a:rPr lang="en-US" smtClean="0"/>
-              <a:t>11/12/2018</a:t>
+              <a:t>6/18/2019</a:t>
             </a:fld>
             <a:endParaRPr lang="en-US"/>
           </a:p>
@@ -2099,7 +2099,7 @@
           <a:p>
             <a:fld id="{9DC3C411-F96B-413D-814B-89EB0AAF7601}" type="datetimeFigureOut">
               <a:rPr lang="en-US" smtClean="0"/>
-              <a:t>11/12/2018</a:t>
+              <a:t>6/18/2019</a:t>
             </a:fld>
             <a:endParaRPr lang="en-US"/>
           </a:p>
@@ -2356,7 +2356,7 @@
           <a:p>
             <a:fld id="{9DC3C411-F96B-413D-814B-89EB0AAF7601}" type="datetimeFigureOut">
               <a:rPr lang="en-US" smtClean="0"/>
-              <a:t>11/12/2018</a:t>
+              <a:t>6/18/2019</a:t>
             </a:fld>
             <a:endParaRPr lang="en-US"/>
           </a:p>
@@ -2569,7 +2569,7 @@
           <a:p>
             <a:fld id="{9DC3C411-F96B-413D-814B-89EB0AAF7601}" type="datetimeFigureOut">
               <a:rPr lang="en-US" smtClean="0"/>
-              <a:t>11/12/2018</a:t>
+              <a:t>6/18/2019</a:t>
             </a:fld>
             <a:endParaRPr lang="en-US"/>
           </a:p>
@@ -3671,8 +3671,8 @@
               <a:t>Soil layer </a:t>
             </a:r>
             <a:r>
-              <a:rPr lang="en-US" sz="1050" i="1" dirty="0"/>
-              <a:t>N</a:t>
+              <a:rPr lang="en-US" sz="1050" i="1" dirty="0" smtClean="0"/>
+              <a:t>S</a:t>
             </a:r>
             <a:endParaRPr lang="en-US" sz="1050" i="1" dirty="0" smtClean="0"/>
           </a:p>
@@ -3890,7 +3890,14 @@
                 <a:latin typeface="Times New Roman" panose="02020603050405020304" pitchFamily="18" charset="0"/>
                 <a:ea typeface="MS Mincho"/>
               </a:rPr>
-              <a:t>, N</a:t>
+              <a:t>, </a:t>
+            </a:r>
+            <a:r>
+              <a:rPr lang="en-GB" sz="1200" i="1" baseline="-25000" dirty="0" smtClean="0">
+                <a:latin typeface="Times New Roman" panose="02020603050405020304" pitchFamily="18" charset="0"/>
+                <a:ea typeface="MS Mincho"/>
+              </a:rPr>
+              <a:t>S</a:t>
             </a:r>
             <a:endParaRPr lang="es-ES" sz="1200" i="1" dirty="0"/>
           </a:p>
@@ -4108,7 +4115,14 @@
                 <a:latin typeface="Times New Roman" panose="02020603050405020304" pitchFamily="18" charset="0"/>
                 <a:ea typeface="MS Mincho"/>
               </a:rPr>
-              <a:t>soil, N</a:t>
+              <a:t>soil, </a:t>
+            </a:r>
+            <a:r>
+              <a:rPr lang="en-GB" sz="1200" i="1" baseline="-25000" dirty="0" smtClean="0">
+                <a:latin typeface="Times New Roman" panose="02020603050405020304" pitchFamily="18" charset="0"/>
+                <a:ea typeface="MS Mincho"/>
+              </a:rPr>
+              <a:t>S</a:t>
             </a:r>
             <a:endParaRPr lang="es-ES" sz="1200" i="1" dirty="0"/>
           </a:p>
@@ -6119,8 +6133,8 @@
               <a:t>Soil layer </a:t>
             </a:r>
             <a:r>
-              <a:rPr lang="en-US" sz="1050" i="1" dirty="0"/>
-              <a:t>N</a:t>
+              <a:rPr lang="en-US" sz="1050" i="1" dirty="0" smtClean="0"/>
+              <a:t>S</a:t>
             </a:r>
             <a:endParaRPr lang="en-US" sz="1050" i="1" dirty="0" smtClean="0"/>
           </a:p>
@@ -6368,7 +6382,14 @@
                 <a:latin typeface="Times New Roman" panose="02020603050405020304" pitchFamily="18" charset="0"/>
                 <a:ea typeface="MS Mincho"/>
               </a:rPr>
-              <a:t>, N</a:t>
+              <a:t>, </a:t>
+            </a:r>
+            <a:r>
+              <a:rPr lang="en-GB" sz="1200" i="1" baseline="-25000" dirty="0" smtClean="0">
+                <a:latin typeface="Times New Roman" panose="02020603050405020304" pitchFamily="18" charset="0"/>
+                <a:ea typeface="MS Mincho"/>
+              </a:rPr>
+              <a:t>S</a:t>
             </a:r>
             <a:endParaRPr lang="es-ES" sz="1200" i="1" dirty="0"/>
           </a:p>
@@ -6586,7 +6607,14 @@
                 <a:latin typeface="Times New Roman" panose="02020603050405020304" pitchFamily="18" charset="0"/>
                 <a:ea typeface="MS Mincho"/>
               </a:rPr>
-              <a:t>soil, N</a:t>
+              <a:t>soil, </a:t>
+            </a:r>
+            <a:r>
+              <a:rPr lang="en-GB" sz="1200" i="1" baseline="-25000" dirty="0" smtClean="0">
+                <a:latin typeface="Times New Roman" panose="02020603050405020304" pitchFamily="18" charset="0"/>
+                <a:ea typeface="MS Mincho"/>
+              </a:rPr>
+              <a:t>S</a:t>
             </a:r>
             <a:endParaRPr lang="es-ES" sz="1200" i="1" dirty="0"/>
           </a:p>
@@ -7952,7 +7980,7 @@
         <p:spPr>
           <a:xfrm>
             <a:off x="3525590" y="1848479"/>
-            <a:ext cx="562975" cy="261610"/>
+            <a:ext cx="579005" cy="261610"/>
           </a:xfrm>
           <a:prstGeom prst="rect">
             <a:avLst/>
@@ -7978,7 +8006,14 @@
                 <a:latin typeface="Times New Roman" panose="02020603050405020304" pitchFamily="18" charset="0"/>
                 <a:ea typeface="MS Mincho"/>
               </a:rPr>
-              <a:t>stem, S</a:t>
+              <a:t>stem, </a:t>
+            </a:r>
+            <a:r>
+              <a:rPr lang="en-GB" sz="1100" i="1" baseline="-25000" dirty="0" smtClean="0">
+                <a:latin typeface="Times New Roman" panose="02020603050405020304" pitchFamily="18" charset="0"/>
+                <a:ea typeface="MS Mincho"/>
+              </a:rPr>
+              <a:t>N</a:t>
             </a:r>
             <a:endParaRPr lang="es-ES" sz="1100" dirty="0"/>
           </a:p>
@@ -9811,8 +9846,13 @@
             <a:pPr algn="ctr"/>
             <a:r>
               <a:rPr lang="en-US" sz="1050" i="1" dirty="0" smtClean="0"/>
-              <a:t>Soil layer N</a:t>
-            </a:r>
+              <a:t>Soil layer </a:t>
+            </a:r>
+            <a:r>
+              <a:rPr lang="en-US" sz="1050" i="1" dirty="0" smtClean="0"/>
+              <a:t>S</a:t>
+            </a:r>
+            <a:endParaRPr lang="en-US" sz="1050" i="1" dirty="0" smtClean="0"/>
           </a:p>
         </p:txBody>
       </p:sp>
@@ -10028,7 +10068,14 @@
                 <a:latin typeface="Times New Roman" panose="02020603050405020304" pitchFamily="18" charset="0"/>
                 <a:ea typeface="MS Mincho"/>
               </a:rPr>
-              <a:t>, N</a:t>
+              <a:t>, </a:t>
+            </a:r>
+            <a:r>
+              <a:rPr lang="en-GB" sz="1200" i="1" baseline="-25000" dirty="0" smtClean="0">
+                <a:latin typeface="Times New Roman" panose="02020603050405020304" pitchFamily="18" charset="0"/>
+                <a:ea typeface="MS Mincho"/>
+              </a:rPr>
+              <a:t>S</a:t>
             </a:r>
             <a:endParaRPr lang="es-ES" sz="1200" i="1" dirty="0"/>
           </a:p>
@@ -10246,7 +10293,14 @@
                 <a:latin typeface="Times New Roman" panose="02020603050405020304" pitchFamily="18" charset="0"/>
                 <a:ea typeface="MS Mincho"/>
               </a:rPr>
-              <a:t>soil, N</a:t>
+              <a:t>soil, </a:t>
+            </a:r>
+            <a:r>
+              <a:rPr lang="en-GB" sz="1200" i="1" baseline="-25000" dirty="0" smtClean="0">
+                <a:latin typeface="Times New Roman" panose="02020603050405020304" pitchFamily="18" charset="0"/>
+                <a:ea typeface="MS Mincho"/>
+              </a:rPr>
+              <a:t>S</a:t>
             </a:r>
             <a:endParaRPr lang="es-ES" sz="1200" i="1" dirty="0"/>
           </a:p>
@@ -12522,7 +12576,7 @@
         <p:spPr>
           <a:xfrm>
             <a:off x="3525590" y="1848479"/>
-            <a:ext cx="562975" cy="261610"/>
+            <a:ext cx="579005" cy="261610"/>
           </a:xfrm>
           <a:prstGeom prst="rect">
             <a:avLst/>
@@ -12548,7 +12602,14 @@
                 <a:latin typeface="Times New Roman" panose="02020603050405020304" pitchFamily="18" charset="0"/>
                 <a:ea typeface="MS Mincho"/>
               </a:rPr>
-              <a:t>stem, S</a:t>
+              <a:t>stem, </a:t>
+            </a:r>
+            <a:r>
+              <a:rPr lang="en-GB" sz="1100" i="1" baseline="-25000" dirty="0" smtClean="0">
+                <a:latin typeface="Times New Roman" panose="02020603050405020304" pitchFamily="18" charset="0"/>
+                <a:ea typeface="MS Mincho"/>
+              </a:rPr>
+              <a:t>N</a:t>
             </a:r>
             <a:endParaRPr lang="es-ES" sz="1100" dirty="0"/>
           </a:p>
@@ -12867,7 +12928,16 @@
                 <a:cs typeface="Times New Roman" panose="02020603050405020304" pitchFamily="18" charset="0"/>
                 <a:sym typeface="Symbol" panose="05050102010706020507" pitchFamily="18" charset="2"/>
               </a:rPr>
-              <a:t>S</a:t>
+              <a:t></a:t>
+            </a:r>
+            <a:r>
+              <a:rPr lang="en-GB" sz="1050" dirty="0" smtClean="0">
+                <a:latin typeface="Times New Roman" panose="02020603050405020304" pitchFamily="18" charset="0"/>
+                <a:ea typeface="MS Mincho"/>
+                <a:cs typeface="Times New Roman" panose="02020603050405020304" pitchFamily="18" charset="0"/>
+                <a:sym typeface="Symbol" panose="05050102010706020507" pitchFamily="18" charset="2"/>
+              </a:rPr>
+              <a:t>S</a:t>
             </a:r>
             <a:r>
               <a:rPr lang="en-GB" sz="1050" i="1" baseline="-25000" dirty="0" smtClean="0">
@@ -12875,7 +12945,7 @@
                 <a:ea typeface="MS Mincho"/>
                 <a:cs typeface="Times New Roman" panose="02020603050405020304" pitchFamily="18" charset="0"/>
               </a:rPr>
-              <a:t>S </a:t>
+              <a:t>N </a:t>
             </a:r>
             <a:r>
               <a:rPr lang="en-GB" sz="1050" dirty="0" smtClean="0">
@@ -14175,7 +14245,7 @@
                 <a:ea typeface="MS Mincho"/>
                 <a:cs typeface="Times New Roman" panose="02020603050405020304" pitchFamily="18" charset="0"/>
               </a:rPr>
-              <a:t>S</a:t>
+              <a:t>N</a:t>
             </a:r>
             <a:endParaRPr lang="es-ES" sz="1050" i="1" baseline="-25000" dirty="0">
               <a:latin typeface="Times New Roman" panose="02020603050405020304" pitchFamily="18" charset="0"/>
@@ -14193,8 +14263,8 @@
         </p:nvSpPr>
         <p:spPr>
           <a:xfrm>
-            <a:off x="3858330" y="2013804"/>
-            <a:ext cx="516488" cy="253916"/>
+            <a:off x="3851116" y="2013804"/>
+            <a:ext cx="530916" cy="253916"/>
           </a:xfrm>
           <a:prstGeom prst="rect">
             <a:avLst/>
@@ -14243,7 +14313,15 @@
                 <a:ea typeface="MS Mincho"/>
                 <a:cs typeface="Times New Roman" panose="02020603050405020304" pitchFamily="18" charset="0"/>
               </a:rPr>
-              <a:t>, S</a:t>
+              <a:t>, </a:t>
+            </a:r>
+            <a:r>
+              <a:rPr lang="en-GB" sz="1050" i="1" baseline="-25000" dirty="0" smtClean="0">
+                <a:latin typeface="Times New Roman" panose="02020603050405020304" pitchFamily="18" charset="0"/>
+                <a:ea typeface="MS Mincho"/>
+                <a:cs typeface="Times New Roman" panose="02020603050405020304" pitchFamily="18" charset="0"/>
+              </a:rPr>
+              <a:t>N</a:t>
             </a:r>
             <a:endParaRPr lang="es-ES" sz="1050" i="1" baseline="-25000" dirty="0">
               <a:latin typeface="Times New Roman" panose="02020603050405020304" pitchFamily="18" charset="0"/>
@@ -14264,8 +14342,8 @@
         </p:nvCxnSpPr>
         <p:spPr>
           <a:xfrm>
-            <a:off x="4374818" y="2140762"/>
-            <a:ext cx="508767" cy="0"/>
+            <a:off x="4382032" y="2140762"/>
+            <a:ext cx="501553" cy="0"/>
           </a:xfrm>
           <a:prstGeom prst="straightConnector1">
             <a:avLst/>

--- a/Hydraulics.pptx
+++ b/Hydraulics.pptx
@@ -7,8 +7,10 @@
   <p:sldIdLst>
     <p:sldId id="260" r:id="rId2"/>
     <p:sldId id="257" r:id="rId3"/>
-    <p:sldId id="258" r:id="rId4"/>
-    <p:sldId id="259" r:id="rId5"/>
+    <p:sldId id="261" r:id="rId4"/>
+    <p:sldId id="262" r:id="rId5"/>
+    <p:sldId id="258" r:id="rId6"/>
+    <p:sldId id="259" r:id="rId7"/>
   </p:sldIdLst>
   <p:sldSz cx="9144000" cy="6858000" type="screen4x3"/>
   <p:notesSz cx="6858000" cy="9144000"/>
@@ -246,7 +248,7 @@
           <a:p>
             <a:fld id="{9DC3C411-F96B-413D-814B-89EB0AAF7601}" type="datetimeFigureOut">
               <a:rPr lang="en-US" smtClean="0"/>
-              <a:t>6/18/2019</a:t>
+              <a:t>7/6/2019</a:t>
             </a:fld>
             <a:endParaRPr lang="en-US"/>
           </a:p>
@@ -416,7 +418,7 @@
           <a:p>
             <a:fld id="{9DC3C411-F96B-413D-814B-89EB0AAF7601}" type="datetimeFigureOut">
               <a:rPr lang="en-US" smtClean="0"/>
-              <a:t>6/18/2019</a:t>
+              <a:t>7/6/2019</a:t>
             </a:fld>
             <a:endParaRPr lang="en-US"/>
           </a:p>
@@ -596,7 +598,7 @@
           <a:p>
             <a:fld id="{9DC3C411-F96B-413D-814B-89EB0AAF7601}" type="datetimeFigureOut">
               <a:rPr lang="en-US" smtClean="0"/>
-              <a:t>6/18/2019</a:t>
+              <a:t>7/6/2019</a:t>
             </a:fld>
             <a:endParaRPr lang="en-US"/>
           </a:p>
@@ -766,7 +768,7 @@
           <a:p>
             <a:fld id="{9DC3C411-F96B-413D-814B-89EB0AAF7601}" type="datetimeFigureOut">
               <a:rPr lang="en-US" smtClean="0"/>
-              <a:t>6/18/2019</a:t>
+              <a:t>7/6/2019</a:t>
             </a:fld>
             <a:endParaRPr lang="en-US"/>
           </a:p>
@@ -1010,7 +1012,7 @@
           <a:p>
             <a:fld id="{9DC3C411-F96B-413D-814B-89EB0AAF7601}" type="datetimeFigureOut">
               <a:rPr lang="en-US" smtClean="0"/>
-              <a:t>6/18/2019</a:t>
+              <a:t>7/6/2019</a:t>
             </a:fld>
             <a:endParaRPr lang="en-US"/>
           </a:p>
@@ -1242,7 +1244,7 @@
           <a:p>
             <a:fld id="{9DC3C411-F96B-413D-814B-89EB0AAF7601}" type="datetimeFigureOut">
               <a:rPr lang="en-US" smtClean="0"/>
-              <a:t>6/18/2019</a:t>
+              <a:t>7/6/2019</a:t>
             </a:fld>
             <a:endParaRPr lang="en-US"/>
           </a:p>
@@ -1609,7 +1611,7 @@
           <a:p>
             <a:fld id="{9DC3C411-F96B-413D-814B-89EB0AAF7601}" type="datetimeFigureOut">
               <a:rPr lang="en-US" smtClean="0"/>
-              <a:t>6/18/2019</a:t>
+              <a:t>7/6/2019</a:t>
             </a:fld>
             <a:endParaRPr lang="en-US"/>
           </a:p>
@@ -1727,7 +1729,7 @@
           <a:p>
             <a:fld id="{9DC3C411-F96B-413D-814B-89EB0AAF7601}" type="datetimeFigureOut">
               <a:rPr lang="en-US" smtClean="0"/>
-              <a:t>6/18/2019</a:t>
+              <a:t>7/6/2019</a:t>
             </a:fld>
             <a:endParaRPr lang="en-US"/>
           </a:p>
@@ -1822,7 +1824,7 @@
           <a:p>
             <a:fld id="{9DC3C411-F96B-413D-814B-89EB0AAF7601}" type="datetimeFigureOut">
               <a:rPr lang="en-US" smtClean="0"/>
-              <a:t>6/18/2019</a:t>
+              <a:t>7/6/2019</a:t>
             </a:fld>
             <a:endParaRPr lang="en-US"/>
           </a:p>
@@ -2099,7 +2101,7 @@
           <a:p>
             <a:fld id="{9DC3C411-F96B-413D-814B-89EB0AAF7601}" type="datetimeFigureOut">
               <a:rPr lang="en-US" smtClean="0"/>
-              <a:t>6/18/2019</a:t>
+              <a:t>7/6/2019</a:t>
             </a:fld>
             <a:endParaRPr lang="en-US"/>
           </a:p>
@@ -2356,7 +2358,7 @@
           <a:p>
             <a:fld id="{9DC3C411-F96B-413D-814B-89EB0AAF7601}" type="datetimeFigureOut">
               <a:rPr lang="en-US" smtClean="0"/>
-              <a:t>6/18/2019</a:t>
+              <a:t>7/6/2019</a:t>
             </a:fld>
             <a:endParaRPr lang="en-US"/>
           </a:p>
@@ -2569,7 +2571,7 @@
           <a:p>
             <a:fld id="{9DC3C411-F96B-413D-814B-89EB0AAF7601}" type="datetimeFigureOut">
               <a:rPr lang="en-US" smtClean="0"/>
-              <a:t>6/18/2019</a:t>
+              <a:t>7/6/2019</a:t>
             </a:fld>
             <a:endParaRPr lang="en-US"/>
           </a:p>
@@ -3668,13 +3670,8 @@
             <a:pPr algn="ctr"/>
             <a:r>
               <a:rPr lang="en-US" sz="1050" i="1" dirty="0" smtClean="0"/>
-              <a:t>Soil layer </a:t>
-            </a:r>
-            <a:r>
-              <a:rPr lang="en-US" sz="1050" i="1" dirty="0" smtClean="0"/>
-              <a:t>S</a:t>
-            </a:r>
-            <a:endParaRPr lang="en-US" sz="1050" i="1" dirty="0" smtClean="0"/>
+              <a:t>Soil layer S</a:t>
+            </a:r>
           </a:p>
         </p:txBody>
       </p:sp>
@@ -3890,14 +3887,7 @@
                 <a:latin typeface="Times New Roman" panose="02020603050405020304" pitchFamily="18" charset="0"/>
                 <a:ea typeface="MS Mincho"/>
               </a:rPr>
-              <a:t>, </a:t>
-            </a:r>
-            <a:r>
-              <a:rPr lang="en-GB" sz="1200" i="1" baseline="-25000" dirty="0" smtClean="0">
-                <a:latin typeface="Times New Roman" panose="02020603050405020304" pitchFamily="18" charset="0"/>
-                <a:ea typeface="MS Mincho"/>
-              </a:rPr>
-              <a:t>S</a:t>
+              <a:t>, S</a:t>
             </a:r>
             <a:endParaRPr lang="es-ES" sz="1200" i="1" dirty="0"/>
           </a:p>
@@ -4115,14 +4105,7 @@
                 <a:latin typeface="Times New Roman" panose="02020603050405020304" pitchFamily="18" charset="0"/>
                 <a:ea typeface="MS Mincho"/>
               </a:rPr>
-              <a:t>soil, </a:t>
-            </a:r>
-            <a:r>
-              <a:rPr lang="en-GB" sz="1200" i="1" baseline="-25000" dirty="0" smtClean="0">
-                <a:latin typeface="Times New Roman" panose="02020603050405020304" pitchFamily="18" charset="0"/>
-                <a:ea typeface="MS Mincho"/>
-              </a:rPr>
-              <a:t>S</a:t>
+              <a:t>soil, S</a:t>
             </a:r>
             <a:endParaRPr lang="es-ES" sz="1200" i="1" dirty="0"/>
           </a:p>
@@ -6130,13 +6113,8 @@
             <a:pPr algn="ctr"/>
             <a:r>
               <a:rPr lang="en-US" sz="1050" i="1" dirty="0" smtClean="0"/>
-              <a:t>Soil layer </a:t>
-            </a:r>
-            <a:r>
-              <a:rPr lang="en-US" sz="1050" i="1" dirty="0" smtClean="0"/>
-              <a:t>S</a:t>
-            </a:r>
-            <a:endParaRPr lang="en-US" sz="1050" i="1" dirty="0" smtClean="0"/>
+              <a:t>Soil layer S</a:t>
+            </a:r>
           </a:p>
         </p:txBody>
       </p:sp>
@@ -6382,14 +6360,7 @@
                 <a:latin typeface="Times New Roman" panose="02020603050405020304" pitchFamily="18" charset="0"/>
                 <a:ea typeface="MS Mincho"/>
               </a:rPr>
-              <a:t>, </a:t>
-            </a:r>
-            <a:r>
-              <a:rPr lang="en-GB" sz="1200" i="1" baseline="-25000" dirty="0" smtClean="0">
-                <a:latin typeface="Times New Roman" panose="02020603050405020304" pitchFamily="18" charset="0"/>
-                <a:ea typeface="MS Mincho"/>
-              </a:rPr>
-              <a:t>S</a:t>
+              <a:t>, S</a:t>
             </a:r>
             <a:endParaRPr lang="es-ES" sz="1200" i="1" dirty="0"/>
           </a:p>
@@ -6607,14 +6578,7 @@
                 <a:latin typeface="Times New Roman" panose="02020603050405020304" pitchFamily="18" charset="0"/>
                 <a:ea typeface="MS Mincho"/>
               </a:rPr>
-              <a:t>soil, </a:t>
-            </a:r>
-            <a:r>
-              <a:rPr lang="en-GB" sz="1200" i="1" baseline="-25000" dirty="0" smtClean="0">
-                <a:latin typeface="Times New Roman" panose="02020603050405020304" pitchFamily="18" charset="0"/>
-                <a:ea typeface="MS Mincho"/>
-              </a:rPr>
-              <a:t>S</a:t>
+              <a:t>soil, S</a:t>
             </a:r>
             <a:endParaRPr lang="es-ES" sz="1200" i="1" dirty="0"/>
           </a:p>
@@ -8006,14 +7970,7 @@
                 <a:latin typeface="Times New Roman" panose="02020603050405020304" pitchFamily="18" charset="0"/>
                 <a:ea typeface="MS Mincho"/>
               </a:rPr>
-              <a:t>stem, </a:t>
-            </a:r>
-            <a:r>
-              <a:rPr lang="en-GB" sz="1100" i="1" baseline="-25000" dirty="0" smtClean="0">
-                <a:latin typeface="Times New Roman" panose="02020603050405020304" pitchFamily="18" charset="0"/>
-                <a:ea typeface="MS Mincho"/>
-              </a:rPr>
-              <a:t>N</a:t>
+              <a:t>stem, N</a:t>
             </a:r>
             <a:endParaRPr lang="es-ES" sz="1100" dirty="0"/>
           </a:p>
@@ -9095,6 +9052,7180 @@
 <file path=ppt/slides/slide3.xml><?xml version="1.0" encoding="utf-8"?>
 <p:sld xmlns:a="http://schemas.openxmlformats.org/drawingml/2006/main" xmlns:r="http://schemas.openxmlformats.org/officeDocument/2006/relationships" xmlns:p="http://schemas.openxmlformats.org/presentationml/2006/main">
   <p:cSld>
+    <p:spTree>
+      <p:nvGrpSpPr>
+        <p:cNvPr id="1" name=""/>
+        <p:cNvGrpSpPr/>
+        <p:nvPr/>
+      </p:nvGrpSpPr>
+      <p:grpSpPr>
+        <a:xfrm>
+          <a:off x="0" y="0"/>
+          <a:ext cx="0" cy="0"/>
+          <a:chOff x="0" y="0"/>
+          <a:chExt cx="0" cy="0"/>
+        </a:xfrm>
+      </p:grpSpPr>
+      <p:sp>
+        <p:nvSpPr>
+          <p:cNvPr id="158" name="Rectángulo 157"/>
+          <p:cNvSpPr/>
+          <p:nvPr/>
+        </p:nvSpPr>
+        <p:spPr>
+          <a:xfrm>
+            <a:off x="1551204" y="929459"/>
+            <a:ext cx="3508466" cy="4659961"/>
+          </a:xfrm>
+          <a:prstGeom prst="rect">
+            <a:avLst/>
+          </a:prstGeom>
+          <a:solidFill>
+            <a:schemeClr val="bg1"/>
+          </a:solidFill>
+          <a:ln>
+            <a:noFill/>
+          </a:ln>
+        </p:spPr>
+        <p:style>
+          <a:lnRef idx="2">
+            <a:schemeClr val="accent1">
+              <a:shade val="50000"/>
+            </a:schemeClr>
+          </a:lnRef>
+          <a:fillRef idx="1">
+            <a:schemeClr val="accent1"/>
+          </a:fillRef>
+          <a:effectRef idx="0">
+            <a:schemeClr val="accent1"/>
+          </a:effectRef>
+          <a:fontRef idx="minor">
+            <a:schemeClr val="lt1"/>
+          </a:fontRef>
+        </p:style>
+        <p:txBody>
+          <a:bodyPr rtlCol="0" anchor="ctr"/>
+          <a:lstStyle/>
+          <a:p>
+            <a:pPr algn="ctr"/>
+            <a:endParaRPr lang="es-ES"/>
+          </a:p>
+        </p:txBody>
+      </p:sp>
+      <p:pic>
+        <p:nvPicPr>
+          <p:cNvPr id="5" name="Picture 2" descr="Resultat d'imatges de tree roots drawing vector"/>
+          <p:cNvPicPr>
+            <a:picLocks noChangeAspect="1" noChangeArrowheads="1"/>
+          </p:cNvPicPr>
+          <p:nvPr/>
+        </p:nvPicPr>
+        <p:blipFill>
+          <a:blip r:embed="rId2" cstate="print">
+            <a:extLst>
+              <a:ext uri="{28A0092B-C50C-407E-A947-70E740481C1C}">
+                <a14:useLocalDpi xmlns:a14="http://schemas.microsoft.com/office/drawing/2010/main" val="0"/>
+              </a:ext>
+            </a:extLst>
+          </a:blip>
+          <a:srcRect/>
+          <a:stretch>
+            <a:fillRect/>
+          </a:stretch>
+        </p:blipFill>
+        <p:spPr bwMode="auto">
+          <a:xfrm>
+            <a:off x="1558557" y="1323048"/>
+            <a:ext cx="2954918" cy="4093570"/>
+          </a:xfrm>
+          <a:prstGeom prst="rect">
+            <a:avLst/>
+          </a:prstGeom>
+          <a:noFill/>
+          <a:extLst>
+            <a:ext uri="{909E8E84-426E-40DD-AFC4-6F175D3DCCD1}">
+              <a14:hiddenFill xmlns:a14="http://schemas.microsoft.com/office/drawing/2010/main">
+                <a:solidFill>
+                  <a:srgbClr val="FFFFFF"/>
+                </a:solidFill>
+              </a14:hiddenFill>
+            </a:ext>
+          </a:extLst>
+        </p:spPr>
+      </p:pic>
+      <p:sp>
+        <p:nvSpPr>
+          <p:cNvPr id="6" name="Rectángulo 5"/>
+          <p:cNvSpPr/>
+          <p:nvPr/>
+        </p:nvSpPr>
+        <p:spPr>
+          <a:xfrm>
+            <a:off x="3298733" y="934751"/>
+            <a:ext cx="3627995" cy="4659961"/>
+          </a:xfrm>
+          <a:prstGeom prst="rect">
+            <a:avLst/>
+          </a:prstGeom>
+          <a:solidFill>
+            <a:schemeClr val="bg1"/>
+          </a:solidFill>
+          <a:ln>
+            <a:noFill/>
+          </a:ln>
+        </p:spPr>
+        <p:style>
+          <a:lnRef idx="2">
+            <a:schemeClr val="accent1">
+              <a:shade val="50000"/>
+            </a:schemeClr>
+          </a:lnRef>
+          <a:fillRef idx="1">
+            <a:schemeClr val="accent1"/>
+          </a:fillRef>
+          <a:effectRef idx="0">
+            <a:schemeClr val="accent1"/>
+          </a:effectRef>
+          <a:fontRef idx="minor">
+            <a:schemeClr val="lt1"/>
+          </a:fontRef>
+        </p:style>
+        <p:txBody>
+          <a:bodyPr rtlCol="0" anchor="ctr"/>
+          <a:lstStyle/>
+          <a:p>
+            <a:pPr algn="ctr"/>
+            <a:endParaRPr lang="es-ES"/>
+          </a:p>
+        </p:txBody>
+      </p:sp>
+      <p:cxnSp>
+        <p:nvCxnSpPr>
+          <p:cNvPr id="7" name="Conector recto de flecha 6"/>
+          <p:cNvCxnSpPr>
+            <a:endCxn id="10" idx="4"/>
+          </p:cNvCxnSpPr>
+          <p:nvPr/>
+        </p:nvCxnSpPr>
+        <p:spPr>
+          <a:xfrm>
+            <a:off x="4113764" y="1266376"/>
+            <a:ext cx="0" cy="2603699"/>
+          </a:xfrm>
+          <a:prstGeom prst="straightConnector1">
+            <a:avLst/>
+          </a:prstGeom>
+          <a:ln w="9525">
+            <a:solidFill>
+              <a:schemeClr val="tx1"/>
+            </a:solidFill>
+            <a:headEnd type="triangle" w="med" len="med"/>
+            <a:tailEnd type="none" w="med" len="med"/>
+          </a:ln>
+        </p:spPr>
+        <p:style>
+          <a:lnRef idx="1">
+            <a:schemeClr val="accent1"/>
+          </a:lnRef>
+          <a:fillRef idx="0">
+            <a:schemeClr val="accent1"/>
+          </a:fillRef>
+          <a:effectRef idx="0">
+            <a:schemeClr val="accent1"/>
+          </a:effectRef>
+          <a:fontRef idx="minor">
+            <a:schemeClr val="tx1"/>
+          </a:fontRef>
+        </p:style>
+      </p:cxnSp>
+      <p:sp>
+        <p:nvSpPr>
+          <p:cNvPr id="10" name="Elipse 9"/>
+          <p:cNvSpPr/>
+          <p:nvPr/>
+        </p:nvSpPr>
+        <p:spPr>
+          <a:xfrm>
+            <a:off x="4032484" y="3665184"/>
+            <a:ext cx="162560" cy="204891"/>
+          </a:xfrm>
+          <a:prstGeom prst="ellipse">
+            <a:avLst/>
+          </a:prstGeom>
+          <a:solidFill>
+            <a:schemeClr val="bg2"/>
+          </a:solidFill>
+        </p:spPr>
+        <p:style>
+          <a:lnRef idx="2">
+            <a:schemeClr val="accent1">
+              <a:shade val="50000"/>
+            </a:schemeClr>
+          </a:lnRef>
+          <a:fillRef idx="1">
+            <a:schemeClr val="accent1"/>
+          </a:fillRef>
+          <a:effectRef idx="0">
+            <a:schemeClr val="accent1"/>
+          </a:effectRef>
+          <a:fontRef idx="minor">
+            <a:schemeClr val="lt1"/>
+          </a:fontRef>
+        </p:style>
+        <p:txBody>
+          <a:bodyPr rtlCol="0" anchor="ctr"/>
+          <a:lstStyle/>
+          <a:p>
+            <a:pPr algn="ctr"/>
+            <a:endParaRPr lang="es-ES"/>
+          </a:p>
+        </p:txBody>
+      </p:sp>
+      <p:sp>
+        <p:nvSpPr>
+          <p:cNvPr id="11" name="Elipse 10"/>
+          <p:cNvSpPr/>
+          <p:nvPr/>
+        </p:nvSpPr>
+        <p:spPr>
+          <a:xfrm>
+            <a:off x="5631726" y="3665184"/>
+            <a:ext cx="162560" cy="204891"/>
+          </a:xfrm>
+          <a:prstGeom prst="ellipse">
+            <a:avLst/>
+          </a:prstGeom>
+          <a:solidFill>
+            <a:schemeClr val="bg2"/>
+          </a:solidFill>
+        </p:spPr>
+        <p:style>
+          <a:lnRef idx="2">
+            <a:schemeClr val="accent1">
+              <a:shade val="50000"/>
+            </a:schemeClr>
+          </a:lnRef>
+          <a:fillRef idx="1">
+            <a:schemeClr val="accent1"/>
+          </a:fillRef>
+          <a:effectRef idx="0">
+            <a:schemeClr val="accent1"/>
+          </a:effectRef>
+          <a:fontRef idx="minor">
+            <a:schemeClr val="lt1"/>
+          </a:fontRef>
+        </p:style>
+        <p:txBody>
+          <a:bodyPr rtlCol="0" anchor="ctr"/>
+          <a:lstStyle/>
+          <a:p>
+            <a:pPr algn="ctr"/>
+            <a:endParaRPr lang="es-ES"/>
+          </a:p>
+        </p:txBody>
+      </p:sp>
+      <p:cxnSp>
+        <p:nvCxnSpPr>
+          <p:cNvPr id="12" name="Conector recto de flecha 11"/>
+          <p:cNvCxnSpPr>
+            <a:stCxn id="11" idx="2"/>
+            <a:endCxn id="10" idx="6"/>
+          </p:cNvCxnSpPr>
+          <p:nvPr/>
+        </p:nvCxnSpPr>
+        <p:spPr>
+          <a:xfrm flipH="1">
+            <a:off x="4195044" y="3767630"/>
+            <a:ext cx="1436682" cy="0"/>
+          </a:xfrm>
+          <a:prstGeom prst="straightConnector1">
+            <a:avLst/>
+          </a:prstGeom>
+          <a:ln w="9525">
+            <a:solidFill>
+              <a:schemeClr val="tx1"/>
+            </a:solidFill>
+            <a:headEnd type="none" w="med" len="med"/>
+            <a:tailEnd type="none" w="med" len="med"/>
+          </a:ln>
+        </p:spPr>
+        <p:style>
+          <a:lnRef idx="1">
+            <a:schemeClr val="accent1"/>
+          </a:lnRef>
+          <a:fillRef idx="0">
+            <a:schemeClr val="accent1"/>
+          </a:fillRef>
+          <a:effectRef idx="0">
+            <a:schemeClr val="accent1"/>
+          </a:effectRef>
+          <a:fontRef idx="minor">
+            <a:schemeClr val="tx1"/>
+          </a:fontRef>
+        </p:style>
+      </p:cxnSp>
+      <p:sp>
+        <p:nvSpPr>
+          <p:cNvPr id="13" name="Elipse 12"/>
+          <p:cNvSpPr/>
+          <p:nvPr/>
+        </p:nvSpPr>
+        <p:spPr>
+          <a:xfrm>
+            <a:off x="4839124" y="3675125"/>
+            <a:ext cx="162560" cy="204891"/>
+          </a:xfrm>
+          <a:prstGeom prst="ellipse">
+            <a:avLst/>
+          </a:prstGeom>
+          <a:solidFill>
+            <a:schemeClr val="bg2"/>
+          </a:solidFill>
+        </p:spPr>
+        <p:style>
+          <a:lnRef idx="2">
+            <a:schemeClr val="accent1">
+              <a:shade val="50000"/>
+            </a:schemeClr>
+          </a:lnRef>
+          <a:fillRef idx="1">
+            <a:schemeClr val="accent1"/>
+          </a:fillRef>
+          <a:effectRef idx="0">
+            <a:schemeClr val="accent1"/>
+          </a:effectRef>
+          <a:fontRef idx="minor">
+            <a:schemeClr val="lt1"/>
+          </a:fontRef>
+        </p:style>
+        <p:txBody>
+          <a:bodyPr rtlCol="0" anchor="ctr"/>
+          <a:lstStyle/>
+          <a:p>
+            <a:pPr algn="ctr"/>
+            <a:endParaRPr lang="es-ES"/>
+          </a:p>
+        </p:txBody>
+      </p:sp>
+      <p:sp>
+        <p:nvSpPr>
+          <p:cNvPr id="16" name="Elipse 15"/>
+          <p:cNvSpPr/>
+          <p:nvPr/>
+        </p:nvSpPr>
+        <p:spPr>
+          <a:xfrm>
+            <a:off x="5652046" y="4138446"/>
+            <a:ext cx="162560" cy="204891"/>
+          </a:xfrm>
+          <a:prstGeom prst="ellipse">
+            <a:avLst/>
+          </a:prstGeom>
+          <a:solidFill>
+            <a:schemeClr val="bg2"/>
+          </a:solidFill>
+        </p:spPr>
+        <p:style>
+          <a:lnRef idx="2">
+            <a:schemeClr val="accent1">
+              <a:shade val="50000"/>
+            </a:schemeClr>
+          </a:lnRef>
+          <a:fillRef idx="1">
+            <a:schemeClr val="accent1"/>
+          </a:fillRef>
+          <a:effectRef idx="0">
+            <a:schemeClr val="accent1"/>
+          </a:effectRef>
+          <a:fontRef idx="minor">
+            <a:schemeClr val="lt1"/>
+          </a:fontRef>
+        </p:style>
+        <p:txBody>
+          <a:bodyPr rtlCol="0" anchor="ctr"/>
+          <a:lstStyle/>
+          <a:p>
+            <a:pPr algn="ctr"/>
+            <a:endParaRPr lang="es-ES"/>
+          </a:p>
+        </p:txBody>
+      </p:sp>
+      <p:cxnSp>
+        <p:nvCxnSpPr>
+          <p:cNvPr id="17" name="Conector recto de flecha 16"/>
+          <p:cNvCxnSpPr>
+            <a:stCxn id="16" idx="2"/>
+          </p:cNvCxnSpPr>
+          <p:nvPr/>
+        </p:nvCxnSpPr>
+        <p:spPr>
+          <a:xfrm flipH="1">
+            <a:off x="4506540" y="4240892"/>
+            <a:ext cx="1145506" cy="14175"/>
+          </a:xfrm>
+          <a:prstGeom prst="straightConnector1">
+            <a:avLst/>
+          </a:prstGeom>
+          <a:ln w="9525">
+            <a:solidFill>
+              <a:schemeClr val="tx1"/>
+            </a:solidFill>
+            <a:headEnd type="none" w="med" len="med"/>
+            <a:tailEnd type="none" w="med" len="med"/>
+          </a:ln>
+        </p:spPr>
+        <p:style>
+          <a:lnRef idx="1">
+            <a:schemeClr val="accent1"/>
+          </a:lnRef>
+          <a:fillRef idx="0">
+            <a:schemeClr val="accent1"/>
+          </a:fillRef>
+          <a:effectRef idx="0">
+            <a:schemeClr val="accent1"/>
+          </a:effectRef>
+          <a:fontRef idx="minor">
+            <a:schemeClr val="tx1"/>
+          </a:fontRef>
+        </p:style>
+      </p:cxnSp>
+      <p:sp>
+        <p:nvSpPr>
+          <p:cNvPr id="18" name="Elipse 17"/>
+          <p:cNvSpPr/>
+          <p:nvPr/>
+        </p:nvSpPr>
+        <p:spPr>
+          <a:xfrm>
+            <a:off x="4859444" y="4148387"/>
+            <a:ext cx="162560" cy="204891"/>
+          </a:xfrm>
+          <a:prstGeom prst="ellipse">
+            <a:avLst/>
+          </a:prstGeom>
+          <a:solidFill>
+            <a:schemeClr val="bg2"/>
+          </a:solidFill>
+        </p:spPr>
+        <p:style>
+          <a:lnRef idx="2">
+            <a:schemeClr val="accent1">
+              <a:shade val="50000"/>
+            </a:schemeClr>
+          </a:lnRef>
+          <a:fillRef idx="1">
+            <a:schemeClr val="accent1"/>
+          </a:fillRef>
+          <a:effectRef idx="0">
+            <a:schemeClr val="accent1"/>
+          </a:effectRef>
+          <a:fontRef idx="minor">
+            <a:schemeClr val="lt1"/>
+          </a:fontRef>
+        </p:style>
+        <p:txBody>
+          <a:bodyPr rtlCol="0" anchor="ctr"/>
+          <a:lstStyle/>
+          <a:p>
+            <a:pPr algn="ctr"/>
+            <a:endParaRPr lang="es-ES"/>
+          </a:p>
+        </p:txBody>
+      </p:sp>
+      <p:sp>
+        <p:nvSpPr>
+          <p:cNvPr id="21" name="Elipse 20"/>
+          <p:cNvSpPr/>
+          <p:nvPr/>
+        </p:nvSpPr>
+        <p:spPr>
+          <a:xfrm>
+            <a:off x="5652046" y="4751208"/>
+            <a:ext cx="162560" cy="204891"/>
+          </a:xfrm>
+          <a:prstGeom prst="ellipse">
+            <a:avLst/>
+          </a:prstGeom>
+          <a:solidFill>
+            <a:schemeClr val="bg2"/>
+          </a:solidFill>
+        </p:spPr>
+        <p:style>
+          <a:lnRef idx="2">
+            <a:schemeClr val="accent1">
+              <a:shade val="50000"/>
+            </a:schemeClr>
+          </a:lnRef>
+          <a:fillRef idx="1">
+            <a:schemeClr val="accent1"/>
+          </a:fillRef>
+          <a:effectRef idx="0">
+            <a:schemeClr val="accent1"/>
+          </a:effectRef>
+          <a:fontRef idx="minor">
+            <a:schemeClr val="lt1"/>
+          </a:fontRef>
+        </p:style>
+        <p:txBody>
+          <a:bodyPr rtlCol="0" anchor="ctr"/>
+          <a:lstStyle/>
+          <a:p>
+            <a:pPr algn="ctr"/>
+            <a:endParaRPr lang="es-ES"/>
+          </a:p>
+        </p:txBody>
+      </p:sp>
+      <p:cxnSp>
+        <p:nvCxnSpPr>
+          <p:cNvPr id="22" name="Conector recto de flecha 21"/>
+          <p:cNvCxnSpPr>
+            <a:stCxn id="21" idx="2"/>
+          </p:cNvCxnSpPr>
+          <p:nvPr/>
+        </p:nvCxnSpPr>
+        <p:spPr>
+          <a:xfrm flipH="1">
+            <a:off x="4504697" y="4853654"/>
+            <a:ext cx="1147349" cy="9505"/>
+          </a:xfrm>
+          <a:prstGeom prst="straightConnector1">
+            <a:avLst/>
+          </a:prstGeom>
+          <a:ln w="9525">
+            <a:solidFill>
+              <a:schemeClr val="tx1"/>
+            </a:solidFill>
+            <a:headEnd type="none" w="med" len="med"/>
+            <a:tailEnd type="none" w="med" len="med"/>
+          </a:ln>
+        </p:spPr>
+        <p:style>
+          <a:lnRef idx="1">
+            <a:schemeClr val="accent1"/>
+          </a:lnRef>
+          <a:fillRef idx="0">
+            <a:schemeClr val="accent1"/>
+          </a:fillRef>
+          <a:effectRef idx="0">
+            <a:schemeClr val="accent1"/>
+          </a:effectRef>
+          <a:fontRef idx="minor">
+            <a:schemeClr val="tx1"/>
+          </a:fontRef>
+        </p:style>
+      </p:cxnSp>
+      <p:sp>
+        <p:nvSpPr>
+          <p:cNvPr id="23" name="Elipse 22"/>
+          <p:cNvSpPr/>
+          <p:nvPr/>
+        </p:nvSpPr>
+        <p:spPr>
+          <a:xfrm>
+            <a:off x="4859444" y="4761149"/>
+            <a:ext cx="162560" cy="204891"/>
+          </a:xfrm>
+          <a:prstGeom prst="ellipse">
+            <a:avLst/>
+          </a:prstGeom>
+          <a:solidFill>
+            <a:schemeClr val="bg2"/>
+          </a:solidFill>
+        </p:spPr>
+        <p:style>
+          <a:lnRef idx="2">
+            <a:schemeClr val="accent1">
+              <a:shade val="50000"/>
+            </a:schemeClr>
+          </a:lnRef>
+          <a:fillRef idx="1">
+            <a:schemeClr val="accent1"/>
+          </a:fillRef>
+          <a:effectRef idx="0">
+            <a:schemeClr val="accent1"/>
+          </a:effectRef>
+          <a:fontRef idx="minor">
+            <a:schemeClr val="lt1"/>
+          </a:fontRef>
+        </p:style>
+        <p:txBody>
+          <a:bodyPr rtlCol="0" anchor="ctr"/>
+          <a:lstStyle/>
+          <a:p>
+            <a:pPr algn="ctr"/>
+            <a:endParaRPr lang="es-ES"/>
+          </a:p>
+        </p:txBody>
+      </p:sp>
+      <p:sp>
+        <p:nvSpPr>
+          <p:cNvPr id="26" name="CuadroTexto 25"/>
+          <p:cNvSpPr txBox="1"/>
+          <p:nvPr/>
+        </p:nvSpPr>
+        <p:spPr>
+          <a:xfrm>
+            <a:off x="5948343" y="3585232"/>
+            <a:ext cx="978386" cy="261610"/>
+          </a:xfrm>
+          <a:prstGeom prst="rect">
+            <a:avLst/>
+          </a:prstGeom>
+          <a:noFill/>
+        </p:spPr>
+        <p:txBody>
+          <a:bodyPr wrap="square" rtlCol="0">
+            <a:spAutoFit/>
+          </a:bodyPr>
+          <a:lstStyle/>
+          <a:p>
+            <a:pPr algn="ctr"/>
+            <a:r>
+              <a:rPr lang="en-US" sz="1050" i="1" dirty="0" smtClean="0"/>
+              <a:t>Soil layer </a:t>
+            </a:r>
+            <a:r>
+              <a:rPr lang="en-US" sz="1050" dirty="0" smtClean="0"/>
+              <a:t>1</a:t>
+            </a:r>
+          </a:p>
+        </p:txBody>
+      </p:sp>
+      <p:sp>
+        <p:nvSpPr>
+          <p:cNvPr id="27" name="CuadroTexto 26"/>
+          <p:cNvSpPr txBox="1"/>
+          <p:nvPr/>
+        </p:nvSpPr>
+        <p:spPr>
+          <a:xfrm>
+            <a:off x="5961756" y="4109209"/>
+            <a:ext cx="978386" cy="261610"/>
+          </a:xfrm>
+          <a:prstGeom prst="rect">
+            <a:avLst/>
+          </a:prstGeom>
+          <a:noFill/>
+        </p:spPr>
+        <p:txBody>
+          <a:bodyPr wrap="square" rtlCol="0">
+            <a:spAutoFit/>
+          </a:bodyPr>
+          <a:lstStyle/>
+          <a:p>
+            <a:pPr algn="ctr"/>
+            <a:r>
+              <a:rPr lang="en-US" sz="1050" i="1" dirty="0" smtClean="0"/>
+              <a:t>Soil layer </a:t>
+            </a:r>
+            <a:r>
+              <a:rPr lang="en-US" sz="1050" dirty="0" smtClean="0"/>
+              <a:t>2</a:t>
+            </a:r>
+          </a:p>
+        </p:txBody>
+      </p:sp>
+      <p:sp>
+        <p:nvSpPr>
+          <p:cNvPr id="28" name="CuadroTexto 27"/>
+          <p:cNvSpPr txBox="1"/>
+          <p:nvPr/>
+        </p:nvSpPr>
+        <p:spPr>
+          <a:xfrm>
+            <a:off x="5986120" y="4773851"/>
+            <a:ext cx="978386" cy="261610"/>
+          </a:xfrm>
+          <a:prstGeom prst="rect">
+            <a:avLst/>
+          </a:prstGeom>
+          <a:noFill/>
+        </p:spPr>
+        <p:txBody>
+          <a:bodyPr wrap="square" rtlCol="0">
+            <a:spAutoFit/>
+          </a:bodyPr>
+          <a:lstStyle/>
+          <a:p>
+            <a:pPr algn="ctr"/>
+            <a:r>
+              <a:rPr lang="en-US" sz="1050" i="1" dirty="0" smtClean="0"/>
+              <a:t>Soil layer S</a:t>
+            </a:r>
+          </a:p>
+        </p:txBody>
+      </p:sp>
+      <p:sp>
+        <p:nvSpPr>
+          <p:cNvPr id="29" name="CuadroTexto 28"/>
+          <p:cNvSpPr txBox="1"/>
+          <p:nvPr/>
+        </p:nvSpPr>
+        <p:spPr>
+          <a:xfrm rot="16200000">
+            <a:off x="3211164" y="2390291"/>
+            <a:ext cx="484973" cy="261610"/>
+          </a:xfrm>
+          <a:prstGeom prst="rect">
+            <a:avLst/>
+          </a:prstGeom>
+          <a:noFill/>
+        </p:spPr>
+        <p:txBody>
+          <a:bodyPr wrap="square" rtlCol="0">
+            <a:spAutoFit/>
+          </a:bodyPr>
+          <a:lstStyle/>
+          <a:p>
+            <a:pPr algn="ctr"/>
+            <a:r>
+              <a:rPr lang="en-US" sz="1050" i="1" dirty="0" smtClean="0"/>
+              <a:t>Stem</a:t>
+            </a:r>
+          </a:p>
+        </p:txBody>
+      </p:sp>
+      <p:sp>
+        <p:nvSpPr>
+          <p:cNvPr id="30" name="CuadroTexto 29"/>
+          <p:cNvSpPr txBox="1"/>
+          <p:nvPr/>
+        </p:nvSpPr>
+        <p:spPr>
+          <a:xfrm>
+            <a:off x="4091344" y="5212893"/>
+            <a:ext cx="575744" cy="261610"/>
+          </a:xfrm>
+          <a:prstGeom prst="rect">
+            <a:avLst/>
+          </a:prstGeom>
+          <a:noFill/>
+        </p:spPr>
+        <p:txBody>
+          <a:bodyPr wrap="square" rtlCol="0">
+            <a:spAutoFit/>
+          </a:bodyPr>
+          <a:lstStyle/>
+          <a:p>
+            <a:pPr algn="ctr"/>
+            <a:r>
+              <a:rPr lang="en-US" sz="1050" i="1" dirty="0" smtClean="0"/>
+              <a:t>Roots</a:t>
+            </a:r>
+          </a:p>
+        </p:txBody>
+      </p:sp>
+      <p:sp>
+        <p:nvSpPr>
+          <p:cNvPr id="31" name="CuadroTexto 30"/>
+          <p:cNvSpPr txBox="1"/>
+          <p:nvPr/>
+        </p:nvSpPr>
+        <p:spPr>
+          <a:xfrm>
+            <a:off x="4710112" y="5228597"/>
+            <a:ext cx="1477455" cy="261610"/>
+          </a:xfrm>
+          <a:prstGeom prst="rect">
+            <a:avLst/>
+          </a:prstGeom>
+          <a:noFill/>
+        </p:spPr>
+        <p:txBody>
+          <a:bodyPr wrap="square" rtlCol="0">
+            <a:spAutoFit/>
+          </a:bodyPr>
+          <a:lstStyle/>
+          <a:p>
+            <a:pPr algn="ctr"/>
+            <a:r>
+              <a:rPr lang="en-US" sz="1050" i="1" dirty="0" smtClean="0"/>
+              <a:t>Rhizosphere</a:t>
+            </a:r>
+          </a:p>
+        </p:txBody>
+      </p:sp>
+      <p:sp>
+        <p:nvSpPr>
+          <p:cNvPr id="32" name="Rectángulo 31"/>
+          <p:cNvSpPr/>
+          <p:nvPr/>
+        </p:nvSpPr>
+        <p:spPr>
+          <a:xfrm>
+            <a:off x="4653440" y="3841765"/>
+            <a:ext cx="737125" cy="276999"/>
+          </a:xfrm>
+          <a:prstGeom prst="rect">
+            <a:avLst/>
+          </a:prstGeom>
+        </p:spPr>
+        <p:txBody>
+          <a:bodyPr wrap="none">
+            <a:spAutoFit/>
+          </a:bodyPr>
+          <a:lstStyle/>
+          <a:p>
+            <a:r>
+              <a:rPr lang="en-GB" sz="1200" dirty="0" smtClean="0">
+                <a:latin typeface="Times New Roman" panose="02020603050405020304" pitchFamily="18" charset="0"/>
+                <a:ea typeface="MS Mincho"/>
+                <a:cs typeface="Times New Roman" panose="02020603050405020304" pitchFamily="18" charset="0"/>
+                <a:sym typeface="Symbol" panose="05050102010706020507" pitchFamily="18" charset="2"/>
+              </a:rPr>
+              <a:t></a:t>
+            </a:r>
+            <a:r>
+              <a:rPr lang="en-GB" sz="1200" i="1" baseline="-25000" dirty="0" err="1" smtClean="0">
+                <a:latin typeface="Times New Roman" panose="02020603050405020304" pitchFamily="18" charset="0"/>
+                <a:ea typeface="MS Mincho"/>
+              </a:rPr>
+              <a:t>rootsurf</a:t>
+            </a:r>
+            <a:r>
+              <a:rPr lang="en-GB" sz="1200" i="1" baseline="-25000" dirty="0" smtClean="0">
+                <a:latin typeface="Times New Roman" panose="02020603050405020304" pitchFamily="18" charset="0"/>
+                <a:ea typeface="MS Mincho"/>
+              </a:rPr>
+              <a:t>, </a:t>
+            </a:r>
+            <a:r>
+              <a:rPr lang="en-GB" sz="1200" baseline="-25000" dirty="0" smtClean="0">
+                <a:latin typeface="Times New Roman" panose="02020603050405020304" pitchFamily="18" charset="0"/>
+                <a:ea typeface="MS Mincho"/>
+              </a:rPr>
+              <a:t>1</a:t>
+            </a:r>
+            <a:endParaRPr lang="es-ES" sz="1200" dirty="0"/>
+          </a:p>
+        </p:txBody>
+      </p:sp>
+      <p:sp>
+        <p:nvSpPr>
+          <p:cNvPr id="33" name="Rectángulo 32"/>
+          <p:cNvSpPr/>
+          <p:nvPr/>
+        </p:nvSpPr>
+        <p:spPr>
+          <a:xfrm>
+            <a:off x="4653441" y="4330541"/>
+            <a:ext cx="737125" cy="276999"/>
+          </a:xfrm>
+          <a:prstGeom prst="rect">
+            <a:avLst/>
+          </a:prstGeom>
+        </p:spPr>
+        <p:txBody>
+          <a:bodyPr wrap="none">
+            <a:spAutoFit/>
+          </a:bodyPr>
+          <a:lstStyle/>
+          <a:p>
+            <a:r>
+              <a:rPr lang="en-GB" sz="1200" dirty="0" smtClean="0">
+                <a:latin typeface="Times New Roman" panose="02020603050405020304" pitchFamily="18" charset="0"/>
+                <a:ea typeface="MS Mincho"/>
+                <a:cs typeface="Times New Roman" panose="02020603050405020304" pitchFamily="18" charset="0"/>
+                <a:sym typeface="Symbol" panose="05050102010706020507" pitchFamily="18" charset="2"/>
+              </a:rPr>
+              <a:t></a:t>
+            </a:r>
+            <a:r>
+              <a:rPr lang="en-GB" sz="1200" i="1" baseline="-25000" dirty="0" err="1" smtClean="0">
+                <a:latin typeface="Times New Roman" panose="02020603050405020304" pitchFamily="18" charset="0"/>
+                <a:ea typeface="MS Mincho"/>
+              </a:rPr>
+              <a:t>rootsurf</a:t>
+            </a:r>
+            <a:r>
+              <a:rPr lang="en-GB" sz="1200" i="1" baseline="-25000" dirty="0" smtClean="0">
+                <a:latin typeface="Times New Roman" panose="02020603050405020304" pitchFamily="18" charset="0"/>
+                <a:ea typeface="MS Mincho"/>
+              </a:rPr>
+              <a:t>, </a:t>
+            </a:r>
+            <a:r>
+              <a:rPr lang="en-GB" sz="1200" baseline="-25000" dirty="0" smtClean="0">
+                <a:latin typeface="Times New Roman" panose="02020603050405020304" pitchFamily="18" charset="0"/>
+                <a:ea typeface="MS Mincho"/>
+              </a:rPr>
+              <a:t>2</a:t>
+            </a:r>
+            <a:endParaRPr lang="es-ES" sz="1200" dirty="0"/>
+          </a:p>
+        </p:txBody>
+      </p:sp>
+      <p:sp>
+        <p:nvSpPr>
+          <p:cNvPr id="34" name="Rectángulo 33"/>
+          <p:cNvSpPr/>
+          <p:nvPr/>
+        </p:nvSpPr>
+        <p:spPr>
+          <a:xfrm>
+            <a:off x="4695329" y="4932677"/>
+            <a:ext cx="754758" cy="276999"/>
+          </a:xfrm>
+          <a:prstGeom prst="rect">
+            <a:avLst/>
+          </a:prstGeom>
+        </p:spPr>
+        <p:txBody>
+          <a:bodyPr wrap="none">
+            <a:spAutoFit/>
+          </a:bodyPr>
+          <a:lstStyle/>
+          <a:p>
+            <a:r>
+              <a:rPr lang="en-GB" sz="1200" dirty="0" smtClean="0">
+                <a:latin typeface="Times New Roman" panose="02020603050405020304" pitchFamily="18" charset="0"/>
+                <a:ea typeface="MS Mincho"/>
+                <a:cs typeface="Times New Roman" panose="02020603050405020304" pitchFamily="18" charset="0"/>
+                <a:sym typeface="Symbol" panose="05050102010706020507" pitchFamily="18" charset="2"/>
+              </a:rPr>
+              <a:t></a:t>
+            </a:r>
+            <a:r>
+              <a:rPr lang="en-GB" sz="1200" i="1" baseline="-25000" dirty="0" err="1" smtClean="0">
+                <a:latin typeface="Times New Roman" panose="02020603050405020304" pitchFamily="18" charset="0"/>
+                <a:ea typeface="MS Mincho"/>
+              </a:rPr>
+              <a:t>rootsurf</a:t>
+            </a:r>
+            <a:r>
+              <a:rPr lang="en-GB" sz="1200" i="1" baseline="-25000" dirty="0" smtClean="0">
+                <a:latin typeface="Times New Roman" panose="02020603050405020304" pitchFamily="18" charset="0"/>
+                <a:ea typeface="MS Mincho"/>
+              </a:rPr>
+              <a:t>, S</a:t>
+            </a:r>
+            <a:endParaRPr lang="es-ES" sz="1200" i="1" dirty="0"/>
+          </a:p>
+        </p:txBody>
+      </p:sp>
+      <p:cxnSp>
+        <p:nvCxnSpPr>
+          <p:cNvPr id="35" name="Conector recto de flecha 34"/>
+          <p:cNvCxnSpPr>
+            <a:stCxn id="101" idx="2"/>
+            <a:endCxn id="10" idx="5"/>
+          </p:cNvCxnSpPr>
+          <p:nvPr/>
+        </p:nvCxnSpPr>
+        <p:spPr>
+          <a:xfrm flipH="1" flipV="1">
+            <a:off x="4171238" y="3840069"/>
+            <a:ext cx="235502" cy="415693"/>
+          </a:xfrm>
+          <a:prstGeom prst="straightConnector1">
+            <a:avLst/>
+          </a:prstGeom>
+          <a:ln w="9525">
+            <a:solidFill>
+              <a:schemeClr val="tx1"/>
+            </a:solidFill>
+            <a:headEnd type="none" w="med" len="med"/>
+            <a:tailEnd type="none" w="med" len="med"/>
+          </a:ln>
+        </p:spPr>
+        <p:style>
+          <a:lnRef idx="1">
+            <a:schemeClr val="accent1"/>
+          </a:lnRef>
+          <a:fillRef idx="0">
+            <a:schemeClr val="accent1"/>
+          </a:fillRef>
+          <a:effectRef idx="0">
+            <a:schemeClr val="accent1"/>
+          </a:effectRef>
+          <a:fontRef idx="minor">
+            <a:schemeClr val="tx1"/>
+          </a:fontRef>
+        </p:style>
+      </p:cxnSp>
+      <p:sp>
+        <p:nvSpPr>
+          <p:cNvPr id="37" name="Rectángulo 36"/>
+          <p:cNvSpPr/>
+          <p:nvPr/>
+        </p:nvSpPr>
+        <p:spPr>
+          <a:xfrm>
+            <a:off x="3361635" y="3571885"/>
+            <a:ext cx="726930" cy="276999"/>
+          </a:xfrm>
+          <a:prstGeom prst="rect">
+            <a:avLst/>
+          </a:prstGeom>
+        </p:spPr>
+        <p:txBody>
+          <a:bodyPr wrap="none">
+            <a:spAutoFit/>
+          </a:bodyPr>
+          <a:lstStyle/>
+          <a:p>
+            <a:r>
+              <a:rPr lang="en-GB" sz="1200" dirty="0">
+                <a:latin typeface="Times New Roman" panose="02020603050405020304" pitchFamily="18" charset="0"/>
+                <a:ea typeface="MS Mincho"/>
+                <a:cs typeface="Times New Roman" panose="02020603050405020304" pitchFamily="18" charset="0"/>
+                <a:sym typeface="Symbol" panose="05050102010706020507" pitchFamily="18" charset="2"/>
+              </a:rPr>
+              <a:t></a:t>
+            </a:r>
+            <a:r>
+              <a:rPr lang="en-GB" sz="1200" i="1" baseline="-25000" dirty="0" err="1" smtClean="0">
+                <a:latin typeface="Times New Roman" panose="02020603050405020304" pitchFamily="18" charset="0"/>
+                <a:ea typeface="MS Mincho"/>
+              </a:rPr>
+              <a:t>rootcrown</a:t>
+            </a:r>
+            <a:endParaRPr lang="es-ES" sz="1200" dirty="0"/>
+          </a:p>
+        </p:txBody>
+      </p:sp>
+      <p:sp>
+        <p:nvSpPr>
+          <p:cNvPr id="38" name="Rectángulo 37"/>
+          <p:cNvSpPr/>
+          <p:nvPr/>
+        </p:nvSpPr>
+        <p:spPr>
+          <a:xfrm>
+            <a:off x="5606294" y="3818181"/>
+            <a:ext cx="558166" cy="276999"/>
+          </a:xfrm>
+          <a:prstGeom prst="rect">
+            <a:avLst/>
+          </a:prstGeom>
+        </p:spPr>
+        <p:txBody>
+          <a:bodyPr wrap="none">
+            <a:spAutoFit/>
+          </a:bodyPr>
+          <a:lstStyle/>
+          <a:p>
+            <a:r>
+              <a:rPr lang="en-GB" sz="1200" dirty="0" smtClean="0">
+                <a:latin typeface="Times New Roman" panose="02020603050405020304" pitchFamily="18" charset="0"/>
+                <a:ea typeface="MS Mincho"/>
+                <a:cs typeface="Times New Roman" panose="02020603050405020304" pitchFamily="18" charset="0"/>
+                <a:sym typeface="Symbol" panose="05050102010706020507" pitchFamily="18" charset="2"/>
+              </a:rPr>
+              <a:t></a:t>
+            </a:r>
+            <a:r>
+              <a:rPr lang="en-GB" sz="1200" i="1" baseline="-25000" dirty="0" smtClean="0">
+                <a:latin typeface="Times New Roman" panose="02020603050405020304" pitchFamily="18" charset="0"/>
+                <a:ea typeface="MS Mincho"/>
+              </a:rPr>
+              <a:t>soil, </a:t>
+            </a:r>
+            <a:r>
+              <a:rPr lang="en-GB" sz="1200" baseline="-25000" dirty="0" smtClean="0">
+                <a:latin typeface="Times New Roman" panose="02020603050405020304" pitchFamily="18" charset="0"/>
+                <a:ea typeface="MS Mincho"/>
+              </a:rPr>
+              <a:t>1</a:t>
+            </a:r>
+            <a:endParaRPr lang="es-ES" sz="1200" dirty="0"/>
+          </a:p>
+        </p:txBody>
+      </p:sp>
+      <p:sp>
+        <p:nvSpPr>
+          <p:cNvPr id="39" name="Rectángulo 38"/>
+          <p:cNvSpPr/>
+          <p:nvPr/>
+        </p:nvSpPr>
+        <p:spPr>
+          <a:xfrm>
+            <a:off x="5614268" y="4340682"/>
+            <a:ext cx="558166" cy="276999"/>
+          </a:xfrm>
+          <a:prstGeom prst="rect">
+            <a:avLst/>
+          </a:prstGeom>
+        </p:spPr>
+        <p:txBody>
+          <a:bodyPr wrap="none">
+            <a:spAutoFit/>
+          </a:bodyPr>
+          <a:lstStyle/>
+          <a:p>
+            <a:r>
+              <a:rPr lang="en-GB" sz="1200" dirty="0" smtClean="0">
+                <a:latin typeface="Times New Roman" panose="02020603050405020304" pitchFamily="18" charset="0"/>
+                <a:ea typeface="MS Mincho"/>
+                <a:cs typeface="Times New Roman" panose="02020603050405020304" pitchFamily="18" charset="0"/>
+                <a:sym typeface="Symbol" panose="05050102010706020507" pitchFamily="18" charset="2"/>
+              </a:rPr>
+              <a:t></a:t>
+            </a:r>
+            <a:r>
+              <a:rPr lang="en-GB" sz="1200" i="1" baseline="-25000" dirty="0" smtClean="0">
+                <a:latin typeface="Times New Roman" panose="02020603050405020304" pitchFamily="18" charset="0"/>
+                <a:ea typeface="MS Mincho"/>
+              </a:rPr>
+              <a:t>soil, </a:t>
+            </a:r>
+            <a:r>
+              <a:rPr lang="en-GB" sz="1200" baseline="-25000" dirty="0" smtClean="0">
+                <a:latin typeface="Times New Roman" panose="02020603050405020304" pitchFamily="18" charset="0"/>
+                <a:ea typeface="MS Mincho"/>
+              </a:rPr>
+              <a:t>2</a:t>
+            </a:r>
+            <a:endParaRPr lang="es-ES" sz="1200" dirty="0"/>
+          </a:p>
+        </p:txBody>
+      </p:sp>
+      <p:sp>
+        <p:nvSpPr>
+          <p:cNvPr id="40" name="Rectángulo 39"/>
+          <p:cNvSpPr/>
+          <p:nvPr/>
+        </p:nvSpPr>
+        <p:spPr>
+          <a:xfrm>
+            <a:off x="5614268" y="4937314"/>
+            <a:ext cx="575799" cy="276999"/>
+          </a:xfrm>
+          <a:prstGeom prst="rect">
+            <a:avLst/>
+          </a:prstGeom>
+        </p:spPr>
+        <p:txBody>
+          <a:bodyPr wrap="none">
+            <a:spAutoFit/>
+          </a:bodyPr>
+          <a:lstStyle/>
+          <a:p>
+            <a:r>
+              <a:rPr lang="en-GB" sz="1200" dirty="0" smtClean="0">
+                <a:latin typeface="Times New Roman" panose="02020603050405020304" pitchFamily="18" charset="0"/>
+                <a:ea typeface="MS Mincho"/>
+                <a:cs typeface="Times New Roman" panose="02020603050405020304" pitchFamily="18" charset="0"/>
+                <a:sym typeface="Symbol" panose="05050102010706020507" pitchFamily="18" charset="2"/>
+              </a:rPr>
+              <a:t></a:t>
+            </a:r>
+            <a:r>
+              <a:rPr lang="en-GB" sz="1200" i="1" baseline="-25000" dirty="0" smtClean="0">
+                <a:latin typeface="Times New Roman" panose="02020603050405020304" pitchFamily="18" charset="0"/>
+                <a:ea typeface="MS Mincho"/>
+              </a:rPr>
+              <a:t>soil, S</a:t>
+            </a:r>
+            <a:endParaRPr lang="es-ES" sz="1200" i="1" dirty="0"/>
+          </a:p>
+        </p:txBody>
+      </p:sp>
+      <p:sp>
+        <p:nvSpPr>
+          <p:cNvPr id="144" name="CuadroTexto 143"/>
+          <p:cNvSpPr txBox="1"/>
+          <p:nvPr/>
+        </p:nvSpPr>
+        <p:spPr>
+          <a:xfrm rot="16200000">
+            <a:off x="3086025" y="1388500"/>
+            <a:ext cx="716607" cy="261610"/>
+          </a:xfrm>
+          <a:prstGeom prst="rect">
+            <a:avLst/>
+          </a:prstGeom>
+          <a:noFill/>
+        </p:spPr>
+        <p:txBody>
+          <a:bodyPr wrap="square" rtlCol="0">
+            <a:spAutoFit/>
+          </a:bodyPr>
+          <a:lstStyle/>
+          <a:p>
+            <a:pPr algn="ctr"/>
+            <a:r>
+              <a:rPr lang="en-US" sz="1050" i="1" dirty="0" smtClean="0"/>
+              <a:t>Leaf</a:t>
+            </a:r>
+          </a:p>
+        </p:txBody>
+      </p:sp>
+      <p:cxnSp>
+        <p:nvCxnSpPr>
+          <p:cNvPr id="151" name="Conector angular 150"/>
+          <p:cNvCxnSpPr>
+            <a:stCxn id="10" idx="4"/>
+            <a:endCxn id="109" idx="2"/>
+          </p:cNvCxnSpPr>
+          <p:nvPr/>
+        </p:nvCxnSpPr>
+        <p:spPr>
+          <a:xfrm rot="16200000" flipH="1">
+            <a:off x="3763885" y="4219953"/>
+            <a:ext cx="992735" cy="292977"/>
+          </a:xfrm>
+          <a:prstGeom prst="bentConnector2">
+            <a:avLst/>
+          </a:prstGeom>
+          <a:ln w="9525">
+            <a:solidFill>
+              <a:schemeClr val="tx1"/>
+            </a:solidFill>
+          </a:ln>
+        </p:spPr>
+        <p:style>
+          <a:lnRef idx="1">
+            <a:schemeClr val="accent1"/>
+          </a:lnRef>
+          <a:fillRef idx="0">
+            <a:schemeClr val="accent1"/>
+          </a:fillRef>
+          <a:effectRef idx="0">
+            <a:schemeClr val="accent1"/>
+          </a:effectRef>
+          <a:fontRef idx="minor">
+            <a:schemeClr val="tx1"/>
+          </a:fontRef>
+        </p:style>
+      </p:cxnSp>
+      <p:sp>
+        <p:nvSpPr>
+          <p:cNvPr id="74" name="CuadroTexto 73"/>
+          <p:cNvSpPr txBox="1"/>
+          <p:nvPr/>
+        </p:nvSpPr>
+        <p:spPr>
+          <a:xfrm>
+            <a:off x="4316138" y="4477576"/>
+            <a:ext cx="249937" cy="261610"/>
+          </a:xfrm>
+          <a:prstGeom prst="rect">
+            <a:avLst/>
+          </a:prstGeom>
+          <a:noFill/>
+        </p:spPr>
+        <p:txBody>
+          <a:bodyPr wrap="square" rtlCol="0">
+            <a:spAutoFit/>
+          </a:bodyPr>
+          <a:lstStyle/>
+          <a:p>
+            <a:pPr algn="ctr"/>
+            <a:r>
+              <a:rPr lang="en-US" sz="1050" i="1" dirty="0" smtClean="0"/>
+              <a:t>…</a:t>
+            </a:r>
+          </a:p>
+        </p:txBody>
+      </p:sp>
+      <p:sp>
+        <p:nvSpPr>
+          <p:cNvPr id="75" name="CuadroTexto 74"/>
+          <p:cNvSpPr txBox="1"/>
+          <p:nvPr/>
+        </p:nvSpPr>
+        <p:spPr>
+          <a:xfrm>
+            <a:off x="5622691" y="4499461"/>
+            <a:ext cx="249937" cy="261610"/>
+          </a:xfrm>
+          <a:prstGeom prst="rect">
+            <a:avLst/>
+          </a:prstGeom>
+          <a:noFill/>
+        </p:spPr>
+        <p:txBody>
+          <a:bodyPr wrap="square" rtlCol="0">
+            <a:spAutoFit/>
+          </a:bodyPr>
+          <a:lstStyle/>
+          <a:p>
+            <a:pPr algn="ctr"/>
+            <a:r>
+              <a:rPr lang="en-US" sz="1050" i="1" dirty="0" smtClean="0"/>
+              <a:t>…</a:t>
+            </a:r>
+          </a:p>
+        </p:txBody>
+      </p:sp>
+      <p:grpSp>
+        <p:nvGrpSpPr>
+          <p:cNvPr id="88" name="Grupo 87"/>
+          <p:cNvGrpSpPr/>
+          <p:nvPr/>
+        </p:nvGrpSpPr>
+        <p:grpSpPr>
+          <a:xfrm rot="5400000">
+            <a:off x="4450329" y="3670590"/>
+            <a:ext cx="85827" cy="194077"/>
+            <a:chOff x="4444518" y="2422566"/>
+            <a:chExt cx="85827" cy="194077"/>
+          </a:xfrm>
+        </p:grpSpPr>
+        <p:sp>
+          <p:nvSpPr>
+            <p:cNvPr id="89" name="Rectángulo 88"/>
+            <p:cNvSpPr/>
+            <p:nvPr/>
+          </p:nvSpPr>
+          <p:spPr>
+            <a:xfrm>
+              <a:off x="4444518" y="2427858"/>
+              <a:ext cx="85827" cy="188785"/>
+            </a:xfrm>
+            <a:prstGeom prst="rect">
+              <a:avLst/>
+            </a:prstGeom>
+          </p:spPr>
+          <p:style>
+            <a:lnRef idx="2">
+              <a:schemeClr val="accent1">
+                <a:shade val="50000"/>
+              </a:schemeClr>
+            </a:lnRef>
+            <a:fillRef idx="1">
+              <a:schemeClr val="accent1"/>
+            </a:fillRef>
+            <a:effectRef idx="0">
+              <a:schemeClr val="accent1"/>
+            </a:effectRef>
+            <a:fontRef idx="minor">
+              <a:schemeClr val="lt1"/>
+            </a:fontRef>
+          </p:style>
+          <p:txBody>
+            <a:bodyPr rtlCol="0" anchor="ctr"/>
+            <a:lstStyle/>
+            <a:p>
+              <a:pPr algn="ctr"/>
+              <a:endParaRPr lang="en-US"/>
+            </a:p>
+          </p:txBody>
+        </p:sp>
+        <p:sp>
+          <p:nvSpPr>
+            <p:cNvPr id="92" name="Forma libre 91"/>
+            <p:cNvSpPr/>
+            <p:nvPr/>
+          </p:nvSpPr>
+          <p:spPr>
+            <a:xfrm>
+              <a:off x="4453923" y="2422566"/>
+              <a:ext cx="74966" cy="194077"/>
+            </a:xfrm>
+            <a:custGeom>
+              <a:avLst/>
+              <a:gdLst>
+                <a:gd name="connsiteX0" fmla="*/ 34946 w 78627"/>
+                <a:gd name="connsiteY0" fmla="*/ 0 h 273738"/>
+                <a:gd name="connsiteX1" fmla="*/ 37858 w 78627"/>
+                <a:gd name="connsiteY1" fmla="*/ 61154 h 273738"/>
+                <a:gd name="connsiteX2" fmla="*/ 0 w 78627"/>
+                <a:gd name="connsiteY2" fmla="*/ 84451 h 273738"/>
+                <a:gd name="connsiteX3" fmla="*/ 75715 w 78627"/>
+                <a:gd name="connsiteY3" fmla="*/ 84451 h 273738"/>
+                <a:gd name="connsiteX4" fmla="*/ 8737 w 78627"/>
+                <a:gd name="connsiteY4" fmla="*/ 133957 h 273738"/>
+                <a:gd name="connsiteX5" fmla="*/ 78627 w 78627"/>
+                <a:gd name="connsiteY5" fmla="*/ 131045 h 273738"/>
+                <a:gd name="connsiteX6" fmla="*/ 11649 w 78627"/>
+                <a:gd name="connsiteY6" fmla="*/ 186375 h 273738"/>
+                <a:gd name="connsiteX7" fmla="*/ 78627 w 78627"/>
+                <a:gd name="connsiteY7" fmla="*/ 189287 h 273738"/>
+                <a:gd name="connsiteX8" fmla="*/ 40770 w 78627"/>
+                <a:gd name="connsiteY8" fmla="*/ 227144 h 273738"/>
+                <a:gd name="connsiteX9" fmla="*/ 37858 w 78627"/>
+                <a:gd name="connsiteY9" fmla="*/ 273738 h 273738"/>
+              </a:gdLst>
+              <a:ahLst/>
+              <a:cxnLst>
+                <a:cxn ang="0">
+                  <a:pos x="connsiteX0" y="connsiteY0"/>
+                </a:cxn>
+                <a:cxn ang="0">
+                  <a:pos x="connsiteX1" y="connsiteY1"/>
+                </a:cxn>
+                <a:cxn ang="0">
+                  <a:pos x="connsiteX2" y="connsiteY2"/>
+                </a:cxn>
+                <a:cxn ang="0">
+                  <a:pos x="connsiteX3" y="connsiteY3"/>
+                </a:cxn>
+                <a:cxn ang="0">
+                  <a:pos x="connsiteX4" y="connsiteY4"/>
+                </a:cxn>
+                <a:cxn ang="0">
+                  <a:pos x="connsiteX5" y="connsiteY5"/>
+                </a:cxn>
+                <a:cxn ang="0">
+                  <a:pos x="connsiteX6" y="connsiteY6"/>
+                </a:cxn>
+                <a:cxn ang="0">
+                  <a:pos x="connsiteX7" y="connsiteY7"/>
+                </a:cxn>
+                <a:cxn ang="0">
+                  <a:pos x="connsiteX8" y="connsiteY8"/>
+                </a:cxn>
+                <a:cxn ang="0">
+                  <a:pos x="connsiteX9" y="connsiteY9"/>
+                </a:cxn>
+              </a:cxnLst>
+              <a:rect l="l" t="t" r="r" b="b"/>
+              <a:pathLst>
+                <a:path w="78627" h="273738">
+                  <a:moveTo>
+                    <a:pt x="34946" y="0"/>
+                  </a:moveTo>
+                  <a:lnTo>
+                    <a:pt x="37858" y="61154"/>
+                  </a:lnTo>
+                  <a:lnTo>
+                    <a:pt x="0" y="84451"/>
+                  </a:lnTo>
+                  <a:lnTo>
+                    <a:pt x="75715" y="84451"/>
+                  </a:lnTo>
+                  <a:lnTo>
+                    <a:pt x="8737" y="133957"/>
+                  </a:lnTo>
+                  <a:lnTo>
+                    <a:pt x="78627" y="131045"/>
+                  </a:lnTo>
+                  <a:lnTo>
+                    <a:pt x="11649" y="186375"/>
+                  </a:lnTo>
+                  <a:lnTo>
+                    <a:pt x="78627" y="189287"/>
+                  </a:lnTo>
+                  <a:lnTo>
+                    <a:pt x="40770" y="227144"/>
+                  </a:lnTo>
+                  <a:lnTo>
+                    <a:pt x="37858" y="273738"/>
+                  </a:lnTo>
+                </a:path>
+              </a:pathLst>
+            </a:custGeom>
+            <a:noFill/>
+            <a:ln w="6350">
+              <a:solidFill>
+                <a:schemeClr val="tx1"/>
+              </a:solidFill>
+            </a:ln>
+          </p:spPr>
+          <p:style>
+            <a:lnRef idx="2">
+              <a:schemeClr val="accent1">
+                <a:shade val="50000"/>
+              </a:schemeClr>
+            </a:lnRef>
+            <a:fillRef idx="1">
+              <a:schemeClr val="accent1"/>
+            </a:fillRef>
+            <a:effectRef idx="0">
+              <a:schemeClr val="accent1"/>
+            </a:effectRef>
+            <a:fontRef idx="minor">
+              <a:schemeClr val="lt1"/>
+            </a:fontRef>
+          </p:style>
+          <p:txBody>
+            <a:bodyPr rtlCol="0" anchor="ctr"/>
+            <a:lstStyle/>
+            <a:p>
+              <a:pPr algn="ctr"/>
+              <a:endParaRPr lang="en-US"/>
+            </a:p>
+          </p:txBody>
+        </p:sp>
+      </p:grpSp>
+      <p:grpSp>
+        <p:nvGrpSpPr>
+          <p:cNvPr id="93" name="Grupo 92"/>
+          <p:cNvGrpSpPr/>
+          <p:nvPr/>
+        </p:nvGrpSpPr>
+        <p:grpSpPr>
+          <a:xfrm rot="5400000">
+            <a:off x="5310152" y="3672612"/>
+            <a:ext cx="85827" cy="194077"/>
+            <a:chOff x="4444518" y="2422566"/>
+            <a:chExt cx="85827" cy="194077"/>
+          </a:xfrm>
+        </p:grpSpPr>
+        <p:sp>
+          <p:nvSpPr>
+            <p:cNvPr id="94" name="Rectángulo 93"/>
+            <p:cNvSpPr/>
+            <p:nvPr/>
+          </p:nvSpPr>
+          <p:spPr>
+            <a:xfrm>
+              <a:off x="4444518" y="2427858"/>
+              <a:ext cx="85827" cy="188785"/>
+            </a:xfrm>
+            <a:prstGeom prst="rect">
+              <a:avLst/>
+            </a:prstGeom>
+          </p:spPr>
+          <p:style>
+            <a:lnRef idx="2">
+              <a:schemeClr val="accent1">
+                <a:shade val="50000"/>
+              </a:schemeClr>
+            </a:lnRef>
+            <a:fillRef idx="1">
+              <a:schemeClr val="accent1"/>
+            </a:fillRef>
+            <a:effectRef idx="0">
+              <a:schemeClr val="accent1"/>
+            </a:effectRef>
+            <a:fontRef idx="minor">
+              <a:schemeClr val="lt1"/>
+            </a:fontRef>
+          </p:style>
+          <p:txBody>
+            <a:bodyPr rtlCol="0" anchor="ctr"/>
+            <a:lstStyle/>
+            <a:p>
+              <a:pPr algn="ctr"/>
+              <a:endParaRPr lang="en-US"/>
+            </a:p>
+          </p:txBody>
+        </p:sp>
+        <p:sp>
+          <p:nvSpPr>
+            <p:cNvPr id="95" name="Forma libre 94"/>
+            <p:cNvSpPr/>
+            <p:nvPr/>
+          </p:nvSpPr>
+          <p:spPr>
+            <a:xfrm>
+              <a:off x="4453923" y="2422566"/>
+              <a:ext cx="74966" cy="194077"/>
+            </a:xfrm>
+            <a:custGeom>
+              <a:avLst/>
+              <a:gdLst>
+                <a:gd name="connsiteX0" fmla="*/ 34946 w 78627"/>
+                <a:gd name="connsiteY0" fmla="*/ 0 h 273738"/>
+                <a:gd name="connsiteX1" fmla="*/ 37858 w 78627"/>
+                <a:gd name="connsiteY1" fmla="*/ 61154 h 273738"/>
+                <a:gd name="connsiteX2" fmla="*/ 0 w 78627"/>
+                <a:gd name="connsiteY2" fmla="*/ 84451 h 273738"/>
+                <a:gd name="connsiteX3" fmla="*/ 75715 w 78627"/>
+                <a:gd name="connsiteY3" fmla="*/ 84451 h 273738"/>
+                <a:gd name="connsiteX4" fmla="*/ 8737 w 78627"/>
+                <a:gd name="connsiteY4" fmla="*/ 133957 h 273738"/>
+                <a:gd name="connsiteX5" fmla="*/ 78627 w 78627"/>
+                <a:gd name="connsiteY5" fmla="*/ 131045 h 273738"/>
+                <a:gd name="connsiteX6" fmla="*/ 11649 w 78627"/>
+                <a:gd name="connsiteY6" fmla="*/ 186375 h 273738"/>
+                <a:gd name="connsiteX7" fmla="*/ 78627 w 78627"/>
+                <a:gd name="connsiteY7" fmla="*/ 189287 h 273738"/>
+                <a:gd name="connsiteX8" fmla="*/ 40770 w 78627"/>
+                <a:gd name="connsiteY8" fmla="*/ 227144 h 273738"/>
+                <a:gd name="connsiteX9" fmla="*/ 37858 w 78627"/>
+                <a:gd name="connsiteY9" fmla="*/ 273738 h 273738"/>
+              </a:gdLst>
+              <a:ahLst/>
+              <a:cxnLst>
+                <a:cxn ang="0">
+                  <a:pos x="connsiteX0" y="connsiteY0"/>
+                </a:cxn>
+                <a:cxn ang="0">
+                  <a:pos x="connsiteX1" y="connsiteY1"/>
+                </a:cxn>
+                <a:cxn ang="0">
+                  <a:pos x="connsiteX2" y="connsiteY2"/>
+                </a:cxn>
+                <a:cxn ang="0">
+                  <a:pos x="connsiteX3" y="connsiteY3"/>
+                </a:cxn>
+                <a:cxn ang="0">
+                  <a:pos x="connsiteX4" y="connsiteY4"/>
+                </a:cxn>
+                <a:cxn ang="0">
+                  <a:pos x="connsiteX5" y="connsiteY5"/>
+                </a:cxn>
+                <a:cxn ang="0">
+                  <a:pos x="connsiteX6" y="connsiteY6"/>
+                </a:cxn>
+                <a:cxn ang="0">
+                  <a:pos x="connsiteX7" y="connsiteY7"/>
+                </a:cxn>
+                <a:cxn ang="0">
+                  <a:pos x="connsiteX8" y="connsiteY8"/>
+                </a:cxn>
+                <a:cxn ang="0">
+                  <a:pos x="connsiteX9" y="connsiteY9"/>
+                </a:cxn>
+              </a:cxnLst>
+              <a:rect l="l" t="t" r="r" b="b"/>
+              <a:pathLst>
+                <a:path w="78627" h="273738">
+                  <a:moveTo>
+                    <a:pt x="34946" y="0"/>
+                  </a:moveTo>
+                  <a:lnTo>
+                    <a:pt x="37858" y="61154"/>
+                  </a:lnTo>
+                  <a:lnTo>
+                    <a:pt x="0" y="84451"/>
+                  </a:lnTo>
+                  <a:lnTo>
+                    <a:pt x="75715" y="84451"/>
+                  </a:lnTo>
+                  <a:lnTo>
+                    <a:pt x="8737" y="133957"/>
+                  </a:lnTo>
+                  <a:lnTo>
+                    <a:pt x="78627" y="131045"/>
+                  </a:lnTo>
+                  <a:lnTo>
+                    <a:pt x="11649" y="186375"/>
+                  </a:lnTo>
+                  <a:lnTo>
+                    <a:pt x="78627" y="189287"/>
+                  </a:lnTo>
+                  <a:lnTo>
+                    <a:pt x="40770" y="227144"/>
+                  </a:lnTo>
+                  <a:lnTo>
+                    <a:pt x="37858" y="273738"/>
+                  </a:lnTo>
+                </a:path>
+              </a:pathLst>
+            </a:custGeom>
+            <a:noFill/>
+            <a:ln w="6350">
+              <a:solidFill>
+                <a:schemeClr val="tx1"/>
+              </a:solidFill>
+            </a:ln>
+          </p:spPr>
+          <p:style>
+            <a:lnRef idx="2">
+              <a:schemeClr val="accent1">
+                <a:shade val="50000"/>
+              </a:schemeClr>
+            </a:lnRef>
+            <a:fillRef idx="1">
+              <a:schemeClr val="accent1"/>
+            </a:fillRef>
+            <a:effectRef idx="0">
+              <a:schemeClr val="accent1"/>
+            </a:effectRef>
+            <a:fontRef idx="minor">
+              <a:schemeClr val="lt1"/>
+            </a:fontRef>
+          </p:style>
+          <p:txBody>
+            <a:bodyPr rtlCol="0" anchor="ctr"/>
+            <a:lstStyle/>
+            <a:p>
+              <a:pPr algn="ctr"/>
+              <a:endParaRPr lang="en-US"/>
+            </a:p>
+          </p:txBody>
+        </p:sp>
+      </p:grpSp>
+      <p:grpSp>
+        <p:nvGrpSpPr>
+          <p:cNvPr id="96" name="Grupo 95"/>
+          <p:cNvGrpSpPr/>
+          <p:nvPr/>
+        </p:nvGrpSpPr>
+        <p:grpSpPr>
+          <a:xfrm rot="5400000">
+            <a:off x="5313976" y="4145030"/>
+            <a:ext cx="85827" cy="194077"/>
+            <a:chOff x="4444518" y="2422566"/>
+            <a:chExt cx="85827" cy="194077"/>
+          </a:xfrm>
+        </p:grpSpPr>
+        <p:sp>
+          <p:nvSpPr>
+            <p:cNvPr id="97" name="Rectángulo 96"/>
+            <p:cNvSpPr/>
+            <p:nvPr/>
+          </p:nvSpPr>
+          <p:spPr>
+            <a:xfrm>
+              <a:off x="4444518" y="2427858"/>
+              <a:ext cx="85827" cy="188785"/>
+            </a:xfrm>
+            <a:prstGeom prst="rect">
+              <a:avLst/>
+            </a:prstGeom>
+          </p:spPr>
+          <p:style>
+            <a:lnRef idx="2">
+              <a:schemeClr val="accent1">
+                <a:shade val="50000"/>
+              </a:schemeClr>
+            </a:lnRef>
+            <a:fillRef idx="1">
+              <a:schemeClr val="accent1"/>
+            </a:fillRef>
+            <a:effectRef idx="0">
+              <a:schemeClr val="accent1"/>
+            </a:effectRef>
+            <a:fontRef idx="minor">
+              <a:schemeClr val="lt1"/>
+            </a:fontRef>
+          </p:style>
+          <p:txBody>
+            <a:bodyPr rtlCol="0" anchor="ctr"/>
+            <a:lstStyle/>
+            <a:p>
+              <a:pPr algn="ctr"/>
+              <a:endParaRPr lang="en-US"/>
+            </a:p>
+          </p:txBody>
+        </p:sp>
+        <p:sp>
+          <p:nvSpPr>
+            <p:cNvPr id="99" name="Forma libre 98"/>
+            <p:cNvSpPr/>
+            <p:nvPr/>
+          </p:nvSpPr>
+          <p:spPr>
+            <a:xfrm>
+              <a:off x="4453923" y="2422566"/>
+              <a:ext cx="74966" cy="194077"/>
+            </a:xfrm>
+            <a:custGeom>
+              <a:avLst/>
+              <a:gdLst>
+                <a:gd name="connsiteX0" fmla="*/ 34946 w 78627"/>
+                <a:gd name="connsiteY0" fmla="*/ 0 h 273738"/>
+                <a:gd name="connsiteX1" fmla="*/ 37858 w 78627"/>
+                <a:gd name="connsiteY1" fmla="*/ 61154 h 273738"/>
+                <a:gd name="connsiteX2" fmla="*/ 0 w 78627"/>
+                <a:gd name="connsiteY2" fmla="*/ 84451 h 273738"/>
+                <a:gd name="connsiteX3" fmla="*/ 75715 w 78627"/>
+                <a:gd name="connsiteY3" fmla="*/ 84451 h 273738"/>
+                <a:gd name="connsiteX4" fmla="*/ 8737 w 78627"/>
+                <a:gd name="connsiteY4" fmla="*/ 133957 h 273738"/>
+                <a:gd name="connsiteX5" fmla="*/ 78627 w 78627"/>
+                <a:gd name="connsiteY5" fmla="*/ 131045 h 273738"/>
+                <a:gd name="connsiteX6" fmla="*/ 11649 w 78627"/>
+                <a:gd name="connsiteY6" fmla="*/ 186375 h 273738"/>
+                <a:gd name="connsiteX7" fmla="*/ 78627 w 78627"/>
+                <a:gd name="connsiteY7" fmla="*/ 189287 h 273738"/>
+                <a:gd name="connsiteX8" fmla="*/ 40770 w 78627"/>
+                <a:gd name="connsiteY8" fmla="*/ 227144 h 273738"/>
+                <a:gd name="connsiteX9" fmla="*/ 37858 w 78627"/>
+                <a:gd name="connsiteY9" fmla="*/ 273738 h 273738"/>
+              </a:gdLst>
+              <a:ahLst/>
+              <a:cxnLst>
+                <a:cxn ang="0">
+                  <a:pos x="connsiteX0" y="connsiteY0"/>
+                </a:cxn>
+                <a:cxn ang="0">
+                  <a:pos x="connsiteX1" y="connsiteY1"/>
+                </a:cxn>
+                <a:cxn ang="0">
+                  <a:pos x="connsiteX2" y="connsiteY2"/>
+                </a:cxn>
+                <a:cxn ang="0">
+                  <a:pos x="connsiteX3" y="connsiteY3"/>
+                </a:cxn>
+                <a:cxn ang="0">
+                  <a:pos x="connsiteX4" y="connsiteY4"/>
+                </a:cxn>
+                <a:cxn ang="0">
+                  <a:pos x="connsiteX5" y="connsiteY5"/>
+                </a:cxn>
+                <a:cxn ang="0">
+                  <a:pos x="connsiteX6" y="connsiteY6"/>
+                </a:cxn>
+                <a:cxn ang="0">
+                  <a:pos x="connsiteX7" y="connsiteY7"/>
+                </a:cxn>
+                <a:cxn ang="0">
+                  <a:pos x="connsiteX8" y="connsiteY8"/>
+                </a:cxn>
+                <a:cxn ang="0">
+                  <a:pos x="connsiteX9" y="connsiteY9"/>
+                </a:cxn>
+              </a:cxnLst>
+              <a:rect l="l" t="t" r="r" b="b"/>
+              <a:pathLst>
+                <a:path w="78627" h="273738">
+                  <a:moveTo>
+                    <a:pt x="34946" y="0"/>
+                  </a:moveTo>
+                  <a:lnTo>
+                    <a:pt x="37858" y="61154"/>
+                  </a:lnTo>
+                  <a:lnTo>
+                    <a:pt x="0" y="84451"/>
+                  </a:lnTo>
+                  <a:lnTo>
+                    <a:pt x="75715" y="84451"/>
+                  </a:lnTo>
+                  <a:lnTo>
+                    <a:pt x="8737" y="133957"/>
+                  </a:lnTo>
+                  <a:lnTo>
+                    <a:pt x="78627" y="131045"/>
+                  </a:lnTo>
+                  <a:lnTo>
+                    <a:pt x="11649" y="186375"/>
+                  </a:lnTo>
+                  <a:lnTo>
+                    <a:pt x="78627" y="189287"/>
+                  </a:lnTo>
+                  <a:lnTo>
+                    <a:pt x="40770" y="227144"/>
+                  </a:lnTo>
+                  <a:lnTo>
+                    <a:pt x="37858" y="273738"/>
+                  </a:lnTo>
+                </a:path>
+              </a:pathLst>
+            </a:custGeom>
+            <a:noFill/>
+            <a:ln w="6350">
+              <a:solidFill>
+                <a:schemeClr val="tx1"/>
+              </a:solidFill>
+            </a:ln>
+          </p:spPr>
+          <p:style>
+            <a:lnRef idx="2">
+              <a:schemeClr val="accent1">
+                <a:shade val="50000"/>
+              </a:schemeClr>
+            </a:lnRef>
+            <a:fillRef idx="1">
+              <a:schemeClr val="accent1"/>
+            </a:fillRef>
+            <a:effectRef idx="0">
+              <a:schemeClr val="accent1"/>
+            </a:effectRef>
+            <a:fontRef idx="minor">
+              <a:schemeClr val="lt1"/>
+            </a:fontRef>
+          </p:style>
+          <p:txBody>
+            <a:bodyPr rtlCol="0" anchor="ctr"/>
+            <a:lstStyle/>
+            <a:p>
+              <a:pPr algn="ctr"/>
+              <a:endParaRPr lang="en-US"/>
+            </a:p>
+          </p:txBody>
+        </p:sp>
+      </p:grpSp>
+      <p:grpSp>
+        <p:nvGrpSpPr>
+          <p:cNvPr id="100" name="Grupo 99"/>
+          <p:cNvGrpSpPr/>
+          <p:nvPr/>
+        </p:nvGrpSpPr>
+        <p:grpSpPr>
+          <a:xfrm rot="5400000">
+            <a:off x="4460865" y="4158723"/>
+            <a:ext cx="85827" cy="194077"/>
+            <a:chOff x="4444518" y="2422566"/>
+            <a:chExt cx="85827" cy="194077"/>
+          </a:xfrm>
+        </p:grpSpPr>
+        <p:sp>
+          <p:nvSpPr>
+            <p:cNvPr id="101" name="Rectángulo 100"/>
+            <p:cNvSpPr/>
+            <p:nvPr/>
+          </p:nvSpPr>
+          <p:spPr>
+            <a:xfrm>
+              <a:off x="4444518" y="2427858"/>
+              <a:ext cx="85827" cy="188785"/>
+            </a:xfrm>
+            <a:prstGeom prst="rect">
+              <a:avLst/>
+            </a:prstGeom>
+          </p:spPr>
+          <p:style>
+            <a:lnRef idx="2">
+              <a:schemeClr val="accent1">
+                <a:shade val="50000"/>
+              </a:schemeClr>
+            </a:lnRef>
+            <a:fillRef idx="1">
+              <a:schemeClr val="accent1"/>
+            </a:fillRef>
+            <a:effectRef idx="0">
+              <a:schemeClr val="accent1"/>
+            </a:effectRef>
+            <a:fontRef idx="minor">
+              <a:schemeClr val="lt1"/>
+            </a:fontRef>
+          </p:style>
+          <p:txBody>
+            <a:bodyPr rtlCol="0" anchor="ctr"/>
+            <a:lstStyle/>
+            <a:p>
+              <a:pPr algn="ctr"/>
+              <a:endParaRPr lang="en-US"/>
+            </a:p>
+          </p:txBody>
+        </p:sp>
+        <p:sp>
+          <p:nvSpPr>
+            <p:cNvPr id="102" name="Forma libre 101"/>
+            <p:cNvSpPr/>
+            <p:nvPr/>
+          </p:nvSpPr>
+          <p:spPr>
+            <a:xfrm>
+              <a:off x="4453923" y="2422566"/>
+              <a:ext cx="74966" cy="194077"/>
+            </a:xfrm>
+            <a:custGeom>
+              <a:avLst/>
+              <a:gdLst>
+                <a:gd name="connsiteX0" fmla="*/ 34946 w 78627"/>
+                <a:gd name="connsiteY0" fmla="*/ 0 h 273738"/>
+                <a:gd name="connsiteX1" fmla="*/ 37858 w 78627"/>
+                <a:gd name="connsiteY1" fmla="*/ 61154 h 273738"/>
+                <a:gd name="connsiteX2" fmla="*/ 0 w 78627"/>
+                <a:gd name="connsiteY2" fmla="*/ 84451 h 273738"/>
+                <a:gd name="connsiteX3" fmla="*/ 75715 w 78627"/>
+                <a:gd name="connsiteY3" fmla="*/ 84451 h 273738"/>
+                <a:gd name="connsiteX4" fmla="*/ 8737 w 78627"/>
+                <a:gd name="connsiteY4" fmla="*/ 133957 h 273738"/>
+                <a:gd name="connsiteX5" fmla="*/ 78627 w 78627"/>
+                <a:gd name="connsiteY5" fmla="*/ 131045 h 273738"/>
+                <a:gd name="connsiteX6" fmla="*/ 11649 w 78627"/>
+                <a:gd name="connsiteY6" fmla="*/ 186375 h 273738"/>
+                <a:gd name="connsiteX7" fmla="*/ 78627 w 78627"/>
+                <a:gd name="connsiteY7" fmla="*/ 189287 h 273738"/>
+                <a:gd name="connsiteX8" fmla="*/ 40770 w 78627"/>
+                <a:gd name="connsiteY8" fmla="*/ 227144 h 273738"/>
+                <a:gd name="connsiteX9" fmla="*/ 37858 w 78627"/>
+                <a:gd name="connsiteY9" fmla="*/ 273738 h 273738"/>
+              </a:gdLst>
+              <a:ahLst/>
+              <a:cxnLst>
+                <a:cxn ang="0">
+                  <a:pos x="connsiteX0" y="connsiteY0"/>
+                </a:cxn>
+                <a:cxn ang="0">
+                  <a:pos x="connsiteX1" y="connsiteY1"/>
+                </a:cxn>
+                <a:cxn ang="0">
+                  <a:pos x="connsiteX2" y="connsiteY2"/>
+                </a:cxn>
+                <a:cxn ang="0">
+                  <a:pos x="connsiteX3" y="connsiteY3"/>
+                </a:cxn>
+                <a:cxn ang="0">
+                  <a:pos x="connsiteX4" y="connsiteY4"/>
+                </a:cxn>
+                <a:cxn ang="0">
+                  <a:pos x="connsiteX5" y="connsiteY5"/>
+                </a:cxn>
+                <a:cxn ang="0">
+                  <a:pos x="connsiteX6" y="connsiteY6"/>
+                </a:cxn>
+                <a:cxn ang="0">
+                  <a:pos x="connsiteX7" y="connsiteY7"/>
+                </a:cxn>
+                <a:cxn ang="0">
+                  <a:pos x="connsiteX8" y="connsiteY8"/>
+                </a:cxn>
+                <a:cxn ang="0">
+                  <a:pos x="connsiteX9" y="connsiteY9"/>
+                </a:cxn>
+              </a:cxnLst>
+              <a:rect l="l" t="t" r="r" b="b"/>
+              <a:pathLst>
+                <a:path w="78627" h="273738">
+                  <a:moveTo>
+                    <a:pt x="34946" y="0"/>
+                  </a:moveTo>
+                  <a:lnTo>
+                    <a:pt x="37858" y="61154"/>
+                  </a:lnTo>
+                  <a:lnTo>
+                    <a:pt x="0" y="84451"/>
+                  </a:lnTo>
+                  <a:lnTo>
+                    <a:pt x="75715" y="84451"/>
+                  </a:lnTo>
+                  <a:lnTo>
+                    <a:pt x="8737" y="133957"/>
+                  </a:lnTo>
+                  <a:lnTo>
+                    <a:pt x="78627" y="131045"/>
+                  </a:lnTo>
+                  <a:lnTo>
+                    <a:pt x="11649" y="186375"/>
+                  </a:lnTo>
+                  <a:lnTo>
+                    <a:pt x="78627" y="189287"/>
+                  </a:lnTo>
+                  <a:lnTo>
+                    <a:pt x="40770" y="227144"/>
+                  </a:lnTo>
+                  <a:lnTo>
+                    <a:pt x="37858" y="273738"/>
+                  </a:lnTo>
+                </a:path>
+              </a:pathLst>
+            </a:custGeom>
+            <a:noFill/>
+            <a:ln w="6350">
+              <a:solidFill>
+                <a:schemeClr val="tx1"/>
+              </a:solidFill>
+            </a:ln>
+          </p:spPr>
+          <p:style>
+            <a:lnRef idx="2">
+              <a:schemeClr val="accent1">
+                <a:shade val="50000"/>
+              </a:schemeClr>
+            </a:lnRef>
+            <a:fillRef idx="1">
+              <a:schemeClr val="accent1"/>
+            </a:fillRef>
+            <a:effectRef idx="0">
+              <a:schemeClr val="accent1"/>
+            </a:effectRef>
+            <a:fontRef idx="minor">
+              <a:schemeClr val="lt1"/>
+            </a:fontRef>
+          </p:style>
+          <p:txBody>
+            <a:bodyPr rtlCol="0" anchor="ctr"/>
+            <a:lstStyle/>
+            <a:p>
+              <a:pPr algn="ctr"/>
+              <a:endParaRPr lang="en-US"/>
+            </a:p>
+          </p:txBody>
+        </p:sp>
+      </p:grpSp>
+      <p:grpSp>
+        <p:nvGrpSpPr>
+          <p:cNvPr id="108" name="Grupo 107"/>
+          <p:cNvGrpSpPr/>
+          <p:nvPr/>
+        </p:nvGrpSpPr>
+        <p:grpSpPr>
+          <a:xfrm rot="5400000">
+            <a:off x="4460866" y="4765771"/>
+            <a:ext cx="85827" cy="194077"/>
+            <a:chOff x="4444518" y="2422566"/>
+            <a:chExt cx="85827" cy="194077"/>
+          </a:xfrm>
+        </p:grpSpPr>
+        <p:sp>
+          <p:nvSpPr>
+            <p:cNvPr id="109" name="Rectángulo 108"/>
+            <p:cNvSpPr/>
+            <p:nvPr/>
+          </p:nvSpPr>
+          <p:spPr>
+            <a:xfrm>
+              <a:off x="4444518" y="2427858"/>
+              <a:ext cx="85827" cy="188785"/>
+            </a:xfrm>
+            <a:prstGeom prst="rect">
+              <a:avLst/>
+            </a:prstGeom>
+          </p:spPr>
+          <p:style>
+            <a:lnRef idx="2">
+              <a:schemeClr val="accent1">
+                <a:shade val="50000"/>
+              </a:schemeClr>
+            </a:lnRef>
+            <a:fillRef idx="1">
+              <a:schemeClr val="accent1"/>
+            </a:fillRef>
+            <a:effectRef idx="0">
+              <a:schemeClr val="accent1"/>
+            </a:effectRef>
+            <a:fontRef idx="minor">
+              <a:schemeClr val="lt1"/>
+            </a:fontRef>
+          </p:style>
+          <p:txBody>
+            <a:bodyPr rtlCol="0" anchor="ctr"/>
+            <a:lstStyle/>
+            <a:p>
+              <a:pPr algn="ctr"/>
+              <a:endParaRPr lang="en-US"/>
+            </a:p>
+          </p:txBody>
+        </p:sp>
+        <p:sp>
+          <p:nvSpPr>
+            <p:cNvPr id="110" name="Forma libre 109"/>
+            <p:cNvSpPr/>
+            <p:nvPr/>
+          </p:nvSpPr>
+          <p:spPr>
+            <a:xfrm>
+              <a:off x="4453923" y="2422566"/>
+              <a:ext cx="74966" cy="194077"/>
+            </a:xfrm>
+            <a:custGeom>
+              <a:avLst/>
+              <a:gdLst>
+                <a:gd name="connsiteX0" fmla="*/ 34946 w 78627"/>
+                <a:gd name="connsiteY0" fmla="*/ 0 h 273738"/>
+                <a:gd name="connsiteX1" fmla="*/ 37858 w 78627"/>
+                <a:gd name="connsiteY1" fmla="*/ 61154 h 273738"/>
+                <a:gd name="connsiteX2" fmla="*/ 0 w 78627"/>
+                <a:gd name="connsiteY2" fmla="*/ 84451 h 273738"/>
+                <a:gd name="connsiteX3" fmla="*/ 75715 w 78627"/>
+                <a:gd name="connsiteY3" fmla="*/ 84451 h 273738"/>
+                <a:gd name="connsiteX4" fmla="*/ 8737 w 78627"/>
+                <a:gd name="connsiteY4" fmla="*/ 133957 h 273738"/>
+                <a:gd name="connsiteX5" fmla="*/ 78627 w 78627"/>
+                <a:gd name="connsiteY5" fmla="*/ 131045 h 273738"/>
+                <a:gd name="connsiteX6" fmla="*/ 11649 w 78627"/>
+                <a:gd name="connsiteY6" fmla="*/ 186375 h 273738"/>
+                <a:gd name="connsiteX7" fmla="*/ 78627 w 78627"/>
+                <a:gd name="connsiteY7" fmla="*/ 189287 h 273738"/>
+                <a:gd name="connsiteX8" fmla="*/ 40770 w 78627"/>
+                <a:gd name="connsiteY8" fmla="*/ 227144 h 273738"/>
+                <a:gd name="connsiteX9" fmla="*/ 37858 w 78627"/>
+                <a:gd name="connsiteY9" fmla="*/ 273738 h 273738"/>
+              </a:gdLst>
+              <a:ahLst/>
+              <a:cxnLst>
+                <a:cxn ang="0">
+                  <a:pos x="connsiteX0" y="connsiteY0"/>
+                </a:cxn>
+                <a:cxn ang="0">
+                  <a:pos x="connsiteX1" y="connsiteY1"/>
+                </a:cxn>
+                <a:cxn ang="0">
+                  <a:pos x="connsiteX2" y="connsiteY2"/>
+                </a:cxn>
+                <a:cxn ang="0">
+                  <a:pos x="connsiteX3" y="connsiteY3"/>
+                </a:cxn>
+                <a:cxn ang="0">
+                  <a:pos x="connsiteX4" y="connsiteY4"/>
+                </a:cxn>
+                <a:cxn ang="0">
+                  <a:pos x="connsiteX5" y="connsiteY5"/>
+                </a:cxn>
+                <a:cxn ang="0">
+                  <a:pos x="connsiteX6" y="connsiteY6"/>
+                </a:cxn>
+                <a:cxn ang="0">
+                  <a:pos x="connsiteX7" y="connsiteY7"/>
+                </a:cxn>
+                <a:cxn ang="0">
+                  <a:pos x="connsiteX8" y="connsiteY8"/>
+                </a:cxn>
+                <a:cxn ang="0">
+                  <a:pos x="connsiteX9" y="connsiteY9"/>
+                </a:cxn>
+              </a:cxnLst>
+              <a:rect l="l" t="t" r="r" b="b"/>
+              <a:pathLst>
+                <a:path w="78627" h="273738">
+                  <a:moveTo>
+                    <a:pt x="34946" y="0"/>
+                  </a:moveTo>
+                  <a:lnTo>
+                    <a:pt x="37858" y="61154"/>
+                  </a:lnTo>
+                  <a:lnTo>
+                    <a:pt x="0" y="84451"/>
+                  </a:lnTo>
+                  <a:lnTo>
+                    <a:pt x="75715" y="84451"/>
+                  </a:lnTo>
+                  <a:lnTo>
+                    <a:pt x="8737" y="133957"/>
+                  </a:lnTo>
+                  <a:lnTo>
+                    <a:pt x="78627" y="131045"/>
+                  </a:lnTo>
+                  <a:lnTo>
+                    <a:pt x="11649" y="186375"/>
+                  </a:lnTo>
+                  <a:lnTo>
+                    <a:pt x="78627" y="189287"/>
+                  </a:lnTo>
+                  <a:lnTo>
+                    <a:pt x="40770" y="227144"/>
+                  </a:lnTo>
+                  <a:lnTo>
+                    <a:pt x="37858" y="273738"/>
+                  </a:lnTo>
+                </a:path>
+              </a:pathLst>
+            </a:custGeom>
+            <a:noFill/>
+            <a:ln w="6350">
+              <a:solidFill>
+                <a:schemeClr val="tx1"/>
+              </a:solidFill>
+            </a:ln>
+          </p:spPr>
+          <p:style>
+            <a:lnRef idx="2">
+              <a:schemeClr val="accent1">
+                <a:shade val="50000"/>
+              </a:schemeClr>
+            </a:lnRef>
+            <a:fillRef idx="1">
+              <a:schemeClr val="accent1"/>
+            </a:fillRef>
+            <a:effectRef idx="0">
+              <a:schemeClr val="accent1"/>
+            </a:effectRef>
+            <a:fontRef idx="minor">
+              <a:schemeClr val="lt1"/>
+            </a:fontRef>
+          </p:style>
+          <p:txBody>
+            <a:bodyPr rtlCol="0" anchor="ctr"/>
+            <a:lstStyle/>
+            <a:p>
+              <a:pPr algn="ctr"/>
+              <a:endParaRPr lang="en-US"/>
+            </a:p>
+          </p:txBody>
+        </p:sp>
+      </p:grpSp>
+      <p:grpSp>
+        <p:nvGrpSpPr>
+          <p:cNvPr id="111" name="Grupo 110"/>
+          <p:cNvGrpSpPr/>
+          <p:nvPr/>
+        </p:nvGrpSpPr>
+        <p:grpSpPr>
+          <a:xfrm rot="5400000">
+            <a:off x="5310152" y="4756614"/>
+            <a:ext cx="85827" cy="194077"/>
+            <a:chOff x="4444518" y="2422566"/>
+            <a:chExt cx="85827" cy="194077"/>
+          </a:xfrm>
+        </p:grpSpPr>
+        <p:sp>
+          <p:nvSpPr>
+            <p:cNvPr id="112" name="Rectángulo 111"/>
+            <p:cNvSpPr/>
+            <p:nvPr/>
+          </p:nvSpPr>
+          <p:spPr>
+            <a:xfrm>
+              <a:off x="4444518" y="2427858"/>
+              <a:ext cx="85827" cy="188785"/>
+            </a:xfrm>
+            <a:prstGeom prst="rect">
+              <a:avLst/>
+            </a:prstGeom>
+          </p:spPr>
+          <p:style>
+            <a:lnRef idx="2">
+              <a:schemeClr val="accent1">
+                <a:shade val="50000"/>
+              </a:schemeClr>
+            </a:lnRef>
+            <a:fillRef idx="1">
+              <a:schemeClr val="accent1"/>
+            </a:fillRef>
+            <a:effectRef idx="0">
+              <a:schemeClr val="accent1"/>
+            </a:effectRef>
+            <a:fontRef idx="minor">
+              <a:schemeClr val="lt1"/>
+            </a:fontRef>
+          </p:style>
+          <p:txBody>
+            <a:bodyPr rtlCol="0" anchor="ctr"/>
+            <a:lstStyle/>
+            <a:p>
+              <a:pPr algn="ctr"/>
+              <a:endParaRPr lang="en-US"/>
+            </a:p>
+          </p:txBody>
+        </p:sp>
+        <p:sp>
+          <p:nvSpPr>
+            <p:cNvPr id="113" name="Forma libre 112"/>
+            <p:cNvSpPr/>
+            <p:nvPr/>
+          </p:nvSpPr>
+          <p:spPr>
+            <a:xfrm>
+              <a:off x="4453923" y="2422566"/>
+              <a:ext cx="74966" cy="194077"/>
+            </a:xfrm>
+            <a:custGeom>
+              <a:avLst/>
+              <a:gdLst>
+                <a:gd name="connsiteX0" fmla="*/ 34946 w 78627"/>
+                <a:gd name="connsiteY0" fmla="*/ 0 h 273738"/>
+                <a:gd name="connsiteX1" fmla="*/ 37858 w 78627"/>
+                <a:gd name="connsiteY1" fmla="*/ 61154 h 273738"/>
+                <a:gd name="connsiteX2" fmla="*/ 0 w 78627"/>
+                <a:gd name="connsiteY2" fmla="*/ 84451 h 273738"/>
+                <a:gd name="connsiteX3" fmla="*/ 75715 w 78627"/>
+                <a:gd name="connsiteY3" fmla="*/ 84451 h 273738"/>
+                <a:gd name="connsiteX4" fmla="*/ 8737 w 78627"/>
+                <a:gd name="connsiteY4" fmla="*/ 133957 h 273738"/>
+                <a:gd name="connsiteX5" fmla="*/ 78627 w 78627"/>
+                <a:gd name="connsiteY5" fmla="*/ 131045 h 273738"/>
+                <a:gd name="connsiteX6" fmla="*/ 11649 w 78627"/>
+                <a:gd name="connsiteY6" fmla="*/ 186375 h 273738"/>
+                <a:gd name="connsiteX7" fmla="*/ 78627 w 78627"/>
+                <a:gd name="connsiteY7" fmla="*/ 189287 h 273738"/>
+                <a:gd name="connsiteX8" fmla="*/ 40770 w 78627"/>
+                <a:gd name="connsiteY8" fmla="*/ 227144 h 273738"/>
+                <a:gd name="connsiteX9" fmla="*/ 37858 w 78627"/>
+                <a:gd name="connsiteY9" fmla="*/ 273738 h 273738"/>
+              </a:gdLst>
+              <a:ahLst/>
+              <a:cxnLst>
+                <a:cxn ang="0">
+                  <a:pos x="connsiteX0" y="connsiteY0"/>
+                </a:cxn>
+                <a:cxn ang="0">
+                  <a:pos x="connsiteX1" y="connsiteY1"/>
+                </a:cxn>
+                <a:cxn ang="0">
+                  <a:pos x="connsiteX2" y="connsiteY2"/>
+                </a:cxn>
+                <a:cxn ang="0">
+                  <a:pos x="connsiteX3" y="connsiteY3"/>
+                </a:cxn>
+                <a:cxn ang="0">
+                  <a:pos x="connsiteX4" y="connsiteY4"/>
+                </a:cxn>
+                <a:cxn ang="0">
+                  <a:pos x="connsiteX5" y="connsiteY5"/>
+                </a:cxn>
+                <a:cxn ang="0">
+                  <a:pos x="connsiteX6" y="connsiteY6"/>
+                </a:cxn>
+                <a:cxn ang="0">
+                  <a:pos x="connsiteX7" y="connsiteY7"/>
+                </a:cxn>
+                <a:cxn ang="0">
+                  <a:pos x="connsiteX8" y="connsiteY8"/>
+                </a:cxn>
+                <a:cxn ang="0">
+                  <a:pos x="connsiteX9" y="connsiteY9"/>
+                </a:cxn>
+              </a:cxnLst>
+              <a:rect l="l" t="t" r="r" b="b"/>
+              <a:pathLst>
+                <a:path w="78627" h="273738">
+                  <a:moveTo>
+                    <a:pt x="34946" y="0"/>
+                  </a:moveTo>
+                  <a:lnTo>
+                    <a:pt x="37858" y="61154"/>
+                  </a:lnTo>
+                  <a:lnTo>
+                    <a:pt x="0" y="84451"/>
+                  </a:lnTo>
+                  <a:lnTo>
+                    <a:pt x="75715" y="84451"/>
+                  </a:lnTo>
+                  <a:lnTo>
+                    <a:pt x="8737" y="133957"/>
+                  </a:lnTo>
+                  <a:lnTo>
+                    <a:pt x="78627" y="131045"/>
+                  </a:lnTo>
+                  <a:lnTo>
+                    <a:pt x="11649" y="186375"/>
+                  </a:lnTo>
+                  <a:lnTo>
+                    <a:pt x="78627" y="189287"/>
+                  </a:lnTo>
+                  <a:lnTo>
+                    <a:pt x="40770" y="227144"/>
+                  </a:lnTo>
+                  <a:lnTo>
+                    <a:pt x="37858" y="273738"/>
+                  </a:lnTo>
+                </a:path>
+              </a:pathLst>
+            </a:custGeom>
+            <a:noFill/>
+            <a:ln w="6350">
+              <a:solidFill>
+                <a:schemeClr val="tx1"/>
+              </a:solidFill>
+            </a:ln>
+          </p:spPr>
+          <p:style>
+            <a:lnRef idx="2">
+              <a:schemeClr val="accent1">
+                <a:shade val="50000"/>
+              </a:schemeClr>
+            </a:lnRef>
+            <a:fillRef idx="1">
+              <a:schemeClr val="accent1"/>
+            </a:fillRef>
+            <a:effectRef idx="0">
+              <a:schemeClr val="accent1"/>
+            </a:effectRef>
+            <a:fontRef idx="minor">
+              <a:schemeClr val="lt1"/>
+            </a:fontRef>
+          </p:style>
+          <p:txBody>
+            <a:bodyPr rtlCol="0" anchor="ctr"/>
+            <a:lstStyle/>
+            <a:p>
+              <a:pPr algn="ctr"/>
+              <a:endParaRPr lang="en-US"/>
+            </a:p>
+          </p:txBody>
+        </p:sp>
+      </p:grpSp>
+      <p:sp>
+        <p:nvSpPr>
+          <p:cNvPr id="127" name="Rectángulo 126"/>
+          <p:cNvSpPr/>
+          <p:nvPr/>
+        </p:nvSpPr>
+        <p:spPr>
+          <a:xfrm>
+            <a:off x="3980724" y="989377"/>
+            <a:ext cx="279244" cy="276999"/>
+          </a:xfrm>
+          <a:prstGeom prst="rect">
+            <a:avLst/>
+          </a:prstGeom>
+        </p:spPr>
+        <p:txBody>
+          <a:bodyPr wrap="none">
+            <a:spAutoFit/>
+          </a:bodyPr>
+          <a:lstStyle/>
+          <a:p>
+            <a:r>
+              <a:rPr lang="en-GB" sz="1200" i="1" dirty="0" smtClean="0">
+                <a:latin typeface="Times New Roman" panose="02020603050405020304" pitchFamily="18" charset="0"/>
+                <a:ea typeface="MS Mincho"/>
+                <a:cs typeface="Times New Roman" panose="02020603050405020304" pitchFamily="18" charset="0"/>
+                <a:sym typeface="Symbol" panose="05050102010706020507" pitchFamily="18" charset="2"/>
+              </a:rPr>
+              <a:t>E</a:t>
+            </a:r>
+            <a:endParaRPr lang="es-ES" sz="1200" i="1" dirty="0"/>
+          </a:p>
+        </p:txBody>
+      </p:sp>
+      <p:sp>
+        <p:nvSpPr>
+          <p:cNvPr id="63" name="Elipse 62"/>
+          <p:cNvSpPr/>
+          <p:nvPr/>
+        </p:nvSpPr>
+        <p:spPr>
+          <a:xfrm>
+            <a:off x="4066317" y="1909302"/>
+            <a:ext cx="92547" cy="103474"/>
+          </a:xfrm>
+          <a:prstGeom prst="ellipse">
+            <a:avLst/>
+          </a:prstGeom>
+          <a:solidFill>
+            <a:schemeClr val="bg2"/>
+          </a:solidFill>
+        </p:spPr>
+        <p:style>
+          <a:lnRef idx="2">
+            <a:schemeClr val="accent1">
+              <a:shade val="50000"/>
+            </a:schemeClr>
+          </a:lnRef>
+          <a:fillRef idx="1">
+            <a:schemeClr val="accent1"/>
+          </a:fillRef>
+          <a:effectRef idx="0">
+            <a:schemeClr val="accent1"/>
+          </a:effectRef>
+          <a:fontRef idx="minor">
+            <a:schemeClr val="lt1"/>
+          </a:fontRef>
+        </p:style>
+        <p:txBody>
+          <a:bodyPr rtlCol="0" anchor="ctr"/>
+          <a:lstStyle/>
+          <a:p>
+            <a:pPr algn="ctr"/>
+            <a:endParaRPr lang="es-ES"/>
+          </a:p>
+        </p:txBody>
+      </p:sp>
+      <p:sp>
+        <p:nvSpPr>
+          <p:cNvPr id="64" name="Rectángulo 63"/>
+          <p:cNvSpPr/>
+          <p:nvPr/>
+        </p:nvSpPr>
+        <p:spPr>
+          <a:xfrm>
+            <a:off x="3525590" y="1848479"/>
+            <a:ext cx="579005" cy="261610"/>
+          </a:xfrm>
+          <a:prstGeom prst="rect">
+            <a:avLst/>
+          </a:prstGeom>
+        </p:spPr>
+        <p:txBody>
+          <a:bodyPr wrap="none">
+            <a:spAutoFit/>
+          </a:bodyPr>
+          <a:lstStyle/>
+          <a:p>
+            <a:r>
+              <a:rPr lang="en-GB" sz="1100" dirty="0" smtClean="0">
+                <a:latin typeface="Times New Roman" panose="02020603050405020304" pitchFamily="18" charset="0"/>
+                <a:ea typeface="MS Mincho"/>
+                <a:cs typeface="Times New Roman" panose="02020603050405020304" pitchFamily="18" charset="0"/>
+                <a:sym typeface="Symbol" panose="05050102010706020507" pitchFamily="18" charset="2"/>
+              </a:rPr>
+              <a:t></a:t>
+            </a:r>
+            <a:r>
+              <a:rPr lang="en-GB" sz="1100" i="1" baseline="-25000" dirty="0" smtClean="0">
+                <a:latin typeface="Times New Roman" panose="02020603050405020304" pitchFamily="18" charset="0"/>
+                <a:ea typeface="MS Mincho"/>
+              </a:rPr>
+              <a:t>stem, </a:t>
+            </a:r>
+            <a:r>
+              <a:rPr lang="en-GB" sz="1100" i="1" baseline="-25000" dirty="0" smtClean="0">
+                <a:latin typeface="Times New Roman" panose="02020603050405020304" pitchFamily="18" charset="0"/>
+                <a:ea typeface="MS Mincho"/>
+              </a:rPr>
+              <a:t>2</a:t>
+            </a:r>
+            <a:endParaRPr lang="es-ES" sz="1100" dirty="0"/>
+          </a:p>
+        </p:txBody>
+      </p:sp>
+      <p:sp>
+        <p:nvSpPr>
+          <p:cNvPr id="67" name="Rectángulo 66"/>
+          <p:cNvSpPr/>
+          <p:nvPr/>
+        </p:nvSpPr>
+        <p:spPr>
+          <a:xfrm>
+            <a:off x="3532208" y="2672867"/>
+            <a:ext cx="562975" cy="261610"/>
+          </a:xfrm>
+          <a:prstGeom prst="rect">
+            <a:avLst/>
+          </a:prstGeom>
+        </p:spPr>
+        <p:txBody>
+          <a:bodyPr wrap="none">
+            <a:spAutoFit/>
+          </a:bodyPr>
+          <a:lstStyle/>
+          <a:p>
+            <a:r>
+              <a:rPr lang="en-GB" sz="1100" dirty="0" smtClean="0">
+                <a:latin typeface="Times New Roman" panose="02020603050405020304" pitchFamily="18" charset="0"/>
+                <a:ea typeface="MS Mincho"/>
+                <a:cs typeface="Times New Roman" panose="02020603050405020304" pitchFamily="18" charset="0"/>
+                <a:sym typeface="Symbol" panose="05050102010706020507" pitchFamily="18" charset="2"/>
+              </a:rPr>
+              <a:t></a:t>
+            </a:r>
+            <a:r>
+              <a:rPr lang="en-GB" sz="1100" i="1" baseline="-25000" dirty="0" smtClean="0">
+                <a:latin typeface="Times New Roman" panose="02020603050405020304" pitchFamily="18" charset="0"/>
+                <a:ea typeface="MS Mincho"/>
+              </a:rPr>
+              <a:t>stem, </a:t>
+            </a:r>
+            <a:r>
+              <a:rPr lang="en-GB" sz="1100" baseline="-25000" dirty="0" smtClean="0">
+                <a:latin typeface="Times New Roman" panose="02020603050405020304" pitchFamily="18" charset="0"/>
+                <a:ea typeface="MS Mincho"/>
+              </a:rPr>
+              <a:t>1</a:t>
+            </a:r>
+            <a:endParaRPr lang="es-ES" sz="1100" dirty="0"/>
+          </a:p>
+        </p:txBody>
+      </p:sp>
+      <p:grpSp>
+        <p:nvGrpSpPr>
+          <p:cNvPr id="77" name="Grupo 76"/>
+          <p:cNvGrpSpPr/>
+          <p:nvPr/>
+        </p:nvGrpSpPr>
+        <p:grpSpPr>
+          <a:xfrm>
+            <a:off x="4072354" y="2245123"/>
+            <a:ext cx="85827" cy="194077"/>
+            <a:chOff x="4444518" y="2422566"/>
+            <a:chExt cx="85827" cy="194077"/>
+          </a:xfrm>
+        </p:grpSpPr>
+        <p:sp>
+          <p:nvSpPr>
+            <p:cNvPr id="78" name="Rectángulo 77"/>
+            <p:cNvSpPr/>
+            <p:nvPr/>
+          </p:nvSpPr>
+          <p:spPr>
+            <a:xfrm>
+              <a:off x="4444518" y="2427858"/>
+              <a:ext cx="85827" cy="188785"/>
+            </a:xfrm>
+            <a:prstGeom prst="rect">
+              <a:avLst/>
+            </a:prstGeom>
+          </p:spPr>
+          <p:style>
+            <a:lnRef idx="2">
+              <a:schemeClr val="accent1">
+                <a:shade val="50000"/>
+              </a:schemeClr>
+            </a:lnRef>
+            <a:fillRef idx="1">
+              <a:schemeClr val="accent1"/>
+            </a:fillRef>
+            <a:effectRef idx="0">
+              <a:schemeClr val="accent1"/>
+            </a:effectRef>
+            <a:fontRef idx="minor">
+              <a:schemeClr val="lt1"/>
+            </a:fontRef>
+          </p:style>
+          <p:txBody>
+            <a:bodyPr rtlCol="0" anchor="ctr"/>
+            <a:lstStyle/>
+            <a:p>
+              <a:pPr algn="ctr"/>
+              <a:endParaRPr lang="en-US"/>
+            </a:p>
+          </p:txBody>
+        </p:sp>
+        <p:sp>
+          <p:nvSpPr>
+            <p:cNvPr id="79" name="Forma libre 78"/>
+            <p:cNvSpPr/>
+            <p:nvPr/>
+          </p:nvSpPr>
+          <p:spPr>
+            <a:xfrm>
+              <a:off x="4453923" y="2422566"/>
+              <a:ext cx="74966" cy="194077"/>
+            </a:xfrm>
+            <a:custGeom>
+              <a:avLst/>
+              <a:gdLst>
+                <a:gd name="connsiteX0" fmla="*/ 34946 w 78627"/>
+                <a:gd name="connsiteY0" fmla="*/ 0 h 273738"/>
+                <a:gd name="connsiteX1" fmla="*/ 37858 w 78627"/>
+                <a:gd name="connsiteY1" fmla="*/ 61154 h 273738"/>
+                <a:gd name="connsiteX2" fmla="*/ 0 w 78627"/>
+                <a:gd name="connsiteY2" fmla="*/ 84451 h 273738"/>
+                <a:gd name="connsiteX3" fmla="*/ 75715 w 78627"/>
+                <a:gd name="connsiteY3" fmla="*/ 84451 h 273738"/>
+                <a:gd name="connsiteX4" fmla="*/ 8737 w 78627"/>
+                <a:gd name="connsiteY4" fmla="*/ 133957 h 273738"/>
+                <a:gd name="connsiteX5" fmla="*/ 78627 w 78627"/>
+                <a:gd name="connsiteY5" fmla="*/ 131045 h 273738"/>
+                <a:gd name="connsiteX6" fmla="*/ 11649 w 78627"/>
+                <a:gd name="connsiteY6" fmla="*/ 186375 h 273738"/>
+                <a:gd name="connsiteX7" fmla="*/ 78627 w 78627"/>
+                <a:gd name="connsiteY7" fmla="*/ 189287 h 273738"/>
+                <a:gd name="connsiteX8" fmla="*/ 40770 w 78627"/>
+                <a:gd name="connsiteY8" fmla="*/ 227144 h 273738"/>
+                <a:gd name="connsiteX9" fmla="*/ 37858 w 78627"/>
+                <a:gd name="connsiteY9" fmla="*/ 273738 h 273738"/>
+              </a:gdLst>
+              <a:ahLst/>
+              <a:cxnLst>
+                <a:cxn ang="0">
+                  <a:pos x="connsiteX0" y="connsiteY0"/>
+                </a:cxn>
+                <a:cxn ang="0">
+                  <a:pos x="connsiteX1" y="connsiteY1"/>
+                </a:cxn>
+                <a:cxn ang="0">
+                  <a:pos x="connsiteX2" y="connsiteY2"/>
+                </a:cxn>
+                <a:cxn ang="0">
+                  <a:pos x="connsiteX3" y="connsiteY3"/>
+                </a:cxn>
+                <a:cxn ang="0">
+                  <a:pos x="connsiteX4" y="connsiteY4"/>
+                </a:cxn>
+                <a:cxn ang="0">
+                  <a:pos x="connsiteX5" y="connsiteY5"/>
+                </a:cxn>
+                <a:cxn ang="0">
+                  <a:pos x="connsiteX6" y="connsiteY6"/>
+                </a:cxn>
+                <a:cxn ang="0">
+                  <a:pos x="connsiteX7" y="connsiteY7"/>
+                </a:cxn>
+                <a:cxn ang="0">
+                  <a:pos x="connsiteX8" y="connsiteY8"/>
+                </a:cxn>
+                <a:cxn ang="0">
+                  <a:pos x="connsiteX9" y="connsiteY9"/>
+                </a:cxn>
+              </a:cxnLst>
+              <a:rect l="l" t="t" r="r" b="b"/>
+              <a:pathLst>
+                <a:path w="78627" h="273738">
+                  <a:moveTo>
+                    <a:pt x="34946" y="0"/>
+                  </a:moveTo>
+                  <a:lnTo>
+                    <a:pt x="37858" y="61154"/>
+                  </a:lnTo>
+                  <a:lnTo>
+                    <a:pt x="0" y="84451"/>
+                  </a:lnTo>
+                  <a:lnTo>
+                    <a:pt x="75715" y="84451"/>
+                  </a:lnTo>
+                  <a:lnTo>
+                    <a:pt x="8737" y="133957"/>
+                  </a:lnTo>
+                  <a:lnTo>
+                    <a:pt x="78627" y="131045"/>
+                  </a:lnTo>
+                  <a:lnTo>
+                    <a:pt x="11649" y="186375"/>
+                  </a:lnTo>
+                  <a:lnTo>
+                    <a:pt x="78627" y="189287"/>
+                  </a:lnTo>
+                  <a:lnTo>
+                    <a:pt x="40770" y="227144"/>
+                  </a:lnTo>
+                  <a:lnTo>
+                    <a:pt x="37858" y="273738"/>
+                  </a:lnTo>
+                </a:path>
+              </a:pathLst>
+            </a:custGeom>
+            <a:noFill/>
+            <a:ln w="6350">
+              <a:solidFill>
+                <a:schemeClr val="tx1"/>
+              </a:solidFill>
+            </a:ln>
+          </p:spPr>
+          <p:style>
+            <a:lnRef idx="2">
+              <a:schemeClr val="accent1">
+                <a:shade val="50000"/>
+              </a:schemeClr>
+            </a:lnRef>
+            <a:fillRef idx="1">
+              <a:schemeClr val="accent1"/>
+            </a:fillRef>
+            <a:effectRef idx="0">
+              <a:schemeClr val="accent1"/>
+            </a:effectRef>
+            <a:fontRef idx="minor">
+              <a:schemeClr val="lt1"/>
+            </a:fontRef>
+          </p:style>
+          <p:txBody>
+            <a:bodyPr rtlCol="0" anchor="ctr"/>
+            <a:lstStyle/>
+            <a:p>
+              <a:pPr algn="ctr"/>
+              <a:endParaRPr lang="en-US"/>
+            </a:p>
+          </p:txBody>
+        </p:sp>
+      </p:grpSp>
+      <p:sp>
+        <p:nvSpPr>
+          <p:cNvPr id="80" name="Elipse 79"/>
+          <p:cNvSpPr/>
+          <p:nvPr/>
+        </p:nvSpPr>
+        <p:spPr>
+          <a:xfrm>
+            <a:off x="4066317" y="2755034"/>
+            <a:ext cx="92547" cy="103474"/>
+          </a:xfrm>
+          <a:prstGeom prst="ellipse">
+            <a:avLst/>
+          </a:prstGeom>
+          <a:solidFill>
+            <a:schemeClr val="bg2"/>
+          </a:solidFill>
+        </p:spPr>
+        <p:style>
+          <a:lnRef idx="2">
+            <a:schemeClr val="accent1">
+              <a:shade val="50000"/>
+            </a:schemeClr>
+          </a:lnRef>
+          <a:fillRef idx="1">
+            <a:schemeClr val="accent1"/>
+          </a:fillRef>
+          <a:effectRef idx="0">
+            <a:schemeClr val="accent1"/>
+          </a:effectRef>
+          <a:fontRef idx="minor">
+            <a:schemeClr val="lt1"/>
+          </a:fontRef>
+        </p:style>
+        <p:txBody>
+          <a:bodyPr rtlCol="0" anchor="ctr"/>
+          <a:lstStyle/>
+          <a:p>
+            <a:pPr algn="ctr"/>
+            <a:endParaRPr lang="es-ES"/>
+          </a:p>
+        </p:txBody>
+      </p:sp>
+      <p:grpSp>
+        <p:nvGrpSpPr>
+          <p:cNvPr id="81" name="Grupo 80"/>
+          <p:cNvGrpSpPr/>
+          <p:nvPr/>
+        </p:nvGrpSpPr>
+        <p:grpSpPr>
+          <a:xfrm>
+            <a:off x="4072354" y="3123294"/>
+            <a:ext cx="85827" cy="194077"/>
+            <a:chOff x="4444518" y="2422566"/>
+            <a:chExt cx="85827" cy="194077"/>
+          </a:xfrm>
+        </p:grpSpPr>
+        <p:sp>
+          <p:nvSpPr>
+            <p:cNvPr id="82" name="Rectángulo 81"/>
+            <p:cNvSpPr/>
+            <p:nvPr/>
+          </p:nvSpPr>
+          <p:spPr>
+            <a:xfrm>
+              <a:off x="4444518" y="2427858"/>
+              <a:ext cx="85827" cy="188785"/>
+            </a:xfrm>
+            <a:prstGeom prst="rect">
+              <a:avLst/>
+            </a:prstGeom>
+          </p:spPr>
+          <p:style>
+            <a:lnRef idx="2">
+              <a:schemeClr val="accent1">
+                <a:shade val="50000"/>
+              </a:schemeClr>
+            </a:lnRef>
+            <a:fillRef idx="1">
+              <a:schemeClr val="accent1"/>
+            </a:fillRef>
+            <a:effectRef idx="0">
+              <a:schemeClr val="accent1"/>
+            </a:effectRef>
+            <a:fontRef idx="minor">
+              <a:schemeClr val="lt1"/>
+            </a:fontRef>
+          </p:style>
+          <p:txBody>
+            <a:bodyPr rtlCol="0" anchor="ctr"/>
+            <a:lstStyle/>
+            <a:p>
+              <a:pPr algn="ctr"/>
+              <a:endParaRPr lang="en-US"/>
+            </a:p>
+          </p:txBody>
+        </p:sp>
+        <p:sp>
+          <p:nvSpPr>
+            <p:cNvPr id="83" name="Forma libre 82"/>
+            <p:cNvSpPr/>
+            <p:nvPr/>
+          </p:nvSpPr>
+          <p:spPr>
+            <a:xfrm>
+              <a:off x="4453923" y="2422566"/>
+              <a:ext cx="74966" cy="194077"/>
+            </a:xfrm>
+            <a:custGeom>
+              <a:avLst/>
+              <a:gdLst>
+                <a:gd name="connsiteX0" fmla="*/ 34946 w 78627"/>
+                <a:gd name="connsiteY0" fmla="*/ 0 h 273738"/>
+                <a:gd name="connsiteX1" fmla="*/ 37858 w 78627"/>
+                <a:gd name="connsiteY1" fmla="*/ 61154 h 273738"/>
+                <a:gd name="connsiteX2" fmla="*/ 0 w 78627"/>
+                <a:gd name="connsiteY2" fmla="*/ 84451 h 273738"/>
+                <a:gd name="connsiteX3" fmla="*/ 75715 w 78627"/>
+                <a:gd name="connsiteY3" fmla="*/ 84451 h 273738"/>
+                <a:gd name="connsiteX4" fmla="*/ 8737 w 78627"/>
+                <a:gd name="connsiteY4" fmla="*/ 133957 h 273738"/>
+                <a:gd name="connsiteX5" fmla="*/ 78627 w 78627"/>
+                <a:gd name="connsiteY5" fmla="*/ 131045 h 273738"/>
+                <a:gd name="connsiteX6" fmla="*/ 11649 w 78627"/>
+                <a:gd name="connsiteY6" fmla="*/ 186375 h 273738"/>
+                <a:gd name="connsiteX7" fmla="*/ 78627 w 78627"/>
+                <a:gd name="connsiteY7" fmla="*/ 189287 h 273738"/>
+                <a:gd name="connsiteX8" fmla="*/ 40770 w 78627"/>
+                <a:gd name="connsiteY8" fmla="*/ 227144 h 273738"/>
+                <a:gd name="connsiteX9" fmla="*/ 37858 w 78627"/>
+                <a:gd name="connsiteY9" fmla="*/ 273738 h 273738"/>
+              </a:gdLst>
+              <a:ahLst/>
+              <a:cxnLst>
+                <a:cxn ang="0">
+                  <a:pos x="connsiteX0" y="connsiteY0"/>
+                </a:cxn>
+                <a:cxn ang="0">
+                  <a:pos x="connsiteX1" y="connsiteY1"/>
+                </a:cxn>
+                <a:cxn ang="0">
+                  <a:pos x="connsiteX2" y="connsiteY2"/>
+                </a:cxn>
+                <a:cxn ang="0">
+                  <a:pos x="connsiteX3" y="connsiteY3"/>
+                </a:cxn>
+                <a:cxn ang="0">
+                  <a:pos x="connsiteX4" y="connsiteY4"/>
+                </a:cxn>
+                <a:cxn ang="0">
+                  <a:pos x="connsiteX5" y="connsiteY5"/>
+                </a:cxn>
+                <a:cxn ang="0">
+                  <a:pos x="connsiteX6" y="connsiteY6"/>
+                </a:cxn>
+                <a:cxn ang="0">
+                  <a:pos x="connsiteX7" y="connsiteY7"/>
+                </a:cxn>
+                <a:cxn ang="0">
+                  <a:pos x="connsiteX8" y="connsiteY8"/>
+                </a:cxn>
+                <a:cxn ang="0">
+                  <a:pos x="connsiteX9" y="connsiteY9"/>
+                </a:cxn>
+              </a:cxnLst>
+              <a:rect l="l" t="t" r="r" b="b"/>
+              <a:pathLst>
+                <a:path w="78627" h="273738">
+                  <a:moveTo>
+                    <a:pt x="34946" y="0"/>
+                  </a:moveTo>
+                  <a:lnTo>
+                    <a:pt x="37858" y="61154"/>
+                  </a:lnTo>
+                  <a:lnTo>
+                    <a:pt x="0" y="84451"/>
+                  </a:lnTo>
+                  <a:lnTo>
+                    <a:pt x="75715" y="84451"/>
+                  </a:lnTo>
+                  <a:lnTo>
+                    <a:pt x="8737" y="133957"/>
+                  </a:lnTo>
+                  <a:lnTo>
+                    <a:pt x="78627" y="131045"/>
+                  </a:lnTo>
+                  <a:lnTo>
+                    <a:pt x="11649" y="186375"/>
+                  </a:lnTo>
+                  <a:lnTo>
+                    <a:pt x="78627" y="189287"/>
+                  </a:lnTo>
+                  <a:lnTo>
+                    <a:pt x="40770" y="227144"/>
+                  </a:lnTo>
+                  <a:lnTo>
+                    <a:pt x="37858" y="273738"/>
+                  </a:lnTo>
+                </a:path>
+              </a:pathLst>
+            </a:custGeom>
+            <a:noFill/>
+            <a:ln w="6350">
+              <a:solidFill>
+                <a:schemeClr val="tx1"/>
+              </a:solidFill>
+            </a:ln>
+          </p:spPr>
+          <p:style>
+            <a:lnRef idx="2">
+              <a:schemeClr val="accent1">
+                <a:shade val="50000"/>
+              </a:schemeClr>
+            </a:lnRef>
+            <a:fillRef idx="1">
+              <a:schemeClr val="accent1"/>
+            </a:fillRef>
+            <a:effectRef idx="0">
+              <a:schemeClr val="accent1"/>
+            </a:effectRef>
+            <a:fontRef idx="minor">
+              <a:schemeClr val="lt1"/>
+            </a:fontRef>
+          </p:style>
+          <p:txBody>
+            <a:bodyPr rtlCol="0" anchor="ctr"/>
+            <a:lstStyle/>
+            <a:p>
+              <a:pPr algn="ctr"/>
+              <a:endParaRPr lang="en-US"/>
+            </a:p>
+          </p:txBody>
+        </p:sp>
+      </p:grpSp>
+      <p:sp>
+        <p:nvSpPr>
+          <p:cNvPr id="103" name="Rectángulo 102"/>
+          <p:cNvSpPr/>
+          <p:nvPr/>
+        </p:nvSpPr>
+        <p:spPr>
+          <a:xfrm>
+            <a:off x="3559346" y="1328700"/>
+            <a:ext cx="436338" cy="261610"/>
+          </a:xfrm>
+          <a:prstGeom prst="rect">
+            <a:avLst/>
+          </a:prstGeom>
+        </p:spPr>
+        <p:txBody>
+          <a:bodyPr wrap="none">
+            <a:spAutoFit/>
+          </a:bodyPr>
+          <a:lstStyle/>
+          <a:p>
+            <a:r>
+              <a:rPr lang="en-GB" sz="1100" dirty="0" smtClean="0">
+                <a:latin typeface="Times New Roman" panose="02020603050405020304" pitchFamily="18" charset="0"/>
+                <a:ea typeface="MS Mincho"/>
+                <a:cs typeface="Times New Roman" panose="02020603050405020304" pitchFamily="18" charset="0"/>
+                <a:sym typeface="Symbol" panose="05050102010706020507" pitchFamily="18" charset="2"/>
+              </a:rPr>
+              <a:t></a:t>
+            </a:r>
+            <a:r>
+              <a:rPr lang="en-GB" sz="1100" i="1" baseline="-25000" dirty="0" smtClean="0">
+                <a:latin typeface="Times New Roman" panose="02020603050405020304" pitchFamily="18" charset="0"/>
+                <a:ea typeface="MS Mincho"/>
+              </a:rPr>
+              <a:t>leaf</a:t>
+            </a:r>
+            <a:endParaRPr lang="es-ES" sz="1100" dirty="0"/>
+          </a:p>
+        </p:txBody>
+      </p:sp>
+      <p:grpSp>
+        <p:nvGrpSpPr>
+          <p:cNvPr id="106" name="Grupo 105"/>
+          <p:cNvGrpSpPr/>
+          <p:nvPr/>
+        </p:nvGrpSpPr>
+        <p:grpSpPr>
+          <a:xfrm>
+            <a:off x="4067761" y="1583719"/>
+            <a:ext cx="85827" cy="194077"/>
+            <a:chOff x="4444518" y="2422566"/>
+            <a:chExt cx="85827" cy="194077"/>
+          </a:xfrm>
+        </p:grpSpPr>
+        <p:sp>
+          <p:nvSpPr>
+            <p:cNvPr id="114" name="Rectángulo 113"/>
+            <p:cNvSpPr/>
+            <p:nvPr/>
+          </p:nvSpPr>
+          <p:spPr>
+            <a:xfrm>
+              <a:off x="4444518" y="2427858"/>
+              <a:ext cx="85827" cy="188785"/>
+            </a:xfrm>
+            <a:prstGeom prst="rect">
+              <a:avLst/>
+            </a:prstGeom>
+          </p:spPr>
+          <p:style>
+            <a:lnRef idx="2">
+              <a:schemeClr val="accent1">
+                <a:shade val="50000"/>
+              </a:schemeClr>
+            </a:lnRef>
+            <a:fillRef idx="1">
+              <a:schemeClr val="accent1"/>
+            </a:fillRef>
+            <a:effectRef idx="0">
+              <a:schemeClr val="accent1"/>
+            </a:effectRef>
+            <a:fontRef idx="minor">
+              <a:schemeClr val="lt1"/>
+            </a:fontRef>
+          </p:style>
+          <p:txBody>
+            <a:bodyPr rtlCol="0" anchor="ctr"/>
+            <a:lstStyle/>
+            <a:p>
+              <a:pPr algn="ctr"/>
+              <a:endParaRPr lang="en-US"/>
+            </a:p>
+          </p:txBody>
+        </p:sp>
+        <p:sp>
+          <p:nvSpPr>
+            <p:cNvPr id="115" name="Forma libre 114"/>
+            <p:cNvSpPr/>
+            <p:nvPr/>
+          </p:nvSpPr>
+          <p:spPr>
+            <a:xfrm>
+              <a:off x="4453923" y="2422566"/>
+              <a:ext cx="74966" cy="194077"/>
+            </a:xfrm>
+            <a:custGeom>
+              <a:avLst/>
+              <a:gdLst>
+                <a:gd name="connsiteX0" fmla="*/ 34946 w 78627"/>
+                <a:gd name="connsiteY0" fmla="*/ 0 h 273738"/>
+                <a:gd name="connsiteX1" fmla="*/ 37858 w 78627"/>
+                <a:gd name="connsiteY1" fmla="*/ 61154 h 273738"/>
+                <a:gd name="connsiteX2" fmla="*/ 0 w 78627"/>
+                <a:gd name="connsiteY2" fmla="*/ 84451 h 273738"/>
+                <a:gd name="connsiteX3" fmla="*/ 75715 w 78627"/>
+                <a:gd name="connsiteY3" fmla="*/ 84451 h 273738"/>
+                <a:gd name="connsiteX4" fmla="*/ 8737 w 78627"/>
+                <a:gd name="connsiteY4" fmla="*/ 133957 h 273738"/>
+                <a:gd name="connsiteX5" fmla="*/ 78627 w 78627"/>
+                <a:gd name="connsiteY5" fmla="*/ 131045 h 273738"/>
+                <a:gd name="connsiteX6" fmla="*/ 11649 w 78627"/>
+                <a:gd name="connsiteY6" fmla="*/ 186375 h 273738"/>
+                <a:gd name="connsiteX7" fmla="*/ 78627 w 78627"/>
+                <a:gd name="connsiteY7" fmla="*/ 189287 h 273738"/>
+                <a:gd name="connsiteX8" fmla="*/ 40770 w 78627"/>
+                <a:gd name="connsiteY8" fmla="*/ 227144 h 273738"/>
+                <a:gd name="connsiteX9" fmla="*/ 37858 w 78627"/>
+                <a:gd name="connsiteY9" fmla="*/ 273738 h 273738"/>
+              </a:gdLst>
+              <a:ahLst/>
+              <a:cxnLst>
+                <a:cxn ang="0">
+                  <a:pos x="connsiteX0" y="connsiteY0"/>
+                </a:cxn>
+                <a:cxn ang="0">
+                  <a:pos x="connsiteX1" y="connsiteY1"/>
+                </a:cxn>
+                <a:cxn ang="0">
+                  <a:pos x="connsiteX2" y="connsiteY2"/>
+                </a:cxn>
+                <a:cxn ang="0">
+                  <a:pos x="connsiteX3" y="connsiteY3"/>
+                </a:cxn>
+                <a:cxn ang="0">
+                  <a:pos x="connsiteX4" y="connsiteY4"/>
+                </a:cxn>
+                <a:cxn ang="0">
+                  <a:pos x="connsiteX5" y="connsiteY5"/>
+                </a:cxn>
+                <a:cxn ang="0">
+                  <a:pos x="connsiteX6" y="connsiteY6"/>
+                </a:cxn>
+                <a:cxn ang="0">
+                  <a:pos x="connsiteX7" y="connsiteY7"/>
+                </a:cxn>
+                <a:cxn ang="0">
+                  <a:pos x="connsiteX8" y="connsiteY8"/>
+                </a:cxn>
+                <a:cxn ang="0">
+                  <a:pos x="connsiteX9" y="connsiteY9"/>
+                </a:cxn>
+              </a:cxnLst>
+              <a:rect l="l" t="t" r="r" b="b"/>
+              <a:pathLst>
+                <a:path w="78627" h="273738">
+                  <a:moveTo>
+                    <a:pt x="34946" y="0"/>
+                  </a:moveTo>
+                  <a:lnTo>
+                    <a:pt x="37858" y="61154"/>
+                  </a:lnTo>
+                  <a:lnTo>
+                    <a:pt x="0" y="84451"/>
+                  </a:lnTo>
+                  <a:lnTo>
+                    <a:pt x="75715" y="84451"/>
+                  </a:lnTo>
+                  <a:lnTo>
+                    <a:pt x="8737" y="133957"/>
+                  </a:lnTo>
+                  <a:lnTo>
+                    <a:pt x="78627" y="131045"/>
+                  </a:lnTo>
+                  <a:lnTo>
+                    <a:pt x="11649" y="186375"/>
+                  </a:lnTo>
+                  <a:lnTo>
+                    <a:pt x="78627" y="189287"/>
+                  </a:lnTo>
+                  <a:lnTo>
+                    <a:pt x="40770" y="227144"/>
+                  </a:lnTo>
+                  <a:lnTo>
+                    <a:pt x="37858" y="273738"/>
+                  </a:lnTo>
+                </a:path>
+              </a:pathLst>
+            </a:custGeom>
+            <a:noFill/>
+            <a:ln w="6350">
+              <a:solidFill>
+                <a:schemeClr val="tx1"/>
+              </a:solidFill>
+            </a:ln>
+          </p:spPr>
+          <p:style>
+            <a:lnRef idx="2">
+              <a:schemeClr val="accent1">
+                <a:shade val="50000"/>
+              </a:schemeClr>
+            </a:lnRef>
+            <a:fillRef idx="1">
+              <a:schemeClr val="accent1"/>
+            </a:fillRef>
+            <a:effectRef idx="0">
+              <a:schemeClr val="accent1"/>
+            </a:effectRef>
+            <a:fontRef idx="minor">
+              <a:schemeClr val="lt1"/>
+            </a:fontRef>
+          </p:style>
+          <p:txBody>
+            <a:bodyPr rtlCol="0" anchor="ctr"/>
+            <a:lstStyle/>
+            <a:p>
+              <a:pPr algn="ctr"/>
+              <a:endParaRPr lang="en-US"/>
+            </a:p>
+          </p:txBody>
+        </p:sp>
+      </p:grpSp>
+      <p:sp>
+        <p:nvSpPr>
+          <p:cNvPr id="116" name="Elipse 115"/>
+          <p:cNvSpPr/>
+          <p:nvPr/>
+        </p:nvSpPr>
+        <p:spPr>
+          <a:xfrm>
+            <a:off x="4073432" y="1431625"/>
+            <a:ext cx="92547" cy="103474"/>
+          </a:xfrm>
+          <a:prstGeom prst="ellipse">
+            <a:avLst/>
+          </a:prstGeom>
+          <a:solidFill>
+            <a:schemeClr val="bg2"/>
+          </a:solidFill>
+        </p:spPr>
+        <p:style>
+          <a:lnRef idx="2">
+            <a:schemeClr val="accent1">
+              <a:shade val="50000"/>
+            </a:schemeClr>
+          </a:lnRef>
+          <a:fillRef idx="1">
+            <a:schemeClr val="accent1"/>
+          </a:fillRef>
+          <a:effectRef idx="0">
+            <a:schemeClr val="accent1"/>
+          </a:effectRef>
+          <a:fontRef idx="minor">
+            <a:schemeClr val="lt1"/>
+          </a:fontRef>
+        </p:style>
+        <p:txBody>
+          <a:bodyPr rtlCol="0" anchor="ctr"/>
+          <a:lstStyle/>
+          <a:p>
+            <a:pPr algn="ctr"/>
+            <a:endParaRPr lang="es-ES"/>
+          </a:p>
+        </p:txBody>
+      </p:sp>
+    </p:spTree>
+    <p:extLst>
+      <p:ext uri="{BB962C8B-B14F-4D97-AF65-F5344CB8AC3E}">
+        <p14:creationId xmlns:p14="http://schemas.microsoft.com/office/powerpoint/2010/main" val="4028990591"/>
+      </p:ext>
+    </p:extLst>
+  </p:cSld>
+  <p:clrMapOvr>
+    <a:masterClrMapping/>
+  </p:clrMapOvr>
+</p:sld>
+</file>
+
+<file path=ppt/slides/slide4.xml><?xml version="1.0" encoding="utf-8"?>
+<p:sld xmlns:a="http://schemas.openxmlformats.org/drawingml/2006/main" xmlns:r="http://schemas.openxmlformats.org/officeDocument/2006/relationships" xmlns:p="http://schemas.openxmlformats.org/presentationml/2006/main">
+  <p:cSld>
+    <p:spTree>
+      <p:nvGrpSpPr>
+        <p:cNvPr id="1" name=""/>
+        <p:cNvGrpSpPr/>
+        <p:nvPr/>
+      </p:nvGrpSpPr>
+      <p:grpSpPr>
+        <a:xfrm>
+          <a:off x="0" y="0"/>
+          <a:ext cx="0" cy="0"/>
+          <a:chOff x="0" y="0"/>
+          <a:chExt cx="0" cy="0"/>
+        </a:xfrm>
+      </p:grpSpPr>
+      <p:sp>
+        <p:nvSpPr>
+          <p:cNvPr id="158" name="Rectángulo 157"/>
+          <p:cNvSpPr/>
+          <p:nvPr/>
+        </p:nvSpPr>
+        <p:spPr>
+          <a:xfrm>
+            <a:off x="1551204" y="929459"/>
+            <a:ext cx="3508466" cy="4659961"/>
+          </a:xfrm>
+          <a:prstGeom prst="rect">
+            <a:avLst/>
+          </a:prstGeom>
+          <a:solidFill>
+            <a:schemeClr val="bg1"/>
+          </a:solidFill>
+          <a:ln>
+            <a:noFill/>
+          </a:ln>
+        </p:spPr>
+        <p:style>
+          <a:lnRef idx="2">
+            <a:schemeClr val="accent1">
+              <a:shade val="50000"/>
+            </a:schemeClr>
+          </a:lnRef>
+          <a:fillRef idx="1">
+            <a:schemeClr val="accent1"/>
+          </a:fillRef>
+          <a:effectRef idx="0">
+            <a:schemeClr val="accent1"/>
+          </a:effectRef>
+          <a:fontRef idx="minor">
+            <a:schemeClr val="lt1"/>
+          </a:fontRef>
+        </p:style>
+        <p:txBody>
+          <a:bodyPr rtlCol="0" anchor="ctr"/>
+          <a:lstStyle/>
+          <a:p>
+            <a:pPr algn="ctr"/>
+            <a:endParaRPr lang="es-ES"/>
+          </a:p>
+        </p:txBody>
+      </p:sp>
+      <p:pic>
+        <p:nvPicPr>
+          <p:cNvPr id="5" name="Picture 2" descr="Resultat d'imatges de tree roots drawing vector"/>
+          <p:cNvPicPr>
+            <a:picLocks noChangeAspect="1" noChangeArrowheads="1"/>
+          </p:cNvPicPr>
+          <p:nvPr/>
+        </p:nvPicPr>
+        <p:blipFill>
+          <a:blip r:embed="rId2" cstate="print">
+            <a:extLst>
+              <a:ext uri="{28A0092B-C50C-407E-A947-70E740481C1C}">
+                <a14:useLocalDpi xmlns:a14="http://schemas.microsoft.com/office/drawing/2010/main" val="0"/>
+              </a:ext>
+            </a:extLst>
+          </a:blip>
+          <a:srcRect/>
+          <a:stretch>
+            <a:fillRect/>
+          </a:stretch>
+        </p:blipFill>
+        <p:spPr bwMode="auto">
+          <a:xfrm>
+            <a:off x="1558557" y="1323048"/>
+            <a:ext cx="2954918" cy="4093570"/>
+          </a:xfrm>
+          <a:prstGeom prst="rect">
+            <a:avLst/>
+          </a:prstGeom>
+          <a:noFill/>
+          <a:extLst>
+            <a:ext uri="{909E8E84-426E-40DD-AFC4-6F175D3DCCD1}">
+              <a14:hiddenFill xmlns:a14="http://schemas.microsoft.com/office/drawing/2010/main">
+                <a:solidFill>
+                  <a:srgbClr val="FFFFFF"/>
+                </a:solidFill>
+              </a14:hiddenFill>
+            </a:ext>
+          </a:extLst>
+        </p:spPr>
+      </p:pic>
+      <p:sp>
+        <p:nvSpPr>
+          <p:cNvPr id="6" name="Rectángulo 5"/>
+          <p:cNvSpPr/>
+          <p:nvPr/>
+        </p:nvSpPr>
+        <p:spPr>
+          <a:xfrm>
+            <a:off x="3298733" y="934751"/>
+            <a:ext cx="3627995" cy="4554035"/>
+          </a:xfrm>
+          <a:prstGeom prst="rect">
+            <a:avLst/>
+          </a:prstGeom>
+          <a:solidFill>
+            <a:schemeClr val="bg1"/>
+          </a:solidFill>
+          <a:ln>
+            <a:noFill/>
+          </a:ln>
+        </p:spPr>
+        <p:style>
+          <a:lnRef idx="2">
+            <a:schemeClr val="accent1">
+              <a:shade val="50000"/>
+            </a:schemeClr>
+          </a:lnRef>
+          <a:fillRef idx="1">
+            <a:schemeClr val="accent1"/>
+          </a:fillRef>
+          <a:effectRef idx="0">
+            <a:schemeClr val="accent1"/>
+          </a:effectRef>
+          <a:fontRef idx="minor">
+            <a:schemeClr val="lt1"/>
+          </a:fontRef>
+        </p:style>
+        <p:txBody>
+          <a:bodyPr rtlCol="0" anchor="ctr"/>
+          <a:lstStyle/>
+          <a:p>
+            <a:pPr algn="ctr"/>
+            <a:endParaRPr lang="es-ES"/>
+          </a:p>
+        </p:txBody>
+      </p:sp>
+      <p:sp>
+        <p:nvSpPr>
+          <p:cNvPr id="2" name="Rectángulo 1"/>
+          <p:cNvSpPr/>
+          <p:nvPr/>
+        </p:nvSpPr>
+        <p:spPr>
+          <a:xfrm>
+            <a:off x="4725543" y="2111281"/>
+            <a:ext cx="605712" cy="1270413"/>
+          </a:xfrm>
+          <a:prstGeom prst="rect">
+            <a:avLst/>
+          </a:prstGeom>
+          <a:solidFill>
+            <a:schemeClr val="accent1">
+              <a:lumMod val="20000"/>
+              <a:lumOff val="80000"/>
+            </a:schemeClr>
+          </a:solidFill>
+        </p:spPr>
+        <p:style>
+          <a:lnRef idx="2">
+            <a:schemeClr val="accent1">
+              <a:shade val="50000"/>
+            </a:schemeClr>
+          </a:lnRef>
+          <a:fillRef idx="1">
+            <a:schemeClr val="accent1"/>
+          </a:fillRef>
+          <a:effectRef idx="0">
+            <a:schemeClr val="accent1"/>
+          </a:effectRef>
+          <a:fontRef idx="minor">
+            <a:schemeClr val="lt1"/>
+          </a:fontRef>
+        </p:style>
+        <p:txBody>
+          <a:bodyPr rtlCol="0" anchor="ctr"/>
+          <a:lstStyle/>
+          <a:p>
+            <a:pPr algn="ctr"/>
+            <a:endParaRPr lang="ca-ES"/>
+          </a:p>
+        </p:txBody>
+      </p:sp>
+      <p:cxnSp>
+        <p:nvCxnSpPr>
+          <p:cNvPr id="7" name="Conector recto de flecha 6"/>
+          <p:cNvCxnSpPr>
+            <a:stCxn id="80" idx="4"/>
+            <a:endCxn id="10" idx="4"/>
+          </p:cNvCxnSpPr>
+          <p:nvPr/>
+        </p:nvCxnSpPr>
+        <p:spPr>
+          <a:xfrm>
+            <a:off x="4112591" y="2858508"/>
+            <a:ext cx="1173" cy="1011567"/>
+          </a:xfrm>
+          <a:prstGeom prst="straightConnector1">
+            <a:avLst/>
+          </a:prstGeom>
+          <a:ln w="9525">
+            <a:solidFill>
+              <a:schemeClr val="tx1"/>
+            </a:solidFill>
+            <a:headEnd type="triangle" w="med" len="med"/>
+            <a:tailEnd type="none" w="med" len="med"/>
+          </a:ln>
+        </p:spPr>
+        <p:style>
+          <a:lnRef idx="1">
+            <a:schemeClr val="accent1"/>
+          </a:lnRef>
+          <a:fillRef idx="0">
+            <a:schemeClr val="accent1"/>
+          </a:fillRef>
+          <a:effectRef idx="0">
+            <a:schemeClr val="accent1"/>
+          </a:effectRef>
+          <a:fontRef idx="minor">
+            <a:schemeClr val="tx1"/>
+          </a:fontRef>
+        </p:style>
+      </p:cxnSp>
+      <p:sp>
+        <p:nvSpPr>
+          <p:cNvPr id="10" name="Elipse 9"/>
+          <p:cNvSpPr/>
+          <p:nvPr/>
+        </p:nvSpPr>
+        <p:spPr>
+          <a:xfrm>
+            <a:off x="4032484" y="3665184"/>
+            <a:ext cx="162560" cy="204891"/>
+          </a:xfrm>
+          <a:prstGeom prst="ellipse">
+            <a:avLst/>
+          </a:prstGeom>
+          <a:solidFill>
+            <a:schemeClr val="bg2"/>
+          </a:solidFill>
+        </p:spPr>
+        <p:style>
+          <a:lnRef idx="2">
+            <a:schemeClr val="accent1">
+              <a:shade val="50000"/>
+            </a:schemeClr>
+          </a:lnRef>
+          <a:fillRef idx="1">
+            <a:schemeClr val="accent1"/>
+          </a:fillRef>
+          <a:effectRef idx="0">
+            <a:schemeClr val="accent1"/>
+          </a:effectRef>
+          <a:fontRef idx="minor">
+            <a:schemeClr val="lt1"/>
+          </a:fontRef>
+        </p:style>
+        <p:txBody>
+          <a:bodyPr rtlCol="0" anchor="ctr"/>
+          <a:lstStyle/>
+          <a:p>
+            <a:pPr algn="ctr"/>
+            <a:endParaRPr lang="es-ES"/>
+          </a:p>
+        </p:txBody>
+      </p:sp>
+      <p:sp>
+        <p:nvSpPr>
+          <p:cNvPr id="11" name="Elipse 10"/>
+          <p:cNvSpPr/>
+          <p:nvPr/>
+        </p:nvSpPr>
+        <p:spPr>
+          <a:xfrm>
+            <a:off x="5631726" y="3665184"/>
+            <a:ext cx="162560" cy="204891"/>
+          </a:xfrm>
+          <a:prstGeom prst="ellipse">
+            <a:avLst/>
+          </a:prstGeom>
+          <a:solidFill>
+            <a:schemeClr val="bg2"/>
+          </a:solidFill>
+        </p:spPr>
+        <p:style>
+          <a:lnRef idx="2">
+            <a:schemeClr val="accent1">
+              <a:shade val="50000"/>
+            </a:schemeClr>
+          </a:lnRef>
+          <a:fillRef idx="1">
+            <a:schemeClr val="accent1"/>
+          </a:fillRef>
+          <a:effectRef idx="0">
+            <a:schemeClr val="accent1"/>
+          </a:effectRef>
+          <a:fontRef idx="minor">
+            <a:schemeClr val="lt1"/>
+          </a:fontRef>
+        </p:style>
+        <p:txBody>
+          <a:bodyPr rtlCol="0" anchor="ctr"/>
+          <a:lstStyle/>
+          <a:p>
+            <a:pPr algn="ctr"/>
+            <a:endParaRPr lang="es-ES"/>
+          </a:p>
+        </p:txBody>
+      </p:sp>
+      <p:cxnSp>
+        <p:nvCxnSpPr>
+          <p:cNvPr id="12" name="Conector recto de flecha 11"/>
+          <p:cNvCxnSpPr>
+            <a:stCxn id="11" idx="2"/>
+            <a:endCxn id="10" idx="6"/>
+          </p:cNvCxnSpPr>
+          <p:nvPr/>
+        </p:nvCxnSpPr>
+        <p:spPr>
+          <a:xfrm flipH="1">
+            <a:off x="4195044" y="3767630"/>
+            <a:ext cx="1436682" cy="0"/>
+          </a:xfrm>
+          <a:prstGeom prst="straightConnector1">
+            <a:avLst/>
+          </a:prstGeom>
+          <a:ln w="9525">
+            <a:solidFill>
+              <a:schemeClr val="tx1"/>
+            </a:solidFill>
+            <a:headEnd type="none" w="med" len="med"/>
+            <a:tailEnd type="none" w="med" len="med"/>
+          </a:ln>
+        </p:spPr>
+        <p:style>
+          <a:lnRef idx="1">
+            <a:schemeClr val="accent1"/>
+          </a:lnRef>
+          <a:fillRef idx="0">
+            <a:schemeClr val="accent1"/>
+          </a:fillRef>
+          <a:effectRef idx="0">
+            <a:schemeClr val="accent1"/>
+          </a:effectRef>
+          <a:fontRef idx="minor">
+            <a:schemeClr val="tx1"/>
+          </a:fontRef>
+        </p:style>
+      </p:cxnSp>
+      <p:sp>
+        <p:nvSpPr>
+          <p:cNvPr id="13" name="Elipse 12"/>
+          <p:cNvSpPr/>
+          <p:nvPr/>
+        </p:nvSpPr>
+        <p:spPr>
+          <a:xfrm>
+            <a:off x="4839124" y="3675125"/>
+            <a:ext cx="162560" cy="204891"/>
+          </a:xfrm>
+          <a:prstGeom prst="ellipse">
+            <a:avLst/>
+          </a:prstGeom>
+          <a:solidFill>
+            <a:schemeClr val="bg2"/>
+          </a:solidFill>
+        </p:spPr>
+        <p:style>
+          <a:lnRef idx="2">
+            <a:schemeClr val="accent1">
+              <a:shade val="50000"/>
+            </a:schemeClr>
+          </a:lnRef>
+          <a:fillRef idx="1">
+            <a:schemeClr val="accent1"/>
+          </a:fillRef>
+          <a:effectRef idx="0">
+            <a:schemeClr val="accent1"/>
+          </a:effectRef>
+          <a:fontRef idx="minor">
+            <a:schemeClr val="lt1"/>
+          </a:fontRef>
+        </p:style>
+        <p:txBody>
+          <a:bodyPr rtlCol="0" anchor="ctr"/>
+          <a:lstStyle/>
+          <a:p>
+            <a:pPr algn="ctr"/>
+            <a:endParaRPr lang="es-ES"/>
+          </a:p>
+        </p:txBody>
+      </p:sp>
+      <p:sp>
+        <p:nvSpPr>
+          <p:cNvPr id="16" name="Elipse 15"/>
+          <p:cNvSpPr/>
+          <p:nvPr/>
+        </p:nvSpPr>
+        <p:spPr>
+          <a:xfrm>
+            <a:off x="5652046" y="4138446"/>
+            <a:ext cx="162560" cy="204891"/>
+          </a:xfrm>
+          <a:prstGeom prst="ellipse">
+            <a:avLst/>
+          </a:prstGeom>
+          <a:solidFill>
+            <a:schemeClr val="bg2"/>
+          </a:solidFill>
+        </p:spPr>
+        <p:style>
+          <a:lnRef idx="2">
+            <a:schemeClr val="accent1">
+              <a:shade val="50000"/>
+            </a:schemeClr>
+          </a:lnRef>
+          <a:fillRef idx="1">
+            <a:schemeClr val="accent1"/>
+          </a:fillRef>
+          <a:effectRef idx="0">
+            <a:schemeClr val="accent1"/>
+          </a:effectRef>
+          <a:fontRef idx="minor">
+            <a:schemeClr val="lt1"/>
+          </a:fontRef>
+        </p:style>
+        <p:txBody>
+          <a:bodyPr rtlCol="0" anchor="ctr"/>
+          <a:lstStyle/>
+          <a:p>
+            <a:pPr algn="ctr"/>
+            <a:endParaRPr lang="es-ES"/>
+          </a:p>
+        </p:txBody>
+      </p:sp>
+      <p:cxnSp>
+        <p:nvCxnSpPr>
+          <p:cNvPr id="17" name="Conector recto de flecha 16"/>
+          <p:cNvCxnSpPr>
+            <a:stCxn id="16" idx="2"/>
+          </p:cNvCxnSpPr>
+          <p:nvPr/>
+        </p:nvCxnSpPr>
+        <p:spPr>
+          <a:xfrm flipH="1">
+            <a:off x="4506540" y="4240892"/>
+            <a:ext cx="1145506" cy="14175"/>
+          </a:xfrm>
+          <a:prstGeom prst="straightConnector1">
+            <a:avLst/>
+          </a:prstGeom>
+          <a:ln w="9525">
+            <a:solidFill>
+              <a:schemeClr val="tx1"/>
+            </a:solidFill>
+            <a:headEnd type="none" w="med" len="med"/>
+            <a:tailEnd type="none" w="med" len="med"/>
+          </a:ln>
+        </p:spPr>
+        <p:style>
+          <a:lnRef idx="1">
+            <a:schemeClr val="accent1"/>
+          </a:lnRef>
+          <a:fillRef idx="0">
+            <a:schemeClr val="accent1"/>
+          </a:fillRef>
+          <a:effectRef idx="0">
+            <a:schemeClr val="accent1"/>
+          </a:effectRef>
+          <a:fontRef idx="minor">
+            <a:schemeClr val="tx1"/>
+          </a:fontRef>
+        </p:style>
+      </p:cxnSp>
+      <p:sp>
+        <p:nvSpPr>
+          <p:cNvPr id="18" name="Elipse 17"/>
+          <p:cNvSpPr/>
+          <p:nvPr/>
+        </p:nvSpPr>
+        <p:spPr>
+          <a:xfrm>
+            <a:off x="4859444" y="4148387"/>
+            <a:ext cx="162560" cy="204891"/>
+          </a:xfrm>
+          <a:prstGeom prst="ellipse">
+            <a:avLst/>
+          </a:prstGeom>
+          <a:solidFill>
+            <a:schemeClr val="bg2"/>
+          </a:solidFill>
+        </p:spPr>
+        <p:style>
+          <a:lnRef idx="2">
+            <a:schemeClr val="accent1">
+              <a:shade val="50000"/>
+            </a:schemeClr>
+          </a:lnRef>
+          <a:fillRef idx="1">
+            <a:schemeClr val="accent1"/>
+          </a:fillRef>
+          <a:effectRef idx="0">
+            <a:schemeClr val="accent1"/>
+          </a:effectRef>
+          <a:fontRef idx="minor">
+            <a:schemeClr val="lt1"/>
+          </a:fontRef>
+        </p:style>
+        <p:txBody>
+          <a:bodyPr rtlCol="0" anchor="ctr"/>
+          <a:lstStyle/>
+          <a:p>
+            <a:pPr algn="ctr"/>
+            <a:endParaRPr lang="es-ES"/>
+          </a:p>
+        </p:txBody>
+      </p:sp>
+      <p:sp>
+        <p:nvSpPr>
+          <p:cNvPr id="21" name="Elipse 20"/>
+          <p:cNvSpPr/>
+          <p:nvPr/>
+        </p:nvSpPr>
+        <p:spPr>
+          <a:xfrm>
+            <a:off x="5652046" y="4751208"/>
+            <a:ext cx="162560" cy="204891"/>
+          </a:xfrm>
+          <a:prstGeom prst="ellipse">
+            <a:avLst/>
+          </a:prstGeom>
+          <a:solidFill>
+            <a:schemeClr val="bg2"/>
+          </a:solidFill>
+        </p:spPr>
+        <p:style>
+          <a:lnRef idx="2">
+            <a:schemeClr val="accent1">
+              <a:shade val="50000"/>
+            </a:schemeClr>
+          </a:lnRef>
+          <a:fillRef idx="1">
+            <a:schemeClr val="accent1"/>
+          </a:fillRef>
+          <a:effectRef idx="0">
+            <a:schemeClr val="accent1"/>
+          </a:effectRef>
+          <a:fontRef idx="minor">
+            <a:schemeClr val="lt1"/>
+          </a:fontRef>
+        </p:style>
+        <p:txBody>
+          <a:bodyPr rtlCol="0" anchor="ctr"/>
+          <a:lstStyle/>
+          <a:p>
+            <a:pPr algn="ctr"/>
+            <a:endParaRPr lang="es-ES"/>
+          </a:p>
+        </p:txBody>
+      </p:sp>
+      <p:cxnSp>
+        <p:nvCxnSpPr>
+          <p:cNvPr id="22" name="Conector recto de flecha 21"/>
+          <p:cNvCxnSpPr>
+            <a:stCxn id="21" idx="2"/>
+          </p:cNvCxnSpPr>
+          <p:nvPr/>
+        </p:nvCxnSpPr>
+        <p:spPr>
+          <a:xfrm flipH="1">
+            <a:off x="4504697" y="4853654"/>
+            <a:ext cx="1147349" cy="9505"/>
+          </a:xfrm>
+          <a:prstGeom prst="straightConnector1">
+            <a:avLst/>
+          </a:prstGeom>
+          <a:ln w="9525">
+            <a:solidFill>
+              <a:schemeClr val="tx1"/>
+            </a:solidFill>
+            <a:headEnd type="none" w="med" len="med"/>
+            <a:tailEnd type="none" w="med" len="med"/>
+          </a:ln>
+        </p:spPr>
+        <p:style>
+          <a:lnRef idx="1">
+            <a:schemeClr val="accent1"/>
+          </a:lnRef>
+          <a:fillRef idx="0">
+            <a:schemeClr val="accent1"/>
+          </a:fillRef>
+          <a:effectRef idx="0">
+            <a:schemeClr val="accent1"/>
+          </a:effectRef>
+          <a:fontRef idx="minor">
+            <a:schemeClr val="tx1"/>
+          </a:fontRef>
+        </p:style>
+      </p:cxnSp>
+      <p:sp>
+        <p:nvSpPr>
+          <p:cNvPr id="23" name="Elipse 22"/>
+          <p:cNvSpPr/>
+          <p:nvPr/>
+        </p:nvSpPr>
+        <p:spPr>
+          <a:xfrm>
+            <a:off x="4859444" y="4761149"/>
+            <a:ext cx="162560" cy="204891"/>
+          </a:xfrm>
+          <a:prstGeom prst="ellipse">
+            <a:avLst/>
+          </a:prstGeom>
+          <a:solidFill>
+            <a:schemeClr val="bg2"/>
+          </a:solidFill>
+        </p:spPr>
+        <p:style>
+          <a:lnRef idx="2">
+            <a:schemeClr val="accent1">
+              <a:shade val="50000"/>
+            </a:schemeClr>
+          </a:lnRef>
+          <a:fillRef idx="1">
+            <a:schemeClr val="accent1"/>
+          </a:fillRef>
+          <a:effectRef idx="0">
+            <a:schemeClr val="accent1"/>
+          </a:effectRef>
+          <a:fontRef idx="minor">
+            <a:schemeClr val="lt1"/>
+          </a:fontRef>
+        </p:style>
+        <p:txBody>
+          <a:bodyPr rtlCol="0" anchor="ctr"/>
+          <a:lstStyle/>
+          <a:p>
+            <a:pPr algn="ctr"/>
+            <a:endParaRPr lang="es-ES"/>
+          </a:p>
+        </p:txBody>
+      </p:sp>
+      <p:sp>
+        <p:nvSpPr>
+          <p:cNvPr id="26" name="CuadroTexto 25"/>
+          <p:cNvSpPr txBox="1"/>
+          <p:nvPr/>
+        </p:nvSpPr>
+        <p:spPr>
+          <a:xfrm>
+            <a:off x="5948343" y="3585232"/>
+            <a:ext cx="978386" cy="261610"/>
+          </a:xfrm>
+          <a:prstGeom prst="rect">
+            <a:avLst/>
+          </a:prstGeom>
+          <a:noFill/>
+        </p:spPr>
+        <p:txBody>
+          <a:bodyPr wrap="square" rtlCol="0">
+            <a:spAutoFit/>
+          </a:bodyPr>
+          <a:lstStyle/>
+          <a:p>
+            <a:pPr algn="ctr"/>
+            <a:r>
+              <a:rPr lang="en-US" sz="1050" i="1" dirty="0" smtClean="0"/>
+              <a:t>Soil layer </a:t>
+            </a:r>
+            <a:r>
+              <a:rPr lang="en-US" sz="1050" dirty="0" smtClean="0"/>
+              <a:t>1</a:t>
+            </a:r>
+          </a:p>
+        </p:txBody>
+      </p:sp>
+      <p:sp>
+        <p:nvSpPr>
+          <p:cNvPr id="27" name="CuadroTexto 26"/>
+          <p:cNvSpPr txBox="1"/>
+          <p:nvPr/>
+        </p:nvSpPr>
+        <p:spPr>
+          <a:xfrm>
+            <a:off x="5961756" y="4109209"/>
+            <a:ext cx="978386" cy="261610"/>
+          </a:xfrm>
+          <a:prstGeom prst="rect">
+            <a:avLst/>
+          </a:prstGeom>
+          <a:noFill/>
+        </p:spPr>
+        <p:txBody>
+          <a:bodyPr wrap="square" rtlCol="0">
+            <a:spAutoFit/>
+          </a:bodyPr>
+          <a:lstStyle/>
+          <a:p>
+            <a:pPr algn="ctr"/>
+            <a:r>
+              <a:rPr lang="en-US" sz="1050" i="1" dirty="0" smtClean="0"/>
+              <a:t>Soil layer </a:t>
+            </a:r>
+            <a:r>
+              <a:rPr lang="en-US" sz="1050" dirty="0" smtClean="0"/>
+              <a:t>2</a:t>
+            </a:r>
+          </a:p>
+        </p:txBody>
+      </p:sp>
+      <p:sp>
+        <p:nvSpPr>
+          <p:cNvPr id="28" name="CuadroTexto 27"/>
+          <p:cNvSpPr txBox="1"/>
+          <p:nvPr/>
+        </p:nvSpPr>
+        <p:spPr>
+          <a:xfrm>
+            <a:off x="5986120" y="4773851"/>
+            <a:ext cx="978386" cy="261610"/>
+          </a:xfrm>
+          <a:prstGeom prst="rect">
+            <a:avLst/>
+          </a:prstGeom>
+          <a:noFill/>
+        </p:spPr>
+        <p:txBody>
+          <a:bodyPr wrap="square" rtlCol="0">
+            <a:spAutoFit/>
+          </a:bodyPr>
+          <a:lstStyle/>
+          <a:p>
+            <a:pPr algn="ctr"/>
+            <a:r>
+              <a:rPr lang="en-US" sz="1050" i="1" dirty="0" smtClean="0"/>
+              <a:t>Soil layer S</a:t>
+            </a:r>
+          </a:p>
+        </p:txBody>
+      </p:sp>
+      <p:sp>
+        <p:nvSpPr>
+          <p:cNvPr id="29" name="CuadroTexto 28"/>
+          <p:cNvSpPr txBox="1"/>
+          <p:nvPr/>
+        </p:nvSpPr>
+        <p:spPr>
+          <a:xfrm rot="16200000">
+            <a:off x="3211164" y="2390291"/>
+            <a:ext cx="484973" cy="261610"/>
+          </a:xfrm>
+          <a:prstGeom prst="rect">
+            <a:avLst/>
+          </a:prstGeom>
+          <a:noFill/>
+        </p:spPr>
+        <p:txBody>
+          <a:bodyPr wrap="square" rtlCol="0">
+            <a:spAutoFit/>
+          </a:bodyPr>
+          <a:lstStyle/>
+          <a:p>
+            <a:pPr algn="ctr"/>
+            <a:r>
+              <a:rPr lang="en-US" sz="1050" i="1" dirty="0" smtClean="0"/>
+              <a:t>Stem</a:t>
+            </a:r>
+          </a:p>
+        </p:txBody>
+      </p:sp>
+      <p:sp>
+        <p:nvSpPr>
+          <p:cNvPr id="30" name="CuadroTexto 29"/>
+          <p:cNvSpPr txBox="1"/>
+          <p:nvPr/>
+        </p:nvSpPr>
+        <p:spPr>
+          <a:xfrm>
+            <a:off x="4091344" y="5212893"/>
+            <a:ext cx="575744" cy="261610"/>
+          </a:xfrm>
+          <a:prstGeom prst="rect">
+            <a:avLst/>
+          </a:prstGeom>
+          <a:noFill/>
+        </p:spPr>
+        <p:txBody>
+          <a:bodyPr wrap="square" rtlCol="0">
+            <a:spAutoFit/>
+          </a:bodyPr>
+          <a:lstStyle/>
+          <a:p>
+            <a:pPr algn="ctr"/>
+            <a:r>
+              <a:rPr lang="en-US" sz="1050" i="1" dirty="0" smtClean="0"/>
+              <a:t>Roots</a:t>
+            </a:r>
+          </a:p>
+        </p:txBody>
+      </p:sp>
+      <p:sp>
+        <p:nvSpPr>
+          <p:cNvPr id="31" name="CuadroTexto 30"/>
+          <p:cNvSpPr txBox="1"/>
+          <p:nvPr/>
+        </p:nvSpPr>
+        <p:spPr>
+          <a:xfrm>
+            <a:off x="4710112" y="5228597"/>
+            <a:ext cx="1477455" cy="261610"/>
+          </a:xfrm>
+          <a:prstGeom prst="rect">
+            <a:avLst/>
+          </a:prstGeom>
+          <a:noFill/>
+        </p:spPr>
+        <p:txBody>
+          <a:bodyPr wrap="square" rtlCol="0">
+            <a:spAutoFit/>
+          </a:bodyPr>
+          <a:lstStyle/>
+          <a:p>
+            <a:pPr algn="ctr"/>
+            <a:r>
+              <a:rPr lang="en-US" sz="1050" i="1" dirty="0" smtClean="0"/>
+              <a:t>Rhizosphere</a:t>
+            </a:r>
+          </a:p>
+        </p:txBody>
+      </p:sp>
+      <p:sp>
+        <p:nvSpPr>
+          <p:cNvPr id="32" name="Rectángulo 31"/>
+          <p:cNvSpPr/>
+          <p:nvPr/>
+        </p:nvSpPr>
+        <p:spPr>
+          <a:xfrm>
+            <a:off x="4653440" y="3841765"/>
+            <a:ext cx="737125" cy="276999"/>
+          </a:xfrm>
+          <a:prstGeom prst="rect">
+            <a:avLst/>
+          </a:prstGeom>
+        </p:spPr>
+        <p:txBody>
+          <a:bodyPr wrap="none">
+            <a:spAutoFit/>
+          </a:bodyPr>
+          <a:lstStyle/>
+          <a:p>
+            <a:r>
+              <a:rPr lang="en-GB" sz="1200" dirty="0" smtClean="0">
+                <a:latin typeface="Times New Roman" panose="02020603050405020304" pitchFamily="18" charset="0"/>
+                <a:ea typeface="MS Mincho"/>
+                <a:cs typeface="Times New Roman" panose="02020603050405020304" pitchFamily="18" charset="0"/>
+                <a:sym typeface="Symbol" panose="05050102010706020507" pitchFamily="18" charset="2"/>
+              </a:rPr>
+              <a:t></a:t>
+            </a:r>
+            <a:r>
+              <a:rPr lang="en-GB" sz="1200" i="1" baseline="-25000" dirty="0" err="1" smtClean="0">
+                <a:latin typeface="Times New Roman" panose="02020603050405020304" pitchFamily="18" charset="0"/>
+                <a:ea typeface="MS Mincho"/>
+              </a:rPr>
+              <a:t>rootsurf</a:t>
+            </a:r>
+            <a:r>
+              <a:rPr lang="en-GB" sz="1200" i="1" baseline="-25000" dirty="0" smtClean="0">
+                <a:latin typeface="Times New Roman" panose="02020603050405020304" pitchFamily="18" charset="0"/>
+                <a:ea typeface="MS Mincho"/>
+              </a:rPr>
+              <a:t>, </a:t>
+            </a:r>
+            <a:r>
+              <a:rPr lang="en-GB" sz="1200" baseline="-25000" dirty="0" smtClean="0">
+                <a:latin typeface="Times New Roman" panose="02020603050405020304" pitchFamily="18" charset="0"/>
+                <a:ea typeface="MS Mincho"/>
+              </a:rPr>
+              <a:t>1</a:t>
+            </a:r>
+            <a:endParaRPr lang="es-ES" sz="1200" dirty="0"/>
+          </a:p>
+        </p:txBody>
+      </p:sp>
+      <p:sp>
+        <p:nvSpPr>
+          <p:cNvPr id="33" name="Rectángulo 32"/>
+          <p:cNvSpPr/>
+          <p:nvPr/>
+        </p:nvSpPr>
+        <p:spPr>
+          <a:xfrm>
+            <a:off x="4653441" y="4330541"/>
+            <a:ext cx="737125" cy="276999"/>
+          </a:xfrm>
+          <a:prstGeom prst="rect">
+            <a:avLst/>
+          </a:prstGeom>
+        </p:spPr>
+        <p:txBody>
+          <a:bodyPr wrap="none">
+            <a:spAutoFit/>
+          </a:bodyPr>
+          <a:lstStyle/>
+          <a:p>
+            <a:r>
+              <a:rPr lang="en-GB" sz="1200" dirty="0" smtClean="0">
+                <a:latin typeface="Times New Roman" panose="02020603050405020304" pitchFamily="18" charset="0"/>
+                <a:ea typeface="MS Mincho"/>
+                <a:cs typeface="Times New Roman" panose="02020603050405020304" pitchFamily="18" charset="0"/>
+                <a:sym typeface="Symbol" panose="05050102010706020507" pitchFamily="18" charset="2"/>
+              </a:rPr>
+              <a:t></a:t>
+            </a:r>
+            <a:r>
+              <a:rPr lang="en-GB" sz="1200" i="1" baseline="-25000" dirty="0" err="1" smtClean="0">
+                <a:latin typeface="Times New Roman" panose="02020603050405020304" pitchFamily="18" charset="0"/>
+                <a:ea typeface="MS Mincho"/>
+              </a:rPr>
+              <a:t>rootsurf</a:t>
+            </a:r>
+            <a:r>
+              <a:rPr lang="en-GB" sz="1200" i="1" baseline="-25000" dirty="0" smtClean="0">
+                <a:latin typeface="Times New Roman" panose="02020603050405020304" pitchFamily="18" charset="0"/>
+                <a:ea typeface="MS Mincho"/>
+              </a:rPr>
+              <a:t>, </a:t>
+            </a:r>
+            <a:r>
+              <a:rPr lang="en-GB" sz="1200" baseline="-25000" dirty="0" smtClean="0">
+                <a:latin typeface="Times New Roman" panose="02020603050405020304" pitchFamily="18" charset="0"/>
+                <a:ea typeface="MS Mincho"/>
+              </a:rPr>
+              <a:t>2</a:t>
+            </a:r>
+            <a:endParaRPr lang="es-ES" sz="1200" dirty="0"/>
+          </a:p>
+        </p:txBody>
+      </p:sp>
+      <p:sp>
+        <p:nvSpPr>
+          <p:cNvPr id="34" name="Rectángulo 33"/>
+          <p:cNvSpPr/>
+          <p:nvPr/>
+        </p:nvSpPr>
+        <p:spPr>
+          <a:xfrm>
+            <a:off x="4695329" y="4932677"/>
+            <a:ext cx="754758" cy="276999"/>
+          </a:xfrm>
+          <a:prstGeom prst="rect">
+            <a:avLst/>
+          </a:prstGeom>
+        </p:spPr>
+        <p:txBody>
+          <a:bodyPr wrap="none">
+            <a:spAutoFit/>
+          </a:bodyPr>
+          <a:lstStyle/>
+          <a:p>
+            <a:r>
+              <a:rPr lang="en-GB" sz="1200" dirty="0" smtClean="0">
+                <a:latin typeface="Times New Roman" panose="02020603050405020304" pitchFamily="18" charset="0"/>
+                <a:ea typeface="MS Mincho"/>
+                <a:cs typeface="Times New Roman" panose="02020603050405020304" pitchFamily="18" charset="0"/>
+                <a:sym typeface="Symbol" panose="05050102010706020507" pitchFamily="18" charset="2"/>
+              </a:rPr>
+              <a:t></a:t>
+            </a:r>
+            <a:r>
+              <a:rPr lang="en-GB" sz="1200" i="1" baseline="-25000" dirty="0" err="1" smtClean="0">
+                <a:latin typeface="Times New Roman" panose="02020603050405020304" pitchFamily="18" charset="0"/>
+                <a:ea typeface="MS Mincho"/>
+              </a:rPr>
+              <a:t>rootsurf</a:t>
+            </a:r>
+            <a:r>
+              <a:rPr lang="en-GB" sz="1200" i="1" baseline="-25000" dirty="0" smtClean="0">
+                <a:latin typeface="Times New Roman" panose="02020603050405020304" pitchFamily="18" charset="0"/>
+                <a:ea typeface="MS Mincho"/>
+              </a:rPr>
+              <a:t>, S</a:t>
+            </a:r>
+            <a:endParaRPr lang="es-ES" sz="1200" i="1" dirty="0"/>
+          </a:p>
+        </p:txBody>
+      </p:sp>
+      <p:cxnSp>
+        <p:nvCxnSpPr>
+          <p:cNvPr id="35" name="Conector recto de flecha 34"/>
+          <p:cNvCxnSpPr>
+            <a:stCxn id="101" idx="2"/>
+            <a:endCxn id="10" idx="5"/>
+          </p:cNvCxnSpPr>
+          <p:nvPr/>
+        </p:nvCxnSpPr>
+        <p:spPr>
+          <a:xfrm flipH="1" flipV="1">
+            <a:off x="4171238" y="3840069"/>
+            <a:ext cx="235502" cy="415693"/>
+          </a:xfrm>
+          <a:prstGeom prst="straightConnector1">
+            <a:avLst/>
+          </a:prstGeom>
+          <a:ln w="9525">
+            <a:solidFill>
+              <a:schemeClr val="tx1"/>
+            </a:solidFill>
+            <a:headEnd type="none" w="med" len="med"/>
+            <a:tailEnd type="none" w="med" len="med"/>
+          </a:ln>
+        </p:spPr>
+        <p:style>
+          <a:lnRef idx="1">
+            <a:schemeClr val="accent1"/>
+          </a:lnRef>
+          <a:fillRef idx="0">
+            <a:schemeClr val="accent1"/>
+          </a:fillRef>
+          <a:effectRef idx="0">
+            <a:schemeClr val="accent1"/>
+          </a:effectRef>
+          <a:fontRef idx="minor">
+            <a:schemeClr val="tx1"/>
+          </a:fontRef>
+        </p:style>
+      </p:cxnSp>
+      <p:sp>
+        <p:nvSpPr>
+          <p:cNvPr id="37" name="Rectángulo 36"/>
+          <p:cNvSpPr/>
+          <p:nvPr/>
+        </p:nvSpPr>
+        <p:spPr>
+          <a:xfrm>
+            <a:off x="3361635" y="3571885"/>
+            <a:ext cx="726930" cy="276999"/>
+          </a:xfrm>
+          <a:prstGeom prst="rect">
+            <a:avLst/>
+          </a:prstGeom>
+        </p:spPr>
+        <p:txBody>
+          <a:bodyPr wrap="none">
+            <a:spAutoFit/>
+          </a:bodyPr>
+          <a:lstStyle/>
+          <a:p>
+            <a:r>
+              <a:rPr lang="en-GB" sz="1200" dirty="0">
+                <a:latin typeface="Times New Roman" panose="02020603050405020304" pitchFamily="18" charset="0"/>
+                <a:ea typeface="MS Mincho"/>
+                <a:cs typeface="Times New Roman" panose="02020603050405020304" pitchFamily="18" charset="0"/>
+                <a:sym typeface="Symbol" panose="05050102010706020507" pitchFamily="18" charset="2"/>
+              </a:rPr>
+              <a:t></a:t>
+            </a:r>
+            <a:r>
+              <a:rPr lang="en-GB" sz="1200" i="1" baseline="-25000" dirty="0" err="1" smtClean="0">
+                <a:latin typeface="Times New Roman" panose="02020603050405020304" pitchFamily="18" charset="0"/>
+                <a:ea typeface="MS Mincho"/>
+              </a:rPr>
+              <a:t>rootcrown</a:t>
+            </a:r>
+            <a:endParaRPr lang="es-ES" sz="1200" dirty="0"/>
+          </a:p>
+        </p:txBody>
+      </p:sp>
+      <p:sp>
+        <p:nvSpPr>
+          <p:cNvPr id="38" name="Rectángulo 37"/>
+          <p:cNvSpPr/>
+          <p:nvPr/>
+        </p:nvSpPr>
+        <p:spPr>
+          <a:xfrm>
+            <a:off x="5606294" y="3818181"/>
+            <a:ext cx="558166" cy="276999"/>
+          </a:xfrm>
+          <a:prstGeom prst="rect">
+            <a:avLst/>
+          </a:prstGeom>
+        </p:spPr>
+        <p:txBody>
+          <a:bodyPr wrap="none">
+            <a:spAutoFit/>
+          </a:bodyPr>
+          <a:lstStyle/>
+          <a:p>
+            <a:r>
+              <a:rPr lang="en-GB" sz="1200" dirty="0" smtClean="0">
+                <a:latin typeface="Times New Roman" panose="02020603050405020304" pitchFamily="18" charset="0"/>
+                <a:ea typeface="MS Mincho"/>
+                <a:cs typeface="Times New Roman" panose="02020603050405020304" pitchFamily="18" charset="0"/>
+                <a:sym typeface="Symbol" panose="05050102010706020507" pitchFamily="18" charset="2"/>
+              </a:rPr>
+              <a:t></a:t>
+            </a:r>
+            <a:r>
+              <a:rPr lang="en-GB" sz="1200" i="1" baseline="-25000" dirty="0" smtClean="0">
+                <a:latin typeface="Times New Roman" panose="02020603050405020304" pitchFamily="18" charset="0"/>
+                <a:ea typeface="MS Mincho"/>
+              </a:rPr>
+              <a:t>soil, </a:t>
+            </a:r>
+            <a:r>
+              <a:rPr lang="en-GB" sz="1200" baseline="-25000" dirty="0" smtClean="0">
+                <a:latin typeface="Times New Roman" panose="02020603050405020304" pitchFamily="18" charset="0"/>
+                <a:ea typeface="MS Mincho"/>
+              </a:rPr>
+              <a:t>1</a:t>
+            </a:r>
+            <a:endParaRPr lang="es-ES" sz="1200" dirty="0"/>
+          </a:p>
+        </p:txBody>
+      </p:sp>
+      <p:sp>
+        <p:nvSpPr>
+          <p:cNvPr id="39" name="Rectángulo 38"/>
+          <p:cNvSpPr/>
+          <p:nvPr/>
+        </p:nvSpPr>
+        <p:spPr>
+          <a:xfrm>
+            <a:off x="5614268" y="4340682"/>
+            <a:ext cx="558166" cy="276999"/>
+          </a:xfrm>
+          <a:prstGeom prst="rect">
+            <a:avLst/>
+          </a:prstGeom>
+        </p:spPr>
+        <p:txBody>
+          <a:bodyPr wrap="none">
+            <a:spAutoFit/>
+          </a:bodyPr>
+          <a:lstStyle/>
+          <a:p>
+            <a:r>
+              <a:rPr lang="en-GB" sz="1200" dirty="0" smtClean="0">
+                <a:latin typeface="Times New Roman" panose="02020603050405020304" pitchFamily="18" charset="0"/>
+                <a:ea typeface="MS Mincho"/>
+                <a:cs typeface="Times New Roman" panose="02020603050405020304" pitchFamily="18" charset="0"/>
+                <a:sym typeface="Symbol" panose="05050102010706020507" pitchFamily="18" charset="2"/>
+              </a:rPr>
+              <a:t></a:t>
+            </a:r>
+            <a:r>
+              <a:rPr lang="en-GB" sz="1200" i="1" baseline="-25000" dirty="0" smtClean="0">
+                <a:latin typeface="Times New Roman" panose="02020603050405020304" pitchFamily="18" charset="0"/>
+                <a:ea typeface="MS Mincho"/>
+              </a:rPr>
+              <a:t>soil, </a:t>
+            </a:r>
+            <a:r>
+              <a:rPr lang="en-GB" sz="1200" baseline="-25000" dirty="0" smtClean="0">
+                <a:latin typeface="Times New Roman" panose="02020603050405020304" pitchFamily="18" charset="0"/>
+                <a:ea typeface="MS Mincho"/>
+              </a:rPr>
+              <a:t>2</a:t>
+            </a:r>
+            <a:endParaRPr lang="es-ES" sz="1200" dirty="0"/>
+          </a:p>
+        </p:txBody>
+      </p:sp>
+      <p:sp>
+        <p:nvSpPr>
+          <p:cNvPr id="40" name="Rectángulo 39"/>
+          <p:cNvSpPr/>
+          <p:nvPr/>
+        </p:nvSpPr>
+        <p:spPr>
+          <a:xfrm>
+            <a:off x="5614268" y="4937314"/>
+            <a:ext cx="575799" cy="276999"/>
+          </a:xfrm>
+          <a:prstGeom prst="rect">
+            <a:avLst/>
+          </a:prstGeom>
+        </p:spPr>
+        <p:txBody>
+          <a:bodyPr wrap="none">
+            <a:spAutoFit/>
+          </a:bodyPr>
+          <a:lstStyle/>
+          <a:p>
+            <a:r>
+              <a:rPr lang="en-GB" sz="1200" dirty="0" smtClean="0">
+                <a:latin typeface="Times New Roman" panose="02020603050405020304" pitchFamily="18" charset="0"/>
+                <a:ea typeface="MS Mincho"/>
+                <a:cs typeface="Times New Roman" panose="02020603050405020304" pitchFamily="18" charset="0"/>
+                <a:sym typeface="Symbol" panose="05050102010706020507" pitchFamily="18" charset="2"/>
+              </a:rPr>
+              <a:t></a:t>
+            </a:r>
+            <a:r>
+              <a:rPr lang="en-GB" sz="1200" i="1" baseline="-25000" dirty="0" smtClean="0">
+                <a:latin typeface="Times New Roman" panose="02020603050405020304" pitchFamily="18" charset="0"/>
+                <a:ea typeface="MS Mincho"/>
+              </a:rPr>
+              <a:t>soil, S</a:t>
+            </a:r>
+            <a:endParaRPr lang="es-ES" sz="1200" i="1" dirty="0"/>
+          </a:p>
+        </p:txBody>
+      </p:sp>
+      <p:sp>
+        <p:nvSpPr>
+          <p:cNvPr id="144" name="CuadroTexto 143"/>
+          <p:cNvSpPr txBox="1"/>
+          <p:nvPr/>
+        </p:nvSpPr>
+        <p:spPr>
+          <a:xfrm rot="16200000">
+            <a:off x="3086025" y="1388500"/>
+            <a:ext cx="716607" cy="261610"/>
+          </a:xfrm>
+          <a:prstGeom prst="rect">
+            <a:avLst/>
+          </a:prstGeom>
+          <a:noFill/>
+        </p:spPr>
+        <p:txBody>
+          <a:bodyPr wrap="square" rtlCol="0">
+            <a:spAutoFit/>
+          </a:bodyPr>
+          <a:lstStyle/>
+          <a:p>
+            <a:pPr algn="ctr"/>
+            <a:r>
+              <a:rPr lang="en-US" sz="1050" i="1" dirty="0" smtClean="0"/>
+              <a:t>Leaf</a:t>
+            </a:r>
+          </a:p>
+        </p:txBody>
+      </p:sp>
+      <p:cxnSp>
+        <p:nvCxnSpPr>
+          <p:cNvPr id="151" name="Conector angular 150"/>
+          <p:cNvCxnSpPr>
+            <a:stCxn id="10" idx="4"/>
+            <a:endCxn id="109" idx="2"/>
+          </p:cNvCxnSpPr>
+          <p:nvPr/>
+        </p:nvCxnSpPr>
+        <p:spPr>
+          <a:xfrm rot="16200000" flipH="1">
+            <a:off x="3763885" y="4219953"/>
+            <a:ext cx="992735" cy="292977"/>
+          </a:xfrm>
+          <a:prstGeom prst="bentConnector2">
+            <a:avLst/>
+          </a:prstGeom>
+          <a:ln w="9525">
+            <a:solidFill>
+              <a:schemeClr val="tx1"/>
+            </a:solidFill>
+          </a:ln>
+        </p:spPr>
+        <p:style>
+          <a:lnRef idx="1">
+            <a:schemeClr val="accent1"/>
+          </a:lnRef>
+          <a:fillRef idx="0">
+            <a:schemeClr val="accent1"/>
+          </a:fillRef>
+          <a:effectRef idx="0">
+            <a:schemeClr val="accent1"/>
+          </a:effectRef>
+          <a:fontRef idx="minor">
+            <a:schemeClr val="tx1"/>
+          </a:fontRef>
+        </p:style>
+      </p:cxnSp>
+      <p:sp>
+        <p:nvSpPr>
+          <p:cNvPr id="74" name="CuadroTexto 73"/>
+          <p:cNvSpPr txBox="1"/>
+          <p:nvPr/>
+        </p:nvSpPr>
+        <p:spPr>
+          <a:xfrm>
+            <a:off x="4316138" y="4477576"/>
+            <a:ext cx="249937" cy="261610"/>
+          </a:xfrm>
+          <a:prstGeom prst="rect">
+            <a:avLst/>
+          </a:prstGeom>
+          <a:noFill/>
+        </p:spPr>
+        <p:txBody>
+          <a:bodyPr wrap="square" rtlCol="0">
+            <a:spAutoFit/>
+          </a:bodyPr>
+          <a:lstStyle/>
+          <a:p>
+            <a:pPr algn="ctr"/>
+            <a:r>
+              <a:rPr lang="en-US" sz="1050" i="1" dirty="0" smtClean="0"/>
+              <a:t>…</a:t>
+            </a:r>
+          </a:p>
+        </p:txBody>
+      </p:sp>
+      <p:sp>
+        <p:nvSpPr>
+          <p:cNvPr id="75" name="CuadroTexto 74"/>
+          <p:cNvSpPr txBox="1"/>
+          <p:nvPr/>
+        </p:nvSpPr>
+        <p:spPr>
+          <a:xfrm>
+            <a:off x="5622691" y="4499461"/>
+            <a:ext cx="249937" cy="261610"/>
+          </a:xfrm>
+          <a:prstGeom prst="rect">
+            <a:avLst/>
+          </a:prstGeom>
+          <a:noFill/>
+        </p:spPr>
+        <p:txBody>
+          <a:bodyPr wrap="square" rtlCol="0">
+            <a:spAutoFit/>
+          </a:bodyPr>
+          <a:lstStyle/>
+          <a:p>
+            <a:pPr algn="ctr"/>
+            <a:r>
+              <a:rPr lang="en-US" sz="1050" i="1" dirty="0" smtClean="0"/>
+              <a:t>…</a:t>
+            </a:r>
+          </a:p>
+        </p:txBody>
+      </p:sp>
+      <p:grpSp>
+        <p:nvGrpSpPr>
+          <p:cNvPr id="88" name="Grupo 87"/>
+          <p:cNvGrpSpPr/>
+          <p:nvPr/>
+        </p:nvGrpSpPr>
+        <p:grpSpPr>
+          <a:xfrm rot="5400000">
+            <a:off x="4450329" y="3670590"/>
+            <a:ext cx="85827" cy="194077"/>
+            <a:chOff x="4444518" y="2422566"/>
+            <a:chExt cx="85827" cy="194077"/>
+          </a:xfrm>
+        </p:grpSpPr>
+        <p:sp>
+          <p:nvSpPr>
+            <p:cNvPr id="89" name="Rectángulo 88"/>
+            <p:cNvSpPr/>
+            <p:nvPr/>
+          </p:nvSpPr>
+          <p:spPr>
+            <a:xfrm>
+              <a:off x="4444518" y="2427858"/>
+              <a:ext cx="85827" cy="188785"/>
+            </a:xfrm>
+            <a:prstGeom prst="rect">
+              <a:avLst/>
+            </a:prstGeom>
+          </p:spPr>
+          <p:style>
+            <a:lnRef idx="2">
+              <a:schemeClr val="accent1">
+                <a:shade val="50000"/>
+              </a:schemeClr>
+            </a:lnRef>
+            <a:fillRef idx="1">
+              <a:schemeClr val="accent1"/>
+            </a:fillRef>
+            <a:effectRef idx="0">
+              <a:schemeClr val="accent1"/>
+            </a:effectRef>
+            <a:fontRef idx="minor">
+              <a:schemeClr val="lt1"/>
+            </a:fontRef>
+          </p:style>
+          <p:txBody>
+            <a:bodyPr rtlCol="0" anchor="ctr"/>
+            <a:lstStyle/>
+            <a:p>
+              <a:pPr algn="ctr"/>
+              <a:endParaRPr lang="en-US"/>
+            </a:p>
+          </p:txBody>
+        </p:sp>
+        <p:sp>
+          <p:nvSpPr>
+            <p:cNvPr id="92" name="Forma libre 91"/>
+            <p:cNvSpPr/>
+            <p:nvPr/>
+          </p:nvSpPr>
+          <p:spPr>
+            <a:xfrm>
+              <a:off x="4453923" y="2422566"/>
+              <a:ext cx="74966" cy="194077"/>
+            </a:xfrm>
+            <a:custGeom>
+              <a:avLst/>
+              <a:gdLst>
+                <a:gd name="connsiteX0" fmla="*/ 34946 w 78627"/>
+                <a:gd name="connsiteY0" fmla="*/ 0 h 273738"/>
+                <a:gd name="connsiteX1" fmla="*/ 37858 w 78627"/>
+                <a:gd name="connsiteY1" fmla="*/ 61154 h 273738"/>
+                <a:gd name="connsiteX2" fmla="*/ 0 w 78627"/>
+                <a:gd name="connsiteY2" fmla="*/ 84451 h 273738"/>
+                <a:gd name="connsiteX3" fmla="*/ 75715 w 78627"/>
+                <a:gd name="connsiteY3" fmla="*/ 84451 h 273738"/>
+                <a:gd name="connsiteX4" fmla="*/ 8737 w 78627"/>
+                <a:gd name="connsiteY4" fmla="*/ 133957 h 273738"/>
+                <a:gd name="connsiteX5" fmla="*/ 78627 w 78627"/>
+                <a:gd name="connsiteY5" fmla="*/ 131045 h 273738"/>
+                <a:gd name="connsiteX6" fmla="*/ 11649 w 78627"/>
+                <a:gd name="connsiteY6" fmla="*/ 186375 h 273738"/>
+                <a:gd name="connsiteX7" fmla="*/ 78627 w 78627"/>
+                <a:gd name="connsiteY7" fmla="*/ 189287 h 273738"/>
+                <a:gd name="connsiteX8" fmla="*/ 40770 w 78627"/>
+                <a:gd name="connsiteY8" fmla="*/ 227144 h 273738"/>
+                <a:gd name="connsiteX9" fmla="*/ 37858 w 78627"/>
+                <a:gd name="connsiteY9" fmla="*/ 273738 h 273738"/>
+              </a:gdLst>
+              <a:ahLst/>
+              <a:cxnLst>
+                <a:cxn ang="0">
+                  <a:pos x="connsiteX0" y="connsiteY0"/>
+                </a:cxn>
+                <a:cxn ang="0">
+                  <a:pos x="connsiteX1" y="connsiteY1"/>
+                </a:cxn>
+                <a:cxn ang="0">
+                  <a:pos x="connsiteX2" y="connsiteY2"/>
+                </a:cxn>
+                <a:cxn ang="0">
+                  <a:pos x="connsiteX3" y="connsiteY3"/>
+                </a:cxn>
+                <a:cxn ang="0">
+                  <a:pos x="connsiteX4" y="connsiteY4"/>
+                </a:cxn>
+                <a:cxn ang="0">
+                  <a:pos x="connsiteX5" y="connsiteY5"/>
+                </a:cxn>
+                <a:cxn ang="0">
+                  <a:pos x="connsiteX6" y="connsiteY6"/>
+                </a:cxn>
+                <a:cxn ang="0">
+                  <a:pos x="connsiteX7" y="connsiteY7"/>
+                </a:cxn>
+                <a:cxn ang="0">
+                  <a:pos x="connsiteX8" y="connsiteY8"/>
+                </a:cxn>
+                <a:cxn ang="0">
+                  <a:pos x="connsiteX9" y="connsiteY9"/>
+                </a:cxn>
+              </a:cxnLst>
+              <a:rect l="l" t="t" r="r" b="b"/>
+              <a:pathLst>
+                <a:path w="78627" h="273738">
+                  <a:moveTo>
+                    <a:pt x="34946" y="0"/>
+                  </a:moveTo>
+                  <a:lnTo>
+                    <a:pt x="37858" y="61154"/>
+                  </a:lnTo>
+                  <a:lnTo>
+                    <a:pt x="0" y="84451"/>
+                  </a:lnTo>
+                  <a:lnTo>
+                    <a:pt x="75715" y="84451"/>
+                  </a:lnTo>
+                  <a:lnTo>
+                    <a:pt x="8737" y="133957"/>
+                  </a:lnTo>
+                  <a:lnTo>
+                    <a:pt x="78627" y="131045"/>
+                  </a:lnTo>
+                  <a:lnTo>
+                    <a:pt x="11649" y="186375"/>
+                  </a:lnTo>
+                  <a:lnTo>
+                    <a:pt x="78627" y="189287"/>
+                  </a:lnTo>
+                  <a:lnTo>
+                    <a:pt x="40770" y="227144"/>
+                  </a:lnTo>
+                  <a:lnTo>
+                    <a:pt x="37858" y="273738"/>
+                  </a:lnTo>
+                </a:path>
+              </a:pathLst>
+            </a:custGeom>
+            <a:noFill/>
+            <a:ln w="6350">
+              <a:solidFill>
+                <a:schemeClr val="tx1"/>
+              </a:solidFill>
+            </a:ln>
+          </p:spPr>
+          <p:style>
+            <a:lnRef idx="2">
+              <a:schemeClr val="accent1">
+                <a:shade val="50000"/>
+              </a:schemeClr>
+            </a:lnRef>
+            <a:fillRef idx="1">
+              <a:schemeClr val="accent1"/>
+            </a:fillRef>
+            <a:effectRef idx="0">
+              <a:schemeClr val="accent1"/>
+            </a:effectRef>
+            <a:fontRef idx="minor">
+              <a:schemeClr val="lt1"/>
+            </a:fontRef>
+          </p:style>
+          <p:txBody>
+            <a:bodyPr rtlCol="0" anchor="ctr"/>
+            <a:lstStyle/>
+            <a:p>
+              <a:pPr algn="ctr"/>
+              <a:endParaRPr lang="en-US"/>
+            </a:p>
+          </p:txBody>
+        </p:sp>
+      </p:grpSp>
+      <p:grpSp>
+        <p:nvGrpSpPr>
+          <p:cNvPr id="93" name="Grupo 92"/>
+          <p:cNvGrpSpPr/>
+          <p:nvPr/>
+        </p:nvGrpSpPr>
+        <p:grpSpPr>
+          <a:xfrm rot="5400000">
+            <a:off x="5310152" y="3672612"/>
+            <a:ext cx="85827" cy="194077"/>
+            <a:chOff x="4444518" y="2422566"/>
+            <a:chExt cx="85827" cy="194077"/>
+          </a:xfrm>
+        </p:grpSpPr>
+        <p:sp>
+          <p:nvSpPr>
+            <p:cNvPr id="94" name="Rectángulo 93"/>
+            <p:cNvSpPr/>
+            <p:nvPr/>
+          </p:nvSpPr>
+          <p:spPr>
+            <a:xfrm>
+              <a:off x="4444518" y="2427858"/>
+              <a:ext cx="85827" cy="188785"/>
+            </a:xfrm>
+            <a:prstGeom prst="rect">
+              <a:avLst/>
+            </a:prstGeom>
+          </p:spPr>
+          <p:style>
+            <a:lnRef idx="2">
+              <a:schemeClr val="accent1">
+                <a:shade val="50000"/>
+              </a:schemeClr>
+            </a:lnRef>
+            <a:fillRef idx="1">
+              <a:schemeClr val="accent1"/>
+            </a:fillRef>
+            <a:effectRef idx="0">
+              <a:schemeClr val="accent1"/>
+            </a:effectRef>
+            <a:fontRef idx="minor">
+              <a:schemeClr val="lt1"/>
+            </a:fontRef>
+          </p:style>
+          <p:txBody>
+            <a:bodyPr rtlCol="0" anchor="ctr"/>
+            <a:lstStyle/>
+            <a:p>
+              <a:pPr algn="ctr"/>
+              <a:endParaRPr lang="en-US"/>
+            </a:p>
+          </p:txBody>
+        </p:sp>
+        <p:sp>
+          <p:nvSpPr>
+            <p:cNvPr id="95" name="Forma libre 94"/>
+            <p:cNvSpPr/>
+            <p:nvPr/>
+          </p:nvSpPr>
+          <p:spPr>
+            <a:xfrm>
+              <a:off x="4453923" y="2422566"/>
+              <a:ext cx="74966" cy="194077"/>
+            </a:xfrm>
+            <a:custGeom>
+              <a:avLst/>
+              <a:gdLst>
+                <a:gd name="connsiteX0" fmla="*/ 34946 w 78627"/>
+                <a:gd name="connsiteY0" fmla="*/ 0 h 273738"/>
+                <a:gd name="connsiteX1" fmla="*/ 37858 w 78627"/>
+                <a:gd name="connsiteY1" fmla="*/ 61154 h 273738"/>
+                <a:gd name="connsiteX2" fmla="*/ 0 w 78627"/>
+                <a:gd name="connsiteY2" fmla="*/ 84451 h 273738"/>
+                <a:gd name="connsiteX3" fmla="*/ 75715 w 78627"/>
+                <a:gd name="connsiteY3" fmla="*/ 84451 h 273738"/>
+                <a:gd name="connsiteX4" fmla="*/ 8737 w 78627"/>
+                <a:gd name="connsiteY4" fmla="*/ 133957 h 273738"/>
+                <a:gd name="connsiteX5" fmla="*/ 78627 w 78627"/>
+                <a:gd name="connsiteY5" fmla="*/ 131045 h 273738"/>
+                <a:gd name="connsiteX6" fmla="*/ 11649 w 78627"/>
+                <a:gd name="connsiteY6" fmla="*/ 186375 h 273738"/>
+                <a:gd name="connsiteX7" fmla="*/ 78627 w 78627"/>
+                <a:gd name="connsiteY7" fmla="*/ 189287 h 273738"/>
+                <a:gd name="connsiteX8" fmla="*/ 40770 w 78627"/>
+                <a:gd name="connsiteY8" fmla="*/ 227144 h 273738"/>
+                <a:gd name="connsiteX9" fmla="*/ 37858 w 78627"/>
+                <a:gd name="connsiteY9" fmla="*/ 273738 h 273738"/>
+              </a:gdLst>
+              <a:ahLst/>
+              <a:cxnLst>
+                <a:cxn ang="0">
+                  <a:pos x="connsiteX0" y="connsiteY0"/>
+                </a:cxn>
+                <a:cxn ang="0">
+                  <a:pos x="connsiteX1" y="connsiteY1"/>
+                </a:cxn>
+                <a:cxn ang="0">
+                  <a:pos x="connsiteX2" y="connsiteY2"/>
+                </a:cxn>
+                <a:cxn ang="0">
+                  <a:pos x="connsiteX3" y="connsiteY3"/>
+                </a:cxn>
+                <a:cxn ang="0">
+                  <a:pos x="connsiteX4" y="connsiteY4"/>
+                </a:cxn>
+                <a:cxn ang="0">
+                  <a:pos x="connsiteX5" y="connsiteY5"/>
+                </a:cxn>
+                <a:cxn ang="0">
+                  <a:pos x="connsiteX6" y="connsiteY6"/>
+                </a:cxn>
+                <a:cxn ang="0">
+                  <a:pos x="connsiteX7" y="connsiteY7"/>
+                </a:cxn>
+                <a:cxn ang="0">
+                  <a:pos x="connsiteX8" y="connsiteY8"/>
+                </a:cxn>
+                <a:cxn ang="0">
+                  <a:pos x="connsiteX9" y="connsiteY9"/>
+                </a:cxn>
+              </a:cxnLst>
+              <a:rect l="l" t="t" r="r" b="b"/>
+              <a:pathLst>
+                <a:path w="78627" h="273738">
+                  <a:moveTo>
+                    <a:pt x="34946" y="0"/>
+                  </a:moveTo>
+                  <a:lnTo>
+                    <a:pt x="37858" y="61154"/>
+                  </a:lnTo>
+                  <a:lnTo>
+                    <a:pt x="0" y="84451"/>
+                  </a:lnTo>
+                  <a:lnTo>
+                    <a:pt x="75715" y="84451"/>
+                  </a:lnTo>
+                  <a:lnTo>
+                    <a:pt x="8737" y="133957"/>
+                  </a:lnTo>
+                  <a:lnTo>
+                    <a:pt x="78627" y="131045"/>
+                  </a:lnTo>
+                  <a:lnTo>
+                    <a:pt x="11649" y="186375"/>
+                  </a:lnTo>
+                  <a:lnTo>
+                    <a:pt x="78627" y="189287"/>
+                  </a:lnTo>
+                  <a:lnTo>
+                    <a:pt x="40770" y="227144"/>
+                  </a:lnTo>
+                  <a:lnTo>
+                    <a:pt x="37858" y="273738"/>
+                  </a:lnTo>
+                </a:path>
+              </a:pathLst>
+            </a:custGeom>
+            <a:noFill/>
+            <a:ln w="6350">
+              <a:solidFill>
+                <a:schemeClr val="tx1"/>
+              </a:solidFill>
+            </a:ln>
+          </p:spPr>
+          <p:style>
+            <a:lnRef idx="2">
+              <a:schemeClr val="accent1">
+                <a:shade val="50000"/>
+              </a:schemeClr>
+            </a:lnRef>
+            <a:fillRef idx="1">
+              <a:schemeClr val="accent1"/>
+            </a:fillRef>
+            <a:effectRef idx="0">
+              <a:schemeClr val="accent1"/>
+            </a:effectRef>
+            <a:fontRef idx="minor">
+              <a:schemeClr val="lt1"/>
+            </a:fontRef>
+          </p:style>
+          <p:txBody>
+            <a:bodyPr rtlCol="0" anchor="ctr"/>
+            <a:lstStyle/>
+            <a:p>
+              <a:pPr algn="ctr"/>
+              <a:endParaRPr lang="en-US"/>
+            </a:p>
+          </p:txBody>
+        </p:sp>
+      </p:grpSp>
+      <p:grpSp>
+        <p:nvGrpSpPr>
+          <p:cNvPr id="96" name="Grupo 95"/>
+          <p:cNvGrpSpPr/>
+          <p:nvPr/>
+        </p:nvGrpSpPr>
+        <p:grpSpPr>
+          <a:xfrm rot="5400000">
+            <a:off x="5313976" y="4145030"/>
+            <a:ext cx="85827" cy="194077"/>
+            <a:chOff x="4444518" y="2422566"/>
+            <a:chExt cx="85827" cy="194077"/>
+          </a:xfrm>
+        </p:grpSpPr>
+        <p:sp>
+          <p:nvSpPr>
+            <p:cNvPr id="97" name="Rectángulo 96"/>
+            <p:cNvSpPr/>
+            <p:nvPr/>
+          </p:nvSpPr>
+          <p:spPr>
+            <a:xfrm>
+              <a:off x="4444518" y="2427858"/>
+              <a:ext cx="85827" cy="188785"/>
+            </a:xfrm>
+            <a:prstGeom prst="rect">
+              <a:avLst/>
+            </a:prstGeom>
+          </p:spPr>
+          <p:style>
+            <a:lnRef idx="2">
+              <a:schemeClr val="accent1">
+                <a:shade val="50000"/>
+              </a:schemeClr>
+            </a:lnRef>
+            <a:fillRef idx="1">
+              <a:schemeClr val="accent1"/>
+            </a:fillRef>
+            <a:effectRef idx="0">
+              <a:schemeClr val="accent1"/>
+            </a:effectRef>
+            <a:fontRef idx="minor">
+              <a:schemeClr val="lt1"/>
+            </a:fontRef>
+          </p:style>
+          <p:txBody>
+            <a:bodyPr rtlCol="0" anchor="ctr"/>
+            <a:lstStyle/>
+            <a:p>
+              <a:pPr algn="ctr"/>
+              <a:endParaRPr lang="en-US"/>
+            </a:p>
+          </p:txBody>
+        </p:sp>
+        <p:sp>
+          <p:nvSpPr>
+            <p:cNvPr id="99" name="Forma libre 98"/>
+            <p:cNvSpPr/>
+            <p:nvPr/>
+          </p:nvSpPr>
+          <p:spPr>
+            <a:xfrm>
+              <a:off x="4453923" y="2422566"/>
+              <a:ext cx="74966" cy="194077"/>
+            </a:xfrm>
+            <a:custGeom>
+              <a:avLst/>
+              <a:gdLst>
+                <a:gd name="connsiteX0" fmla="*/ 34946 w 78627"/>
+                <a:gd name="connsiteY0" fmla="*/ 0 h 273738"/>
+                <a:gd name="connsiteX1" fmla="*/ 37858 w 78627"/>
+                <a:gd name="connsiteY1" fmla="*/ 61154 h 273738"/>
+                <a:gd name="connsiteX2" fmla="*/ 0 w 78627"/>
+                <a:gd name="connsiteY2" fmla="*/ 84451 h 273738"/>
+                <a:gd name="connsiteX3" fmla="*/ 75715 w 78627"/>
+                <a:gd name="connsiteY3" fmla="*/ 84451 h 273738"/>
+                <a:gd name="connsiteX4" fmla="*/ 8737 w 78627"/>
+                <a:gd name="connsiteY4" fmla="*/ 133957 h 273738"/>
+                <a:gd name="connsiteX5" fmla="*/ 78627 w 78627"/>
+                <a:gd name="connsiteY5" fmla="*/ 131045 h 273738"/>
+                <a:gd name="connsiteX6" fmla="*/ 11649 w 78627"/>
+                <a:gd name="connsiteY6" fmla="*/ 186375 h 273738"/>
+                <a:gd name="connsiteX7" fmla="*/ 78627 w 78627"/>
+                <a:gd name="connsiteY7" fmla="*/ 189287 h 273738"/>
+                <a:gd name="connsiteX8" fmla="*/ 40770 w 78627"/>
+                <a:gd name="connsiteY8" fmla="*/ 227144 h 273738"/>
+                <a:gd name="connsiteX9" fmla="*/ 37858 w 78627"/>
+                <a:gd name="connsiteY9" fmla="*/ 273738 h 273738"/>
+              </a:gdLst>
+              <a:ahLst/>
+              <a:cxnLst>
+                <a:cxn ang="0">
+                  <a:pos x="connsiteX0" y="connsiteY0"/>
+                </a:cxn>
+                <a:cxn ang="0">
+                  <a:pos x="connsiteX1" y="connsiteY1"/>
+                </a:cxn>
+                <a:cxn ang="0">
+                  <a:pos x="connsiteX2" y="connsiteY2"/>
+                </a:cxn>
+                <a:cxn ang="0">
+                  <a:pos x="connsiteX3" y="connsiteY3"/>
+                </a:cxn>
+                <a:cxn ang="0">
+                  <a:pos x="connsiteX4" y="connsiteY4"/>
+                </a:cxn>
+                <a:cxn ang="0">
+                  <a:pos x="connsiteX5" y="connsiteY5"/>
+                </a:cxn>
+                <a:cxn ang="0">
+                  <a:pos x="connsiteX6" y="connsiteY6"/>
+                </a:cxn>
+                <a:cxn ang="0">
+                  <a:pos x="connsiteX7" y="connsiteY7"/>
+                </a:cxn>
+                <a:cxn ang="0">
+                  <a:pos x="connsiteX8" y="connsiteY8"/>
+                </a:cxn>
+                <a:cxn ang="0">
+                  <a:pos x="connsiteX9" y="connsiteY9"/>
+                </a:cxn>
+              </a:cxnLst>
+              <a:rect l="l" t="t" r="r" b="b"/>
+              <a:pathLst>
+                <a:path w="78627" h="273738">
+                  <a:moveTo>
+                    <a:pt x="34946" y="0"/>
+                  </a:moveTo>
+                  <a:lnTo>
+                    <a:pt x="37858" y="61154"/>
+                  </a:lnTo>
+                  <a:lnTo>
+                    <a:pt x="0" y="84451"/>
+                  </a:lnTo>
+                  <a:lnTo>
+                    <a:pt x="75715" y="84451"/>
+                  </a:lnTo>
+                  <a:lnTo>
+                    <a:pt x="8737" y="133957"/>
+                  </a:lnTo>
+                  <a:lnTo>
+                    <a:pt x="78627" y="131045"/>
+                  </a:lnTo>
+                  <a:lnTo>
+                    <a:pt x="11649" y="186375"/>
+                  </a:lnTo>
+                  <a:lnTo>
+                    <a:pt x="78627" y="189287"/>
+                  </a:lnTo>
+                  <a:lnTo>
+                    <a:pt x="40770" y="227144"/>
+                  </a:lnTo>
+                  <a:lnTo>
+                    <a:pt x="37858" y="273738"/>
+                  </a:lnTo>
+                </a:path>
+              </a:pathLst>
+            </a:custGeom>
+            <a:noFill/>
+            <a:ln w="6350">
+              <a:solidFill>
+                <a:schemeClr val="tx1"/>
+              </a:solidFill>
+            </a:ln>
+          </p:spPr>
+          <p:style>
+            <a:lnRef idx="2">
+              <a:schemeClr val="accent1">
+                <a:shade val="50000"/>
+              </a:schemeClr>
+            </a:lnRef>
+            <a:fillRef idx="1">
+              <a:schemeClr val="accent1"/>
+            </a:fillRef>
+            <a:effectRef idx="0">
+              <a:schemeClr val="accent1"/>
+            </a:effectRef>
+            <a:fontRef idx="minor">
+              <a:schemeClr val="lt1"/>
+            </a:fontRef>
+          </p:style>
+          <p:txBody>
+            <a:bodyPr rtlCol="0" anchor="ctr"/>
+            <a:lstStyle/>
+            <a:p>
+              <a:pPr algn="ctr"/>
+              <a:endParaRPr lang="en-US"/>
+            </a:p>
+          </p:txBody>
+        </p:sp>
+      </p:grpSp>
+      <p:grpSp>
+        <p:nvGrpSpPr>
+          <p:cNvPr id="100" name="Grupo 99"/>
+          <p:cNvGrpSpPr/>
+          <p:nvPr/>
+        </p:nvGrpSpPr>
+        <p:grpSpPr>
+          <a:xfrm rot="5400000">
+            <a:off x="4460865" y="4158723"/>
+            <a:ext cx="85827" cy="194077"/>
+            <a:chOff x="4444518" y="2422566"/>
+            <a:chExt cx="85827" cy="194077"/>
+          </a:xfrm>
+        </p:grpSpPr>
+        <p:sp>
+          <p:nvSpPr>
+            <p:cNvPr id="101" name="Rectángulo 100"/>
+            <p:cNvSpPr/>
+            <p:nvPr/>
+          </p:nvSpPr>
+          <p:spPr>
+            <a:xfrm>
+              <a:off x="4444518" y="2427858"/>
+              <a:ext cx="85827" cy="188785"/>
+            </a:xfrm>
+            <a:prstGeom prst="rect">
+              <a:avLst/>
+            </a:prstGeom>
+          </p:spPr>
+          <p:style>
+            <a:lnRef idx="2">
+              <a:schemeClr val="accent1">
+                <a:shade val="50000"/>
+              </a:schemeClr>
+            </a:lnRef>
+            <a:fillRef idx="1">
+              <a:schemeClr val="accent1"/>
+            </a:fillRef>
+            <a:effectRef idx="0">
+              <a:schemeClr val="accent1"/>
+            </a:effectRef>
+            <a:fontRef idx="minor">
+              <a:schemeClr val="lt1"/>
+            </a:fontRef>
+          </p:style>
+          <p:txBody>
+            <a:bodyPr rtlCol="0" anchor="ctr"/>
+            <a:lstStyle/>
+            <a:p>
+              <a:pPr algn="ctr"/>
+              <a:endParaRPr lang="en-US"/>
+            </a:p>
+          </p:txBody>
+        </p:sp>
+        <p:sp>
+          <p:nvSpPr>
+            <p:cNvPr id="102" name="Forma libre 101"/>
+            <p:cNvSpPr/>
+            <p:nvPr/>
+          </p:nvSpPr>
+          <p:spPr>
+            <a:xfrm>
+              <a:off x="4453923" y="2422566"/>
+              <a:ext cx="74966" cy="194077"/>
+            </a:xfrm>
+            <a:custGeom>
+              <a:avLst/>
+              <a:gdLst>
+                <a:gd name="connsiteX0" fmla="*/ 34946 w 78627"/>
+                <a:gd name="connsiteY0" fmla="*/ 0 h 273738"/>
+                <a:gd name="connsiteX1" fmla="*/ 37858 w 78627"/>
+                <a:gd name="connsiteY1" fmla="*/ 61154 h 273738"/>
+                <a:gd name="connsiteX2" fmla="*/ 0 w 78627"/>
+                <a:gd name="connsiteY2" fmla="*/ 84451 h 273738"/>
+                <a:gd name="connsiteX3" fmla="*/ 75715 w 78627"/>
+                <a:gd name="connsiteY3" fmla="*/ 84451 h 273738"/>
+                <a:gd name="connsiteX4" fmla="*/ 8737 w 78627"/>
+                <a:gd name="connsiteY4" fmla="*/ 133957 h 273738"/>
+                <a:gd name="connsiteX5" fmla="*/ 78627 w 78627"/>
+                <a:gd name="connsiteY5" fmla="*/ 131045 h 273738"/>
+                <a:gd name="connsiteX6" fmla="*/ 11649 w 78627"/>
+                <a:gd name="connsiteY6" fmla="*/ 186375 h 273738"/>
+                <a:gd name="connsiteX7" fmla="*/ 78627 w 78627"/>
+                <a:gd name="connsiteY7" fmla="*/ 189287 h 273738"/>
+                <a:gd name="connsiteX8" fmla="*/ 40770 w 78627"/>
+                <a:gd name="connsiteY8" fmla="*/ 227144 h 273738"/>
+                <a:gd name="connsiteX9" fmla="*/ 37858 w 78627"/>
+                <a:gd name="connsiteY9" fmla="*/ 273738 h 273738"/>
+              </a:gdLst>
+              <a:ahLst/>
+              <a:cxnLst>
+                <a:cxn ang="0">
+                  <a:pos x="connsiteX0" y="connsiteY0"/>
+                </a:cxn>
+                <a:cxn ang="0">
+                  <a:pos x="connsiteX1" y="connsiteY1"/>
+                </a:cxn>
+                <a:cxn ang="0">
+                  <a:pos x="connsiteX2" y="connsiteY2"/>
+                </a:cxn>
+                <a:cxn ang="0">
+                  <a:pos x="connsiteX3" y="connsiteY3"/>
+                </a:cxn>
+                <a:cxn ang="0">
+                  <a:pos x="connsiteX4" y="connsiteY4"/>
+                </a:cxn>
+                <a:cxn ang="0">
+                  <a:pos x="connsiteX5" y="connsiteY5"/>
+                </a:cxn>
+                <a:cxn ang="0">
+                  <a:pos x="connsiteX6" y="connsiteY6"/>
+                </a:cxn>
+                <a:cxn ang="0">
+                  <a:pos x="connsiteX7" y="connsiteY7"/>
+                </a:cxn>
+                <a:cxn ang="0">
+                  <a:pos x="connsiteX8" y="connsiteY8"/>
+                </a:cxn>
+                <a:cxn ang="0">
+                  <a:pos x="connsiteX9" y="connsiteY9"/>
+                </a:cxn>
+              </a:cxnLst>
+              <a:rect l="l" t="t" r="r" b="b"/>
+              <a:pathLst>
+                <a:path w="78627" h="273738">
+                  <a:moveTo>
+                    <a:pt x="34946" y="0"/>
+                  </a:moveTo>
+                  <a:lnTo>
+                    <a:pt x="37858" y="61154"/>
+                  </a:lnTo>
+                  <a:lnTo>
+                    <a:pt x="0" y="84451"/>
+                  </a:lnTo>
+                  <a:lnTo>
+                    <a:pt x="75715" y="84451"/>
+                  </a:lnTo>
+                  <a:lnTo>
+                    <a:pt x="8737" y="133957"/>
+                  </a:lnTo>
+                  <a:lnTo>
+                    <a:pt x="78627" y="131045"/>
+                  </a:lnTo>
+                  <a:lnTo>
+                    <a:pt x="11649" y="186375"/>
+                  </a:lnTo>
+                  <a:lnTo>
+                    <a:pt x="78627" y="189287"/>
+                  </a:lnTo>
+                  <a:lnTo>
+                    <a:pt x="40770" y="227144"/>
+                  </a:lnTo>
+                  <a:lnTo>
+                    <a:pt x="37858" y="273738"/>
+                  </a:lnTo>
+                </a:path>
+              </a:pathLst>
+            </a:custGeom>
+            <a:noFill/>
+            <a:ln w="6350">
+              <a:solidFill>
+                <a:schemeClr val="tx1"/>
+              </a:solidFill>
+            </a:ln>
+          </p:spPr>
+          <p:style>
+            <a:lnRef idx="2">
+              <a:schemeClr val="accent1">
+                <a:shade val="50000"/>
+              </a:schemeClr>
+            </a:lnRef>
+            <a:fillRef idx="1">
+              <a:schemeClr val="accent1"/>
+            </a:fillRef>
+            <a:effectRef idx="0">
+              <a:schemeClr val="accent1"/>
+            </a:effectRef>
+            <a:fontRef idx="minor">
+              <a:schemeClr val="lt1"/>
+            </a:fontRef>
+          </p:style>
+          <p:txBody>
+            <a:bodyPr rtlCol="0" anchor="ctr"/>
+            <a:lstStyle/>
+            <a:p>
+              <a:pPr algn="ctr"/>
+              <a:endParaRPr lang="en-US"/>
+            </a:p>
+          </p:txBody>
+        </p:sp>
+      </p:grpSp>
+      <p:grpSp>
+        <p:nvGrpSpPr>
+          <p:cNvPr id="108" name="Grupo 107"/>
+          <p:cNvGrpSpPr/>
+          <p:nvPr/>
+        </p:nvGrpSpPr>
+        <p:grpSpPr>
+          <a:xfrm rot="5400000">
+            <a:off x="4460866" y="4765771"/>
+            <a:ext cx="85827" cy="194077"/>
+            <a:chOff x="4444518" y="2422566"/>
+            <a:chExt cx="85827" cy="194077"/>
+          </a:xfrm>
+        </p:grpSpPr>
+        <p:sp>
+          <p:nvSpPr>
+            <p:cNvPr id="109" name="Rectángulo 108"/>
+            <p:cNvSpPr/>
+            <p:nvPr/>
+          </p:nvSpPr>
+          <p:spPr>
+            <a:xfrm>
+              <a:off x="4444518" y="2427858"/>
+              <a:ext cx="85827" cy="188785"/>
+            </a:xfrm>
+            <a:prstGeom prst="rect">
+              <a:avLst/>
+            </a:prstGeom>
+          </p:spPr>
+          <p:style>
+            <a:lnRef idx="2">
+              <a:schemeClr val="accent1">
+                <a:shade val="50000"/>
+              </a:schemeClr>
+            </a:lnRef>
+            <a:fillRef idx="1">
+              <a:schemeClr val="accent1"/>
+            </a:fillRef>
+            <a:effectRef idx="0">
+              <a:schemeClr val="accent1"/>
+            </a:effectRef>
+            <a:fontRef idx="minor">
+              <a:schemeClr val="lt1"/>
+            </a:fontRef>
+          </p:style>
+          <p:txBody>
+            <a:bodyPr rtlCol="0" anchor="ctr"/>
+            <a:lstStyle/>
+            <a:p>
+              <a:pPr algn="ctr"/>
+              <a:endParaRPr lang="en-US"/>
+            </a:p>
+          </p:txBody>
+        </p:sp>
+        <p:sp>
+          <p:nvSpPr>
+            <p:cNvPr id="110" name="Forma libre 109"/>
+            <p:cNvSpPr/>
+            <p:nvPr/>
+          </p:nvSpPr>
+          <p:spPr>
+            <a:xfrm>
+              <a:off x="4453923" y="2422566"/>
+              <a:ext cx="74966" cy="194077"/>
+            </a:xfrm>
+            <a:custGeom>
+              <a:avLst/>
+              <a:gdLst>
+                <a:gd name="connsiteX0" fmla="*/ 34946 w 78627"/>
+                <a:gd name="connsiteY0" fmla="*/ 0 h 273738"/>
+                <a:gd name="connsiteX1" fmla="*/ 37858 w 78627"/>
+                <a:gd name="connsiteY1" fmla="*/ 61154 h 273738"/>
+                <a:gd name="connsiteX2" fmla="*/ 0 w 78627"/>
+                <a:gd name="connsiteY2" fmla="*/ 84451 h 273738"/>
+                <a:gd name="connsiteX3" fmla="*/ 75715 w 78627"/>
+                <a:gd name="connsiteY3" fmla="*/ 84451 h 273738"/>
+                <a:gd name="connsiteX4" fmla="*/ 8737 w 78627"/>
+                <a:gd name="connsiteY4" fmla="*/ 133957 h 273738"/>
+                <a:gd name="connsiteX5" fmla="*/ 78627 w 78627"/>
+                <a:gd name="connsiteY5" fmla="*/ 131045 h 273738"/>
+                <a:gd name="connsiteX6" fmla="*/ 11649 w 78627"/>
+                <a:gd name="connsiteY6" fmla="*/ 186375 h 273738"/>
+                <a:gd name="connsiteX7" fmla="*/ 78627 w 78627"/>
+                <a:gd name="connsiteY7" fmla="*/ 189287 h 273738"/>
+                <a:gd name="connsiteX8" fmla="*/ 40770 w 78627"/>
+                <a:gd name="connsiteY8" fmla="*/ 227144 h 273738"/>
+                <a:gd name="connsiteX9" fmla="*/ 37858 w 78627"/>
+                <a:gd name="connsiteY9" fmla="*/ 273738 h 273738"/>
+              </a:gdLst>
+              <a:ahLst/>
+              <a:cxnLst>
+                <a:cxn ang="0">
+                  <a:pos x="connsiteX0" y="connsiteY0"/>
+                </a:cxn>
+                <a:cxn ang="0">
+                  <a:pos x="connsiteX1" y="connsiteY1"/>
+                </a:cxn>
+                <a:cxn ang="0">
+                  <a:pos x="connsiteX2" y="connsiteY2"/>
+                </a:cxn>
+                <a:cxn ang="0">
+                  <a:pos x="connsiteX3" y="connsiteY3"/>
+                </a:cxn>
+                <a:cxn ang="0">
+                  <a:pos x="connsiteX4" y="connsiteY4"/>
+                </a:cxn>
+                <a:cxn ang="0">
+                  <a:pos x="connsiteX5" y="connsiteY5"/>
+                </a:cxn>
+                <a:cxn ang="0">
+                  <a:pos x="connsiteX6" y="connsiteY6"/>
+                </a:cxn>
+                <a:cxn ang="0">
+                  <a:pos x="connsiteX7" y="connsiteY7"/>
+                </a:cxn>
+                <a:cxn ang="0">
+                  <a:pos x="connsiteX8" y="connsiteY8"/>
+                </a:cxn>
+                <a:cxn ang="0">
+                  <a:pos x="connsiteX9" y="connsiteY9"/>
+                </a:cxn>
+              </a:cxnLst>
+              <a:rect l="l" t="t" r="r" b="b"/>
+              <a:pathLst>
+                <a:path w="78627" h="273738">
+                  <a:moveTo>
+                    <a:pt x="34946" y="0"/>
+                  </a:moveTo>
+                  <a:lnTo>
+                    <a:pt x="37858" y="61154"/>
+                  </a:lnTo>
+                  <a:lnTo>
+                    <a:pt x="0" y="84451"/>
+                  </a:lnTo>
+                  <a:lnTo>
+                    <a:pt x="75715" y="84451"/>
+                  </a:lnTo>
+                  <a:lnTo>
+                    <a:pt x="8737" y="133957"/>
+                  </a:lnTo>
+                  <a:lnTo>
+                    <a:pt x="78627" y="131045"/>
+                  </a:lnTo>
+                  <a:lnTo>
+                    <a:pt x="11649" y="186375"/>
+                  </a:lnTo>
+                  <a:lnTo>
+                    <a:pt x="78627" y="189287"/>
+                  </a:lnTo>
+                  <a:lnTo>
+                    <a:pt x="40770" y="227144"/>
+                  </a:lnTo>
+                  <a:lnTo>
+                    <a:pt x="37858" y="273738"/>
+                  </a:lnTo>
+                </a:path>
+              </a:pathLst>
+            </a:custGeom>
+            <a:noFill/>
+            <a:ln w="6350">
+              <a:solidFill>
+                <a:schemeClr val="tx1"/>
+              </a:solidFill>
+            </a:ln>
+          </p:spPr>
+          <p:style>
+            <a:lnRef idx="2">
+              <a:schemeClr val="accent1">
+                <a:shade val="50000"/>
+              </a:schemeClr>
+            </a:lnRef>
+            <a:fillRef idx="1">
+              <a:schemeClr val="accent1"/>
+            </a:fillRef>
+            <a:effectRef idx="0">
+              <a:schemeClr val="accent1"/>
+            </a:effectRef>
+            <a:fontRef idx="minor">
+              <a:schemeClr val="lt1"/>
+            </a:fontRef>
+          </p:style>
+          <p:txBody>
+            <a:bodyPr rtlCol="0" anchor="ctr"/>
+            <a:lstStyle/>
+            <a:p>
+              <a:pPr algn="ctr"/>
+              <a:endParaRPr lang="en-US"/>
+            </a:p>
+          </p:txBody>
+        </p:sp>
+      </p:grpSp>
+      <p:grpSp>
+        <p:nvGrpSpPr>
+          <p:cNvPr id="111" name="Grupo 110"/>
+          <p:cNvGrpSpPr/>
+          <p:nvPr/>
+        </p:nvGrpSpPr>
+        <p:grpSpPr>
+          <a:xfrm rot="5400000">
+            <a:off x="5310152" y="4756614"/>
+            <a:ext cx="85827" cy="194077"/>
+            <a:chOff x="4444518" y="2422566"/>
+            <a:chExt cx="85827" cy="194077"/>
+          </a:xfrm>
+        </p:grpSpPr>
+        <p:sp>
+          <p:nvSpPr>
+            <p:cNvPr id="112" name="Rectángulo 111"/>
+            <p:cNvSpPr/>
+            <p:nvPr/>
+          </p:nvSpPr>
+          <p:spPr>
+            <a:xfrm>
+              <a:off x="4444518" y="2427858"/>
+              <a:ext cx="85827" cy="188785"/>
+            </a:xfrm>
+            <a:prstGeom prst="rect">
+              <a:avLst/>
+            </a:prstGeom>
+          </p:spPr>
+          <p:style>
+            <a:lnRef idx="2">
+              <a:schemeClr val="accent1">
+                <a:shade val="50000"/>
+              </a:schemeClr>
+            </a:lnRef>
+            <a:fillRef idx="1">
+              <a:schemeClr val="accent1"/>
+            </a:fillRef>
+            <a:effectRef idx="0">
+              <a:schemeClr val="accent1"/>
+            </a:effectRef>
+            <a:fontRef idx="minor">
+              <a:schemeClr val="lt1"/>
+            </a:fontRef>
+          </p:style>
+          <p:txBody>
+            <a:bodyPr rtlCol="0" anchor="ctr"/>
+            <a:lstStyle/>
+            <a:p>
+              <a:pPr algn="ctr"/>
+              <a:endParaRPr lang="en-US"/>
+            </a:p>
+          </p:txBody>
+        </p:sp>
+        <p:sp>
+          <p:nvSpPr>
+            <p:cNvPr id="113" name="Forma libre 112"/>
+            <p:cNvSpPr/>
+            <p:nvPr/>
+          </p:nvSpPr>
+          <p:spPr>
+            <a:xfrm>
+              <a:off x="4453923" y="2422566"/>
+              <a:ext cx="74966" cy="194077"/>
+            </a:xfrm>
+            <a:custGeom>
+              <a:avLst/>
+              <a:gdLst>
+                <a:gd name="connsiteX0" fmla="*/ 34946 w 78627"/>
+                <a:gd name="connsiteY0" fmla="*/ 0 h 273738"/>
+                <a:gd name="connsiteX1" fmla="*/ 37858 w 78627"/>
+                <a:gd name="connsiteY1" fmla="*/ 61154 h 273738"/>
+                <a:gd name="connsiteX2" fmla="*/ 0 w 78627"/>
+                <a:gd name="connsiteY2" fmla="*/ 84451 h 273738"/>
+                <a:gd name="connsiteX3" fmla="*/ 75715 w 78627"/>
+                <a:gd name="connsiteY3" fmla="*/ 84451 h 273738"/>
+                <a:gd name="connsiteX4" fmla="*/ 8737 w 78627"/>
+                <a:gd name="connsiteY4" fmla="*/ 133957 h 273738"/>
+                <a:gd name="connsiteX5" fmla="*/ 78627 w 78627"/>
+                <a:gd name="connsiteY5" fmla="*/ 131045 h 273738"/>
+                <a:gd name="connsiteX6" fmla="*/ 11649 w 78627"/>
+                <a:gd name="connsiteY6" fmla="*/ 186375 h 273738"/>
+                <a:gd name="connsiteX7" fmla="*/ 78627 w 78627"/>
+                <a:gd name="connsiteY7" fmla="*/ 189287 h 273738"/>
+                <a:gd name="connsiteX8" fmla="*/ 40770 w 78627"/>
+                <a:gd name="connsiteY8" fmla="*/ 227144 h 273738"/>
+                <a:gd name="connsiteX9" fmla="*/ 37858 w 78627"/>
+                <a:gd name="connsiteY9" fmla="*/ 273738 h 273738"/>
+              </a:gdLst>
+              <a:ahLst/>
+              <a:cxnLst>
+                <a:cxn ang="0">
+                  <a:pos x="connsiteX0" y="connsiteY0"/>
+                </a:cxn>
+                <a:cxn ang="0">
+                  <a:pos x="connsiteX1" y="connsiteY1"/>
+                </a:cxn>
+                <a:cxn ang="0">
+                  <a:pos x="connsiteX2" y="connsiteY2"/>
+                </a:cxn>
+                <a:cxn ang="0">
+                  <a:pos x="connsiteX3" y="connsiteY3"/>
+                </a:cxn>
+                <a:cxn ang="0">
+                  <a:pos x="connsiteX4" y="connsiteY4"/>
+                </a:cxn>
+                <a:cxn ang="0">
+                  <a:pos x="connsiteX5" y="connsiteY5"/>
+                </a:cxn>
+                <a:cxn ang="0">
+                  <a:pos x="connsiteX6" y="connsiteY6"/>
+                </a:cxn>
+                <a:cxn ang="0">
+                  <a:pos x="connsiteX7" y="connsiteY7"/>
+                </a:cxn>
+                <a:cxn ang="0">
+                  <a:pos x="connsiteX8" y="connsiteY8"/>
+                </a:cxn>
+                <a:cxn ang="0">
+                  <a:pos x="connsiteX9" y="connsiteY9"/>
+                </a:cxn>
+              </a:cxnLst>
+              <a:rect l="l" t="t" r="r" b="b"/>
+              <a:pathLst>
+                <a:path w="78627" h="273738">
+                  <a:moveTo>
+                    <a:pt x="34946" y="0"/>
+                  </a:moveTo>
+                  <a:lnTo>
+                    <a:pt x="37858" y="61154"/>
+                  </a:lnTo>
+                  <a:lnTo>
+                    <a:pt x="0" y="84451"/>
+                  </a:lnTo>
+                  <a:lnTo>
+                    <a:pt x="75715" y="84451"/>
+                  </a:lnTo>
+                  <a:lnTo>
+                    <a:pt x="8737" y="133957"/>
+                  </a:lnTo>
+                  <a:lnTo>
+                    <a:pt x="78627" y="131045"/>
+                  </a:lnTo>
+                  <a:lnTo>
+                    <a:pt x="11649" y="186375"/>
+                  </a:lnTo>
+                  <a:lnTo>
+                    <a:pt x="78627" y="189287"/>
+                  </a:lnTo>
+                  <a:lnTo>
+                    <a:pt x="40770" y="227144"/>
+                  </a:lnTo>
+                  <a:lnTo>
+                    <a:pt x="37858" y="273738"/>
+                  </a:lnTo>
+                </a:path>
+              </a:pathLst>
+            </a:custGeom>
+            <a:noFill/>
+            <a:ln w="6350">
+              <a:solidFill>
+                <a:schemeClr val="tx1"/>
+              </a:solidFill>
+            </a:ln>
+          </p:spPr>
+          <p:style>
+            <a:lnRef idx="2">
+              <a:schemeClr val="accent1">
+                <a:shade val="50000"/>
+              </a:schemeClr>
+            </a:lnRef>
+            <a:fillRef idx="1">
+              <a:schemeClr val="accent1"/>
+            </a:fillRef>
+            <a:effectRef idx="0">
+              <a:schemeClr val="accent1"/>
+            </a:effectRef>
+            <a:fontRef idx="minor">
+              <a:schemeClr val="lt1"/>
+            </a:fontRef>
+          </p:style>
+          <p:txBody>
+            <a:bodyPr rtlCol="0" anchor="ctr"/>
+            <a:lstStyle/>
+            <a:p>
+              <a:pPr algn="ctr"/>
+              <a:endParaRPr lang="en-US"/>
+            </a:p>
+          </p:txBody>
+        </p:sp>
+      </p:grpSp>
+      <p:sp>
+        <p:nvSpPr>
+          <p:cNvPr id="127" name="Rectángulo 126"/>
+          <p:cNvSpPr/>
+          <p:nvPr/>
+        </p:nvSpPr>
+        <p:spPr>
+          <a:xfrm>
+            <a:off x="3980724" y="989377"/>
+            <a:ext cx="279244" cy="276999"/>
+          </a:xfrm>
+          <a:prstGeom prst="rect">
+            <a:avLst/>
+          </a:prstGeom>
+        </p:spPr>
+        <p:txBody>
+          <a:bodyPr wrap="none">
+            <a:spAutoFit/>
+          </a:bodyPr>
+          <a:lstStyle/>
+          <a:p>
+            <a:r>
+              <a:rPr lang="en-GB" sz="1200" i="1" dirty="0" smtClean="0">
+                <a:latin typeface="Times New Roman" panose="02020603050405020304" pitchFamily="18" charset="0"/>
+                <a:ea typeface="MS Mincho"/>
+                <a:cs typeface="Times New Roman" panose="02020603050405020304" pitchFamily="18" charset="0"/>
+                <a:sym typeface="Symbol" panose="05050102010706020507" pitchFamily="18" charset="2"/>
+              </a:rPr>
+              <a:t>E</a:t>
+            </a:r>
+            <a:endParaRPr lang="es-ES" sz="1200" i="1" dirty="0"/>
+          </a:p>
+        </p:txBody>
+      </p:sp>
+      <p:sp>
+        <p:nvSpPr>
+          <p:cNvPr id="64" name="Rectángulo 63"/>
+          <p:cNvSpPr/>
+          <p:nvPr/>
+        </p:nvSpPr>
+        <p:spPr>
+          <a:xfrm>
+            <a:off x="3525590" y="1848479"/>
+            <a:ext cx="579005" cy="261610"/>
+          </a:xfrm>
+          <a:prstGeom prst="rect">
+            <a:avLst/>
+          </a:prstGeom>
+        </p:spPr>
+        <p:txBody>
+          <a:bodyPr wrap="none">
+            <a:spAutoFit/>
+          </a:bodyPr>
+          <a:lstStyle/>
+          <a:p>
+            <a:r>
+              <a:rPr lang="en-GB" sz="1100" dirty="0" smtClean="0">
+                <a:latin typeface="Times New Roman" panose="02020603050405020304" pitchFamily="18" charset="0"/>
+                <a:ea typeface="MS Mincho"/>
+                <a:cs typeface="Times New Roman" panose="02020603050405020304" pitchFamily="18" charset="0"/>
+                <a:sym typeface="Symbol" panose="05050102010706020507" pitchFamily="18" charset="2"/>
+              </a:rPr>
+              <a:t></a:t>
+            </a:r>
+            <a:r>
+              <a:rPr lang="en-GB" sz="1100" i="1" baseline="-25000" dirty="0" smtClean="0">
+                <a:latin typeface="Times New Roman" panose="02020603050405020304" pitchFamily="18" charset="0"/>
+                <a:ea typeface="MS Mincho"/>
+              </a:rPr>
+              <a:t>stem, </a:t>
+            </a:r>
+            <a:r>
+              <a:rPr lang="en-GB" sz="1100" i="1" baseline="-25000" dirty="0" smtClean="0">
+                <a:latin typeface="Times New Roman" panose="02020603050405020304" pitchFamily="18" charset="0"/>
+                <a:ea typeface="MS Mincho"/>
+              </a:rPr>
+              <a:t>2</a:t>
+            </a:r>
+            <a:endParaRPr lang="es-ES" sz="1100" dirty="0"/>
+          </a:p>
+        </p:txBody>
+      </p:sp>
+      <p:sp>
+        <p:nvSpPr>
+          <p:cNvPr id="67" name="Rectángulo 66"/>
+          <p:cNvSpPr/>
+          <p:nvPr/>
+        </p:nvSpPr>
+        <p:spPr>
+          <a:xfrm>
+            <a:off x="4210434" y="2656509"/>
+            <a:ext cx="1120820" cy="261610"/>
+          </a:xfrm>
+          <a:prstGeom prst="rect">
+            <a:avLst/>
+          </a:prstGeom>
+        </p:spPr>
+        <p:txBody>
+          <a:bodyPr wrap="none">
+            <a:spAutoFit/>
+          </a:bodyPr>
+          <a:lstStyle/>
+          <a:p>
+            <a:r>
+              <a:rPr lang="en-GB" sz="1100" dirty="0" smtClean="0">
+                <a:latin typeface="Times New Roman" panose="02020603050405020304" pitchFamily="18" charset="0"/>
+                <a:ea typeface="MS Mincho"/>
+                <a:cs typeface="Times New Roman" panose="02020603050405020304" pitchFamily="18" charset="0"/>
+                <a:sym typeface="Symbol" panose="05050102010706020507" pitchFamily="18" charset="2"/>
+              </a:rPr>
+              <a:t></a:t>
+            </a:r>
+            <a:r>
+              <a:rPr lang="en-GB" sz="1100" i="1" baseline="-25000" dirty="0" smtClean="0">
+                <a:latin typeface="Times New Roman" panose="02020603050405020304" pitchFamily="18" charset="0"/>
+                <a:ea typeface="MS Mincho"/>
+              </a:rPr>
+              <a:t>stem, </a:t>
+            </a:r>
+            <a:r>
+              <a:rPr lang="en-GB" sz="1100" baseline="-25000" dirty="0" smtClean="0">
+                <a:latin typeface="Times New Roman" panose="02020603050405020304" pitchFamily="18" charset="0"/>
+                <a:ea typeface="MS Mincho"/>
+              </a:rPr>
+              <a:t>1</a:t>
+            </a:r>
+            <a:r>
+              <a:rPr lang="en-GB" sz="1100" dirty="0" smtClean="0">
+                <a:latin typeface="Times New Roman" panose="02020603050405020304" pitchFamily="18" charset="0"/>
+                <a:ea typeface="MS Mincho"/>
+              </a:rPr>
+              <a:t>=</a:t>
+            </a:r>
+            <a:r>
+              <a:rPr lang="en-GB" sz="1100" dirty="0">
+                <a:latin typeface="Times New Roman" panose="02020603050405020304" pitchFamily="18" charset="0"/>
+                <a:ea typeface="MS Mincho"/>
+                <a:cs typeface="Times New Roman" panose="02020603050405020304" pitchFamily="18" charset="0"/>
+                <a:sym typeface="Symbol" panose="05050102010706020507" pitchFamily="18" charset="2"/>
+              </a:rPr>
+              <a:t> </a:t>
+            </a:r>
+            <a:r>
+              <a:rPr lang="en-GB" sz="1100" dirty="0" smtClean="0">
+                <a:latin typeface="Times New Roman" panose="02020603050405020304" pitchFamily="18" charset="0"/>
+                <a:ea typeface="MS Mincho"/>
+                <a:cs typeface="Times New Roman" panose="02020603050405020304" pitchFamily="18" charset="0"/>
+                <a:sym typeface="Symbol" panose="05050102010706020507" pitchFamily="18" charset="2"/>
+              </a:rPr>
+              <a:t></a:t>
+            </a:r>
+            <a:r>
+              <a:rPr lang="en-GB" sz="1100" i="1" baseline="-25000" dirty="0" err="1" smtClean="0">
+                <a:latin typeface="Times New Roman" panose="02020603050405020304" pitchFamily="18" charset="0"/>
+                <a:ea typeface="MS Mincho"/>
+                <a:cs typeface="Times New Roman" panose="02020603050405020304" pitchFamily="18" charset="0"/>
+                <a:sym typeface="Symbol" panose="05050102010706020507" pitchFamily="18" charset="2"/>
+              </a:rPr>
+              <a:t>apo,</a:t>
+            </a:r>
+            <a:r>
+              <a:rPr lang="en-GB" sz="1100" i="1" baseline="-25000" dirty="0" err="1" smtClean="0">
+                <a:latin typeface="Times New Roman" panose="02020603050405020304" pitchFamily="18" charset="0"/>
+                <a:ea typeface="MS Mincho"/>
+              </a:rPr>
+              <a:t>stem</a:t>
+            </a:r>
+            <a:endParaRPr lang="es-ES" sz="1100" i="1" dirty="0"/>
+          </a:p>
+        </p:txBody>
+      </p:sp>
+      <p:sp>
+        <p:nvSpPr>
+          <p:cNvPr id="80" name="Elipse 79"/>
+          <p:cNvSpPr/>
+          <p:nvPr/>
+        </p:nvSpPr>
+        <p:spPr>
+          <a:xfrm>
+            <a:off x="4066317" y="2755034"/>
+            <a:ext cx="92547" cy="103474"/>
+          </a:xfrm>
+          <a:prstGeom prst="ellipse">
+            <a:avLst/>
+          </a:prstGeom>
+          <a:solidFill>
+            <a:schemeClr val="bg2"/>
+          </a:solidFill>
+        </p:spPr>
+        <p:style>
+          <a:lnRef idx="2">
+            <a:schemeClr val="accent1">
+              <a:shade val="50000"/>
+            </a:schemeClr>
+          </a:lnRef>
+          <a:fillRef idx="1">
+            <a:schemeClr val="accent1"/>
+          </a:fillRef>
+          <a:effectRef idx="0">
+            <a:schemeClr val="accent1"/>
+          </a:effectRef>
+          <a:fontRef idx="minor">
+            <a:schemeClr val="lt1"/>
+          </a:fontRef>
+        </p:style>
+        <p:txBody>
+          <a:bodyPr rtlCol="0" anchor="ctr"/>
+          <a:lstStyle/>
+          <a:p>
+            <a:pPr algn="ctr"/>
+            <a:endParaRPr lang="es-ES"/>
+          </a:p>
+        </p:txBody>
+      </p:sp>
+      <p:grpSp>
+        <p:nvGrpSpPr>
+          <p:cNvPr id="81" name="Grupo 80"/>
+          <p:cNvGrpSpPr/>
+          <p:nvPr/>
+        </p:nvGrpSpPr>
+        <p:grpSpPr>
+          <a:xfrm>
+            <a:off x="4064668" y="3181265"/>
+            <a:ext cx="85827" cy="194077"/>
+            <a:chOff x="4444518" y="2422566"/>
+            <a:chExt cx="85827" cy="194077"/>
+          </a:xfrm>
+        </p:grpSpPr>
+        <p:sp>
+          <p:nvSpPr>
+            <p:cNvPr id="82" name="Rectángulo 81"/>
+            <p:cNvSpPr/>
+            <p:nvPr/>
+          </p:nvSpPr>
+          <p:spPr>
+            <a:xfrm>
+              <a:off x="4444518" y="2427858"/>
+              <a:ext cx="85827" cy="188785"/>
+            </a:xfrm>
+            <a:prstGeom prst="rect">
+              <a:avLst/>
+            </a:prstGeom>
+          </p:spPr>
+          <p:style>
+            <a:lnRef idx="2">
+              <a:schemeClr val="accent1">
+                <a:shade val="50000"/>
+              </a:schemeClr>
+            </a:lnRef>
+            <a:fillRef idx="1">
+              <a:schemeClr val="accent1"/>
+            </a:fillRef>
+            <a:effectRef idx="0">
+              <a:schemeClr val="accent1"/>
+            </a:effectRef>
+            <a:fontRef idx="minor">
+              <a:schemeClr val="lt1"/>
+            </a:fontRef>
+          </p:style>
+          <p:txBody>
+            <a:bodyPr rtlCol="0" anchor="ctr"/>
+            <a:lstStyle/>
+            <a:p>
+              <a:pPr algn="ctr"/>
+              <a:endParaRPr lang="en-US"/>
+            </a:p>
+          </p:txBody>
+        </p:sp>
+        <p:sp>
+          <p:nvSpPr>
+            <p:cNvPr id="83" name="Forma libre 82"/>
+            <p:cNvSpPr/>
+            <p:nvPr/>
+          </p:nvSpPr>
+          <p:spPr>
+            <a:xfrm>
+              <a:off x="4453923" y="2422566"/>
+              <a:ext cx="74966" cy="194077"/>
+            </a:xfrm>
+            <a:custGeom>
+              <a:avLst/>
+              <a:gdLst>
+                <a:gd name="connsiteX0" fmla="*/ 34946 w 78627"/>
+                <a:gd name="connsiteY0" fmla="*/ 0 h 273738"/>
+                <a:gd name="connsiteX1" fmla="*/ 37858 w 78627"/>
+                <a:gd name="connsiteY1" fmla="*/ 61154 h 273738"/>
+                <a:gd name="connsiteX2" fmla="*/ 0 w 78627"/>
+                <a:gd name="connsiteY2" fmla="*/ 84451 h 273738"/>
+                <a:gd name="connsiteX3" fmla="*/ 75715 w 78627"/>
+                <a:gd name="connsiteY3" fmla="*/ 84451 h 273738"/>
+                <a:gd name="connsiteX4" fmla="*/ 8737 w 78627"/>
+                <a:gd name="connsiteY4" fmla="*/ 133957 h 273738"/>
+                <a:gd name="connsiteX5" fmla="*/ 78627 w 78627"/>
+                <a:gd name="connsiteY5" fmla="*/ 131045 h 273738"/>
+                <a:gd name="connsiteX6" fmla="*/ 11649 w 78627"/>
+                <a:gd name="connsiteY6" fmla="*/ 186375 h 273738"/>
+                <a:gd name="connsiteX7" fmla="*/ 78627 w 78627"/>
+                <a:gd name="connsiteY7" fmla="*/ 189287 h 273738"/>
+                <a:gd name="connsiteX8" fmla="*/ 40770 w 78627"/>
+                <a:gd name="connsiteY8" fmla="*/ 227144 h 273738"/>
+                <a:gd name="connsiteX9" fmla="*/ 37858 w 78627"/>
+                <a:gd name="connsiteY9" fmla="*/ 273738 h 273738"/>
+              </a:gdLst>
+              <a:ahLst/>
+              <a:cxnLst>
+                <a:cxn ang="0">
+                  <a:pos x="connsiteX0" y="connsiteY0"/>
+                </a:cxn>
+                <a:cxn ang="0">
+                  <a:pos x="connsiteX1" y="connsiteY1"/>
+                </a:cxn>
+                <a:cxn ang="0">
+                  <a:pos x="connsiteX2" y="connsiteY2"/>
+                </a:cxn>
+                <a:cxn ang="0">
+                  <a:pos x="connsiteX3" y="connsiteY3"/>
+                </a:cxn>
+                <a:cxn ang="0">
+                  <a:pos x="connsiteX4" y="connsiteY4"/>
+                </a:cxn>
+                <a:cxn ang="0">
+                  <a:pos x="connsiteX5" y="connsiteY5"/>
+                </a:cxn>
+                <a:cxn ang="0">
+                  <a:pos x="connsiteX6" y="connsiteY6"/>
+                </a:cxn>
+                <a:cxn ang="0">
+                  <a:pos x="connsiteX7" y="connsiteY7"/>
+                </a:cxn>
+                <a:cxn ang="0">
+                  <a:pos x="connsiteX8" y="connsiteY8"/>
+                </a:cxn>
+                <a:cxn ang="0">
+                  <a:pos x="connsiteX9" y="connsiteY9"/>
+                </a:cxn>
+              </a:cxnLst>
+              <a:rect l="l" t="t" r="r" b="b"/>
+              <a:pathLst>
+                <a:path w="78627" h="273738">
+                  <a:moveTo>
+                    <a:pt x="34946" y="0"/>
+                  </a:moveTo>
+                  <a:lnTo>
+                    <a:pt x="37858" y="61154"/>
+                  </a:lnTo>
+                  <a:lnTo>
+                    <a:pt x="0" y="84451"/>
+                  </a:lnTo>
+                  <a:lnTo>
+                    <a:pt x="75715" y="84451"/>
+                  </a:lnTo>
+                  <a:lnTo>
+                    <a:pt x="8737" y="133957"/>
+                  </a:lnTo>
+                  <a:lnTo>
+                    <a:pt x="78627" y="131045"/>
+                  </a:lnTo>
+                  <a:lnTo>
+                    <a:pt x="11649" y="186375"/>
+                  </a:lnTo>
+                  <a:lnTo>
+                    <a:pt x="78627" y="189287"/>
+                  </a:lnTo>
+                  <a:lnTo>
+                    <a:pt x="40770" y="227144"/>
+                  </a:lnTo>
+                  <a:lnTo>
+                    <a:pt x="37858" y="273738"/>
+                  </a:lnTo>
+                </a:path>
+              </a:pathLst>
+            </a:custGeom>
+            <a:noFill/>
+            <a:ln w="6350">
+              <a:solidFill>
+                <a:schemeClr val="tx1"/>
+              </a:solidFill>
+            </a:ln>
+          </p:spPr>
+          <p:style>
+            <a:lnRef idx="2">
+              <a:schemeClr val="accent1">
+                <a:shade val="50000"/>
+              </a:schemeClr>
+            </a:lnRef>
+            <a:fillRef idx="1">
+              <a:schemeClr val="accent1"/>
+            </a:fillRef>
+            <a:effectRef idx="0">
+              <a:schemeClr val="accent1"/>
+            </a:effectRef>
+            <a:fontRef idx="minor">
+              <a:schemeClr val="lt1"/>
+            </a:fontRef>
+          </p:style>
+          <p:txBody>
+            <a:bodyPr rtlCol="0" anchor="ctr"/>
+            <a:lstStyle/>
+            <a:p>
+              <a:pPr algn="ctr"/>
+              <a:endParaRPr lang="en-US"/>
+            </a:p>
+          </p:txBody>
+        </p:sp>
+      </p:grpSp>
+      <p:sp>
+        <p:nvSpPr>
+          <p:cNvPr id="103" name="Rectángulo 102"/>
+          <p:cNvSpPr/>
+          <p:nvPr/>
+        </p:nvSpPr>
+        <p:spPr>
+          <a:xfrm>
+            <a:off x="3559346" y="1328700"/>
+            <a:ext cx="436338" cy="261610"/>
+          </a:xfrm>
+          <a:prstGeom prst="rect">
+            <a:avLst/>
+          </a:prstGeom>
+        </p:spPr>
+        <p:txBody>
+          <a:bodyPr wrap="none">
+            <a:spAutoFit/>
+          </a:bodyPr>
+          <a:lstStyle/>
+          <a:p>
+            <a:r>
+              <a:rPr lang="en-GB" sz="1100" dirty="0" smtClean="0">
+                <a:latin typeface="Times New Roman" panose="02020603050405020304" pitchFamily="18" charset="0"/>
+                <a:ea typeface="MS Mincho"/>
+                <a:cs typeface="Times New Roman" panose="02020603050405020304" pitchFamily="18" charset="0"/>
+                <a:sym typeface="Symbol" panose="05050102010706020507" pitchFamily="18" charset="2"/>
+              </a:rPr>
+              <a:t></a:t>
+            </a:r>
+            <a:r>
+              <a:rPr lang="en-GB" sz="1100" i="1" baseline="-25000" dirty="0" smtClean="0">
+                <a:latin typeface="Times New Roman" panose="02020603050405020304" pitchFamily="18" charset="0"/>
+                <a:ea typeface="MS Mincho"/>
+              </a:rPr>
+              <a:t>leaf</a:t>
+            </a:r>
+            <a:endParaRPr lang="es-ES" sz="1100" dirty="0"/>
+          </a:p>
+        </p:txBody>
+      </p:sp>
+      <p:sp>
+        <p:nvSpPr>
+          <p:cNvPr id="68" name="Rectángulo 67"/>
+          <p:cNvSpPr/>
+          <p:nvPr/>
+        </p:nvSpPr>
+        <p:spPr>
+          <a:xfrm>
+            <a:off x="5710709" y="1347478"/>
+            <a:ext cx="732699" cy="253916"/>
+          </a:xfrm>
+          <a:prstGeom prst="rect">
+            <a:avLst/>
+          </a:prstGeom>
+          <a:solidFill>
+            <a:schemeClr val="accent6">
+              <a:lumMod val="40000"/>
+              <a:lumOff val="60000"/>
+            </a:schemeClr>
+          </a:solidFill>
+          <a:ln w="15875">
+            <a:solidFill>
+              <a:schemeClr val="accent1">
+                <a:lumMod val="75000"/>
+              </a:schemeClr>
+            </a:solidFill>
+          </a:ln>
+        </p:spPr>
+        <p:txBody>
+          <a:bodyPr wrap="square">
+            <a:spAutoFit/>
+          </a:bodyPr>
+          <a:lstStyle/>
+          <a:p>
+            <a:pPr algn="ctr"/>
+            <a:r>
+              <a:rPr lang="en-GB" sz="1050" dirty="0">
+                <a:latin typeface="Times New Roman" panose="02020603050405020304" pitchFamily="18" charset="0"/>
+                <a:ea typeface="MS Mincho"/>
+                <a:cs typeface="Times New Roman" panose="02020603050405020304" pitchFamily="18" charset="0"/>
+                <a:sym typeface="Symbol" panose="05050102010706020507" pitchFamily="18" charset="2"/>
+              </a:rPr>
+              <a:t></a:t>
+            </a:r>
+            <a:r>
+              <a:rPr lang="en-GB" sz="1050" i="1" baseline="-25000" dirty="0" err="1" smtClean="0">
+                <a:latin typeface="Times New Roman" panose="02020603050405020304" pitchFamily="18" charset="0"/>
+                <a:ea typeface="MS Mincho"/>
+                <a:cs typeface="Times New Roman" panose="02020603050405020304" pitchFamily="18" charset="0"/>
+              </a:rPr>
+              <a:t>symp</a:t>
+            </a:r>
+            <a:r>
+              <a:rPr lang="en-GB" sz="1050" i="1" baseline="-25000" dirty="0" smtClean="0">
+                <a:latin typeface="Times New Roman" panose="02020603050405020304" pitchFamily="18" charset="0"/>
+                <a:ea typeface="MS Mincho"/>
+                <a:cs typeface="Times New Roman" panose="02020603050405020304" pitchFamily="18" charset="0"/>
+              </a:rPr>
+              <a:t>, </a:t>
+            </a:r>
+            <a:r>
+              <a:rPr lang="en-GB" sz="1050" i="1" baseline="-25000" dirty="0" smtClean="0">
+                <a:latin typeface="Times New Roman" panose="02020603050405020304" pitchFamily="18" charset="0"/>
+                <a:ea typeface="MS Mincho"/>
+                <a:cs typeface="Times New Roman" panose="02020603050405020304" pitchFamily="18" charset="0"/>
+              </a:rPr>
+              <a:t>leaf</a:t>
+            </a:r>
+            <a:endParaRPr lang="es-ES" sz="1050" i="1" baseline="-25000" dirty="0">
+              <a:latin typeface="Times New Roman" panose="02020603050405020304" pitchFamily="18" charset="0"/>
+              <a:ea typeface="MS Mincho"/>
+              <a:cs typeface="Times New Roman" panose="02020603050405020304" pitchFamily="18" charset="0"/>
+            </a:endParaRPr>
+          </a:p>
+        </p:txBody>
+      </p:sp>
+      <p:sp>
+        <p:nvSpPr>
+          <p:cNvPr id="69" name="Rectángulo 68"/>
+          <p:cNvSpPr/>
+          <p:nvPr/>
+        </p:nvSpPr>
+        <p:spPr>
+          <a:xfrm>
+            <a:off x="5732332" y="2105884"/>
+            <a:ext cx="710257" cy="1277273"/>
+          </a:xfrm>
+          <a:prstGeom prst="rect">
+            <a:avLst/>
+          </a:prstGeom>
+          <a:solidFill>
+            <a:schemeClr val="accent6">
+              <a:lumMod val="40000"/>
+              <a:lumOff val="60000"/>
+            </a:schemeClr>
+          </a:solidFill>
+          <a:ln w="15875">
+            <a:solidFill>
+              <a:schemeClr val="accent1">
+                <a:lumMod val="75000"/>
+              </a:schemeClr>
+            </a:solidFill>
+          </a:ln>
+        </p:spPr>
+        <p:txBody>
+          <a:bodyPr wrap="square">
+            <a:spAutoFit/>
+          </a:bodyPr>
+          <a:lstStyle/>
+          <a:p>
+            <a:pPr algn="ctr"/>
+            <a:endParaRPr lang="en-GB" sz="1050" dirty="0" smtClean="0">
+              <a:latin typeface="Times New Roman" panose="02020603050405020304" pitchFamily="18" charset="0"/>
+              <a:ea typeface="MS Mincho"/>
+              <a:cs typeface="Times New Roman" panose="02020603050405020304" pitchFamily="18" charset="0"/>
+              <a:sym typeface="Symbol" panose="05050102010706020507" pitchFamily="18" charset="2"/>
+            </a:endParaRPr>
+          </a:p>
+          <a:p>
+            <a:pPr algn="ctr"/>
+            <a:endParaRPr lang="en-GB" sz="1050" dirty="0" smtClean="0">
+              <a:latin typeface="Times New Roman" panose="02020603050405020304" pitchFamily="18" charset="0"/>
+              <a:ea typeface="MS Mincho"/>
+              <a:cs typeface="Times New Roman" panose="02020603050405020304" pitchFamily="18" charset="0"/>
+              <a:sym typeface="Symbol" panose="05050102010706020507" pitchFamily="18" charset="2"/>
+            </a:endParaRPr>
+          </a:p>
+          <a:p>
+            <a:pPr algn="ctr"/>
+            <a:endParaRPr lang="en-GB" sz="1050" dirty="0">
+              <a:latin typeface="Times New Roman" panose="02020603050405020304" pitchFamily="18" charset="0"/>
+              <a:ea typeface="MS Mincho"/>
+              <a:cs typeface="Times New Roman" panose="02020603050405020304" pitchFamily="18" charset="0"/>
+              <a:sym typeface="Symbol" panose="05050102010706020507" pitchFamily="18" charset="2"/>
+            </a:endParaRPr>
+          </a:p>
+          <a:p>
+            <a:pPr algn="ctr"/>
+            <a:r>
+              <a:rPr lang="en-GB" sz="1050" dirty="0" smtClean="0">
+                <a:latin typeface="Times New Roman" panose="02020603050405020304" pitchFamily="18" charset="0"/>
+                <a:ea typeface="MS Mincho"/>
+                <a:cs typeface="Times New Roman" panose="02020603050405020304" pitchFamily="18" charset="0"/>
+                <a:sym typeface="Symbol" panose="05050102010706020507" pitchFamily="18" charset="2"/>
+              </a:rPr>
+              <a:t></a:t>
+            </a:r>
+            <a:r>
+              <a:rPr lang="en-GB" sz="1050" i="1" baseline="-25000" dirty="0" err="1" smtClean="0">
+                <a:latin typeface="Times New Roman" panose="02020603050405020304" pitchFamily="18" charset="0"/>
+                <a:ea typeface="MS Mincho"/>
+                <a:cs typeface="Times New Roman" panose="02020603050405020304" pitchFamily="18" charset="0"/>
+              </a:rPr>
+              <a:t>symp</a:t>
+            </a:r>
+            <a:r>
+              <a:rPr lang="en-GB" sz="1050" i="1" baseline="-25000" dirty="0" smtClean="0">
+                <a:latin typeface="Times New Roman" panose="02020603050405020304" pitchFamily="18" charset="0"/>
+                <a:ea typeface="MS Mincho"/>
+                <a:cs typeface="Times New Roman" panose="02020603050405020304" pitchFamily="18" charset="0"/>
+              </a:rPr>
+              <a:t>, </a:t>
+            </a:r>
+            <a:r>
+              <a:rPr lang="en-GB" sz="1050" baseline="-25000" dirty="0" smtClean="0">
+                <a:latin typeface="Times New Roman" panose="02020603050405020304" pitchFamily="18" charset="0"/>
+                <a:ea typeface="MS Mincho"/>
+                <a:cs typeface="Times New Roman" panose="02020603050405020304" pitchFamily="18" charset="0"/>
+              </a:rPr>
+              <a:t>stem</a:t>
+            </a:r>
+            <a:endParaRPr lang="en-GB" sz="1050" baseline="-25000" dirty="0" smtClean="0">
+              <a:latin typeface="Times New Roman" panose="02020603050405020304" pitchFamily="18" charset="0"/>
+              <a:ea typeface="MS Mincho"/>
+              <a:cs typeface="Times New Roman" panose="02020603050405020304" pitchFamily="18" charset="0"/>
+            </a:endParaRPr>
+          </a:p>
+          <a:p>
+            <a:pPr algn="ctr"/>
+            <a:endParaRPr lang="en-GB" sz="1050" baseline="-25000" dirty="0">
+              <a:latin typeface="Times New Roman" panose="02020603050405020304" pitchFamily="18" charset="0"/>
+              <a:ea typeface="MS Mincho"/>
+              <a:cs typeface="Times New Roman" panose="02020603050405020304" pitchFamily="18" charset="0"/>
+            </a:endParaRPr>
+          </a:p>
+          <a:p>
+            <a:pPr algn="ctr"/>
+            <a:endParaRPr lang="en-GB" sz="1050" baseline="-25000" dirty="0" smtClean="0">
+              <a:latin typeface="Times New Roman" panose="02020603050405020304" pitchFamily="18" charset="0"/>
+              <a:ea typeface="MS Mincho"/>
+              <a:cs typeface="Times New Roman" panose="02020603050405020304" pitchFamily="18" charset="0"/>
+            </a:endParaRPr>
+          </a:p>
+          <a:p>
+            <a:pPr algn="ctr"/>
+            <a:endParaRPr lang="en-GB" sz="1050" baseline="-25000" dirty="0">
+              <a:latin typeface="Times New Roman" panose="02020603050405020304" pitchFamily="18" charset="0"/>
+              <a:ea typeface="MS Mincho"/>
+              <a:cs typeface="Times New Roman" panose="02020603050405020304" pitchFamily="18" charset="0"/>
+            </a:endParaRPr>
+          </a:p>
+          <a:p>
+            <a:pPr algn="ctr"/>
+            <a:endParaRPr lang="en-GB" sz="1050" baseline="-25000" dirty="0" smtClean="0">
+              <a:latin typeface="Times New Roman" panose="02020603050405020304" pitchFamily="18" charset="0"/>
+              <a:ea typeface="MS Mincho"/>
+              <a:cs typeface="Times New Roman" panose="02020603050405020304" pitchFamily="18" charset="0"/>
+            </a:endParaRPr>
+          </a:p>
+          <a:p>
+            <a:pPr algn="ctr"/>
+            <a:endParaRPr lang="es-ES" sz="1050" baseline="-25000" dirty="0">
+              <a:latin typeface="Times New Roman" panose="02020603050405020304" pitchFamily="18" charset="0"/>
+              <a:ea typeface="MS Mincho"/>
+              <a:cs typeface="Times New Roman" panose="02020603050405020304" pitchFamily="18" charset="0"/>
+            </a:endParaRPr>
+          </a:p>
+        </p:txBody>
+      </p:sp>
+      <p:cxnSp>
+        <p:nvCxnSpPr>
+          <p:cNvPr id="72" name="Conector recto de flecha 71"/>
+          <p:cNvCxnSpPr>
+            <a:stCxn id="2" idx="3"/>
+            <a:endCxn id="69" idx="1"/>
+          </p:cNvCxnSpPr>
+          <p:nvPr/>
+        </p:nvCxnSpPr>
+        <p:spPr>
+          <a:xfrm flipV="1">
+            <a:off x="5331255" y="2744521"/>
+            <a:ext cx="401077" cy="1967"/>
+          </a:xfrm>
+          <a:prstGeom prst="straightConnector1">
+            <a:avLst/>
+          </a:prstGeom>
+          <a:ln>
+            <a:solidFill>
+              <a:schemeClr val="tx1"/>
+            </a:solidFill>
+            <a:headEnd type="triangle"/>
+            <a:tailEnd type="triangle"/>
+          </a:ln>
+        </p:spPr>
+        <p:style>
+          <a:lnRef idx="1">
+            <a:schemeClr val="accent1"/>
+          </a:lnRef>
+          <a:fillRef idx="0">
+            <a:schemeClr val="accent1"/>
+          </a:fillRef>
+          <a:effectRef idx="0">
+            <a:schemeClr val="accent1"/>
+          </a:effectRef>
+          <a:fontRef idx="minor">
+            <a:schemeClr val="tx1"/>
+          </a:fontRef>
+        </p:style>
+      </p:cxnSp>
+      <p:cxnSp>
+        <p:nvCxnSpPr>
+          <p:cNvPr id="76" name="Conector recto de flecha 75"/>
+          <p:cNvCxnSpPr>
+            <a:stCxn id="69" idx="0"/>
+            <a:endCxn id="68" idx="2"/>
+          </p:cNvCxnSpPr>
+          <p:nvPr/>
+        </p:nvCxnSpPr>
+        <p:spPr>
+          <a:xfrm flipH="1" flipV="1">
+            <a:off x="6077059" y="1601394"/>
+            <a:ext cx="10402" cy="504490"/>
+          </a:xfrm>
+          <a:prstGeom prst="straightConnector1">
+            <a:avLst/>
+          </a:prstGeom>
+          <a:ln>
+            <a:solidFill>
+              <a:schemeClr val="tx1"/>
+            </a:solidFill>
+            <a:headEnd type="triangle"/>
+            <a:tailEnd type="triangle"/>
+          </a:ln>
+        </p:spPr>
+        <p:style>
+          <a:lnRef idx="1">
+            <a:schemeClr val="accent1"/>
+          </a:lnRef>
+          <a:fillRef idx="0">
+            <a:schemeClr val="accent1"/>
+          </a:fillRef>
+          <a:effectRef idx="0">
+            <a:schemeClr val="accent1"/>
+          </a:effectRef>
+          <a:fontRef idx="minor">
+            <a:schemeClr val="tx1"/>
+          </a:fontRef>
+        </p:style>
+      </p:cxnSp>
+      <p:sp>
+        <p:nvSpPr>
+          <p:cNvPr id="84" name="Rectángulo 83"/>
+          <p:cNvSpPr/>
+          <p:nvPr/>
+        </p:nvSpPr>
+        <p:spPr>
+          <a:xfrm>
+            <a:off x="6065159" y="1670860"/>
+            <a:ext cx="578989" cy="261610"/>
+          </a:xfrm>
+          <a:prstGeom prst="rect">
+            <a:avLst/>
+          </a:prstGeom>
+        </p:spPr>
+        <p:txBody>
+          <a:bodyPr wrap="square">
+            <a:spAutoFit/>
+          </a:bodyPr>
+          <a:lstStyle/>
+          <a:p>
+            <a:r>
+              <a:rPr lang="en-GB" sz="1050" i="1" dirty="0" err="1" smtClean="0">
+                <a:latin typeface="Times New Roman" panose="02020603050405020304" pitchFamily="18" charset="0"/>
+                <a:ea typeface="MS Mincho"/>
+                <a:cs typeface="Times New Roman" panose="02020603050405020304" pitchFamily="18" charset="0"/>
+                <a:sym typeface="Symbol" panose="05050102010706020507" pitchFamily="18" charset="2"/>
+              </a:rPr>
+              <a:t>k</a:t>
+            </a:r>
+            <a:r>
+              <a:rPr lang="en-GB" sz="1050" i="1" baseline="-25000" dirty="0" err="1" smtClean="0">
+                <a:latin typeface="Times New Roman" panose="02020603050405020304" pitchFamily="18" charset="0"/>
+                <a:ea typeface="MS Mincho"/>
+                <a:cs typeface="Times New Roman" panose="02020603050405020304" pitchFamily="18" charset="0"/>
+                <a:sym typeface="Symbol" panose="05050102010706020507" pitchFamily="18" charset="2"/>
+              </a:rPr>
+              <a:t>symp,ver</a:t>
+            </a:r>
+            <a:endParaRPr lang="es-ES" sz="1050" i="1" baseline="-25000" dirty="0"/>
+          </a:p>
+        </p:txBody>
+      </p:sp>
+      <p:sp>
+        <p:nvSpPr>
+          <p:cNvPr id="85" name="Rectángulo 84"/>
+          <p:cNvSpPr/>
+          <p:nvPr/>
+        </p:nvSpPr>
+        <p:spPr>
+          <a:xfrm>
+            <a:off x="5385534" y="2470735"/>
+            <a:ext cx="350309" cy="261610"/>
+          </a:xfrm>
+          <a:prstGeom prst="rect">
+            <a:avLst/>
+          </a:prstGeom>
+        </p:spPr>
+        <p:txBody>
+          <a:bodyPr wrap="square">
+            <a:spAutoFit/>
+          </a:bodyPr>
+          <a:lstStyle/>
+          <a:p>
+            <a:r>
+              <a:rPr lang="en-GB" sz="1050" i="1" dirty="0" err="1" smtClean="0">
+                <a:latin typeface="Times New Roman" panose="02020603050405020304" pitchFamily="18" charset="0"/>
+                <a:ea typeface="MS Mincho"/>
+                <a:cs typeface="Times New Roman" panose="02020603050405020304" pitchFamily="18" charset="0"/>
+                <a:sym typeface="Symbol" panose="05050102010706020507" pitchFamily="18" charset="2"/>
+              </a:rPr>
+              <a:t>k</a:t>
+            </a:r>
+            <a:r>
+              <a:rPr lang="en-GB" sz="1050" i="1" baseline="-25000" dirty="0" err="1" smtClean="0">
+                <a:latin typeface="Times New Roman" panose="02020603050405020304" pitchFamily="18" charset="0"/>
+                <a:ea typeface="MS Mincho"/>
+                <a:cs typeface="Times New Roman" panose="02020603050405020304" pitchFamily="18" charset="0"/>
+                <a:sym typeface="Symbol" panose="05050102010706020507" pitchFamily="18" charset="2"/>
+              </a:rPr>
+              <a:t>lat</a:t>
+            </a:r>
+            <a:endParaRPr lang="es-ES" sz="1050" i="1" baseline="-25000" dirty="0"/>
+          </a:p>
+        </p:txBody>
+      </p:sp>
+      <p:cxnSp>
+        <p:nvCxnSpPr>
+          <p:cNvPr id="86" name="Conector recto de flecha 85"/>
+          <p:cNvCxnSpPr/>
+          <p:nvPr/>
+        </p:nvCxnSpPr>
+        <p:spPr>
+          <a:xfrm flipH="1" flipV="1">
+            <a:off x="4105438" y="1195264"/>
+            <a:ext cx="6236" cy="1568039"/>
+          </a:xfrm>
+          <a:prstGeom prst="straightConnector1">
+            <a:avLst/>
+          </a:prstGeom>
+          <a:ln>
+            <a:solidFill>
+              <a:schemeClr val="tx1"/>
+            </a:solidFill>
+            <a:headEnd type="none"/>
+            <a:tailEnd type="triangle"/>
+          </a:ln>
+        </p:spPr>
+        <p:style>
+          <a:lnRef idx="1">
+            <a:schemeClr val="accent1"/>
+          </a:lnRef>
+          <a:fillRef idx="0">
+            <a:schemeClr val="accent1"/>
+          </a:fillRef>
+          <a:effectRef idx="0">
+            <a:schemeClr val="accent1"/>
+          </a:effectRef>
+          <a:fontRef idx="minor">
+            <a:schemeClr val="tx1"/>
+          </a:fontRef>
+        </p:style>
+      </p:cxnSp>
+      <p:sp>
+        <p:nvSpPr>
+          <p:cNvPr id="63" name="Elipse 62"/>
+          <p:cNvSpPr/>
+          <p:nvPr/>
+        </p:nvSpPr>
+        <p:spPr>
+          <a:xfrm>
+            <a:off x="4066317" y="1909302"/>
+            <a:ext cx="92547" cy="103474"/>
+          </a:xfrm>
+          <a:prstGeom prst="ellipse">
+            <a:avLst/>
+          </a:prstGeom>
+          <a:solidFill>
+            <a:schemeClr val="bg2"/>
+          </a:solidFill>
+        </p:spPr>
+        <p:style>
+          <a:lnRef idx="2">
+            <a:schemeClr val="accent1">
+              <a:shade val="50000"/>
+            </a:schemeClr>
+          </a:lnRef>
+          <a:fillRef idx="1">
+            <a:schemeClr val="accent1"/>
+          </a:fillRef>
+          <a:effectRef idx="0">
+            <a:schemeClr val="accent1"/>
+          </a:effectRef>
+          <a:fontRef idx="minor">
+            <a:schemeClr val="lt1"/>
+          </a:fontRef>
+        </p:style>
+        <p:txBody>
+          <a:bodyPr rtlCol="0" anchor="ctr"/>
+          <a:lstStyle/>
+          <a:p>
+            <a:pPr algn="ctr"/>
+            <a:endParaRPr lang="es-ES"/>
+          </a:p>
+        </p:txBody>
+      </p:sp>
+      <p:grpSp>
+        <p:nvGrpSpPr>
+          <p:cNvPr id="77" name="Grupo 76"/>
+          <p:cNvGrpSpPr/>
+          <p:nvPr/>
+        </p:nvGrpSpPr>
+        <p:grpSpPr>
+          <a:xfrm>
+            <a:off x="4066305" y="2297176"/>
+            <a:ext cx="85827" cy="194077"/>
+            <a:chOff x="4444518" y="2422566"/>
+            <a:chExt cx="85827" cy="194077"/>
+          </a:xfrm>
+        </p:grpSpPr>
+        <p:sp>
+          <p:nvSpPr>
+            <p:cNvPr id="78" name="Rectángulo 77"/>
+            <p:cNvSpPr/>
+            <p:nvPr/>
+          </p:nvSpPr>
+          <p:spPr>
+            <a:xfrm>
+              <a:off x="4444518" y="2427858"/>
+              <a:ext cx="85827" cy="188785"/>
+            </a:xfrm>
+            <a:prstGeom prst="rect">
+              <a:avLst/>
+            </a:prstGeom>
+          </p:spPr>
+          <p:style>
+            <a:lnRef idx="2">
+              <a:schemeClr val="accent1">
+                <a:shade val="50000"/>
+              </a:schemeClr>
+            </a:lnRef>
+            <a:fillRef idx="1">
+              <a:schemeClr val="accent1"/>
+            </a:fillRef>
+            <a:effectRef idx="0">
+              <a:schemeClr val="accent1"/>
+            </a:effectRef>
+            <a:fontRef idx="minor">
+              <a:schemeClr val="lt1"/>
+            </a:fontRef>
+          </p:style>
+          <p:txBody>
+            <a:bodyPr rtlCol="0" anchor="ctr"/>
+            <a:lstStyle/>
+            <a:p>
+              <a:pPr algn="ctr"/>
+              <a:endParaRPr lang="en-US"/>
+            </a:p>
+          </p:txBody>
+        </p:sp>
+        <p:sp>
+          <p:nvSpPr>
+            <p:cNvPr id="79" name="Forma libre 78"/>
+            <p:cNvSpPr/>
+            <p:nvPr/>
+          </p:nvSpPr>
+          <p:spPr>
+            <a:xfrm>
+              <a:off x="4453923" y="2422566"/>
+              <a:ext cx="74966" cy="194077"/>
+            </a:xfrm>
+            <a:custGeom>
+              <a:avLst/>
+              <a:gdLst>
+                <a:gd name="connsiteX0" fmla="*/ 34946 w 78627"/>
+                <a:gd name="connsiteY0" fmla="*/ 0 h 273738"/>
+                <a:gd name="connsiteX1" fmla="*/ 37858 w 78627"/>
+                <a:gd name="connsiteY1" fmla="*/ 61154 h 273738"/>
+                <a:gd name="connsiteX2" fmla="*/ 0 w 78627"/>
+                <a:gd name="connsiteY2" fmla="*/ 84451 h 273738"/>
+                <a:gd name="connsiteX3" fmla="*/ 75715 w 78627"/>
+                <a:gd name="connsiteY3" fmla="*/ 84451 h 273738"/>
+                <a:gd name="connsiteX4" fmla="*/ 8737 w 78627"/>
+                <a:gd name="connsiteY4" fmla="*/ 133957 h 273738"/>
+                <a:gd name="connsiteX5" fmla="*/ 78627 w 78627"/>
+                <a:gd name="connsiteY5" fmla="*/ 131045 h 273738"/>
+                <a:gd name="connsiteX6" fmla="*/ 11649 w 78627"/>
+                <a:gd name="connsiteY6" fmla="*/ 186375 h 273738"/>
+                <a:gd name="connsiteX7" fmla="*/ 78627 w 78627"/>
+                <a:gd name="connsiteY7" fmla="*/ 189287 h 273738"/>
+                <a:gd name="connsiteX8" fmla="*/ 40770 w 78627"/>
+                <a:gd name="connsiteY8" fmla="*/ 227144 h 273738"/>
+                <a:gd name="connsiteX9" fmla="*/ 37858 w 78627"/>
+                <a:gd name="connsiteY9" fmla="*/ 273738 h 273738"/>
+              </a:gdLst>
+              <a:ahLst/>
+              <a:cxnLst>
+                <a:cxn ang="0">
+                  <a:pos x="connsiteX0" y="connsiteY0"/>
+                </a:cxn>
+                <a:cxn ang="0">
+                  <a:pos x="connsiteX1" y="connsiteY1"/>
+                </a:cxn>
+                <a:cxn ang="0">
+                  <a:pos x="connsiteX2" y="connsiteY2"/>
+                </a:cxn>
+                <a:cxn ang="0">
+                  <a:pos x="connsiteX3" y="connsiteY3"/>
+                </a:cxn>
+                <a:cxn ang="0">
+                  <a:pos x="connsiteX4" y="connsiteY4"/>
+                </a:cxn>
+                <a:cxn ang="0">
+                  <a:pos x="connsiteX5" y="connsiteY5"/>
+                </a:cxn>
+                <a:cxn ang="0">
+                  <a:pos x="connsiteX6" y="connsiteY6"/>
+                </a:cxn>
+                <a:cxn ang="0">
+                  <a:pos x="connsiteX7" y="connsiteY7"/>
+                </a:cxn>
+                <a:cxn ang="0">
+                  <a:pos x="connsiteX8" y="connsiteY8"/>
+                </a:cxn>
+                <a:cxn ang="0">
+                  <a:pos x="connsiteX9" y="connsiteY9"/>
+                </a:cxn>
+              </a:cxnLst>
+              <a:rect l="l" t="t" r="r" b="b"/>
+              <a:pathLst>
+                <a:path w="78627" h="273738">
+                  <a:moveTo>
+                    <a:pt x="34946" y="0"/>
+                  </a:moveTo>
+                  <a:lnTo>
+                    <a:pt x="37858" y="61154"/>
+                  </a:lnTo>
+                  <a:lnTo>
+                    <a:pt x="0" y="84451"/>
+                  </a:lnTo>
+                  <a:lnTo>
+                    <a:pt x="75715" y="84451"/>
+                  </a:lnTo>
+                  <a:lnTo>
+                    <a:pt x="8737" y="133957"/>
+                  </a:lnTo>
+                  <a:lnTo>
+                    <a:pt x="78627" y="131045"/>
+                  </a:lnTo>
+                  <a:lnTo>
+                    <a:pt x="11649" y="186375"/>
+                  </a:lnTo>
+                  <a:lnTo>
+                    <a:pt x="78627" y="189287"/>
+                  </a:lnTo>
+                  <a:lnTo>
+                    <a:pt x="40770" y="227144"/>
+                  </a:lnTo>
+                  <a:lnTo>
+                    <a:pt x="37858" y="273738"/>
+                  </a:lnTo>
+                </a:path>
+              </a:pathLst>
+            </a:custGeom>
+            <a:noFill/>
+            <a:ln w="6350">
+              <a:solidFill>
+                <a:schemeClr val="tx1"/>
+              </a:solidFill>
+            </a:ln>
+          </p:spPr>
+          <p:style>
+            <a:lnRef idx="2">
+              <a:schemeClr val="accent1">
+                <a:shade val="50000"/>
+              </a:schemeClr>
+            </a:lnRef>
+            <a:fillRef idx="1">
+              <a:schemeClr val="accent1"/>
+            </a:fillRef>
+            <a:effectRef idx="0">
+              <a:schemeClr val="accent1"/>
+            </a:effectRef>
+            <a:fontRef idx="minor">
+              <a:schemeClr val="lt1"/>
+            </a:fontRef>
+          </p:style>
+          <p:txBody>
+            <a:bodyPr rtlCol="0" anchor="ctr"/>
+            <a:lstStyle/>
+            <a:p>
+              <a:pPr algn="ctr"/>
+              <a:endParaRPr lang="en-US"/>
+            </a:p>
+          </p:txBody>
+        </p:sp>
+      </p:grpSp>
+      <p:grpSp>
+        <p:nvGrpSpPr>
+          <p:cNvPr id="106" name="Grupo 105"/>
+          <p:cNvGrpSpPr/>
+          <p:nvPr/>
+        </p:nvGrpSpPr>
+        <p:grpSpPr>
+          <a:xfrm>
+            <a:off x="4067761" y="1598467"/>
+            <a:ext cx="85827" cy="194077"/>
+            <a:chOff x="4444518" y="2422566"/>
+            <a:chExt cx="85827" cy="194077"/>
+          </a:xfrm>
+        </p:grpSpPr>
+        <p:sp>
+          <p:nvSpPr>
+            <p:cNvPr id="114" name="Rectángulo 113"/>
+            <p:cNvSpPr/>
+            <p:nvPr/>
+          </p:nvSpPr>
+          <p:spPr>
+            <a:xfrm>
+              <a:off x="4444518" y="2427858"/>
+              <a:ext cx="85827" cy="188785"/>
+            </a:xfrm>
+            <a:prstGeom prst="rect">
+              <a:avLst/>
+            </a:prstGeom>
+          </p:spPr>
+          <p:style>
+            <a:lnRef idx="2">
+              <a:schemeClr val="accent1">
+                <a:shade val="50000"/>
+              </a:schemeClr>
+            </a:lnRef>
+            <a:fillRef idx="1">
+              <a:schemeClr val="accent1"/>
+            </a:fillRef>
+            <a:effectRef idx="0">
+              <a:schemeClr val="accent1"/>
+            </a:effectRef>
+            <a:fontRef idx="minor">
+              <a:schemeClr val="lt1"/>
+            </a:fontRef>
+          </p:style>
+          <p:txBody>
+            <a:bodyPr rtlCol="0" anchor="ctr"/>
+            <a:lstStyle/>
+            <a:p>
+              <a:pPr algn="ctr"/>
+              <a:endParaRPr lang="en-US"/>
+            </a:p>
+          </p:txBody>
+        </p:sp>
+        <p:sp>
+          <p:nvSpPr>
+            <p:cNvPr id="115" name="Forma libre 114"/>
+            <p:cNvSpPr/>
+            <p:nvPr/>
+          </p:nvSpPr>
+          <p:spPr>
+            <a:xfrm>
+              <a:off x="4453923" y="2422566"/>
+              <a:ext cx="74966" cy="194077"/>
+            </a:xfrm>
+            <a:custGeom>
+              <a:avLst/>
+              <a:gdLst>
+                <a:gd name="connsiteX0" fmla="*/ 34946 w 78627"/>
+                <a:gd name="connsiteY0" fmla="*/ 0 h 273738"/>
+                <a:gd name="connsiteX1" fmla="*/ 37858 w 78627"/>
+                <a:gd name="connsiteY1" fmla="*/ 61154 h 273738"/>
+                <a:gd name="connsiteX2" fmla="*/ 0 w 78627"/>
+                <a:gd name="connsiteY2" fmla="*/ 84451 h 273738"/>
+                <a:gd name="connsiteX3" fmla="*/ 75715 w 78627"/>
+                <a:gd name="connsiteY3" fmla="*/ 84451 h 273738"/>
+                <a:gd name="connsiteX4" fmla="*/ 8737 w 78627"/>
+                <a:gd name="connsiteY4" fmla="*/ 133957 h 273738"/>
+                <a:gd name="connsiteX5" fmla="*/ 78627 w 78627"/>
+                <a:gd name="connsiteY5" fmla="*/ 131045 h 273738"/>
+                <a:gd name="connsiteX6" fmla="*/ 11649 w 78627"/>
+                <a:gd name="connsiteY6" fmla="*/ 186375 h 273738"/>
+                <a:gd name="connsiteX7" fmla="*/ 78627 w 78627"/>
+                <a:gd name="connsiteY7" fmla="*/ 189287 h 273738"/>
+                <a:gd name="connsiteX8" fmla="*/ 40770 w 78627"/>
+                <a:gd name="connsiteY8" fmla="*/ 227144 h 273738"/>
+                <a:gd name="connsiteX9" fmla="*/ 37858 w 78627"/>
+                <a:gd name="connsiteY9" fmla="*/ 273738 h 273738"/>
+              </a:gdLst>
+              <a:ahLst/>
+              <a:cxnLst>
+                <a:cxn ang="0">
+                  <a:pos x="connsiteX0" y="connsiteY0"/>
+                </a:cxn>
+                <a:cxn ang="0">
+                  <a:pos x="connsiteX1" y="connsiteY1"/>
+                </a:cxn>
+                <a:cxn ang="0">
+                  <a:pos x="connsiteX2" y="connsiteY2"/>
+                </a:cxn>
+                <a:cxn ang="0">
+                  <a:pos x="connsiteX3" y="connsiteY3"/>
+                </a:cxn>
+                <a:cxn ang="0">
+                  <a:pos x="connsiteX4" y="connsiteY4"/>
+                </a:cxn>
+                <a:cxn ang="0">
+                  <a:pos x="connsiteX5" y="connsiteY5"/>
+                </a:cxn>
+                <a:cxn ang="0">
+                  <a:pos x="connsiteX6" y="connsiteY6"/>
+                </a:cxn>
+                <a:cxn ang="0">
+                  <a:pos x="connsiteX7" y="connsiteY7"/>
+                </a:cxn>
+                <a:cxn ang="0">
+                  <a:pos x="connsiteX8" y="connsiteY8"/>
+                </a:cxn>
+                <a:cxn ang="0">
+                  <a:pos x="connsiteX9" y="connsiteY9"/>
+                </a:cxn>
+              </a:cxnLst>
+              <a:rect l="l" t="t" r="r" b="b"/>
+              <a:pathLst>
+                <a:path w="78627" h="273738">
+                  <a:moveTo>
+                    <a:pt x="34946" y="0"/>
+                  </a:moveTo>
+                  <a:lnTo>
+                    <a:pt x="37858" y="61154"/>
+                  </a:lnTo>
+                  <a:lnTo>
+                    <a:pt x="0" y="84451"/>
+                  </a:lnTo>
+                  <a:lnTo>
+                    <a:pt x="75715" y="84451"/>
+                  </a:lnTo>
+                  <a:lnTo>
+                    <a:pt x="8737" y="133957"/>
+                  </a:lnTo>
+                  <a:lnTo>
+                    <a:pt x="78627" y="131045"/>
+                  </a:lnTo>
+                  <a:lnTo>
+                    <a:pt x="11649" y="186375"/>
+                  </a:lnTo>
+                  <a:lnTo>
+                    <a:pt x="78627" y="189287"/>
+                  </a:lnTo>
+                  <a:lnTo>
+                    <a:pt x="40770" y="227144"/>
+                  </a:lnTo>
+                  <a:lnTo>
+                    <a:pt x="37858" y="273738"/>
+                  </a:lnTo>
+                </a:path>
+              </a:pathLst>
+            </a:custGeom>
+            <a:noFill/>
+            <a:ln w="6350">
+              <a:solidFill>
+                <a:schemeClr val="tx1"/>
+              </a:solidFill>
+            </a:ln>
+          </p:spPr>
+          <p:style>
+            <a:lnRef idx="2">
+              <a:schemeClr val="accent1">
+                <a:shade val="50000"/>
+              </a:schemeClr>
+            </a:lnRef>
+            <a:fillRef idx="1">
+              <a:schemeClr val="accent1"/>
+            </a:fillRef>
+            <a:effectRef idx="0">
+              <a:schemeClr val="accent1"/>
+            </a:effectRef>
+            <a:fontRef idx="minor">
+              <a:schemeClr val="lt1"/>
+            </a:fontRef>
+          </p:style>
+          <p:txBody>
+            <a:bodyPr rtlCol="0" anchor="ctr"/>
+            <a:lstStyle/>
+            <a:p>
+              <a:pPr algn="ctr"/>
+              <a:endParaRPr lang="en-US"/>
+            </a:p>
+          </p:txBody>
+        </p:sp>
+      </p:grpSp>
+      <p:sp>
+        <p:nvSpPr>
+          <p:cNvPr id="116" name="Elipse 115"/>
+          <p:cNvSpPr/>
+          <p:nvPr/>
+        </p:nvSpPr>
+        <p:spPr>
+          <a:xfrm>
+            <a:off x="4073432" y="1431625"/>
+            <a:ext cx="92547" cy="103474"/>
+          </a:xfrm>
+          <a:prstGeom prst="ellipse">
+            <a:avLst/>
+          </a:prstGeom>
+          <a:solidFill>
+            <a:schemeClr val="bg2"/>
+          </a:solidFill>
+        </p:spPr>
+        <p:style>
+          <a:lnRef idx="2">
+            <a:schemeClr val="accent1">
+              <a:shade val="50000"/>
+            </a:schemeClr>
+          </a:lnRef>
+          <a:fillRef idx="1">
+            <a:schemeClr val="accent1"/>
+          </a:fillRef>
+          <a:effectRef idx="0">
+            <a:schemeClr val="accent1"/>
+          </a:effectRef>
+          <a:fontRef idx="minor">
+            <a:schemeClr val="lt1"/>
+          </a:fontRef>
+        </p:style>
+        <p:txBody>
+          <a:bodyPr rtlCol="0" anchor="ctr"/>
+          <a:lstStyle/>
+          <a:p>
+            <a:pPr algn="ctr"/>
+            <a:endParaRPr lang="es-ES"/>
+          </a:p>
+        </p:txBody>
+      </p:sp>
+    </p:spTree>
+    <p:extLst>
+      <p:ext uri="{BB962C8B-B14F-4D97-AF65-F5344CB8AC3E}">
+        <p14:creationId xmlns:p14="http://schemas.microsoft.com/office/powerpoint/2010/main" val="3674012130"/>
+      </p:ext>
+    </p:extLst>
+  </p:cSld>
+  <p:clrMapOvr>
+    <a:masterClrMapping/>
+  </p:clrMapOvr>
+</p:sld>
+</file>
+
+<file path=ppt/slides/slide5.xml><?xml version="1.0" encoding="utf-8"?>
+<p:sld xmlns:a="http://schemas.openxmlformats.org/drawingml/2006/main" xmlns:r="http://schemas.openxmlformats.org/officeDocument/2006/relationships" xmlns:p="http://schemas.openxmlformats.org/presentationml/2006/main">
+  <p:cSld>
     <p:bg>
       <p:bgPr>
         <a:solidFill>
@@ -9846,13 +16977,8 @@
             <a:pPr algn="ctr"/>
             <a:r>
               <a:rPr lang="en-US" sz="1050" i="1" dirty="0" smtClean="0"/>
-              <a:t>Soil layer </a:t>
-            </a:r>
-            <a:r>
-              <a:rPr lang="en-US" sz="1050" i="1" dirty="0" smtClean="0"/>
-              <a:t>S</a:t>
-            </a:r>
-            <a:endParaRPr lang="en-US" sz="1050" i="1" dirty="0" smtClean="0"/>
+              <a:t>Soil layer S</a:t>
+            </a:r>
           </a:p>
         </p:txBody>
       </p:sp>
@@ -10068,14 +17194,7 @@
                 <a:latin typeface="Times New Roman" panose="02020603050405020304" pitchFamily="18" charset="0"/>
                 <a:ea typeface="MS Mincho"/>
               </a:rPr>
-              <a:t>, </a:t>
-            </a:r>
-            <a:r>
-              <a:rPr lang="en-GB" sz="1200" i="1" baseline="-25000" dirty="0" smtClean="0">
-                <a:latin typeface="Times New Roman" panose="02020603050405020304" pitchFamily="18" charset="0"/>
-                <a:ea typeface="MS Mincho"/>
-              </a:rPr>
-              <a:t>S</a:t>
+              <a:t>, S</a:t>
             </a:r>
             <a:endParaRPr lang="es-ES" sz="1200" i="1" dirty="0"/>
           </a:p>
@@ -10293,14 +17412,7 @@
                 <a:latin typeface="Times New Roman" panose="02020603050405020304" pitchFamily="18" charset="0"/>
                 <a:ea typeface="MS Mincho"/>
               </a:rPr>
-              <a:t>soil, </a:t>
-            </a:r>
-            <a:r>
-              <a:rPr lang="en-GB" sz="1200" i="1" baseline="-25000" dirty="0" smtClean="0">
-                <a:latin typeface="Times New Roman" panose="02020603050405020304" pitchFamily="18" charset="0"/>
-                <a:ea typeface="MS Mincho"/>
-              </a:rPr>
-              <a:t>S</a:t>
+              <a:t>soil, S</a:t>
             </a:r>
             <a:endParaRPr lang="es-ES" sz="1200" i="1" dirty="0"/>
           </a:p>
@@ -12602,14 +19714,7 @@
                 <a:latin typeface="Times New Roman" panose="02020603050405020304" pitchFamily="18" charset="0"/>
                 <a:ea typeface="MS Mincho"/>
               </a:rPr>
-              <a:t>stem, </a:t>
-            </a:r>
-            <a:r>
-              <a:rPr lang="en-GB" sz="1100" i="1" baseline="-25000" dirty="0" smtClean="0">
-                <a:latin typeface="Times New Roman" panose="02020603050405020304" pitchFamily="18" charset="0"/>
-                <a:ea typeface="MS Mincho"/>
-              </a:rPr>
-              <a:t>N</a:t>
+              <a:t>stem, N</a:t>
             </a:r>
             <a:endParaRPr lang="es-ES" sz="1100" dirty="0"/>
           </a:p>
@@ -12928,16 +20033,7 @@
                 <a:cs typeface="Times New Roman" panose="02020603050405020304" pitchFamily="18" charset="0"/>
                 <a:sym typeface="Symbol" panose="05050102010706020507" pitchFamily="18" charset="2"/>
               </a:rPr>
-              <a:t></a:t>
-            </a:r>
-            <a:r>
-              <a:rPr lang="en-GB" sz="1050" dirty="0" smtClean="0">
-                <a:latin typeface="Times New Roman" panose="02020603050405020304" pitchFamily="18" charset="0"/>
-                <a:ea typeface="MS Mincho"/>
-                <a:cs typeface="Times New Roman" panose="02020603050405020304" pitchFamily="18" charset="0"/>
-                <a:sym typeface="Symbol" panose="05050102010706020507" pitchFamily="18" charset="2"/>
-              </a:rPr>
-              <a:t>S</a:t>
+              <a:t>S</a:t>
             </a:r>
             <a:r>
               <a:rPr lang="en-GB" sz="1050" i="1" baseline="-25000" dirty="0" smtClean="0">
@@ -13268,7 +20364,7 @@
 </p:sld>
 </file>
 
-<file path=ppt/slides/slide4.xml><?xml version="1.0" encoding="utf-8"?>
+<file path=ppt/slides/slide6.xml><?xml version="1.0" encoding="utf-8"?>
 <p:sld xmlns:a="http://schemas.openxmlformats.org/drawingml/2006/main" xmlns:r="http://schemas.openxmlformats.org/officeDocument/2006/relationships" xmlns:p="http://schemas.openxmlformats.org/presentationml/2006/main">
   <p:cSld>
     <p:bg>
@@ -14313,15 +21409,7 @@
                 <a:ea typeface="MS Mincho"/>
                 <a:cs typeface="Times New Roman" panose="02020603050405020304" pitchFamily="18" charset="0"/>
               </a:rPr>
-              <a:t>, </a:t>
-            </a:r>
-            <a:r>
-              <a:rPr lang="en-GB" sz="1050" i="1" baseline="-25000" dirty="0" smtClean="0">
-                <a:latin typeface="Times New Roman" panose="02020603050405020304" pitchFamily="18" charset="0"/>
-                <a:ea typeface="MS Mincho"/>
-                <a:cs typeface="Times New Roman" panose="02020603050405020304" pitchFamily="18" charset="0"/>
-              </a:rPr>
-              <a:t>N</a:t>
+              <a:t>, N</a:t>
             </a:r>
             <a:endParaRPr lang="es-ES" sz="1050" i="1" baseline="-25000" dirty="0">
               <a:latin typeface="Times New Roman" panose="02020603050405020304" pitchFamily="18" charset="0"/>

--- a/Hydraulics.pptx
+++ b/Hydraulics.pptx
@@ -248,7 +248,7 @@
           <a:p>
             <a:fld id="{9DC3C411-F96B-413D-814B-89EB0AAF7601}" type="datetimeFigureOut">
               <a:rPr lang="en-US" smtClean="0"/>
-              <a:t>7/6/2019</a:t>
+              <a:t>7/8/2019</a:t>
             </a:fld>
             <a:endParaRPr lang="en-US"/>
           </a:p>
@@ -418,7 +418,7 @@
           <a:p>
             <a:fld id="{9DC3C411-F96B-413D-814B-89EB0AAF7601}" type="datetimeFigureOut">
               <a:rPr lang="en-US" smtClean="0"/>
-              <a:t>7/6/2019</a:t>
+              <a:t>7/8/2019</a:t>
             </a:fld>
             <a:endParaRPr lang="en-US"/>
           </a:p>
@@ -598,7 +598,7 @@
           <a:p>
             <a:fld id="{9DC3C411-F96B-413D-814B-89EB0AAF7601}" type="datetimeFigureOut">
               <a:rPr lang="en-US" smtClean="0"/>
-              <a:t>7/6/2019</a:t>
+              <a:t>7/8/2019</a:t>
             </a:fld>
             <a:endParaRPr lang="en-US"/>
           </a:p>
@@ -768,7 +768,7 @@
           <a:p>
             <a:fld id="{9DC3C411-F96B-413D-814B-89EB0AAF7601}" type="datetimeFigureOut">
               <a:rPr lang="en-US" smtClean="0"/>
-              <a:t>7/6/2019</a:t>
+              <a:t>7/8/2019</a:t>
             </a:fld>
             <a:endParaRPr lang="en-US"/>
           </a:p>
@@ -1012,7 +1012,7 @@
           <a:p>
             <a:fld id="{9DC3C411-F96B-413D-814B-89EB0AAF7601}" type="datetimeFigureOut">
               <a:rPr lang="en-US" smtClean="0"/>
-              <a:t>7/6/2019</a:t>
+              <a:t>7/8/2019</a:t>
             </a:fld>
             <a:endParaRPr lang="en-US"/>
           </a:p>
@@ -1244,7 +1244,7 @@
           <a:p>
             <a:fld id="{9DC3C411-F96B-413D-814B-89EB0AAF7601}" type="datetimeFigureOut">
               <a:rPr lang="en-US" smtClean="0"/>
-              <a:t>7/6/2019</a:t>
+              <a:t>7/8/2019</a:t>
             </a:fld>
             <a:endParaRPr lang="en-US"/>
           </a:p>
@@ -1611,7 +1611,7 @@
           <a:p>
             <a:fld id="{9DC3C411-F96B-413D-814B-89EB0AAF7601}" type="datetimeFigureOut">
               <a:rPr lang="en-US" smtClean="0"/>
-              <a:t>7/6/2019</a:t>
+              <a:t>7/8/2019</a:t>
             </a:fld>
             <a:endParaRPr lang="en-US"/>
           </a:p>
@@ -1729,7 +1729,7 @@
           <a:p>
             <a:fld id="{9DC3C411-F96B-413D-814B-89EB0AAF7601}" type="datetimeFigureOut">
               <a:rPr lang="en-US" smtClean="0"/>
-              <a:t>7/6/2019</a:t>
+              <a:t>7/8/2019</a:t>
             </a:fld>
             <a:endParaRPr lang="en-US"/>
           </a:p>
@@ -1824,7 +1824,7 @@
           <a:p>
             <a:fld id="{9DC3C411-F96B-413D-814B-89EB0AAF7601}" type="datetimeFigureOut">
               <a:rPr lang="en-US" smtClean="0"/>
-              <a:t>7/6/2019</a:t>
+              <a:t>7/8/2019</a:t>
             </a:fld>
             <a:endParaRPr lang="en-US"/>
           </a:p>
@@ -2101,7 +2101,7 @@
           <a:p>
             <a:fld id="{9DC3C411-F96B-413D-814B-89EB0AAF7601}" type="datetimeFigureOut">
               <a:rPr lang="en-US" smtClean="0"/>
-              <a:t>7/6/2019</a:t>
+              <a:t>7/8/2019</a:t>
             </a:fld>
             <a:endParaRPr lang="en-US"/>
           </a:p>
@@ -2358,7 +2358,7 @@
           <a:p>
             <a:fld id="{9DC3C411-F96B-413D-814B-89EB0AAF7601}" type="datetimeFigureOut">
               <a:rPr lang="en-US" smtClean="0"/>
-              <a:t>7/6/2019</a:t>
+              <a:t>7/8/2019</a:t>
             </a:fld>
             <a:endParaRPr lang="en-US"/>
           </a:p>
@@ -2571,7 +2571,7 @@
           <a:p>
             <a:fld id="{9DC3C411-F96B-413D-814B-89EB0AAF7601}" type="datetimeFigureOut">
               <a:rPr lang="en-US" smtClean="0"/>
-              <a:t>7/6/2019</a:t>
+              <a:t>7/8/2019</a:t>
             </a:fld>
             <a:endParaRPr lang="en-US"/>
           </a:p>
@@ -11607,14 +11607,7 @@
                 <a:latin typeface="Times New Roman" panose="02020603050405020304" pitchFamily="18" charset="0"/>
                 <a:ea typeface="MS Mincho"/>
               </a:rPr>
-              <a:t>stem, </a:t>
-            </a:r>
-            <a:r>
-              <a:rPr lang="en-GB" sz="1100" i="1" baseline="-25000" dirty="0" smtClean="0">
-                <a:latin typeface="Times New Roman" panose="02020603050405020304" pitchFamily="18" charset="0"/>
-                <a:ea typeface="MS Mincho"/>
-              </a:rPr>
-              <a:t>2</a:t>
+              <a:t>stem, 2</a:t>
             </a:r>
             <a:endParaRPr lang="es-ES" sz="1100" dirty="0"/>
           </a:p>
@@ -12493,7 +12486,7 @@
         </p:nvSpPr>
         <p:spPr>
           <a:xfrm>
-            <a:off x="3298733" y="934751"/>
+            <a:off x="3336511" y="936172"/>
             <a:ext cx="3627995" cy="4554035"/>
           </a:xfrm>
           <a:prstGeom prst="rect">
@@ -12539,8 +12532,8 @@
         </p:nvSpPr>
         <p:spPr>
           <a:xfrm>
-            <a:off x="4725543" y="2111281"/>
-            <a:ext cx="605712" cy="1270413"/>
+            <a:off x="3764060" y="2384397"/>
+            <a:ext cx="1560572" cy="802543"/>
           </a:xfrm>
           <a:prstGeom prst="rect">
             <a:avLst/>
@@ -12581,20 +12574,20 @@
         <p:nvCxnSpPr>
           <p:cNvPr id="7" name="Conector recto de flecha 6"/>
           <p:cNvCxnSpPr>
-            <a:stCxn id="80" idx="4"/>
+            <a:stCxn id="87" idx="4"/>
             <a:endCxn id="10" idx="4"/>
           </p:cNvCxnSpPr>
           <p:nvPr/>
         </p:nvCxnSpPr>
         <p:spPr>
           <a:xfrm>
-            <a:off x="4112591" y="2858508"/>
-            <a:ext cx="1173" cy="1011567"/>
+            <a:off x="4109014" y="2826777"/>
+            <a:ext cx="4750" cy="1043298"/>
           </a:xfrm>
           <a:prstGeom prst="straightConnector1">
             <a:avLst/>
           </a:prstGeom>
-          <a:ln w="9525">
+          <a:ln w="12700">
             <a:solidFill>
               <a:schemeClr val="tx1"/>
             </a:solidFill>
@@ -12720,7 +12713,7 @@
           <a:prstGeom prst="straightConnector1">
             <a:avLst/>
           </a:prstGeom>
-          <a:ln w="9525">
+          <a:ln w="12700">
             <a:solidFill>
               <a:schemeClr val="tx1"/>
             </a:solidFill>
@@ -12845,7 +12838,7 @@
           <a:prstGeom prst="straightConnector1">
             <a:avLst/>
           </a:prstGeom>
-          <a:ln w="9525">
+          <a:ln w="12700">
             <a:solidFill>
               <a:schemeClr val="tx1"/>
             </a:solidFill>
@@ -12970,7 +12963,7 @@
           <a:prstGeom prst="straightConnector1">
             <a:avLst/>
           </a:prstGeom>
-          <a:ln w="9525">
+          <a:ln w="12700">
             <a:solidFill>
               <a:schemeClr val="tx1"/>
             </a:solidFill>
@@ -13399,7 +13392,7 @@
           <a:prstGeom prst="straightConnector1">
             <a:avLst/>
           </a:prstGeom>
-          <a:ln w="9525">
+          <a:ln w="12700">
             <a:solidFill>
               <a:schemeClr val="tx1"/>
             </a:solidFill>
@@ -13647,7 +13640,7 @@
           <a:prstGeom prst="bentConnector2">
             <a:avLst/>
           </a:prstGeom>
-          <a:ln w="9525">
+          <a:ln w="12700">
             <a:solidFill>
               <a:schemeClr val="tx1"/>
             </a:solidFill>
@@ -14876,40 +14869,6 @@
       </p:grpSp>
       <p:sp>
         <p:nvSpPr>
-          <p:cNvPr id="127" name="Rectángulo 126"/>
-          <p:cNvSpPr/>
-          <p:nvPr/>
-        </p:nvSpPr>
-        <p:spPr>
-          <a:xfrm>
-            <a:off x="3980724" y="989377"/>
-            <a:ext cx="279244" cy="276999"/>
-          </a:xfrm>
-          <a:prstGeom prst="rect">
-            <a:avLst/>
-          </a:prstGeom>
-        </p:spPr>
-        <p:txBody>
-          <a:bodyPr wrap="none">
-            <a:spAutoFit/>
-          </a:bodyPr>
-          <a:lstStyle/>
-          <a:p>
-            <a:r>
-              <a:rPr lang="en-GB" sz="1200" i="1" dirty="0" smtClean="0">
-                <a:latin typeface="Times New Roman" panose="02020603050405020304" pitchFamily="18" charset="0"/>
-                <a:ea typeface="MS Mincho"/>
-                <a:cs typeface="Times New Roman" panose="02020603050405020304" pitchFamily="18" charset="0"/>
-                <a:sym typeface="Symbol" panose="05050102010706020507" pitchFamily="18" charset="2"/>
-              </a:rPr>
-              <a:t>E</a:t>
-            </a:r>
-            <a:endParaRPr lang="es-ES" sz="1200" i="1" dirty="0"/>
-          </a:p>
-        </p:txBody>
-      </p:sp>
-      <p:sp>
-        <p:nvSpPr>
           <p:cNvPr id="64" name="Rectángulo 63"/>
           <p:cNvSpPr/>
           <p:nvPr/>
@@ -14943,14 +14902,7 @@
                 <a:latin typeface="Times New Roman" panose="02020603050405020304" pitchFamily="18" charset="0"/>
                 <a:ea typeface="MS Mincho"/>
               </a:rPr>
-              <a:t>stem, </a:t>
-            </a:r>
-            <a:r>
-              <a:rPr lang="en-GB" sz="1100" i="1" baseline="-25000" dirty="0" smtClean="0">
-                <a:latin typeface="Times New Roman" panose="02020603050405020304" pitchFamily="18" charset="0"/>
-                <a:ea typeface="MS Mincho"/>
-              </a:rPr>
-              <a:t>2</a:t>
+              <a:t>stem, 2</a:t>
             </a:r>
             <a:endParaRPr lang="es-ES" sz="1100" dirty="0"/>
           </a:p>
@@ -14964,7 +14916,7 @@
         </p:nvSpPr>
         <p:spPr>
           <a:xfrm>
-            <a:off x="4210434" y="2656509"/>
+            <a:off x="4096412" y="2615729"/>
             <a:ext cx="1120820" cy="261610"/>
           </a:xfrm>
           <a:prstGeom prst="rect">
@@ -15045,49 +14997,6 @@
           </a:p>
         </p:txBody>
       </p:sp>
-      <p:sp>
-        <p:nvSpPr>
-          <p:cNvPr id="80" name="Elipse 79"/>
-          <p:cNvSpPr/>
-          <p:nvPr/>
-        </p:nvSpPr>
-        <p:spPr>
-          <a:xfrm>
-            <a:off x="4066317" y="2755034"/>
-            <a:ext cx="92547" cy="103474"/>
-          </a:xfrm>
-          <a:prstGeom prst="ellipse">
-            <a:avLst/>
-          </a:prstGeom>
-          <a:solidFill>
-            <a:schemeClr val="bg2"/>
-          </a:solidFill>
-        </p:spPr>
-        <p:style>
-          <a:lnRef idx="2">
-            <a:schemeClr val="accent1">
-              <a:shade val="50000"/>
-            </a:schemeClr>
-          </a:lnRef>
-          <a:fillRef idx="1">
-            <a:schemeClr val="accent1"/>
-          </a:fillRef>
-          <a:effectRef idx="0">
-            <a:schemeClr val="accent1"/>
-          </a:effectRef>
-          <a:fontRef idx="minor">
-            <a:schemeClr val="lt1"/>
-          </a:fontRef>
-        </p:style>
-        <p:txBody>
-          <a:bodyPr rtlCol="0" anchor="ctr"/>
-          <a:lstStyle/>
-          <a:p>
-            <a:pPr algn="ctr"/>
-            <a:endParaRPr lang="es-ES"/>
-          </a:p>
-        </p:txBody>
-      </p:sp>
       <p:grpSp>
         <p:nvGrpSpPr>
           <p:cNvPr id="81" name="Grupo 80"/>
@@ -15096,7 +15005,7 @@
         </p:nvGrpSpPr>
         <p:grpSpPr>
           <a:xfrm>
-            <a:off x="4064668" y="3181265"/>
+            <a:off x="4064668" y="3254742"/>
             <a:ext cx="85827" cy="194077"/>
             <a:chOff x="4444518" y="2422566"/>
             <a:chExt cx="85827" cy="194077"/>
@@ -15328,7 +15237,7 @@
         </p:nvSpPr>
         <p:spPr>
           <a:xfrm>
-            <a:off x="5710709" y="1347478"/>
+            <a:off x="5743490" y="1372789"/>
             <a:ext cx="732699" cy="253916"/>
           </a:xfrm>
           <a:prstGeom prst="rect">
@@ -15378,15 +15287,7 @@
                 <a:ea typeface="MS Mincho"/>
                 <a:cs typeface="Times New Roman" panose="02020603050405020304" pitchFamily="18" charset="0"/>
               </a:rPr>
-              <a:t>, </a:t>
-            </a:r>
-            <a:r>
-              <a:rPr lang="en-GB" sz="1050" i="1" baseline="-25000" dirty="0" smtClean="0">
-                <a:latin typeface="Times New Roman" panose="02020603050405020304" pitchFamily="18" charset="0"/>
-                <a:ea typeface="MS Mincho"/>
-                <a:cs typeface="Times New Roman" panose="02020603050405020304" pitchFamily="18" charset="0"/>
-              </a:rPr>
-              <a:t>leaf</a:t>
+              <a:t>, leaf</a:t>
             </a:r>
             <a:endParaRPr lang="es-ES" sz="1050" i="1" baseline="-25000" dirty="0">
               <a:latin typeface="Times New Roman" panose="02020603050405020304" pitchFamily="18" charset="0"/>
@@ -15404,8 +15305,8 @@
         </p:nvSpPr>
         <p:spPr>
           <a:xfrm>
-            <a:off x="5732332" y="2105884"/>
-            <a:ext cx="710257" cy="1277273"/>
+            <a:off x="5747537" y="2368135"/>
+            <a:ext cx="710257" cy="823302"/>
           </a:xfrm>
           <a:prstGeom prst="rect">
             <a:avLst/>
@@ -15431,7 +15332,7 @@
           <a:lstStyle/>
           <a:p>
             <a:pPr algn="ctr"/>
-            <a:endParaRPr lang="en-GB" sz="1050" dirty="0" smtClean="0">
+            <a:endParaRPr lang="en-GB" sz="800" dirty="0">
               <a:latin typeface="Times New Roman" panose="02020603050405020304" pitchFamily="18" charset="0"/>
               <a:ea typeface="MS Mincho"/>
               <a:cs typeface="Times New Roman" panose="02020603050405020304" pitchFamily="18" charset="0"/>
@@ -15440,16 +15341,7 @@
           </a:p>
           <a:p>
             <a:pPr algn="ctr"/>
-            <a:endParaRPr lang="en-GB" sz="1050" dirty="0" smtClean="0">
-              <a:latin typeface="Times New Roman" panose="02020603050405020304" pitchFamily="18" charset="0"/>
-              <a:ea typeface="MS Mincho"/>
-              <a:cs typeface="Times New Roman" panose="02020603050405020304" pitchFamily="18" charset="0"/>
-              <a:sym typeface="Symbol" panose="05050102010706020507" pitchFamily="18" charset="2"/>
-            </a:endParaRPr>
-          </a:p>
-          <a:p>
-            <a:pPr algn="ctr"/>
-            <a:endParaRPr lang="en-GB" sz="1050" dirty="0">
+            <a:endParaRPr lang="en-GB" sz="800" dirty="0" smtClean="0">
               <a:latin typeface="Times New Roman" panose="02020603050405020304" pitchFamily="18" charset="0"/>
               <a:ea typeface="MS Mincho"/>
               <a:cs typeface="Times New Roman" panose="02020603050405020304" pitchFamily="18" charset="0"/>
@@ -15491,31 +15383,10 @@
               </a:rPr>
               <a:t>stem</a:t>
             </a:r>
-            <a:endParaRPr lang="en-GB" sz="1050" baseline="-25000" dirty="0" smtClean="0">
-              <a:latin typeface="Times New Roman" panose="02020603050405020304" pitchFamily="18" charset="0"/>
-              <a:ea typeface="MS Mincho"/>
-              <a:cs typeface="Times New Roman" panose="02020603050405020304" pitchFamily="18" charset="0"/>
-            </a:endParaRPr>
-          </a:p>
-          <a:p>
-            <a:pPr algn="ctr"/>
-            <a:endParaRPr lang="en-GB" sz="1050" baseline="-25000" dirty="0">
-              <a:latin typeface="Times New Roman" panose="02020603050405020304" pitchFamily="18" charset="0"/>
-              <a:ea typeface="MS Mincho"/>
-              <a:cs typeface="Times New Roman" panose="02020603050405020304" pitchFamily="18" charset="0"/>
-            </a:endParaRPr>
           </a:p>
           <a:p>
             <a:pPr algn="ctr"/>
             <a:endParaRPr lang="en-GB" sz="1050" baseline="-25000" dirty="0" smtClean="0">
-              <a:latin typeface="Times New Roman" panose="02020603050405020304" pitchFamily="18" charset="0"/>
-              <a:ea typeface="MS Mincho"/>
-              <a:cs typeface="Times New Roman" panose="02020603050405020304" pitchFamily="18" charset="0"/>
-            </a:endParaRPr>
-          </a:p>
-          <a:p>
-            <a:pPr algn="ctr"/>
-            <a:endParaRPr lang="en-GB" sz="1050" baseline="-25000" dirty="0">
               <a:latin typeface="Times New Roman" panose="02020603050405020304" pitchFamily="18" charset="0"/>
               <a:ea typeface="MS Mincho"/>
               <a:cs typeface="Times New Roman" panose="02020603050405020304" pitchFamily="18" charset="0"/>
@@ -15550,8 +15421,8 @@
         </p:nvCxnSpPr>
         <p:spPr>
           <a:xfrm flipV="1">
-            <a:off x="5331255" y="2744521"/>
-            <a:ext cx="401077" cy="1967"/>
+            <a:off x="5324632" y="2779786"/>
+            <a:ext cx="422905" cy="5883"/>
           </a:xfrm>
           <a:prstGeom prst="straightConnector1">
             <a:avLst/>
@@ -15589,9 +15460,9 @@
           <p:nvPr/>
         </p:nvCxnSpPr>
         <p:spPr>
-          <a:xfrm flipH="1" flipV="1">
-            <a:off x="6077059" y="1601394"/>
-            <a:ext cx="10402" cy="504490"/>
+          <a:xfrm flipV="1">
+            <a:off x="6102666" y="1626705"/>
+            <a:ext cx="7174" cy="741430"/>
           </a:xfrm>
           <a:prstGeom prst="straightConnector1">
             <a:avLst/>
@@ -15627,8 +15498,8 @@
         </p:nvSpPr>
         <p:spPr>
           <a:xfrm>
-            <a:off x="6065159" y="1670860"/>
-            <a:ext cx="578989" cy="261610"/>
+            <a:off x="6077058" y="1875043"/>
+            <a:ext cx="578989" cy="253916"/>
           </a:xfrm>
           <a:prstGeom prst="rect">
             <a:avLst/>
@@ -15647,7 +15518,7 @@
                 <a:cs typeface="Times New Roman" panose="02020603050405020304" pitchFamily="18" charset="0"/>
                 <a:sym typeface="Symbol" panose="05050102010706020507" pitchFamily="18" charset="2"/>
               </a:rPr>
-              <a:t>k</a:t>
+              <a:t>F</a:t>
             </a:r>
             <a:r>
               <a:rPr lang="en-GB" sz="1050" i="1" baseline="-25000" dirty="0" err="1" smtClean="0">
@@ -15656,7 +15527,7 @@
                 <a:cs typeface="Times New Roman" panose="02020603050405020304" pitchFamily="18" charset="0"/>
                 <a:sym typeface="Symbol" panose="05050102010706020507" pitchFamily="18" charset="2"/>
               </a:rPr>
-              <a:t>symp,ver</a:t>
+              <a:t>ver</a:t>
             </a:r>
             <a:endParaRPr lang="es-ES" sz="1050" i="1" baseline="-25000" dirty="0"/>
           </a:p>
@@ -15671,7 +15542,7 @@
         <p:spPr>
           <a:xfrm>
             <a:off x="5385534" y="2470735"/>
-            <a:ext cx="350309" cy="261610"/>
+            <a:ext cx="429072" cy="253916"/>
           </a:xfrm>
           <a:prstGeom prst="rect">
             <a:avLst/>
@@ -15684,16 +15555,16 @@
           <a:lstStyle/>
           <a:p>
             <a:r>
-              <a:rPr lang="en-GB" sz="1050" i="1" dirty="0" err="1" smtClean="0">
+              <a:rPr lang="en-GB" sz="1050" i="1" dirty="0" smtClean="0">
                 <a:latin typeface="Times New Roman" panose="02020603050405020304" pitchFamily="18" charset="0"/>
                 <a:ea typeface="MS Mincho"/>
                 <a:cs typeface="Times New Roman" panose="02020603050405020304" pitchFamily="18" charset="0"/>
                 <a:sym typeface="Symbol" panose="05050102010706020507" pitchFamily="18" charset="2"/>
               </a:rPr>
-              <a:t>k</a:t>
-            </a:r>
-            <a:r>
-              <a:rPr lang="en-GB" sz="1050" i="1" baseline="-25000" dirty="0" err="1" smtClean="0">
+              <a:t>F</a:t>
+            </a:r>
+            <a:r>
+              <a:rPr lang="en-GB" sz="1050" i="1" baseline="-25000" dirty="0" smtClean="0">
                 <a:latin typeface="Times New Roman" panose="02020603050405020304" pitchFamily="18" charset="0"/>
                 <a:ea typeface="MS Mincho"/>
                 <a:cs typeface="Times New Roman" panose="02020603050405020304" pitchFamily="18" charset="0"/>
@@ -15708,20 +15579,22 @@
       <p:cxnSp>
         <p:nvCxnSpPr>
           <p:cNvPr id="86" name="Conector recto de flecha 85"/>
-          <p:cNvCxnSpPr/>
+          <p:cNvCxnSpPr>
+            <a:stCxn id="87" idx="0"/>
+          </p:cNvCxnSpPr>
           <p:nvPr/>
         </p:nvCxnSpPr>
         <p:spPr>
           <a:xfrm flipH="1" flipV="1">
-            <a:off x="4105438" y="1195264"/>
-            <a:ext cx="6236" cy="1568039"/>
+            <a:off x="4105439" y="1195266"/>
+            <a:ext cx="3575" cy="1528037"/>
           </a:xfrm>
           <a:prstGeom prst="straightConnector1">
             <a:avLst/>
           </a:prstGeom>
-          <a:ln>
+          <a:ln w="12700">
             <a:solidFill>
-              <a:schemeClr val="tx1"/>
+              <a:srgbClr val="C00000"/>
             </a:solidFill>
             <a:headEnd type="none"/>
             <a:tailEnd type="triangle"/>
@@ -15750,7 +15623,7 @@
         </p:nvSpPr>
         <p:spPr>
           <a:xfrm>
-            <a:off x="4066317" y="1909302"/>
+            <a:off x="4066317" y="1950123"/>
             <a:ext cx="92547" cy="103474"/>
           </a:xfrm>
           <a:prstGeom prst="ellipse">
@@ -15793,7 +15666,7 @@
         </p:nvGrpSpPr>
         <p:grpSpPr>
           <a:xfrm>
-            <a:off x="4066305" y="2297176"/>
+            <a:off x="4065250" y="2133609"/>
             <a:ext cx="85827" cy="194077"/>
             <a:chOff x="4444518" y="2422566"/>
             <a:chExt cx="85827" cy="194077"/>
@@ -16175,7 +16048,7 @@
         </p:nvSpPr>
         <p:spPr>
           <a:xfrm>
-            <a:off x="4073432" y="1431625"/>
+            <a:off x="4065268" y="1398969"/>
             <a:ext cx="92547" cy="103474"/>
           </a:xfrm>
           <a:prstGeom prst="ellipse">
@@ -16207,6 +16080,135 @@
           <a:p>
             <a:pPr algn="ctr"/>
             <a:endParaRPr lang="es-ES"/>
+          </a:p>
+        </p:txBody>
+      </p:sp>
+      <p:sp>
+        <p:nvSpPr>
+          <p:cNvPr id="87" name="Elipse 86"/>
+          <p:cNvSpPr/>
+          <p:nvPr/>
+        </p:nvSpPr>
+        <p:spPr>
+          <a:xfrm>
+            <a:off x="4062740" y="2723303"/>
+            <a:ext cx="92547" cy="103474"/>
+          </a:xfrm>
+          <a:prstGeom prst="ellipse">
+            <a:avLst/>
+          </a:prstGeom>
+          <a:solidFill>
+            <a:schemeClr val="bg2"/>
+          </a:solidFill>
+        </p:spPr>
+        <p:style>
+          <a:lnRef idx="2">
+            <a:schemeClr val="accent1">
+              <a:shade val="50000"/>
+            </a:schemeClr>
+          </a:lnRef>
+          <a:fillRef idx="1">
+            <a:schemeClr val="accent1"/>
+          </a:fillRef>
+          <a:effectRef idx="0">
+            <a:schemeClr val="accent1"/>
+          </a:effectRef>
+          <a:fontRef idx="minor">
+            <a:schemeClr val="lt1"/>
+          </a:fontRef>
+        </p:style>
+        <p:txBody>
+          <a:bodyPr rtlCol="0" anchor="ctr"/>
+          <a:lstStyle/>
+          <a:p>
+            <a:pPr algn="ctr"/>
+            <a:endParaRPr lang="es-ES" dirty="0"/>
+          </a:p>
+        </p:txBody>
+      </p:sp>
+      <p:sp>
+        <p:nvSpPr>
+          <p:cNvPr id="98" name="Rectángulo 97"/>
+          <p:cNvSpPr/>
+          <p:nvPr/>
+        </p:nvSpPr>
+        <p:spPr>
+          <a:xfrm>
+            <a:off x="4101706" y="2875269"/>
+            <a:ext cx="606977" cy="253916"/>
+          </a:xfrm>
+          <a:prstGeom prst="rect">
+            <a:avLst/>
+          </a:prstGeom>
+        </p:spPr>
+        <p:txBody>
+          <a:bodyPr wrap="square">
+            <a:spAutoFit/>
+          </a:bodyPr>
+          <a:lstStyle/>
+          <a:p>
+            <a:r>
+              <a:rPr lang="en-GB" sz="1050" i="1" dirty="0" err="1" smtClean="0">
+                <a:latin typeface="Times New Roman" panose="02020603050405020304" pitchFamily="18" charset="0"/>
+                <a:ea typeface="MS Mincho"/>
+                <a:cs typeface="Times New Roman" panose="02020603050405020304" pitchFamily="18" charset="0"/>
+                <a:sym typeface="Symbol" panose="05050102010706020507" pitchFamily="18" charset="2"/>
+              </a:rPr>
+              <a:t>E</a:t>
+            </a:r>
+            <a:r>
+              <a:rPr lang="en-GB" sz="1050" i="1" baseline="-25000" dirty="0" err="1" smtClean="0">
+                <a:latin typeface="Times New Roman" panose="02020603050405020304" pitchFamily="18" charset="0"/>
+                <a:ea typeface="MS Mincho"/>
+                <a:cs typeface="Times New Roman" panose="02020603050405020304" pitchFamily="18" charset="0"/>
+                <a:sym typeface="Symbol" panose="05050102010706020507" pitchFamily="18" charset="2"/>
+              </a:rPr>
+              <a:t>stem,in</a:t>
+            </a:r>
+            <a:endParaRPr lang="es-ES" sz="1050" i="1" baseline="-25000" dirty="0"/>
+          </a:p>
+        </p:txBody>
+      </p:sp>
+      <p:sp>
+        <p:nvSpPr>
+          <p:cNvPr id="104" name="Rectángulo 103"/>
+          <p:cNvSpPr/>
+          <p:nvPr/>
+        </p:nvSpPr>
+        <p:spPr>
+          <a:xfrm>
+            <a:off x="4124507" y="1103161"/>
+            <a:ext cx="606977" cy="253916"/>
+          </a:xfrm>
+          <a:prstGeom prst="rect">
+            <a:avLst/>
+          </a:prstGeom>
+        </p:spPr>
+        <p:txBody>
+          <a:bodyPr wrap="square">
+            <a:spAutoFit/>
+          </a:bodyPr>
+          <a:lstStyle/>
+          <a:p>
+            <a:r>
+              <a:rPr lang="en-GB" sz="1050" i="1" dirty="0" err="1" smtClean="0">
+                <a:latin typeface="Times New Roman" panose="02020603050405020304" pitchFamily="18" charset="0"/>
+                <a:ea typeface="MS Mincho"/>
+                <a:cs typeface="Times New Roman" panose="02020603050405020304" pitchFamily="18" charset="0"/>
+                <a:sym typeface="Symbol" panose="05050102010706020507" pitchFamily="18" charset="2"/>
+              </a:rPr>
+              <a:t>E</a:t>
+            </a:r>
+            <a:r>
+              <a:rPr lang="en-GB" sz="1050" i="1" baseline="-25000" dirty="0" err="1" smtClean="0">
+                <a:latin typeface="Times New Roman" panose="02020603050405020304" pitchFamily="18" charset="0"/>
+                <a:ea typeface="MS Mincho"/>
+                <a:cs typeface="Times New Roman" panose="02020603050405020304" pitchFamily="18" charset="0"/>
+                <a:sym typeface="Symbol" panose="05050102010706020507" pitchFamily="18" charset="2"/>
+              </a:rPr>
+              <a:t>stem,out</a:t>
+            </a:r>
+            <a:endParaRPr lang="es-ES" sz="1050" i="1" baseline="-25000" dirty="0"/>
           </a:p>
         </p:txBody>
       </p:sp>

--- a/Hydraulics.pptx
+++ b/Hydraulics.pptx
@@ -248,7 +248,7 @@
           <a:p>
             <a:fld id="{9DC3C411-F96B-413D-814B-89EB0AAF7601}" type="datetimeFigureOut">
               <a:rPr lang="en-US" smtClean="0"/>
-              <a:t>7/8/2019</a:t>
+              <a:t>7/9/2019</a:t>
             </a:fld>
             <a:endParaRPr lang="en-US"/>
           </a:p>
@@ -418,7 +418,7 @@
           <a:p>
             <a:fld id="{9DC3C411-F96B-413D-814B-89EB0AAF7601}" type="datetimeFigureOut">
               <a:rPr lang="en-US" smtClean="0"/>
-              <a:t>7/8/2019</a:t>
+              <a:t>7/9/2019</a:t>
             </a:fld>
             <a:endParaRPr lang="en-US"/>
           </a:p>
@@ -598,7 +598,7 @@
           <a:p>
             <a:fld id="{9DC3C411-F96B-413D-814B-89EB0AAF7601}" type="datetimeFigureOut">
               <a:rPr lang="en-US" smtClean="0"/>
-              <a:t>7/8/2019</a:t>
+              <a:t>7/9/2019</a:t>
             </a:fld>
             <a:endParaRPr lang="en-US"/>
           </a:p>
@@ -768,7 +768,7 @@
           <a:p>
             <a:fld id="{9DC3C411-F96B-413D-814B-89EB0AAF7601}" type="datetimeFigureOut">
               <a:rPr lang="en-US" smtClean="0"/>
-              <a:t>7/8/2019</a:t>
+              <a:t>7/9/2019</a:t>
             </a:fld>
             <a:endParaRPr lang="en-US"/>
           </a:p>
@@ -1012,7 +1012,7 @@
           <a:p>
             <a:fld id="{9DC3C411-F96B-413D-814B-89EB0AAF7601}" type="datetimeFigureOut">
               <a:rPr lang="en-US" smtClean="0"/>
-              <a:t>7/8/2019</a:t>
+              <a:t>7/9/2019</a:t>
             </a:fld>
             <a:endParaRPr lang="en-US"/>
           </a:p>
@@ -1244,7 +1244,7 @@
           <a:p>
             <a:fld id="{9DC3C411-F96B-413D-814B-89EB0AAF7601}" type="datetimeFigureOut">
               <a:rPr lang="en-US" smtClean="0"/>
-              <a:t>7/8/2019</a:t>
+              <a:t>7/9/2019</a:t>
             </a:fld>
             <a:endParaRPr lang="en-US"/>
           </a:p>
@@ -1611,7 +1611,7 @@
           <a:p>
             <a:fld id="{9DC3C411-F96B-413D-814B-89EB0AAF7601}" type="datetimeFigureOut">
               <a:rPr lang="en-US" smtClean="0"/>
-              <a:t>7/8/2019</a:t>
+              <a:t>7/9/2019</a:t>
             </a:fld>
             <a:endParaRPr lang="en-US"/>
           </a:p>
@@ -1729,7 +1729,7 @@
           <a:p>
             <a:fld id="{9DC3C411-F96B-413D-814B-89EB0AAF7601}" type="datetimeFigureOut">
               <a:rPr lang="en-US" smtClean="0"/>
-              <a:t>7/8/2019</a:t>
+              <a:t>7/9/2019</a:t>
             </a:fld>
             <a:endParaRPr lang="en-US"/>
           </a:p>
@@ -1824,7 +1824,7 @@
           <a:p>
             <a:fld id="{9DC3C411-F96B-413D-814B-89EB0AAF7601}" type="datetimeFigureOut">
               <a:rPr lang="en-US" smtClean="0"/>
-              <a:t>7/8/2019</a:t>
+              <a:t>7/9/2019</a:t>
             </a:fld>
             <a:endParaRPr lang="en-US"/>
           </a:p>
@@ -2101,7 +2101,7 @@
           <a:p>
             <a:fld id="{9DC3C411-F96B-413D-814B-89EB0AAF7601}" type="datetimeFigureOut">
               <a:rPr lang="en-US" smtClean="0"/>
-              <a:t>7/8/2019</a:t>
+              <a:t>7/9/2019</a:t>
             </a:fld>
             <a:endParaRPr lang="en-US"/>
           </a:p>
@@ -2358,7 +2358,7 @@
           <a:p>
             <a:fld id="{9DC3C411-F96B-413D-814B-89EB0AAF7601}" type="datetimeFigureOut">
               <a:rPr lang="en-US" smtClean="0"/>
-              <a:t>7/8/2019</a:t>
+              <a:t>7/9/2019</a:t>
             </a:fld>
             <a:endParaRPr lang="en-US"/>
           </a:p>
@@ -2571,7 +2571,7 @@
           <a:p>
             <a:fld id="{9DC3C411-F96B-413D-814B-89EB0AAF7601}" type="datetimeFigureOut">
               <a:rPr lang="en-US" smtClean="0"/>
-              <a:t>7/8/2019</a:t>
+              <a:t>7/9/2019</a:t>
             </a:fld>
             <a:endParaRPr lang="en-US"/>
           </a:p>
@@ -12533,7 +12533,7 @@
         <p:spPr>
           <a:xfrm>
             <a:off x="3764060" y="2384397"/>
-            <a:ext cx="1560572" cy="802543"/>
+            <a:ext cx="1453172" cy="802543"/>
           </a:xfrm>
           <a:prstGeom prst="rect">
             <a:avLst/>
@@ -15373,15 +15373,7 @@
                 <a:ea typeface="MS Mincho"/>
                 <a:cs typeface="Times New Roman" panose="02020603050405020304" pitchFamily="18" charset="0"/>
               </a:rPr>
-              <a:t>, </a:t>
-            </a:r>
-            <a:r>
-              <a:rPr lang="en-GB" sz="1050" baseline="-25000" dirty="0" smtClean="0">
-                <a:latin typeface="Times New Roman" panose="02020603050405020304" pitchFamily="18" charset="0"/>
-                <a:ea typeface="MS Mincho"/>
-                <a:cs typeface="Times New Roman" panose="02020603050405020304" pitchFamily="18" charset="0"/>
-              </a:rPr>
-              <a:t>stem</a:t>
+              <a:t>, stem</a:t>
             </a:r>
           </a:p>
           <a:p>
@@ -15421,8 +15413,8 @@
         </p:nvCxnSpPr>
         <p:spPr>
           <a:xfrm flipV="1">
-            <a:off x="5324632" y="2779786"/>
-            <a:ext cx="422905" cy="5883"/>
+            <a:off x="5217232" y="2779786"/>
+            <a:ext cx="530305" cy="5883"/>
           </a:xfrm>
           <a:prstGeom prst="straightConnector1">
             <a:avLst/>
@@ -15541,8 +15533,8 @@
         </p:nvSpPr>
         <p:spPr>
           <a:xfrm>
-            <a:off x="5385534" y="2470735"/>
-            <a:ext cx="429072" cy="253916"/>
+            <a:off x="5204901" y="2488133"/>
+            <a:ext cx="626965" cy="253916"/>
           </a:xfrm>
           <a:prstGeom prst="rect">
             <a:avLst/>
@@ -15570,7 +15562,7 @@
                 <a:cs typeface="Times New Roman" panose="02020603050405020304" pitchFamily="18" charset="0"/>
                 <a:sym typeface="Symbol" panose="05050102010706020507" pitchFamily="18" charset="2"/>
               </a:rPr>
-              <a:t>lat</a:t>
+              <a:t>lat, stem</a:t>
             </a:r>
             <a:endParaRPr lang="es-ES" sz="1050" i="1" baseline="-25000" dirty="0"/>
           </a:p>
@@ -16177,7 +16169,7 @@
         </p:nvSpPr>
         <p:spPr>
           <a:xfrm>
-            <a:off x="4124507" y="1103161"/>
+            <a:off x="4165082" y="1358875"/>
             <a:ext cx="606977" cy="253916"/>
           </a:xfrm>
           <a:prstGeom prst="rect">
@@ -16207,6 +16199,86 @@
                 <a:sym typeface="Symbol" panose="05050102010706020507" pitchFamily="18" charset="2"/>
               </a:rPr>
               <a:t>stem,out</a:t>
+            </a:r>
+            <a:endParaRPr lang="es-ES" sz="1050" i="1" baseline="-25000" dirty="0"/>
+          </a:p>
+        </p:txBody>
+      </p:sp>
+      <p:cxnSp>
+        <p:nvCxnSpPr>
+          <p:cNvPr id="80" name="Conector recto de flecha 79"/>
+          <p:cNvCxnSpPr/>
+          <p:nvPr/>
+        </p:nvCxnSpPr>
+        <p:spPr>
+          <a:xfrm>
+            <a:off x="4792834" y="1485833"/>
+            <a:ext cx="939162" cy="0"/>
+          </a:xfrm>
+          <a:prstGeom prst="straightConnector1">
+            <a:avLst/>
+          </a:prstGeom>
+          <a:ln>
+            <a:solidFill>
+              <a:schemeClr val="tx1"/>
+            </a:solidFill>
+            <a:headEnd type="triangle"/>
+            <a:tailEnd type="triangle"/>
+          </a:ln>
+        </p:spPr>
+        <p:style>
+          <a:lnRef idx="1">
+            <a:schemeClr val="accent1"/>
+          </a:lnRef>
+          <a:fillRef idx="0">
+            <a:schemeClr val="accent1"/>
+          </a:fillRef>
+          <a:effectRef idx="0">
+            <a:schemeClr val="accent1"/>
+          </a:effectRef>
+          <a:fontRef idx="minor">
+            <a:schemeClr val="tx1"/>
+          </a:fontRef>
+        </p:style>
+      </p:cxnSp>
+      <p:sp>
+        <p:nvSpPr>
+          <p:cNvPr id="90" name="Rectángulo 89"/>
+          <p:cNvSpPr/>
+          <p:nvPr/>
+        </p:nvSpPr>
+        <p:spPr>
+          <a:xfrm>
+            <a:off x="4997908" y="1210819"/>
+            <a:ext cx="626965" cy="253916"/>
+          </a:xfrm>
+          <a:prstGeom prst="rect">
+            <a:avLst/>
+          </a:prstGeom>
+        </p:spPr>
+        <p:txBody>
+          <a:bodyPr wrap="square">
+            <a:spAutoFit/>
+          </a:bodyPr>
+          <a:lstStyle/>
+          <a:p>
+            <a:r>
+              <a:rPr lang="en-GB" sz="1050" i="1" dirty="0" smtClean="0">
+                <a:latin typeface="Times New Roman" panose="02020603050405020304" pitchFamily="18" charset="0"/>
+                <a:ea typeface="MS Mincho"/>
+                <a:cs typeface="Times New Roman" panose="02020603050405020304" pitchFamily="18" charset="0"/>
+                <a:sym typeface="Symbol" panose="05050102010706020507" pitchFamily="18" charset="2"/>
+              </a:rPr>
+              <a:t>F</a:t>
+            </a:r>
+            <a:r>
+              <a:rPr lang="en-GB" sz="1050" i="1" baseline="-25000" dirty="0" smtClean="0">
+                <a:latin typeface="Times New Roman" panose="02020603050405020304" pitchFamily="18" charset="0"/>
+                <a:ea typeface="MS Mincho"/>
+                <a:cs typeface="Times New Roman" panose="02020603050405020304" pitchFamily="18" charset="0"/>
+                <a:sym typeface="Symbol" panose="05050102010706020507" pitchFamily="18" charset="2"/>
+              </a:rPr>
+              <a:t>lat, leaf</a:t>
             </a:r>
             <a:endParaRPr lang="es-ES" sz="1050" i="1" baseline="-25000" dirty="0"/>
           </a:p>

--- a/Hydraulics.pptx
+++ b/Hydraulics.pptx
@@ -9,8 +9,9 @@
     <p:sldId id="257" r:id="rId3"/>
     <p:sldId id="258" r:id="rId4"/>
     <p:sldId id="259" r:id="rId5"/>
-    <p:sldId id="260" r:id="rId6"/>
-    <p:sldId id="261" r:id="rId7"/>
+    <p:sldId id="262" r:id="rId6"/>
+    <p:sldId id="260" r:id="rId7"/>
+    <p:sldId id="261" r:id="rId8"/>
   </p:sldIdLst>
   <p:sldSz cx="9144000" cy="6858000" type="screen4x3"/>
   <p:notesSz cx="7559675" cy="10691813"/>
@@ -109,6 +110,11 @@
       </a:defRPr>
     </a:lvl9pPr>
   </p:defaultTextStyle>
+  <p:extLst>
+    <p:ext uri="{EFAFB233-063F-42B5-8137-9DF3F51BA10A}">
+      <p15:sldGuideLst xmlns:p15="http://schemas.microsoft.com/office/powerpoint/2012/main"/>
+    </p:ext>
+  </p:extLst>
 </p:presentation>
 </file>
 
@@ -1668,7 +1674,7 @@
                 </a:solidFill>
                 <a:latin typeface="Calibri"/>
               </a:rPr>
-              <a:t>25/7/2019</a:t>
+              <a:t>27/8/2019</a:t>
             </a:fld>
             <a:endParaRPr lang="ca-ES" sz="1200" b="0" strike="noStrike" spc="-1">
               <a:latin typeface="Times New Roman"/>
@@ -15353,6 +15359,7014 @@
 <file path=ppt/slides/slide5.xml><?xml version="1.0" encoding="utf-8"?>
 <p:sld xmlns:a="http://schemas.openxmlformats.org/drawingml/2006/main" xmlns:r="http://schemas.openxmlformats.org/officeDocument/2006/relationships" xmlns:p="http://schemas.openxmlformats.org/presentationml/2006/main">
   <p:cSld>
+    <p:spTree>
+      <p:nvGrpSpPr>
+        <p:cNvPr id="1" name=""/>
+        <p:cNvGrpSpPr/>
+        <p:nvPr/>
+      </p:nvGrpSpPr>
+      <p:grpSpPr>
+        <a:xfrm>
+          <a:off x="0" y="0"/>
+          <a:ext cx="0" cy="0"/>
+          <a:chOff x="0" y="0"/>
+          <a:chExt cx="0" cy="0"/>
+        </a:xfrm>
+      </p:grpSpPr>
+      <p:sp>
+        <p:nvSpPr>
+          <p:cNvPr id="228" name="CustomShape 1"/>
+          <p:cNvSpPr/>
+          <p:nvPr/>
+        </p:nvSpPr>
+        <p:spPr>
+          <a:xfrm>
+            <a:off x="1551240" y="929520"/>
+            <a:ext cx="3508200" cy="4659480"/>
+          </a:xfrm>
+          <a:prstGeom prst="rect">
+            <a:avLst/>
+          </a:prstGeom>
+          <a:solidFill>
+            <a:schemeClr val="bg1"/>
+          </a:solidFill>
+          <a:ln>
+            <a:noFill/>
+          </a:ln>
+        </p:spPr>
+        <p:style>
+          <a:lnRef idx="2">
+            <a:schemeClr val="accent1">
+              <a:shade val="50000"/>
+            </a:schemeClr>
+          </a:lnRef>
+          <a:fillRef idx="1">
+            <a:schemeClr val="accent1"/>
+          </a:fillRef>
+          <a:effectRef idx="0">
+            <a:schemeClr val="accent1"/>
+          </a:effectRef>
+          <a:fontRef idx="minor"/>
+        </p:style>
+      </p:sp>
+      <p:pic>
+        <p:nvPicPr>
+          <p:cNvPr id="229" name="Picture 2"/>
+          <p:cNvPicPr/>
+          <p:nvPr/>
+        </p:nvPicPr>
+        <p:blipFill>
+          <a:blip r:embed="rId2"/>
+          <a:stretch/>
+        </p:blipFill>
+        <p:spPr>
+          <a:xfrm>
+            <a:off x="160966" y="1323000"/>
+            <a:ext cx="2954520" cy="4093200"/>
+          </a:xfrm>
+          <a:prstGeom prst="rect">
+            <a:avLst/>
+          </a:prstGeom>
+          <a:ln>
+            <a:noFill/>
+          </a:ln>
+        </p:spPr>
+      </p:pic>
+      <p:sp>
+        <p:nvSpPr>
+          <p:cNvPr id="230" name="CustomShape 2"/>
+          <p:cNvSpPr/>
+          <p:nvPr/>
+        </p:nvSpPr>
+        <p:spPr>
+          <a:xfrm>
+            <a:off x="1939006" y="936000"/>
+            <a:ext cx="3627720" cy="4553640"/>
+          </a:xfrm>
+          <a:prstGeom prst="rect">
+            <a:avLst/>
+          </a:prstGeom>
+          <a:solidFill>
+            <a:schemeClr val="bg1"/>
+          </a:solidFill>
+          <a:ln>
+            <a:noFill/>
+          </a:ln>
+        </p:spPr>
+        <p:style>
+          <a:lnRef idx="2">
+            <a:schemeClr val="accent1">
+              <a:shade val="50000"/>
+            </a:schemeClr>
+          </a:lnRef>
+          <a:fillRef idx="1">
+            <a:schemeClr val="accent1"/>
+          </a:fillRef>
+          <a:effectRef idx="0">
+            <a:schemeClr val="accent1"/>
+          </a:effectRef>
+          <a:fontRef idx="minor"/>
+        </p:style>
+      </p:sp>
+      <p:sp>
+        <p:nvSpPr>
+          <p:cNvPr id="84" name="CustomShape 3"/>
+          <p:cNvSpPr/>
+          <p:nvPr/>
+        </p:nvSpPr>
+        <p:spPr>
+          <a:xfrm>
+            <a:off x="5727484" y="1324316"/>
+            <a:ext cx="45719" cy="4009996"/>
+          </a:xfrm>
+          <a:custGeom>
+            <a:avLst/>
+            <a:gdLst/>
+            <a:ahLst/>
+            <a:cxnLst/>
+            <a:rect l="l" t="t" r="r" b="b"/>
+            <a:pathLst>
+              <a:path w="21600" h="21600">
+                <a:moveTo>
+                  <a:pt x="0" y="0"/>
+                </a:moveTo>
+                <a:lnTo>
+                  <a:pt x="21600" y="21600"/>
+                </a:lnTo>
+              </a:path>
+            </a:pathLst>
+          </a:custGeom>
+          <a:noFill/>
+          <a:ln w="15875">
+            <a:solidFill>
+              <a:srgbClr val="C00000"/>
+            </a:solidFill>
+            <a:headEnd type="triangle" w="med" len="med"/>
+          </a:ln>
+        </p:spPr>
+        <p:style>
+          <a:lnRef idx="1">
+            <a:schemeClr val="accent1"/>
+          </a:lnRef>
+          <a:fillRef idx="0">
+            <a:schemeClr val="accent1"/>
+          </a:fillRef>
+          <a:effectRef idx="0">
+            <a:schemeClr val="accent1"/>
+          </a:effectRef>
+          <a:fontRef idx="minor"/>
+        </p:style>
+      </p:sp>
+      <p:sp>
+        <p:nvSpPr>
+          <p:cNvPr id="231" name="CustomShape 3"/>
+          <p:cNvSpPr/>
+          <p:nvPr/>
+        </p:nvSpPr>
+        <p:spPr>
+          <a:xfrm>
+            <a:off x="5574636" y="2660196"/>
+            <a:ext cx="607057" cy="539154"/>
+          </a:xfrm>
+          <a:prstGeom prst="rect">
+            <a:avLst/>
+          </a:prstGeom>
+          <a:solidFill>
+            <a:schemeClr val="accent1">
+              <a:lumMod val="20000"/>
+              <a:lumOff val="80000"/>
+            </a:schemeClr>
+          </a:solidFill>
+          <a:ln/>
+        </p:spPr>
+        <p:style>
+          <a:lnRef idx="2">
+            <a:schemeClr val="accent1">
+              <a:shade val="50000"/>
+            </a:schemeClr>
+          </a:lnRef>
+          <a:fillRef idx="1">
+            <a:schemeClr val="accent1"/>
+          </a:fillRef>
+          <a:effectRef idx="0">
+            <a:schemeClr val="accent1"/>
+          </a:effectRef>
+          <a:fontRef idx="minor"/>
+        </p:style>
+      </p:sp>
+      <p:sp>
+        <p:nvSpPr>
+          <p:cNvPr id="233" name="CustomShape 5"/>
+          <p:cNvSpPr/>
+          <p:nvPr/>
+        </p:nvSpPr>
+        <p:spPr>
+          <a:xfrm>
+            <a:off x="5955969" y="4105092"/>
+            <a:ext cx="162360" cy="204480"/>
+          </a:xfrm>
+          <a:prstGeom prst="ellipse">
+            <a:avLst/>
+          </a:prstGeom>
+          <a:solidFill>
+            <a:schemeClr val="bg2"/>
+          </a:solidFill>
+          <a:ln/>
+        </p:spPr>
+        <p:style>
+          <a:lnRef idx="2">
+            <a:schemeClr val="accent1">
+              <a:shade val="50000"/>
+            </a:schemeClr>
+          </a:lnRef>
+          <a:fillRef idx="1">
+            <a:schemeClr val="accent1"/>
+          </a:fillRef>
+          <a:effectRef idx="0">
+            <a:schemeClr val="accent1"/>
+          </a:effectRef>
+          <a:fontRef idx="minor"/>
+        </p:style>
+      </p:sp>
+      <p:sp>
+        <p:nvSpPr>
+          <p:cNvPr id="234" name="CustomShape 6"/>
+          <p:cNvSpPr/>
+          <p:nvPr/>
+        </p:nvSpPr>
+        <p:spPr>
+          <a:xfrm>
+            <a:off x="7555449" y="4105092"/>
+            <a:ext cx="162360" cy="204480"/>
+          </a:xfrm>
+          <a:prstGeom prst="ellipse">
+            <a:avLst/>
+          </a:prstGeom>
+          <a:solidFill>
+            <a:schemeClr val="bg2"/>
+          </a:solidFill>
+          <a:ln/>
+        </p:spPr>
+        <p:style>
+          <a:lnRef idx="2">
+            <a:schemeClr val="accent1">
+              <a:shade val="50000"/>
+            </a:schemeClr>
+          </a:lnRef>
+          <a:fillRef idx="1">
+            <a:schemeClr val="accent1"/>
+          </a:fillRef>
+          <a:effectRef idx="0">
+            <a:schemeClr val="accent1"/>
+          </a:effectRef>
+          <a:fontRef idx="minor"/>
+        </p:style>
+      </p:sp>
+      <p:sp>
+        <p:nvSpPr>
+          <p:cNvPr id="235" name="CustomShape 7"/>
+          <p:cNvSpPr/>
+          <p:nvPr/>
+        </p:nvSpPr>
+        <p:spPr>
+          <a:xfrm flipH="1">
+            <a:off x="6118689" y="4207692"/>
+            <a:ext cx="1436400" cy="360"/>
+          </a:xfrm>
+          <a:custGeom>
+            <a:avLst/>
+            <a:gdLst/>
+            <a:ahLst/>
+            <a:cxnLst/>
+            <a:rect l="l" t="t" r="r" b="b"/>
+            <a:pathLst>
+              <a:path w="21600" h="21600">
+                <a:moveTo>
+                  <a:pt x="0" y="0"/>
+                </a:moveTo>
+                <a:lnTo>
+                  <a:pt x="21600" y="21600"/>
+                </a:lnTo>
+              </a:path>
+            </a:pathLst>
+          </a:custGeom>
+          <a:noFill/>
+          <a:ln w="15875">
+            <a:solidFill>
+              <a:schemeClr val="tx1"/>
+            </a:solidFill>
+          </a:ln>
+        </p:spPr>
+        <p:style>
+          <a:lnRef idx="1">
+            <a:schemeClr val="accent1"/>
+          </a:lnRef>
+          <a:fillRef idx="0">
+            <a:schemeClr val="accent1"/>
+          </a:fillRef>
+          <a:effectRef idx="0">
+            <a:schemeClr val="accent1"/>
+          </a:effectRef>
+          <a:fontRef idx="minor"/>
+        </p:style>
+      </p:sp>
+      <p:sp>
+        <p:nvSpPr>
+          <p:cNvPr id="236" name="CustomShape 8"/>
+          <p:cNvSpPr/>
+          <p:nvPr/>
+        </p:nvSpPr>
+        <p:spPr>
+          <a:xfrm>
+            <a:off x="6762729" y="4115172"/>
+            <a:ext cx="162360" cy="204480"/>
+          </a:xfrm>
+          <a:prstGeom prst="ellipse">
+            <a:avLst/>
+          </a:prstGeom>
+          <a:solidFill>
+            <a:schemeClr val="bg2"/>
+          </a:solidFill>
+          <a:ln/>
+        </p:spPr>
+        <p:style>
+          <a:lnRef idx="2">
+            <a:schemeClr val="accent1">
+              <a:shade val="50000"/>
+            </a:schemeClr>
+          </a:lnRef>
+          <a:fillRef idx="1">
+            <a:schemeClr val="accent1"/>
+          </a:fillRef>
+          <a:effectRef idx="0">
+            <a:schemeClr val="accent1"/>
+          </a:effectRef>
+          <a:fontRef idx="minor"/>
+        </p:style>
+      </p:sp>
+      <p:sp>
+        <p:nvSpPr>
+          <p:cNvPr id="237" name="CustomShape 9"/>
+          <p:cNvSpPr/>
+          <p:nvPr/>
+        </p:nvSpPr>
+        <p:spPr>
+          <a:xfrm>
+            <a:off x="7575609" y="4578492"/>
+            <a:ext cx="162360" cy="204480"/>
+          </a:xfrm>
+          <a:prstGeom prst="ellipse">
+            <a:avLst/>
+          </a:prstGeom>
+          <a:solidFill>
+            <a:schemeClr val="bg2"/>
+          </a:solidFill>
+          <a:ln/>
+        </p:spPr>
+        <p:style>
+          <a:lnRef idx="2">
+            <a:schemeClr val="accent1">
+              <a:shade val="50000"/>
+            </a:schemeClr>
+          </a:lnRef>
+          <a:fillRef idx="1">
+            <a:schemeClr val="accent1"/>
+          </a:fillRef>
+          <a:effectRef idx="0">
+            <a:schemeClr val="accent1"/>
+          </a:effectRef>
+          <a:fontRef idx="minor"/>
+        </p:style>
+      </p:sp>
+      <p:sp>
+        <p:nvSpPr>
+          <p:cNvPr id="238" name="CustomShape 10"/>
+          <p:cNvSpPr/>
+          <p:nvPr/>
+        </p:nvSpPr>
+        <p:spPr>
+          <a:xfrm flipH="1">
+            <a:off x="6429369" y="4680732"/>
+            <a:ext cx="1145160" cy="13680"/>
+          </a:xfrm>
+          <a:custGeom>
+            <a:avLst/>
+            <a:gdLst/>
+            <a:ahLst/>
+            <a:cxnLst/>
+            <a:rect l="l" t="t" r="r" b="b"/>
+            <a:pathLst>
+              <a:path w="21600" h="21600">
+                <a:moveTo>
+                  <a:pt x="0" y="0"/>
+                </a:moveTo>
+                <a:lnTo>
+                  <a:pt x="21600" y="21600"/>
+                </a:lnTo>
+              </a:path>
+            </a:pathLst>
+          </a:custGeom>
+          <a:noFill/>
+          <a:ln w="15875">
+            <a:solidFill>
+              <a:schemeClr val="tx1"/>
+            </a:solidFill>
+          </a:ln>
+        </p:spPr>
+        <p:style>
+          <a:lnRef idx="1">
+            <a:schemeClr val="accent1"/>
+          </a:lnRef>
+          <a:fillRef idx="0">
+            <a:schemeClr val="accent1"/>
+          </a:fillRef>
+          <a:effectRef idx="0">
+            <a:schemeClr val="accent1"/>
+          </a:effectRef>
+          <a:fontRef idx="minor"/>
+        </p:style>
+      </p:sp>
+      <p:sp>
+        <p:nvSpPr>
+          <p:cNvPr id="239" name="CustomShape 11"/>
+          <p:cNvSpPr/>
+          <p:nvPr/>
+        </p:nvSpPr>
+        <p:spPr>
+          <a:xfrm>
+            <a:off x="6782889" y="4588212"/>
+            <a:ext cx="162360" cy="204480"/>
+          </a:xfrm>
+          <a:prstGeom prst="ellipse">
+            <a:avLst/>
+          </a:prstGeom>
+          <a:solidFill>
+            <a:schemeClr val="bg2"/>
+          </a:solidFill>
+          <a:ln/>
+        </p:spPr>
+        <p:style>
+          <a:lnRef idx="2">
+            <a:schemeClr val="accent1">
+              <a:shade val="50000"/>
+            </a:schemeClr>
+          </a:lnRef>
+          <a:fillRef idx="1">
+            <a:schemeClr val="accent1"/>
+          </a:fillRef>
+          <a:effectRef idx="0">
+            <a:schemeClr val="accent1"/>
+          </a:effectRef>
+          <a:fontRef idx="minor"/>
+        </p:style>
+      </p:sp>
+      <p:sp>
+        <p:nvSpPr>
+          <p:cNvPr id="240" name="CustomShape 12"/>
+          <p:cNvSpPr/>
+          <p:nvPr/>
+        </p:nvSpPr>
+        <p:spPr>
+          <a:xfrm>
+            <a:off x="7575609" y="5191212"/>
+            <a:ext cx="162360" cy="204480"/>
+          </a:xfrm>
+          <a:prstGeom prst="ellipse">
+            <a:avLst/>
+          </a:prstGeom>
+          <a:solidFill>
+            <a:schemeClr val="bg2"/>
+          </a:solidFill>
+          <a:ln/>
+        </p:spPr>
+        <p:style>
+          <a:lnRef idx="2">
+            <a:schemeClr val="accent1">
+              <a:shade val="50000"/>
+            </a:schemeClr>
+          </a:lnRef>
+          <a:fillRef idx="1">
+            <a:schemeClr val="accent1"/>
+          </a:fillRef>
+          <a:effectRef idx="0">
+            <a:schemeClr val="accent1"/>
+          </a:effectRef>
+          <a:fontRef idx="minor"/>
+        </p:style>
+      </p:sp>
+      <p:sp>
+        <p:nvSpPr>
+          <p:cNvPr id="241" name="CustomShape 13"/>
+          <p:cNvSpPr/>
+          <p:nvPr/>
+        </p:nvSpPr>
+        <p:spPr>
+          <a:xfrm flipH="1">
+            <a:off x="6428289" y="5293452"/>
+            <a:ext cx="1146960" cy="9000"/>
+          </a:xfrm>
+          <a:custGeom>
+            <a:avLst/>
+            <a:gdLst/>
+            <a:ahLst/>
+            <a:cxnLst/>
+            <a:rect l="l" t="t" r="r" b="b"/>
+            <a:pathLst>
+              <a:path w="21600" h="21600">
+                <a:moveTo>
+                  <a:pt x="0" y="0"/>
+                </a:moveTo>
+                <a:lnTo>
+                  <a:pt x="21600" y="21600"/>
+                </a:lnTo>
+              </a:path>
+            </a:pathLst>
+          </a:custGeom>
+          <a:noFill/>
+          <a:ln w="15875">
+            <a:solidFill>
+              <a:schemeClr val="tx1"/>
+            </a:solidFill>
+          </a:ln>
+        </p:spPr>
+        <p:style>
+          <a:lnRef idx="1">
+            <a:schemeClr val="accent1"/>
+          </a:lnRef>
+          <a:fillRef idx="0">
+            <a:schemeClr val="accent1"/>
+          </a:fillRef>
+          <a:effectRef idx="0">
+            <a:schemeClr val="accent1"/>
+          </a:effectRef>
+          <a:fontRef idx="minor"/>
+        </p:style>
+      </p:sp>
+      <p:sp>
+        <p:nvSpPr>
+          <p:cNvPr id="242" name="CustomShape 14"/>
+          <p:cNvSpPr/>
+          <p:nvPr/>
+        </p:nvSpPr>
+        <p:spPr>
+          <a:xfrm>
+            <a:off x="6782889" y="5200932"/>
+            <a:ext cx="162360" cy="204480"/>
+          </a:xfrm>
+          <a:prstGeom prst="ellipse">
+            <a:avLst/>
+          </a:prstGeom>
+          <a:solidFill>
+            <a:schemeClr val="bg2"/>
+          </a:solidFill>
+          <a:ln/>
+        </p:spPr>
+        <p:style>
+          <a:lnRef idx="2">
+            <a:schemeClr val="accent1">
+              <a:shade val="50000"/>
+            </a:schemeClr>
+          </a:lnRef>
+          <a:fillRef idx="1">
+            <a:schemeClr val="accent1"/>
+          </a:fillRef>
+          <a:effectRef idx="0">
+            <a:schemeClr val="accent1"/>
+          </a:effectRef>
+          <a:fontRef idx="minor"/>
+        </p:style>
+      </p:sp>
+      <p:sp>
+        <p:nvSpPr>
+          <p:cNvPr id="243" name="CustomShape 15"/>
+          <p:cNvSpPr/>
+          <p:nvPr/>
+        </p:nvSpPr>
+        <p:spPr>
+          <a:xfrm>
+            <a:off x="7871889" y="4025172"/>
+            <a:ext cx="978120" cy="250200"/>
+          </a:xfrm>
+          <a:prstGeom prst="rect">
+            <a:avLst/>
+          </a:prstGeom>
+          <a:noFill/>
+          <a:ln>
+            <a:noFill/>
+          </a:ln>
+        </p:spPr>
+        <p:style>
+          <a:lnRef idx="0">
+            <a:scrgbClr r="0" g="0" b="0"/>
+          </a:lnRef>
+          <a:fillRef idx="0">
+            <a:scrgbClr r="0" g="0" b="0"/>
+          </a:fillRef>
+          <a:effectRef idx="0">
+            <a:scrgbClr r="0" g="0" b="0"/>
+          </a:effectRef>
+          <a:fontRef idx="minor"/>
+        </p:style>
+        <p:txBody>
+          <a:bodyPr lIns="90000" tIns="45000" rIns="90000" bIns="45000"/>
+          <a:lstStyle/>
+          <a:p>
+            <a:pPr algn="ctr">
+              <a:lnSpc>
+                <a:spcPct val="100000"/>
+              </a:lnSpc>
+            </a:pPr>
+            <a:r>
+              <a:rPr lang="ca-ES" sz="1050" b="0" i="1" strike="noStrike" spc="-1">
+                <a:solidFill>
+                  <a:srgbClr val="000000"/>
+                </a:solidFill>
+                <a:latin typeface="Calibri"/>
+              </a:rPr>
+              <a:t>Soil layer </a:t>
+            </a:r>
+            <a:r>
+              <a:rPr lang="ca-ES" sz="1050" b="0" strike="noStrike" spc="-1">
+                <a:solidFill>
+                  <a:srgbClr val="000000"/>
+                </a:solidFill>
+                <a:latin typeface="Calibri"/>
+              </a:rPr>
+              <a:t>1</a:t>
+            </a:r>
+            <a:endParaRPr lang="ca-ES" sz="1050" b="0" strike="noStrike" spc="-1">
+              <a:latin typeface="Arial"/>
+            </a:endParaRPr>
+          </a:p>
+        </p:txBody>
+      </p:sp>
+      <p:sp>
+        <p:nvSpPr>
+          <p:cNvPr id="244" name="CustomShape 16"/>
+          <p:cNvSpPr/>
+          <p:nvPr/>
+        </p:nvSpPr>
+        <p:spPr>
+          <a:xfrm>
+            <a:off x="7885209" y="4548972"/>
+            <a:ext cx="978120" cy="250200"/>
+          </a:xfrm>
+          <a:prstGeom prst="rect">
+            <a:avLst/>
+          </a:prstGeom>
+          <a:noFill/>
+          <a:ln>
+            <a:noFill/>
+          </a:ln>
+        </p:spPr>
+        <p:style>
+          <a:lnRef idx="0">
+            <a:scrgbClr r="0" g="0" b="0"/>
+          </a:lnRef>
+          <a:fillRef idx="0">
+            <a:scrgbClr r="0" g="0" b="0"/>
+          </a:fillRef>
+          <a:effectRef idx="0">
+            <a:scrgbClr r="0" g="0" b="0"/>
+          </a:effectRef>
+          <a:fontRef idx="minor"/>
+        </p:style>
+        <p:txBody>
+          <a:bodyPr lIns="90000" tIns="45000" rIns="90000" bIns="45000"/>
+          <a:lstStyle/>
+          <a:p>
+            <a:pPr algn="ctr">
+              <a:lnSpc>
+                <a:spcPct val="100000"/>
+              </a:lnSpc>
+            </a:pPr>
+            <a:r>
+              <a:rPr lang="ca-ES" sz="1050" b="0" i="1" strike="noStrike" spc="-1">
+                <a:solidFill>
+                  <a:srgbClr val="000000"/>
+                </a:solidFill>
+                <a:latin typeface="Calibri"/>
+              </a:rPr>
+              <a:t>Soil layer </a:t>
+            </a:r>
+            <a:r>
+              <a:rPr lang="ca-ES" sz="1050" b="0" strike="noStrike" spc="-1">
+                <a:solidFill>
+                  <a:srgbClr val="000000"/>
+                </a:solidFill>
+                <a:latin typeface="Calibri"/>
+              </a:rPr>
+              <a:t>2</a:t>
+            </a:r>
+            <a:endParaRPr lang="ca-ES" sz="1050" b="0" strike="noStrike" spc="-1">
+              <a:latin typeface="Arial"/>
+            </a:endParaRPr>
+          </a:p>
+        </p:txBody>
+      </p:sp>
+      <p:sp>
+        <p:nvSpPr>
+          <p:cNvPr id="245" name="CustomShape 17"/>
+          <p:cNvSpPr/>
+          <p:nvPr/>
+        </p:nvSpPr>
+        <p:spPr>
+          <a:xfrm>
+            <a:off x="7909689" y="5213892"/>
+            <a:ext cx="978120" cy="250200"/>
+          </a:xfrm>
+          <a:prstGeom prst="rect">
+            <a:avLst/>
+          </a:prstGeom>
+          <a:noFill/>
+          <a:ln>
+            <a:noFill/>
+          </a:ln>
+        </p:spPr>
+        <p:style>
+          <a:lnRef idx="0">
+            <a:scrgbClr r="0" g="0" b="0"/>
+          </a:lnRef>
+          <a:fillRef idx="0">
+            <a:scrgbClr r="0" g="0" b="0"/>
+          </a:fillRef>
+          <a:effectRef idx="0">
+            <a:scrgbClr r="0" g="0" b="0"/>
+          </a:effectRef>
+          <a:fontRef idx="minor"/>
+        </p:style>
+        <p:txBody>
+          <a:bodyPr lIns="90000" tIns="45000" rIns="90000" bIns="45000"/>
+          <a:lstStyle/>
+          <a:p>
+            <a:pPr algn="ctr">
+              <a:lnSpc>
+                <a:spcPct val="100000"/>
+              </a:lnSpc>
+            </a:pPr>
+            <a:r>
+              <a:rPr lang="ca-ES" sz="1050" b="0" i="1" strike="noStrike" spc="-1">
+                <a:solidFill>
+                  <a:srgbClr val="000000"/>
+                </a:solidFill>
+                <a:latin typeface="Calibri"/>
+              </a:rPr>
+              <a:t>Soil layer S</a:t>
+            </a:r>
+            <a:endParaRPr lang="ca-ES" sz="1050" b="0" strike="noStrike" spc="-1">
+              <a:latin typeface="Arial"/>
+            </a:endParaRPr>
+          </a:p>
+        </p:txBody>
+      </p:sp>
+      <p:sp>
+        <p:nvSpPr>
+          <p:cNvPr id="246" name="CustomShape 18"/>
+          <p:cNvSpPr/>
+          <p:nvPr/>
+        </p:nvSpPr>
+        <p:spPr>
+          <a:xfrm rot="16200000">
+            <a:off x="1887390" y="2475726"/>
+            <a:ext cx="484560" cy="250200"/>
+          </a:xfrm>
+          <a:prstGeom prst="rect">
+            <a:avLst/>
+          </a:prstGeom>
+          <a:noFill/>
+          <a:ln>
+            <a:noFill/>
+          </a:ln>
+        </p:spPr>
+        <p:style>
+          <a:lnRef idx="0">
+            <a:scrgbClr r="0" g="0" b="0"/>
+          </a:lnRef>
+          <a:fillRef idx="0">
+            <a:scrgbClr r="0" g="0" b="0"/>
+          </a:fillRef>
+          <a:effectRef idx="0">
+            <a:scrgbClr r="0" g="0" b="0"/>
+          </a:effectRef>
+          <a:fontRef idx="minor"/>
+        </p:style>
+        <p:txBody>
+          <a:bodyPr lIns="90000" tIns="45000" rIns="90000" bIns="45000"/>
+          <a:lstStyle/>
+          <a:p>
+            <a:pPr algn="ctr">
+              <a:lnSpc>
+                <a:spcPct val="100000"/>
+              </a:lnSpc>
+            </a:pPr>
+            <a:r>
+              <a:rPr lang="ca-ES" sz="1050" b="0" i="1" strike="noStrike" spc="-1" dirty="0" err="1">
+                <a:solidFill>
+                  <a:srgbClr val="000000"/>
+                </a:solidFill>
+                <a:latin typeface="Calibri"/>
+              </a:rPr>
+              <a:t>Stem</a:t>
+            </a:r>
+            <a:endParaRPr lang="ca-ES" sz="1050" b="0" strike="noStrike" spc="-1" dirty="0">
+              <a:latin typeface="Arial"/>
+            </a:endParaRPr>
+          </a:p>
+        </p:txBody>
+      </p:sp>
+      <p:sp>
+        <p:nvSpPr>
+          <p:cNvPr id="247" name="CustomShape 19"/>
+          <p:cNvSpPr/>
+          <p:nvPr/>
+        </p:nvSpPr>
+        <p:spPr>
+          <a:xfrm>
+            <a:off x="6015009" y="5652732"/>
+            <a:ext cx="575280" cy="250200"/>
+          </a:xfrm>
+          <a:prstGeom prst="rect">
+            <a:avLst/>
+          </a:prstGeom>
+          <a:noFill/>
+          <a:ln>
+            <a:noFill/>
+          </a:ln>
+        </p:spPr>
+        <p:style>
+          <a:lnRef idx="0">
+            <a:scrgbClr r="0" g="0" b="0"/>
+          </a:lnRef>
+          <a:fillRef idx="0">
+            <a:scrgbClr r="0" g="0" b="0"/>
+          </a:fillRef>
+          <a:effectRef idx="0">
+            <a:scrgbClr r="0" g="0" b="0"/>
+          </a:effectRef>
+          <a:fontRef idx="minor"/>
+        </p:style>
+        <p:txBody>
+          <a:bodyPr lIns="90000" tIns="45000" rIns="90000" bIns="45000"/>
+          <a:lstStyle/>
+          <a:p>
+            <a:pPr algn="ctr">
+              <a:lnSpc>
+                <a:spcPct val="100000"/>
+              </a:lnSpc>
+            </a:pPr>
+            <a:r>
+              <a:rPr lang="ca-ES" sz="1050" b="0" i="1" strike="noStrike" spc="-1" dirty="0" err="1">
+                <a:solidFill>
+                  <a:srgbClr val="000000"/>
+                </a:solidFill>
+                <a:latin typeface="Calibri"/>
+              </a:rPr>
+              <a:t>Roots</a:t>
+            </a:r>
+            <a:endParaRPr lang="ca-ES" sz="1050" b="0" strike="noStrike" spc="-1" dirty="0">
+              <a:latin typeface="Arial"/>
+            </a:endParaRPr>
+          </a:p>
+        </p:txBody>
+      </p:sp>
+      <p:sp>
+        <p:nvSpPr>
+          <p:cNvPr id="248" name="CustomShape 20"/>
+          <p:cNvSpPr/>
+          <p:nvPr/>
+        </p:nvSpPr>
+        <p:spPr>
+          <a:xfrm>
+            <a:off x="6633849" y="5668572"/>
+            <a:ext cx="1477080" cy="250200"/>
+          </a:xfrm>
+          <a:prstGeom prst="rect">
+            <a:avLst/>
+          </a:prstGeom>
+          <a:noFill/>
+          <a:ln>
+            <a:noFill/>
+          </a:ln>
+        </p:spPr>
+        <p:style>
+          <a:lnRef idx="0">
+            <a:scrgbClr r="0" g="0" b="0"/>
+          </a:lnRef>
+          <a:fillRef idx="0">
+            <a:scrgbClr r="0" g="0" b="0"/>
+          </a:fillRef>
+          <a:effectRef idx="0">
+            <a:scrgbClr r="0" g="0" b="0"/>
+          </a:effectRef>
+          <a:fontRef idx="minor"/>
+        </p:style>
+        <p:txBody>
+          <a:bodyPr lIns="90000" tIns="45000" rIns="90000" bIns="45000"/>
+          <a:lstStyle/>
+          <a:p>
+            <a:pPr algn="ctr">
+              <a:lnSpc>
+                <a:spcPct val="100000"/>
+              </a:lnSpc>
+            </a:pPr>
+            <a:r>
+              <a:rPr lang="ca-ES" sz="1050" b="0" i="1" strike="noStrike" spc="-1">
+                <a:solidFill>
+                  <a:srgbClr val="000000"/>
+                </a:solidFill>
+                <a:latin typeface="Calibri"/>
+              </a:rPr>
+              <a:t>Rhizosphere</a:t>
+            </a:r>
+            <a:endParaRPr lang="ca-ES" sz="1050" b="0" strike="noStrike" spc="-1">
+              <a:latin typeface="Arial"/>
+            </a:endParaRPr>
+          </a:p>
+        </p:txBody>
+      </p:sp>
+      <p:sp>
+        <p:nvSpPr>
+          <p:cNvPr id="249" name="CustomShape 21"/>
+          <p:cNvSpPr/>
+          <p:nvPr/>
+        </p:nvSpPr>
+        <p:spPr>
+          <a:xfrm>
+            <a:off x="6608649" y="4281852"/>
+            <a:ext cx="673200" cy="297000"/>
+          </a:xfrm>
+          <a:prstGeom prst="rect">
+            <a:avLst/>
+          </a:prstGeom>
+          <a:noFill/>
+          <a:ln>
+            <a:noFill/>
+          </a:ln>
+        </p:spPr>
+        <p:style>
+          <a:lnRef idx="0">
+            <a:scrgbClr r="0" g="0" b="0"/>
+          </a:lnRef>
+          <a:fillRef idx="0">
+            <a:scrgbClr r="0" g="0" b="0"/>
+          </a:fillRef>
+          <a:effectRef idx="0">
+            <a:scrgbClr r="0" g="0" b="0"/>
+          </a:effectRef>
+          <a:fontRef idx="minor"/>
+        </p:style>
+        <p:txBody>
+          <a:bodyPr wrap="none" lIns="90000" tIns="45000" rIns="90000" bIns="45000"/>
+          <a:lstStyle/>
+          <a:p>
+            <a:pPr>
+              <a:lnSpc>
+                <a:spcPct val="100000"/>
+              </a:lnSpc>
+            </a:pPr>
+            <a:r>
+              <a:rPr lang="ca-ES" sz="1200" b="0" strike="noStrike" spc="-1">
+                <a:solidFill>
+                  <a:srgbClr val="000000"/>
+                </a:solidFill>
+                <a:latin typeface="Symbol"/>
+                <a:ea typeface="MS Mincho"/>
+              </a:rPr>
+              <a:t></a:t>
+            </a:r>
+            <a:r>
+              <a:rPr lang="ca-ES" sz="1200" b="0" i="1" strike="noStrike" spc="-1" baseline="-25000">
+                <a:solidFill>
+                  <a:srgbClr val="000000"/>
+                </a:solidFill>
+                <a:latin typeface="Times New Roman"/>
+                <a:ea typeface="MS Mincho"/>
+              </a:rPr>
+              <a:t>rootsurf, </a:t>
+            </a:r>
+            <a:r>
+              <a:rPr lang="ca-ES" sz="1200" b="0" strike="noStrike" spc="-1" baseline="-25000">
+                <a:solidFill>
+                  <a:srgbClr val="000000"/>
+                </a:solidFill>
+                <a:latin typeface="Times New Roman"/>
+                <a:ea typeface="MS Mincho"/>
+              </a:rPr>
+              <a:t>1</a:t>
+            </a:r>
+            <a:endParaRPr lang="ca-ES" sz="1200" b="0" strike="noStrike" spc="-1">
+              <a:latin typeface="Arial"/>
+            </a:endParaRPr>
+          </a:p>
+        </p:txBody>
+      </p:sp>
+      <p:sp>
+        <p:nvSpPr>
+          <p:cNvPr id="250" name="CustomShape 22"/>
+          <p:cNvSpPr/>
+          <p:nvPr/>
+        </p:nvSpPr>
+        <p:spPr>
+          <a:xfrm>
+            <a:off x="6608649" y="4770372"/>
+            <a:ext cx="673200" cy="297000"/>
+          </a:xfrm>
+          <a:prstGeom prst="rect">
+            <a:avLst/>
+          </a:prstGeom>
+          <a:noFill/>
+          <a:ln>
+            <a:noFill/>
+          </a:ln>
+        </p:spPr>
+        <p:style>
+          <a:lnRef idx="0">
+            <a:scrgbClr r="0" g="0" b="0"/>
+          </a:lnRef>
+          <a:fillRef idx="0">
+            <a:scrgbClr r="0" g="0" b="0"/>
+          </a:fillRef>
+          <a:effectRef idx="0">
+            <a:scrgbClr r="0" g="0" b="0"/>
+          </a:effectRef>
+          <a:fontRef idx="minor"/>
+        </p:style>
+        <p:txBody>
+          <a:bodyPr wrap="none" lIns="90000" tIns="45000" rIns="90000" bIns="45000"/>
+          <a:lstStyle/>
+          <a:p>
+            <a:pPr>
+              <a:lnSpc>
+                <a:spcPct val="100000"/>
+              </a:lnSpc>
+            </a:pPr>
+            <a:r>
+              <a:rPr lang="ca-ES" sz="1200" b="0" strike="noStrike" spc="-1">
+                <a:solidFill>
+                  <a:srgbClr val="000000"/>
+                </a:solidFill>
+                <a:latin typeface="Symbol"/>
+                <a:ea typeface="MS Mincho"/>
+              </a:rPr>
+              <a:t></a:t>
+            </a:r>
+            <a:r>
+              <a:rPr lang="ca-ES" sz="1200" b="0" i="1" strike="noStrike" spc="-1" baseline="-25000">
+                <a:solidFill>
+                  <a:srgbClr val="000000"/>
+                </a:solidFill>
+                <a:latin typeface="Times New Roman"/>
+                <a:ea typeface="MS Mincho"/>
+              </a:rPr>
+              <a:t>rootsurf, </a:t>
+            </a:r>
+            <a:r>
+              <a:rPr lang="ca-ES" sz="1200" b="0" strike="noStrike" spc="-1" baseline="-25000">
+                <a:solidFill>
+                  <a:srgbClr val="000000"/>
+                </a:solidFill>
+                <a:latin typeface="Times New Roman"/>
+                <a:ea typeface="MS Mincho"/>
+              </a:rPr>
+              <a:t>2</a:t>
+            </a:r>
+            <a:endParaRPr lang="ca-ES" sz="1200" b="0" strike="noStrike" spc="-1">
+              <a:latin typeface="Arial"/>
+            </a:endParaRPr>
+          </a:p>
+        </p:txBody>
+      </p:sp>
+      <p:sp>
+        <p:nvSpPr>
+          <p:cNvPr id="251" name="CustomShape 23"/>
+          <p:cNvSpPr/>
+          <p:nvPr/>
+        </p:nvSpPr>
+        <p:spPr>
+          <a:xfrm>
+            <a:off x="6659769" y="5372652"/>
+            <a:ext cx="673200" cy="297000"/>
+          </a:xfrm>
+          <a:prstGeom prst="rect">
+            <a:avLst/>
+          </a:prstGeom>
+          <a:noFill/>
+          <a:ln>
+            <a:noFill/>
+          </a:ln>
+        </p:spPr>
+        <p:style>
+          <a:lnRef idx="0">
+            <a:scrgbClr r="0" g="0" b="0"/>
+          </a:lnRef>
+          <a:fillRef idx="0">
+            <a:scrgbClr r="0" g="0" b="0"/>
+          </a:fillRef>
+          <a:effectRef idx="0">
+            <a:scrgbClr r="0" g="0" b="0"/>
+          </a:effectRef>
+          <a:fontRef idx="minor"/>
+        </p:style>
+        <p:txBody>
+          <a:bodyPr wrap="none" lIns="90000" tIns="45000" rIns="90000" bIns="45000"/>
+          <a:lstStyle/>
+          <a:p>
+            <a:pPr>
+              <a:lnSpc>
+                <a:spcPct val="100000"/>
+              </a:lnSpc>
+            </a:pPr>
+            <a:r>
+              <a:rPr lang="ca-ES" sz="1200" b="0" strike="noStrike" spc="-1">
+                <a:solidFill>
+                  <a:srgbClr val="000000"/>
+                </a:solidFill>
+                <a:latin typeface="Symbol"/>
+                <a:ea typeface="MS Mincho"/>
+              </a:rPr>
+              <a:t></a:t>
+            </a:r>
+            <a:r>
+              <a:rPr lang="ca-ES" sz="1200" b="0" i="1" strike="noStrike" spc="-1" baseline="-25000">
+                <a:solidFill>
+                  <a:srgbClr val="000000"/>
+                </a:solidFill>
+                <a:latin typeface="Times New Roman"/>
+                <a:ea typeface="MS Mincho"/>
+              </a:rPr>
+              <a:t>rootsurf, S</a:t>
+            </a:r>
+            <a:endParaRPr lang="ca-ES" sz="1200" b="0" strike="noStrike" spc="-1">
+              <a:latin typeface="Arial"/>
+            </a:endParaRPr>
+          </a:p>
+        </p:txBody>
+      </p:sp>
+      <p:sp>
+        <p:nvSpPr>
+          <p:cNvPr id="252" name="CustomShape 24"/>
+          <p:cNvSpPr/>
+          <p:nvPr/>
+        </p:nvSpPr>
+        <p:spPr>
+          <a:xfrm flipH="1" flipV="1">
+            <a:off x="6094209" y="4280052"/>
+            <a:ext cx="235080" cy="415440"/>
+          </a:xfrm>
+          <a:custGeom>
+            <a:avLst/>
+            <a:gdLst/>
+            <a:ahLst/>
+            <a:cxnLst/>
+            <a:rect l="l" t="t" r="r" b="b"/>
+            <a:pathLst>
+              <a:path w="21600" h="21600">
+                <a:moveTo>
+                  <a:pt x="0" y="0"/>
+                </a:moveTo>
+                <a:lnTo>
+                  <a:pt x="21600" y="21600"/>
+                </a:lnTo>
+              </a:path>
+            </a:pathLst>
+          </a:custGeom>
+          <a:noFill/>
+          <a:ln w="15875">
+            <a:solidFill>
+              <a:schemeClr val="tx1"/>
+            </a:solidFill>
+          </a:ln>
+        </p:spPr>
+        <p:style>
+          <a:lnRef idx="1">
+            <a:schemeClr val="accent1"/>
+          </a:lnRef>
+          <a:fillRef idx="0">
+            <a:schemeClr val="accent1"/>
+          </a:fillRef>
+          <a:effectRef idx="0">
+            <a:schemeClr val="accent1"/>
+          </a:effectRef>
+          <a:fontRef idx="minor"/>
+        </p:style>
+      </p:sp>
+      <p:sp>
+        <p:nvSpPr>
+          <p:cNvPr id="253" name="CustomShape 25"/>
+          <p:cNvSpPr/>
+          <p:nvPr/>
+        </p:nvSpPr>
+        <p:spPr>
+          <a:xfrm>
+            <a:off x="4968979" y="3967280"/>
+            <a:ext cx="662400" cy="297000"/>
+          </a:xfrm>
+          <a:prstGeom prst="rect">
+            <a:avLst/>
+          </a:prstGeom>
+          <a:noFill/>
+          <a:ln>
+            <a:noFill/>
+          </a:ln>
+        </p:spPr>
+        <p:style>
+          <a:lnRef idx="0">
+            <a:scrgbClr r="0" g="0" b="0"/>
+          </a:lnRef>
+          <a:fillRef idx="0">
+            <a:scrgbClr r="0" g="0" b="0"/>
+          </a:fillRef>
+          <a:effectRef idx="0">
+            <a:scrgbClr r="0" g="0" b="0"/>
+          </a:effectRef>
+          <a:fontRef idx="minor"/>
+        </p:style>
+        <p:txBody>
+          <a:bodyPr wrap="none" lIns="90000" tIns="45000" rIns="90000" bIns="45000"/>
+          <a:lstStyle/>
+          <a:p>
+            <a:pPr>
+              <a:lnSpc>
+                <a:spcPct val="100000"/>
+              </a:lnSpc>
+            </a:pPr>
+            <a:r>
+              <a:rPr lang="ca-ES" sz="1200" b="0" strike="noStrike" spc="-1" dirty="0">
+                <a:solidFill>
+                  <a:srgbClr val="000000"/>
+                </a:solidFill>
+                <a:latin typeface="Symbol"/>
+                <a:ea typeface="MS Mincho"/>
+              </a:rPr>
+              <a:t></a:t>
+            </a:r>
+            <a:r>
+              <a:rPr lang="ca-ES" sz="1200" b="0" i="1" strike="noStrike" spc="-1" baseline="-25000" dirty="0" err="1">
+                <a:solidFill>
+                  <a:srgbClr val="000000"/>
+                </a:solidFill>
+                <a:latin typeface="Times New Roman"/>
+                <a:ea typeface="MS Mincho"/>
+              </a:rPr>
+              <a:t>rootcrown</a:t>
+            </a:r>
+            <a:endParaRPr lang="ca-ES" sz="1200" b="0" strike="noStrike" spc="-1" dirty="0">
+              <a:latin typeface="Arial"/>
+            </a:endParaRPr>
+          </a:p>
+        </p:txBody>
+      </p:sp>
+      <p:sp>
+        <p:nvSpPr>
+          <p:cNvPr id="254" name="CustomShape 26"/>
+          <p:cNvSpPr/>
+          <p:nvPr/>
+        </p:nvSpPr>
+        <p:spPr>
+          <a:xfrm>
+            <a:off x="7548969" y="4258092"/>
+            <a:ext cx="519480" cy="297000"/>
+          </a:xfrm>
+          <a:prstGeom prst="rect">
+            <a:avLst/>
+          </a:prstGeom>
+          <a:noFill/>
+          <a:ln>
+            <a:noFill/>
+          </a:ln>
+        </p:spPr>
+        <p:style>
+          <a:lnRef idx="0">
+            <a:scrgbClr r="0" g="0" b="0"/>
+          </a:lnRef>
+          <a:fillRef idx="0">
+            <a:scrgbClr r="0" g="0" b="0"/>
+          </a:fillRef>
+          <a:effectRef idx="0">
+            <a:scrgbClr r="0" g="0" b="0"/>
+          </a:effectRef>
+          <a:fontRef idx="minor"/>
+        </p:style>
+        <p:txBody>
+          <a:bodyPr wrap="none" lIns="90000" tIns="45000" rIns="90000" bIns="45000"/>
+          <a:lstStyle/>
+          <a:p>
+            <a:pPr>
+              <a:lnSpc>
+                <a:spcPct val="100000"/>
+              </a:lnSpc>
+            </a:pPr>
+            <a:r>
+              <a:rPr lang="ca-ES" sz="1200" b="0" strike="noStrike" spc="-1">
+                <a:solidFill>
+                  <a:srgbClr val="000000"/>
+                </a:solidFill>
+                <a:latin typeface="Symbol"/>
+                <a:ea typeface="MS Mincho"/>
+              </a:rPr>
+              <a:t></a:t>
+            </a:r>
+            <a:r>
+              <a:rPr lang="ca-ES" sz="1200" b="0" i="1" strike="noStrike" spc="-1" baseline="-25000">
+                <a:solidFill>
+                  <a:srgbClr val="000000"/>
+                </a:solidFill>
+                <a:latin typeface="Times New Roman"/>
+                <a:ea typeface="MS Mincho"/>
+              </a:rPr>
+              <a:t>soil, </a:t>
+            </a:r>
+            <a:r>
+              <a:rPr lang="ca-ES" sz="1200" b="0" strike="noStrike" spc="-1" baseline="-25000">
+                <a:solidFill>
+                  <a:srgbClr val="000000"/>
+                </a:solidFill>
+                <a:latin typeface="Times New Roman"/>
+                <a:ea typeface="MS Mincho"/>
+              </a:rPr>
+              <a:t>1</a:t>
+            </a:r>
+            <a:endParaRPr lang="ca-ES" sz="1200" b="0" strike="noStrike" spc="-1">
+              <a:latin typeface="Arial"/>
+            </a:endParaRPr>
+          </a:p>
+        </p:txBody>
+      </p:sp>
+      <p:sp>
+        <p:nvSpPr>
+          <p:cNvPr id="255" name="CustomShape 27"/>
+          <p:cNvSpPr/>
+          <p:nvPr/>
+        </p:nvSpPr>
+        <p:spPr>
+          <a:xfrm>
+            <a:off x="7556889" y="4780452"/>
+            <a:ext cx="519480" cy="297000"/>
+          </a:xfrm>
+          <a:prstGeom prst="rect">
+            <a:avLst/>
+          </a:prstGeom>
+          <a:noFill/>
+          <a:ln>
+            <a:noFill/>
+          </a:ln>
+        </p:spPr>
+        <p:style>
+          <a:lnRef idx="0">
+            <a:scrgbClr r="0" g="0" b="0"/>
+          </a:lnRef>
+          <a:fillRef idx="0">
+            <a:scrgbClr r="0" g="0" b="0"/>
+          </a:fillRef>
+          <a:effectRef idx="0">
+            <a:scrgbClr r="0" g="0" b="0"/>
+          </a:effectRef>
+          <a:fontRef idx="minor"/>
+        </p:style>
+        <p:txBody>
+          <a:bodyPr wrap="none" lIns="90000" tIns="45000" rIns="90000" bIns="45000"/>
+          <a:lstStyle/>
+          <a:p>
+            <a:pPr>
+              <a:lnSpc>
+                <a:spcPct val="100000"/>
+              </a:lnSpc>
+            </a:pPr>
+            <a:r>
+              <a:rPr lang="ca-ES" sz="1200" b="0" strike="noStrike" spc="-1">
+                <a:solidFill>
+                  <a:srgbClr val="000000"/>
+                </a:solidFill>
+                <a:latin typeface="Symbol"/>
+                <a:ea typeface="MS Mincho"/>
+              </a:rPr>
+              <a:t></a:t>
+            </a:r>
+            <a:r>
+              <a:rPr lang="ca-ES" sz="1200" b="0" i="1" strike="noStrike" spc="-1" baseline="-25000">
+                <a:solidFill>
+                  <a:srgbClr val="000000"/>
+                </a:solidFill>
+                <a:latin typeface="Times New Roman"/>
+                <a:ea typeface="MS Mincho"/>
+              </a:rPr>
+              <a:t>soil, </a:t>
+            </a:r>
+            <a:r>
+              <a:rPr lang="ca-ES" sz="1200" b="0" strike="noStrike" spc="-1" baseline="-25000">
+                <a:solidFill>
+                  <a:srgbClr val="000000"/>
+                </a:solidFill>
+                <a:latin typeface="Times New Roman"/>
+                <a:ea typeface="MS Mincho"/>
+              </a:rPr>
+              <a:t>2</a:t>
+            </a:r>
+            <a:endParaRPr lang="ca-ES" sz="1200" b="0" strike="noStrike" spc="-1">
+              <a:latin typeface="Arial"/>
+            </a:endParaRPr>
+          </a:p>
+        </p:txBody>
+      </p:sp>
+      <p:sp>
+        <p:nvSpPr>
+          <p:cNvPr id="256" name="CustomShape 28"/>
+          <p:cNvSpPr/>
+          <p:nvPr/>
+        </p:nvSpPr>
+        <p:spPr>
+          <a:xfrm>
+            <a:off x="7565889" y="5377332"/>
+            <a:ext cx="519120" cy="297000"/>
+          </a:xfrm>
+          <a:prstGeom prst="rect">
+            <a:avLst/>
+          </a:prstGeom>
+          <a:noFill/>
+          <a:ln>
+            <a:noFill/>
+          </a:ln>
+        </p:spPr>
+        <p:style>
+          <a:lnRef idx="0">
+            <a:scrgbClr r="0" g="0" b="0"/>
+          </a:lnRef>
+          <a:fillRef idx="0">
+            <a:scrgbClr r="0" g="0" b="0"/>
+          </a:fillRef>
+          <a:effectRef idx="0">
+            <a:scrgbClr r="0" g="0" b="0"/>
+          </a:effectRef>
+          <a:fontRef idx="minor"/>
+        </p:style>
+        <p:txBody>
+          <a:bodyPr wrap="none" lIns="90000" tIns="45000" rIns="90000" bIns="45000"/>
+          <a:lstStyle/>
+          <a:p>
+            <a:pPr>
+              <a:lnSpc>
+                <a:spcPct val="100000"/>
+              </a:lnSpc>
+            </a:pPr>
+            <a:r>
+              <a:rPr lang="ca-ES" sz="1200" b="0" strike="noStrike" spc="-1">
+                <a:solidFill>
+                  <a:srgbClr val="000000"/>
+                </a:solidFill>
+                <a:latin typeface="Symbol"/>
+                <a:ea typeface="MS Mincho"/>
+              </a:rPr>
+              <a:t></a:t>
+            </a:r>
+            <a:r>
+              <a:rPr lang="ca-ES" sz="1200" b="0" i="1" strike="noStrike" spc="-1" baseline="-25000">
+                <a:solidFill>
+                  <a:srgbClr val="000000"/>
+                </a:solidFill>
+                <a:latin typeface="Times New Roman"/>
+                <a:ea typeface="MS Mincho"/>
+              </a:rPr>
+              <a:t>soil, S</a:t>
+            </a:r>
+            <a:endParaRPr lang="ca-ES" sz="1200" b="0" strike="noStrike" spc="-1">
+              <a:latin typeface="Arial"/>
+            </a:endParaRPr>
+          </a:p>
+        </p:txBody>
+      </p:sp>
+      <p:sp>
+        <p:nvSpPr>
+          <p:cNvPr id="257" name="CustomShape 29"/>
+          <p:cNvSpPr/>
+          <p:nvPr/>
+        </p:nvSpPr>
+        <p:spPr>
+          <a:xfrm rot="16200000">
+            <a:off x="1762110" y="1473846"/>
+            <a:ext cx="716400" cy="250200"/>
+          </a:xfrm>
+          <a:prstGeom prst="rect">
+            <a:avLst/>
+          </a:prstGeom>
+          <a:noFill/>
+          <a:ln>
+            <a:noFill/>
+          </a:ln>
+        </p:spPr>
+        <p:style>
+          <a:lnRef idx="0">
+            <a:scrgbClr r="0" g="0" b="0"/>
+          </a:lnRef>
+          <a:fillRef idx="0">
+            <a:scrgbClr r="0" g="0" b="0"/>
+          </a:fillRef>
+          <a:effectRef idx="0">
+            <a:scrgbClr r="0" g="0" b="0"/>
+          </a:effectRef>
+          <a:fontRef idx="minor"/>
+        </p:style>
+        <p:txBody>
+          <a:bodyPr lIns="90000" tIns="45000" rIns="90000" bIns="45000"/>
+          <a:lstStyle/>
+          <a:p>
+            <a:pPr algn="ctr">
+              <a:lnSpc>
+                <a:spcPct val="100000"/>
+              </a:lnSpc>
+            </a:pPr>
+            <a:r>
+              <a:rPr lang="ca-ES" sz="1050" b="0" i="1" strike="noStrike" spc="-1" dirty="0" err="1">
+                <a:solidFill>
+                  <a:srgbClr val="000000"/>
+                </a:solidFill>
+                <a:latin typeface="Calibri"/>
+              </a:rPr>
+              <a:t>Leaf</a:t>
+            </a:r>
+            <a:endParaRPr lang="ca-ES" sz="1050" b="0" strike="noStrike" spc="-1" dirty="0">
+              <a:latin typeface="Arial"/>
+            </a:endParaRPr>
+          </a:p>
+        </p:txBody>
+      </p:sp>
+      <p:sp>
+        <p:nvSpPr>
+          <p:cNvPr id="258" name="CustomShape 30"/>
+          <p:cNvSpPr/>
+          <p:nvPr/>
+        </p:nvSpPr>
+        <p:spPr>
+          <a:xfrm rot="16200000" flipH="1">
+            <a:off x="5687049" y="4659852"/>
+            <a:ext cx="992520" cy="292680"/>
+          </a:xfrm>
+          <a:prstGeom prst="bentConnector2">
+            <a:avLst/>
+          </a:prstGeom>
+          <a:noFill/>
+          <a:ln w="15875">
+            <a:solidFill>
+              <a:schemeClr val="tx1"/>
+            </a:solidFill>
+          </a:ln>
+        </p:spPr>
+        <p:style>
+          <a:lnRef idx="1">
+            <a:schemeClr val="accent1"/>
+          </a:lnRef>
+          <a:fillRef idx="0">
+            <a:schemeClr val="accent1"/>
+          </a:fillRef>
+          <a:effectRef idx="0">
+            <a:schemeClr val="accent1"/>
+          </a:effectRef>
+          <a:fontRef idx="minor"/>
+        </p:style>
+      </p:sp>
+      <p:sp>
+        <p:nvSpPr>
+          <p:cNvPr id="259" name="CustomShape 31"/>
+          <p:cNvSpPr/>
+          <p:nvPr/>
+        </p:nvSpPr>
+        <p:spPr>
+          <a:xfrm>
+            <a:off x="6239649" y="4917612"/>
+            <a:ext cx="249480" cy="250200"/>
+          </a:xfrm>
+          <a:prstGeom prst="rect">
+            <a:avLst/>
+          </a:prstGeom>
+          <a:noFill/>
+          <a:ln>
+            <a:noFill/>
+          </a:ln>
+        </p:spPr>
+        <p:style>
+          <a:lnRef idx="0">
+            <a:scrgbClr r="0" g="0" b="0"/>
+          </a:lnRef>
+          <a:fillRef idx="0">
+            <a:scrgbClr r="0" g="0" b="0"/>
+          </a:fillRef>
+          <a:effectRef idx="0">
+            <a:scrgbClr r="0" g="0" b="0"/>
+          </a:effectRef>
+          <a:fontRef idx="minor"/>
+        </p:style>
+        <p:txBody>
+          <a:bodyPr lIns="90000" tIns="45000" rIns="90000" bIns="45000"/>
+          <a:lstStyle/>
+          <a:p>
+            <a:pPr algn="ctr">
+              <a:lnSpc>
+                <a:spcPct val="100000"/>
+              </a:lnSpc>
+            </a:pPr>
+            <a:r>
+              <a:rPr lang="ca-ES" sz="1050" b="0" i="1" strike="noStrike" spc="-1">
+                <a:solidFill>
+                  <a:srgbClr val="000000"/>
+                </a:solidFill>
+                <a:latin typeface="Calibri"/>
+              </a:rPr>
+              <a:t>…</a:t>
+            </a:r>
+            <a:endParaRPr lang="ca-ES" sz="1050" b="0" strike="noStrike" spc="-1">
+              <a:latin typeface="Arial"/>
+            </a:endParaRPr>
+          </a:p>
+        </p:txBody>
+      </p:sp>
+      <p:sp>
+        <p:nvSpPr>
+          <p:cNvPr id="260" name="CustomShape 32"/>
+          <p:cNvSpPr/>
+          <p:nvPr/>
+        </p:nvSpPr>
+        <p:spPr>
+          <a:xfrm>
+            <a:off x="7546449" y="4939572"/>
+            <a:ext cx="249480" cy="250200"/>
+          </a:xfrm>
+          <a:prstGeom prst="rect">
+            <a:avLst/>
+          </a:prstGeom>
+          <a:noFill/>
+          <a:ln>
+            <a:noFill/>
+          </a:ln>
+        </p:spPr>
+        <p:style>
+          <a:lnRef idx="0">
+            <a:scrgbClr r="0" g="0" b="0"/>
+          </a:lnRef>
+          <a:fillRef idx="0">
+            <a:scrgbClr r="0" g="0" b="0"/>
+          </a:fillRef>
+          <a:effectRef idx="0">
+            <a:scrgbClr r="0" g="0" b="0"/>
+          </a:effectRef>
+          <a:fontRef idx="minor"/>
+        </p:style>
+        <p:txBody>
+          <a:bodyPr lIns="90000" tIns="45000" rIns="90000" bIns="45000"/>
+          <a:lstStyle/>
+          <a:p>
+            <a:pPr algn="ctr">
+              <a:lnSpc>
+                <a:spcPct val="100000"/>
+              </a:lnSpc>
+            </a:pPr>
+            <a:r>
+              <a:rPr lang="ca-ES" sz="1050" b="0" i="1" strike="noStrike" spc="-1">
+                <a:solidFill>
+                  <a:srgbClr val="000000"/>
+                </a:solidFill>
+                <a:latin typeface="Calibri"/>
+              </a:rPr>
+              <a:t>…</a:t>
+            </a:r>
+            <a:endParaRPr lang="ca-ES" sz="1050" b="0" strike="noStrike" spc="-1">
+              <a:latin typeface="Arial"/>
+            </a:endParaRPr>
+          </a:p>
+        </p:txBody>
+      </p:sp>
+      <p:grpSp>
+        <p:nvGrpSpPr>
+          <p:cNvPr id="261" name="Group 33"/>
+          <p:cNvGrpSpPr/>
+          <p:nvPr/>
+        </p:nvGrpSpPr>
+        <p:grpSpPr>
+          <a:xfrm>
+            <a:off x="6320289" y="4164492"/>
+            <a:ext cx="193680" cy="85320"/>
+            <a:chOff x="4396680" y="3724560"/>
+            <a:chExt cx="193680" cy="85320"/>
+          </a:xfrm>
+        </p:grpSpPr>
+        <p:sp>
+          <p:nvSpPr>
+            <p:cNvPr id="262" name="CustomShape 34"/>
+            <p:cNvSpPr/>
+            <p:nvPr/>
+          </p:nvSpPr>
+          <p:spPr>
+            <a:xfrm rot="5400000">
+              <a:off x="4448160" y="3673080"/>
+              <a:ext cx="85320" cy="188280"/>
+            </a:xfrm>
+            <a:prstGeom prst="rect">
+              <a:avLst/>
+            </a:prstGeom>
+            <a:ln/>
+          </p:spPr>
+          <p:style>
+            <a:lnRef idx="2">
+              <a:schemeClr val="accent1">
+                <a:shade val="50000"/>
+              </a:schemeClr>
+            </a:lnRef>
+            <a:fillRef idx="1">
+              <a:schemeClr val="accent1"/>
+            </a:fillRef>
+            <a:effectRef idx="0">
+              <a:schemeClr val="accent1"/>
+            </a:effectRef>
+            <a:fontRef idx="minor"/>
+          </p:style>
+        </p:sp>
+        <p:sp>
+          <p:nvSpPr>
+            <p:cNvPr id="263" name="CustomShape 35"/>
+            <p:cNvSpPr/>
+            <p:nvPr/>
+          </p:nvSpPr>
+          <p:spPr>
+            <a:xfrm rot="5400000">
+              <a:off x="4456080" y="3674520"/>
+              <a:ext cx="74520" cy="193680"/>
+            </a:xfrm>
+            <a:custGeom>
+              <a:avLst/>
+              <a:gdLst/>
+              <a:ahLst/>
+              <a:cxnLst/>
+              <a:rect l="l" t="t" r="r" b="b"/>
+              <a:pathLst>
+                <a:path w="78627" h="273738">
+                  <a:moveTo>
+                    <a:pt x="34946" y="0"/>
+                  </a:moveTo>
+                  <a:lnTo>
+                    <a:pt x="37858" y="61154"/>
+                  </a:lnTo>
+                  <a:lnTo>
+                    <a:pt x="0" y="84451"/>
+                  </a:lnTo>
+                  <a:lnTo>
+                    <a:pt x="75715" y="84451"/>
+                  </a:lnTo>
+                  <a:lnTo>
+                    <a:pt x="8737" y="133957"/>
+                  </a:lnTo>
+                  <a:lnTo>
+                    <a:pt x="78627" y="131045"/>
+                  </a:lnTo>
+                  <a:lnTo>
+                    <a:pt x="11649" y="186375"/>
+                  </a:lnTo>
+                  <a:lnTo>
+                    <a:pt x="78627" y="189287"/>
+                  </a:lnTo>
+                  <a:lnTo>
+                    <a:pt x="40770" y="227144"/>
+                  </a:lnTo>
+                  <a:lnTo>
+                    <a:pt x="37858" y="273738"/>
+                  </a:lnTo>
+                </a:path>
+              </a:pathLst>
+            </a:custGeom>
+            <a:noFill/>
+            <a:ln w="6480">
+              <a:solidFill>
+                <a:schemeClr val="tx1"/>
+              </a:solidFill>
+            </a:ln>
+          </p:spPr>
+          <p:style>
+            <a:lnRef idx="2">
+              <a:schemeClr val="accent1">
+                <a:shade val="50000"/>
+              </a:schemeClr>
+            </a:lnRef>
+            <a:fillRef idx="1">
+              <a:schemeClr val="accent1"/>
+            </a:fillRef>
+            <a:effectRef idx="0">
+              <a:schemeClr val="accent1"/>
+            </a:effectRef>
+            <a:fontRef idx="minor"/>
+          </p:style>
+        </p:sp>
+      </p:grpSp>
+      <p:grpSp>
+        <p:nvGrpSpPr>
+          <p:cNvPr id="264" name="Group 36"/>
+          <p:cNvGrpSpPr/>
+          <p:nvPr/>
+        </p:nvGrpSpPr>
+        <p:grpSpPr>
+          <a:xfrm>
+            <a:off x="7179969" y="4166652"/>
+            <a:ext cx="193680" cy="85320"/>
+            <a:chOff x="5256360" y="3726720"/>
+            <a:chExt cx="193680" cy="85320"/>
+          </a:xfrm>
+        </p:grpSpPr>
+        <p:sp>
+          <p:nvSpPr>
+            <p:cNvPr id="265" name="CustomShape 37"/>
+            <p:cNvSpPr/>
+            <p:nvPr/>
+          </p:nvSpPr>
+          <p:spPr>
+            <a:xfrm rot="5400000">
+              <a:off x="5307840" y="3675240"/>
+              <a:ext cx="85320" cy="188280"/>
+            </a:xfrm>
+            <a:prstGeom prst="rect">
+              <a:avLst/>
+            </a:prstGeom>
+            <a:ln/>
+          </p:spPr>
+          <p:style>
+            <a:lnRef idx="2">
+              <a:schemeClr val="accent1">
+                <a:shade val="50000"/>
+              </a:schemeClr>
+            </a:lnRef>
+            <a:fillRef idx="1">
+              <a:schemeClr val="accent1"/>
+            </a:fillRef>
+            <a:effectRef idx="0">
+              <a:schemeClr val="accent1"/>
+            </a:effectRef>
+            <a:fontRef idx="minor"/>
+          </p:style>
+        </p:sp>
+        <p:sp>
+          <p:nvSpPr>
+            <p:cNvPr id="266" name="CustomShape 38"/>
+            <p:cNvSpPr/>
+            <p:nvPr/>
+          </p:nvSpPr>
+          <p:spPr>
+            <a:xfrm rot="5400000">
+              <a:off x="5315760" y="3676320"/>
+              <a:ext cx="74520" cy="193680"/>
+            </a:xfrm>
+            <a:custGeom>
+              <a:avLst/>
+              <a:gdLst/>
+              <a:ahLst/>
+              <a:cxnLst/>
+              <a:rect l="l" t="t" r="r" b="b"/>
+              <a:pathLst>
+                <a:path w="78627" h="273738">
+                  <a:moveTo>
+                    <a:pt x="34946" y="0"/>
+                  </a:moveTo>
+                  <a:lnTo>
+                    <a:pt x="37858" y="61154"/>
+                  </a:lnTo>
+                  <a:lnTo>
+                    <a:pt x="0" y="84451"/>
+                  </a:lnTo>
+                  <a:lnTo>
+                    <a:pt x="75715" y="84451"/>
+                  </a:lnTo>
+                  <a:lnTo>
+                    <a:pt x="8737" y="133957"/>
+                  </a:lnTo>
+                  <a:lnTo>
+                    <a:pt x="78627" y="131045"/>
+                  </a:lnTo>
+                  <a:lnTo>
+                    <a:pt x="11649" y="186375"/>
+                  </a:lnTo>
+                  <a:lnTo>
+                    <a:pt x="78627" y="189287"/>
+                  </a:lnTo>
+                  <a:lnTo>
+                    <a:pt x="40770" y="227144"/>
+                  </a:lnTo>
+                  <a:lnTo>
+                    <a:pt x="37858" y="273738"/>
+                  </a:lnTo>
+                </a:path>
+              </a:pathLst>
+            </a:custGeom>
+            <a:noFill/>
+            <a:ln w="6480">
+              <a:solidFill>
+                <a:schemeClr val="tx1"/>
+              </a:solidFill>
+            </a:ln>
+          </p:spPr>
+          <p:style>
+            <a:lnRef idx="2">
+              <a:schemeClr val="accent1">
+                <a:shade val="50000"/>
+              </a:schemeClr>
+            </a:lnRef>
+            <a:fillRef idx="1">
+              <a:schemeClr val="accent1"/>
+            </a:fillRef>
+            <a:effectRef idx="0">
+              <a:schemeClr val="accent1"/>
+            </a:effectRef>
+            <a:fontRef idx="minor"/>
+          </p:style>
+        </p:sp>
+      </p:grpSp>
+      <p:grpSp>
+        <p:nvGrpSpPr>
+          <p:cNvPr id="267" name="Group 39"/>
+          <p:cNvGrpSpPr/>
+          <p:nvPr/>
+        </p:nvGrpSpPr>
+        <p:grpSpPr>
+          <a:xfrm>
+            <a:off x="7183929" y="4638972"/>
+            <a:ext cx="193680" cy="85320"/>
+            <a:chOff x="5260320" y="4199040"/>
+            <a:chExt cx="193680" cy="85320"/>
+          </a:xfrm>
+        </p:grpSpPr>
+        <p:sp>
+          <p:nvSpPr>
+            <p:cNvPr id="268" name="CustomShape 40"/>
+            <p:cNvSpPr/>
+            <p:nvPr/>
+          </p:nvSpPr>
+          <p:spPr>
+            <a:xfrm rot="5400000">
+              <a:off x="5311800" y="4147560"/>
+              <a:ext cx="85320" cy="188280"/>
+            </a:xfrm>
+            <a:prstGeom prst="rect">
+              <a:avLst/>
+            </a:prstGeom>
+            <a:ln/>
+          </p:spPr>
+          <p:style>
+            <a:lnRef idx="2">
+              <a:schemeClr val="accent1">
+                <a:shade val="50000"/>
+              </a:schemeClr>
+            </a:lnRef>
+            <a:fillRef idx="1">
+              <a:schemeClr val="accent1"/>
+            </a:fillRef>
+            <a:effectRef idx="0">
+              <a:schemeClr val="accent1"/>
+            </a:effectRef>
+            <a:fontRef idx="minor"/>
+          </p:style>
+        </p:sp>
+        <p:sp>
+          <p:nvSpPr>
+            <p:cNvPr id="269" name="CustomShape 41"/>
+            <p:cNvSpPr/>
+            <p:nvPr/>
+          </p:nvSpPr>
+          <p:spPr>
+            <a:xfrm rot="5400000">
+              <a:off x="5319720" y="4148640"/>
+              <a:ext cx="74520" cy="193680"/>
+            </a:xfrm>
+            <a:custGeom>
+              <a:avLst/>
+              <a:gdLst/>
+              <a:ahLst/>
+              <a:cxnLst/>
+              <a:rect l="l" t="t" r="r" b="b"/>
+              <a:pathLst>
+                <a:path w="78627" h="273738">
+                  <a:moveTo>
+                    <a:pt x="34946" y="0"/>
+                  </a:moveTo>
+                  <a:lnTo>
+                    <a:pt x="37858" y="61154"/>
+                  </a:lnTo>
+                  <a:lnTo>
+                    <a:pt x="0" y="84451"/>
+                  </a:lnTo>
+                  <a:lnTo>
+                    <a:pt x="75715" y="84451"/>
+                  </a:lnTo>
+                  <a:lnTo>
+                    <a:pt x="8737" y="133957"/>
+                  </a:lnTo>
+                  <a:lnTo>
+                    <a:pt x="78627" y="131045"/>
+                  </a:lnTo>
+                  <a:lnTo>
+                    <a:pt x="11649" y="186375"/>
+                  </a:lnTo>
+                  <a:lnTo>
+                    <a:pt x="78627" y="189287"/>
+                  </a:lnTo>
+                  <a:lnTo>
+                    <a:pt x="40770" y="227144"/>
+                  </a:lnTo>
+                  <a:lnTo>
+                    <a:pt x="37858" y="273738"/>
+                  </a:lnTo>
+                </a:path>
+              </a:pathLst>
+            </a:custGeom>
+            <a:noFill/>
+            <a:ln w="6480">
+              <a:solidFill>
+                <a:schemeClr val="tx1"/>
+              </a:solidFill>
+            </a:ln>
+          </p:spPr>
+          <p:style>
+            <a:lnRef idx="2">
+              <a:schemeClr val="accent1">
+                <a:shade val="50000"/>
+              </a:schemeClr>
+            </a:lnRef>
+            <a:fillRef idx="1">
+              <a:schemeClr val="accent1"/>
+            </a:fillRef>
+            <a:effectRef idx="0">
+              <a:schemeClr val="accent1"/>
+            </a:effectRef>
+            <a:fontRef idx="minor"/>
+          </p:style>
+        </p:sp>
+      </p:grpSp>
+      <p:grpSp>
+        <p:nvGrpSpPr>
+          <p:cNvPr id="270" name="Group 42"/>
+          <p:cNvGrpSpPr/>
+          <p:nvPr/>
+        </p:nvGrpSpPr>
+        <p:grpSpPr>
+          <a:xfrm>
+            <a:off x="6330729" y="4652652"/>
+            <a:ext cx="193680" cy="85320"/>
+            <a:chOff x="4407120" y="4212720"/>
+            <a:chExt cx="193680" cy="85320"/>
+          </a:xfrm>
+        </p:grpSpPr>
+        <p:sp>
+          <p:nvSpPr>
+            <p:cNvPr id="271" name="CustomShape 43"/>
+            <p:cNvSpPr/>
+            <p:nvPr/>
+          </p:nvSpPr>
+          <p:spPr>
+            <a:xfrm rot="5400000">
+              <a:off x="4458600" y="4161240"/>
+              <a:ext cx="85320" cy="188280"/>
+            </a:xfrm>
+            <a:prstGeom prst="rect">
+              <a:avLst/>
+            </a:prstGeom>
+            <a:ln/>
+          </p:spPr>
+          <p:style>
+            <a:lnRef idx="2">
+              <a:schemeClr val="accent1">
+                <a:shade val="50000"/>
+              </a:schemeClr>
+            </a:lnRef>
+            <a:fillRef idx="1">
+              <a:schemeClr val="accent1"/>
+            </a:fillRef>
+            <a:effectRef idx="0">
+              <a:schemeClr val="accent1"/>
+            </a:effectRef>
+            <a:fontRef idx="minor"/>
+          </p:style>
+        </p:sp>
+        <p:sp>
+          <p:nvSpPr>
+            <p:cNvPr id="272" name="CustomShape 44"/>
+            <p:cNvSpPr/>
+            <p:nvPr/>
+          </p:nvSpPr>
+          <p:spPr>
+            <a:xfrm rot="5400000">
+              <a:off x="4466520" y="4162320"/>
+              <a:ext cx="74520" cy="193680"/>
+            </a:xfrm>
+            <a:custGeom>
+              <a:avLst/>
+              <a:gdLst/>
+              <a:ahLst/>
+              <a:cxnLst/>
+              <a:rect l="l" t="t" r="r" b="b"/>
+              <a:pathLst>
+                <a:path w="78627" h="273738">
+                  <a:moveTo>
+                    <a:pt x="34946" y="0"/>
+                  </a:moveTo>
+                  <a:lnTo>
+                    <a:pt x="37858" y="61154"/>
+                  </a:lnTo>
+                  <a:lnTo>
+                    <a:pt x="0" y="84451"/>
+                  </a:lnTo>
+                  <a:lnTo>
+                    <a:pt x="75715" y="84451"/>
+                  </a:lnTo>
+                  <a:lnTo>
+                    <a:pt x="8737" y="133957"/>
+                  </a:lnTo>
+                  <a:lnTo>
+                    <a:pt x="78627" y="131045"/>
+                  </a:lnTo>
+                  <a:lnTo>
+                    <a:pt x="11649" y="186375"/>
+                  </a:lnTo>
+                  <a:lnTo>
+                    <a:pt x="78627" y="189287"/>
+                  </a:lnTo>
+                  <a:lnTo>
+                    <a:pt x="40770" y="227144"/>
+                  </a:lnTo>
+                  <a:lnTo>
+                    <a:pt x="37858" y="273738"/>
+                  </a:lnTo>
+                </a:path>
+              </a:pathLst>
+            </a:custGeom>
+            <a:noFill/>
+            <a:ln w="6480">
+              <a:solidFill>
+                <a:schemeClr val="tx1"/>
+              </a:solidFill>
+            </a:ln>
+          </p:spPr>
+          <p:style>
+            <a:lnRef idx="2">
+              <a:schemeClr val="accent1">
+                <a:shade val="50000"/>
+              </a:schemeClr>
+            </a:lnRef>
+            <a:fillRef idx="1">
+              <a:schemeClr val="accent1"/>
+            </a:fillRef>
+            <a:effectRef idx="0">
+              <a:schemeClr val="accent1"/>
+            </a:effectRef>
+            <a:fontRef idx="minor"/>
+          </p:style>
+        </p:sp>
+      </p:grpSp>
+      <p:grpSp>
+        <p:nvGrpSpPr>
+          <p:cNvPr id="273" name="Group 45"/>
+          <p:cNvGrpSpPr/>
+          <p:nvPr/>
+        </p:nvGrpSpPr>
+        <p:grpSpPr>
+          <a:xfrm>
+            <a:off x="6330729" y="5259972"/>
+            <a:ext cx="193680" cy="85320"/>
+            <a:chOff x="4407120" y="4820040"/>
+            <a:chExt cx="193680" cy="85320"/>
+          </a:xfrm>
+        </p:grpSpPr>
+        <p:sp>
+          <p:nvSpPr>
+            <p:cNvPr id="274" name="CustomShape 46"/>
+            <p:cNvSpPr/>
+            <p:nvPr/>
+          </p:nvSpPr>
+          <p:spPr>
+            <a:xfrm rot="5400000">
+              <a:off x="4458600" y="4768560"/>
+              <a:ext cx="85320" cy="188280"/>
+            </a:xfrm>
+            <a:prstGeom prst="rect">
+              <a:avLst/>
+            </a:prstGeom>
+            <a:ln/>
+          </p:spPr>
+          <p:style>
+            <a:lnRef idx="2">
+              <a:schemeClr val="accent1">
+                <a:shade val="50000"/>
+              </a:schemeClr>
+            </a:lnRef>
+            <a:fillRef idx="1">
+              <a:schemeClr val="accent1"/>
+            </a:fillRef>
+            <a:effectRef idx="0">
+              <a:schemeClr val="accent1"/>
+            </a:effectRef>
+            <a:fontRef idx="minor"/>
+          </p:style>
+        </p:sp>
+        <p:sp>
+          <p:nvSpPr>
+            <p:cNvPr id="275" name="CustomShape 47"/>
+            <p:cNvSpPr/>
+            <p:nvPr/>
+          </p:nvSpPr>
+          <p:spPr>
+            <a:xfrm rot="5400000">
+              <a:off x="4466520" y="4769640"/>
+              <a:ext cx="74520" cy="193680"/>
+            </a:xfrm>
+            <a:custGeom>
+              <a:avLst/>
+              <a:gdLst/>
+              <a:ahLst/>
+              <a:cxnLst/>
+              <a:rect l="l" t="t" r="r" b="b"/>
+              <a:pathLst>
+                <a:path w="78627" h="273738">
+                  <a:moveTo>
+                    <a:pt x="34946" y="0"/>
+                  </a:moveTo>
+                  <a:lnTo>
+                    <a:pt x="37858" y="61154"/>
+                  </a:lnTo>
+                  <a:lnTo>
+                    <a:pt x="0" y="84451"/>
+                  </a:lnTo>
+                  <a:lnTo>
+                    <a:pt x="75715" y="84451"/>
+                  </a:lnTo>
+                  <a:lnTo>
+                    <a:pt x="8737" y="133957"/>
+                  </a:lnTo>
+                  <a:lnTo>
+                    <a:pt x="78627" y="131045"/>
+                  </a:lnTo>
+                  <a:lnTo>
+                    <a:pt x="11649" y="186375"/>
+                  </a:lnTo>
+                  <a:lnTo>
+                    <a:pt x="78627" y="189287"/>
+                  </a:lnTo>
+                  <a:lnTo>
+                    <a:pt x="40770" y="227144"/>
+                  </a:lnTo>
+                  <a:lnTo>
+                    <a:pt x="37858" y="273738"/>
+                  </a:lnTo>
+                </a:path>
+              </a:pathLst>
+            </a:custGeom>
+            <a:noFill/>
+            <a:ln w="6480">
+              <a:solidFill>
+                <a:schemeClr val="tx1"/>
+              </a:solidFill>
+            </a:ln>
+          </p:spPr>
+          <p:style>
+            <a:lnRef idx="2">
+              <a:schemeClr val="accent1">
+                <a:shade val="50000"/>
+              </a:schemeClr>
+            </a:lnRef>
+            <a:fillRef idx="1">
+              <a:schemeClr val="accent1"/>
+            </a:fillRef>
+            <a:effectRef idx="0">
+              <a:schemeClr val="accent1"/>
+            </a:effectRef>
+            <a:fontRef idx="minor"/>
+          </p:style>
+        </p:sp>
+      </p:grpSp>
+      <p:grpSp>
+        <p:nvGrpSpPr>
+          <p:cNvPr id="276" name="Group 48"/>
+          <p:cNvGrpSpPr/>
+          <p:nvPr/>
+        </p:nvGrpSpPr>
+        <p:grpSpPr>
+          <a:xfrm>
+            <a:off x="7179969" y="5250612"/>
+            <a:ext cx="193680" cy="85320"/>
+            <a:chOff x="5256360" y="4810680"/>
+            <a:chExt cx="193680" cy="85320"/>
+          </a:xfrm>
+        </p:grpSpPr>
+        <p:sp>
+          <p:nvSpPr>
+            <p:cNvPr id="277" name="CustomShape 49"/>
+            <p:cNvSpPr/>
+            <p:nvPr/>
+          </p:nvSpPr>
+          <p:spPr>
+            <a:xfrm rot="5400000">
+              <a:off x="5307840" y="4759200"/>
+              <a:ext cx="85320" cy="188280"/>
+            </a:xfrm>
+            <a:prstGeom prst="rect">
+              <a:avLst/>
+            </a:prstGeom>
+            <a:ln/>
+          </p:spPr>
+          <p:style>
+            <a:lnRef idx="2">
+              <a:schemeClr val="accent1">
+                <a:shade val="50000"/>
+              </a:schemeClr>
+            </a:lnRef>
+            <a:fillRef idx="1">
+              <a:schemeClr val="accent1"/>
+            </a:fillRef>
+            <a:effectRef idx="0">
+              <a:schemeClr val="accent1"/>
+            </a:effectRef>
+            <a:fontRef idx="minor"/>
+          </p:style>
+        </p:sp>
+        <p:sp>
+          <p:nvSpPr>
+            <p:cNvPr id="278" name="CustomShape 50"/>
+            <p:cNvSpPr/>
+            <p:nvPr/>
+          </p:nvSpPr>
+          <p:spPr>
+            <a:xfrm rot="5400000">
+              <a:off x="5315760" y="4760280"/>
+              <a:ext cx="74520" cy="193680"/>
+            </a:xfrm>
+            <a:custGeom>
+              <a:avLst/>
+              <a:gdLst/>
+              <a:ahLst/>
+              <a:cxnLst/>
+              <a:rect l="l" t="t" r="r" b="b"/>
+              <a:pathLst>
+                <a:path w="78627" h="273738">
+                  <a:moveTo>
+                    <a:pt x="34946" y="0"/>
+                  </a:moveTo>
+                  <a:lnTo>
+                    <a:pt x="37858" y="61154"/>
+                  </a:lnTo>
+                  <a:lnTo>
+                    <a:pt x="0" y="84451"/>
+                  </a:lnTo>
+                  <a:lnTo>
+                    <a:pt x="75715" y="84451"/>
+                  </a:lnTo>
+                  <a:lnTo>
+                    <a:pt x="8737" y="133957"/>
+                  </a:lnTo>
+                  <a:lnTo>
+                    <a:pt x="78627" y="131045"/>
+                  </a:lnTo>
+                  <a:lnTo>
+                    <a:pt x="11649" y="186375"/>
+                  </a:lnTo>
+                  <a:lnTo>
+                    <a:pt x="78627" y="189287"/>
+                  </a:lnTo>
+                  <a:lnTo>
+                    <a:pt x="40770" y="227144"/>
+                  </a:lnTo>
+                  <a:lnTo>
+                    <a:pt x="37858" y="273738"/>
+                  </a:lnTo>
+                </a:path>
+              </a:pathLst>
+            </a:custGeom>
+            <a:noFill/>
+            <a:ln w="6480">
+              <a:solidFill>
+                <a:schemeClr val="tx1"/>
+              </a:solidFill>
+            </a:ln>
+          </p:spPr>
+          <p:style>
+            <a:lnRef idx="2">
+              <a:schemeClr val="accent1">
+                <a:shade val="50000"/>
+              </a:schemeClr>
+            </a:lnRef>
+            <a:fillRef idx="1">
+              <a:schemeClr val="accent1"/>
+            </a:fillRef>
+            <a:effectRef idx="0">
+              <a:schemeClr val="accent1"/>
+            </a:effectRef>
+            <a:fontRef idx="minor"/>
+          </p:style>
+        </p:sp>
+      </p:grpSp>
+      <p:sp>
+        <p:nvSpPr>
+          <p:cNvPr id="279" name="CustomShape 51"/>
+          <p:cNvSpPr/>
+          <p:nvPr/>
+        </p:nvSpPr>
+        <p:spPr>
+          <a:xfrm>
+            <a:off x="5177045" y="1928166"/>
+            <a:ext cx="522360" cy="280080"/>
+          </a:xfrm>
+          <a:prstGeom prst="rect">
+            <a:avLst/>
+          </a:prstGeom>
+          <a:noFill/>
+          <a:ln>
+            <a:noFill/>
+          </a:ln>
+        </p:spPr>
+        <p:style>
+          <a:lnRef idx="0">
+            <a:scrgbClr r="0" g="0" b="0"/>
+          </a:lnRef>
+          <a:fillRef idx="0">
+            <a:scrgbClr r="0" g="0" b="0"/>
+          </a:fillRef>
+          <a:effectRef idx="0">
+            <a:scrgbClr r="0" g="0" b="0"/>
+          </a:effectRef>
+          <a:fontRef idx="minor"/>
+        </p:style>
+        <p:txBody>
+          <a:bodyPr wrap="none" lIns="90000" tIns="45000" rIns="90000" bIns="45000"/>
+          <a:lstStyle/>
+          <a:p>
+            <a:pPr>
+              <a:lnSpc>
+                <a:spcPct val="100000"/>
+              </a:lnSpc>
+            </a:pPr>
+            <a:r>
+              <a:rPr lang="ca-ES" sz="1100" b="0" strike="noStrike" spc="-1">
+                <a:solidFill>
+                  <a:srgbClr val="000000"/>
+                </a:solidFill>
+                <a:latin typeface="Symbol"/>
+                <a:ea typeface="MS Mincho"/>
+              </a:rPr>
+              <a:t></a:t>
+            </a:r>
+            <a:r>
+              <a:rPr lang="ca-ES" sz="1100" b="0" i="1" strike="noStrike" spc="-1" baseline="-25000">
+                <a:solidFill>
+                  <a:srgbClr val="000000"/>
+                </a:solidFill>
+                <a:latin typeface="Times New Roman"/>
+                <a:ea typeface="MS Mincho"/>
+              </a:rPr>
+              <a:t>stem, 2</a:t>
+            </a:r>
+            <a:endParaRPr lang="ca-ES" sz="1100" b="0" strike="noStrike" spc="-1">
+              <a:latin typeface="Arial"/>
+            </a:endParaRPr>
+          </a:p>
+        </p:txBody>
+      </p:sp>
+      <p:sp>
+        <p:nvSpPr>
+          <p:cNvPr id="280" name="CustomShape 52"/>
+          <p:cNvSpPr/>
+          <p:nvPr/>
+        </p:nvSpPr>
+        <p:spPr>
+          <a:xfrm>
+            <a:off x="5624267" y="2786920"/>
+            <a:ext cx="635760" cy="280080"/>
+          </a:xfrm>
+          <a:prstGeom prst="rect">
+            <a:avLst/>
+          </a:prstGeom>
+          <a:noFill/>
+          <a:ln>
+            <a:noFill/>
+          </a:ln>
+        </p:spPr>
+        <p:style>
+          <a:lnRef idx="0">
+            <a:scrgbClr r="0" g="0" b="0"/>
+          </a:lnRef>
+          <a:fillRef idx="0">
+            <a:scrgbClr r="0" g="0" b="0"/>
+          </a:fillRef>
+          <a:effectRef idx="0">
+            <a:scrgbClr r="0" g="0" b="0"/>
+          </a:effectRef>
+          <a:fontRef idx="minor"/>
+        </p:style>
+        <p:txBody>
+          <a:bodyPr wrap="none" lIns="90000" tIns="45000" rIns="90000" bIns="45000"/>
+          <a:lstStyle/>
+          <a:p>
+            <a:pPr>
+              <a:lnSpc>
+                <a:spcPct val="100000"/>
+              </a:lnSpc>
+            </a:pPr>
+            <a:r>
+              <a:rPr lang="ca-ES" sz="1100" b="0" strike="noStrike" spc="-1" dirty="0">
+                <a:solidFill>
+                  <a:srgbClr val="000000"/>
+                </a:solidFill>
+                <a:latin typeface="Symbol"/>
+                <a:ea typeface="MS Mincho"/>
+              </a:rPr>
+              <a:t></a:t>
+            </a:r>
+            <a:r>
+              <a:rPr lang="ca-ES" sz="1100" b="0" i="1" strike="noStrike" spc="-1" baseline="-25000" dirty="0" err="1">
+                <a:solidFill>
+                  <a:srgbClr val="000000"/>
+                </a:solidFill>
+                <a:latin typeface="Times New Roman"/>
+                <a:ea typeface="MS Mincho"/>
+              </a:rPr>
+              <a:t>stem</a:t>
+            </a:r>
+            <a:r>
+              <a:rPr lang="ca-ES" sz="1100" b="0" i="1" strike="noStrike" spc="-1" baseline="-25000" dirty="0">
+                <a:solidFill>
+                  <a:srgbClr val="000000"/>
+                </a:solidFill>
+                <a:latin typeface="Times New Roman"/>
+                <a:ea typeface="MS Mincho"/>
+              </a:rPr>
+              <a:t>, </a:t>
+            </a:r>
+            <a:r>
+              <a:rPr lang="ca-ES" sz="1100" b="0" strike="noStrike" spc="-1" baseline="-25000" dirty="0" smtClean="0">
+                <a:solidFill>
+                  <a:srgbClr val="000000"/>
+                </a:solidFill>
+                <a:latin typeface="Times New Roman"/>
+                <a:ea typeface="MS Mincho"/>
+              </a:rPr>
+              <a:t>1</a:t>
+            </a:r>
+            <a:endParaRPr lang="ca-ES" sz="1100" b="0" strike="noStrike" spc="-1" dirty="0">
+              <a:latin typeface="Arial"/>
+            </a:endParaRPr>
+          </a:p>
+        </p:txBody>
+      </p:sp>
+      <p:sp>
+        <p:nvSpPr>
+          <p:cNvPr id="284" name="CustomShape 56"/>
+          <p:cNvSpPr/>
+          <p:nvPr/>
+        </p:nvSpPr>
+        <p:spPr>
+          <a:xfrm>
+            <a:off x="5192885" y="1408326"/>
+            <a:ext cx="415800" cy="280080"/>
+          </a:xfrm>
+          <a:prstGeom prst="rect">
+            <a:avLst/>
+          </a:prstGeom>
+          <a:noFill/>
+          <a:ln>
+            <a:noFill/>
+          </a:ln>
+        </p:spPr>
+        <p:style>
+          <a:lnRef idx="0">
+            <a:scrgbClr r="0" g="0" b="0"/>
+          </a:lnRef>
+          <a:fillRef idx="0">
+            <a:scrgbClr r="0" g="0" b="0"/>
+          </a:fillRef>
+          <a:effectRef idx="0">
+            <a:scrgbClr r="0" g="0" b="0"/>
+          </a:effectRef>
+          <a:fontRef idx="minor"/>
+        </p:style>
+        <p:txBody>
+          <a:bodyPr wrap="none" lIns="90000" tIns="45000" rIns="90000" bIns="45000"/>
+          <a:lstStyle/>
+          <a:p>
+            <a:pPr>
+              <a:lnSpc>
+                <a:spcPct val="100000"/>
+              </a:lnSpc>
+            </a:pPr>
+            <a:r>
+              <a:rPr lang="ca-ES" sz="1100" b="0" strike="noStrike" spc="-1">
+                <a:solidFill>
+                  <a:srgbClr val="000000"/>
+                </a:solidFill>
+                <a:latin typeface="Symbol"/>
+                <a:ea typeface="MS Mincho"/>
+              </a:rPr>
+              <a:t></a:t>
+            </a:r>
+            <a:r>
+              <a:rPr lang="ca-ES" sz="1100" b="0" i="1" strike="noStrike" spc="-1" baseline="-25000">
+                <a:solidFill>
+                  <a:srgbClr val="000000"/>
+                </a:solidFill>
+                <a:latin typeface="Times New Roman"/>
+                <a:ea typeface="MS Mincho"/>
+              </a:rPr>
+              <a:t>leaf</a:t>
+            </a:r>
+            <a:endParaRPr lang="ca-ES" sz="1100" b="0" strike="noStrike" spc="-1">
+              <a:latin typeface="Arial"/>
+            </a:endParaRPr>
+          </a:p>
+        </p:txBody>
+      </p:sp>
+      <p:sp>
+        <p:nvSpPr>
+          <p:cNvPr id="285" name="CustomShape 57"/>
+          <p:cNvSpPr/>
+          <p:nvPr/>
+        </p:nvSpPr>
+        <p:spPr>
+          <a:xfrm>
+            <a:off x="6761765" y="1410909"/>
+            <a:ext cx="732240" cy="271080"/>
+          </a:xfrm>
+          <a:prstGeom prst="rect">
+            <a:avLst/>
+          </a:prstGeom>
+          <a:solidFill>
+            <a:schemeClr val="accent6">
+              <a:lumMod val="40000"/>
+              <a:lumOff val="60000"/>
+            </a:schemeClr>
+          </a:solidFill>
+          <a:ln w="15840">
+            <a:solidFill>
+              <a:schemeClr val="accent1">
+                <a:lumMod val="75000"/>
+              </a:schemeClr>
+            </a:solidFill>
+            <a:round/>
+          </a:ln>
+        </p:spPr>
+        <p:style>
+          <a:lnRef idx="0">
+            <a:scrgbClr r="0" g="0" b="0"/>
+          </a:lnRef>
+          <a:fillRef idx="0">
+            <a:scrgbClr r="0" g="0" b="0"/>
+          </a:fillRef>
+          <a:effectRef idx="0">
+            <a:scrgbClr r="0" g="0" b="0"/>
+          </a:effectRef>
+          <a:fontRef idx="minor"/>
+        </p:style>
+        <p:txBody>
+          <a:bodyPr lIns="90000" tIns="45000" rIns="90000" bIns="45000"/>
+          <a:lstStyle/>
+          <a:p>
+            <a:pPr algn="ctr">
+              <a:lnSpc>
+                <a:spcPct val="100000"/>
+              </a:lnSpc>
+            </a:pPr>
+            <a:r>
+              <a:rPr lang="ca-ES" sz="1050" b="0" strike="noStrike" spc="-1" dirty="0">
+                <a:solidFill>
+                  <a:srgbClr val="000000"/>
+                </a:solidFill>
+                <a:latin typeface="Symbol"/>
+                <a:ea typeface="MS Mincho"/>
+              </a:rPr>
+              <a:t></a:t>
+            </a:r>
+            <a:r>
+              <a:rPr lang="ca-ES" sz="1050" b="0" i="1" strike="noStrike" spc="-1" baseline="-25000" dirty="0" err="1">
+                <a:solidFill>
+                  <a:srgbClr val="000000"/>
+                </a:solidFill>
+                <a:latin typeface="Times New Roman"/>
+                <a:ea typeface="MS Mincho"/>
+              </a:rPr>
+              <a:t>symp</a:t>
+            </a:r>
+            <a:r>
+              <a:rPr lang="ca-ES" sz="1050" b="0" i="1" strike="noStrike" spc="-1" baseline="-25000" dirty="0">
+                <a:solidFill>
+                  <a:srgbClr val="000000"/>
+                </a:solidFill>
+                <a:latin typeface="Times New Roman"/>
+                <a:ea typeface="MS Mincho"/>
+              </a:rPr>
+              <a:t>, </a:t>
+            </a:r>
+            <a:r>
+              <a:rPr lang="ca-ES" sz="1050" b="0" i="1" strike="noStrike" spc="-1" baseline="-25000" dirty="0" err="1">
+                <a:solidFill>
+                  <a:srgbClr val="000000"/>
+                </a:solidFill>
+                <a:latin typeface="Times New Roman"/>
+                <a:ea typeface="MS Mincho"/>
+              </a:rPr>
+              <a:t>leaf</a:t>
+            </a:r>
+            <a:endParaRPr lang="ca-ES" sz="1050" b="0" strike="noStrike" spc="-1" dirty="0">
+              <a:latin typeface="Arial"/>
+            </a:endParaRPr>
+          </a:p>
+        </p:txBody>
+      </p:sp>
+      <p:sp>
+        <p:nvSpPr>
+          <p:cNvPr id="288" name="CustomShape 60"/>
+          <p:cNvSpPr/>
+          <p:nvPr/>
+        </p:nvSpPr>
+        <p:spPr>
+          <a:xfrm>
+            <a:off x="6215593" y="2630012"/>
+            <a:ext cx="626760" cy="271080"/>
+          </a:xfrm>
+          <a:prstGeom prst="rect">
+            <a:avLst/>
+          </a:prstGeom>
+          <a:noFill/>
+          <a:ln>
+            <a:noFill/>
+          </a:ln>
+        </p:spPr>
+        <p:style>
+          <a:lnRef idx="0">
+            <a:scrgbClr r="0" g="0" b="0"/>
+          </a:lnRef>
+          <a:fillRef idx="0">
+            <a:scrgbClr r="0" g="0" b="0"/>
+          </a:fillRef>
+          <a:effectRef idx="0">
+            <a:scrgbClr r="0" g="0" b="0"/>
+          </a:effectRef>
+          <a:fontRef idx="minor"/>
+        </p:style>
+        <p:txBody>
+          <a:bodyPr lIns="90000" tIns="45000" rIns="90000" bIns="45000"/>
+          <a:lstStyle/>
+          <a:p>
+            <a:pPr>
+              <a:lnSpc>
+                <a:spcPct val="100000"/>
+              </a:lnSpc>
+            </a:pPr>
+            <a:r>
+              <a:rPr lang="ca-ES" sz="1050" b="0" i="1" strike="noStrike" spc="-1" dirty="0">
+                <a:solidFill>
+                  <a:srgbClr val="000000"/>
+                </a:solidFill>
+                <a:latin typeface="Times New Roman"/>
+                <a:ea typeface="MS Mincho"/>
+              </a:rPr>
+              <a:t>F</a:t>
+            </a:r>
+            <a:r>
+              <a:rPr lang="ca-ES" sz="1050" b="0" i="1" strike="noStrike" spc="-1" baseline="-25000" dirty="0">
+                <a:solidFill>
+                  <a:srgbClr val="000000"/>
+                </a:solidFill>
+                <a:latin typeface="Times New Roman"/>
+                <a:ea typeface="MS Mincho"/>
+              </a:rPr>
+              <a:t>lat, </a:t>
+            </a:r>
+            <a:r>
+              <a:rPr lang="ca-ES" sz="1050" b="0" i="1" strike="noStrike" spc="-1" baseline="-25000" dirty="0" err="1">
+                <a:solidFill>
+                  <a:srgbClr val="000000"/>
+                </a:solidFill>
+                <a:latin typeface="Times New Roman"/>
+                <a:ea typeface="MS Mincho"/>
+              </a:rPr>
+              <a:t>stem</a:t>
+            </a:r>
+            <a:endParaRPr lang="ca-ES" sz="1050" b="0" strike="noStrike" spc="-1" dirty="0">
+              <a:latin typeface="Arial"/>
+            </a:endParaRPr>
+          </a:p>
+        </p:txBody>
+      </p:sp>
+      <p:sp>
+        <p:nvSpPr>
+          <p:cNvPr id="290" name="CustomShape 62"/>
+          <p:cNvSpPr/>
+          <p:nvPr/>
+        </p:nvSpPr>
+        <p:spPr>
+          <a:xfrm>
+            <a:off x="5689685" y="2029686"/>
+            <a:ext cx="92160" cy="102960"/>
+          </a:xfrm>
+          <a:prstGeom prst="ellipse">
+            <a:avLst/>
+          </a:prstGeom>
+          <a:solidFill>
+            <a:schemeClr val="bg2"/>
+          </a:solidFill>
+          <a:ln/>
+        </p:spPr>
+        <p:style>
+          <a:lnRef idx="2">
+            <a:schemeClr val="accent1">
+              <a:shade val="50000"/>
+            </a:schemeClr>
+          </a:lnRef>
+          <a:fillRef idx="1">
+            <a:schemeClr val="accent1"/>
+          </a:fillRef>
+          <a:effectRef idx="0">
+            <a:schemeClr val="accent1"/>
+          </a:effectRef>
+          <a:fontRef idx="minor"/>
+        </p:style>
+      </p:sp>
+      <p:grpSp>
+        <p:nvGrpSpPr>
+          <p:cNvPr id="291" name="Group 63"/>
+          <p:cNvGrpSpPr/>
+          <p:nvPr/>
+        </p:nvGrpSpPr>
+        <p:grpSpPr>
+          <a:xfrm>
+            <a:off x="5688605" y="2213286"/>
+            <a:ext cx="85320" cy="193680"/>
+            <a:chOff x="4065120" y="2133720"/>
+            <a:chExt cx="85320" cy="193680"/>
+          </a:xfrm>
+        </p:grpSpPr>
+        <p:sp>
+          <p:nvSpPr>
+            <p:cNvPr id="292" name="CustomShape 64"/>
+            <p:cNvSpPr/>
+            <p:nvPr/>
+          </p:nvSpPr>
+          <p:spPr>
+            <a:xfrm>
+              <a:off x="4065120" y="2138760"/>
+              <a:ext cx="85320" cy="188280"/>
+            </a:xfrm>
+            <a:prstGeom prst="rect">
+              <a:avLst/>
+            </a:prstGeom>
+            <a:ln/>
+          </p:spPr>
+          <p:style>
+            <a:lnRef idx="2">
+              <a:schemeClr val="accent1">
+                <a:shade val="50000"/>
+              </a:schemeClr>
+            </a:lnRef>
+            <a:fillRef idx="1">
+              <a:schemeClr val="accent1"/>
+            </a:fillRef>
+            <a:effectRef idx="0">
+              <a:schemeClr val="accent1"/>
+            </a:effectRef>
+            <a:fontRef idx="minor"/>
+          </p:style>
+        </p:sp>
+        <p:sp>
+          <p:nvSpPr>
+            <p:cNvPr id="293" name="CustomShape 65"/>
+            <p:cNvSpPr/>
+            <p:nvPr/>
+          </p:nvSpPr>
+          <p:spPr>
+            <a:xfrm>
+              <a:off x="4074480" y="2133720"/>
+              <a:ext cx="74520" cy="193680"/>
+            </a:xfrm>
+            <a:custGeom>
+              <a:avLst/>
+              <a:gdLst/>
+              <a:ahLst/>
+              <a:cxnLst/>
+              <a:rect l="l" t="t" r="r" b="b"/>
+              <a:pathLst>
+                <a:path w="78627" h="273738">
+                  <a:moveTo>
+                    <a:pt x="34946" y="0"/>
+                  </a:moveTo>
+                  <a:lnTo>
+                    <a:pt x="37858" y="61154"/>
+                  </a:lnTo>
+                  <a:lnTo>
+                    <a:pt x="0" y="84451"/>
+                  </a:lnTo>
+                  <a:lnTo>
+                    <a:pt x="75715" y="84451"/>
+                  </a:lnTo>
+                  <a:lnTo>
+                    <a:pt x="8737" y="133957"/>
+                  </a:lnTo>
+                  <a:lnTo>
+                    <a:pt x="78627" y="131045"/>
+                  </a:lnTo>
+                  <a:lnTo>
+                    <a:pt x="11649" y="186375"/>
+                  </a:lnTo>
+                  <a:lnTo>
+                    <a:pt x="78627" y="189287"/>
+                  </a:lnTo>
+                  <a:lnTo>
+                    <a:pt x="40770" y="227144"/>
+                  </a:lnTo>
+                  <a:lnTo>
+                    <a:pt x="37858" y="273738"/>
+                  </a:lnTo>
+                </a:path>
+              </a:pathLst>
+            </a:custGeom>
+            <a:noFill/>
+            <a:ln w="6480">
+              <a:solidFill>
+                <a:schemeClr val="tx1"/>
+              </a:solidFill>
+            </a:ln>
+          </p:spPr>
+          <p:style>
+            <a:lnRef idx="2">
+              <a:schemeClr val="accent1">
+                <a:shade val="50000"/>
+              </a:schemeClr>
+            </a:lnRef>
+            <a:fillRef idx="1">
+              <a:schemeClr val="accent1"/>
+            </a:fillRef>
+            <a:effectRef idx="0">
+              <a:schemeClr val="accent1"/>
+            </a:effectRef>
+            <a:fontRef idx="minor"/>
+          </p:style>
+        </p:sp>
+      </p:grpSp>
+      <p:grpSp>
+        <p:nvGrpSpPr>
+          <p:cNvPr id="294" name="Group 66"/>
+          <p:cNvGrpSpPr/>
+          <p:nvPr/>
+        </p:nvGrpSpPr>
+        <p:grpSpPr>
+          <a:xfrm>
+            <a:off x="5691125" y="1677966"/>
+            <a:ext cx="85320" cy="193680"/>
+            <a:chOff x="4067640" y="1598400"/>
+            <a:chExt cx="85320" cy="193680"/>
+          </a:xfrm>
+        </p:grpSpPr>
+        <p:sp>
+          <p:nvSpPr>
+            <p:cNvPr id="295" name="CustomShape 67"/>
+            <p:cNvSpPr/>
+            <p:nvPr/>
+          </p:nvSpPr>
+          <p:spPr>
+            <a:xfrm>
+              <a:off x="4067640" y="1603800"/>
+              <a:ext cx="85320" cy="188280"/>
+            </a:xfrm>
+            <a:prstGeom prst="rect">
+              <a:avLst/>
+            </a:prstGeom>
+            <a:ln/>
+          </p:spPr>
+          <p:style>
+            <a:lnRef idx="2">
+              <a:schemeClr val="accent1">
+                <a:shade val="50000"/>
+              </a:schemeClr>
+            </a:lnRef>
+            <a:fillRef idx="1">
+              <a:schemeClr val="accent1"/>
+            </a:fillRef>
+            <a:effectRef idx="0">
+              <a:schemeClr val="accent1"/>
+            </a:effectRef>
+            <a:fontRef idx="minor"/>
+          </p:style>
+        </p:sp>
+        <p:sp>
+          <p:nvSpPr>
+            <p:cNvPr id="296" name="CustomShape 68"/>
+            <p:cNvSpPr/>
+            <p:nvPr/>
+          </p:nvSpPr>
+          <p:spPr>
+            <a:xfrm>
+              <a:off x="4077000" y="1598400"/>
+              <a:ext cx="74520" cy="193680"/>
+            </a:xfrm>
+            <a:custGeom>
+              <a:avLst/>
+              <a:gdLst/>
+              <a:ahLst/>
+              <a:cxnLst/>
+              <a:rect l="l" t="t" r="r" b="b"/>
+              <a:pathLst>
+                <a:path w="78627" h="273738">
+                  <a:moveTo>
+                    <a:pt x="34946" y="0"/>
+                  </a:moveTo>
+                  <a:lnTo>
+                    <a:pt x="37858" y="61154"/>
+                  </a:lnTo>
+                  <a:lnTo>
+                    <a:pt x="0" y="84451"/>
+                  </a:lnTo>
+                  <a:lnTo>
+                    <a:pt x="75715" y="84451"/>
+                  </a:lnTo>
+                  <a:lnTo>
+                    <a:pt x="8737" y="133957"/>
+                  </a:lnTo>
+                  <a:lnTo>
+                    <a:pt x="78627" y="131045"/>
+                  </a:lnTo>
+                  <a:lnTo>
+                    <a:pt x="11649" y="186375"/>
+                  </a:lnTo>
+                  <a:lnTo>
+                    <a:pt x="78627" y="189287"/>
+                  </a:lnTo>
+                  <a:lnTo>
+                    <a:pt x="40770" y="227144"/>
+                  </a:lnTo>
+                  <a:lnTo>
+                    <a:pt x="37858" y="273738"/>
+                  </a:lnTo>
+                </a:path>
+              </a:pathLst>
+            </a:custGeom>
+            <a:noFill/>
+            <a:ln w="6480">
+              <a:solidFill>
+                <a:schemeClr val="tx1"/>
+              </a:solidFill>
+            </a:ln>
+          </p:spPr>
+          <p:style>
+            <a:lnRef idx="2">
+              <a:schemeClr val="accent1">
+                <a:shade val="50000"/>
+              </a:schemeClr>
+            </a:lnRef>
+            <a:fillRef idx="1">
+              <a:schemeClr val="accent1"/>
+            </a:fillRef>
+            <a:effectRef idx="0">
+              <a:schemeClr val="accent1"/>
+            </a:effectRef>
+            <a:fontRef idx="minor"/>
+          </p:style>
+        </p:sp>
+      </p:grpSp>
+      <p:sp>
+        <p:nvSpPr>
+          <p:cNvPr id="297" name="CustomShape 69"/>
+          <p:cNvSpPr/>
+          <p:nvPr/>
+        </p:nvSpPr>
+        <p:spPr>
+          <a:xfrm>
+            <a:off x="5688605" y="1478526"/>
+            <a:ext cx="92160" cy="102960"/>
+          </a:xfrm>
+          <a:prstGeom prst="ellipse">
+            <a:avLst/>
+          </a:prstGeom>
+          <a:solidFill>
+            <a:schemeClr val="bg2"/>
+          </a:solidFill>
+          <a:ln/>
+        </p:spPr>
+        <p:style>
+          <a:lnRef idx="2">
+            <a:schemeClr val="accent1">
+              <a:shade val="50000"/>
+            </a:schemeClr>
+          </a:lnRef>
+          <a:fillRef idx="1">
+            <a:schemeClr val="accent1"/>
+          </a:fillRef>
+          <a:effectRef idx="0">
+            <a:schemeClr val="accent1"/>
+          </a:effectRef>
+          <a:fontRef idx="minor"/>
+        </p:style>
+      </p:sp>
+      <p:sp>
+        <p:nvSpPr>
+          <p:cNvPr id="299" name="CustomShape 71"/>
+          <p:cNvSpPr/>
+          <p:nvPr/>
+        </p:nvSpPr>
+        <p:spPr>
+          <a:xfrm>
+            <a:off x="6053169" y="3275482"/>
+            <a:ext cx="606600" cy="271080"/>
+          </a:xfrm>
+          <a:prstGeom prst="rect">
+            <a:avLst/>
+          </a:prstGeom>
+          <a:noFill/>
+          <a:ln>
+            <a:noFill/>
+          </a:ln>
+        </p:spPr>
+        <p:style>
+          <a:lnRef idx="0">
+            <a:scrgbClr r="0" g="0" b="0"/>
+          </a:lnRef>
+          <a:fillRef idx="0">
+            <a:scrgbClr r="0" g="0" b="0"/>
+          </a:fillRef>
+          <a:effectRef idx="0">
+            <a:scrgbClr r="0" g="0" b="0"/>
+          </a:effectRef>
+          <a:fontRef idx="minor"/>
+        </p:style>
+        <p:txBody>
+          <a:bodyPr lIns="90000" tIns="45000" rIns="90000" bIns="45000"/>
+          <a:lstStyle/>
+          <a:p>
+            <a:pPr>
+              <a:lnSpc>
+                <a:spcPct val="100000"/>
+              </a:lnSpc>
+            </a:pPr>
+            <a:r>
+              <a:rPr lang="ca-ES" sz="1050" b="0" i="1" strike="noStrike" spc="-1" dirty="0" err="1">
+                <a:solidFill>
+                  <a:srgbClr val="000000"/>
+                </a:solidFill>
+                <a:latin typeface="Times New Roman"/>
+                <a:ea typeface="MS Mincho"/>
+              </a:rPr>
+              <a:t>E</a:t>
+            </a:r>
+            <a:r>
+              <a:rPr lang="ca-ES" sz="1050" b="0" i="1" strike="noStrike" spc="-1" baseline="-25000" dirty="0" err="1">
+                <a:solidFill>
+                  <a:srgbClr val="000000"/>
+                </a:solidFill>
+                <a:latin typeface="Times New Roman"/>
+                <a:ea typeface="MS Mincho"/>
+              </a:rPr>
+              <a:t>stem,in</a:t>
+            </a:r>
+            <a:endParaRPr lang="ca-ES" sz="1050" b="0" strike="noStrike" spc="-1" dirty="0">
+              <a:latin typeface="Arial"/>
+            </a:endParaRPr>
+          </a:p>
+        </p:txBody>
+      </p:sp>
+      <p:sp>
+        <p:nvSpPr>
+          <p:cNvPr id="300" name="CustomShape 72"/>
+          <p:cNvSpPr/>
+          <p:nvPr/>
+        </p:nvSpPr>
+        <p:spPr>
+          <a:xfrm>
+            <a:off x="5694516" y="2362662"/>
+            <a:ext cx="606600" cy="271080"/>
+          </a:xfrm>
+          <a:prstGeom prst="rect">
+            <a:avLst/>
+          </a:prstGeom>
+          <a:noFill/>
+          <a:ln>
+            <a:noFill/>
+          </a:ln>
+        </p:spPr>
+        <p:style>
+          <a:lnRef idx="0">
+            <a:scrgbClr r="0" g="0" b="0"/>
+          </a:lnRef>
+          <a:fillRef idx="0">
+            <a:scrgbClr r="0" g="0" b="0"/>
+          </a:fillRef>
+          <a:effectRef idx="0">
+            <a:scrgbClr r="0" g="0" b="0"/>
+          </a:effectRef>
+          <a:fontRef idx="minor"/>
+        </p:style>
+        <p:txBody>
+          <a:bodyPr lIns="90000" tIns="45000" rIns="90000" bIns="45000"/>
+          <a:lstStyle/>
+          <a:p>
+            <a:pPr>
+              <a:lnSpc>
+                <a:spcPct val="100000"/>
+              </a:lnSpc>
+            </a:pPr>
+            <a:r>
+              <a:rPr lang="ca-ES" sz="1050" b="0" i="1" strike="noStrike" spc="-1" dirty="0" err="1">
+                <a:solidFill>
+                  <a:srgbClr val="000000"/>
+                </a:solidFill>
+                <a:latin typeface="Times New Roman"/>
+                <a:ea typeface="MS Mincho"/>
+              </a:rPr>
+              <a:t>E</a:t>
+            </a:r>
+            <a:r>
+              <a:rPr lang="ca-ES" sz="1050" b="0" i="1" strike="noStrike" spc="-1" baseline="-25000" dirty="0" err="1">
+                <a:solidFill>
+                  <a:srgbClr val="000000"/>
+                </a:solidFill>
+                <a:latin typeface="Times New Roman"/>
+                <a:ea typeface="MS Mincho"/>
+              </a:rPr>
+              <a:t>stem,out</a:t>
+            </a:r>
+            <a:endParaRPr lang="ca-ES" sz="1050" b="0" strike="noStrike" spc="-1" dirty="0">
+              <a:latin typeface="Arial"/>
+            </a:endParaRPr>
+          </a:p>
+        </p:txBody>
+      </p:sp>
+      <p:sp>
+        <p:nvSpPr>
+          <p:cNvPr id="301" name="CustomShape 73"/>
+          <p:cNvSpPr/>
+          <p:nvPr/>
+        </p:nvSpPr>
+        <p:spPr>
+          <a:xfrm>
+            <a:off x="5811005" y="1523949"/>
+            <a:ext cx="938880" cy="360"/>
+          </a:xfrm>
+          <a:custGeom>
+            <a:avLst/>
+            <a:gdLst/>
+            <a:ahLst/>
+            <a:cxnLst/>
+            <a:rect l="l" t="t" r="r" b="b"/>
+            <a:pathLst>
+              <a:path w="21600" h="21600">
+                <a:moveTo>
+                  <a:pt x="0" y="0"/>
+                </a:moveTo>
+                <a:lnTo>
+                  <a:pt x="21600" y="21600"/>
+                </a:lnTo>
+              </a:path>
+            </a:pathLst>
+          </a:custGeom>
+          <a:noFill/>
+          <a:ln>
+            <a:solidFill>
+              <a:schemeClr val="tx1"/>
+            </a:solidFill>
+            <a:headEnd type="triangle" w="med" len="med"/>
+            <a:tailEnd type="triangle" w="med" len="med"/>
+          </a:ln>
+        </p:spPr>
+        <p:style>
+          <a:lnRef idx="1">
+            <a:schemeClr val="accent1"/>
+          </a:lnRef>
+          <a:fillRef idx="0">
+            <a:schemeClr val="accent1"/>
+          </a:fillRef>
+          <a:effectRef idx="0">
+            <a:schemeClr val="accent1"/>
+          </a:effectRef>
+          <a:fontRef idx="minor"/>
+        </p:style>
+      </p:sp>
+      <p:sp>
+        <p:nvSpPr>
+          <p:cNvPr id="302" name="CustomShape 74"/>
+          <p:cNvSpPr/>
+          <p:nvPr/>
+        </p:nvSpPr>
+        <p:spPr>
+          <a:xfrm>
+            <a:off x="6016205" y="1248909"/>
+            <a:ext cx="626760" cy="271080"/>
+          </a:xfrm>
+          <a:prstGeom prst="rect">
+            <a:avLst/>
+          </a:prstGeom>
+          <a:noFill/>
+          <a:ln>
+            <a:noFill/>
+          </a:ln>
+        </p:spPr>
+        <p:style>
+          <a:lnRef idx="0">
+            <a:scrgbClr r="0" g="0" b="0"/>
+          </a:lnRef>
+          <a:fillRef idx="0">
+            <a:scrgbClr r="0" g="0" b="0"/>
+          </a:fillRef>
+          <a:effectRef idx="0">
+            <a:scrgbClr r="0" g="0" b="0"/>
+          </a:effectRef>
+          <a:fontRef idx="minor"/>
+        </p:style>
+        <p:txBody>
+          <a:bodyPr lIns="90000" tIns="45000" rIns="90000" bIns="45000"/>
+          <a:lstStyle/>
+          <a:p>
+            <a:pPr>
+              <a:lnSpc>
+                <a:spcPct val="100000"/>
+              </a:lnSpc>
+            </a:pPr>
+            <a:r>
+              <a:rPr lang="ca-ES" sz="1050" b="0" i="1" strike="noStrike" spc="-1">
+                <a:solidFill>
+                  <a:srgbClr val="000000"/>
+                </a:solidFill>
+                <a:latin typeface="Times New Roman"/>
+                <a:ea typeface="MS Mincho"/>
+              </a:rPr>
+              <a:t>F</a:t>
+            </a:r>
+            <a:r>
+              <a:rPr lang="ca-ES" sz="1050" b="0" i="1" strike="noStrike" spc="-1" baseline="-25000">
+                <a:solidFill>
+                  <a:srgbClr val="000000"/>
+                </a:solidFill>
+                <a:latin typeface="Times New Roman"/>
+                <a:ea typeface="MS Mincho"/>
+              </a:rPr>
+              <a:t>lat, leaf</a:t>
+            </a:r>
+            <a:endParaRPr lang="ca-ES" sz="1050" b="0" strike="noStrike" spc="-1">
+              <a:latin typeface="Arial"/>
+            </a:endParaRPr>
+          </a:p>
+        </p:txBody>
+      </p:sp>
+      <p:sp>
+        <p:nvSpPr>
+          <p:cNvPr id="77" name="CustomShape 72"/>
+          <p:cNvSpPr/>
+          <p:nvPr/>
+        </p:nvSpPr>
+        <p:spPr>
+          <a:xfrm>
+            <a:off x="5534639" y="995956"/>
+            <a:ext cx="606600" cy="271080"/>
+          </a:xfrm>
+          <a:prstGeom prst="rect">
+            <a:avLst/>
+          </a:prstGeom>
+          <a:noFill/>
+          <a:ln>
+            <a:noFill/>
+          </a:ln>
+        </p:spPr>
+        <p:style>
+          <a:lnRef idx="0">
+            <a:scrgbClr r="0" g="0" b="0"/>
+          </a:lnRef>
+          <a:fillRef idx="0">
+            <a:scrgbClr r="0" g="0" b="0"/>
+          </a:fillRef>
+          <a:effectRef idx="0">
+            <a:scrgbClr r="0" g="0" b="0"/>
+          </a:effectRef>
+          <a:fontRef idx="minor"/>
+        </p:style>
+        <p:txBody>
+          <a:bodyPr lIns="90000" tIns="45000" rIns="90000" bIns="45000"/>
+          <a:lstStyle/>
+          <a:p>
+            <a:pPr>
+              <a:lnSpc>
+                <a:spcPct val="100000"/>
+              </a:lnSpc>
+            </a:pPr>
+            <a:r>
+              <a:rPr lang="ca-ES" sz="1050" b="0" i="1" strike="noStrike" spc="-1" dirty="0" err="1" smtClean="0">
+                <a:solidFill>
+                  <a:srgbClr val="000000"/>
+                </a:solidFill>
+                <a:latin typeface="Times New Roman"/>
+                <a:ea typeface="MS Mincho"/>
+              </a:rPr>
+              <a:t>E</a:t>
+            </a:r>
+            <a:r>
+              <a:rPr lang="ca-ES" sz="1050" b="0" i="1" strike="noStrike" spc="-1" baseline="-25000" dirty="0" err="1" smtClean="0">
+                <a:solidFill>
+                  <a:srgbClr val="000000"/>
+                </a:solidFill>
+                <a:latin typeface="Times New Roman"/>
+                <a:ea typeface="MS Mincho"/>
+              </a:rPr>
+              <a:t>leaf</a:t>
+            </a:r>
+            <a:endParaRPr lang="ca-ES" sz="1050" b="0" strike="noStrike" spc="-1" dirty="0">
+              <a:latin typeface="Arial"/>
+            </a:endParaRPr>
+          </a:p>
+        </p:txBody>
+      </p:sp>
+      <p:sp>
+        <p:nvSpPr>
+          <p:cNvPr id="80" name="CustomShape 5"/>
+          <p:cNvSpPr/>
+          <p:nvPr/>
+        </p:nvSpPr>
+        <p:spPr>
+          <a:xfrm>
+            <a:off x="5659892" y="4117334"/>
+            <a:ext cx="162360" cy="204480"/>
+          </a:xfrm>
+          <a:prstGeom prst="ellipse">
+            <a:avLst/>
+          </a:prstGeom>
+          <a:solidFill>
+            <a:schemeClr val="bg2"/>
+          </a:solidFill>
+          <a:ln/>
+        </p:spPr>
+        <p:style>
+          <a:lnRef idx="2">
+            <a:schemeClr val="accent1">
+              <a:shade val="50000"/>
+            </a:schemeClr>
+          </a:lnRef>
+          <a:fillRef idx="1">
+            <a:schemeClr val="accent1"/>
+          </a:fillRef>
+          <a:effectRef idx="0">
+            <a:schemeClr val="accent1"/>
+          </a:effectRef>
+          <a:fontRef idx="minor"/>
+        </p:style>
+      </p:sp>
+      <p:grpSp>
+        <p:nvGrpSpPr>
+          <p:cNvPr id="81" name="Group 53"/>
+          <p:cNvGrpSpPr/>
+          <p:nvPr/>
+        </p:nvGrpSpPr>
+        <p:grpSpPr>
+          <a:xfrm>
+            <a:off x="5692292" y="3689675"/>
+            <a:ext cx="85320" cy="193680"/>
+            <a:chOff x="4064760" y="3254760"/>
+            <a:chExt cx="85320" cy="193680"/>
+          </a:xfrm>
+        </p:grpSpPr>
+        <p:sp>
+          <p:nvSpPr>
+            <p:cNvPr id="82" name="CustomShape 54"/>
+            <p:cNvSpPr/>
+            <p:nvPr/>
+          </p:nvSpPr>
+          <p:spPr>
+            <a:xfrm>
+              <a:off x="4064760" y="3260160"/>
+              <a:ext cx="85320" cy="188280"/>
+            </a:xfrm>
+            <a:prstGeom prst="rect">
+              <a:avLst/>
+            </a:prstGeom>
+            <a:ln/>
+          </p:spPr>
+          <p:style>
+            <a:lnRef idx="2">
+              <a:schemeClr val="accent1">
+                <a:shade val="50000"/>
+              </a:schemeClr>
+            </a:lnRef>
+            <a:fillRef idx="1">
+              <a:schemeClr val="accent1"/>
+            </a:fillRef>
+            <a:effectRef idx="0">
+              <a:schemeClr val="accent1"/>
+            </a:effectRef>
+            <a:fontRef idx="minor"/>
+          </p:style>
+        </p:sp>
+        <p:sp>
+          <p:nvSpPr>
+            <p:cNvPr id="83" name="CustomShape 55"/>
+            <p:cNvSpPr/>
+            <p:nvPr/>
+          </p:nvSpPr>
+          <p:spPr>
+            <a:xfrm>
+              <a:off x="4074120" y="3254760"/>
+              <a:ext cx="74520" cy="193680"/>
+            </a:xfrm>
+            <a:custGeom>
+              <a:avLst/>
+              <a:gdLst/>
+              <a:ahLst/>
+              <a:cxnLst/>
+              <a:rect l="l" t="t" r="r" b="b"/>
+              <a:pathLst>
+                <a:path w="78627" h="273738">
+                  <a:moveTo>
+                    <a:pt x="34946" y="0"/>
+                  </a:moveTo>
+                  <a:lnTo>
+                    <a:pt x="37858" y="61154"/>
+                  </a:lnTo>
+                  <a:lnTo>
+                    <a:pt x="0" y="84451"/>
+                  </a:lnTo>
+                  <a:lnTo>
+                    <a:pt x="75715" y="84451"/>
+                  </a:lnTo>
+                  <a:lnTo>
+                    <a:pt x="8737" y="133957"/>
+                  </a:lnTo>
+                  <a:lnTo>
+                    <a:pt x="78627" y="131045"/>
+                  </a:lnTo>
+                  <a:lnTo>
+                    <a:pt x="11649" y="186375"/>
+                  </a:lnTo>
+                  <a:lnTo>
+                    <a:pt x="78627" y="189287"/>
+                  </a:lnTo>
+                  <a:lnTo>
+                    <a:pt x="40770" y="227144"/>
+                  </a:lnTo>
+                  <a:lnTo>
+                    <a:pt x="37858" y="273738"/>
+                  </a:lnTo>
+                </a:path>
+              </a:pathLst>
+            </a:custGeom>
+            <a:noFill/>
+            <a:ln w="6480">
+              <a:solidFill>
+                <a:schemeClr val="tx1"/>
+              </a:solidFill>
+            </a:ln>
+          </p:spPr>
+          <p:style>
+            <a:lnRef idx="2">
+              <a:schemeClr val="accent1">
+                <a:shade val="50000"/>
+              </a:schemeClr>
+            </a:lnRef>
+            <a:fillRef idx="1">
+              <a:schemeClr val="accent1"/>
+            </a:fillRef>
+            <a:effectRef idx="0">
+              <a:schemeClr val="accent1"/>
+            </a:effectRef>
+            <a:fontRef idx="minor"/>
+          </p:style>
+        </p:sp>
+      </p:grpSp>
+      <p:sp>
+        <p:nvSpPr>
+          <p:cNvPr id="85" name="CustomShape 14"/>
+          <p:cNvSpPr/>
+          <p:nvPr/>
+        </p:nvSpPr>
+        <p:spPr>
+          <a:xfrm>
+            <a:off x="5685923" y="5120543"/>
+            <a:ext cx="162360" cy="204480"/>
+          </a:xfrm>
+          <a:prstGeom prst="ellipse">
+            <a:avLst/>
+          </a:prstGeom>
+          <a:solidFill>
+            <a:schemeClr val="bg2"/>
+          </a:solidFill>
+          <a:ln/>
+        </p:spPr>
+        <p:style>
+          <a:lnRef idx="2">
+            <a:schemeClr val="accent1">
+              <a:shade val="50000"/>
+            </a:schemeClr>
+          </a:lnRef>
+          <a:fillRef idx="1">
+            <a:schemeClr val="accent1"/>
+          </a:fillRef>
+          <a:effectRef idx="0">
+            <a:schemeClr val="accent1"/>
+          </a:effectRef>
+          <a:fontRef idx="minor"/>
+        </p:style>
+      </p:sp>
+      <p:sp>
+        <p:nvSpPr>
+          <p:cNvPr id="86" name="CustomShape 25"/>
+          <p:cNvSpPr/>
+          <p:nvPr/>
+        </p:nvSpPr>
+        <p:spPr>
+          <a:xfrm>
+            <a:off x="4983023" y="5004895"/>
+            <a:ext cx="662400" cy="297000"/>
+          </a:xfrm>
+          <a:prstGeom prst="rect">
+            <a:avLst/>
+          </a:prstGeom>
+          <a:noFill/>
+          <a:ln>
+            <a:noFill/>
+          </a:ln>
+        </p:spPr>
+        <p:style>
+          <a:lnRef idx="0">
+            <a:scrgbClr r="0" g="0" b="0"/>
+          </a:lnRef>
+          <a:fillRef idx="0">
+            <a:scrgbClr r="0" g="0" b="0"/>
+          </a:fillRef>
+          <a:effectRef idx="0">
+            <a:scrgbClr r="0" g="0" b="0"/>
+          </a:effectRef>
+          <a:fontRef idx="minor"/>
+        </p:style>
+        <p:txBody>
+          <a:bodyPr wrap="none" lIns="90000" tIns="45000" rIns="90000" bIns="45000"/>
+          <a:lstStyle/>
+          <a:p>
+            <a:pPr>
+              <a:lnSpc>
+                <a:spcPct val="100000"/>
+              </a:lnSpc>
+            </a:pPr>
+            <a:r>
+              <a:rPr lang="ca-ES" sz="1200" b="0" strike="noStrike" spc="-1" dirty="0" smtClean="0">
+                <a:solidFill>
+                  <a:srgbClr val="000000"/>
+                </a:solidFill>
+                <a:latin typeface="Symbol"/>
+                <a:ea typeface="MS Mincho"/>
+              </a:rPr>
+              <a:t></a:t>
+            </a:r>
+            <a:r>
+              <a:rPr lang="ca-ES" sz="1200" i="1" spc="-1" baseline="-25000" dirty="0" err="1" smtClean="0">
+                <a:solidFill>
+                  <a:srgbClr val="000000"/>
+                </a:solidFill>
+                <a:latin typeface="Times New Roman"/>
+                <a:ea typeface="MS Mincho"/>
+              </a:rPr>
+              <a:t>rootsurf</a:t>
+            </a:r>
+            <a:endParaRPr lang="ca-ES" sz="1200" b="0" strike="noStrike" spc="-1" dirty="0">
+              <a:latin typeface="Arial"/>
+            </a:endParaRPr>
+          </a:p>
+        </p:txBody>
+      </p:sp>
+      <p:grpSp>
+        <p:nvGrpSpPr>
+          <p:cNvPr id="87" name="Group 53"/>
+          <p:cNvGrpSpPr/>
+          <p:nvPr/>
+        </p:nvGrpSpPr>
+        <p:grpSpPr>
+          <a:xfrm>
+            <a:off x="5715057" y="4609632"/>
+            <a:ext cx="85320" cy="193680"/>
+            <a:chOff x="4064760" y="3254760"/>
+            <a:chExt cx="85320" cy="193680"/>
+          </a:xfrm>
+        </p:grpSpPr>
+        <p:sp>
+          <p:nvSpPr>
+            <p:cNvPr id="88" name="CustomShape 54"/>
+            <p:cNvSpPr/>
+            <p:nvPr/>
+          </p:nvSpPr>
+          <p:spPr>
+            <a:xfrm>
+              <a:off x="4064760" y="3260160"/>
+              <a:ext cx="85320" cy="188280"/>
+            </a:xfrm>
+            <a:prstGeom prst="rect">
+              <a:avLst/>
+            </a:prstGeom>
+            <a:ln/>
+          </p:spPr>
+          <p:style>
+            <a:lnRef idx="2">
+              <a:schemeClr val="accent1">
+                <a:shade val="50000"/>
+              </a:schemeClr>
+            </a:lnRef>
+            <a:fillRef idx="1">
+              <a:schemeClr val="accent1"/>
+            </a:fillRef>
+            <a:effectRef idx="0">
+              <a:schemeClr val="accent1"/>
+            </a:effectRef>
+            <a:fontRef idx="minor"/>
+          </p:style>
+        </p:sp>
+        <p:sp>
+          <p:nvSpPr>
+            <p:cNvPr id="89" name="CustomShape 55"/>
+            <p:cNvSpPr/>
+            <p:nvPr/>
+          </p:nvSpPr>
+          <p:spPr>
+            <a:xfrm>
+              <a:off x="4074120" y="3254760"/>
+              <a:ext cx="74520" cy="193680"/>
+            </a:xfrm>
+            <a:custGeom>
+              <a:avLst/>
+              <a:gdLst/>
+              <a:ahLst/>
+              <a:cxnLst/>
+              <a:rect l="l" t="t" r="r" b="b"/>
+              <a:pathLst>
+                <a:path w="78627" h="273738">
+                  <a:moveTo>
+                    <a:pt x="34946" y="0"/>
+                  </a:moveTo>
+                  <a:lnTo>
+                    <a:pt x="37858" y="61154"/>
+                  </a:lnTo>
+                  <a:lnTo>
+                    <a:pt x="0" y="84451"/>
+                  </a:lnTo>
+                  <a:lnTo>
+                    <a:pt x="75715" y="84451"/>
+                  </a:lnTo>
+                  <a:lnTo>
+                    <a:pt x="8737" y="133957"/>
+                  </a:lnTo>
+                  <a:lnTo>
+                    <a:pt x="78627" y="131045"/>
+                  </a:lnTo>
+                  <a:lnTo>
+                    <a:pt x="11649" y="186375"/>
+                  </a:lnTo>
+                  <a:lnTo>
+                    <a:pt x="78627" y="189287"/>
+                  </a:lnTo>
+                  <a:lnTo>
+                    <a:pt x="40770" y="227144"/>
+                  </a:lnTo>
+                  <a:lnTo>
+                    <a:pt x="37858" y="273738"/>
+                  </a:lnTo>
+                </a:path>
+              </a:pathLst>
+            </a:custGeom>
+            <a:noFill/>
+            <a:ln w="6480">
+              <a:solidFill>
+                <a:schemeClr val="tx1"/>
+              </a:solidFill>
+            </a:ln>
+          </p:spPr>
+          <p:style>
+            <a:lnRef idx="2">
+              <a:schemeClr val="accent1">
+                <a:shade val="50000"/>
+              </a:schemeClr>
+            </a:lnRef>
+            <a:fillRef idx="1">
+              <a:schemeClr val="accent1"/>
+            </a:fillRef>
+            <a:effectRef idx="0">
+              <a:schemeClr val="accent1"/>
+            </a:effectRef>
+            <a:fontRef idx="minor"/>
+          </p:style>
+        </p:sp>
+      </p:grpSp>
+      <p:sp>
+        <p:nvSpPr>
+          <p:cNvPr id="90" name="CustomShape 3"/>
+          <p:cNvSpPr/>
+          <p:nvPr/>
+        </p:nvSpPr>
+        <p:spPr>
+          <a:xfrm>
+            <a:off x="6782889" y="2660196"/>
+            <a:ext cx="711116" cy="539154"/>
+          </a:xfrm>
+          <a:prstGeom prst="rect">
+            <a:avLst/>
+          </a:prstGeom>
+          <a:solidFill>
+            <a:schemeClr val="accent6">
+              <a:lumMod val="40000"/>
+              <a:lumOff val="60000"/>
+            </a:schemeClr>
+          </a:solidFill>
+          <a:ln/>
+        </p:spPr>
+        <p:style>
+          <a:lnRef idx="2">
+            <a:schemeClr val="accent1">
+              <a:shade val="50000"/>
+            </a:schemeClr>
+          </a:lnRef>
+          <a:fillRef idx="1">
+            <a:schemeClr val="accent1"/>
+          </a:fillRef>
+          <a:effectRef idx="0">
+            <a:schemeClr val="accent1"/>
+          </a:effectRef>
+          <a:fontRef idx="minor"/>
+        </p:style>
+      </p:sp>
+      <p:cxnSp>
+        <p:nvCxnSpPr>
+          <p:cNvPr id="3" name="Conector recto de flecha 2"/>
+          <p:cNvCxnSpPr>
+            <a:stCxn id="90" idx="1"/>
+            <a:endCxn id="231" idx="3"/>
+          </p:cNvCxnSpPr>
+          <p:nvPr/>
+        </p:nvCxnSpPr>
+        <p:spPr>
+          <a:xfrm flipH="1">
+            <a:off x="6181693" y="2929773"/>
+            <a:ext cx="601196" cy="0"/>
+          </a:xfrm>
+          <a:prstGeom prst="straightConnector1">
+            <a:avLst/>
+          </a:prstGeom>
+          <a:ln>
+            <a:solidFill>
+              <a:schemeClr val="tx1"/>
+            </a:solidFill>
+            <a:headEnd type="triangle"/>
+            <a:tailEnd type="triangle"/>
+          </a:ln>
+        </p:spPr>
+        <p:style>
+          <a:lnRef idx="1">
+            <a:schemeClr val="accent1"/>
+          </a:lnRef>
+          <a:fillRef idx="0">
+            <a:schemeClr val="accent1"/>
+          </a:fillRef>
+          <a:effectRef idx="0">
+            <a:schemeClr val="accent1"/>
+          </a:effectRef>
+          <a:fontRef idx="minor">
+            <a:schemeClr val="tx1"/>
+          </a:fontRef>
+        </p:style>
+      </p:cxnSp>
+      <p:sp>
+        <p:nvSpPr>
+          <p:cNvPr id="95" name="CustomShape 52"/>
+          <p:cNvSpPr/>
+          <p:nvPr/>
+        </p:nvSpPr>
+        <p:spPr>
+          <a:xfrm>
+            <a:off x="6785904" y="2786072"/>
+            <a:ext cx="635760" cy="280080"/>
+          </a:xfrm>
+          <a:prstGeom prst="rect">
+            <a:avLst/>
+          </a:prstGeom>
+          <a:noFill/>
+          <a:ln>
+            <a:noFill/>
+          </a:ln>
+        </p:spPr>
+        <p:style>
+          <a:lnRef idx="0">
+            <a:scrgbClr r="0" g="0" b="0"/>
+          </a:lnRef>
+          <a:fillRef idx="0">
+            <a:scrgbClr r="0" g="0" b="0"/>
+          </a:fillRef>
+          <a:effectRef idx="0">
+            <a:scrgbClr r="0" g="0" b="0"/>
+          </a:effectRef>
+          <a:fontRef idx="minor"/>
+        </p:style>
+        <p:txBody>
+          <a:bodyPr wrap="none" lIns="90000" tIns="45000" rIns="90000" bIns="45000"/>
+          <a:lstStyle/>
+          <a:p>
+            <a:pPr>
+              <a:lnSpc>
+                <a:spcPct val="100000"/>
+              </a:lnSpc>
+            </a:pPr>
+            <a:r>
+              <a:rPr lang="ca-ES" sz="1100" b="0" strike="noStrike" spc="-1" dirty="0">
+                <a:solidFill>
+                  <a:srgbClr val="000000"/>
+                </a:solidFill>
+                <a:latin typeface="Symbol"/>
+                <a:ea typeface="MS Mincho"/>
+              </a:rPr>
+              <a:t></a:t>
+            </a:r>
+            <a:r>
+              <a:rPr lang="ca-ES" sz="1100" b="0" i="1" strike="noStrike" spc="-1" baseline="-25000" dirty="0" err="1" smtClean="0">
+                <a:solidFill>
+                  <a:srgbClr val="000000"/>
+                </a:solidFill>
+                <a:latin typeface="Times New Roman"/>
+                <a:ea typeface="MS Mincho"/>
+              </a:rPr>
+              <a:t>symp</a:t>
+            </a:r>
+            <a:r>
+              <a:rPr lang="ca-ES" sz="1100" b="0" i="1" strike="noStrike" spc="-1" baseline="-25000" dirty="0" smtClean="0">
+                <a:solidFill>
+                  <a:srgbClr val="000000"/>
+                </a:solidFill>
+                <a:latin typeface="Times New Roman"/>
+                <a:ea typeface="MS Mincho"/>
+              </a:rPr>
+              <a:t>,</a:t>
+            </a:r>
+            <a:r>
+              <a:rPr lang="ca-ES" sz="1100" b="0" i="1" strike="noStrike" spc="-1" dirty="0" smtClean="0">
+                <a:solidFill>
+                  <a:srgbClr val="000000"/>
+                </a:solidFill>
+                <a:latin typeface="Times New Roman"/>
+                <a:ea typeface="MS Mincho"/>
+              </a:rPr>
+              <a:t> </a:t>
+            </a:r>
+            <a:r>
+              <a:rPr lang="ca-ES" sz="1100" b="0" i="1" strike="noStrike" spc="-1" baseline="-25000" dirty="0" err="1" smtClean="0">
+                <a:solidFill>
+                  <a:srgbClr val="000000"/>
+                </a:solidFill>
+                <a:latin typeface="Times New Roman"/>
+                <a:ea typeface="MS Mincho"/>
+              </a:rPr>
+              <a:t>stem</a:t>
+            </a:r>
+            <a:endParaRPr lang="ca-ES" sz="1100" b="0" strike="noStrike" spc="-1" dirty="0">
+              <a:latin typeface="Arial"/>
+            </a:endParaRPr>
+          </a:p>
+        </p:txBody>
+      </p:sp>
+      <p:sp>
+        <p:nvSpPr>
+          <p:cNvPr id="96" name="CustomShape 18"/>
+          <p:cNvSpPr/>
+          <p:nvPr/>
+        </p:nvSpPr>
+        <p:spPr>
+          <a:xfrm rot="16200000">
+            <a:off x="1765009" y="4414161"/>
+            <a:ext cx="688404" cy="250200"/>
+          </a:xfrm>
+          <a:prstGeom prst="rect">
+            <a:avLst/>
+          </a:prstGeom>
+          <a:noFill/>
+          <a:ln>
+            <a:noFill/>
+          </a:ln>
+        </p:spPr>
+        <p:style>
+          <a:lnRef idx="0">
+            <a:scrgbClr r="0" g="0" b="0"/>
+          </a:lnRef>
+          <a:fillRef idx="0">
+            <a:scrgbClr r="0" g="0" b="0"/>
+          </a:fillRef>
+          <a:effectRef idx="0">
+            <a:scrgbClr r="0" g="0" b="0"/>
+          </a:effectRef>
+          <a:fontRef idx="minor"/>
+        </p:style>
+        <p:txBody>
+          <a:bodyPr lIns="90000" tIns="45000" rIns="90000" bIns="45000"/>
+          <a:lstStyle/>
+          <a:p>
+            <a:pPr algn="ctr">
+              <a:lnSpc>
+                <a:spcPct val="100000"/>
+              </a:lnSpc>
+            </a:pPr>
+            <a:r>
+              <a:rPr lang="ca-ES" sz="1050" b="0" i="1" strike="noStrike" spc="-1" dirty="0" err="1" smtClean="0">
+                <a:solidFill>
+                  <a:srgbClr val="000000"/>
+                </a:solidFill>
+                <a:latin typeface="Calibri"/>
+              </a:rPr>
+              <a:t>Roots</a:t>
+            </a:r>
+            <a:endParaRPr lang="ca-ES" sz="1050" b="0" strike="noStrike" spc="-1" dirty="0">
+              <a:latin typeface="Arial"/>
+            </a:endParaRPr>
+          </a:p>
+        </p:txBody>
+      </p:sp>
+      <p:cxnSp>
+        <p:nvCxnSpPr>
+          <p:cNvPr id="97" name="Conector recto de flecha 96"/>
+          <p:cNvCxnSpPr/>
+          <p:nvPr/>
+        </p:nvCxnSpPr>
+        <p:spPr>
+          <a:xfrm flipH="1" flipV="1">
+            <a:off x="6039281" y="3191702"/>
+            <a:ext cx="7099" cy="913030"/>
+          </a:xfrm>
+          <a:prstGeom prst="straightConnector1">
+            <a:avLst/>
+          </a:prstGeom>
+          <a:ln w="15875">
+            <a:solidFill>
+              <a:schemeClr val="tx1"/>
+            </a:solidFill>
+            <a:headEnd type="none"/>
+            <a:tailEnd type="triangle"/>
+          </a:ln>
+        </p:spPr>
+        <p:style>
+          <a:lnRef idx="1">
+            <a:schemeClr val="accent1"/>
+          </a:lnRef>
+          <a:fillRef idx="0">
+            <a:schemeClr val="accent1"/>
+          </a:fillRef>
+          <a:effectRef idx="0">
+            <a:schemeClr val="accent1"/>
+          </a:effectRef>
+          <a:fontRef idx="minor">
+            <a:schemeClr val="tx1"/>
+          </a:fontRef>
+        </p:style>
+      </p:cxnSp>
+      <p:grpSp>
+        <p:nvGrpSpPr>
+          <p:cNvPr id="281" name="Group 53"/>
+          <p:cNvGrpSpPr/>
+          <p:nvPr/>
+        </p:nvGrpSpPr>
+        <p:grpSpPr>
+          <a:xfrm>
+            <a:off x="5988369" y="3686066"/>
+            <a:ext cx="85320" cy="193680"/>
+            <a:chOff x="4064760" y="3254760"/>
+            <a:chExt cx="85320" cy="193680"/>
+          </a:xfrm>
+        </p:grpSpPr>
+        <p:sp>
+          <p:nvSpPr>
+            <p:cNvPr id="282" name="CustomShape 54"/>
+            <p:cNvSpPr/>
+            <p:nvPr/>
+          </p:nvSpPr>
+          <p:spPr>
+            <a:xfrm>
+              <a:off x="4064760" y="3260160"/>
+              <a:ext cx="85320" cy="188280"/>
+            </a:xfrm>
+            <a:prstGeom prst="rect">
+              <a:avLst/>
+            </a:prstGeom>
+            <a:ln/>
+          </p:spPr>
+          <p:style>
+            <a:lnRef idx="2">
+              <a:schemeClr val="accent1">
+                <a:shade val="50000"/>
+              </a:schemeClr>
+            </a:lnRef>
+            <a:fillRef idx="1">
+              <a:schemeClr val="accent1"/>
+            </a:fillRef>
+            <a:effectRef idx="0">
+              <a:schemeClr val="accent1"/>
+            </a:effectRef>
+            <a:fontRef idx="minor"/>
+          </p:style>
+        </p:sp>
+        <p:sp>
+          <p:nvSpPr>
+            <p:cNvPr id="283" name="CustomShape 55"/>
+            <p:cNvSpPr/>
+            <p:nvPr/>
+          </p:nvSpPr>
+          <p:spPr>
+            <a:xfrm>
+              <a:off x="4074120" y="3254760"/>
+              <a:ext cx="74520" cy="193680"/>
+            </a:xfrm>
+            <a:custGeom>
+              <a:avLst/>
+              <a:gdLst/>
+              <a:ahLst/>
+              <a:cxnLst/>
+              <a:rect l="l" t="t" r="r" b="b"/>
+              <a:pathLst>
+                <a:path w="78627" h="273738">
+                  <a:moveTo>
+                    <a:pt x="34946" y="0"/>
+                  </a:moveTo>
+                  <a:lnTo>
+                    <a:pt x="37858" y="61154"/>
+                  </a:lnTo>
+                  <a:lnTo>
+                    <a:pt x="0" y="84451"/>
+                  </a:lnTo>
+                  <a:lnTo>
+                    <a:pt x="75715" y="84451"/>
+                  </a:lnTo>
+                  <a:lnTo>
+                    <a:pt x="8737" y="133957"/>
+                  </a:lnTo>
+                  <a:lnTo>
+                    <a:pt x="78627" y="131045"/>
+                  </a:lnTo>
+                  <a:lnTo>
+                    <a:pt x="11649" y="186375"/>
+                  </a:lnTo>
+                  <a:lnTo>
+                    <a:pt x="78627" y="189287"/>
+                  </a:lnTo>
+                  <a:lnTo>
+                    <a:pt x="40770" y="227144"/>
+                  </a:lnTo>
+                  <a:lnTo>
+                    <a:pt x="37858" y="273738"/>
+                  </a:lnTo>
+                </a:path>
+              </a:pathLst>
+            </a:custGeom>
+            <a:noFill/>
+            <a:ln w="6480">
+              <a:solidFill>
+                <a:schemeClr val="tx1"/>
+              </a:solidFill>
+            </a:ln>
+          </p:spPr>
+          <p:style>
+            <a:lnRef idx="2">
+              <a:schemeClr val="accent1">
+                <a:shade val="50000"/>
+              </a:schemeClr>
+            </a:lnRef>
+            <a:fillRef idx="1">
+              <a:schemeClr val="accent1"/>
+            </a:fillRef>
+            <a:effectRef idx="0">
+              <a:schemeClr val="accent1"/>
+            </a:effectRef>
+            <a:fontRef idx="minor"/>
+          </p:style>
+        </p:sp>
+      </p:grpSp>
+      <p:sp>
+        <p:nvSpPr>
+          <p:cNvPr id="91" name="CustomShape 3"/>
+          <p:cNvSpPr/>
+          <p:nvPr/>
+        </p:nvSpPr>
+        <p:spPr>
+          <a:xfrm>
+            <a:off x="2860671" y="1312425"/>
+            <a:ext cx="45719" cy="2928149"/>
+          </a:xfrm>
+          <a:custGeom>
+            <a:avLst/>
+            <a:gdLst/>
+            <a:ahLst/>
+            <a:cxnLst/>
+            <a:rect l="l" t="t" r="r" b="b"/>
+            <a:pathLst>
+              <a:path w="21600" h="21600">
+                <a:moveTo>
+                  <a:pt x="0" y="0"/>
+                </a:moveTo>
+                <a:lnTo>
+                  <a:pt x="21600" y="21600"/>
+                </a:lnTo>
+              </a:path>
+            </a:pathLst>
+          </a:custGeom>
+          <a:noFill/>
+          <a:ln w="9360">
+            <a:solidFill>
+              <a:schemeClr val="tx1"/>
+            </a:solidFill>
+            <a:headEnd type="triangle" w="med" len="med"/>
+          </a:ln>
+        </p:spPr>
+        <p:style>
+          <a:lnRef idx="1">
+            <a:schemeClr val="accent1"/>
+          </a:lnRef>
+          <a:fillRef idx="0">
+            <a:schemeClr val="accent1"/>
+          </a:fillRef>
+          <a:effectRef idx="0">
+            <a:schemeClr val="accent1"/>
+          </a:effectRef>
+          <a:fontRef idx="minor"/>
+        </p:style>
+      </p:sp>
+      <p:sp>
+        <p:nvSpPr>
+          <p:cNvPr id="92" name="CustomShape 4"/>
+          <p:cNvSpPr/>
+          <p:nvPr/>
+        </p:nvSpPr>
+        <p:spPr>
+          <a:xfrm>
+            <a:off x="2824672" y="4036094"/>
+            <a:ext cx="162360" cy="204480"/>
+          </a:xfrm>
+          <a:prstGeom prst="ellipse">
+            <a:avLst/>
+          </a:prstGeom>
+          <a:solidFill>
+            <a:schemeClr val="bg2"/>
+          </a:solidFill>
+          <a:ln/>
+        </p:spPr>
+        <p:style>
+          <a:lnRef idx="2">
+            <a:schemeClr val="accent1">
+              <a:shade val="50000"/>
+            </a:schemeClr>
+          </a:lnRef>
+          <a:fillRef idx="1">
+            <a:schemeClr val="accent1"/>
+          </a:fillRef>
+          <a:effectRef idx="0">
+            <a:schemeClr val="accent1"/>
+          </a:effectRef>
+          <a:fontRef idx="minor"/>
+        </p:style>
+      </p:sp>
+      <p:sp>
+        <p:nvSpPr>
+          <p:cNvPr id="93" name="CustomShape 5"/>
+          <p:cNvSpPr/>
+          <p:nvPr/>
+        </p:nvSpPr>
+        <p:spPr>
+          <a:xfrm>
+            <a:off x="4424152" y="4036094"/>
+            <a:ext cx="162360" cy="204480"/>
+          </a:xfrm>
+          <a:prstGeom prst="ellipse">
+            <a:avLst/>
+          </a:prstGeom>
+          <a:solidFill>
+            <a:schemeClr val="bg2"/>
+          </a:solidFill>
+          <a:ln/>
+        </p:spPr>
+        <p:style>
+          <a:lnRef idx="2">
+            <a:schemeClr val="accent1">
+              <a:shade val="50000"/>
+            </a:schemeClr>
+          </a:lnRef>
+          <a:fillRef idx="1">
+            <a:schemeClr val="accent1"/>
+          </a:fillRef>
+          <a:effectRef idx="0">
+            <a:schemeClr val="accent1"/>
+          </a:effectRef>
+          <a:fontRef idx="minor"/>
+        </p:style>
+      </p:sp>
+      <p:sp>
+        <p:nvSpPr>
+          <p:cNvPr id="94" name="CustomShape 6"/>
+          <p:cNvSpPr/>
+          <p:nvPr/>
+        </p:nvSpPr>
+        <p:spPr>
+          <a:xfrm flipH="1">
+            <a:off x="2987392" y="4138694"/>
+            <a:ext cx="1436400" cy="360"/>
+          </a:xfrm>
+          <a:custGeom>
+            <a:avLst/>
+            <a:gdLst/>
+            <a:ahLst/>
+            <a:cxnLst/>
+            <a:rect l="l" t="t" r="r" b="b"/>
+            <a:pathLst>
+              <a:path w="21600" h="21600">
+                <a:moveTo>
+                  <a:pt x="0" y="0"/>
+                </a:moveTo>
+                <a:lnTo>
+                  <a:pt x="21600" y="21600"/>
+                </a:lnTo>
+              </a:path>
+            </a:pathLst>
+          </a:custGeom>
+          <a:noFill/>
+          <a:ln w="9360">
+            <a:solidFill>
+              <a:schemeClr val="tx1"/>
+            </a:solidFill>
+          </a:ln>
+        </p:spPr>
+        <p:style>
+          <a:lnRef idx="1">
+            <a:schemeClr val="accent1"/>
+          </a:lnRef>
+          <a:fillRef idx="0">
+            <a:schemeClr val="accent1"/>
+          </a:fillRef>
+          <a:effectRef idx="0">
+            <a:schemeClr val="accent1"/>
+          </a:effectRef>
+          <a:fontRef idx="minor"/>
+        </p:style>
+      </p:sp>
+      <p:sp>
+        <p:nvSpPr>
+          <p:cNvPr id="98" name="CustomShape 7"/>
+          <p:cNvSpPr/>
+          <p:nvPr/>
+        </p:nvSpPr>
+        <p:spPr>
+          <a:xfrm>
+            <a:off x="3631432" y="4046174"/>
+            <a:ext cx="162360" cy="204480"/>
+          </a:xfrm>
+          <a:prstGeom prst="ellipse">
+            <a:avLst/>
+          </a:prstGeom>
+          <a:solidFill>
+            <a:schemeClr val="bg2"/>
+          </a:solidFill>
+          <a:ln/>
+        </p:spPr>
+        <p:style>
+          <a:lnRef idx="2">
+            <a:schemeClr val="accent1">
+              <a:shade val="50000"/>
+            </a:schemeClr>
+          </a:lnRef>
+          <a:fillRef idx="1">
+            <a:schemeClr val="accent1"/>
+          </a:fillRef>
+          <a:effectRef idx="0">
+            <a:schemeClr val="accent1"/>
+          </a:effectRef>
+          <a:fontRef idx="minor"/>
+        </p:style>
+      </p:sp>
+      <p:sp>
+        <p:nvSpPr>
+          <p:cNvPr id="99" name="CustomShape 8"/>
+          <p:cNvSpPr/>
+          <p:nvPr/>
+        </p:nvSpPr>
+        <p:spPr>
+          <a:xfrm>
+            <a:off x="4444312" y="4509494"/>
+            <a:ext cx="162360" cy="204480"/>
+          </a:xfrm>
+          <a:prstGeom prst="ellipse">
+            <a:avLst/>
+          </a:prstGeom>
+          <a:solidFill>
+            <a:schemeClr val="bg2"/>
+          </a:solidFill>
+          <a:ln/>
+        </p:spPr>
+        <p:style>
+          <a:lnRef idx="2">
+            <a:schemeClr val="accent1">
+              <a:shade val="50000"/>
+            </a:schemeClr>
+          </a:lnRef>
+          <a:fillRef idx="1">
+            <a:schemeClr val="accent1"/>
+          </a:fillRef>
+          <a:effectRef idx="0">
+            <a:schemeClr val="accent1"/>
+          </a:effectRef>
+          <a:fontRef idx="minor"/>
+        </p:style>
+      </p:sp>
+      <p:sp>
+        <p:nvSpPr>
+          <p:cNvPr id="100" name="CustomShape 9"/>
+          <p:cNvSpPr/>
+          <p:nvPr/>
+        </p:nvSpPr>
+        <p:spPr>
+          <a:xfrm flipH="1">
+            <a:off x="3298072" y="4611734"/>
+            <a:ext cx="1145160" cy="13680"/>
+          </a:xfrm>
+          <a:custGeom>
+            <a:avLst/>
+            <a:gdLst/>
+            <a:ahLst/>
+            <a:cxnLst/>
+            <a:rect l="l" t="t" r="r" b="b"/>
+            <a:pathLst>
+              <a:path w="21600" h="21600">
+                <a:moveTo>
+                  <a:pt x="0" y="0"/>
+                </a:moveTo>
+                <a:lnTo>
+                  <a:pt x="21600" y="21600"/>
+                </a:lnTo>
+              </a:path>
+            </a:pathLst>
+          </a:custGeom>
+          <a:noFill/>
+          <a:ln w="9360">
+            <a:solidFill>
+              <a:schemeClr val="tx1"/>
+            </a:solidFill>
+          </a:ln>
+        </p:spPr>
+        <p:style>
+          <a:lnRef idx="1">
+            <a:schemeClr val="accent1"/>
+          </a:lnRef>
+          <a:fillRef idx="0">
+            <a:schemeClr val="accent1"/>
+          </a:fillRef>
+          <a:effectRef idx="0">
+            <a:schemeClr val="accent1"/>
+          </a:effectRef>
+          <a:fontRef idx="minor"/>
+        </p:style>
+      </p:sp>
+      <p:sp>
+        <p:nvSpPr>
+          <p:cNvPr id="101" name="CustomShape 10"/>
+          <p:cNvSpPr/>
+          <p:nvPr/>
+        </p:nvSpPr>
+        <p:spPr>
+          <a:xfrm>
+            <a:off x="3651592" y="4519214"/>
+            <a:ext cx="162360" cy="204480"/>
+          </a:xfrm>
+          <a:prstGeom prst="ellipse">
+            <a:avLst/>
+          </a:prstGeom>
+          <a:solidFill>
+            <a:schemeClr val="bg2"/>
+          </a:solidFill>
+          <a:ln/>
+        </p:spPr>
+        <p:style>
+          <a:lnRef idx="2">
+            <a:schemeClr val="accent1">
+              <a:shade val="50000"/>
+            </a:schemeClr>
+          </a:lnRef>
+          <a:fillRef idx="1">
+            <a:schemeClr val="accent1"/>
+          </a:fillRef>
+          <a:effectRef idx="0">
+            <a:schemeClr val="accent1"/>
+          </a:effectRef>
+          <a:fontRef idx="minor"/>
+        </p:style>
+      </p:sp>
+      <p:sp>
+        <p:nvSpPr>
+          <p:cNvPr id="102" name="CustomShape 11"/>
+          <p:cNvSpPr/>
+          <p:nvPr/>
+        </p:nvSpPr>
+        <p:spPr>
+          <a:xfrm>
+            <a:off x="4444312" y="5122214"/>
+            <a:ext cx="162360" cy="204480"/>
+          </a:xfrm>
+          <a:prstGeom prst="ellipse">
+            <a:avLst/>
+          </a:prstGeom>
+          <a:solidFill>
+            <a:schemeClr val="bg2"/>
+          </a:solidFill>
+          <a:ln/>
+        </p:spPr>
+        <p:style>
+          <a:lnRef idx="2">
+            <a:schemeClr val="accent1">
+              <a:shade val="50000"/>
+            </a:schemeClr>
+          </a:lnRef>
+          <a:fillRef idx="1">
+            <a:schemeClr val="accent1"/>
+          </a:fillRef>
+          <a:effectRef idx="0">
+            <a:schemeClr val="accent1"/>
+          </a:effectRef>
+          <a:fontRef idx="minor"/>
+        </p:style>
+      </p:sp>
+      <p:sp>
+        <p:nvSpPr>
+          <p:cNvPr id="103" name="CustomShape 12"/>
+          <p:cNvSpPr/>
+          <p:nvPr/>
+        </p:nvSpPr>
+        <p:spPr>
+          <a:xfrm flipH="1">
+            <a:off x="3296992" y="5224454"/>
+            <a:ext cx="1146960" cy="9000"/>
+          </a:xfrm>
+          <a:custGeom>
+            <a:avLst/>
+            <a:gdLst/>
+            <a:ahLst/>
+            <a:cxnLst/>
+            <a:rect l="l" t="t" r="r" b="b"/>
+            <a:pathLst>
+              <a:path w="21600" h="21600">
+                <a:moveTo>
+                  <a:pt x="0" y="0"/>
+                </a:moveTo>
+                <a:lnTo>
+                  <a:pt x="21600" y="21600"/>
+                </a:lnTo>
+              </a:path>
+            </a:pathLst>
+          </a:custGeom>
+          <a:noFill/>
+          <a:ln w="9360">
+            <a:solidFill>
+              <a:schemeClr val="tx1"/>
+            </a:solidFill>
+          </a:ln>
+        </p:spPr>
+        <p:style>
+          <a:lnRef idx="1">
+            <a:schemeClr val="accent1"/>
+          </a:lnRef>
+          <a:fillRef idx="0">
+            <a:schemeClr val="accent1"/>
+          </a:fillRef>
+          <a:effectRef idx="0">
+            <a:schemeClr val="accent1"/>
+          </a:effectRef>
+          <a:fontRef idx="minor"/>
+        </p:style>
+      </p:sp>
+      <p:sp>
+        <p:nvSpPr>
+          <p:cNvPr id="104" name="CustomShape 13"/>
+          <p:cNvSpPr/>
+          <p:nvPr/>
+        </p:nvSpPr>
+        <p:spPr>
+          <a:xfrm>
+            <a:off x="3651592" y="5131934"/>
+            <a:ext cx="162360" cy="204480"/>
+          </a:xfrm>
+          <a:prstGeom prst="ellipse">
+            <a:avLst/>
+          </a:prstGeom>
+          <a:solidFill>
+            <a:schemeClr val="bg2"/>
+          </a:solidFill>
+          <a:ln/>
+        </p:spPr>
+        <p:style>
+          <a:lnRef idx="2">
+            <a:schemeClr val="accent1">
+              <a:shade val="50000"/>
+            </a:schemeClr>
+          </a:lnRef>
+          <a:fillRef idx="1">
+            <a:schemeClr val="accent1"/>
+          </a:fillRef>
+          <a:effectRef idx="0">
+            <a:schemeClr val="accent1"/>
+          </a:effectRef>
+          <a:fontRef idx="minor"/>
+        </p:style>
+      </p:sp>
+      <p:sp>
+        <p:nvSpPr>
+          <p:cNvPr id="105" name="CustomShape 18"/>
+          <p:cNvSpPr/>
+          <p:nvPr/>
+        </p:nvSpPr>
+        <p:spPr>
+          <a:xfrm>
+            <a:off x="2883712" y="5583734"/>
+            <a:ext cx="575280" cy="250200"/>
+          </a:xfrm>
+          <a:prstGeom prst="rect">
+            <a:avLst/>
+          </a:prstGeom>
+          <a:noFill/>
+          <a:ln>
+            <a:noFill/>
+          </a:ln>
+        </p:spPr>
+        <p:style>
+          <a:lnRef idx="0">
+            <a:scrgbClr r="0" g="0" b="0"/>
+          </a:lnRef>
+          <a:fillRef idx="0">
+            <a:scrgbClr r="0" g="0" b="0"/>
+          </a:fillRef>
+          <a:effectRef idx="0">
+            <a:scrgbClr r="0" g="0" b="0"/>
+          </a:effectRef>
+          <a:fontRef idx="minor"/>
+        </p:style>
+        <p:txBody>
+          <a:bodyPr lIns="90000" tIns="45000" rIns="90000" bIns="45000"/>
+          <a:lstStyle/>
+          <a:p>
+            <a:pPr algn="ctr">
+              <a:lnSpc>
+                <a:spcPct val="100000"/>
+              </a:lnSpc>
+            </a:pPr>
+            <a:r>
+              <a:rPr lang="ca-ES" sz="1050" b="0" i="1" strike="noStrike" spc="-1">
+                <a:solidFill>
+                  <a:srgbClr val="000000"/>
+                </a:solidFill>
+                <a:latin typeface="Calibri"/>
+              </a:rPr>
+              <a:t>Roots</a:t>
+            </a:r>
+            <a:endParaRPr lang="ca-ES" sz="1050" b="0" strike="noStrike" spc="-1">
+              <a:latin typeface="Arial"/>
+            </a:endParaRPr>
+          </a:p>
+        </p:txBody>
+      </p:sp>
+      <p:sp>
+        <p:nvSpPr>
+          <p:cNvPr id="106" name="CustomShape 19"/>
+          <p:cNvSpPr/>
+          <p:nvPr/>
+        </p:nvSpPr>
+        <p:spPr>
+          <a:xfrm>
+            <a:off x="3502552" y="5599574"/>
+            <a:ext cx="1477080" cy="250200"/>
+          </a:xfrm>
+          <a:prstGeom prst="rect">
+            <a:avLst/>
+          </a:prstGeom>
+          <a:noFill/>
+          <a:ln>
+            <a:noFill/>
+          </a:ln>
+        </p:spPr>
+        <p:style>
+          <a:lnRef idx="0">
+            <a:scrgbClr r="0" g="0" b="0"/>
+          </a:lnRef>
+          <a:fillRef idx="0">
+            <a:scrgbClr r="0" g="0" b="0"/>
+          </a:fillRef>
+          <a:effectRef idx="0">
+            <a:scrgbClr r="0" g="0" b="0"/>
+          </a:effectRef>
+          <a:fontRef idx="minor"/>
+        </p:style>
+        <p:txBody>
+          <a:bodyPr lIns="90000" tIns="45000" rIns="90000" bIns="45000"/>
+          <a:lstStyle/>
+          <a:p>
+            <a:pPr algn="ctr">
+              <a:lnSpc>
+                <a:spcPct val="100000"/>
+              </a:lnSpc>
+            </a:pPr>
+            <a:r>
+              <a:rPr lang="ca-ES" sz="1050" b="0" i="1" strike="noStrike" spc="-1">
+                <a:solidFill>
+                  <a:srgbClr val="000000"/>
+                </a:solidFill>
+                <a:latin typeface="Calibri"/>
+              </a:rPr>
+              <a:t>Rhizosphere</a:t>
+            </a:r>
+            <a:endParaRPr lang="ca-ES" sz="1050" b="0" strike="noStrike" spc="-1">
+              <a:latin typeface="Arial"/>
+            </a:endParaRPr>
+          </a:p>
+        </p:txBody>
+      </p:sp>
+      <p:sp>
+        <p:nvSpPr>
+          <p:cNvPr id="107" name="CustomShape 20"/>
+          <p:cNvSpPr/>
+          <p:nvPr/>
+        </p:nvSpPr>
+        <p:spPr>
+          <a:xfrm>
+            <a:off x="3477352" y="4212854"/>
+            <a:ext cx="673200" cy="297000"/>
+          </a:xfrm>
+          <a:prstGeom prst="rect">
+            <a:avLst/>
+          </a:prstGeom>
+          <a:noFill/>
+          <a:ln>
+            <a:noFill/>
+          </a:ln>
+        </p:spPr>
+        <p:style>
+          <a:lnRef idx="0">
+            <a:scrgbClr r="0" g="0" b="0"/>
+          </a:lnRef>
+          <a:fillRef idx="0">
+            <a:scrgbClr r="0" g="0" b="0"/>
+          </a:fillRef>
+          <a:effectRef idx="0">
+            <a:scrgbClr r="0" g="0" b="0"/>
+          </a:effectRef>
+          <a:fontRef idx="minor"/>
+        </p:style>
+        <p:txBody>
+          <a:bodyPr wrap="none" lIns="90000" tIns="45000" rIns="90000" bIns="45000"/>
+          <a:lstStyle/>
+          <a:p>
+            <a:pPr>
+              <a:lnSpc>
+                <a:spcPct val="100000"/>
+              </a:lnSpc>
+            </a:pPr>
+            <a:r>
+              <a:rPr lang="ca-ES" sz="1200" b="0" strike="noStrike" spc="-1">
+                <a:solidFill>
+                  <a:srgbClr val="000000"/>
+                </a:solidFill>
+                <a:latin typeface="Symbol"/>
+                <a:ea typeface="MS Mincho"/>
+              </a:rPr>
+              <a:t></a:t>
+            </a:r>
+            <a:r>
+              <a:rPr lang="ca-ES" sz="1200" b="0" i="1" strike="noStrike" spc="-1" baseline="-25000">
+                <a:solidFill>
+                  <a:srgbClr val="000000"/>
+                </a:solidFill>
+                <a:latin typeface="Times New Roman"/>
+                <a:ea typeface="MS Mincho"/>
+              </a:rPr>
+              <a:t>rootsurf, </a:t>
+            </a:r>
+            <a:r>
+              <a:rPr lang="ca-ES" sz="1200" b="0" strike="noStrike" spc="-1" baseline="-25000">
+                <a:solidFill>
+                  <a:srgbClr val="000000"/>
+                </a:solidFill>
+                <a:latin typeface="Times New Roman"/>
+                <a:ea typeface="MS Mincho"/>
+              </a:rPr>
+              <a:t>1</a:t>
+            </a:r>
+            <a:endParaRPr lang="ca-ES" sz="1200" b="0" strike="noStrike" spc="-1">
+              <a:latin typeface="Arial"/>
+            </a:endParaRPr>
+          </a:p>
+        </p:txBody>
+      </p:sp>
+      <p:sp>
+        <p:nvSpPr>
+          <p:cNvPr id="108" name="CustomShape 21"/>
+          <p:cNvSpPr/>
+          <p:nvPr/>
+        </p:nvSpPr>
+        <p:spPr>
+          <a:xfrm>
+            <a:off x="3477352" y="4701374"/>
+            <a:ext cx="673200" cy="297000"/>
+          </a:xfrm>
+          <a:prstGeom prst="rect">
+            <a:avLst/>
+          </a:prstGeom>
+          <a:noFill/>
+          <a:ln>
+            <a:noFill/>
+          </a:ln>
+        </p:spPr>
+        <p:style>
+          <a:lnRef idx="0">
+            <a:scrgbClr r="0" g="0" b="0"/>
+          </a:lnRef>
+          <a:fillRef idx="0">
+            <a:scrgbClr r="0" g="0" b="0"/>
+          </a:fillRef>
+          <a:effectRef idx="0">
+            <a:scrgbClr r="0" g="0" b="0"/>
+          </a:effectRef>
+          <a:fontRef idx="minor"/>
+        </p:style>
+        <p:txBody>
+          <a:bodyPr wrap="none" lIns="90000" tIns="45000" rIns="90000" bIns="45000"/>
+          <a:lstStyle/>
+          <a:p>
+            <a:pPr>
+              <a:lnSpc>
+                <a:spcPct val="100000"/>
+              </a:lnSpc>
+            </a:pPr>
+            <a:r>
+              <a:rPr lang="ca-ES" sz="1200" b="0" strike="noStrike" spc="-1">
+                <a:solidFill>
+                  <a:srgbClr val="000000"/>
+                </a:solidFill>
+                <a:latin typeface="Symbol"/>
+                <a:ea typeface="MS Mincho"/>
+              </a:rPr>
+              <a:t></a:t>
+            </a:r>
+            <a:r>
+              <a:rPr lang="ca-ES" sz="1200" b="0" i="1" strike="noStrike" spc="-1" baseline="-25000">
+                <a:solidFill>
+                  <a:srgbClr val="000000"/>
+                </a:solidFill>
+                <a:latin typeface="Times New Roman"/>
+                <a:ea typeface="MS Mincho"/>
+              </a:rPr>
+              <a:t>rootsurf, </a:t>
+            </a:r>
+            <a:r>
+              <a:rPr lang="ca-ES" sz="1200" b="0" strike="noStrike" spc="-1" baseline="-25000">
+                <a:solidFill>
+                  <a:srgbClr val="000000"/>
+                </a:solidFill>
+                <a:latin typeface="Times New Roman"/>
+                <a:ea typeface="MS Mincho"/>
+              </a:rPr>
+              <a:t>2</a:t>
+            </a:r>
+            <a:endParaRPr lang="ca-ES" sz="1200" b="0" strike="noStrike" spc="-1">
+              <a:latin typeface="Arial"/>
+            </a:endParaRPr>
+          </a:p>
+        </p:txBody>
+      </p:sp>
+      <p:sp>
+        <p:nvSpPr>
+          <p:cNvPr id="109" name="CustomShape 22"/>
+          <p:cNvSpPr/>
+          <p:nvPr/>
+        </p:nvSpPr>
+        <p:spPr>
+          <a:xfrm>
+            <a:off x="3528472" y="5303654"/>
+            <a:ext cx="673200" cy="297000"/>
+          </a:xfrm>
+          <a:prstGeom prst="rect">
+            <a:avLst/>
+          </a:prstGeom>
+          <a:noFill/>
+          <a:ln>
+            <a:noFill/>
+          </a:ln>
+        </p:spPr>
+        <p:style>
+          <a:lnRef idx="0">
+            <a:scrgbClr r="0" g="0" b="0"/>
+          </a:lnRef>
+          <a:fillRef idx="0">
+            <a:scrgbClr r="0" g="0" b="0"/>
+          </a:fillRef>
+          <a:effectRef idx="0">
+            <a:scrgbClr r="0" g="0" b="0"/>
+          </a:effectRef>
+          <a:fontRef idx="minor"/>
+        </p:style>
+        <p:txBody>
+          <a:bodyPr wrap="none" lIns="90000" tIns="45000" rIns="90000" bIns="45000"/>
+          <a:lstStyle/>
+          <a:p>
+            <a:pPr>
+              <a:lnSpc>
+                <a:spcPct val="100000"/>
+              </a:lnSpc>
+            </a:pPr>
+            <a:r>
+              <a:rPr lang="ca-ES" sz="1200" b="0" strike="noStrike" spc="-1">
+                <a:solidFill>
+                  <a:srgbClr val="000000"/>
+                </a:solidFill>
+                <a:latin typeface="Symbol"/>
+                <a:ea typeface="MS Mincho"/>
+              </a:rPr>
+              <a:t></a:t>
+            </a:r>
+            <a:r>
+              <a:rPr lang="ca-ES" sz="1200" b="0" i="1" strike="noStrike" spc="-1" baseline="-25000">
+                <a:solidFill>
+                  <a:srgbClr val="000000"/>
+                </a:solidFill>
+                <a:latin typeface="Times New Roman"/>
+                <a:ea typeface="MS Mincho"/>
+              </a:rPr>
+              <a:t>rootsurf, S</a:t>
+            </a:r>
+            <a:endParaRPr lang="ca-ES" sz="1200" b="0" strike="noStrike" spc="-1">
+              <a:latin typeface="Arial"/>
+            </a:endParaRPr>
+          </a:p>
+        </p:txBody>
+      </p:sp>
+      <p:sp>
+        <p:nvSpPr>
+          <p:cNvPr id="110" name="CustomShape 23"/>
+          <p:cNvSpPr/>
+          <p:nvPr/>
+        </p:nvSpPr>
+        <p:spPr>
+          <a:xfrm flipH="1" flipV="1">
+            <a:off x="2962912" y="4211054"/>
+            <a:ext cx="235080" cy="415440"/>
+          </a:xfrm>
+          <a:custGeom>
+            <a:avLst/>
+            <a:gdLst/>
+            <a:ahLst/>
+            <a:cxnLst/>
+            <a:rect l="l" t="t" r="r" b="b"/>
+            <a:pathLst>
+              <a:path w="21600" h="21600">
+                <a:moveTo>
+                  <a:pt x="0" y="0"/>
+                </a:moveTo>
+                <a:lnTo>
+                  <a:pt x="21600" y="21600"/>
+                </a:lnTo>
+              </a:path>
+            </a:pathLst>
+          </a:custGeom>
+          <a:noFill/>
+          <a:ln w="9360">
+            <a:solidFill>
+              <a:schemeClr val="tx1"/>
+            </a:solidFill>
+          </a:ln>
+        </p:spPr>
+        <p:style>
+          <a:lnRef idx="1">
+            <a:schemeClr val="accent1"/>
+          </a:lnRef>
+          <a:fillRef idx="0">
+            <a:schemeClr val="accent1"/>
+          </a:fillRef>
+          <a:effectRef idx="0">
+            <a:schemeClr val="accent1"/>
+          </a:effectRef>
+          <a:fontRef idx="minor"/>
+        </p:style>
+      </p:sp>
+      <p:sp>
+        <p:nvSpPr>
+          <p:cNvPr id="111" name="CustomShape 24"/>
+          <p:cNvSpPr/>
+          <p:nvPr/>
+        </p:nvSpPr>
+        <p:spPr>
+          <a:xfrm>
+            <a:off x="2186032" y="3942854"/>
+            <a:ext cx="662400" cy="297000"/>
+          </a:xfrm>
+          <a:prstGeom prst="rect">
+            <a:avLst/>
+          </a:prstGeom>
+          <a:noFill/>
+          <a:ln>
+            <a:noFill/>
+          </a:ln>
+        </p:spPr>
+        <p:style>
+          <a:lnRef idx="0">
+            <a:scrgbClr r="0" g="0" b="0"/>
+          </a:lnRef>
+          <a:fillRef idx="0">
+            <a:scrgbClr r="0" g="0" b="0"/>
+          </a:fillRef>
+          <a:effectRef idx="0">
+            <a:scrgbClr r="0" g="0" b="0"/>
+          </a:effectRef>
+          <a:fontRef idx="minor"/>
+        </p:style>
+        <p:txBody>
+          <a:bodyPr wrap="none" lIns="90000" tIns="45000" rIns="90000" bIns="45000"/>
+          <a:lstStyle/>
+          <a:p>
+            <a:pPr>
+              <a:lnSpc>
+                <a:spcPct val="100000"/>
+              </a:lnSpc>
+            </a:pPr>
+            <a:r>
+              <a:rPr lang="ca-ES" sz="1200" b="0" strike="noStrike" spc="-1">
+                <a:solidFill>
+                  <a:srgbClr val="000000"/>
+                </a:solidFill>
+                <a:latin typeface="Symbol"/>
+                <a:ea typeface="MS Mincho"/>
+              </a:rPr>
+              <a:t></a:t>
+            </a:r>
+            <a:r>
+              <a:rPr lang="ca-ES" sz="1200" b="0" i="1" strike="noStrike" spc="-1" baseline="-25000">
+                <a:solidFill>
+                  <a:srgbClr val="000000"/>
+                </a:solidFill>
+                <a:latin typeface="Times New Roman"/>
+                <a:ea typeface="MS Mincho"/>
+              </a:rPr>
+              <a:t>rootcrown</a:t>
+            </a:r>
+            <a:endParaRPr lang="ca-ES" sz="1200" b="0" strike="noStrike" spc="-1">
+              <a:latin typeface="Arial"/>
+            </a:endParaRPr>
+          </a:p>
+        </p:txBody>
+      </p:sp>
+      <p:sp>
+        <p:nvSpPr>
+          <p:cNvPr id="112" name="CustomShape 25"/>
+          <p:cNvSpPr/>
+          <p:nvPr/>
+        </p:nvSpPr>
+        <p:spPr>
+          <a:xfrm>
+            <a:off x="4417672" y="4189094"/>
+            <a:ext cx="519480" cy="297000"/>
+          </a:xfrm>
+          <a:prstGeom prst="rect">
+            <a:avLst/>
+          </a:prstGeom>
+          <a:noFill/>
+          <a:ln>
+            <a:noFill/>
+          </a:ln>
+        </p:spPr>
+        <p:style>
+          <a:lnRef idx="0">
+            <a:scrgbClr r="0" g="0" b="0"/>
+          </a:lnRef>
+          <a:fillRef idx="0">
+            <a:scrgbClr r="0" g="0" b="0"/>
+          </a:fillRef>
+          <a:effectRef idx="0">
+            <a:scrgbClr r="0" g="0" b="0"/>
+          </a:effectRef>
+          <a:fontRef idx="minor"/>
+        </p:style>
+        <p:txBody>
+          <a:bodyPr wrap="none" lIns="90000" tIns="45000" rIns="90000" bIns="45000"/>
+          <a:lstStyle/>
+          <a:p>
+            <a:pPr>
+              <a:lnSpc>
+                <a:spcPct val="100000"/>
+              </a:lnSpc>
+            </a:pPr>
+            <a:r>
+              <a:rPr lang="ca-ES" sz="1200" b="0" strike="noStrike" spc="-1">
+                <a:solidFill>
+                  <a:srgbClr val="000000"/>
+                </a:solidFill>
+                <a:latin typeface="Symbol"/>
+                <a:ea typeface="MS Mincho"/>
+              </a:rPr>
+              <a:t></a:t>
+            </a:r>
+            <a:r>
+              <a:rPr lang="ca-ES" sz="1200" b="0" i="1" strike="noStrike" spc="-1" baseline="-25000">
+                <a:solidFill>
+                  <a:srgbClr val="000000"/>
+                </a:solidFill>
+                <a:latin typeface="Times New Roman"/>
+                <a:ea typeface="MS Mincho"/>
+              </a:rPr>
+              <a:t>soil, </a:t>
+            </a:r>
+            <a:r>
+              <a:rPr lang="ca-ES" sz="1200" b="0" strike="noStrike" spc="-1" baseline="-25000">
+                <a:solidFill>
+                  <a:srgbClr val="000000"/>
+                </a:solidFill>
+                <a:latin typeface="Times New Roman"/>
+                <a:ea typeface="MS Mincho"/>
+              </a:rPr>
+              <a:t>1</a:t>
+            </a:r>
+            <a:endParaRPr lang="ca-ES" sz="1200" b="0" strike="noStrike" spc="-1">
+              <a:latin typeface="Arial"/>
+            </a:endParaRPr>
+          </a:p>
+        </p:txBody>
+      </p:sp>
+      <p:sp>
+        <p:nvSpPr>
+          <p:cNvPr id="113" name="CustomShape 26"/>
+          <p:cNvSpPr/>
+          <p:nvPr/>
+        </p:nvSpPr>
+        <p:spPr>
+          <a:xfrm>
+            <a:off x="4425592" y="4711454"/>
+            <a:ext cx="519480" cy="297000"/>
+          </a:xfrm>
+          <a:prstGeom prst="rect">
+            <a:avLst/>
+          </a:prstGeom>
+          <a:noFill/>
+          <a:ln>
+            <a:noFill/>
+          </a:ln>
+        </p:spPr>
+        <p:style>
+          <a:lnRef idx="0">
+            <a:scrgbClr r="0" g="0" b="0"/>
+          </a:lnRef>
+          <a:fillRef idx="0">
+            <a:scrgbClr r="0" g="0" b="0"/>
+          </a:fillRef>
+          <a:effectRef idx="0">
+            <a:scrgbClr r="0" g="0" b="0"/>
+          </a:effectRef>
+          <a:fontRef idx="minor"/>
+        </p:style>
+        <p:txBody>
+          <a:bodyPr wrap="none" lIns="90000" tIns="45000" rIns="90000" bIns="45000"/>
+          <a:lstStyle/>
+          <a:p>
+            <a:pPr>
+              <a:lnSpc>
+                <a:spcPct val="100000"/>
+              </a:lnSpc>
+            </a:pPr>
+            <a:r>
+              <a:rPr lang="ca-ES" sz="1200" b="0" strike="noStrike" spc="-1">
+                <a:solidFill>
+                  <a:srgbClr val="000000"/>
+                </a:solidFill>
+                <a:latin typeface="Symbol"/>
+                <a:ea typeface="MS Mincho"/>
+              </a:rPr>
+              <a:t></a:t>
+            </a:r>
+            <a:r>
+              <a:rPr lang="ca-ES" sz="1200" b="0" i="1" strike="noStrike" spc="-1" baseline="-25000">
+                <a:solidFill>
+                  <a:srgbClr val="000000"/>
+                </a:solidFill>
+                <a:latin typeface="Times New Roman"/>
+                <a:ea typeface="MS Mincho"/>
+              </a:rPr>
+              <a:t>soil, </a:t>
+            </a:r>
+            <a:r>
+              <a:rPr lang="ca-ES" sz="1200" b="0" strike="noStrike" spc="-1" baseline="-25000">
+                <a:solidFill>
+                  <a:srgbClr val="000000"/>
+                </a:solidFill>
+                <a:latin typeface="Times New Roman"/>
+                <a:ea typeface="MS Mincho"/>
+              </a:rPr>
+              <a:t>2</a:t>
+            </a:r>
+            <a:endParaRPr lang="ca-ES" sz="1200" b="0" strike="noStrike" spc="-1">
+              <a:latin typeface="Arial"/>
+            </a:endParaRPr>
+          </a:p>
+        </p:txBody>
+      </p:sp>
+      <p:sp>
+        <p:nvSpPr>
+          <p:cNvPr id="114" name="CustomShape 27"/>
+          <p:cNvSpPr/>
+          <p:nvPr/>
+        </p:nvSpPr>
+        <p:spPr>
+          <a:xfrm>
+            <a:off x="4434592" y="5308334"/>
+            <a:ext cx="519120" cy="297000"/>
+          </a:xfrm>
+          <a:prstGeom prst="rect">
+            <a:avLst/>
+          </a:prstGeom>
+          <a:noFill/>
+          <a:ln>
+            <a:noFill/>
+          </a:ln>
+        </p:spPr>
+        <p:style>
+          <a:lnRef idx="0">
+            <a:scrgbClr r="0" g="0" b="0"/>
+          </a:lnRef>
+          <a:fillRef idx="0">
+            <a:scrgbClr r="0" g="0" b="0"/>
+          </a:fillRef>
+          <a:effectRef idx="0">
+            <a:scrgbClr r="0" g="0" b="0"/>
+          </a:effectRef>
+          <a:fontRef idx="minor"/>
+        </p:style>
+        <p:txBody>
+          <a:bodyPr wrap="none" lIns="90000" tIns="45000" rIns="90000" bIns="45000"/>
+          <a:lstStyle/>
+          <a:p>
+            <a:pPr>
+              <a:lnSpc>
+                <a:spcPct val="100000"/>
+              </a:lnSpc>
+            </a:pPr>
+            <a:r>
+              <a:rPr lang="ca-ES" sz="1200" b="0" strike="noStrike" spc="-1">
+                <a:solidFill>
+                  <a:srgbClr val="000000"/>
+                </a:solidFill>
+                <a:latin typeface="Symbol"/>
+                <a:ea typeface="MS Mincho"/>
+              </a:rPr>
+              <a:t></a:t>
+            </a:r>
+            <a:r>
+              <a:rPr lang="ca-ES" sz="1200" b="0" i="1" strike="noStrike" spc="-1" baseline="-25000">
+                <a:solidFill>
+                  <a:srgbClr val="000000"/>
+                </a:solidFill>
+                <a:latin typeface="Times New Roman"/>
+                <a:ea typeface="MS Mincho"/>
+              </a:rPr>
+              <a:t>soil, S</a:t>
+            </a:r>
+            <a:endParaRPr lang="ca-ES" sz="1200" b="0" strike="noStrike" spc="-1">
+              <a:latin typeface="Arial"/>
+            </a:endParaRPr>
+          </a:p>
+        </p:txBody>
+      </p:sp>
+      <p:sp>
+        <p:nvSpPr>
+          <p:cNvPr id="115" name="CustomShape 29"/>
+          <p:cNvSpPr/>
+          <p:nvPr/>
+        </p:nvSpPr>
+        <p:spPr>
+          <a:xfrm rot="16200000" flipH="1">
+            <a:off x="2555752" y="4590854"/>
+            <a:ext cx="992520" cy="292680"/>
+          </a:xfrm>
+          <a:prstGeom prst="bentConnector2">
+            <a:avLst/>
+          </a:prstGeom>
+          <a:noFill/>
+          <a:ln w="9360">
+            <a:solidFill>
+              <a:schemeClr val="tx1"/>
+            </a:solidFill>
+          </a:ln>
+        </p:spPr>
+        <p:style>
+          <a:lnRef idx="1">
+            <a:schemeClr val="accent1"/>
+          </a:lnRef>
+          <a:fillRef idx="0">
+            <a:schemeClr val="accent1"/>
+          </a:fillRef>
+          <a:effectRef idx="0">
+            <a:schemeClr val="accent1"/>
+          </a:effectRef>
+          <a:fontRef idx="minor"/>
+        </p:style>
+      </p:sp>
+      <p:sp>
+        <p:nvSpPr>
+          <p:cNvPr id="116" name="CustomShape 30"/>
+          <p:cNvSpPr/>
+          <p:nvPr/>
+        </p:nvSpPr>
+        <p:spPr>
+          <a:xfrm>
+            <a:off x="3108352" y="4848614"/>
+            <a:ext cx="249480" cy="250200"/>
+          </a:xfrm>
+          <a:prstGeom prst="rect">
+            <a:avLst/>
+          </a:prstGeom>
+          <a:noFill/>
+          <a:ln>
+            <a:noFill/>
+          </a:ln>
+        </p:spPr>
+        <p:style>
+          <a:lnRef idx="0">
+            <a:scrgbClr r="0" g="0" b="0"/>
+          </a:lnRef>
+          <a:fillRef idx="0">
+            <a:scrgbClr r="0" g="0" b="0"/>
+          </a:fillRef>
+          <a:effectRef idx="0">
+            <a:scrgbClr r="0" g="0" b="0"/>
+          </a:effectRef>
+          <a:fontRef idx="minor"/>
+        </p:style>
+        <p:txBody>
+          <a:bodyPr lIns="90000" tIns="45000" rIns="90000" bIns="45000"/>
+          <a:lstStyle/>
+          <a:p>
+            <a:pPr algn="ctr">
+              <a:lnSpc>
+                <a:spcPct val="100000"/>
+              </a:lnSpc>
+            </a:pPr>
+            <a:r>
+              <a:rPr lang="ca-ES" sz="1050" b="0" i="1" strike="noStrike" spc="-1">
+                <a:solidFill>
+                  <a:srgbClr val="000000"/>
+                </a:solidFill>
+                <a:latin typeface="Calibri"/>
+              </a:rPr>
+              <a:t>…</a:t>
+            </a:r>
+            <a:endParaRPr lang="ca-ES" sz="1050" b="0" strike="noStrike" spc="-1">
+              <a:latin typeface="Arial"/>
+            </a:endParaRPr>
+          </a:p>
+        </p:txBody>
+      </p:sp>
+      <p:sp>
+        <p:nvSpPr>
+          <p:cNvPr id="117" name="CustomShape 31"/>
+          <p:cNvSpPr/>
+          <p:nvPr/>
+        </p:nvSpPr>
+        <p:spPr>
+          <a:xfrm>
+            <a:off x="4415152" y="4870574"/>
+            <a:ext cx="249480" cy="250200"/>
+          </a:xfrm>
+          <a:prstGeom prst="rect">
+            <a:avLst/>
+          </a:prstGeom>
+          <a:noFill/>
+          <a:ln>
+            <a:noFill/>
+          </a:ln>
+        </p:spPr>
+        <p:style>
+          <a:lnRef idx="0">
+            <a:scrgbClr r="0" g="0" b="0"/>
+          </a:lnRef>
+          <a:fillRef idx="0">
+            <a:scrgbClr r="0" g="0" b="0"/>
+          </a:fillRef>
+          <a:effectRef idx="0">
+            <a:scrgbClr r="0" g="0" b="0"/>
+          </a:effectRef>
+          <a:fontRef idx="minor"/>
+        </p:style>
+        <p:txBody>
+          <a:bodyPr lIns="90000" tIns="45000" rIns="90000" bIns="45000"/>
+          <a:lstStyle/>
+          <a:p>
+            <a:pPr algn="ctr">
+              <a:lnSpc>
+                <a:spcPct val="100000"/>
+              </a:lnSpc>
+            </a:pPr>
+            <a:r>
+              <a:rPr lang="ca-ES" sz="1050" b="0" i="1" strike="noStrike" spc="-1">
+                <a:solidFill>
+                  <a:srgbClr val="000000"/>
+                </a:solidFill>
+                <a:latin typeface="Calibri"/>
+              </a:rPr>
+              <a:t>…</a:t>
+            </a:r>
+            <a:endParaRPr lang="ca-ES" sz="1050" b="0" strike="noStrike" spc="-1">
+              <a:latin typeface="Arial"/>
+            </a:endParaRPr>
+          </a:p>
+        </p:txBody>
+      </p:sp>
+      <p:grpSp>
+        <p:nvGrpSpPr>
+          <p:cNvPr id="118" name="Group 32"/>
+          <p:cNvGrpSpPr/>
+          <p:nvPr/>
+        </p:nvGrpSpPr>
+        <p:grpSpPr>
+          <a:xfrm>
+            <a:off x="3188992" y="4095494"/>
+            <a:ext cx="193680" cy="85320"/>
+            <a:chOff x="4396680" y="3724560"/>
+            <a:chExt cx="193680" cy="85320"/>
+          </a:xfrm>
+        </p:grpSpPr>
+        <p:sp>
+          <p:nvSpPr>
+            <p:cNvPr id="119" name="CustomShape 33"/>
+            <p:cNvSpPr/>
+            <p:nvPr/>
+          </p:nvSpPr>
+          <p:spPr>
+            <a:xfrm rot="5400000">
+              <a:off x="4448160" y="3673080"/>
+              <a:ext cx="85320" cy="188280"/>
+            </a:xfrm>
+            <a:prstGeom prst="rect">
+              <a:avLst/>
+            </a:prstGeom>
+            <a:ln/>
+          </p:spPr>
+          <p:style>
+            <a:lnRef idx="2">
+              <a:schemeClr val="accent1">
+                <a:shade val="50000"/>
+              </a:schemeClr>
+            </a:lnRef>
+            <a:fillRef idx="1">
+              <a:schemeClr val="accent1"/>
+            </a:fillRef>
+            <a:effectRef idx="0">
+              <a:schemeClr val="accent1"/>
+            </a:effectRef>
+            <a:fontRef idx="minor"/>
+          </p:style>
+        </p:sp>
+        <p:sp>
+          <p:nvSpPr>
+            <p:cNvPr id="120" name="CustomShape 34"/>
+            <p:cNvSpPr/>
+            <p:nvPr/>
+          </p:nvSpPr>
+          <p:spPr>
+            <a:xfrm rot="5400000">
+              <a:off x="4456080" y="3674520"/>
+              <a:ext cx="74520" cy="193680"/>
+            </a:xfrm>
+            <a:custGeom>
+              <a:avLst/>
+              <a:gdLst/>
+              <a:ahLst/>
+              <a:cxnLst/>
+              <a:rect l="l" t="t" r="r" b="b"/>
+              <a:pathLst>
+                <a:path w="78627" h="273738">
+                  <a:moveTo>
+                    <a:pt x="34946" y="0"/>
+                  </a:moveTo>
+                  <a:lnTo>
+                    <a:pt x="37858" y="61154"/>
+                  </a:lnTo>
+                  <a:lnTo>
+                    <a:pt x="0" y="84451"/>
+                  </a:lnTo>
+                  <a:lnTo>
+                    <a:pt x="75715" y="84451"/>
+                  </a:lnTo>
+                  <a:lnTo>
+                    <a:pt x="8737" y="133957"/>
+                  </a:lnTo>
+                  <a:lnTo>
+                    <a:pt x="78627" y="131045"/>
+                  </a:lnTo>
+                  <a:lnTo>
+                    <a:pt x="11649" y="186375"/>
+                  </a:lnTo>
+                  <a:lnTo>
+                    <a:pt x="78627" y="189287"/>
+                  </a:lnTo>
+                  <a:lnTo>
+                    <a:pt x="40770" y="227144"/>
+                  </a:lnTo>
+                  <a:lnTo>
+                    <a:pt x="37858" y="273738"/>
+                  </a:lnTo>
+                </a:path>
+              </a:pathLst>
+            </a:custGeom>
+            <a:noFill/>
+            <a:ln w="6480">
+              <a:solidFill>
+                <a:schemeClr val="tx1"/>
+              </a:solidFill>
+            </a:ln>
+          </p:spPr>
+          <p:style>
+            <a:lnRef idx="2">
+              <a:schemeClr val="accent1">
+                <a:shade val="50000"/>
+              </a:schemeClr>
+            </a:lnRef>
+            <a:fillRef idx="1">
+              <a:schemeClr val="accent1"/>
+            </a:fillRef>
+            <a:effectRef idx="0">
+              <a:schemeClr val="accent1"/>
+            </a:effectRef>
+            <a:fontRef idx="minor"/>
+          </p:style>
+        </p:sp>
+      </p:grpSp>
+      <p:grpSp>
+        <p:nvGrpSpPr>
+          <p:cNvPr id="121" name="Group 35"/>
+          <p:cNvGrpSpPr/>
+          <p:nvPr/>
+        </p:nvGrpSpPr>
+        <p:grpSpPr>
+          <a:xfrm>
+            <a:off x="4048672" y="4097654"/>
+            <a:ext cx="193680" cy="85320"/>
+            <a:chOff x="5256360" y="3726720"/>
+            <a:chExt cx="193680" cy="85320"/>
+          </a:xfrm>
+        </p:grpSpPr>
+        <p:sp>
+          <p:nvSpPr>
+            <p:cNvPr id="122" name="CustomShape 36"/>
+            <p:cNvSpPr/>
+            <p:nvPr/>
+          </p:nvSpPr>
+          <p:spPr>
+            <a:xfrm rot="5400000">
+              <a:off x="5307840" y="3675240"/>
+              <a:ext cx="85320" cy="188280"/>
+            </a:xfrm>
+            <a:prstGeom prst="rect">
+              <a:avLst/>
+            </a:prstGeom>
+            <a:ln/>
+          </p:spPr>
+          <p:style>
+            <a:lnRef idx="2">
+              <a:schemeClr val="accent1">
+                <a:shade val="50000"/>
+              </a:schemeClr>
+            </a:lnRef>
+            <a:fillRef idx="1">
+              <a:schemeClr val="accent1"/>
+            </a:fillRef>
+            <a:effectRef idx="0">
+              <a:schemeClr val="accent1"/>
+            </a:effectRef>
+            <a:fontRef idx="minor"/>
+          </p:style>
+        </p:sp>
+        <p:sp>
+          <p:nvSpPr>
+            <p:cNvPr id="123" name="CustomShape 37"/>
+            <p:cNvSpPr/>
+            <p:nvPr/>
+          </p:nvSpPr>
+          <p:spPr>
+            <a:xfrm rot="5400000">
+              <a:off x="5315760" y="3676320"/>
+              <a:ext cx="74520" cy="193680"/>
+            </a:xfrm>
+            <a:custGeom>
+              <a:avLst/>
+              <a:gdLst/>
+              <a:ahLst/>
+              <a:cxnLst/>
+              <a:rect l="l" t="t" r="r" b="b"/>
+              <a:pathLst>
+                <a:path w="78627" h="273738">
+                  <a:moveTo>
+                    <a:pt x="34946" y="0"/>
+                  </a:moveTo>
+                  <a:lnTo>
+                    <a:pt x="37858" y="61154"/>
+                  </a:lnTo>
+                  <a:lnTo>
+                    <a:pt x="0" y="84451"/>
+                  </a:lnTo>
+                  <a:lnTo>
+                    <a:pt x="75715" y="84451"/>
+                  </a:lnTo>
+                  <a:lnTo>
+                    <a:pt x="8737" y="133957"/>
+                  </a:lnTo>
+                  <a:lnTo>
+                    <a:pt x="78627" y="131045"/>
+                  </a:lnTo>
+                  <a:lnTo>
+                    <a:pt x="11649" y="186375"/>
+                  </a:lnTo>
+                  <a:lnTo>
+                    <a:pt x="78627" y="189287"/>
+                  </a:lnTo>
+                  <a:lnTo>
+                    <a:pt x="40770" y="227144"/>
+                  </a:lnTo>
+                  <a:lnTo>
+                    <a:pt x="37858" y="273738"/>
+                  </a:lnTo>
+                </a:path>
+              </a:pathLst>
+            </a:custGeom>
+            <a:noFill/>
+            <a:ln w="6480">
+              <a:solidFill>
+                <a:schemeClr val="tx1"/>
+              </a:solidFill>
+            </a:ln>
+          </p:spPr>
+          <p:style>
+            <a:lnRef idx="2">
+              <a:schemeClr val="accent1">
+                <a:shade val="50000"/>
+              </a:schemeClr>
+            </a:lnRef>
+            <a:fillRef idx="1">
+              <a:schemeClr val="accent1"/>
+            </a:fillRef>
+            <a:effectRef idx="0">
+              <a:schemeClr val="accent1"/>
+            </a:effectRef>
+            <a:fontRef idx="minor"/>
+          </p:style>
+        </p:sp>
+      </p:grpSp>
+      <p:grpSp>
+        <p:nvGrpSpPr>
+          <p:cNvPr id="124" name="Group 38"/>
+          <p:cNvGrpSpPr/>
+          <p:nvPr/>
+        </p:nvGrpSpPr>
+        <p:grpSpPr>
+          <a:xfrm>
+            <a:off x="4052632" y="4569974"/>
+            <a:ext cx="193680" cy="85320"/>
+            <a:chOff x="5260320" y="4199040"/>
+            <a:chExt cx="193680" cy="85320"/>
+          </a:xfrm>
+        </p:grpSpPr>
+        <p:sp>
+          <p:nvSpPr>
+            <p:cNvPr id="125" name="CustomShape 39"/>
+            <p:cNvSpPr/>
+            <p:nvPr/>
+          </p:nvSpPr>
+          <p:spPr>
+            <a:xfrm rot="5400000">
+              <a:off x="5311800" y="4147560"/>
+              <a:ext cx="85320" cy="188280"/>
+            </a:xfrm>
+            <a:prstGeom prst="rect">
+              <a:avLst/>
+            </a:prstGeom>
+            <a:ln/>
+          </p:spPr>
+          <p:style>
+            <a:lnRef idx="2">
+              <a:schemeClr val="accent1">
+                <a:shade val="50000"/>
+              </a:schemeClr>
+            </a:lnRef>
+            <a:fillRef idx="1">
+              <a:schemeClr val="accent1"/>
+            </a:fillRef>
+            <a:effectRef idx="0">
+              <a:schemeClr val="accent1"/>
+            </a:effectRef>
+            <a:fontRef idx="minor"/>
+          </p:style>
+        </p:sp>
+        <p:sp>
+          <p:nvSpPr>
+            <p:cNvPr id="126" name="CustomShape 40"/>
+            <p:cNvSpPr/>
+            <p:nvPr/>
+          </p:nvSpPr>
+          <p:spPr>
+            <a:xfrm rot="5400000">
+              <a:off x="5319720" y="4148640"/>
+              <a:ext cx="74520" cy="193680"/>
+            </a:xfrm>
+            <a:custGeom>
+              <a:avLst/>
+              <a:gdLst/>
+              <a:ahLst/>
+              <a:cxnLst/>
+              <a:rect l="l" t="t" r="r" b="b"/>
+              <a:pathLst>
+                <a:path w="78627" h="273738">
+                  <a:moveTo>
+                    <a:pt x="34946" y="0"/>
+                  </a:moveTo>
+                  <a:lnTo>
+                    <a:pt x="37858" y="61154"/>
+                  </a:lnTo>
+                  <a:lnTo>
+                    <a:pt x="0" y="84451"/>
+                  </a:lnTo>
+                  <a:lnTo>
+                    <a:pt x="75715" y="84451"/>
+                  </a:lnTo>
+                  <a:lnTo>
+                    <a:pt x="8737" y="133957"/>
+                  </a:lnTo>
+                  <a:lnTo>
+                    <a:pt x="78627" y="131045"/>
+                  </a:lnTo>
+                  <a:lnTo>
+                    <a:pt x="11649" y="186375"/>
+                  </a:lnTo>
+                  <a:lnTo>
+                    <a:pt x="78627" y="189287"/>
+                  </a:lnTo>
+                  <a:lnTo>
+                    <a:pt x="40770" y="227144"/>
+                  </a:lnTo>
+                  <a:lnTo>
+                    <a:pt x="37858" y="273738"/>
+                  </a:lnTo>
+                </a:path>
+              </a:pathLst>
+            </a:custGeom>
+            <a:noFill/>
+            <a:ln w="6480">
+              <a:solidFill>
+                <a:schemeClr val="tx1"/>
+              </a:solidFill>
+            </a:ln>
+          </p:spPr>
+          <p:style>
+            <a:lnRef idx="2">
+              <a:schemeClr val="accent1">
+                <a:shade val="50000"/>
+              </a:schemeClr>
+            </a:lnRef>
+            <a:fillRef idx="1">
+              <a:schemeClr val="accent1"/>
+            </a:fillRef>
+            <a:effectRef idx="0">
+              <a:schemeClr val="accent1"/>
+            </a:effectRef>
+            <a:fontRef idx="minor"/>
+          </p:style>
+        </p:sp>
+      </p:grpSp>
+      <p:grpSp>
+        <p:nvGrpSpPr>
+          <p:cNvPr id="127" name="Group 41"/>
+          <p:cNvGrpSpPr/>
+          <p:nvPr/>
+        </p:nvGrpSpPr>
+        <p:grpSpPr>
+          <a:xfrm>
+            <a:off x="3199432" y="4583654"/>
+            <a:ext cx="193680" cy="85320"/>
+            <a:chOff x="4407120" y="4212720"/>
+            <a:chExt cx="193680" cy="85320"/>
+          </a:xfrm>
+        </p:grpSpPr>
+        <p:sp>
+          <p:nvSpPr>
+            <p:cNvPr id="128" name="CustomShape 42"/>
+            <p:cNvSpPr/>
+            <p:nvPr/>
+          </p:nvSpPr>
+          <p:spPr>
+            <a:xfrm rot="5400000">
+              <a:off x="4458600" y="4161240"/>
+              <a:ext cx="85320" cy="188280"/>
+            </a:xfrm>
+            <a:prstGeom prst="rect">
+              <a:avLst/>
+            </a:prstGeom>
+            <a:ln/>
+          </p:spPr>
+          <p:style>
+            <a:lnRef idx="2">
+              <a:schemeClr val="accent1">
+                <a:shade val="50000"/>
+              </a:schemeClr>
+            </a:lnRef>
+            <a:fillRef idx="1">
+              <a:schemeClr val="accent1"/>
+            </a:fillRef>
+            <a:effectRef idx="0">
+              <a:schemeClr val="accent1"/>
+            </a:effectRef>
+            <a:fontRef idx="minor"/>
+          </p:style>
+        </p:sp>
+        <p:sp>
+          <p:nvSpPr>
+            <p:cNvPr id="129" name="CustomShape 43"/>
+            <p:cNvSpPr/>
+            <p:nvPr/>
+          </p:nvSpPr>
+          <p:spPr>
+            <a:xfrm rot="5400000">
+              <a:off x="4466520" y="4162320"/>
+              <a:ext cx="74520" cy="193680"/>
+            </a:xfrm>
+            <a:custGeom>
+              <a:avLst/>
+              <a:gdLst/>
+              <a:ahLst/>
+              <a:cxnLst/>
+              <a:rect l="l" t="t" r="r" b="b"/>
+              <a:pathLst>
+                <a:path w="78627" h="273738">
+                  <a:moveTo>
+                    <a:pt x="34946" y="0"/>
+                  </a:moveTo>
+                  <a:lnTo>
+                    <a:pt x="37858" y="61154"/>
+                  </a:lnTo>
+                  <a:lnTo>
+                    <a:pt x="0" y="84451"/>
+                  </a:lnTo>
+                  <a:lnTo>
+                    <a:pt x="75715" y="84451"/>
+                  </a:lnTo>
+                  <a:lnTo>
+                    <a:pt x="8737" y="133957"/>
+                  </a:lnTo>
+                  <a:lnTo>
+                    <a:pt x="78627" y="131045"/>
+                  </a:lnTo>
+                  <a:lnTo>
+                    <a:pt x="11649" y="186375"/>
+                  </a:lnTo>
+                  <a:lnTo>
+                    <a:pt x="78627" y="189287"/>
+                  </a:lnTo>
+                  <a:lnTo>
+                    <a:pt x="40770" y="227144"/>
+                  </a:lnTo>
+                  <a:lnTo>
+                    <a:pt x="37858" y="273738"/>
+                  </a:lnTo>
+                </a:path>
+              </a:pathLst>
+            </a:custGeom>
+            <a:noFill/>
+            <a:ln w="6480">
+              <a:solidFill>
+                <a:schemeClr val="tx1"/>
+              </a:solidFill>
+            </a:ln>
+          </p:spPr>
+          <p:style>
+            <a:lnRef idx="2">
+              <a:schemeClr val="accent1">
+                <a:shade val="50000"/>
+              </a:schemeClr>
+            </a:lnRef>
+            <a:fillRef idx="1">
+              <a:schemeClr val="accent1"/>
+            </a:fillRef>
+            <a:effectRef idx="0">
+              <a:schemeClr val="accent1"/>
+            </a:effectRef>
+            <a:fontRef idx="minor"/>
+          </p:style>
+        </p:sp>
+      </p:grpSp>
+      <p:grpSp>
+        <p:nvGrpSpPr>
+          <p:cNvPr id="130" name="Group 44"/>
+          <p:cNvGrpSpPr/>
+          <p:nvPr/>
+        </p:nvGrpSpPr>
+        <p:grpSpPr>
+          <a:xfrm>
+            <a:off x="3199432" y="5190974"/>
+            <a:ext cx="193680" cy="85320"/>
+            <a:chOff x="4407120" y="4820040"/>
+            <a:chExt cx="193680" cy="85320"/>
+          </a:xfrm>
+        </p:grpSpPr>
+        <p:sp>
+          <p:nvSpPr>
+            <p:cNvPr id="131" name="CustomShape 45"/>
+            <p:cNvSpPr/>
+            <p:nvPr/>
+          </p:nvSpPr>
+          <p:spPr>
+            <a:xfrm rot="5400000">
+              <a:off x="4458600" y="4768560"/>
+              <a:ext cx="85320" cy="188280"/>
+            </a:xfrm>
+            <a:prstGeom prst="rect">
+              <a:avLst/>
+            </a:prstGeom>
+            <a:ln/>
+          </p:spPr>
+          <p:style>
+            <a:lnRef idx="2">
+              <a:schemeClr val="accent1">
+                <a:shade val="50000"/>
+              </a:schemeClr>
+            </a:lnRef>
+            <a:fillRef idx="1">
+              <a:schemeClr val="accent1"/>
+            </a:fillRef>
+            <a:effectRef idx="0">
+              <a:schemeClr val="accent1"/>
+            </a:effectRef>
+            <a:fontRef idx="minor"/>
+          </p:style>
+        </p:sp>
+        <p:sp>
+          <p:nvSpPr>
+            <p:cNvPr id="132" name="CustomShape 46"/>
+            <p:cNvSpPr/>
+            <p:nvPr/>
+          </p:nvSpPr>
+          <p:spPr>
+            <a:xfrm rot="5400000">
+              <a:off x="4466520" y="4769640"/>
+              <a:ext cx="74520" cy="193680"/>
+            </a:xfrm>
+            <a:custGeom>
+              <a:avLst/>
+              <a:gdLst/>
+              <a:ahLst/>
+              <a:cxnLst/>
+              <a:rect l="l" t="t" r="r" b="b"/>
+              <a:pathLst>
+                <a:path w="78627" h="273738">
+                  <a:moveTo>
+                    <a:pt x="34946" y="0"/>
+                  </a:moveTo>
+                  <a:lnTo>
+                    <a:pt x="37858" y="61154"/>
+                  </a:lnTo>
+                  <a:lnTo>
+                    <a:pt x="0" y="84451"/>
+                  </a:lnTo>
+                  <a:lnTo>
+                    <a:pt x="75715" y="84451"/>
+                  </a:lnTo>
+                  <a:lnTo>
+                    <a:pt x="8737" y="133957"/>
+                  </a:lnTo>
+                  <a:lnTo>
+                    <a:pt x="78627" y="131045"/>
+                  </a:lnTo>
+                  <a:lnTo>
+                    <a:pt x="11649" y="186375"/>
+                  </a:lnTo>
+                  <a:lnTo>
+                    <a:pt x="78627" y="189287"/>
+                  </a:lnTo>
+                  <a:lnTo>
+                    <a:pt x="40770" y="227144"/>
+                  </a:lnTo>
+                  <a:lnTo>
+                    <a:pt x="37858" y="273738"/>
+                  </a:lnTo>
+                </a:path>
+              </a:pathLst>
+            </a:custGeom>
+            <a:noFill/>
+            <a:ln w="6480">
+              <a:solidFill>
+                <a:schemeClr val="tx1"/>
+              </a:solidFill>
+            </a:ln>
+          </p:spPr>
+          <p:style>
+            <a:lnRef idx="2">
+              <a:schemeClr val="accent1">
+                <a:shade val="50000"/>
+              </a:schemeClr>
+            </a:lnRef>
+            <a:fillRef idx="1">
+              <a:schemeClr val="accent1"/>
+            </a:fillRef>
+            <a:effectRef idx="0">
+              <a:schemeClr val="accent1"/>
+            </a:effectRef>
+            <a:fontRef idx="minor"/>
+          </p:style>
+        </p:sp>
+      </p:grpSp>
+      <p:grpSp>
+        <p:nvGrpSpPr>
+          <p:cNvPr id="133" name="Group 47"/>
+          <p:cNvGrpSpPr/>
+          <p:nvPr/>
+        </p:nvGrpSpPr>
+        <p:grpSpPr>
+          <a:xfrm>
+            <a:off x="4048672" y="5181614"/>
+            <a:ext cx="193680" cy="85320"/>
+            <a:chOff x="5256360" y="4810680"/>
+            <a:chExt cx="193680" cy="85320"/>
+          </a:xfrm>
+        </p:grpSpPr>
+        <p:sp>
+          <p:nvSpPr>
+            <p:cNvPr id="134" name="CustomShape 48"/>
+            <p:cNvSpPr/>
+            <p:nvPr/>
+          </p:nvSpPr>
+          <p:spPr>
+            <a:xfrm rot="5400000">
+              <a:off x="5307840" y="4759200"/>
+              <a:ext cx="85320" cy="188280"/>
+            </a:xfrm>
+            <a:prstGeom prst="rect">
+              <a:avLst/>
+            </a:prstGeom>
+            <a:ln/>
+          </p:spPr>
+          <p:style>
+            <a:lnRef idx="2">
+              <a:schemeClr val="accent1">
+                <a:shade val="50000"/>
+              </a:schemeClr>
+            </a:lnRef>
+            <a:fillRef idx="1">
+              <a:schemeClr val="accent1"/>
+            </a:fillRef>
+            <a:effectRef idx="0">
+              <a:schemeClr val="accent1"/>
+            </a:effectRef>
+            <a:fontRef idx="minor"/>
+          </p:style>
+        </p:sp>
+        <p:sp>
+          <p:nvSpPr>
+            <p:cNvPr id="135" name="CustomShape 49"/>
+            <p:cNvSpPr/>
+            <p:nvPr/>
+          </p:nvSpPr>
+          <p:spPr>
+            <a:xfrm rot="5400000">
+              <a:off x="5315760" y="4760280"/>
+              <a:ext cx="74520" cy="193680"/>
+            </a:xfrm>
+            <a:custGeom>
+              <a:avLst/>
+              <a:gdLst/>
+              <a:ahLst/>
+              <a:cxnLst/>
+              <a:rect l="l" t="t" r="r" b="b"/>
+              <a:pathLst>
+                <a:path w="78627" h="273738">
+                  <a:moveTo>
+                    <a:pt x="34946" y="0"/>
+                  </a:moveTo>
+                  <a:lnTo>
+                    <a:pt x="37858" y="61154"/>
+                  </a:lnTo>
+                  <a:lnTo>
+                    <a:pt x="0" y="84451"/>
+                  </a:lnTo>
+                  <a:lnTo>
+                    <a:pt x="75715" y="84451"/>
+                  </a:lnTo>
+                  <a:lnTo>
+                    <a:pt x="8737" y="133957"/>
+                  </a:lnTo>
+                  <a:lnTo>
+                    <a:pt x="78627" y="131045"/>
+                  </a:lnTo>
+                  <a:lnTo>
+                    <a:pt x="11649" y="186375"/>
+                  </a:lnTo>
+                  <a:lnTo>
+                    <a:pt x="78627" y="189287"/>
+                  </a:lnTo>
+                  <a:lnTo>
+                    <a:pt x="40770" y="227144"/>
+                  </a:lnTo>
+                  <a:lnTo>
+                    <a:pt x="37858" y="273738"/>
+                  </a:lnTo>
+                </a:path>
+              </a:pathLst>
+            </a:custGeom>
+            <a:noFill/>
+            <a:ln w="6480">
+              <a:solidFill>
+                <a:schemeClr val="tx1"/>
+              </a:solidFill>
+            </a:ln>
+          </p:spPr>
+          <p:style>
+            <a:lnRef idx="2">
+              <a:schemeClr val="accent1">
+                <a:shade val="50000"/>
+              </a:schemeClr>
+            </a:lnRef>
+            <a:fillRef idx="1">
+              <a:schemeClr val="accent1"/>
+            </a:fillRef>
+            <a:effectRef idx="0">
+              <a:schemeClr val="accent1"/>
+            </a:effectRef>
+            <a:fontRef idx="minor"/>
+          </p:style>
+        </p:sp>
+      </p:grpSp>
+      <p:sp>
+        <p:nvSpPr>
+          <p:cNvPr id="137" name="CustomShape 51"/>
+          <p:cNvSpPr/>
+          <p:nvPr/>
+        </p:nvSpPr>
+        <p:spPr>
+          <a:xfrm>
+            <a:off x="2849886" y="2150984"/>
+            <a:ext cx="92160" cy="102960"/>
+          </a:xfrm>
+          <a:prstGeom prst="ellipse">
+            <a:avLst/>
+          </a:prstGeom>
+          <a:solidFill>
+            <a:schemeClr val="bg2"/>
+          </a:solidFill>
+          <a:ln/>
+        </p:spPr>
+        <p:style>
+          <a:lnRef idx="2">
+            <a:schemeClr val="accent1">
+              <a:shade val="50000"/>
+            </a:schemeClr>
+          </a:lnRef>
+          <a:fillRef idx="1">
+            <a:schemeClr val="accent1"/>
+          </a:fillRef>
+          <a:effectRef idx="0">
+            <a:schemeClr val="accent1"/>
+          </a:effectRef>
+          <a:fontRef idx="minor"/>
+        </p:style>
+      </p:sp>
+      <p:sp>
+        <p:nvSpPr>
+          <p:cNvPr id="138" name="CustomShape 52"/>
+          <p:cNvSpPr/>
+          <p:nvPr/>
+        </p:nvSpPr>
+        <p:spPr>
+          <a:xfrm>
+            <a:off x="2337246" y="2090144"/>
+            <a:ext cx="522360" cy="280080"/>
+          </a:xfrm>
+          <a:prstGeom prst="rect">
+            <a:avLst/>
+          </a:prstGeom>
+          <a:noFill/>
+          <a:ln>
+            <a:noFill/>
+          </a:ln>
+        </p:spPr>
+        <p:style>
+          <a:lnRef idx="0">
+            <a:scrgbClr r="0" g="0" b="0"/>
+          </a:lnRef>
+          <a:fillRef idx="0">
+            <a:scrgbClr r="0" g="0" b="0"/>
+          </a:fillRef>
+          <a:effectRef idx="0">
+            <a:scrgbClr r="0" g="0" b="0"/>
+          </a:effectRef>
+          <a:fontRef idx="minor"/>
+        </p:style>
+        <p:txBody>
+          <a:bodyPr wrap="none" lIns="90000" tIns="45000" rIns="90000" bIns="45000"/>
+          <a:lstStyle/>
+          <a:p>
+            <a:pPr>
+              <a:lnSpc>
+                <a:spcPct val="100000"/>
+              </a:lnSpc>
+            </a:pPr>
+            <a:r>
+              <a:rPr lang="ca-ES" sz="1100" b="0" strike="noStrike" spc="-1">
+                <a:solidFill>
+                  <a:srgbClr val="000000"/>
+                </a:solidFill>
+                <a:latin typeface="Symbol"/>
+                <a:ea typeface="MS Mincho"/>
+              </a:rPr>
+              <a:t></a:t>
+            </a:r>
+            <a:r>
+              <a:rPr lang="ca-ES" sz="1100" b="0" i="1" strike="noStrike" spc="-1" baseline="-25000">
+                <a:solidFill>
+                  <a:srgbClr val="000000"/>
+                </a:solidFill>
+                <a:latin typeface="Times New Roman"/>
+                <a:ea typeface="MS Mincho"/>
+              </a:rPr>
+              <a:t>stem, 2</a:t>
+            </a:r>
+            <a:endParaRPr lang="ca-ES" sz="1100" b="0" strike="noStrike" spc="-1">
+              <a:latin typeface="Arial"/>
+            </a:endParaRPr>
+          </a:p>
+        </p:txBody>
+      </p:sp>
+      <p:sp>
+        <p:nvSpPr>
+          <p:cNvPr id="139" name="CustomShape 53"/>
+          <p:cNvSpPr/>
+          <p:nvPr/>
+        </p:nvSpPr>
+        <p:spPr>
+          <a:xfrm>
+            <a:off x="2344792" y="2802396"/>
+            <a:ext cx="522360" cy="280080"/>
+          </a:xfrm>
+          <a:prstGeom prst="rect">
+            <a:avLst/>
+          </a:prstGeom>
+          <a:noFill/>
+          <a:ln>
+            <a:noFill/>
+          </a:ln>
+        </p:spPr>
+        <p:style>
+          <a:lnRef idx="0">
+            <a:scrgbClr r="0" g="0" b="0"/>
+          </a:lnRef>
+          <a:fillRef idx="0">
+            <a:scrgbClr r="0" g="0" b="0"/>
+          </a:fillRef>
+          <a:effectRef idx="0">
+            <a:scrgbClr r="0" g="0" b="0"/>
+          </a:effectRef>
+          <a:fontRef idx="minor"/>
+        </p:style>
+        <p:txBody>
+          <a:bodyPr wrap="none" lIns="90000" tIns="45000" rIns="90000" bIns="45000"/>
+          <a:lstStyle/>
+          <a:p>
+            <a:pPr>
+              <a:lnSpc>
+                <a:spcPct val="100000"/>
+              </a:lnSpc>
+            </a:pPr>
+            <a:r>
+              <a:rPr lang="ca-ES" sz="1100" b="0" strike="noStrike" spc="-1">
+                <a:solidFill>
+                  <a:srgbClr val="000000"/>
+                </a:solidFill>
+                <a:latin typeface="Symbol"/>
+                <a:ea typeface="MS Mincho"/>
+              </a:rPr>
+              <a:t></a:t>
+            </a:r>
+            <a:r>
+              <a:rPr lang="ca-ES" sz="1100" b="0" i="1" strike="noStrike" spc="-1" baseline="-25000">
+                <a:solidFill>
+                  <a:srgbClr val="000000"/>
+                </a:solidFill>
+                <a:latin typeface="Times New Roman"/>
+                <a:ea typeface="MS Mincho"/>
+              </a:rPr>
+              <a:t>stem, </a:t>
+            </a:r>
+            <a:r>
+              <a:rPr lang="ca-ES" sz="1100" b="0" strike="noStrike" spc="-1" baseline="-25000">
+                <a:solidFill>
+                  <a:srgbClr val="000000"/>
+                </a:solidFill>
+                <a:latin typeface="Times New Roman"/>
+                <a:ea typeface="MS Mincho"/>
+              </a:rPr>
+              <a:t>1</a:t>
+            </a:r>
+            <a:endParaRPr lang="ca-ES" sz="1100" b="0" strike="noStrike" spc="-1">
+              <a:latin typeface="Arial"/>
+            </a:endParaRPr>
+          </a:p>
+        </p:txBody>
+      </p:sp>
+      <p:grpSp>
+        <p:nvGrpSpPr>
+          <p:cNvPr id="140" name="Group 54"/>
+          <p:cNvGrpSpPr/>
+          <p:nvPr/>
+        </p:nvGrpSpPr>
+        <p:grpSpPr>
+          <a:xfrm>
+            <a:off x="2847380" y="2460617"/>
+            <a:ext cx="85320" cy="193680"/>
+            <a:chOff x="4072320" y="2244960"/>
+            <a:chExt cx="85320" cy="193680"/>
+          </a:xfrm>
+        </p:grpSpPr>
+        <p:sp>
+          <p:nvSpPr>
+            <p:cNvPr id="141" name="CustomShape 55"/>
+            <p:cNvSpPr/>
+            <p:nvPr/>
+          </p:nvSpPr>
+          <p:spPr>
+            <a:xfrm>
+              <a:off x="4072320" y="2250360"/>
+              <a:ext cx="85320" cy="188280"/>
+            </a:xfrm>
+            <a:prstGeom prst="rect">
+              <a:avLst/>
+            </a:prstGeom>
+            <a:ln/>
+          </p:spPr>
+          <p:style>
+            <a:lnRef idx="2">
+              <a:schemeClr val="accent1">
+                <a:shade val="50000"/>
+              </a:schemeClr>
+            </a:lnRef>
+            <a:fillRef idx="1">
+              <a:schemeClr val="accent1"/>
+            </a:fillRef>
+            <a:effectRef idx="0">
+              <a:schemeClr val="accent1"/>
+            </a:effectRef>
+            <a:fontRef idx="minor"/>
+          </p:style>
+        </p:sp>
+        <p:sp>
+          <p:nvSpPr>
+            <p:cNvPr id="142" name="CustomShape 56"/>
+            <p:cNvSpPr/>
+            <p:nvPr/>
+          </p:nvSpPr>
+          <p:spPr>
+            <a:xfrm>
+              <a:off x="4081680" y="2244960"/>
+              <a:ext cx="74520" cy="193680"/>
+            </a:xfrm>
+            <a:custGeom>
+              <a:avLst/>
+              <a:gdLst/>
+              <a:ahLst/>
+              <a:cxnLst/>
+              <a:rect l="l" t="t" r="r" b="b"/>
+              <a:pathLst>
+                <a:path w="78627" h="273738">
+                  <a:moveTo>
+                    <a:pt x="34946" y="0"/>
+                  </a:moveTo>
+                  <a:lnTo>
+                    <a:pt x="37858" y="61154"/>
+                  </a:lnTo>
+                  <a:lnTo>
+                    <a:pt x="0" y="84451"/>
+                  </a:lnTo>
+                  <a:lnTo>
+                    <a:pt x="75715" y="84451"/>
+                  </a:lnTo>
+                  <a:lnTo>
+                    <a:pt x="8737" y="133957"/>
+                  </a:lnTo>
+                  <a:lnTo>
+                    <a:pt x="78627" y="131045"/>
+                  </a:lnTo>
+                  <a:lnTo>
+                    <a:pt x="11649" y="186375"/>
+                  </a:lnTo>
+                  <a:lnTo>
+                    <a:pt x="78627" y="189287"/>
+                  </a:lnTo>
+                  <a:lnTo>
+                    <a:pt x="40770" y="227144"/>
+                  </a:lnTo>
+                  <a:lnTo>
+                    <a:pt x="37858" y="273738"/>
+                  </a:lnTo>
+                </a:path>
+              </a:pathLst>
+            </a:custGeom>
+            <a:noFill/>
+            <a:ln w="6480">
+              <a:solidFill>
+                <a:schemeClr val="tx1"/>
+              </a:solidFill>
+            </a:ln>
+          </p:spPr>
+          <p:style>
+            <a:lnRef idx="2">
+              <a:schemeClr val="accent1">
+                <a:shade val="50000"/>
+              </a:schemeClr>
+            </a:lnRef>
+            <a:fillRef idx="1">
+              <a:schemeClr val="accent1"/>
+            </a:fillRef>
+            <a:effectRef idx="0">
+              <a:schemeClr val="accent1"/>
+            </a:effectRef>
+            <a:fontRef idx="minor"/>
+          </p:style>
+        </p:sp>
+      </p:grpSp>
+      <p:sp>
+        <p:nvSpPr>
+          <p:cNvPr id="143" name="CustomShape 57"/>
+          <p:cNvSpPr/>
+          <p:nvPr/>
+        </p:nvSpPr>
+        <p:spPr>
+          <a:xfrm>
+            <a:off x="2858512" y="2884476"/>
+            <a:ext cx="92160" cy="102960"/>
+          </a:xfrm>
+          <a:prstGeom prst="ellipse">
+            <a:avLst/>
+          </a:prstGeom>
+          <a:solidFill>
+            <a:schemeClr val="bg2"/>
+          </a:solidFill>
+          <a:ln/>
+        </p:spPr>
+        <p:style>
+          <a:lnRef idx="2">
+            <a:schemeClr val="accent1">
+              <a:shade val="50000"/>
+            </a:schemeClr>
+          </a:lnRef>
+          <a:fillRef idx="1">
+            <a:schemeClr val="accent1"/>
+          </a:fillRef>
+          <a:effectRef idx="0">
+            <a:schemeClr val="accent1"/>
+          </a:effectRef>
+          <a:fontRef idx="minor"/>
+        </p:style>
+      </p:sp>
+      <p:grpSp>
+        <p:nvGrpSpPr>
+          <p:cNvPr id="144" name="Group 58"/>
+          <p:cNvGrpSpPr/>
+          <p:nvPr/>
+        </p:nvGrpSpPr>
+        <p:grpSpPr>
+          <a:xfrm>
+            <a:off x="2864632" y="3494294"/>
+            <a:ext cx="85320" cy="193680"/>
+            <a:chOff x="4072320" y="3123360"/>
+            <a:chExt cx="85320" cy="193680"/>
+          </a:xfrm>
+        </p:grpSpPr>
+        <p:sp>
+          <p:nvSpPr>
+            <p:cNvPr id="145" name="CustomShape 59"/>
+            <p:cNvSpPr/>
+            <p:nvPr/>
+          </p:nvSpPr>
+          <p:spPr>
+            <a:xfrm>
+              <a:off x="4072320" y="3128760"/>
+              <a:ext cx="85320" cy="188280"/>
+            </a:xfrm>
+            <a:prstGeom prst="rect">
+              <a:avLst/>
+            </a:prstGeom>
+            <a:ln/>
+          </p:spPr>
+          <p:style>
+            <a:lnRef idx="2">
+              <a:schemeClr val="accent1">
+                <a:shade val="50000"/>
+              </a:schemeClr>
+            </a:lnRef>
+            <a:fillRef idx="1">
+              <a:schemeClr val="accent1"/>
+            </a:fillRef>
+            <a:effectRef idx="0">
+              <a:schemeClr val="accent1"/>
+            </a:effectRef>
+            <a:fontRef idx="minor"/>
+          </p:style>
+        </p:sp>
+        <p:sp>
+          <p:nvSpPr>
+            <p:cNvPr id="146" name="CustomShape 60"/>
+            <p:cNvSpPr/>
+            <p:nvPr/>
+          </p:nvSpPr>
+          <p:spPr>
+            <a:xfrm>
+              <a:off x="4081680" y="3123360"/>
+              <a:ext cx="74520" cy="193680"/>
+            </a:xfrm>
+            <a:custGeom>
+              <a:avLst/>
+              <a:gdLst/>
+              <a:ahLst/>
+              <a:cxnLst/>
+              <a:rect l="l" t="t" r="r" b="b"/>
+              <a:pathLst>
+                <a:path w="78627" h="273738">
+                  <a:moveTo>
+                    <a:pt x="34946" y="0"/>
+                  </a:moveTo>
+                  <a:lnTo>
+                    <a:pt x="37858" y="61154"/>
+                  </a:lnTo>
+                  <a:lnTo>
+                    <a:pt x="0" y="84451"/>
+                  </a:lnTo>
+                  <a:lnTo>
+                    <a:pt x="75715" y="84451"/>
+                  </a:lnTo>
+                  <a:lnTo>
+                    <a:pt x="8737" y="133957"/>
+                  </a:lnTo>
+                  <a:lnTo>
+                    <a:pt x="78627" y="131045"/>
+                  </a:lnTo>
+                  <a:lnTo>
+                    <a:pt x="11649" y="186375"/>
+                  </a:lnTo>
+                  <a:lnTo>
+                    <a:pt x="78627" y="189287"/>
+                  </a:lnTo>
+                  <a:lnTo>
+                    <a:pt x="40770" y="227144"/>
+                  </a:lnTo>
+                  <a:lnTo>
+                    <a:pt x="37858" y="273738"/>
+                  </a:lnTo>
+                </a:path>
+              </a:pathLst>
+            </a:custGeom>
+            <a:noFill/>
+            <a:ln w="6480">
+              <a:solidFill>
+                <a:schemeClr val="tx1"/>
+              </a:solidFill>
+            </a:ln>
+          </p:spPr>
+          <p:style>
+            <a:lnRef idx="2">
+              <a:schemeClr val="accent1">
+                <a:shade val="50000"/>
+              </a:schemeClr>
+            </a:lnRef>
+            <a:fillRef idx="1">
+              <a:schemeClr val="accent1"/>
+            </a:fillRef>
+            <a:effectRef idx="0">
+              <a:schemeClr val="accent1"/>
+            </a:effectRef>
+            <a:fontRef idx="minor"/>
+          </p:style>
+        </p:sp>
+      </p:grpSp>
+      <p:sp>
+        <p:nvSpPr>
+          <p:cNvPr id="147" name="CustomShape 61"/>
+          <p:cNvSpPr/>
+          <p:nvPr/>
+        </p:nvSpPr>
+        <p:spPr>
+          <a:xfrm>
+            <a:off x="2353385" y="1477174"/>
+            <a:ext cx="415800" cy="280080"/>
+          </a:xfrm>
+          <a:prstGeom prst="rect">
+            <a:avLst/>
+          </a:prstGeom>
+          <a:noFill/>
+          <a:ln>
+            <a:noFill/>
+          </a:ln>
+        </p:spPr>
+        <p:style>
+          <a:lnRef idx="0">
+            <a:scrgbClr r="0" g="0" b="0"/>
+          </a:lnRef>
+          <a:fillRef idx="0">
+            <a:scrgbClr r="0" g="0" b="0"/>
+          </a:fillRef>
+          <a:effectRef idx="0">
+            <a:scrgbClr r="0" g="0" b="0"/>
+          </a:effectRef>
+          <a:fontRef idx="minor"/>
+        </p:style>
+        <p:txBody>
+          <a:bodyPr wrap="none" lIns="90000" tIns="45000" rIns="90000" bIns="45000"/>
+          <a:lstStyle/>
+          <a:p>
+            <a:pPr>
+              <a:lnSpc>
+                <a:spcPct val="100000"/>
+              </a:lnSpc>
+            </a:pPr>
+            <a:r>
+              <a:rPr lang="ca-ES" sz="1100" b="0" strike="noStrike" spc="-1" dirty="0">
+                <a:solidFill>
+                  <a:srgbClr val="000000"/>
+                </a:solidFill>
+                <a:latin typeface="Symbol"/>
+                <a:ea typeface="MS Mincho"/>
+              </a:rPr>
+              <a:t></a:t>
+            </a:r>
+            <a:r>
+              <a:rPr lang="ca-ES" sz="1100" b="0" i="1" strike="noStrike" spc="-1" baseline="-25000" dirty="0" err="1">
+                <a:solidFill>
+                  <a:srgbClr val="000000"/>
+                </a:solidFill>
+                <a:latin typeface="Times New Roman"/>
+                <a:ea typeface="MS Mincho"/>
+              </a:rPr>
+              <a:t>leaf</a:t>
+            </a:r>
+            <a:endParaRPr lang="ca-ES" sz="1100" b="0" strike="noStrike" spc="-1" dirty="0">
+              <a:latin typeface="Arial"/>
+            </a:endParaRPr>
+          </a:p>
+        </p:txBody>
+      </p:sp>
+      <p:grpSp>
+        <p:nvGrpSpPr>
+          <p:cNvPr id="148" name="Group 62"/>
+          <p:cNvGrpSpPr/>
+          <p:nvPr/>
+        </p:nvGrpSpPr>
+        <p:grpSpPr>
+          <a:xfrm>
+            <a:off x="2826143" y="1781539"/>
+            <a:ext cx="85320" cy="193680"/>
+            <a:chOff x="4067640" y="1583640"/>
+            <a:chExt cx="85320" cy="193680"/>
+          </a:xfrm>
+        </p:grpSpPr>
+        <p:sp>
+          <p:nvSpPr>
+            <p:cNvPr id="149" name="CustomShape 63"/>
+            <p:cNvSpPr/>
+            <p:nvPr/>
+          </p:nvSpPr>
+          <p:spPr>
+            <a:xfrm>
+              <a:off x="4067640" y="1589040"/>
+              <a:ext cx="85320" cy="188280"/>
+            </a:xfrm>
+            <a:prstGeom prst="rect">
+              <a:avLst/>
+            </a:prstGeom>
+            <a:ln/>
+          </p:spPr>
+          <p:style>
+            <a:lnRef idx="2">
+              <a:schemeClr val="accent1">
+                <a:shade val="50000"/>
+              </a:schemeClr>
+            </a:lnRef>
+            <a:fillRef idx="1">
+              <a:schemeClr val="accent1"/>
+            </a:fillRef>
+            <a:effectRef idx="0">
+              <a:schemeClr val="accent1"/>
+            </a:effectRef>
+            <a:fontRef idx="minor"/>
+          </p:style>
+        </p:sp>
+        <p:sp>
+          <p:nvSpPr>
+            <p:cNvPr id="150" name="CustomShape 64"/>
+            <p:cNvSpPr/>
+            <p:nvPr/>
+          </p:nvSpPr>
+          <p:spPr>
+            <a:xfrm>
+              <a:off x="4077000" y="1583640"/>
+              <a:ext cx="74520" cy="193680"/>
+            </a:xfrm>
+            <a:custGeom>
+              <a:avLst/>
+              <a:gdLst/>
+              <a:ahLst/>
+              <a:cxnLst/>
+              <a:rect l="l" t="t" r="r" b="b"/>
+              <a:pathLst>
+                <a:path w="78627" h="273738">
+                  <a:moveTo>
+                    <a:pt x="34946" y="0"/>
+                  </a:moveTo>
+                  <a:lnTo>
+                    <a:pt x="37858" y="61154"/>
+                  </a:lnTo>
+                  <a:lnTo>
+                    <a:pt x="0" y="84451"/>
+                  </a:lnTo>
+                  <a:lnTo>
+                    <a:pt x="75715" y="84451"/>
+                  </a:lnTo>
+                  <a:lnTo>
+                    <a:pt x="8737" y="133957"/>
+                  </a:lnTo>
+                  <a:lnTo>
+                    <a:pt x="78627" y="131045"/>
+                  </a:lnTo>
+                  <a:lnTo>
+                    <a:pt x="11649" y="186375"/>
+                  </a:lnTo>
+                  <a:lnTo>
+                    <a:pt x="78627" y="189287"/>
+                  </a:lnTo>
+                  <a:lnTo>
+                    <a:pt x="40770" y="227144"/>
+                  </a:lnTo>
+                  <a:lnTo>
+                    <a:pt x="37858" y="273738"/>
+                  </a:lnTo>
+                </a:path>
+              </a:pathLst>
+            </a:custGeom>
+            <a:noFill/>
+            <a:ln w="6480">
+              <a:solidFill>
+                <a:schemeClr val="tx1"/>
+              </a:solidFill>
+            </a:ln>
+          </p:spPr>
+          <p:style>
+            <a:lnRef idx="2">
+              <a:schemeClr val="accent1">
+                <a:shade val="50000"/>
+              </a:schemeClr>
+            </a:lnRef>
+            <a:fillRef idx="1">
+              <a:schemeClr val="accent1"/>
+            </a:fillRef>
+            <a:effectRef idx="0">
+              <a:schemeClr val="accent1"/>
+            </a:effectRef>
+            <a:fontRef idx="minor"/>
+          </p:style>
+        </p:sp>
+      </p:grpSp>
+      <p:sp>
+        <p:nvSpPr>
+          <p:cNvPr id="151" name="CustomShape 65"/>
+          <p:cNvSpPr/>
+          <p:nvPr/>
+        </p:nvSpPr>
+        <p:spPr>
+          <a:xfrm>
+            <a:off x="2827912" y="1527130"/>
+            <a:ext cx="92160" cy="102960"/>
+          </a:xfrm>
+          <a:prstGeom prst="ellipse">
+            <a:avLst/>
+          </a:prstGeom>
+          <a:solidFill>
+            <a:schemeClr val="bg2"/>
+          </a:solidFill>
+          <a:ln/>
+        </p:spPr>
+        <p:style>
+          <a:lnRef idx="2">
+            <a:schemeClr val="accent1">
+              <a:shade val="50000"/>
+            </a:schemeClr>
+          </a:lnRef>
+          <a:fillRef idx="1">
+            <a:schemeClr val="accent1"/>
+          </a:fillRef>
+          <a:effectRef idx="0">
+            <a:schemeClr val="accent1"/>
+          </a:effectRef>
+          <a:fontRef idx="minor"/>
+        </p:style>
+      </p:sp>
+      <p:sp>
+        <p:nvSpPr>
+          <p:cNvPr id="2" name="CuadroTexto 1"/>
+          <p:cNvSpPr txBox="1"/>
+          <p:nvPr/>
+        </p:nvSpPr>
+        <p:spPr>
+          <a:xfrm>
+            <a:off x="1894187" y="593635"/>
+            <a:ext cx="2086522" cy="461665"/>
+          </a:xfrm>
+          <a:prstGeom prst="rect">
+            <a:avLst/>
+          </a:prstGeom>
+          <a:noFill/>
+        </p:spPr>
+        <p:txBody>
+          <a:bodyPr wrap="square" rtlCol="0">
+            <a:spAutoFit/>
+          </a:bodyPr>
+          <a:lstStyle/>
+          <a:p>
+            <a:pPr algn="ctr"/>
+            <a:r>
+              <a:rPr lang="en-US" sz="1200" dirty="0" smtClean="0">
+                <a:latin typeface="Calibri" panose="020F0502020204030204" pitchFamily="34" charset="0"/>
+                <a:cs typeface="Calibri" panose="020F0502020204030204" pitchFamily="34" charset="0"/>
+              </a:rPr>
+              <a:t> </a:t>
+            </a:r>
+            <a:r>
+              <a:rPr lang="en-US" sz="1200" dirty="0" smtClean="0">
+                <a:latin typeface="Calibri" panose="020F0502020204030204" pitchFamily="34" charset="0"/>
+                <a:cs typeface="Calibri" panose="020F0502020204030204" pitchFamily="34" charset="0"/>
+              </a:rPr>
+              <a:t>a) </a:t>
+            </a:r>
+            <a:r>
+              <a:rPr lang="en-US" sz="1200" dirty="0" smtClean="0">
+                <a:latin typeface="Calibri" panose="020F0502020204030204" pitchFamily="34" charset="0"/>
+                <a:cs typeface="Calibri" panose="020F0502020204030204" pitchFamily="34" charset="0"/>
+              </a:rPr>
+              <a:t>Hydraulics </a:t>
+            </a:r>
+            <a:r>
+              <a:rPr lang="en-US" sz="1200" dirty="0" smtClean="0">
+                <a:latin typeface="Calibri" panose="020F0502020204030204" pitchFamily="34" charset="0"/>
+                <a:cs typeface="Calibri" panose="020F0502020204030204" pitchFamily="34" charset="0"/>
+              </a:rPr>
+              <a:t>without plant compartments</a:t>
+            </a:r>
+            <a:endParaRPr lang="en-US" sz="1200" dirty="0">
+              <a:latin typeface="Calibri" panose="020F0502020204030204" pitchFamily="34" charset="0"/>
+              <a:cs typeface="Calibri" panose="020F0502020204030204" pitchFamily="34" charset="0"/>
+            </a:endParaRPr>
+          </a:p>
+        </p:txBody>
+      </p:sp>
+      <p:sp>
+        <p:nvSpPr>
+          <p:cNvPr id="152" name="CuadroTexto 151"/>
+          <p:cNvSpPr txBox="1"/>
+          <p:nvPr/>
+        </p:nvSpPr>
+        <p:spPr>
+          <a:xfrm>
+            <a:off x="4649387" y="590488"/>
+            <a:ext cx="2086522" cy="461665"/>
+          </a:xfrm>
+          <a:prstGeom prst="rect">
+            <a:avLst/>
+          </a:prstGeom>
+          <a:noFill/>
+        </p:spPr>
+        <p:txBody>
+          <a:bodyPr wrap="square" rtlCol="0">
+            <a:spAutoFit/>
+          </a:bodyPr>
+          <a:lstStyle/>
+          <a:p>
+            <a:pPr algn="ctr"/>
+            <a:r>
+              <a:rPr lang="en-US" sz="1200" dirty="0" smtClean="0">
+                <a:latin typeface="Calibri" panose="020F0502020204030204" pitchFamily="34" charset="0"/>
+                <a:cs typeface="Calibri" panose="020F0502020204030204" pitchFamily="34" charset="0"/>
+              </a:rPr>
+              <a:t> </a:t>
+            </a:r>
+            <a:r>
+              <a:rPr lang="en-US" sz="1200" dirty="0" smtClean="0">
+                <a:latin typeface="Calibri" panose="020F0502020204030204" pitchFamily="34" charset="0"/>
+                <a:cs typeface="Calibri" panose="020F0502020204030204" pitchFamily="34" charset="0"/>
+              </a:rPr>
+              <a:t>b) Hydraulics </a:t>
+            </a:r>
+            <a:r>
+              <a:rPr lang="en-US" sz="1200" dirty="0" smtClean="0">
+                <a:latin typeface="Calibri" panose="020F0502020204030204" pitchFamily="34" charset="0"/>
+                <a:cs typeface="Calibri" panose="020F0502020204030204" pitchFamily="34" charset="0"/>
+              </a:rPr>
+              <a:t>with plant compartments</a:t>
+            </a:r>
+            <a:endParaRPr lang="en-US" sz="1200" dirty="0">
+              <a:latin typeface="Calibri" panose="020F0502020204030204" pitchFamily="34" charset="0"/>
+              <a:cs typeface="Calibri" panose="020F0502020204030204" pitchFamily="34" charset="0"/>
+            </a:endParaRPr>
+          </a:p>
+        </p:txBody>
+      </p:sp>
+      <p:sp>
+        <p:nvSpPr>
+          <p:cNvPr id="153" name="CustomShape 72"/>
+          <p:cNvSpPr/>
+          <p:nvPr/>
+        </p:nvSpPr>
+        <p:spPr>
+          <a:xfrm>
+            <a:off x="2659612" y="1019380"/>
+            <a:ext cx="606600" cy="271080"/>
+          </a:xfrm>
+          <a:prstGeom prst="rect">
+            <a:avLst/>
+          </a:prstGeom>
+          <a:noFill/>
+          <a:ln>
+            <a:noFill/>
+          </a:ln>
+        </p:spPr>
+        <p:style>
+          <a:lnRef idx="0">
+            <a:scrgbClr r="0" g="0" b="0"/>
+          </a:lnRef>
+          <a:fillRef idx="0">
+            <a:scrgbClr r="0" g="0" b="0"/>
+          </a:fillRef>
+          <a:effectRef idx="0">
+            <a:scrgbClr r="0" g="0" b="0"/>
+          </a:effectRef>
+          <a:fontRef idx="minor"/>
+        </p:style>
+        <p:txBody>
+          <a:bodyPr lIns="90000" tIns="45000" rIns="90000" bIns="45000"/>
+          <a:lstStyle/>
+          <a:p>
+            <a:pPr>
+              <a:lnSpc>
+                <a:spcPct val="100000"/>
+              </a:lnSpc>
+            </a:pPr>
+            <a:r>
+              <a:rPr lang="ca-ES" sz="1050" b="0" i="1" strike="noStrike" spc="-1" dirty="0" err="1" smtClean="0">
+                <a:solidFill>
+                  <a:srgbClr val="000000"/>
+                </a:solidFill>
+                <a:latin typeface="Times New Roman"/>
+                <a:ea typeface="MS Mincho"/>
+              </a:rPr>
+              <a:t>E</a:t>
+            </a:r>
+            <a:r>
+              <a:rPr lang="ca-ES" sz="1050" b="0" i="1" strike="noStrike" spc="-1" baseline="-25000" dirty="0" err="1" smtClean="0">
+                <a:solidFill>
+                  <a:srgbClr val="000000"/>
+                </a:solidFill>
+                <a:latin typeface="Times New Roman"/>
+                <a:ea typeface="MS Mincho"/>
+              </a:rPr>
+              <a:t>leaf</a:t>
+            </a:r>
+            <a:endParaRPr lang="ca-ES" sz="1050" b="0" strike="noStrike" spc="-1" dirty="0">
+              <a:latin typeface="Arial"/>
+            </a:endParaRPr>
+          </a:p>
+        </p:txBody>
+      </p:sp>
+    </p:spTree>
+    <p:extLst>
+      <p:ext uri="{BB962C8B-B14F-4D97-AF65-F5344CB8AC3E}">
+        <p14:creationId xmlns:p14="http://schemas.microsoft.com/office/powerpoint/2010/main" val="1842106765"/>
+      </p:ext>
+    </p:extLst>
+  </p:cSld>
+  <p:clrMapOvr>
+    <a:masterClrMapping/>
+  </p:clrMapOvr>
+  <p:timing>
+    <p:tnLst>
+      <p:par>
+        <p:cTn id="1" dur="indefinite" restart="never" nodeType="tmRoot">
+          <p:childTnLst>
+            <p:seq>
+              <p:cTn id="2" dur="indefinite" nodeType="mainSeq"/>
+              <p:prevCondLst>
+                <p:cond evt="onPrev" delay="0">
+                  <p:tgtEl>
+                    <p:sldTgt/>
+                  </p:tgtEl>
+                </p:cond>
+              </p:prevCondLst>
+              <p:nextCondLst>
+                <p:cond evt="onNext" delay="0">
+                  <p:tgtEl>
+                    <p:sldTgt/>
+                  </p:tgtEl>
+                </p:cond>
+              </p:nextCondLst>
+            </p:seq>
+          </p:childTnLst>
+        </p:cTn>
+      </p:par>
+    </p:tnLst>
+  </p:timing>
+</p:sld>
+</file>
+
+<file path=ppt/slides/slide6.xml><?xml version="1.0" encoding="utf-8"?>
+<p:sld xmlns:a="http://schemas.openxmlformats.org/drawingml/2006/main" xmlns:r="http://schemas.openxmlformats.org/officeDocument/2006/relationships" xmlns:p="http://schemas.openxmlformats.org/presentationml/2006/main">
+  <p:cSld>
     <p:bg>
       <p:bgPr>
         <a:solidFill>
@@ -19368,7 +26382,7 @@
 </p:sld>
 </file>
 
-<file path=ppt/slides/slide6.xml><?xml version="1.0" encoding="utf-8"?>
+<file path=ppt/slides/slide7.xml><?xml version="1.0" encoding="utf-8"?>
 <p:sld xmlns:a="http://schemas.openxmlformats.org/drawingml/2006/main" xmlns:r="http://schemas.openxmlformats.org/officeDocument/2006/relationships" xmlns:p="http://schemas.openxmlformats.org/presentationml/2006/main">
   <p:cSld>
     <p:bg>

--- a/Hydraulics.pptx
+++ b/Hydraulics.pptx
@@ -79,10 +79,8 @@
         <p:txBody>
           <a:bodyPr lIns="0" rIns="0" tIns="0" bIns="0" anchor="ctr"/>
           <a:p>
-            <a:endParaRPr b="0" lang="es-ES" sz="1800" spc="-1" strike="noStrike">
-              <a:solidFill>
-                <a:srgbClr val="000000"/>
-              </a:solidFill>
+            <a:pPr algn="ctr"/>
+            <a:endParaRPr b="0" lang="ca-ES" sz="4400" spc="-1" strike="noStrike">
               <a:latin typeface="Arial"/>
             </a:endParaRPr>
           </a:p>
@@ -112,10 +110,7 @@
             <a:normAutofit/>
           </a:bodyPr>
           <a:p>
-            <a:endParaRPr b="0" lang="es-ES" sz="2800" spc="-1" strike="noStrike">
-              <a:solidFill>
-                <a:srgbClr val="000000"/>
-              </a:solidFill>
+            <a:endParaRPr b="0" lang="ca-ES" sz="3200" spc="-1" strike="noStrike">
               <a:latin typeface="Arial"/>
             </a:endParaRPr>
           </a:p>
@@ -145,10 +140,7 @@
             <a:normAutofit/>
           </a:bodyPr>
           <a:p>
-            <a:endParaRPr b="0" lang="es-ES" sz="2800" spc="-1" strike="noStrike">
-              <a:solidFill>
-                <a:srgbClr val="000000"/>
-              </a:solidFill>
+            <a:endParaRPr b="0" lang="ca-ES" sz="3200" spc="-1" strike="noStrike">
               <a:latin typeface="Arial"/>
             </a:endParaRPr>
           </a:p>
@@ -198,10 +190,8 @@
         <p:txBody>
           <a:bodyPr lIns="0" rIns="0" tIns="0" bIns="0" anchor="ctr"/>
           <a:p>
-            <a:endParaRPr b="0" lang="es-ES" sz="1800" spc="-1" strike="noStrike">
-              <a:solidFill>
-                <a:srgbClr val="000000"/>
-              </a:solidFill>
+            <a:pPr algn="ctr"/>
+            <a:endParaRPr b="0" lang="ca-ES" sz="4400" spc="-1" strike="noStrike">
               <a:latin typeface="Arial"/>
             </a:endParaRPr>
           </a:p>
@@ -231,10 +221,7 @@
             <a:normAutofit/>
           </a:bodyPr>
           <a:p>
-            <a:endParaRPr b="0" lang="es-ES" sz="2800" spc="-1" strike="noStrike">
-              <a:solidFill>
-                <a:srgbClr val="000000"/>
-              </a:solidFill>
+            <a:endParaRPr b="0" lang="ca-ES" sz="3200" spc="-1" strike="noStrike">
               <a:latin typeface="Arial"/>
             </a:endParaRPr>
           </a:p>
@@ -264,10 +251,7 @@
             <a:normAutofit/>
           </a:bodyPr>
           <a:p>
-            <a:endParaRPr b="0" lang="es-ES" sz="2800" spc="-1" strike="noStrike">
-              <a:solidFill>
-                <a:srgbClr val="000000"/>
-              </a:solidFill>
+            <a:endParaRPr b="0" lang="ca-ES" sz="3200" spc="-1" strike="noStrike">
               <a:latin typeface="Arial"/>
             </a:endParaRPr>
           </a:p>
@@ -297,10 +281,7 @@
             <a:normAutofit/>
           </a:bodyPr>
           <a:p>
-            <a:endParaRPr b="0" lang="es-ES" sz="2800" spc="-1" strike="noStrike">
-              <a:solidFill>
-                <a:srgbClr val="000000"/>
-              </a:solidFill>
+            <a:endParaRPr b="0" lang="ca-ES" sz="3200" spc="-1" strike="noStrike">
               <a:latin typeface="Arial"/>
             </a:endParaRPr>
           </a:p>
@@ -330,10 +311,7 @@
             <a:normAutofit/>
           </a:bodyPr>
           <a:p>
-            <a:endParaRPr b="0" lang="es-ES" sz="2800" spc="-1" strike="noStrike">
-              <a:solidFill>
-                <a:srgbClr val="000000"/>
-              </a:solidFill>
+            <a:endParaRPr b="0" lang="ca-ES" sz="3200" spc="-1" strike="noStrike">
               <a:latin typeface="Arial"/>
             </a:endParaRPr>
           </a:p>
@@ -383,10 +361,8 @@
         <p:txBody>
           <a:bodyPr lIns="0" rIns="0" tIns="0" bIns="0" anchor="ctr"/>
           <a:p>
-            <a:endParaRPr b="0" lang="es-ES" sz="1800" spc="-1" strike="noStrike">
-              <a:solidFill>
-                <a:srgbClr val="000000"/>
-              </a:solidFill>
+            <a:pPr algn="ctr"/>
+            <a:endParaRPr b="0" lang="ca-ES" sz="4400" spc="-1" strike="noStrike">
               <a:latin typeface="Arial"/>
             </a:endParaRPr>
           </a:p>
@@ -416,10 +392,7 @@
             <a:normAutofit/>
           </a:bodyPr>
           <a:p>
-            <a:endParaRPr b="0" lang="es-ES" sz="2800" spc="-1" strike="noStrike">
-              <a:solidFill>
-                <a:srgbClr val="000000"/>
-              </a:solidFill>
+            <a:endParaRPr b="0" lang="ca-ES" sz="3200" spc="-1" strike="noStrike">
               <a:latin typeface="Arial"/>
             </a:endParaRPr>
           </a:p>
@@ -449,10 +422,7 @@
             <a:normAutofit/>
           </a:bodyPr>
           <a:p>
-            <a:endParaRPr b="0" lang="es-ES" sz="2800" spc="-1" strike="noStrike">
-              <a:solidFill>
-                <a:srgbClr val="000000"/>
-              </a:solidFill>
+            <a:endParaRPr b="0" lang="ca-ES" sz="3200" spc="-1" strike="noStrike">
               <a:latin typeface="Arial"/>
             </a:endParaRPr>
           </a:p>
@@ -482,10 +452,7 @@
             <a:normAutofit/>
           </a:bodyPr>
           <a:p>
-            <a:endParaRPr b="0" lang="es-ES" sz="2800" spc="-1" strike="noStrike">
-              <a:solidFill>
-                <a:srgbClr val="000000"/>
-              </a:solidFill>
+            <a:endParaRPr b="0" lang="ca-ES" sz="3200" spc="-1" strike="noStrike">
               <a:latin typeface="Arial"/>
             </a:endParaRPr>
           </a:p>
@@ -515,10 +482,7 @@
             <a:normAutofit/>
           </a:bodyPr>
           <a:p>
-            <a:endParaRPr b="0" lang="es-ES" sz="2800" spc="-1" strike="noStrike">
-              <a:solidFill>
-                <a:srgbClr val="000000"/>
-              </a:solidFill>
+            <a:endParaRPr b="0" lang="ca-ES" sz="3200" spc="-1" strike="noStrike">
               <a:latin typeface="Arial"/>
             </a:endParaRPr>
           </a:p>
@@ -548,10 +512,7 @@
             <a:normAutofit/>
           </a:bodyPr>
           <a:p>
-            <a:endParaRPr b="0" lang="es-ES" sz="2800" spc="-1" strike="noStrike">
-              <a:solidFill>
-                <a:srgbClr val="000000"/>
-              </a:solidFill>
+            <a:endParaRPr b="0" lang="ca-ES" sz="3200" spc="-1" strike="noStrike">
               <a:latin typeface="Arial"/>
             </a:endParaRPr>
           </a:p>
@@ -581,10 +542,7 @@
             <a:normAutofit/>
           </a:bodyPr>
           <a:p>
-            <a:endParaRPr b="0" lang="es-ES" sz="2800" spc="-1" strike="noStrike">
-              <a:solidFill>
-                <a:srgbClr val="000000"/>
-              </a:solidFill>
+            <a:endParaRPr b="0" lang="ca-ES" sz="3200" spc="-1" strike="noStrike">
               <a:latin typeface="Arial"/>
             </a:endParaRPr>
           </a:p>
@@ -634,10 +592,8 @@
         <p:txBody>
           <a:bodyPr lIns="0" rIns="0" tIns="0" bIns="0" anchor="ctr"/>
           <a:p>
-            <a:endParaRPr b="0" lang="es-ES" sz="1800" spc="-1" strike="noStrike">
-              <a:solidFill>
-                <a:srgbClr val="000000"/>
-              </a:solidFill>
+            <a:pPr algn="ctr"/>
+            <a:endParaRPr b="0" lang="ca-ES" sz="4400" spc="-1" strike="noStrike">
               <a:latin typeface="Arial"/>
             </a:endParaRPr>
           </a:p>
@@ -716,10 +672,8 @@
         <p:txBody>
           <a:bodyPr lIns="0" rIns="0" tIns="0" bIns="0" anchor="ctr"/>
           <a:p>
-            <a:endParaRPr b="0" lang="es-ES" sz="1800" spc="-1" strike="noStrike">
-              <a:solidFill>
-                <a:srgbClr val="000000"/>
-              </a:solidFill>
+            <a:pPr algn="ctr"/>
+            <a:endParaRPr b="0" lang="ca-ES" sz="4400" spc="-1" strike="noStrike">
               <a:latin typeface="Arial"/>
             </a:endParaRPr>
           </a:p>
@@ -749,10 +703,7 @@
             <a:normAutofit/>
           </a:bodyPr>
           <a:p>
-            <a:endParaRPr b="0" lang="es-ES" sz="2800" spc="-1" strike="noStrike">
-              <a:solidFill>
-                <a:srgbClr val="000000"/>
-              </a:solidFill>
+            <a:endParaRPr b="0" lang="ca-ES" sz="3200" spc="-1" strike="noStrike">
               <a:latin typeface="Arial"/>
             </a:endParaRPr>
           </a:p>
@@ -802,10 +753,8 @@
         <p:txBody>
           <a:bodyPr lIns="0" rIns="0" tIns="0" bIns="0" anchor="ctr"/>
           <a:p>
-            <a:endParaRPr b="0" lang="es-ES" sz="1800" spc="-1" strike="noStrike">
-              <a:solidFill>
-                <a:srgbClr val="000000"/>
-              </a:solidFill>
+            <a:pPr algn="ctr"/>
+            <a:endParaRPr b="0" lang="ca-ES" sz="4400" spc="-1" strike="noStrike">
               <a:latin typeface="Arial"/>
             </a:endParaRPr>
           </a:p>
@@ -835,10 +784,7 @@
             <a:normAutofit/>
           </a:bodyPr>
           <a:p>
-            <a:endParaRPr b="0" lang="es-ES" sz="2800" spc="-1" strike="noStrike">
-              <a:solidFill>
-                <a:srgbClr val="000000"/>
-              </a:solidFill>
+            <a:endParaRPr b="0" lang="ca-ES" sz="3200" spc="-1" strike="noStrike">
               <a:latin typeface="Arial"/>
             </a:endParaRPr>
           </a:p>
@@ -868,10 +814,7 @@
             <a:normAutofit/>
           </a:bodyPr>
           <a:p>
-            <a:endParaRPr b="0" lang="es-ES" sz="2800" spc="-1" strike="noStrike">
-              <a:solidFill>
-                <a:srgbClr val="000000"/>
-              </a:solidFill>
+            <a:endParaRPr b="0" lang="ca-ES" sz="3200" spc="-1" strike="noStrike">
               <a:latin typeface="Arial"/>
             </a:endParaRPr>
           </a:p>
@@ -921,10 +864,8 @@
         <p:txBody>
           <a:bodyPr lIns="0" rIns="0" tIns="0" bIns="0" anchor="ctr"/>
           <a:p>
-            <a:endParaRPr b="0" lang="es-ES" sz="1800" spc="-1" strike="noStrike">
-              <a:solidFill>
-                <a:srgbClr val="000000"/>
-              </a:solidFill>
+            <a:pPr algn="ctr"/>
+            <a:endParaRPr b="0" lang="ca-ES" sz="4400" spc="-1" strike="noStrike">
               <a:latin typeface="Arial"/>
             </a:endParaRPr>
           </a:p>
@@ -1025,10 +966,8 @@
         <p:txBody>
           <a:bodyPr lIns="0" rIns="0" tIns="0" bIns="0" anchor="ctr"/>
           <a:p>
-            <a:endParaRPr b="0" lang="es-ES" sz="1800" spc="-1" strike="noStrike">
-              <a:solidFill>
-                <a:srgbClr val="000000"/>
-              </a:solidFill>
+            <a:pPr algn="ctr"/>
+            <a:endParaRPr b="0" lang="ca-ES" sz="4400" spc="-1" strike="noStrike">
               <a:latin typeface="Arial"/>
             </a:endParaRPr>
           </a:p>
@@ -1058,10 +997,7 @@
             <a:normAutofit/>
           </a:bodyPr>
           <a:p>
-            <a:endParaRPr b="0" lang="es-ES" sz="2800" spc="-1" strike="noStrike">
-              <a:solidFill>
-                <a:srgbClr val="000000"/>
-              </a:solidFill>
+            <a:endParaRPr b="0" lang="ca-ES" sz="3200" spc="-1" strike="noStrike">
               <a:latin typeface="Arial"/>
             </a:endParaRPr>
           </a:p>
@@ -1091,10 +1027,7 @@
             <a:normAutofit/>
           </a:bodyPr>
           <a:p>
-            <a:endParaRPr b="0" lang="es-ES" sz="2800" spc="-1" strike="noStrike">
-              <a:solidFill>
-                <a:srgbClr val="000000"/>
-              </a:solidFill>
+            <a:endParaRPr b="0" lang="ca-ES" sz="3200" spc="-1" strike="noStrike">
               <a:latin typeface="Arial"/>
             </a:endParaRPr>
           </a:p>
@@ -1124,10 +1057,7 @@
             <a:normAutofit/>
           </a:bodyPr>
           <a:p>
-            <a:endParaRPr b="0" lang="es-ES" sz="2800" spc="-1" strike="noStrike">
-              <a:solidFill>
-                <a:srgbClr val="000000"/>
-              </a:solidFill>
+            <a:endParaRPr b="0" lang="ca-ES" sz="3200" spc="-1" strike="noStrike">
               <a:latin typeface="Arial"/>
             </a:endParaRPr>
           </a:p>
@@ -1177,10 +1107,8 @@
         <p:txBody>
           <a:bodyPr lIns="0" rIns="0" tIns="0" bIns="0" anchor="ctr"/>
           <a:p>
-            <a:endParaRPr b="0" lang="es-ES" sz="1800" spc="-1" strike="noStrike">
-              <a:solidFill>
-                <a:srgbClr val="000000"/>
-              </a:solidFill>
+            <a:pPr algn="ctr"/>
+            <a:endParaRPr b="0" lang="ca-ES" sz="4400" spc="-1" strike="noStrike">
               <a:latin typeface="Arial"/>
             </a:endParaRPr>
           </a:p>
@@ -1210,10 +1138,7 @@
             <a:normAutofit/>
           </a:bodyPr>
           <a:p>
-            <a:endParaRPr b="0" lang="es-ES" sz="2800" spc="-1" strike="noStrike">
-              <a:solidFill>
-                <a:srgbClr val="000000"/>
-              </a:solidFill>
+            <a:endParaRPr b="0" lang="ca-ES" sz="3200" spc="-1" strike="noStrike">
               <a:latin typeface="Arial"/>
             </a:endParaRPr>
           </a:p>
@@ -1243,10 +1168,7 @@
             <a:normAutofit/>
           </a:bodyPr>
           <a:p>
-            <a:endParaRPr b="0" lang="es-ES" sz="2800" spc="-1" strike="noStrike">
-              <a:solidFill>
-                <a:srgbClr val="000000"/>
-              </a:solidFill>
+            <a:endParaRPr b="0" lang="ca-ES" sz="3200" spc="-1" strike="noStrike">
               <a:latin typeface="Arial"/>
             </a:endParaRPr>
           </a:p>
@@ -1276,10 +1198,7 @@
             <a:normAutofit/>
           </a:bodyPr>
           <a:p>
-            <a:endParaRPr b="0" lang="es-ES" sz="2800" spc="-1" strike="noStrike">
-              <a:solidFill>
-                <a:srgbClr val="000000"/>
-              </a:solidFill>
+            <a:endParaRPr b="0" lang="ca-ES" sz="3200" spc="-1" strike="noStrike">
               <a:latin typeface="Arial"/>
             </a:endParaRPr>
           </a:p>
@@ -1329,10 +1248,8 @@
         <p:txBody>
           <a:bodyPr lIns="0" rIns="0" tIns="0" bIns="0" anchor="ctr"/>
           <a:p>
-            <a:endParaRPr b="0" lang="es-ES" sz="1800" spc="-1" strike="noStrike">
-              <a:solidFill>
-                <a:srgbClr val="000000"/>
-              </a:solidFill>
+            <a:pPr algn="ctr"/>
+            <a:endParaRPr b="0" lang="ca-ES" sz="4400" spc="-1" strike="noStrike">
               <a:latin typeface="Arial"/>
             </a:endParaRPr>
           </a:p>
@@ -1362,10 +1279,7 @@
             <a:normAutofit/>
           </a:bodyPr>
           <a:p>
-            <a:endParaRPr b="0" lang="es-ES" sz="2800" spc="-1" strike="noStrike">
-              <a:solidFill>
-                <a:srgbClr val="000000"/>
-              </a:solidFill>
+            <a:endParaRPr b="0" lang="ca-ES" sz="3200" spc="-1" strike="noStrike">
               <a:latin typeface="Arial"/>
             </a:endParaRPr>
           </a:p>
@@ -1395,10 +1309,7 @@
             <a:normAutofit/>
           </a:bodyPr>
           <a:p>
-            <a:endParaRPr b="0" lang="es-ES" sz="2800" spc="-1" strike="noStrike">
-              <a:solidFill>
-                <a:srgbClr val="000000"/>
-              </a:solidFill>
+            <a:endParaRPr b="0" lang="ca-ES" sz="3200" spc="-1" strike="noStrike">
               <a:latin typeface="Arial"/>
             </a:endParaRPr>
           </a:p>
@@ -1428,10 +1339,7 @@
             <a:normAutofit/>
           </a:bodyPr>
           <a:p>
-            <a:endParaRPr b="0" lang="es-ES" sz="2800" spc="-1" strike="noStrike">
-              <a:solidFill>
-                <a:srgbClr val="000000"/>
-              </a:solidFill>
+            <a:endParaRPr b="0" lang="ca-ES" sz="3200" spc="-1" strike="noStrike">
               <a:latin typeface="Arial"/>
             </a:endParaRPr>
           </a:p>
@@ -1488,109 +1396,188 @@
         <p:txBody>
           <a:bodyPr lIns="0" rIns="0" tIns="0" bIns="0" anchor="ctr"/>
           <a:p>
-            <a:r>
-              <a:rPr b="0" lang="es-ES" sz="1800" spc="-1" strike="noStrike">
-                <a:solidFill>
-                  <a:srgbClr val="000000"/>
-                </a:solidFill>
+            <a:pPr algn="ctr"/>
+            <a:r>
+              <a:rPr b="0" lang="ca-ES" sz="4400" spc="-1" strike="noStrike">
                 <a:latin typeface="Arial"/>
               </a:rPr>
-              <a:t>Feu </a:t>
-            </a:r>
-            <a:r>
-              <a:rPr b="0" lang="es-ES" sz="1800" spc="-1" strike="noStrike">
-                <a:solidFill>
-                  <a:srgbClr val="000000"/>
-                </a:solidFill>
+              <a:t>F</a:t>
+            </a:r>
+            <a:r>
+              <a:rPr b="0" lang="ca-ES" sz="4400" spc="-1" strike="noStrike">
                 <a:latin typeface="Arial"/>
               </a:rPr>
-              <a:t>clic </a:t>
-            </a:r>
-            <a:r>
-              <a:rPr b="0" lang="es-ES" sz="1800" spc="-1" strike="noStrike">
-                <a:solidFill>
-                  <a:srgbClr val="000000"/>
-                </a:solidFill>
+              <a:t>e</a:t>
+            </a:r>
+            <a:r>
+              <a:rPr b="0" lang="ca-ES" sz="4400" spc="-1" strike="noStrike">
                 <a:latin typeface="Arial"/>
               </a:rPr>
-              <a:t>per </a:t>
-            </a:r>
-            <a:r>
-              <a:rPr b="0" lang="es-ES" sz="1800" spc="-1" strike="noStrike">
-                <a:solidFill>
-                  <a:srgbClr val="000000"/>
-                </a:solidFill>
+              <a:t>u </a:t>
+            </a:r>
+            <a:r>
+              <a:rPr b="0" lang="ca-ES" sz="4400" spc="-1" strike="noStrike">
                 <a:latin typeface="Arial"/>
               </a:rPr>
-              <a:t>edita</a:t>
-            </a:r>
-            <a:r>
-              <a:rPr b="0" lang="es-ES" sz="1800" spc="-1" strike="noStrike">
-                <a:solidFill>
-                  <a:srgbClr val="000000"/>
-                </a:solidFill>
+              <a:t>cl</a:t>
+            </a:r>
+            <a:r>
+              <a:rPr b="0" lang="ca-ES" sz="4400" spc="-1" strike="noStrike">
                 <a:latin typeface="Arial"/>
               </a:rPr>
-              <a:t>r el </a:t>
-            </a:r>
-            <a:r>
-              <a:rPr b="0" lang="es-ES" sz="1800" spc="-1" strike="noStrike">
-                <a:solidFill>
-                  <a:srgbClr val="000000"/>
-                </a:solidFill>
+              <a:t>ic </a:t>
+            </a:r>
+            <a:r>
+              <a:rPr b="0" lang="ca-ES" sz="4400" spc="-1" strike="noStrike">
                 <a:latin typeface="Arial"/>
               </a:rPr>
-              <a:t>form</a:t>
-            </a:r>
-            <a:r>
-              <a:rPr b="0" lang="es-ES" sz="1800" spc="-1" strike="noStrike">
-                <a:solidFill>
-                  <a:srgbClr val="000000"/>
-                </a:solidFill>
+              <a:t>p</a:t>
+            </a:r>
+            <a:r>
+              <a:rPr b="0" lang="ca-ES" sz="4400" spc="-1" strike="noStrike">
                 <a:latin typeface="Arial"/>
               </a:rPr>
-              <a:t>at </a:t>
-            </a:r>
-            <a:r>
-              <a:rPr b="0" lang="es-ES" sz="1800" spc="-1" strike="noStrike">
-                <a:solidFill>
-                  <a:srgbClr val="000000"/>
-                </a:solidFill>
+              <a:t>e</a:t>
+            </a:r>
+            <a:r>
+              <a:rPr b="0" lang="ca-ES" sz="4400" spc="-1" strike="noStrike">
                 <a:latin typeface="Arial"/>
               </a:rPr>
-              <a:t>del </a:t>
-            </a:r>
-            <a:r>
-              <a:rPr b="0" lang="es-ES" sz="1800" spc="-1" strike="noStrike">
-                <a:solidFill>
-                  <a:srgbClr val="000000"/>
-                </a:solidFill>
+              <a:t>r </a:t>
+            </a:r>
+            <a:r>
+              <a:rPr b="0" lang="ca-ES" sz="4400" spc="-1" strike="noStrike">
                 <a:latin typeface="Arial"/>
               </a:rPr>
-              <a:t>text </a:t>
-            </a:r>
-            <a:r>
-              <a:rPr b="0" lang="es-ES" sz="1800" spc="-1" strike="noStrike">
-                <a:solidFill>
-                  <a:srgbClr val="000000"/>
-                </a:solidFill>
+              <a:t>e</a:t>
+            </a:r>
+            <a:r>
+              <a:rPr b="0" lang="ca-ES" sz="4400" spc="-1" strike="noStrike">
                 <a:latin typeface="Arial"/>
               </a:rPr>
-              <a:t>del </a:t>
-            </a:r>
-            <a:r>
-              <a:rPr b="0" lang="es-ES" sz="1800" spc="-1" strike="noStrike">
-                <a:solidFill>
-                  <a:srgbClr val="000000"/>
-                </a:solidFill>
+              <a:t>di</a:t>
+            </a:r>
+            <a:r>
+              <a:rPr b="0" lang="ca-ES" sz="4400" spc="-1" strike="noStrike">
                 <a:latin typeface="Arial"/>
               </a:rPr>
-              <a:t>títol</a:t>
-            </a:r>
-            <a:endParaRPr b="0" lang="es-ES" sz="1800" spc="-1" strike="noStrike">
-              <a:solidFill>
-                <a:srgbClr val="000000"/>
-              </a:solidFill>
+              <a:t>t</a:t>
+            </a:r>
+            <a:r>
+              <a:rPr b="0" lang="ca-ES" sz="4400" spc="-1" strike="noStrike">
+                <a:latin typeface="Arial"/>
+              </a:rPr>
+              <a:t>a</a:t>
+            </a:r>
+            <a:r>
+              <a:rPr b="0" lang="ca-ES" sz="4400" spc="-1" strike="noStrike">
+                <a:latin typeface="Arial"/>
+              </a:rPr>
+              <a:t>r </a:t>
+            </a:r>
+            <a:r>
+              <a:rPr b="0" lang="ca-ES" sz="4400" spc="-1" strike="noStrike">
+                <a:latin typeface="Arial"/>
+              </a:rPr>
+              <a:t>el </a:t>
+            </a:r>
+            <a:r>
+              <a:rPr b="0" lang="ca-ES" sz="4400" spc="-1" strike="noStrike">
+                <a:latin typeface="Arial"/>
+              </a:rPr>
+              <a:t>f</a:t>
+            </a:r>
+            <a:r>
+              <a:rPr b="0" lang="ca-ES" sz="4400" spc="-1" strike="noStrike">
+                <a:latin typeface="Arial"/>
+              </a:rPr>
+              <a:t>o</a:t>
+            </a:r>
+            <a:r>
+              <a:rPr b="0" lang="ca-ES" sz="4400" spc="-1" strike="noStrike">
+                <a:latin typeface="Arial"/>
+              </a:rPr>
+              <a:t>r</a:t>
+            </a:r>
+            <a:r>
+              <a:rPr b="0" lang="ca-ES" sz="4400" spc="-1" strike="noStrike">
+                <a:latin typeface="Arial"/>
+              </a:rPr>
+              <a:t>m</a:t>
+            </a:r>
+            <a:r>
+              <a:rPr b="0" lang="ca-ES" sz="4400" spc="-1" strike="noStrike">
+                <a:latin typeface="Arial"/>
+              </a:rPr>
+              <a:t>a</a:t>
+            </a:r>
+            <a:r>
+              <a:rPr b="0" lang="ca-ES" sz="4400" spc="-1" strike="noStrike">
+                <a:latin typeface="Arial"/>
+              </a:rPr>
+              <a:t>t </a:t>
+            </a:r>
+            <a:r>
+              <a:rPr b="0" lang="ca-ES" sz="4400" spc="-1" strike="noStrike">
+                <a:latin typeface="Arial"/>
+              </a:rPr>
+              <a:t>d</a:t>
+            </a:r>
+            <a:r>
+              <a:rPr b="0" lang="ca-ES" sz="4400" spc="-1" strike="noStrike">
+                <a:latin typeface="Arial"/>
+              </a:rPr>
+              <a:t>el </a:t>
+            </a:r>
+            <a:r>
+              <a:rPr b="0" lang="ca-ES" sz="4400" spc="-1" strike="noStrike">
+                <a:latin typeface="Arial"/>
+              </a:rPr>
+              <a:t>t</a:t>
+            </a:r>
+            <a:r>
+              <a:rPr b="0" lang="ca-ES" sz="4400" spc="-1" strike="noStrike">
+                <a:latin typeface="Arial"/>
+              </a:rPr>
+              <a:t>e</a:t>
+            </a:r>
+            <a:r>
+              <a:rPr b="0" lang="ca-ES" sz="4400" spc="-1" strike="noStrike">
+                <a:latin typeface="Arial"/>
+              </a:rPr>
+              <a:t>xt </a:t>
+            </a:r>
+            <a:r>
+              <a:rPr b="0" lang="ca-ES" sz="4400" spc="-1" strike="noStrike">
+                <a:latin typeface="Arial"/>
+              </a:rPr>
+              <a:t>d</a:t>
+            </a:r>
+            <a:r>
+              <a:rPr b="0" lang="ca-ES" sz="4400" spc="-1" strike="noStrike">
+                <a:latin typeface="Arial"/>
+              </a:rPr>
+              <a:t>el </a:t>
+            </a:r>
+            <a:r>
+              <a:rPr b="0" lang="ca-ES" sz="4400" spc="-1" strike="noStrike">
+                <a:latin typeface="Arial"/>
+              </a:rPr>
+              <a:t>tí</a:t>
+            </a:r>
+            <a:r>
+              <a:rPr b="0" lang="ca-ES" sz="4400" spc="-1" strike="noStrike">
+                <a:latin typeface="Arial"/>
+              </a:rPr>
+              <a:t>t</a:t>
+            </a:r>
+            <a:r>
+              <a:rPr b="0" lang="ca-ES" sz="4400" spc="-1" strike="noStrike">
+                <a:latin typeface="Arial"/>
+              </a:rPr>
+              <a:t>ol</a:t>
+            </a:r>
+            <a:endParaRPr b="0" lang="ca-ES" sz="4400" spc="-1" strike="noStrike">
               <a:latin typeface="Arial"/>
             </a:endParaRPr>
           </a:p>
@@ -1632,18 +1619,12 @@
               <a:buChar char=""/>
             </a:pPr>
             <a:r>
-              <a:rPr b="0" lang="es-ES" sz="2800" spc="-1" strike="noStrike">
-                <a:solidFill>
-                  <a:srgbClr val="000000"/>
-                </a:solidFill>
+              <a:rPr b="0" lang="ca-ES" sz="3200" spc="-1" strike="noStrike">
                 <a:latin typeface="Arial"/>
               </a:rPr>
               <a:t>Feu clic per editar el format del text de l'esquema</a:t>
             </a:r>
-            <a:endParaRPr b="0" lang="es-ES" sz="2800" spc="-1" strike="noStrike">
-              <a:solidFill>
-                <a:srgbClr val="000000"/>
-              </a:solidFill>
+            <a:endParaRPr b="0" lang="ca-ES" sz="3200" spc="-1" strike="noStrike">
               <a:latin typeface="Arial"/>
             </a:endParaRPr>
           </a:p>
@@ -1660,18 +1641,12 @@
               <a:buChar char=""/>
             </a:pPr>
             <a:r>
-              <a:rPr b="0" lang="es-ES" sz="2000" spc="-1" strike="noStrike">
-                <a:solidFill>
-                  <a:srgbClr val="000000"/>
-                </a:solidFill>
+              <a:rPr b="0" lang="ca-ES" sz="2800" spc="-1" strike="noStrike">
                 <a:latin typeface="Arial"/>
               </a:rPr>
               <a:t>Segon nivell d'esquema</a:t>
             </a:r>
-            <a:endParaRPr b="0" lang="es-ES" sz="2000" spc="-1" strike="noStrike">
-              <a:solidFill>
-                <a:srgbClr val="000000"/>
-              </a:solidFill>
+            <a:endParaRPr b="0" lang="ca-ES" sz="2800" spc="-1" strike="noStrike">
               <a:latin typeface="Arial"/>
             </a:endParaRPr>
           </a:p>
@@ -1688,18 +1663,12 @@
               <a:buChar char=""/>
             </a:pPr>
             <a:r>
-              <a:rPr b="0" lang="es-ES" sz="1800" spc="-1" strike="noStrike">
-                <a:solidFill>
-                  <a:srgbClr val="000000"/>
-                </a:solidFill>
+              <a:rPr b="0" lang="ca-ES" sz="2400" spc="-1" strike="noStrike">
                 <a:latin typeface="Arial"/>
               </a:rPr>
               <a:t>Tercer nivell d'esquema</a:t>
             </a:r>
-            <a:endParaRPr b="0" lang="es-ES" sz="1800" spc="-1" strike="noStrike">
-              <a:solidFill>
-                <a:srgbClr val="000000"/>
-              </a:solidFill>
+            <a:endParaRPr b="0" lang="ca-ES" sz="2400" spc="-1" strike="noStrike">
               <a:latin typeface="Arial"/>
             </a:endParaRPr>
           </a:p>
@@ -1716,18 +1685,12 @@
               <a:buChar char=""/>
             </a:pPr>
             <a:r>
-              <a:rPr b="0" lang="es-ES" sz="1800" spc="-1" strike="noStrike">
-                <a:solidFill>
-                  <a:srgbClr val="000000"/>
-                </a:solidFill>
+              <a:rPr b="0" lang="ca-ES" sz="2000" spc="-1" strike="noStrike">
                 <a:latin typeface="Arial"/>
               </a:rPr>
               <a:t>Quart nivell d'esquema</a:t>
             </a:r>
-            <a:endParaRPr b="0" lang="es-ES" sz="1800" spc="-1" strike="noStrike">
-              <a:solidFill>
-                <a:srgbClr val="000000"/>
-              </a:solidFill>
+            <a:endParaRPr b="0" lang="ca-ES" sz="2000" spc="-1" strike="noStrike">
               <a:latin typeface="Arial"/>
             </a:endParaRPr>
           </a:p>
@@ -1744,18 +1707,12 @@
               <a:buChar char=""/>
             </a:pPr>
             <a:r>
-              <a:rPr b="0" lang="es-ES" sz="2000" spc="-1" strike="noStrike">
-                <a:solidFill>
-                  <a:srgbClr val="000000"/>
-                </a:solidFill>
+              <a:rPr b="0" lang="ca-ES" sz="2000" spc="-1" strike="noStrike">
                 <a:latin typeface="Arial"/>
               </a:rPr>
               <a:t>Cinquè nivell d'esquema</a:t>
             </a:r>
-            <a:endParaRPr b="0" lang="es-ES" sz="2000" spc="-1" strike="noStrike">
-              <a:solidFill>
-                <a:srgbClr val="000000"/>
-              </a:solidFill>
+            <a:endParaRPr b="0" lang="ca-ES" sz="2000" spc="-1" strike="noStrike">
               <a:latin typeface="Arial"/>
             </a:endParaRPr>
           </a:p>
@@ -1772,18 +1729,12 @@
               <a:buChar char=""/>
             </a:pPr>
             <a:r>
-              <a:rPr b="0" lang="es-ES" sz="2000" spc="-1" strike="noStrike">
-                <a:solidFill>
-                  <a:srgbClr val="000000"/>
-                </a:solidFill>
+              <a:rPr b="0" lang="ca-ES" sz="2000" spc="-1" strike="noStrike">
                 <a:latin typeface="Arial"/>
               </a:rPr>
               <a:t>Sisè nivell d'esquema</a:t>
             </a:r>
-            <a:endParaRPr b="0" lang="es-ES" sz="2000" spc="-1" strike="noStrike">
-              <a:solidFill>
-                <a:srgbClr val="000000"/>
-              </a:solidFill>
+            <a:endParaRPr b="0" lang="ca-ES" sz="2000" spc="-1" strike="noStrike">
               <a:latin typeface="Arial"/>
             </a:endParaRPr>
           </a:p>
@@ -1800,18 +1751,12 @@
               <a:buChar char=""/>
             </a:pPr>
             <a:r>
-              <a:rPr b="0" lang="es-ES" sz="2000" spc="-1" strike="noStrike">
-                <a:solidFill>
-                  <a:srgbClr val="000000"/>
-                </a:solidFill>
+              <a:rPr b="0" lang="ca-ES" sz="2000" spc="-1" strike="noStrike">
                 <a:latin typeface="Arial"/>
               </a:rPr>
               <a:t>Setè nivell d'esquema</a:t>
             </a:r>
-            <a:endParaRPr b="0" lang="es-ES" sz="2000" spc="-1" strike="noStrike">
-              <a:solidFill>
-                <a:srgbClr val="000000"/>
-              </a:solidFill>
+            <a:endParaRPr b="0" lang="ca-ES" sz="2000" spc="-1" strike="noStrike">
               <a:latin typeface="Arial"/>
             </a:endParaRPr>
           </a:p>
@@ -1870,9 +1815,9 @@
         <p:grpSpPr>
           <a:xfrm>
             <a:off x="1326240" y="929520"/>
-            <a:ext cx="5592240" cy="4550040"/>
+            <a:ext cx="5591880" cy="4549680"/>
             <a:chOff x="1326240" y="929520"/>
-            <a:chExt cx="5592240" cy="4550040"/>
+            <a:chExt cx="5591880" cy="4549680"/>
           </a:xfrm>
         </p:grpSpPr>
         <p:sp>
@@ -1884,7 +1829,7 @@
           <p:spPr>
             <a:xfrm>
               <a:off x="1326240" y="929520"/>
-              <a:ext cx="5585760" cy="4542480"/>
+              <a:ext cx="5585400" cy="4542120"/>
             </a:xfrm>
             <a:prstGeom prst="rect">
               <a:avLst/>
@@ -1920,9 +1865,9 @@
           <p:grpSpPr>
             <a:xfrm>
               <a:off x="1326240" y="929520"/>
-              <a:ext cx="5592240" cy="4550040"/>
+              <a:ext cx="5591880" cy="4549680"/>
               <a:chOff x="1326240" y="929520"/>
-              <a:chExt cx="5592240" cy="4550040"/>
+              <a:chExt cx="5591880" cy="4549680"/>
             </a:xfrm>
           </p:grpSpPr>
           <p:pic>
@@ -1938,7 +1883,7 @@
             <p:spPr>
               <a:xfrm>
                 <a:off x="1326240" y="929520"/>
-                <a:ext cx="3548880" cy="4542480"/>
+                <a:ext cx="3548520" cy="4542120"/>
               </a:xfrm>
               <a:prstGeom prst="rect">
                 <a:avLst/>
@@ -1957,7 +1902,7 @@
             <p:spPr>
               <a:xfrm>
                 <a:off x="3291120" y="937080"/>
-                <a:ext cx="3627360" cy="4542480"/>
+                <a:ext cx="3627000" cy="4542120"/>
               </a:xfrm>
               <a:prstGeom prst="rect">
                 <a:avLst/>
@@ -1995,7 +1940,7 @@
         <p:spPr>
           <a:xfrm>
             <a:off x="4113720" y="3331080"/>
-            <a:ext cx="360" cy="538200"/>
+            <a:ext cx="360" cy="537840"/>
           </a:xfrm>
           <a:custGeom>
             <a:avLst/>
@@ -2044,7 +1989,7 @@
         <p:spPr>
           <a:xfrm>
             <a:off x="4032360" y="3665160"/>
-            <a:ext cx="162000" cy="204120"/>
+            <a:ext cx="161640" cy="203760"/>
           </a:xfrm>
           <a:prstGeom prst="ellipse">
             <a:avLst/>
@@ -2080,7 +2025,7 @@
         <p:spPr>
           <a:xfrm>
             <a:off x="5631840" y="3665160"/>
-            <a:ext cx="162000" cy="204120"/>
+            <a:ext cx="161640" cy="203760"/>
           </a:xfrm>
           <a:prstGeom prst="ellipse">
             <a:avLst/>
@@ -2116,7 +2061,7 @@
         <p:spPr>
           <a:xfrm flipH="1">
             <a:off x="4194360" y="3767760"/>
-            <a:ext cx="1436040" cy="360"/>
+            <a:ext cx="1435680" cy="360"/>
           </a:xfrm>
           <a:custGeom>
             <a:avLst/>
@@ -2164,7 +2109,7 @@
         <p:spPr>
           <a:xfrm>
             <a:off x="4839120" y="3675240"/>
-            <a:ext cx="162000" cy="204120"/>
+            <a:ext cx="161640" cy="203760"/>
           </a:xfrm>
           <a:prstGeom prst="ellipse">
             <a:avLst/>
@@ -2200,7 +2145,7 @@
         <p:spPr>
           <a:xfrm>
             <a:off x="5652000" y="4138560"/>
-            <a:ext cx="162000" cy="204120"/>
+            <a:ext cx="161640" cy="203760"/>
           </a:xfrm>
           <a:prstGeom prst="ellipse">
             <a:avLst/>
@@ -2235,8 +2180,8 @@
         </p:nvSpPr>
         <p:spPr>
           <a:xfrm flipH="1">
-            <a:off x="4505760" y="4240800"/>
-            <a:ext cx="1144800" cy="13320"/>
+            <a:off x="4505040" y="4240800"/>
+            <a:ext cx="1144440" cy="12960"/>
           </a:xfrm>
           <a:custGeom>
             <a:avLst/>
@@ -2284,7 +2229,7 @@
         <p:spPr>
           <a:xfrm>
             <a:off x="4859280" y="4148280"/>
-            <a:ext cx="162000" cy="204120"/>
+            <a:ext cx="161640" cy="203760"/>
           </a:xfrm>
           <a:prstGeom prst="ellipse">
             <a:avLst/>
@@ -2320,7 +2265,7 @@
         <p:spPr>
           <a:xfrm>
             <a:off x="5652000" y="4751280"/>
-            <a:ext cx="162000" cy="204120"/>
+            <a:ext cx="161640" cy="203760"/>
           </a:xfrm>
           <a:prstGeom prst="ellipse">
             <a:avLst/>
@@ -2356,7 +2301,7 @@
         <p:spPr>
           <a:xfrm flipH="1">
             <a:off x="4503960" y="4853520"/>
-            <a:ext cx="1146600" cy="8640"/>
+            <a:ext cx="1146240" cy="8280"/>
           </a:xfrm>
           <a:custGeom>
             <a:avLst/>
@@ -2404,7 +2349,7 @@
         <p:spPr>
           <a:xfrm>
             <a:off x="4859280" y="4761000"/>
-            <a:ext cx="162000" cy="204120"/>
+            <a:ext cx="161640" cy="203760"/>
           </a:xfrm>
           <a:prstGeom prst="ellipse">
             <a:avLst/>
@@ -2440,7 +2385,7 @@
         <p:spPr>
           <a:xfrm>
             <a:off x="5948280" y="3585240"/>
-            <a:ext cx="977760" cy="249840"/>
+            <a:ext cx="977400" cy="249480"/>
           </a:xfrm>
           <a:prstGeom prst="rect">
             <a:avLst/>
@@ -2499,7 +2444,7 @@
         <p:spPr>
           <a:xfrm>
             <a:off x="5961600" y="4109040"/>
-            <a:ext cx="977760" cy="249840"/>
+            <a:ext cx="977400" cy="249480"/>
           </a:xfrm>
           <a:prstGeom prst="rect">
             <a:avLst/>
@@ -2558,7 +2503,7 @@
         <p:spPr>
           <a:xfrm>
             <a:off x="5986080" y="4773960"/>
-            <a:ext cx="977760" cy="249840"/>
+            <a:ext cx="977400" cy="249480"/>
           </a:xfrm>
           <a:prstGeom prst="rect">
             <a:avLst/>
@@ -2607,7 +2552,7 @@
         <p:spPr>
           <a:xfrm>
             <a:off x="4091400" y="5212800"/>
-            <a:ext cx="574920" cy="249840"/>
+            <a:ext cx="574560" cy="249480"/>
           </a:xfrm>
           <a:prstGeom prst="rect">
             <a:avLst/>
@@ -2656,7 +2601,7 @@
         <p:spPr>
           <a:xfrm>
             <a:off x="4710240" y="5228640"/>
-            <a:ext cx="1476720" cy="249840"/>
+            <a:ext cx="1476360" cy="249480"/>
           </a:xfrm>
           <a:prstGeom prst="rect">
             <a:avLst/>
@@ -2705,7 +2650,7 @@
         <p:spPr>
           <a:xfrm>
             <a:off x="4685040" y="3841920"/>
-            <a:ext cx="672840" cy="296640"/>
+            <a:ext cx="672480" cy="296280"/>
           </a:xfrm>
           <a:prstGeom prst="rect">
             <a:avLst/>
@@ -2774,7 +2719,7 @@
         <p:spPr>
           <a:xfrm>
             <a:off x="4685040" y="4330440"/>
-            <a:ext cx="672840" cy="296640"/>
+            <a:ext cx="672480" cy="296280"/>
           </a:xfrm>
           <a:prstGeom prst="rect">
             <a:avLst/>
@@ -2843,7 +2788,7 @@
         <p:spPr>
           <a:xfrm>
             <a:off x="4736160" y="4932720"/>
-            <a:ext cx="672840" cy="296640"/>
+            <a:ext cx="672480" cy="296280"/>
           </a:xfrm>
           <a:prstGeom prst="rect">
             <a:avLst/>
@@ -2901,8 +2846,8 @@
         </p:nvSpPr>
         <p:spPr>
           <a:xfrm flipH="1" flipV="1">
-            <a:off x="4170600" y="3839400"/>
-            <a:ext cx="234720" cy="415080"/>
+            <a:off x="4169880" y="3839400"/>
+            <a:ext cx="234360" cy="414720"/>
           </a:xfrm>
           <a:custGeom>
             <a:avLst/>
@@ -2950,7 +2895,7 @@
         <p:spPr>
           <a:xfrm>
             <a:off x="3393720" y="3571920"/>
-            <a:ext cx="662040" cy="296640"/>
+            <a:ext cx="661680" cy="296280"/>
           </a:xfrm>
           <a:prstGeom prst="rect">
             <a:avLst/>
@@ -3009,7 +2954,7 @@
         <p:spPr>
           <a:xfrm>
             <a:off x="5625360" y="3818160"/>
-            <a:ext cx="519120" cy="296640"/>
+            <a:ext cx="518760" cy="296280"/>
           </a:xfrm>
           <a:prstGeom prst="rect">
             <a:avLst/>
@@ -3078,7 +3023,7 @@
         <p:spPr>
           <a:xfrm>
             <a:off x="5633280" y="4340520"/>
-            <a:ext cx="519120" cy="296640"/>
+            <a:ext cx="518760" cy="296280"/>
           </a:xfrm>
           <a:prstGeom prst="rect">
             <a:avLst/>
@@ -3147,7 +3092,7 @@
         <p:spPr>
           <a:xfrm>
             <a:off x="5642280" y="4937400"/>
-            <a:ext cx="518760" cy="296640"/>
+            <a:ext cx="518400" cy="296280"/>
           </a:xfrm>
           <a:prstGeom prst="rect">
             <a:avLst/>
@@ -3205,8 +3150,8 @@
         </p:nvSpPr>
         <p:spPr>
           <a:xfrm flipH="1" rot="16200000">
-            <a:off x="3763800" y="4219920"/>
-            <a:ext cx="992160" cy="292320"/>
+            <a:off x="3763440" y="4219920"/>
+            <a:ext cx="991800" cy="291960"/>
           </a:xfrm>
           <a:prstGeom prst="bentConnector2">
             <a:avLst/>
@@ -3241,7 +3186,7 @@
         <p:spPr>
           <a:xfrm>
             <a:off x="4316040" y="4477680"/>
-            <a:ext cx="249120" cy="249840"/>
+            <a:ext cx="248760" cy="249480"/>
           </a:xfrm>
           <a:prstGeom prst="rect">
             <a:avLst/>
@@ -3290,7 +3235,7 @@
         <p:spPr>
           <a:xfrm>
             <a:off x="5622840" y="4499640"/>
-            <a:ext cx="249120" cy="249840"/>
+            <a:ext cx="248760" cy="249480"/>
           </a:xfrm>
           <a:prstGeom prst="rect">
             <a:avLst/>
@@ -3338,10 +3283,10 @@
         </p:nvGrpSpPr>
         <p:grpSpPr>
           <a:xfrm>
-            <a:off x="4397040" y="3724560"/>
-            <a:ext cx="193320" cy="84960"/>
-            <a:chOff x="4397040" y="3724560"/>
-            <a:chExt cx="193320" cy="84960"/>
+            <a:off x="4397400" y="3724560"/>
+            <a:ext cx="192960" cy="84600"/>
+            <a:chOff x="4397400" y="3724560"/>
+            <a:chExt cx="192960" cy="84600"/>
           </a:xfrm>
         </p:grpSpPr>
         <p:sp>
@@ -3352,8 +3297,8 @@
           </p:nvSpPr>
           <p:spPr>
             <a:xfrm rot="5400000">
-              <a:off x="4448520" y="3673080"/>
-              <a:ext cx="84960" cy="187920"/>
+              <a:off x="4448880" y="3673080"/>
+              <a:ext cx="84600" cy="187560"/>
             </a:xfrm>
             <a:prstGeom prst="rect">
               <a:avLst/>
@@ -3385,8 +3330,8 @@
           </p:nvSpPr>
           <p:spPr>
             <a:xfrm rot="5400000">
-              <a:off x="4456440" y="3674520"/>
-              <a:ext cx="74160" cy="193320"/>
+              <a:off x="4456800" y="3674520"/>
+              <a:ext cx="73800" cy="192960"/>
             </a:xfrm>
             <a:custGeom>
               <a:avLst/>
@@ -3460,10 +3405,10 @@
         </p:nvGrpSpPr>
         <p:grpSpPr>
           <a:xfrm>
-            <a:off x="5256720" y="3726720"/>
-            <a:ext cx="193320" cy="84960"/>
-            <a:chOff x="5256720" y="3726720"/>
-            <a:chExt cx="193320" cy="84960"/>
+            <a:off x="5257080" y="3726720"/>
+            <a:ext cx="192960" cy="84600"/>
+            <a:chOff x="5257080" y="3726720"/>
+            <a:chExt cx="192960" cy="84600"/>
           </a:xfrm>
         </p:grpSpPr>
         <p:sp>
@@ -3474,8 +3419,8 @@
           </p:nvSpPr>
           <p:spPr>
             <a:xfrm rot="5400000">
-              <a:off x="5308200" y="3675240"/>
-              <a:ext cx="84960" cy="187920"/>
+              <a:off x="5308560" y="3675240"/>
+              <a:ext cx="84600" cy="187560"/>
             </a:xfrm>
             <a:prstGeom prst="rect">
               <a:avLst/>
@@ -3507,8 +3452,8 @@
           </p:nvSpPr>
           <p:spPr>
             <a:xfrm rot="5400000">
-              <a:off x="5316120" y="3676320"/>
-              <a:ext cx="74160" cy="193320"/>
+              <a:off x="5316480" y="3676320"/>
+              <a:ext cx="73800" cy="192960"/>
             </a:xfrm>
             <a:custGeom>
               <a:avLst/>
@@ -3582,10 +3527,10 @@
         </p:nvGrpSpPr>
         <p:grpSpPr>
           <a:xfrm>
-            <a:off x="5260680" y="4199040"/>
-            <a:ext cx="193320" cy="84960"/>
-            <a:chOff x="5260680" y="4199040"/>
-            <a:chExt cx="193320" cy="84960"/>
+            <a:off x="5261040" y="4199040"/>
+            <a:ext cx="192960" cy="84600"/>
+            <a:chOff x="5261040" y="4199040"/>
+            <a:chExt cx="192960" cy="84600"/>
           </a:xfrm>
         </p:grpSpPr>
         <p:sp>
@@ -3596,8 +3541,8 @@
           </p:nvSpPr>
           <p:spPr>
             <a:xfrm rot="5400000">
-              <a:off x="5312160" y="4147560"/>
-              <a:ext cx="84960" cy="187920"/>
+              <a:off x="5312520" y="4147560"/>
+              <a:ext cx="84600" cy="187560"/>
             </a:xfrm>
             <a:prstGeom prst="rect">
               <a:avLst/>
@@ -3629,8 +3574,8 @@
           </p:nvSpPr>
           <p:spPr>
             <a:xfrm rot="5400000">
-              <a:off x="5320080" y="4148640"/>
-              <a:ext cx="74160" cy="193320"/>
+              <a:off x="5320440" y="4148640"/>
+              <a:ext cx="73800" cy="192960"/>
             </a:xfrm>
             <a:custGeom>
               <a:avLst/>
@@ -3704,10 +3649,10 @@
         </p:nvGrpSpPr>
         <p:grpSpPr>
           <a:xfrm>
-            <a:off x="4407120" y="4212720"/>
-            <a:ext cx="193320" cy="84960"/>
-            <a:chOff x="4407120" y="4212720"/>
-            <a:chExt cx="193320" cy="84960"/>
+            <a:off x="4407480" y="4212720"/>
+            <a:ext cx="192960" cy="84600"/>
+            <a:chOff x="4407480" y="4212720"/>
+            <a:chExt cx="192960" cy="84600"/>
           </a:xfrm>
         </p:grpSpPr>
         <p:sp>
@@ -3718,8 +3663,8 @@
           </p:nvSpPr>
           <p:spPr>
             <a:xfrm rot="5400000">
-              <a:off x="4458960" y="4161240"/>
-              <a:ext cx="84960" cy="187920"/>
+              <a:off x="4459320" y="4161240"/>
+              <a:ext cx="84600" cy="187560"/>
             </a:xfrm>
             <a:prstGeom prst="rect">
               <a:avLst/>
@@ -3751,8 +3696,8 @@
           </p:nvSpPr>
           <p:spPr>
             <a:xfrm rot="5400000">
-              <a:off x="4466520" y="4162320"/>
-              <a:ext cx="74160" cy="193320"/>
+              <a:off x="4466880" y="4162320"/>
+              <a:ext cx="73800" cy="192960"/>
             </a:xfrm>
             <a:custGeom>
               <a:avLst/>
@@ -3826,10 +3771,10 @@
         </p:nvGrpSpPr>
         <p:grpSpPr>
           <a:xfrm>
-            <a:off x="4407120" y="4820040"/>
-            <a:ext cx="193320" cy="84960"/>
-            <a:chOff x="4407120" y="4820040"/>
-            <a:chExt cx="193320" cy="84960"/>
+            <a:off x="4407480" y="4820040"/>
+            <a:ext cx="192960" cy="84600"/>
+            <a:chOff x="4407480" y="4820040"/>
+            <a:chExt cx="192960" cy="84600"/>
           </a:xfrm>
         </p:grpSpPr>
         <p:sp>
@@ -3840,8 +3785,8 @@
           </p:nvSpPr>
           <p:spPr>
             <a:xfrm rot="5400000">
-              <a:off x="4458960" y="4768560"/>
-              <a:ext cx="84960" cy="187920"/>
+              <a:off x="4459320" y="4768560"/>
+              <a:ext cx="84600" cy="187560"/>
             </a:xfrm>
             <a:prstGeom prst="rect">
               <a:avLst/>
@@ -3873,8 +3818,8 @@
           </p:nvSpPr>
           <p:spPr>
             <a:xfrm rot="5400000">
-              <a:off x="4466520" y="4769640"/>
-              <a:ext cx="74160" cy="193320"/>
+              <a:off x="4466880" y="4769640"/>
+              <a:ext cx="73800" cy="192960"/>
             </a:xfrm>
             <a:custGeom>
               <a:avLst/>
@@ -3948,10 +3893,10 @@
         </p:nvGrpSpPr>
         <p:grpSpPr>
           <a:xfrm>
-            <a:off x="5256720" y="4810680"/>
-            <a:ext cx="193320" cy="84960"/>
-            <a:chOff x="5256720" y="4810680"/>
-            <a:chExt cx="193320" cy="84960"/>
+            <a:off x="5257080" y="4810680"/>
+            <a:ext cx="192960" cy="84600"/>
+            <a:chOff x="5257080" y="4810680"/>
+            <a:chExt cx="192960" cy="84600"/>
           </a:xfrm>
         </p:grpSpPr>
         <p:sp>
@@ -3962,8 +3907,8 @@
           </p:nvSpPr>
           <p:spPr>
             <a:xfrm rot="5400000">
-              <a:off x="5308200" y="4759200"/>
-              <a:ext cx="84960" cy="187920"/>
+              <a:off x="5308560" y="4759200"/>
+              <a:ext cx="84600" cy="187560"/>
             </a:xfrm>
             <a:prstGeom prst="rect">
               <a:avLst/>
@@ -3995,8 +3940,8 @@
           </p:nvSpPr>
           <p:spPr>
             <a:xfrm rot="5400000">
-              <a:off x="5316120" y="4760280"/>
-              <a:ext cx="74160" cy="193320"/>
+              <a:off x="5316480" y="4760280"/>
+              <a:ext cx="73800" cy="192960"/>
             </a:xfrm>
             <a:custGeom>
               <a:avLst/>
@@ -4071,7 +4016,7 @@
         <p:spPr>
           <a:xfrm>
             <a:off x="3983400" y="3058200"/>
-            <a:ext cx="273600" cy="272520"/>
+            <a:ext cx="273240" cy="272160"/>
           </a:xfrm>
           <a:prstGeom prst="rect">
             <a:avLst/>
@@ -4176,9 +4121,9 @@
         <p:grpSpPr>
           <a:xfrm>
             <a:off x="1326240" y="929880"/>
-            <a:ext cx="5592240" cy="4550040"/>
+            <a:ext cx="5591880" cy="4549680"/>
             <a:chOff x="1326240" y="929880"/>
-            <a:chExt cx="5592240" cy="4550040"/>
+            <a:chExt cx="5591880" cy="4549680"/>
           </a:xfrm>
         </p:grpSpPr>
         <p:sp>
@@ -4190,7 +4135,7 @@
           <p:spPr>
             <a:xfrm>
               <a:off x="1326240" y="929880"/>
-              <a:ext cx="5585760" cy="4542480"/>
+              <a:ext cx="5585400" cy="4542120"/>
             </a:xfrm>
             <a:prstGeom prst="rect">
               <a:avLst/>
@@ -4226,9 +4171,9 @@
           <p:grpSpPr>
             <a:xfrm>
               <a:off x="1326240" y="929880"/>
-              <a:ext cx="5592240" cy="4550040"/>
+              <a:ext cx="5591880" cy="4549680"/>
               <a:chOff x="1326240" y="929880"/>
-              <a:chExt cx="5592240" cy="4550040"/>
+              <a:chExt cx="5591880" cy="4549680"/>
             </a:xfrm>
           </p:grpSpPr>
           <p:pic>
@@ -4244,7 +4189,7 @@
             <p:spPr>
               <a:xfrm>
                 <a:off x="1326240" y="929880"/>
-                <a:ext cx="3548880" cy="4542480"/>
+                <a:ext cx="3548520" cy="4542120"/>
               </a:xfrm>
               <a:prstGeom prst="rect">
                 <a:avLst/>
@@ -4263,7 +4208,7 @@
             <p:spPr>
               <a:xfrm>
                 <a:off x="3291120" y="937440"/>
-                <a:ext cx="3627360" cy="4542480"/>
+                <a:ext cx="3627000" cy="4542120"/>
               </a:xfrm>
               <a:prstGeom prst="rect">
                 <a:avLst/>
@@ -4301,7 +4246,7 @@
         <p:spPr>
           <a:xfrm>
             <a:off x="4113720" y="1266480"/>
-            <a:ext cx="360" cy="2602800"/>
+            <a:ext cx="360" cy="2602440"/>
           </a:xfrm>
           <a:custGeom>
             <a:avLst/>
@@ -4350,7 +4295,7 @@
         <p:spPr>
           <a:xfrm>
             <a:off x="4032360" y="3665160"/>
-            <a:ext cx="162000" cy="204120"/>
+            <a:ext cx="161640" cy="203760"/>
           </a:xfrm>
           <a:prstGeom prst="ellipse">
             <a:avLst/>
@@ -4386,7 +4331,7 @@
         <p:spPr>
           <a:xfrm>
             <a:off x="5631840" y="3665160"/>
-            <a:ext cx="162000" cy="204120"/>
+            <a:ext cx="161640" cy="203760"/>
           </a:xfrm>
           <a:prstGeom prst="ellipse">
             <a:avLst/>
@@ -4422,7 +4367,7 @@
         <p:spPr>
           <a:xfrm flipH="1">
             <a:off x="4194360" y="3767760"/>
-            <a:ext cx="1436040" cy="360"/>
+            <a:ext cx="1435680" cy="360"/>
           </a:xfrm>
           <a:custGeom>
             <a:avLst/>
@@ -4470,7 +4415,7 @@
         <p:spPr>
           <a:xfrm>
             <a:off x="4839120" y="3675240"/>
-            <a:ext cx="162000" cy="204120"/>
+            <a:ext cx="161640" cy="203760"/>
           </a:xfrm>
           <a:prstGeom prst="ellipse">
             <a:avLst/>
@@ -4506,7 +4451,7 @@
         <p:spPr>
           <a:xfrm>
             <a:off x="5652000" y="4138560"/>
-            <a:ext cx="162000" cy="204120"/>
+            <a:ext cx="161640" cy="203760"/>
           </a:xfrm>
           <a:prstGeom prst="ellipse">
             <a:avLst/>
@@ -4541,8 +4486,8 @@
         </p:nvSpPr>
         <p:spPr>
           <a:xfrm flipH="1">
-            <a:off x="4505760" y="4240800"/>
-            <a:ext cx="1144800" cy="13320"/>
+            <a:off x="4505040" y="4240800"/>
+            <a:ext cx="1144440" cy="12960"/>
           </a:xfrm>
           <a:custGeom>
             <a:avLst/>
@@ -4590,7 +4535,7 @@
         <p:spPr>
           <a:xfrm>
             <a:off x="4859280" y="4148280"/>
-            <a:ext cx="162000" cy="204120"/>
+            <a:ext cx="161640" cy="203760"/>
           </a:xfrm>
           <a:prstGeom prst="ellipse">
             <a:avLst/>
@@ -4626,7 +4571,7 @@
         <p:spPr>
           <a:xfrm>
             <a:off x="5652000" y="4751280"/>
-            <a:ext cx="162000" cy="204120"/>
+            <a:ext cx="161640" cy="203760"/>
           </a:xfrm>
           <a:prstGeom prst="ellipse">
             <a:avLst/>
@@ -4662,7 +4607,7 @@
         <p:spPr>
           <a:xfrm flipH="1">
             <a:off x="4503960" y="4853520"/>
-            <a:ext cx="1146600" cy="8640"/>
+            <a:ext cx="1146240" cy="8280"/>
           </a:xfrm>
           <a:custGeom>
             <a:avLst/>
@@ -4710,7 +4655,7 @@
         <p:spPr>
           <a:xfrm>
             <a:off x="4859280" y="4761000"/>
-            <a:ext cx="162000" cy="204120"/>
+            <a:ext cx="161640" cy="203760"/>
           </a:xfrm>
           <a:prstGeom prst="ellipse">
             <a:avLst/>
@@ -4746,7 +4691,7 @@
         <p:spPr>
           <a:xfrm>
             <a:off x="5948280" y="3585240"/>
-            <a:ext cx="977760" cy="249840"/>
+            <a:ext cx="977400" cy="249480"/>
           </a:xfrm>
           <a:prstGeom prst="rect">
             <a:avLst/>
@@ -4805,7 +4750,7 @@
         <p:spPr>
           <a:xfrm>
             <a:off x="5961600" y="4109040"/>
-            <a:ext cx="977760" cy="249840"/>
+            <a:ext cx="977400" cy="249480"/>
           </a:xfrm>
           <a:prstGeom prst="rect">
             <a:avLst/>
@@ -4864,7 +4809,7 @@
         <p:spPr>
           <a:xfrm>
             <a:off x="5986080" y="4773960"/>
-            <a:ext cx="977760" cy="249840"/>
+            <a:ext cx="977400" cy="249480"/>
           </a:xfrm>
           <a:prstGeom prst="rect">
             <a:avLst/>
@@ -4912,8 +4857,8 @@
         </p:nvSpPr>
         <p:spPr>
           <a:xfrm rot="16200000">
-            <a:off x="3205440" y="2396520"/>
-            <a:ext cx="484200" cy="249840"/>
+            <a:off x="3205440" y="2396880"/>
+            <a:ext cx="483840" cy="249480"/>
           </a:xfrm>
           <a:prstGeom prst="rect">
             <a:avLst/>
@@ -4962,7 +4907,7 @@
         <p:spPr>
           <a:xfrm>
             <a:off x="4091400" y="5212800"/>
-            <a:ext cx="574920" cy="249840"/>
+            <a:ext cx="574560" cy="249480"/>
           </a:xfrm>
           <a:prstGeom prst="rect">
             <a:avLst/>
@@ -5011,7 +4956,7 @@
         <p:spPr>
           <a:xfrm>
             <a:off x="4710240" y="5228640"/>
-            <a:ext cx="1476720" cy="249840"/>
+            <a:ext cx="1476360" cy="249480"/>
           </a:xfrm>
           <a:prstGeom prst="rect">
             <a:avLst/>
@@ -5060,7 +5005,7 @@
         <p:spPr>
           <a:xfrm>
             <a:off x="4685040" y="3841920"/>
-            <a:ext cx="672840" cy="296640"/>
+            <a:ext cx="672480" cy="296280"/>
           </a:xfrm>
           <a:prstGeom prst="rect">
             <a:avLst/>
@@ -5129,7 +5074,7 @@
         <p:spPr>
           <a:xfrm>
             <a:off x="4685040" y="4330440"/>
-            <a:ext cx="672840" cy="296640"/>
+            <a:ext cx="672480" cy="296280"/>
           </a:xfrm>
           <a:prstGeom prst="rect">
             <a:avLst/>
@@ -5198,7 +5143,7 @@
         <p:spPr>
           <a:xfrm>
             <a:off x="4736160" y="4932720"/>
-            <a:ext cx="672840" cy="296640"/>
+            <a:ext cx="672480" cy="296280"/>
           </a:xfrm>
           <a:prstGeom prst="rect">
             <a:avLst/>
@@ -5256,8 +5201,8 @@
         </p:nvSpPr>
         <p:spPr>
           <a:xfrm flipH="1" flipV="1">
-            <a:off x="4170600" y="3839400"/>
-            <a:ext cx="234720" cy="415080"/>
+            <a:off x="4169880" y="3839400"/>
+            <a:ext cx="234360" cy="414720"/>
           </a:xfrm>
           <a:custGeom>
             <a:avLst/>
@@ -5305,7 +5250,7 @@
         <p:spPr>
           <a:xfrm>
             <a:off x="3393720" y="3571920"/>
-            <a:ext cx="662040" cy="296640"/>
+            <a:ext cx="661680" cy="296280"/>
           </a:xfrm>
           <a:prstGeom prst="rect">
             <a:avLst/>
@@ -5364,7 +5309,7 @@
         <p:spPr>
           <a:xfrm>
             <a:off x="5625360" y="3818160"/>
-            <a:ext cx="519120" cy="296640"/>
+            <a:ext cx="518760" cy="296280"/>
           </a:xfrm>
           <a:prstGeom prst="rect">
             <a:avLst/>
@@ -5433,7 +5378,7 @@
         <p:spPr>
           <a:xfrm>
             <a:off x="5633280" y="4340520"/>
-            <a:ext cx="519120" cy="296640"/>
+            <a:ext cx="518760" cy="296280"/>
           </a:xfrm>
           <a:prstGeom prst="rect">
             <a:avLst/>
@@ -5502,7 +5447,7 @@
         <p:spPr>
           <a:xfrm>
             <a:off x="5642280" y="4937400"/>
-            <a:ext cx="518760" cy="296640"/>
+            <a:ext cx="518400" cy="296280"/>
           </a:xfrm>
           <a:prstGeom prst="rect">
             <a:avLst/>
@@ -5560,8 +5505,8 @@
         </p:nvSpPr>
         <p:spPr>
           <a:xfrm rot="16200000">
-            <a:off x="3080160" y="1394640"/>
-            <a:ext cx="716040" cy="249840"/>
+            <a:off x="3080160" y="1395000"/>
+            <a:ext cx="715680" cy="249480"/>
           </a:xfrm>
           <a:prstGeom prst="rect">
             <a:avLst/>
@@ -5609,8 +5554,8 @@
         </p:nvSpPr>
         <p:spPr>
           <a:xfrm flipH="1" rot="16200000">
-            <a:off x="3763800" y="4219920"/>
-            <a:ext cx="992160" cy="292320"/>
+            <a:off x="3763440" y="4219920"/>
+            <a:ext cx="991800" cy="291960"/>
           </a:xfrm>
           <a:prstGeom prst="bentConnector2">
             <a:avLst/>
@@ -5645,7 +5590,7 @@
         <p:spPr>
           <a:xfrm>
             <a:off x="4316040" y="4477680"/>
-            <a:ext cx="249120" cy="249840"/>
+            <a:ext cx="248760" cy="249480"/>
           </a:xfrm>
           <a:prstGeom prst="rect">
             <a:avLst/>
@@ -5694,7 +5639,7 @@
         <p:spPr>
           <a:xfrm>
             <a:off x="5622840" y="4499640"/>
-            <a:ext cx="249120" cy="249840"/>
+            <a:ext cx="248760" cy="249480"/>
           </a:xfrm>
           <a:prstGeom prst="rect">
             <a:avLst/>
@@ -5742,10 +5687,10 @@
         </p:nvGrpSpPr>
         <p:grpSpPr>
           <a:xfrm>
-            <a:off x="4397040" y="3724560"/>
-            <a:ext cx="193320" cy="84960"/>
-            <a:chOff x="4397040" y="3724560"/>
-            <a:chExt cx="193320" cy="84960"/>
+            <a:off x="4397400" y="3724560"/>
+            <a:ext cx="192960" cy="84600"/>
+            <a:chOff x="4397400" y="3724560"/>
+            <a:chExt cx="192960" cy="84600"/>
           </a:xfrm>
         </p:grpSpPr>
         <p:sp>
@@ -5756,8 +5701,8 @@
           </p:nvSpPr>
           <p:spPr>
             <a:xfrm rot="5400000">
-              <a:off x="4448520" y="3673080"/>
-              <a:ext cx="84960" cy="187920"/>
+              <a:off x="4448880" y="3673080"/>
+              <a:ext cx="84600" cy="187560"/>
             </a:xfrm>
             <a:prstGeom prst="rect">
               <a:avLst/>
@@ -5789,8 +5734,8 @@
           </p:nvSpPr>
           <p:spPr>
             <a:xfrm rot="5400000">
-              <a:off x="4456440" y="3674520"/>
-              <a:ext cx="74160" cy="193320"/>
+              <a:off x="4456800" y="3674520"/>
+              <a:ext cx="73800" cy="192960"/>
             </a:xfrm>
             <a:custGeom>
               <a:avLst/>
@@ -5864,10 +5809,10 @@
         </p:nvGrpSpPr>
         <p:grpSpPr>
           <a:xfrm>
-            <a:off x="5256720" y="3726720"/>
-            <a:ext cx="193320" cy="84960"/>
-            <a:chOff x="5256720" y="3726720"/>
-            <a:chExt cx="193320" cy="84960"/>
+            <a:off x="5257080" y="3726720"/>
+            <a:ext cx="192960" cy="84600"/>
+            <a:chOff x="5257080" y="3726720"/>
+            <a:chExt cx="192960" cy="84600"/>
           </a:xfrm>
         </p:grpSpPr>
         <p:sp>
@@ -5878,8 +5823,8 @@
           </p:nvSpPr>
           <p:spPr>
             <a:xfrm rot="5400000">
-              <a:off x="5308200" y="3675240"/>
-              <a:ext cx="84960" cy="187920"/>
+              <a:off x="5308560" y="3675240"/>
+              <a:ext cx="84600" cy="187560"/>
             </a:xfrm>
             <a:prstGeom prst="rect">
               <a:avLst/>
@@ -5911,8 +5856,8 @@
           </p:nvSpPr>
           <p:spPr>
             <a:xfrm rot="5400000">
-              <a:off x="5316120" y="3676320"/>
-              <a:ext cx="74160" cy="193320"/>
+              <a:off x="5316480" y="3676320"/>
+              <a:ext cx="73800" cy="192960"/>
             </a:xfrm>
             <a:custGeom>
               <a:avLst/>
@@ -5986,10 +5931,10 @@
         </p:nvGrpSpPr>
         <p:grpSpPr>
           <a:xfrm>
-            <a:off x="5260680" y="4199040"/>
-            <a:ext cx="193320" cy="84960"/>
-            <a:chOff x="5260680" y="4199040"/>
-            <a:chExt cx="193320" cy="84960"/>
+            <a:off x="5261040" y="4199040"/>
+            <a:ext cx="192960" cy="84600"/>
+            <a:chOff x="5261040" y="4199040"/>
+            <a:chExt cx="192960" cy="84600"/>
           </a:xfrm>
         </p:grpSpPr>
         <p:sp>
@@ -6000,8 +5945,8 @@
           </p:nvSpPr>
           <p:spPr>
             <a:xfrm rot="5400000">
-              <a:off x="5312160" y="4147560"/>
-              <a:ext cx="84960" cy="187920"/>
+              <a:off x="5312520" y="4147560"/>
+              <a:ext cx="84600" cy="187560"/>
             </a:xfrm>
             <a:prstGeom prst="rect">
               <a:avLst/>
@@ -6033,8 +5978,8 @@
           </p:nvSpPr>
           <p:spPr>
             <a:xfrm rot="5400000">
-              <a:off x="5320080" y="4148640"/>
-              <a:ext cx="74160" cy="193320"/>
+              <a:off x="5320440" y="4148640"/>
+              <a:ext cx="73800" cy="192960"/>
             </a:xfrm>
             <a:custGeom>
               <a:avLst/>
@@ -6108,10 +6053,10 @@
         </p:nvGrpSpPr>
         <p:grpSpPr>
           <a:xfrm>
-            <a:off x="4407120" y="4212720"/>
-            <a:ext cx="193320" cy="84960"/>
-            <a:chOff x="4407120" y="4212720"/>
-            <a:chExt cx="193320" cy="84960"/>
+            <a:off x="4407480" y="4212720"/>
+            <a:ext cx="192960" cy="84600"/>
+            <a:chOff x="4407480" y="4212720"/>
+            <a:chExt cx="192960" cy="84600"/>
           </a:xfrm>
         </p:grpSpPr>
         <p:sp>
@@ -6122,8 +6067,8 @@
           </p:nvSpPr>
           <p:spPr>
             <a:xfrm rot="5400000">
-              <a:off x="4458960" y="4161240"/>
-              <a:ext cx="84960" cy="187920"/>
+              <a:off x="4459320" y="4161240"/>
+              <a:ext cx="84600" cy="187560"/>
             </a:xfrm>
             <a:prstGeom prst="rect">
               <a:avLst/>
@@ -6155,8 +6100,8 @@
           </p:nvSpPr>
           <p:spPr>
             <a:xfrm rot="5400000">
-              <a:off x="4466520" y="4162320"/>
-              <a:ext cx="74160" cy="193320"/>
+              <a:off x="4466880" y="4162320"/>
+              <a:ext cx="73800" cy="192960"/>
             </a:xfrm>
             <a:custGeom>
               <a:avLst/>
@@ -6230,10 +6175,10 @@
         </p:nvGrpSpPr>
         <p:grpSpPr>
           <a:xfrm>
-            <a:off x="4407120" y="4820040"/>
-            <a:ext cx="193320" cy="84960"/>
-            <a:chOff x="4407120" y="4820040"/>
-            <a:chExt cx="193320" cy="84960"/>
+            <a:off x="4407480" y="4820040"/>
+            <a:ext cx="192960" cy="84600"/>
+            <a:chOff x="4407480" y="4820040"/>
+            <a:chExt cx="192960" cy="84600"/>
           </a:xfrm>
         </p:grpSpPr>
         <p:sp>
@@ -6244,8 +6189,8 @@
           </p:nvSpPr>
           <p:spPr>
             <a:xfrm rot="5400000">
-              <a:off x="4458960" y="4768560"/>
-              <a:ext cx="84960" cy="187920"/>
+              <a:off x="4459320" y="4768560"/>
+              <a:ext cx="84600" cy="187560"/>
             </a:xfrm>
             <a:prstGeom prst="rect">
               <a:avLst/>
@@ -6277,8 +6222,8 @@
           </p:nvSpPr>
           <p:spPr>
             <a:xfrm rot="5400000">
-              <a:off x="4466520" y="4769640"/>
-              <a:ext cx="74160" cy="193320"/>
+              <a:off x="4466880" y="4769640"/>
+              <a:ext cx="73800" cy="192960"/>
             </a:xfrm>
             <a:custGeom>
               <a:avLst/>
@@ -6352,10 +6297,10 @@
         </p:nvGrpSpPr>
         <p:grpSpPr>
           <a:xfrm>
-            <a:off x="5256720" y="4810680"/>
-            <a:ext cx="193320" cy="84960"/>
-            <a:chOff x="5256720" y="4810680"/>
-            <a:chExt cx="193320" cy="84960"/>
+            <a:off x="5257080" y="4810680"/>
+            <a:ext cx="192960" cy="84600"/>
+            <a:chOff x="5257080" y="4810680"/>
+            <a:chExt cx="192960" cy="84600"/>
           </a:xfrm>
         </p:grpSpPr>
         <p:sp>
@@ -6366,8 +6311,8 @@
           </p:nvSpPr>
           <p:spPr>
             <a:xfrm rot="5400000">
-              <a:off x="5308200" y="4759200"/>
-              <a:ext cx="84960" cy="187920"/>
+              <a:off x="5308560" y="4759200"/>
+              <a:ext cx="84600" cy="187560"/>
             </a:xfrm>
             <a:prstGeom prst="rect">
               <a:avLst/>
@@ -6399,8 +6344,8 @@
           </p:nvSpPr>
           <p:spPr>
             <a:xfrm rot="5400000">
-              <a:off x="5316120" y="4760280"/>
-              <a:ext cx="74160" cy="193320"/>
+              <a:off x="5316480" y="4760280"/>
+              <a:ext cx="73800" cy="192960"/>
             </a:xfrm>
             <a:custGeom>
               <a:avLst/>
@@ -6475,7 +6420,7 @@
         <p:spPr>
           <a:xfrm>
             <a:off x="3983400" y="989280"/>
-            <a:ext cx="273600" cy="272520"/>
+            <a:ext cx="273240" cy="272160"/>
           </a:xfrm>
           <a:prstGeom prst="rect">
             <a:avLst/>
@@ -6524,7 +6469,7 @@
         <p:spPr>
           <a:xfrm>
             <a:off x="4066200" y="1909440"/>
-            <a:ext cx="91800" cy="102600"/>
+            <a:ext cx="91440" cy="102240"/>
           </a:xfrm>
           <a:prstGeom prst="ellipse">
             <a:avLst/>
@@ -6560,7 +6505,7 @@
         <p:spPr>
           <a:xfrm>
             <a:off x="3547440" y="1848600"/>
-            <a:ext cx="534240" cy="279720"/>
+            <a:ext cx="533880" cy="279360"/>
           </a:xfrm>
           <a:prstGeom prst="rect">
             <a:avLst/>
@@ -6619,7 +6564,7 @@
         <p:spPr>
           <a:xfrm>
             <a:off x="3633840" y="2167920"/>
-            <a:ext cx="249120" cy="249840"/>
+            <a:ext cx="248760" cy="249480"/>
           </a:xfrm>
           <a:prstGeom prst="rect">
             <a:avLst/>
@@ -6668,7 +6613,7 @@
         <p:spPr>
           <a:xfrm>
             <a:off x="3552480" y="2915280"/>
-            <a:ext cx="522000" cy="279720"/>
+            <a:ext cx="521640" cy="279360"/>
           </a:xfrm>
           <a:prstGeom prst="rect">
             <a:avLst/>
@@ -6737,7 +6682,7 @@
         <p:spPr>
           <a:xfrm>
             <a:off x="3552480" y="2395080"/>
-            <a:ext cx="522000" cy="279720"/>
+            <a:ext cx="521640" cy="279360"/>
           </a:xfrm>
           <a:prstGeom prst="rect">
             <a:avLst/>
@@ -6806,9 +6751,9 @@
         <p:grpSpPr>
           <a:xfrm>
             <a:off x="4072320" y="2035080"/>
-            <a:ext cx="84960" cy="193320"/>
+            <a:ext cx="84600" cy="192960"/>
             <a:chOff x="4072320" y="2035080"/>
-            <a:chExt cx="84960" cy="193320"/>
+            <a:chExt cx="84600" cy="192960"/>
           </a:xfrm>
         </p:grpSpPr>
         <p:sp>
@@ -6820,7 +6765,7 @@
           <p:spPr>
             <a:xfrm>
               <a:off x="4072320" y="2040480"/>
-              <a:ext cx="84960" cy="187920"/>
+              <a:ext cx="84600" cy="187560"/>
             </a:xfrm>
             <a:prstGeom prst="rect">
               <a:avLst/>
@@ -6853,7 +6798,7 @@
           <p:spPr>
             <a:xfrm>
               <a:off x="4081680" y="2035080"/>
-              <a:ext cx="74160" cy="193320"/>
+              <a:ext cx="73800" cy="192960"/>
             </a:xfrm>
             <a:custGeom>
               <a:avLst/>
@@ -6928,7 +6873,7 @@
         <p:spPr>
           <a:xfrm>
             <a:off x="4066200" y="2504880"/>
-            <a:ext cx="91800" cy="102600"/>
+            <a:ext cx="91440" cy="102240"/>
           </a:xfrm>
           <a:prstGeom prst="ellipse">
             <a:avLst/>
@@ -6964,9 +6909,9 @@
         <p:grpSpPr>
           <a:xfrm>
             <a:off x="4072320" y="2630880"/>
-            <a:ext cx="84960" cy="193320"/>
+            <a:ext cx="84600" cy="192960"/>
             <a:chOff x="4072320" y="2630880"/>
-            <a:chExt cx="84960" cy="193320"/>
+            <a:chExt cx="84600" cy="192960"/>
           </a:xfrm>
         </p:grpSpPr>
         <p:sp>
@@ -6978,7 +6923,7 @@
           <p:spPr>
             <a:xfrm>
               <a:off x="4072320" y="2635920"/>
-              <a:ext cx="84960" cy="187920"/>
+              <a:ext cx="84600" cy="187560"/>
             </a:xfrm>
             <a:prstGeom prst="rect">
               <a:avLst/>
@@ -7011,7 +6956,7 @@
           <p:spPr>
             <a:xfrm>
               <a:off x="4081680" y="2630880"/>
-              <a:ext cx="74160" cy="193320"/>
+              <a:ext cx="73800" cy="192960"/>
             </a:xfrm>
             <a:custGeom>
               <a:avLst/>
@@ -7086,7 +7031,7 @@
         <p:spPr>
           <a:xfrm>
             <a:off x="4066200" y="2997360"/>
-            <a:ext cx="91800" cy="102600"/>
+            <a:ext cx="91440" cy="102240"/>
           </a:xfrm>
           <a:prstGeom prst="ellipse">
             <a:avLst/>
@@ -7122,9 +7067,9 @@
         <p:grpSpPr>
           <a:xfrm>
             <a:off x="4072320" y="3123360"/>
-            <a:ext cx="84960" cy="193320"/>
+            <a:ext cx="84600" cy="192960"/>
             <a:chOff x="4072320" y="3123360"/>
-            <a:chExt cx="84960" cy="193320"/>
+            <a:chExt cx="84600" cy="192960"/>
           </a:xfrm>
         </p:grpSpPr>
         <p:sp>
@@ -7136,7 +7081,7 @@
           <p:spPr>
             <a:xfrm>
               <a:off x="4072320" y="3128760"/>
-              <a:ext cx="84960" cy="187920"/>
+              <a:ext cx="84600" cy="187560"/>
             </a:xfrm>
             <a:prstGeom prst="rect">
               <a:avLst/>
@@ -7169,7 +7114,7 @@
           <p:spPr>
             <a:xfrm>
               <a:off x="4081680" y="3123360"/>
-              <a:ext cx="74160" cy="193320"/>
+              <a:ext cx="73800" cy="192960"/>
             </a:xfrm>
             <a:custGeom>
               <a:avLst/>
@@ -7244,7 +7189,7 @@
         <p:spPr>
           <a:xfrm>
             <a:off x="3569400" y="1328760"/>
-            <a:ext cx="415440" cy="279720"/>
+            <a:ext cx="415080" cy="279360"/>
           </a:xfrm>
           <a:prstGeom prst="rect">
             <a:avLst/>
@@ -7303,9 +7248,9 @@
         <p:grpSpPr>
           <a:xfrm>
             <a:off x="4067640" y="1583640"/>
-            <a:ext cx="84960" cy="193320"/>
+            <a:ext cx="84600" cy="192960"/>
             <a:chOff x="4067640" y="1583640"/>
-            <a:chExt cx="84960" cy="193320"/>
+            <a:chExt cx="84600" cy="192960"/>
           </a:xfrm>
         </p:grpSpPr>
         <p:sp>
@@ -7317,7 +7262,7 @@
           <p:spPr>
             <a:xfrm>
               <a:off x="4067640" y="1589040"/>
-              <a:ext cx="84960" cy="187920"/>
+              <a:ext cx="84600" cy="187560"/>
             </a:xfrm>
             <a:prstGeom prst="rect">
               <a:avLst/>
@@ -7350,7 +7295,7 @@
           <p:spPr>
             <a:xfrm>
               <a:off x="4077000" y="1583640"/>
-              <a:ext cx="74160" cy="193320"/>
+              <a:ext cx="73800" cy="192960"/>
             </a:xfrm>
             <a:custGeom>
               <a:avLst/>
@@ -7425,7 +7370,7 @@
         <p:spPr>
           <a:xfrm>
             <a:off x="4073400" y="1431720"/>
-            <a:ext cx="91800" cy="102600"/>
+            <a:ext cx="91440" cy="102240"/>
           </a:xfrm>
           <a:prstGeom prst="ellipse">
             <a:avLst/>
@@ -7510,9 +7455,9 @@
         <p:grpSpPr>
           <a:xfrm>
             <a:off x="1326240" y="929880"/>
-            <a:ext cx="5592240" cy="4550040"/>
+            <a:ext cx="5591880" cy="4549680"/>
             <a:chOff x="1326240" y="929880"/>
-            <a:chExt cx="5592240" cy="4550040"/>
+            <a:chExt cx="5591880" cy="4549680"/>
           </a:xfrm>
         </p:grpSpPr>
         <p:sp>
@@ -7524,7 +7469,7 @@
           <p:spPr>
             <a:xfrm>
               <a:off x="1326240" y="929880"/>
-              <a:ext cx="5585760" cy="4542480"/>
+              <a:ext cx="5585400" cy="4542120"/>
             </a:xfrm>
             <a:prstGeom prst="rect">
               <a:avLst/>
@@ -7560,9 +7505,9 @@
           <p:grpSpPr>
             <a:xfrm>
               <a:off x="1326240" y="929880"/>
-              <a:ext cx="5592240" cy="4550040"/>
+              <a:ext cx="5591880" cy="4549680"/>
               <a:chOff x="1326240" y="929880"/>
-              <a:chExt cx="5592240" cy="4550040"/>
+              <a:chExt cx="5591880" cy="4549680"/>
             </a:xfrm>
           </p:grpSpPr>
           <p:pic>
@@ -7578,7 +7523,7 @@
             <p:spPr>
               <a:xfrm>
                 <a:off x="1326240" y="929880"/>
-                <a:ext cx="3548880" cy="4542480"/>
+                <a:ext cx="3548520" cy="4542120"/>
               </a:xfrm>
               <a:prstGeom prst="rect">
                 <a:avLst/>
@@ -7597,7 +7542,7 @@
             <p:spPr>
               <a:xfrm>
                 <a:off x="3291120" y="937440"/>
-                <a:ext cx="3627360" cy="4542480"/>
+                <a:ext cx="3627000" cy="4542120"/>
               </a:xfrm>
               <a:prstGeom prst="rect">
                 <a:avLst/>
@@ -7635,7 +7580,7 @@
         <p:spPr>
           <a:xfrm>
             <a:off x="4113720" y="1266480"/>
-            <a:ext cx="360" cy="2602800"/>
+            <a:ext cx="360" cy="2602440"/>
           </a:xfrm>
           <a:custGeom>
             <a:avLst/>
@@ -7684,7 +7629,7 @@
         <p:spPr>
           <a:xfrm>
             <a:off x="4032360" y="3665160"/>
-            <a:ext cx="162000" cy="204120"/>
+            <a:ext cx="161640" cy="203760"/>
           </a:xfrm>
           <a:prstGeom prst="ellipse">
             <a:avLst/>
@@ -7720,7 +7665,7 @@
         <p:spPr>
           <a:xfrm>
             <a:off x="5631840" y="3665160"/>
-            <a:ext cx="162000" cy="204120"/>
+            <a:ext cx="161640" cy="203760"/>
           </a:xfrm>
           <a:prstGeom prst="ellipse">
             <a:avLst/>
@@ -7756,7 +7701,7 @@
         <p:spPr>
           <a:xfrm flipH="1">
             <a:off x="4194360" y="3767760"/>
-            <a:ext cx="1436040" cy="360"/>
+            <a:ext cx="1435680" cy="360"/>
           </a:xfrm>
           <a:custGeom>
             <a:avLst/>
@@ -7804,7 +7749,7 @@
         <p:spPr>
           <a:xfrm>
             <a:off x="4839120" y="3675240"/>
-            <a:ext cx="162000" cy="204120"/>
+            <a:ext cx="161640" cy="203760"/>
           </a:xfrm>
           <a:prstGeom prst="ellipse">
             <a:avLst/>
@@ -7840,7 +7785,7 @@
         <p:spPr>
           <a:xfrm>
             <a:off x="5652000" y="4138560"/>
-            <a:ext cx="162000" cy="204120"/>
+            <a:ext cx="161640" cy="203760"/>
           </a:xfrm>
           <a:prstGeom prst="ellipse">
             <a:avLst/>
@@ -7875,8 +7820,8 @@
         </p:nvSpPr>
         <p:spPr>
           <a:xfrm flipH="1">
-            <a:off x="4505760" y="4240800"/>
-            <a:ext cx="1144800" cy="13320"/>
+            <a:off x="4505040" y="4240800"/>
+            <a:ext cx="1144440" cy="12960"/>
           </a:xfrm>
           <a:custGeom>
             <a:avLst/>
@@ -7924,7 +7869,7 @@
         <p:spPr>
           <a:xfrm>
             <a:off x="4859280" y="4148280"/>
-            <a:ext cx="162000" cy="204120"/>
+            <a:ext cx="161640" cy="203760"/>
           </a:xfrm>
           <a:prstGeom prst="ellipse">
             <a:avLst/>
@@ -7960,7 +7905,7 @@
         <p:spPr>
           <a:xfrm>
             <a:off x="5652000" y="4751280"/>
-            <a:ext cx="162000" cy="204120"/>
+            <a:ext cx="161640" cy="203760"/>
           </a:xfrm>
           <a:prstGeom prst="ellipse">
             <a:avLst/>
@@ -7996,7 +7941,7 @@
         <p:spPr>
           <a:xfrm flipH="1">
             <a:off x="4503960" y="4853520"/>
-            <a:ext cx="1146600" cy="8640"/>
+            <a:ext cx="1146240" cy="8280"/>
           </a:xfrm>
           <a:custGeom>
             <a:avLst/>
@@ -8044,7 +7989,7 @@
         <p:spPr>
           <a:xfrm>
             <a:off x="4859280" y="4761000"/>
-            <a:ext cx="162000" cy="204120"/>
+            <a:ext cx="161640" cy="203760"/>
           </a:xfrm>
           <a:prstGeom prst="ellipse">
             <a:avLst/>
@@ -8080,7 +8025,7 @@
         <p:spPr>
           <a:xfrm>
             <a:off x="5948280" y="3585240"/>
-            <a:ext cx="977760" cy="249840"/>
+            <a:ext cx="977400" cy="249480"/>
           </a:xfrm>
           <a:prstGeom prst="rect">
             <a:avLst/>
@@ -8139,7 +8084,7 @@
         <p:spPr>
           <a:xfrm>
             <a:off x="5961600" y="4109040"/>
-            <a:ext cx="977760" cy="249840"/>
+            <a:ext cx="977400" cy="249480"/>
           </a:xfrm>
           <a:prstGeom prst="rect">
             <a:avLst/>
@@ -8198,7 +8143,7 @@
         <p:spPr>
           <a:xfrm>
             <a:off x="5986080" y="4773960"/>
-            <a:ext cx="977760" cy="249840"/>
+            <a:ext cx="977400" cy="249480"/>
           </a:xfrm>
           <a:prstGeom prst="rect">
             <a:avLst/>
@@ -8246,8 +8191,8 @@
         </p:nvSpPr>
         <p:spPr>
           <a:xfrm rot="16200000">
-            <a:off x="3205440" y="2396520"/>
-            <a:ext cx="484200" cy="249840"/>
+            <a:off x="3205440" y="2396880"/>
+            <a:ext cx="483840" cy="249480"/>
           </a:xfrm>
           <a:prstGeom prst="rect">
             <a:avLst/>
@@ -8296,7 +8241,7 @@
         <p:spPr>
           <a:xfrm>
             <a:off x="4091400" y="5212800"/>
-            <a:ext cx="574920" cy="249840"/>
+            <a:ext cx="574560" cy="249480"/>
           </a:xfrm>
           <a:prstGeom prst="rect">
             <a:avLst/>
@@ -8345,7 +8290,7 @@
         <p:spPr>
           <a:xfrm>
             <a:off x="4710240" y="5228640"/>
-            <a:ext cx="1476720" cy="249840"/>
+            <a:ext cx="1476360" cy="249480"/>
           </a:xfrm>
           <a:prstGeom prst="rect">
             <a:avLst/>
@@ -8394,7 +8339,7 @@
         <p:spPr>
           <a:xfrm>
             <a:off x="4685040" y="3841920"/>
-            <a:ext cx="672840" cy="296640"/>
+            <a:ext cx="672480" cy="296280"/>
           </a:xfrm>
           <a:prstGeom prst="rect">
             <a:avLst/>
@@ -8463,7 +8408,7 @@
         <p:spPr>
           <a:xfrm>
             <a:off x="4685040" y="4330440"/>
-            <a:ext cx="672840" cy="296640"/>
+            <a:ext cx="672480" cy="296280"/>
           </a:xfrm>
           <a:prstGeom prst="rect">
             <a:avLst/>
@@ -8532,7 +8477,7 @@
         <p:spPr>
           <a:xfrm>
             <a:off x="4736160" y="4932720"/>
-            <a:ext cx="672840" cy="296640"/>
+            <a:ext cx="672480" cy="296280"/>
           </a:xfrm>
           <a:prstGeom prst="rect">
             <a:avLst/>
@@ -8590,8 +8535,8 @@
         </p:nvSpPr>
         <p:spPr>
           <a:xfrm flipH="1" flipV="1">
-            <a:off x="4170600" y="3839400"/>
-            <a:ext cx="234720" cy="415080"/>
+            <a:off x="4169880" y="3839400"/>
+            <a:ext cx="234360" cy="414720"/>
           </a:xfrm>
           <a:custGeom>
             <a:avLst/>
@@ -8639,7 +8584,7 @@
         <p:spPr>
           <a:xfrm>
             <a:off x="3393720" y="3571920"/>
-            <a:ext cx="662040" cy="296640"/>
+            <a:ext cx="661680" cy="296280"/>
           </a:xfrm>
           <a:prstGeom prst="rect">
             <a:avLst/>
@@ -8698,7 +8643,7 @@
         <p:spPr>
           <a:xfrm>
             <a:off x="5625360" y="3818160"/>
-            <a:ext cx="519120" cy="296640"/>
+            <a:ext cx="518760" cy="296280"/>
           </a:xfrm>
           <a:prstGeom prst="rect">
             <a:avLst/>
@@ -8767,7 +8712,7 @@
         <p:spPr>
           <a:xfrm>
             <a:off x="5633280" y="4340520"/>
-            <a:ext cx="519120" cy="296640"/>
+            <a:ext cx="518760" cy="296280"/>
           </a:xfrm>
           <a:prstGeom prst="rect">
             <a:avLst/>
@@ -8836,7 +8781,7 @@
         <p:spPr>
           <a:xfrm>
             <a:off x="5642280" y="4937400"/>
-            <a:ext cx="518760" cy="296640"/>
+            <a:ext cx="518400" cy="296280"/>
           </a:xfrm>
           <a:prstGeom prst="rect">
             <a:avLst/>
@@ -8894,8 +8839,8 @@
         </p:nvSpPr>
         <p:spPr>
           <a:xfrm rot="16200000">
-            <a:off x="3080160" y="1394640"/>
-            <a:ext cx="716040" cy="249840"/>
+            <a:off x="3080160" y="1395000"/>
+            <a:ext cx="715680" cy="249480"/>
           </a:xfrm>
           <a:prstGeom prst="rect">
             <a:avLst/>
@@ -8943,8 +8888,8 @@
         </p:nvSpPr>
         <p:spPr>
           <a:xfrm flipH="1" rot="16200000">
-            <a:off x="3763800" y="4219920"/>
-            <a:ext cx="992160" cy="292320"/>
+            <a:off x="3763440" y="4219920"/>
+            <a:ext cx="991800" cy="291960"/>
           </a:xfrm>
           <a:prstGeom prst="bentConnector2">
             <a:avLst/>
@@ -8979,7 +8924,7 @@
         <p:spPr>
           <a:xfrm>
             <a:off x="4316040" y="4477680"/>
-            <a:ext cx="249120" cy="249840"/>
+            <a:ext cx="248760" cy="249480"/>
           </a:xfrm>
           <a:prstGeom prst="rect">
             <a:avLst/>
@@ -9028,7 +8973,7 @@
         <p:spPr>
           <a:xfrm>
             <a:off x="5622840" y="4499640"/>
-            <a:ext cx="249120" cy="249840"/>
+            <a:ext cx="248760" cy="249480"/>
           </a:xfrm>
           <a:prstGeom prst="rect">
             <a:avLst/>
@@ -9076,10 +9021,10 @@
         </p:nvGrpSpPr>
         <p:grpSpPr>
           <a:xfrm>
-            <a:off x="4397040" y="3724560"/>
-            <a:ext cx="193320" cy="84960"/>
-            <a:chOff x="4397040" y="3724560"/>
-            <a:chExt cx="193320" cy="84960"/>
+            <a:off x="4397400" y="3724560"/>
+            <a:ext cx="192960" cy="84600"/>
+            <a:chOff x="4397400" y="3724560"/>
+            <a:chExt cx="192960" cy="84600"/>
           </a:xfrm>
         </p:grpSpPr>
         <p:sp>
@@ -9090,8 +9035,8 @@
           </p:nvSpPr>
           <p:spPr>
             <a:xfrm rot="5400000">
-              <a:off x="4448520" y="3673080"/>
-              <a:ext cx="84960" cy="187920"/>
+              <a:off x="4448880" y="3673080"/>
+              <a:ext cx="84600" cy="187560"/>
             </a:xfrm>
             <a:prstGeom prst="rect">
               <a:avLst/>
@@ -9123,8 +9068,8 @@
           </p:nvSpPr>
           <p:spPr>
             <a:xfrm rot="5400000">
-              <a:off x="4456440" y="3674520"/>
-              <a:ext cx="74160" cy="193320"/>
+              <a:off x="4456800" y="3674520"/>
+              <a:ext cx="73800" cy="192960"/>
             </a:xfrm>
             <a:custGeom>
               <a:avLst/>
@@ -9198,10 +9143,10 @@
         </p:nvGrpSpPr>
         <p:grpSpPr>
           <a:xfrm>
-            <a:off x="5256720" y="3726720"/>
-            <a:ext cx="193320" cy="84960"/>
-            <a:chOff x="5256720" y="3726720"/>
-            <a:chExt cx="193320" cy="84960"/>
+            <a:off x="5257080" y="3726720"/>
+            <a:ext cx="192960" cy="84600"/>
+            <a:chOff x="5257080" y="3726720"/>
+            <a:chExt cx="192960" cy="84600"/>
           </a:xfrm>
         </p:grpSpPr>
         <p:sp>
@@ -9212,8 +9157,8 @@
           </p:nvSpPr>
           <p:spPr>
             <a:xfrm rot="5400000">
-              <a:off x="5308200" y="3675240"/>
-              <a:ext cx="84960" cy="187920"/>
+              <a:off x="5308560" y="3675240"/>
+              <a:ext cx="84600" cy="187560"/>
             </a:xfrm>
             <a:prstGeom prst="rect">
               <a:avLst/>
@@ -9245,8 +9190,8 @@
           </p:nvSpPr>
           <p:spPr>
             <a:xfrm rot="5400000">
-              <a:off x="5316120" y="3676320"/>
-              <a:ext cx="74160" cy="193320"/>
+              <a:off x="5316480" y="3676320"/>
+              <a:ext cx="73800" cy="192960"/>
             </a:xfrm>
             <a:custGeom>
               <a:avLst/>
@@ -9320,10 +9265,10 @@
         </p:nvGrpSpPr>
         <p:grpSpPr>
           <a:xfrm>
-            <a:off x="5260680" y="4199040"/>
-            <a:ext cx="193320" cy="84960"/>
-            <a:chOff x="5260680" y="4199040"/>
-            <a:chExt cx="193320" cy="84960"/>
+            <a:off x="5261040" y="4199040"/>
+            <a:ext cx="192960" cy="84600"/>
+            <a:chOff x="5261040" y="4199040"/>
+            <a:chExt cx="192960" cy="84600"/>
           </a:xfrm>
         </p:grpSpPr>
         <p:sp>
@@ -9334,8 +9279,8 @@
           </p:nvSpPr>
           <p:spPr>
             <a:xfrm rot="5400000">
-              <a:off x="5312160" y="4147560"/>
-              <a:ext cx="84960" cy="187920"/>
+              <a:off x="5312520" y="4147560"/>
+              <a:ext cx="84600" cy="187560"/>
             </a:xfrm>
             <a:prstGeom prst="rect">
               <a:avLst/>
@@ -9367,8 +9312,8 @@
           </p:nvSpPr>
           <p:spPr>
             <a:xfrm rot="5400000">
-              <a:off x="5320080" y="4148640"/>
-              <a:ext cx="74160" cy="193320"/>
+              <a:off x="5320440" y="4148640"/>
+              <a:ext cx="73800" cy="192960"/>
             </a:xfrm>
             <a:custGeom>
               <a:avLst/>
@@ -9442,10 +9387,10 @@
         </p:nvGrpSpPr>
         <p:grpSpPr>
           <a:xfrm>
-            <a:off x="4407120" y="4212720"/>
-            <a:ext cx="193320" cy="84960"/>
-            <a:chOff x="4407120" y="4212720"/>
-            <a:chExt cx="193320" cy="84960"/>
+            <a:off x="4407480" y="4212720"/>
+            <a:ext cx="192960" cy="84600"/>
+            <a:chOff x="4407480" y="4212720"/>
+            <a:chExt cx="192960" cy="84600"/>
           </a:xfrm>
         </p:grpSpPr>
         <p:sp>
@@ -9456,8 +9401,8 @@
           </p:nvSpPr>
           <p:spPr>
             <a:xfrm rot="5400000">
-              <a:off x="4458960" y="4161240"/>
-              <a:ext cx="84960" cy="187920"/>
+              <a:off x="4459320" y="4161240"/>
+              <a:ext cx="84600" cy="187560"/>
             </a:xfrm>
             <a:prstGeom prst="rect">
               <a:avLst/>
@@ -9489,8 +9434,8 @@
           </p:nvSpPr>
           <p:spPr>
             <a:xfrm rot="5400000">
-              <a:off x="4466520" y="4162320"/>
-              <a:ext cx="74160" cy="193320"/>
+              <a:off x="4466880" y="4162320"/>
+              <a:ext cx="73800" cy="192960"/>
             </a:xfrm>
             <a:custGeom>
               <a:avLst/>
@@ -9564,10 +9509,10 @@
         </p:nvGrpSpPr>
         <p:grpSpPr>
           <a:xfrm>
-            <a:off x="4407120" y="4820040"/>
-            <a:ext cx="193320" cy="84960"/>
-            <a:chOff x="4407120" y="4820040"/>
-            <a:chExt cx="193320" cy="84960"/>
+            <a:off x="4407480" y="4820040"/>
+            <a:ext cx="192960" cy="84600"/>
+            <a:chOff x="4407480" y="4820040"/>
+            <a:chExt cx="192960" cy="84600"/>
           </a:xfrm>
         </p:grpSpPr>
         <p:sp>
@@ -9578,8 +9523,8 @@
           </p:nvSpPr>
           <p:spPr>
             <a:xfrm rot="5400000">
-              <a:off x="4458960" y="4768560"/>
-              <a:ext cx="84960" cy="187920"/>
+              <a:off x="4459320" y="4768560"/>
+              <a:ext cx="84600" cy="187560"/>
             </a:xfrm>
             <a:prstGeom prst="rect">
               <a:avLst/>
@@ -9611,8 +9556,8 @@
           </p:nvSpPr>
           <p:spPr>
             <a:xfrm rot="5400000">
-              <a:off x="4466520" y="4769640"/>
-              <a:ext cx="74160" cy="193320"/>
+              <a:off x="4466880" y="4769640"/>
+              <a:ext cx="73800" cy="192960"/>
             </a:xfrm>
             <a:custGeom>
               <a:avLst/>
@@ -9686,10 +9631,10 @@
         </p:nvGrpSpPr>
         <p:grpSpPr>
           <a:xfrm>
-            <a:off x="5256720" y="4810680"/>
-            <a:ext cx="193320" cy="84960"/>
-            <a:chOff x="5256720" y="4810680"/>
-            <a:chExt cx="193320" cy="84960"/>
+            <a:off x="5257080" y="4810680"/>
+            <a:ext cx="192960" cy="84600"/>
+            <a:chOff x="5257080" y="4810680"/>
+            <a:chExt cx="192960" cy="84600"/>
           </a:xfrm>
         </p:grpSpPr>
         <p:sp>
@@ -9700,8 +9645,8 @@
           </p:nvSpPr>
           <p:spPr>
             <a:xfrm rot="5400000">
-              <a:off x="5308200" y="4759200"/>
-              <a:ext cx="84960" cy="187920"/>
+              <a:off x="5308560" y="4759200"/>
+              <a:ext cx="84600" cy="187560"/>
             </a:xfrm>
             <a:prstGeom prst="rect">
               <a:avLst/>
@@ -9733,8 +9678,8 @@
           </p:nvSpPr>
           <p:spPr>
             <a:xfrm rot="5400000">
-              <a:off x="5316120" y="4760280"/>
-              <a:ext cx="74160" cy="193320"/>
+              <a:off x="5316480" y="4760280"/>
+              <a:ext cx="73800" cy="192960"/>
             </a:xfrm>
             <a:custGeom>
               <a:avLst/>
@@ -9809,7 +9754,7 @@
         <p:spPr>
           <a:xfrm>
             <a:off x="3983400" y="989280"/>
-            <a:ext cx="273600" cy="272520"/>
+            <a:ext cx="273240" cy="272160"/>
           </a:xfrm>
           <a:prstGeom prst="rect">
             <a:avLst/>
@@ -9858,7 +9803,7 @@
         <p:spPr>
           <a:xfrm>
             <a:off x="4066200" y="1909440"/>
-            <a:ext cx="91800" cy="102600"/>
+            <a:ext cx="91440" cy="102240"/>
           </a:xfrm>
           <a:prstGeom prst="ellipse">
             <a:avLst/>
@@ -9894,7 +9839,7 @@
         <p:spPr>
           <a:xfrm>
             <a:off x="3553560" y="1848600"/>
-            <a:ext cx="522000" cy="279720"/>
+            <a:ext cx="521640" cy="279360"/>
           </a:xfrm>
           <a:prstGeom prst="rect">
             <a:avLst/>
@@ -9953,7 +9898,7 @@
         <p:spPr>
           <a:xfrm>
             <a:off x="3552480" y="2673000"/>
-            <a:ext cx="522000" cy="279720"/>
+            <a:ext cx="521640" cy="279360"/>
           </a:xfrm>
           <a:prstGeom prst="rect">
             <a:avLst/>
@@ -10022,9 +9967,9 @@
         <p:grpSpPr>
           <a:xfrm>
             <a:off x="4072320" y="2244960"/>
-            <a:ext cx="84960" cy="193320"/>
+            <a:ext cx="84600" cy="192960"/>
             <a:chOff x="4072320" y="2244960"/>
-            <a:chExt cx="84960" cy="193320"/>
+            <a:chExt cx="84600" cy="192960"/>
           </a:xfrm>
         </p:grpSpPr>
         <p:sp>
@@ -10036,7 +9981,7 @@
           <p:spPr>
             <a:xfrm>
               <a:off x="4072320" y="2250360"/>
-              <a:ext cx="84960" cy="187920"/>
+              <a:ext cx="84600" cy="187560"/>
             </a:xfrm>
             <a:prstGeom prst="rect">
               <a:avLst/>
@@ -10069,7 +10014,7 @@
           <p:spPr>
             <a:xfrm>
               <a:off x="4081680" y="2244960"/>
-              <a:ext cx="74160" cy="193320"/>
+              <a:ext cx="73800" cy="192960"/>
             </a:xfrm>
             <a:custGeom>
               <a:avLst/>
@@ -10144,7 +10089,7 @@
         <p:spPr>
           <a:xfrm>
             <a:off x="4066200" y="2755080"/>
-            <a:ext cx="91800" cy="102600"/>
+            <a:ext cx="91440" cy="102240"/>
           </a:xfrm>
           <a:prstGeom prst="ellipse">
             <a:avLst/>
@@ -10180,9 +10125,9 @@
         <p:grpSpPr>
           <a:xfrm>
             <a:off x="4072320" y="3123360"/>
-            <a:ext cx="84960" cy="193320"/>
+            <a:ext cx="84600" cy="192960"/>
             <a:chOff x="4072320" y="3123360"/>
-            <a:chExt cx="84960" cy="193320"/>
+            <a:chExt cx="84600" cy="192960"/>
           </a:xfrm>
         </p:grpSpPr>
         <p:sp>
@@ -10194,7 +10139,7 @@
           <p:spPr>
             <a:xfrm>
               <a:off x="4072320" y="3128760"/>
-              <a:ext cx="84960" cy="187920"/>
+              <a:ext cx="84600" cy="187560"/>
             </a:xfrm>
             <a:prstGeom prst="rect">
               <a:avLst/>
@@ -10227,7 +10172,7 @@
           <p:spPr>
             <a:xfrm>
               <a:off x="4081680" y="3123360"/>
-              <a:ext cx="74160" cy="193320"/>
+              <a:ext cx="73800" cy="192960"/>
             </a:xfrm>
             <a:custGeom>
               <a:avLst/>
@@ -10302,7 +10247,7 @@
         <p:spPr>
           <a:xfrm>
             <a:off x="3569400" y="1328760"/>
-            <a:ext cx="415440" cy="279720"/>
+            <a:ext cx="415080" cy="279360"/>
           </a:xfrm>
           <a:prstGeom prst="rect">
             <a:avLst/>
@@ -10361,9 +10306,9 @@
         <p:grpSpPr>
           <a:xfrm>
             <a:off x="4067640" y="1583640"/>
-            <a:ext cx="84960" cy="193320"/>
+            <a:ext cx="84600" cy="192960"/>
             <a:chOff x="4067640" y="1583640"/>
-            <a:chExt cx="84960" cy="193320"/>
+            <a:chExt cx="84600" cy="192960"/>
           </a:xfrm>
         </p:grpSpPr>
         <p:sp>
@@ -10375,7 +10320,7 @@
           <p:spPr>
             <a:xfrm>
               <a:off x="4067640" y="1589040"/>
-              <a:ext cx="84960" cy="187920"/>
+              <a:ext cx="84600" cy="187560"/>
             </a:xfrm>
             <a:prstGeom prst="rect">
               <a:avLst/>
@@ -10408,7 +10353,7 @@
           <p:spPr>
             <a:xfrm>
               <a:off x="4077000" y="1583640"/>
-              <a:ext cx="74160" cy="193320"/>
+              <a:ext cx="73800" cy="192960"/>
             </a:xfrm>
             <a:custGeom>
               <a:avLst/>
@@ -10483,7 +10428,7 @@
         <p:spPr>
           <a:xfrm>
             <a:off x="4073400" y="1431720"/>
-            <a:ext cx="91800" cy="102600"/>
+            <a:ext cx="91440" cy="102240"/>
           </a:xfrm>
           <a:prstGeom prst="ellipse">
             <a:avLst/>
@@ -10545,6 +10490,13 @@
 <file path=ppt/slides/slide4.xml><?xml version="1.0" encoding="utf-8"?>
 <p:sld xmlns:a="http://schemas.openxmlformats.org/drawingml/2006/main" xmlns:p="http://schemas.openxmlformats.org/presentationml/2006/main" xmlns:r="http://schemas.openxmlformats.org/officeDocument/2006/relationships" xmlns:p14="http://schemas.microsoft.com/office/powerpoint/2010/main" xmlns:p15="http://schemas.microsoft.com/office/powerpoint/2012/main" xmlns:mc="http://schemas.openxmlformats.org/markup-compatibility/2006">
   <p:cSld>
+    <p:bg>
+      <p:bgPr>
+        <a:solidFill>
+          <a:srgbClr val="f4f4f4"/>
+        </a:solidFill>
+      </p:bgPr>
+    </p:bg>
     <p:spTree>
       <p:nvGrpSpPr>
         <p:cNvPr id="1" name=""/>
@@ -10559,141 +10511,113 @@
           <a:chExt cx="0" cy="0"/>
         </a:xfrm>
       </p:grpSpPr>
-      <p:grpSp>
-        <p:nvGrpSpPr>
-          <p:cNvPr id="231" name="Group 1"/>
-          <p:cNvGrpSpPr/>
-          <p:nvPr/>
-        </p:nvGrpSpPr>
-        <p:grpSpPr>
-          <a:xfrm>
-            <a:off x="1326240" y="1224000"/>
-            <a:ext cx="5592240" cy="4550040"/>
-            <a:chOff x="1326240" y="1224000"/>
-            <a:chExt cx="5592240" cy="4550040"/>
-          </a:xfrm>
-        </p:grpSpPr>
-        <p:sp>
-          <p:nvSpPr>
-            <p:cNvPr id="232" name="CustomShape 2"/>
-            <p:cNvSpPr/>
-            <p:nvPr/>
-          </p:nvSpPr>
-          <p:spPr>
-            <a:xfrm>
-              <a:off x="1326240" y="1224000"/>
-              <a:ext cx="5585760" cy="4542480"/>
-            </a:xfrm>
-            <a:prstGeom prst="rect">
-              <a:avLst/>
-            </a:prstGeom>
-            <a:solidFill>
-              <a:schemeClr val="bg1"/>
-            </a:solidFill>
-            <a:ln>
-              <a:noFill/>
-            </a:ln>
-          </p:spPr>
-          <p:style>
-            <a:lnRef idx="2">
-              <a:schemeClr val="accent1">
-                <a:shade val="50000"/>
-              </a:schemeClr>
-            </a:lnRef>
-            <a:fillRef idx="1">
-              <a:schemeClr val="accent1"/>
-            </a:fillRef>
-            <a:effectRef idx="0">
-              <a:schemeClr val="accent1"/>
-            </a:effectRef>
-            <a:fontRef idx="minor"/>
-          </p:style>
-        </p:sp>
-        <p:grpSp>
-          <p:nvGrpSpPr>
-            <p:cNvPr id="233" name="Group 3"/>
-            <p:cNvGrpSpPr/>
-            <p:nvPr/>
-          </p:nvGrpSpPr>
-          <p:grpSpPr>
-            <a:xfrm>
-              <a:off x="1326240" y="1224000"/>
-              <a:ext cx="5592240" cy="4550040"/>
-              <a:chOff x="1326240" y="1224000"/>
-              <a:chExt cx="5592240" cy="4550040"/>
-            </a:xfrm>
-          </p:grpSpPr>
-          <p:pic>
-            <p:nvPicPr>
-              <p:cNvPr id="234" name="" descr=""/>
-              <p:cNvPicPr/>
-              <p:nvPr/>
-            </p:nvPicPr>
-            <p:blipFill>
-              <a:blip r:embed="rId1"/>
-              <a:stretch/>
-            </p:blipFill>
-            <p:spPr>
-              <a:xfrm>
-                <a:off x="1326240" y="1224000"/>
-                <a:ext cx="3548880" cy="4542480"/>
-              </a:xfrm>
-              <a:prstGeom prst="rect">
-                <a:avLst/>
-              </a:prstGeom>
-              <a:ln>
-                <a:noFill/>
-              </a:ln>
-            </p:spPr>
-          </p:pic>
-          <p:sp>
-            <p:nvSpPr>
-              <p:cNvPr id="235" name="CustomShape 4"/>
-              <p:cNvSpPr/>
-              <p:nvPr/>
-            </p:nvSpPr>
-            <p:spPr>
-              <a:xfrm>
-                <a:off x="3291120" y="1231560"/>
-                <a:ext cx="3627360" cy="4542480"/>
-              </a:xfrm>
-              <a:prstGeom prst="rect">
-                <a:avLst/>
-              </a:prstGeom>
-              <a:solidFill>
-                <a:schemeClr val="bg1"/>
-              </a:solidFill>
-              <a:ln>
-                <a:noFill/>
-              </a:ln>
-            </p:spPr>
-            <p:style>
-              <a:lnRef idx="2">
-                <a:schemeClr val="accent1">
-                  <a:shade val="50000"/>
-                </a:schemeClr>
-              </a:lnRef>
-              <a:fillRef idx="1">
-                <a:schemeClr val="accent1"/>
-              </a:fillRef>
-              <a:effectRef idx="0">
-                <a:schemeClr val="accent1"/>
-              </a:effectRef>
-              <a:fontRef idx="minor"/>
-            </p:style>
-          </p:sp>
-        </p:grpSp>
-      </p:grpSp>
-      <p:sp>
-        <p:nvSpPr>
-          <p:cNvPr id="236" name="CustomShape 5"/>
-          <p:cNvSpPr/>
-          <p:nvPr/>
-        </p:nvSpPr>
-        <p:spPr>
-          <a:xfrm>
-            <a:off x="4339800" y="1598040"/>
-            <a:ext cx="45360" cy="4009680"/>
+      <p:sp>
+        <p:nvSpPr>
+          <p:cNvPr id="231" name="CustomShape 1"/>
+          <p:cNvSpPr/>
+          <p:nvPr/>
+        </p:nvSpPr>
+        <p:spPr>
+          <a:xfrm>
+            <a:off x="144000" y="576000"/>
+            <a:ext cx="6048000" cy="5391720"/>
+          </a:xfrm>
+          <a:prstGeom prst="rect">
+            <a:avLst/>
+          </a:prstGeom>
+          <a:solidFill>
+            <a:srgbClr val="f4f4f4"/>
+          </a:solidFill>
+          <a:ln>
+            <a:noFill/>
+          </a:ln>
+        </p:spPr>
+        <p:style>
+          <a:lnRef idx="2">
+            <a:schemeClr val="accent1">
+              <a:shade val="50000"/>
+            </a:schemeClr>
+          </a:lnRef>
+          <a:fillRef idx="1">
+            <a:schemeClr val="accent1"/>
+          </a:fillRef>
+          <a:effectRef idx="0">
+            <a:schemeClr val="accent1"/>
+          </a:effectRef>
+          <a:fontRef idx="minor"/>
+        </p:style>
+      </p:sp>
+      <p:pic>
+        <p:nvPicPr>
+          <p:cNvPr id="232" name="" descr=""/>
+          <p:cNvPicPr/>
+          <p:nvPr/>
+        </p:nvPicPr>
+        <p:blipFill>
+          <a:blip r:embed="rId1"/>
+          <a:stretch/>
+        </p:blipFill>
+        <p:spPr>
+          <a:xfrm>
+            <a:off x="72000" y="1008000"/>
+            <a:ext cx="3266280" cy="4815720"/>
+          </a:xfrm>
+          <a:prstGeom prst="rect">
+            <a:avLst/>
+          </a:prstGeom>
+          <a:ln>
+            <a:noFill/>
+          </a:ln>
+        </p:spPr>
+      </p:pic>
+      <p:sp>
+        <p:nvSpPr>
+          <p:cNvPr id="233" name="CustomShape 2"/>
+          <p:cNvSpPr/>
+          <p:nvPr/>
+        </p:nvSpPr>
+        <p:spPr>
+          <a:xfrm>
+            <a:off x="1881000" y="1015920"/>
+            <a:ext cx="4527000" cy="4959720"/>
+          </a:xfrm>
+          <a:prstGeom prst="rect">
+            <a:avLst/>
+          </a:prstGeom>
+          <a:solidFill>
+            <a:srgbClr val="f4f4f4">
+              <a:alpha val="62000"/>
+            </a:srgbClr>
+          </a:solidFill>
+          <a:ln>
+            <a:noFill/>
+          </a:ln>
+        </p:spPr>
+        <p:style>
+          <a:lnRef idx="2">
+            <a:schemeClr val="accent1">
+              <a:shade val="50000"/>
+            </a:schemeClr>
+          </a:lnRef>
+          <a:fillRef idx="1">
+            <a:schemeClr val="accent1"/>
+          </a:fillRef>
+          <a:effectRef idx="0">
+            <a:schemeClr val="accent1"/>
+          </a:effectRef>
+          <a:fontRef idx="minor"/>
+        </p:style>
+      </p:sp>
+      <p:sp>
+        <p:nvSpPr>
+          <p:cNvPr id="234" name="CustomShape 3"/>
+          <p:cNvSpPr/>
+          <p:nvPr/>
+        </p:nvSpPr>
+        <p:spPr>
+          <a:xfrm>
+            <a:off x="3062520" y="1408320"/>
+            <a:ext cx="45000" cy="4009320"/>
           </a:xfrm>
           <a:custGeom>
             <a:avLst/>
@@ -10735,14 +10659,14 @@
       </p:sp>
       <p:sp>
         <p:nvSpPr>
-          <p:cNvPr id="237" name="CustomShape 6"/>
-          <p:cNvSpPr/>
-          <p:nvPr/>
-        </p:nvSpPr>
-        <p:spPr>
-          <a:xfrm>
-            <a:off x="4186800" y="2933640"/>
-            <a:ext cx="606600" cy="538920"/>
+          <p:cNvPr id="235" name="CustomShape 4"/>
+          <p:cNvSpPr/>
+          <p:nvPr/>
+        </p:nvSpPr>
+        <p:spPr>
+          <a:xfrm>
+            <a:off x="2909520" y="2743920"/>
+            <a:ext cx="606240" cy="538560"/>
           </a:xfrm>
           <a:prstGeom prst="rect">
             <a:avLst/>
@@ -10774,14 +10698,14 @@
       </p:sp>
       <p:sp>
         <p:nvSpPr>
-          <p:cNvPr id="238" name="CustomShape 7"/>
-          <p:cNvSpPr/>
-          <p:nvPr/>
-        </p:nvSpPr>
-        <p:spPr>
-          <a:xfrm>
-            <a:off x="4568040" y="4378680"/>
-            <a:ext cx="162000" cy="204120"/>
+          <p:cNvPr id="236" name="CustomShape 5"/>
+          <p:cNvSpPr/>
+          <p:nvPr/>
+        </p:nvSpPr>
+        <p:spPr>
+          <a:xfrm>
+            <a:off x="3290760" y="4188960"/>
+            <a:ext cx="161640" cy="203760"/>
           </a:xfrm>
           <a:prstGeom prst="ellipse">
             <a:avLst/>
@@ -10810,14 +10734,14 @@
       </p:sp>
       <p:sp>
         <p:nvSpPr>
-          <p:cNvPr id="239" name="CustomShape 8"/>
-          <p:cNvSpPr/>
-          <p:nvPr/>
-        </p:nvSpPr>
-        <p:spPr>
-          <a:xfrm>
-            <a:off x="6167520" y="4378680"/>
-            <a:ext cx="162000" cy="204120"/>
+          <p:cNvPr id="237" name="CustomShape 6"/>
+          <p:cNvSpPr/>
+          <p:nvPr/>
+        </p:nvSpPr>
+        <p:spPr>
+          <a:xfrm>
+            <a:off x="4890240" y="4188960"/>
+            <a:ext cx="161640" cy="203760"/>
           </a:xfrm>
           <a:prstGeom prst="ellipse">
             <a:avLst/>
@@ -10846,14 +10770,14 @@
       </p:sp>
       <p:sp>
         <p:nvSpPr>
-          <p:cNvPr id="240" name="CustomShape 9"/>
+          <p:cNvPr id="238" name="CustomShape 7"/>
           <p:cNvSpPr/>
           <p:nvPr/>
         </p:nvSpPr>
         <p:spPr>
           <a:xfrm flipH="1">
-            <a:off x="4730040" y="4481280"/>
-            <a:ext cx="1436040" cy="360"/>
+            <a:off x="3452760" y="4291560"/>
+            <a:ext cx="1435680" cy="360"/>
           </a:xfrm>
           <a:custGeom>
             <a:avLst/>
@@ -10894,14 +10818,14 @@
       </p:sp>
       <p:sp>
         <p:nvSpPr>
-          <p:cNvPr id="241" name="CustomShape 10"/>
-          <p:cNvSpPr/>
-          <p:nvPr/>
-        </p:nvSpPr>
-        <p:spPr>
-          <a:xfrm>
-            <a:off x="5374800" y="4388760"/>
-            <a:ext cx="162000" cy="204120"/>
+          <p:cNvPr id="239" name="CustomShape 8"/>
+          <p:cNvSpPr/>
+          <p:nvPr/>
+        </p:nvSpPr>
+        <p:spPr>
+          <a:xfrm>
+            <a:off x="4097520" y="4199040"/>
+            <a:ext cx="161640" cy="203760"/>
           </a:xfrm>
           <a:prstGeom prst="ellipse">
             <a:avLst/>
@@ -10930,14 +10854,14 @@
       </p:sp>
       <p:sp>
         <p:nvSpPr>
-          <p:cNvPr id="242" name="CustomShape 11"/>
-          <p:cNvSpPr/>
-          <p:nvPr/>
-        </p:nvSpPr>
-        <p:spPr>
-          <a:xfrm>
-            <a:off x="6187680" y="4852080"/>
-            <a:ext cx="162000" cy="204120"/>
+          <p:cNvPr id="240" name="CustomShape 9"/>
+          <p:cNvSpPr/>
+          <p:nvPr/>
+        </p:nvSpPr>
+        <p:spPr>
+          <a:xfrm>
+            <a:off x="4910400" y="4662360"/>
+            <a:ext cx="161640" cy="203760"/>
           </a:xfrm>
           <a:prstGeom prst="ellipse">
             <a:avLst/>
@@ -10966,14 +10890,14 @@
       </p:sp>
       <p:sp>
         <p:nvSpPr>
-          <p:cNvPr id="243" name="CustomShape 12"/>
+          <p:cNvPr id="241" name="CustomShape 10"/>
           <p:cNvSpPr/>
           <p:nvPr/>
         </p:nvSpPr>
         <p:spPr>
           <a:xfrm flipH="1">
-            <a:off x="5041440" y="4954320"/>
-            <a:ext cx="1144800" cy="13320"/>
+            <a:off x="3763440" y="4764600"/>
+            <a:ext cx="1144440" cy="12960"/>
           </a:xfrm>
           <a:custGeom>
             <a:avLst/>
@@ -11014,14 +10938,14 @@
       </p:sp>
       <p:sp>
         <p:nvSpPr>
-          <p:cNvPr id="244" name="CustomShape 13"/>
-          <p:cNvSpPr/>
-          <p:nvPr/>
-        </p:nvSpPr>
-        <p:spPr>
-          <a:xfrm>
-            <a:off x="5394960" y="4861800"/>
-            <a:ext cx="162000" cy="204120"/>
+          <p:cNvPr id="242" name="CustomShape 11"/>
+          <p:cNvSpPr/>
+          <p:nvPr/>
+        </p:nvSpPr>
+        <p:spPr>
+          <a:xfrm>
+            <a:off x="4117680" y="4672080"/>
+            <a:ext cx="161640" cy="203760"/>
           </a:xfrm>
           <a:prstGeom prst="ellipse">
             <a:avLst/>
@@ -11050,14 +10974,14 @@
       </p:sp>
       <p:sp>
         <p:nvSpPr>
-          <p:cNvPr id="245" name="CustomShape 14"/>
-          <p:cNvSpPr/>
-          <p:nvPr/>
-        </p:nvSpPr>
-        <p:spPr>
-          <a:xfrm>
-            <a:off x="6187680" y="5464800"/>
-            <a:ext cx="162000" cy="204120"/>
+          <p:cNvPr id="243" name="CustomShape 12"/>
+          <p:cNvSpPr/>
+          <p:nvPr/>
+        </p:nvSpPr>
+        <p:spPr>
+          <a:xfrm>
+            <a:off x="4910400" y="5275080"/>
+            <a:ext cx="161640" cy="203760"/>
           </a:xfrm>
           <a:prstGeom prst="ellipse">
             <a:avLst/>
@@ -11086,14 +11010,14 @@
       </p:sp>
       <p:sp>
         <p:nvSpPr>
-          <p:cNvPr id="246" name="CustomShape 15"/>
+          <p:cNvPr id="244" name="CustomShape 13"/>
           <p:cNvSpPr/>
           <p:nvPr/>
         </p:nvSpPr>
         <p:spPr>
           <a:xfrm flipH="1">
-            <a:off x="5039640" y="5567040"/>
-            <a:ext cx="1146600" cy="8640"/>
+            <a:off x="3762360" y="5377320"/>
+            <a:ext cx="1146240" cy="8280"/>
           </a:xfrm>
           <a:custGeom>
             <a:avLst/>
@@ -11134,14 +11058,14 @@
       </p:sp>
       <p:sp>
         <p:nvSpPr>
-          <p:cNvPr id="247" name="CustomShape 16"/>
-          <p:cNvSpPr/>
-          <p:nvPr/>
-        </p:nvSpPr>
-        <p:spPr>
-          <a:xfrm>
-            <a:off x="5394960" y="5474520"/>
-            <a:ext cx="162000" cy="204120"/>
+          <p:cNvPr id="245" name="CustomShape 14"/>
+          <p:cNvSpPr/>
+          <p:nvPr/>
+        </p:nvSpPr>
+        <p:spPr>
+          <a:xfrm>
+            <a:off x="4117680" y="5284800"/>
+            <a:ext cx="161640" cy="203760"/>
           </a:xfrm>
           <a:prstGeom prst="ellipse">
             <a:avLst/>
@@ -11170,14 +11094,14 @@
       </p:sp>
       <p:sp>
         <p:nvSpPr>
-          <p:cNvPr id="248" name="CustomShape 17"/>
-          <p:cNvSpPr/>
-          <p:nvPr/>
-        </p:nvSpPr>
-        <p:spPr>
-          <a:xfrm>
-            <a:off x="6483960" y="4298760"/>
-            <a:ext cx="977760" cy="249840"/>
+          <p:cNvPr id="246" name="CustomShape 15"/>
+          <p:cNvSpPr/>
+          <p:nvPr/>
+        </p:nvSpPr>
+        <p:spPr>
+          <a:xfrm>
+            <a:off x="5206680" y="4109040"/>
+            <a:ext cx="977400" cy="249480"/>
           </a:xfrm>
           <a:prstGeom prst="rect">
             <a:avLst/>
@@ -11229,14 +11153,14 @@
       </p:sp>
       <p:sp>
         <p:nvSpPr>
-          <p:cNvPr id="249" name="CustomShape 18"/>
-          <p:cNvSpPr/>
-          <p:nvPr/>
-        </p:nvSpPr>
-        <p:spPr>
-          <a:xfrm>
-            <a:off x="6497280" y="4822560"/>
-            <a:ext cx="977760" cy="249840"/>
+          <p:cNvPr id="247" name="CustomShape 16"/>
+          <p:cNvSpPr/>
+          <p:nvPr/>
+        </p:nvSpPr>
+        <p:spPr>
+          <a:xfrm>
+            <a:off x="5220000" y="4632840"/>
+            <a:ext cx="977400" cy="249480"/>
           </a:xfrm>
           <a:prstGeom prst="rect">
             <a:avLst/>
@@ -11288,14 +11212,14 @@
       </p:sp>
       <p:sp>
         <p:nvSpPr>
-          <p:cNvPr id="250" name="CustomShape 19"/>
-          <p:cNvSpPr/>
-          <p:nvPr/>
-        </p:nvSpPr>
-        <p:spPr>
-          <a:xfrm>
-            <a:off x="6521760" y="5487480"/>
-            <a:ext cx="977760" cy="249840"/>
+          <p:cNvPr id="248" name="CustomShape 17"/>
+          <p:cNvSpPr/>
+          <p:nvPr/>
+        </p:nvSpPr>
+        <p:spPr>
+          <a:xfrm>
+            <a:off x="5244480" y="5297760"/>
+            <a:ext cx="977400" cy="249480"/>
           </a:xfrm>
           <a:prstGeom prst="rect">
             <a:avLst/>
@@ -11337,14 +11261,14 @@
       </p:sp>
       <p:sp>
         <p:nvSpPr>
-          <p:cNvPr id="251" name="CustomShape 20"/>
+          <p:cNvPr id="249" name="CustomShape 18"/>
           <p:cNvSpPr/>
           <p:nvPr/>
         </p:nvSpPr>
         <p:spPr>
           <a:xfrm rot="16200000">
-            <a:off x="3440880" y="2749680"/>
-            <a:ext cx="484200" cy="249840"/>
+            <a:off x="1887120" y="2476440"/>
+            <a:ext cx="483840" cy="249480"/>
           </a:xfrm>
           <a:prstGeom prst="rect">
             <a:avLst/>
@@ -11386,14 +11310,14 @@
       </p:sp>
       <p:sp>
         <p:nvSpPr>
-          <p:cNvPr id="252" name="CustomShape 21"/>
-          <p:cNvSpPr/>
-          <p:nvPr/>
-        </p:nvSpPr>
-        <p:spPr>
-          <a:xfrm>
-            <a:off x="4627080" y="5926320"/>
-            <a:ext cx="574920" cy="249840"/>
+          <p:cNvPr id="250" name="CustomShape 19"/>
+          <p:cNvSpPr/>
+          <p:nvPr/>
+        </p:nvSpPr>
+        <p:spPr>
+          <a:xfrm>
+            <a:off x="3349800" y="5736600"/>
+            <a:ext cx="574560" cy="249480"/>
           </a:xfrm>
           <a:prstGeom prst="rect">
             <a:avLst/>
@@ -11435,14 +11359,14 @@
       </p:sp>
       <p:sp>
         <p:nvSpPr>
-          <p:cNvPr id="253" name="CustomShape 22"/>
-          <p:cNvSpPr/>
-          <p:nvPr/>
-        </p:nvSpPr>
-        <p:spPr>
-          <a:xfrm>
-            <a:off x="5245920" y="5942160"/>
-            <a:ext cx="1476720" cy="249840"/>
+          <p:cNvPr id="251" name="CustomShape 20"/>
+          <p:cNvSpPr/>
+          <p:nvPr/>
+        </p:nvSpPr>
+        <p:spPr>
+          <a:xfrm>
+            <a:off x="3968640" y="5752440"/>
+            <a:ext cx="1476360" cy="249480"/>
           </a:xfrm>
           <a:prstGeom prst="rect">
             <a:avLst/>
@@ -11484,14 +11408,14 @@
       </p:sp>
       <p:sp>
         <p:nvSpPr>
-          <p:cNvPr id="254" name="CustomShape 23"/>
-          <p:cNvSpPr/>
-          <p:nvPr/>
-        </p:nvSpPr>
-        <p:spPr>
-          <a:xfrm>
-            <a:off x="5220720" y="4555440"/>
-            <a:ext cx="672840" cy="296640"/>
+          <p:cNvPr id="252" name="CustomShape 21"/>
+          <p:cNvSpPr/>
+          <p:nvPr/>
+        </p:nvSpPr>
+        <p:spPr>
+          <a:xfrm>
+            <a:off x="3943440" y="4365720"/>
+            <a:ext cx="672480" cy="296280"/>
           </a:xfrm>
           <a:prstGeom prst="rect">
             <a:avLst/>
@@ -11553,14 +11477,14 @@
       </p:sp>
       <p:sp>
         <p:nvSpPr>
-          <p:cNvPr id="255" name="CustomShape 24"/>
-          <p:cNvSpPr/>
-          <p:nvPr/>
-        </p:nvSpPr>
-        <p:spPr>
-          <a:xfrm>
-            <a:off x="5220720" y="5043960"/>
-            <a:ext cx="672840" cy="296640"/>
+          <p:cNvPr id="253" name="CustomShape 22"/>
+          <p:cNvSpPr/>
+          <p:nvPr/>
+        </p:nvSpPr>
+        <p:spPr>
+          <a:xfrm>
+            <a:off x="3943440" y="4854240"/>
+            <a:ext cx="672480" cy="296280"/>
           </a:xfrm>
           <a:prstGeom prst="rect">
             <a:avLst/>
@@ -11622,14 +11546,14 @@
       </p:sp>
       <p:sp>
         <p:nvSpPr>
-          <p:cNvPr id="256" name="CustomShape 25"/>
-          <p:cNvSpPr/>
-          <p:nvPr/>
-        </p:nvSpPr>
-        <p:spPr>
-          <a:xfrm>
-            <a:off x="5271840" y="5646240"/>
-            <a:ext cx="672840" cy="296640"/>
+          <p:cNvPr id="254" name="CustomShape 23"/>
+          <p:cNvSpPr/>
+          <p:nvPr/>
+        </p:nvSpPr>
+        <p:spPr>
+          <a:xfrm>
+            <a:off x="3994560" y="5456520"/>
+            <a:ext cx="672480" cy="296280"/>
           </a:xfrm>
           <a:prstGeom prst="rect">
             <a:avLst/>
@@ -11681,14 +11605,14 @@
       </p:sp>
       <p:sp>
         <p:nvSpPr>
-          <p:cNvPr id="257" name="CustomShape 26"/>
+          <p:cNvPr id="255" name="CustomShape 24"/>
           <p:cNvSpPr/>
           <p:nvPr/>
         </p:nvSpPr>
         <p:spPr>
           <a:xfrm flipH="1" flipV="1">
-            <a:off x="4706280" y="4552920"/>
-            <a:ext cx="234720" cy="415080"/>
+            <a:off x="3428280" y="4363200"/>
+            <a:ext cx="234360" cy="414720"/>
           </a:xfrm>
           <a:custGeom>
             <a:avLst/>
@@ -11729,14 +11653,14 @@
       </p:sp>
       <p:sp>
         <p:nvSpPr>
-          <p:cNvPr id="258" name="CustomShape 27"/>
-          <p:cNvSpPr/>
-          <p:nvPr/>
-        </p:nvSpPr>
-        <p:spPr>
-          <a:xfrm>
-            <a:off x="3581280" y="4240800"/>
-            <a:ext cx="662040" cy="296640"/>
+          <p:cNvPr id="256" name="CustomShape 25"/>
+          <p:cNvSpPr/>
+          <p:nvPr/>
+        </p:nvSpPr>
+        <p:spPr>
+          <a:xfrm>
+            <a:off x="2304000" y="4051080"/>
+            <a:ext cx="661680" cy="296280"/>
           </a:xfrm>
           <a:prstGeom prst="rect">
             <a:avLst/>
@@ -11788,14 +11712,14 @@
       </p:sp>
       <p:sp>
         <p:nvSpPr>
-          <p:cNvPr id="259" name="CustomShape 28"/>
-          <p:cNvSpPr/>
-          <p:nvPr/>
-        </p:nvSpPr>
-        <p:spPr>
-          <a:xfrm>
-            <a:off x="6161040" y="4531680"/>
-            <a:ext cx="519120" cy="296640"/>
+          <p:cNvPr id="257" name="CustomShape 26"/>
+          <p:cNvSpPr/>
+          <p:nvPr/>
+        </p:nvSpPr>
+        <p:spPr>
+          <a:xfrm>
+            <a:off x="4883760" y="4341960"/>
+            <a:ext cx="518760" cy="296280"/>
           </a:xfrm>
           <a:prstGeom prst="rect">
             <a:avLst/>
@@ -11857,14 +11781,14 @@
       </p:sp>
       <p:sp>
         <p:nvSpPr>
-          <p:cNvPr id="260" name="CustomShape 29"/>
-          <p:cNvSpPr/>
-          <p:nvPr/>
-        </p:nvSpPr>
-        <p:spPr>
-          <a:xfrm>
-            <a:off x="6168960" y="5054040"/>
-            <a:ext cx="519120" cy="296640"/>
+          <p:cNvPr id="258" name="CustomShape 27"/>
+          <p:cNvSpPr/>
+          <p:nvPr/>
+        </p:nvSpPr>
+        <p:spPr>
+          <a:xfrm>
+            <a:off x="4891680" y="4864320"/>
+            <a:ext cx="518760" cy="296280"/>
           </a:xfrm>
           <a:prstGeom prst="rect">
             <a:avLst/>
@@ -11926,14 +11850,14 @@
       </p:sp>
       <p:sp>
         <p:nvSpPr>
-          <p:cNvPr id="261" name="CustomShape 30"/>
-          <p:cNvSpPr/>
-          <p:nvPr/>
-        </p:nvSpPr>
-        <p:spPr>
-          <a:xfrm>
-            <a:off x="6177960" y="5650920"/>
-            <a:ext cx="518760" cy="296640"/>
+          <p:cNvPr id="259" name="CustomShape 28"/>
+          <p:cNvSpPr/>
+          <p:nvPr/>
+        </p:nvSpPr>
+        <p:spPr>
+          <a:xfrm>
+            <a:off x="4900680" y="5461200"/>
+            <a:ext cx="518400" cy="296280"/>
           </a:xfrm>
           <a:prstGeom prst="rect">
             <a:avLst/>
@@ -11985,14 +11909,14 @@
       </p:sp>
       <p:sp>
         <p:nvSpPr>
-          <p:cNvPr id="262" name="CustomShape 31"/>
+          <p:cNvPr id="260" name="CustomShape 29"/>
           <p:cNvSpPr/>
           <p:nvPr/>
         </p:nvSpPr>
         <p:spPr>
           <a:xfrm rot="16200000">
-            <a:off x="3315600" y="1747800"/>
-            <a:ext cx="716040" cy="249840"/>
+            <a:off x="1761840" y="1474560"/>
+            <a:ext cx="715680" cy="249480"/>
           </a:xfrm>
           <a:prstGeom prst="rect">
             <a:avLst/>
@@ -12034,14 +11958,14 @@
       </p:sp>
       <p:sp>
         <p:nvSpPr>
-          <p:cNvPr id="263" name="CustomShape 32"/>
+          <p:cNvPr id="261" name="CustomShape 30"/>
           <p:cNvSpPr/>
           <p:nvPr/>
         </p:nvSpPr>
         <p:spPr>
           <a:xfrm flipH="1" rot="16200000">
-            <a:off x="4299480" y="4933440"/>
-            <a:ext cx="992160" cy="292320"/>
+            <a:off x="3021840" y="4743720"/>
+            <a:ext cx="991800" cy="291960"/>
           </a:xfrm>
           <a:prstGeom prst="bentConnector2">
             <a:avLst/>
@@ -12069,14 +11993,14 @@
       </p:sp>
       <p:sp>
         <p:nvSpPr>
-          <p:cNvPr id="264" name="CustomShape 33"/>
-          <p:cNvSpPr/>
-          <p:nvPr/>
-        </p:nvSpPr>
-        <p:spPr>
-          <a:xfrm>
-            <a:off x="4851720" y="5191200"/>
-            <a:ext cx="249120" cy="249840"/>
+          <p:cNvPr id="262" name="CustomShape 31"/>
+          <p:cNvSpPr/>
+          <p:nvPr/>
+        </p:nvSpPr>
+        <p:spPr>
+          <a:xfrm>
+            <a:off x="3574440" y="5001480"/>
+            <a:ext cx="248760" cy="249480"/>
           </a:xfrm>
           <a:prstGeom prst="rect">
             <a:avLst/>
@@ -12118,14 +12042,14 @@
       </p:sp>
       <p:sp>
         <p:nvSpPr>
-          <p:cNvPr id="265" name="CustomShape 34"/>
-          <p:cNvSpPr/>
-          <p:nvPr/>
-        </p:nvSpPr>
-        <p:spPr>
-          <a:xfrm>
-            <a:off x="6158520" y="5213160"/>
-            <a:ext cx="249120" cy="249840"/>
+          <p:cNvPr id="263" name="CustomShape 32"/>
+          <p:cNvSpPr/>
+          <p:nvPr/>
+        </p:nvSpPr>
+        <p:spPr>
+          <a:xfrm>
+            <a:off x="4881240" y="5023440"/>
+            <a:ext cx="248760" cy="249480"/>
           </a:xfrm>
           <a:prstGeom prst="rect">
             <a:avLst/>
@@ -12167,28 +12091,28 @@
       </p:sp>
       <p:grpSp>
         <p:nvGrpSpPr>
-          <p:cNvPr id="266" name="Group 35"/>
+          <p:cNvPr id="264" name="Group 33"/>
           <p:cNvGrpSpPr/>
           <p:nvPr/>
         </p:nvGrpSpPr>
         <p:grpSpPr>
           <a:xfrm>
-            <a:off x="4932720" y="4438080"/>
-            <a:ext cx="193320" cy="84960"/>
-            <a:chOff x="4932720" y="4438080"/>
-            <a:chExt cx="193320" cy="84960"/>
+            <a:off x="3655800" y="4248360"/>
+            <a:ext cx="192960" cy="84600"/>
+            <a:chOff x="3655800" y="4248360"/>
+            <a:chExt cx="192960" cy="84600"/>
           </a:xfrm>
         </p:grpSpPr>
         <p:sp>
           <p:nvSpPr>
-            <p:cNvPr id="267" name="CustomShape 36"/>
+            <p:cNvPr id="265" name="CustomShape 34"/>
             <p:cNvSpPr/>
             <p:nvPr/>
           </p:nvSpPr>
           <p:spPr>
             <a:xfrm rot="5400000">
-              <a:off x="4984200" y="4386600"/>
-              <a:ext cx="84960" cy="187920"/>
+              <a:off x="3707280" y="4196880"/>
+              <a:ext cx="84600" cy="187560"/>
             </a:xfrm>
             <a:prstGeom prst="rect">
               <a:avLst/>
@@ -12214,14 +12138,14 @@
         </p:sp>
         <p:sp>
           <p:nvSpPr>
-            <p:cNvPr id="268" name="CustomShape 37"/>
+            <p:cNvPr id="266" name="CustomShape 35"/>
             <p:cNvSpPr/>
             <p:nvPr/>
           </p:nvSpPr>
           <p:spPr>
             <a:xfrm rot="5400000">
-              <a:off x="4992120" y="4388040"/>
-              <a:ext cx="74160" cy="193320"/>
+              <a:off x="3715200" y="4198320"/>
+              <a:ext cx="73800" cy="192960"/>
             </a:xfrm>
             <a:custGeom>
               <a:avLst/>
@@ -12289,28 +12213,28 @@
       </p:grpSp>
       <p:grpSp>
         <p:nvGrpSpPr>
-          <p:cNvPr id="269" name="Group 38"/>
+          <p:cNvPr id="267" name="Group 36"/>
           <p:cNvGrpSpPr/>
           <p:nvPr/>
         </p:nvGrpSpPr>
         <p:grpSpPr>
           <a:xfrm>
-            <a:off x="5792400" y="4440240"/>
-            <a:ext cx="193320" cy="84960"/>
-            <a:chOff x="5792400" y="4440240"/>
-            <a:chExt cx="193320" cy="84960"/>
+            <a:off x="4515480" y="4250520"/>
+            <a:ext cx="192960" cy="84600"/>
+            <a:chOff x="4515480" y="4250520"/>
+            <a:chExt cx="192960" cy="84600"/>
           </a:xfrm>
         </p:grpSpPr>
         <p:sp>
           <p:nvSpPr>
-            <p:cNvPr id="270" name="CustomShape 39"/>
+            <p:cNvPr id="268" name="CustomShape 37"/>
             <p:cNvSpPr/>
             <p:nvPr/>
           </p:nvSpPr>
           <p:spPr>
             <a:xfrm rot="5400000">
-              <a:off x="5843880" y="4388760"/>
-              <a:ext cx="84960" cy="187920"/>
+              <a:off x="4566960" y="4199040"/>
+              <a:ext cx="84600" cy="187560"/>
             </a:xfrm>
             <a:prstGeom prst="rect">
               <a:avLst/>
@@ -12336,14 +12260,14 @@
         </p:sp>
         <p:sp>
           <p:nvSpPr>
-            <p:cNvPr id="271" name="CustomShape 40"/>
+            <p:cNvPr id="269" name="CustomShape 38"/>
             <p:cNvSpPr/>
             <p:nvPr/>
           </p:nvSpPr>
           <p:spPr>
             <a:xfrm rot="5400000">
-              <a:off x="5851800" y="4389840"/>
-              <a:ext cx="74160" cy="193320"/>
+              <a:off x="4574880" y="4200120"/>
+              <a:ext cx="73800" cy="192960"/>
             </a:xfrm>
             <a:custGeom>
               <a:avLst/>
@@ -12411,28 +12335,28 @@
       </p:grpSp>
       <p:grpSp>
         <p:nvGrpSpPr>
-          <p:cNvPr id="272" name="Group 41"/>
+          <p:cNvPr id="270" name="Group 39"/>
           <p:cNvGrpSpPr/>
           <p:nvPr/>
         </p:nvGrpSpPr>
         <p:grpSpPr>
           <a:xfrm>
-            <a:off x="5796360" y="4912560"/>
-            <a:ext cx="193320" cy="84960"/>
-            <a:chOff x="5796360" y="4912560"/>
-            <a:chExt cx="193320" cy="84960"/>
+            <a:off x="4519440" y="4722840"/>
+            <a:ext cx="192960" cy="84600"/>
+            <a:chOff x="4519440" y="4722840"/>
+            <a:chExt cx="192960" cy="84600"/>
           </a:xfrm>
         </p:grpSpPr>
         <p:sp>
           <p:nvSpPr>
-            <p:cNvPr id="273" name="CustomShape 42"/>
+            <p:cNvPr id="271" name="CustomShape 40"/>
             <p:cNvSpPr/>
             <p:nvPr/>
           </p:nvSpPr>
           <p:spPr>
             <a:xfrm rot="5400000">
-              <a:off x="5847840" y="4861080"/>
-              <a:ext cx="84960" cy="187920"/>
+              <a:off x="4570920" y="4671360"/>
+              <a:ext cx="84600" cy="187560"/>
             </a:xfrm>
             <a:prstGeom prst="rect">
               <a:avLst/>
@@ -12458,14 +12382,14 @@
         </p:sp>
         <p:sp>
           <p:nvSpPr>
-            <p:cNvPr id="274" name="CustomShape 43"/>
+            <p:cNvPr id="272" name="CustomShape 41"/>
             <p:cNvSpPr/>
             <p:nvPr/>
           </p:nvSpPr>
           <p:spPr>
             <a:xfrm rot="5400000">
-              <a:off x="5855760" y="4862160"/>
-              <a:ext cx="74160" cy="193320"/>
+              <a:off x="4578840" y="4672440"/>
+              <a:ext cx="73800" cy="192960"/>
             </a:xfrm>
             <a:custGeom>
               <a:avLst/>
@@ -12533,28 +12457,28 @@
       </p:grpSp>
       <p:grpSp>
         <p:nvGrpSpPr>
-          <p:cNvPr id="275" name="Group 44"/>
+          <p:cNvPr id="273" name="Group 42"/>
           <p:cNvGrpSpPr/>
           <p:nvPr/>
         </p:nvGrpSpPr>
         <p:grpSpPr>
           <a:xfrm>
-            <a:off x="4943160" y="4926240"/>
-            <a:ext cx="193320" cy="84960"/>
-            <a:chOff x="4943160" y="4926240"/>
-            <a:chExt cx="193320" cy="84960"/>
+            <a:off x="3666240" y="4736520"/>
+            <a:ext cx="192960" cy="84600"/>
+            <a:chOff x="3666240" y="4736520"/>
+            <a:chExt cx="192960" cy="84600"/>
           </a:xfrm>
         </p:grpSpPr>
         <p:sp>
           <p:nvSpPr>
-            <p:cNvPr id="276" name="CustomShape 45"/>
+            <p:cNvPr id="274" name="CustomShape 43"/>
             <p:cNvSpPr/>
             <p:nvPr/>
           </p:nvSpPr>
           <p:spPr>
             <a:xfrm rot="5400000">
-              <a:off x="4994640" y="4874760"/>
-              <a:ext cx="84960" cy="187920"/>
+              <a:off x="3717720" y="4685040"/>
+              <a:ext cx="84600" cy="187560"/>
             </a:xfrm>
             <a:prstGeom prst="rect">
               <a:avLst/>
@@ -12580,14 +12504,14 @@
         </p:sp>
         <p:sp>
           <p:nvSpPr>
-            <p:cNvPr id="277" name="CustomShape 46"/>
+            <p:cNvPr id="275" name="CustomShape 44"/>
             <p:cNvSpPr/>
             <p:nvPr/>
           </p:nvSpPr>
           <p:spPr>
             <a:xfrm rot="5400000">
-              <a:off x="5002560" y="4875840"/>
-              <a:ext cx="74160" cy="193320"/>
+              <a:off x="3725640" y="4686120"/>
+              <a:ext cx="73800" cy="192960"/>
             </a:xfrm>
             <a:custGeom>
               <a:avLst/>
@@ -12655,28 +12579,28 @@
       </p:grpSp>
       <p:grpSp>
         <p:nvGrpSpPr>
-          <p:cNvPr id="278" name="Group 47"/>
+          <p:cNvPr id="276" name="Group 45"/>
           <p:cNvGrpSpPr/>
           <p:nvPr/>
         </p:nvGrpSpPr>
         <p:grpSpPr>
           <a:xfrm>
-            <a:off x="4943160" y="5533560"/>
-            <a:ext cx="193320" cy="84960"/>
-            <a:chOff x="4943160" y="5533560"/>
-            <a:chExt cx="193320" cy="84960"/>
+            <a:off x="3666240" y="5343840"/>
+            <a:ext cx="192960" cy="84600"/>
+            <a:chOff x="3666240" y="5343840"/>
+            <a:chExt cx="192960" cy="84600"/>
           </a:xfrm>
         </p:grpSpPr>
         <p:sp>
           <p:nvSpPr>
-            <p:cNvPr id="279" name="CustomShape 48"/>
+            <p:cNvPr id="277" name="CustomShape 46"/>
             <p:cNvSpPr/>
             <p:nvPr/>
           </p:nvSpPr>
           <p:spPr>
             <a:xfrm rot="5400000">
-              <a:off x="4994640" y="5482080"/>
-              <a:ext cx="84960" cy="187920"/>
+              <a:off x="3717720" y="5292360"/>
+              <a:ext cx="84600" cy="187560"/>
             </a:xfrm>
             <a:prstGeom prst="rect">
               <a:avLst/>
@@ -12702,14 +12626,14 @@
         </p:sp>
         <p:sp>
           <p:nvSpPr>
-            <p:cNvPr id="280" name="CustomShape 49"/>
+            <p:cNvPr id="278" name="CustomShape 47"/>
             <p:cNvSpPr/>
             <p:nvPr/>
           </p:nvSpPr>
           <p:spPr>
             <a:xfrm rot="5400000">
-              <a:off x="5002560" y="5483160"/>
-              <a:ext cx="74160" cy="193320"/>
+              <a:off x="3725640" y="5293440"/>
+              <a:ext cx="73800" cy="192960"/>
             </a:xfrm>
             <a:custGeom>
               <a:avLst/>
@@ -12777,28 +12701,28 @@
       </p:grpSp>
       <p:grpSp>
         <p:nvGrpSpPr>
-          <p:cNvPr id="281" name="Group 50"/>
+          <p:cNvPr id="279" name="Group 48"/>
           <p:cNvGrpSpPr/>
           <p:nvPr/>
         </p:nvGrpSpPr>
         <p:grpSpPr>
           <a:xfrm>
-            <a:off x="5792400" y="5524200"/>
-            <a:ext cx="193320" cy="84960"/>
-            <a:chOff x="5792400" y="5524200"/>
-            <a:chExt cx="193320" cy="84960"/>
+            <a:off x="4515480" y="5334480"/>
+            <a:ext cx="192960" cy="84600"/>
+            <a:chOff x="4515480" y="5334480"/>
+            <a:chExt cx="192960" cy="84600"/>
           </a:xfrm>
         </p:grpSpPr>
         <p:sp>
           <p:nvSpPr>
-            <p:cNvPr id="282" name="CustomShape 51"/>
+            <p:cNvPr id="280" name="CustomShape 49"/>
             <p:cNvSpPr/>
             <p:nvPr/>
           </p:nvSpPr>
           <p:spPr>
             <a:xfrm rot="5400000">
-              <a:off x="5843880" y="5472720"/>
-              <a:ext cx="84960" cy="187920"/>
+              <a:off x="4566960" y="5283000"/>
+              <a:ext cx="84600" cy="187560"/>
             </a:xfrm>
             <a:prstGeom prst="rect">
               <a:avLst/>
@@ -12824,14 +12748,14 @@
         </p:sp>
         <p:sp>
           <p:nvSpPr>
-            <p:cNvPr id="283" name="CustomShape 52"/>
+            <p:cNvPr id="281" name="CustomShape 50"/>
             <p:cNvSpPr/>
             <p:nvPr/>
           </p:nvSpPr>
           <p:spPr>
             <a:xfrm rot="5400000">
-              <a:off x="5851800" y="5473800"/>
-              <a:ext cx="74160" cy="193320"/>
+              <a:off x="4574880" y="5284080"/>
+              <a:ext cx="73800" cy="192960"/>
             </a:xfrm>
             <a:custGeom>
               <a:avLst/>
@@ -12899,14 +12823,14 @@
       </p:grpSp>
       <p:sp>
         <p:nvSpPr>
-          <p:cNvPr id="284" name="CustomShape 53"/>
-          <p:cNvSpPr/>
-          <p:nvPr/>
-        </p:nvSpPr>
-        <p:spPr>
-          <a:xfrm>
-            <a:off x="3789360" y="2201760"/>
-            <a:ext cx="522000" cy="279720"/>
+          <p:cNvPr id="282" name="CustomShape 51"/>
+          <p:cNvSpPr/>
+          <p:nvPr/>
+        </p:nvSpPr>
+        <p:spPr>
+          <a:xfrm>
+            <a:off x="2512080" y="2012040"/>
+            <a:ext cx="521640" cy="279360"/>
           </a:xfrm>
           <a:prstGeom prst="rect">
             <a:avLst/>
@@ -12958,14 +12882,14 @@
       </p:sp>
       <p:sp>
         <p:nvSpPr>
-          <p:cNvPr id="285" name="CustomShape 54"/>
-          <p:cNvSpPr/>
-          <p:nvPr/>
-        </p:nvSpPr>
-        <p:spPr>
-          <a:xfrm>
-            <a:off x="4236480" y="3060360"/>
-            <a:ext cx="635400" cy="279720"/>
+          <p:cNvPr id="283" name="CustomShape 52"/>
+          <p:cNvSpPr/>
+          <p:nvPr/>
+        </p:nvSpPr>
+        <p:spPr>
+          <a:xfrm>
+            <a:off x="2959200" y="2870640"/>
+            <a:ext cx="635040" cy="279360"/>
           </a:xfrm>
           <a:prstGeom prst="rect">
             <a:avLst/>
@@ -13027,14 +12951,14 @@
       </p:sp>
       <p:sp>
         <p:nvSpPr>
-          <p:cNvPr id="286" name="CustomShape 55"/>
-          <p:cNvSpPr/>
-          <p:nvPr/>
-        </p:nvSpPr>
-        <p:spPr>
-          <a:xfrm>
-            <a:off x="3805200" y="1681920"/>
-            <a:ext cx="415440" cy="279720"/>
+          <p:cNvPr id="284" name="CustomShape 53"/>
+          <p:cNvSpPr/>
+          <p:nvPr/>
+        </p:nvSpPr>
+        <p:spPr>
+          <a:xfrm>
+            <a:off x="2527920" y="1492200"/>
+            <a:ext cx="415080" cy="279360"/>
           </a:xfrm>
           <a:prstGeom prst="rect">
             <a:avLst/>
@@ -13086,14 +13010,14 @@
       </p:sp>
       <p:sp>
         <p:nvSpPr>
-          <p:cNvPr id="287" name="CustomShape 56"/>
-          <p:cNvSpPr/>
-          <p:nvPr/>
-        </p:nvSpPr>
-        <p:spPr>
-          <a:xfrm>
-            <a:off x="5374080" y="1684440"/>
-            <a:ext cx="731880" cy="270720"/>
+          <p:cNvPr id="285" name="CustomShape 54"/>
+          <p:cNvSpPr/>
+          <p:nvPr/>
+        </p:nvSpPr>
+        <p:spPr>
+          <a:xfrm>
+            <a:off x="4096800" y="1494720"/>
+            <a:ext cx="731520" cy="270360"/>
           </a:xfrm>
           <a:prstGeom prst="rect">
             <a:avLst/>
@@ -13155,14 +13079,14 @@
       </p:sp>
       <p:sp>
         <p:nvSpPr>
-          <p:cNvPr id="288" name="CustomShape 57"/>
-          <p:cNvSpPr/>
-          <p:nvPr/>
-        </p:nvSpPr>
-        <p:spPr>
-          <a:xfrm>
-            <a:off x="4827960" y="2903760"/>
-            <a:ext cx="626400" cy="270720"/>
+          <p:cNvPr id="286" name="CustomShape 55"/>
+          <p:cNvSpPr/>
+          <p:nvPr/>
+        </p:nvSpPr>
+        <p:spPr>
+          <a:xfrm>
+            <a:off x="3550680" y="2714040"/>
+            <a:ext cx="626040" cy="270360"/>
           </a:xfrm>
           <a:prstGeom prst="rect">
             <a:avLst/>
@@ -13214,14 +13138,14 @@
       </p:sp>
       <p:sp>
         <p:nvSpPr>
-          <p:cNvPr id="289" name="CustomShape 58"/>
-          <p:cNvSpPr/>
-          <p:nvPr/>
-        </p:nvSpPr>
-        <p:spPr>
-          <a:xfrm>
-            <a:off x="4302000" y="2303280"/>
-            <a:ext cx="91800" cy="102600"/>
+          <p:cNvPr id="287" name="CustomShape 56"/>
+          <p:cNvSpPr/>
+          <p:nvPr/>
+        </p:nvSpPr>
+        <p:spPr>
+          <a:xfrm>
+            <a:off x="3024720" y="2113560"/>
+            <a:ext cx="91440" cy="102240"/>
           </a:xfrm>
           <a:prstGeom prst="ellipse">
             <a:avLst/>
@@ -13250,28 +13174,28 @@
       </p:sp>
       <p:grpSp>
         <p:nvGrpSpPr>
-          <p:cNvPr id="290" name="Group 59"/>
+          <p:cNvPr id="288" name="Group 57"/>
           <p:cNvGrpSpPr/>
           <p:nvPr/>
         </p:nvGrpSpPr>
         <p:grpSpPr>
           <a:xfrm>
-            <a:off x="4300920" y="2486880"/>
-            <a:ext cx="84960" cy="193320"/>
-            <a:chOff x="4300920" y="2486880"/>
-            <a:chExt cx="84960" cy="193320"/>
+            <a:off x="3023640" y="2297160"/>
+            <a:ext cx="84600" cy="192960"/>
+            <a:chOff x="3023640" y="2297160"/>
+            <a:chExt cx="84600" cy="192960"/>
           </a:xfrm>
         </p:grpSpPr>
         <p:sp>
           <p:nvSpPr>
-            <p:cNvPr id="291" name="CustomShape 60"/>
+            <p:cNvPr id="289" name="CustomShape 58"/>
             <p:cNvSpPr/>
             <p:nvPr/>
           </p:nvSpPr>
           <p:spPr>
             <a:xfrm>
-              <a:off x="4300920" y="2491920"/>
-              <a:ext cx="84960" cy="187920"/>
+              <a:off x="3023640" y="2302200"/>
+              <a:ext cx="84600" cy="187560"/>
             </a:xfrm>
             <a:prstGeom prst="rect">
               <a:avLst/>
@@ -13297,14 +13221,14 @@
         </p:sp>
         <p:sp>
           <p:nvSpPr>
-            <p:cNvPr id="292" name="CustomShape 61"/>
+            <p:cNvPr id="290" name="CustomShape 59"/>
             <p:cNvSpPr/>
             <p:nvPr/>
           </p:nvSpPr>
           <p:spPr>
             <a:xfrm>
-              <a:off x="4310280" y="2486880"/>
-              <a:ext cx="74160" cy="193320"/>
+              <a:off x="3033000" y="2297160"/>
+              <a:ext cx="73800" cy="192960"/>
             </a:xfrm>
             <a:custGeom>
               <a:avLst/>
@@ -13372,28 +13296,28 @@
       </p:grpSp>
       <p:grpSp>
         <p:nvGrpSpPr>
-          <p:cNvPr id="293" name="Group 62"/>
+          <p:cNvPr id="291" name="Group 60"/>
           <p:cNvGrpSpPr/>
           <p:nvPr/>
         </p:nvGrpSpPr>
         <p:grpSpPr>
           <a:xfrm>
-            <a:off x="4303440" y="1951560"/>
-            <a:ext cx="84960" cy="193320"/>
-            <a:chOff x="4303440" y="1951560"/>
-            <a:chExt cx="84960" cy="193320"/>
+            <a:off x="3026160" y="1761840"/>
+            <a:ext cx="84600" cy="192960"/>
+            <a:chOff x="3026160" y="1761840"/>
+            <a:chExt cx="84600" cy="192960"/>
           </a:xfrm>
         </p:grpSpPr>
         <p:sp>
           <p:nvSpPr>
-            <p:cNvPr id="294" name="CustomShape 63"/>
+            <p:cNvPr id="292" name="CustomShape 61"/>
             <p:cNvSpPr/>
             <p:nvPr/>
           </p:nvSpPr>
           <p:spPr>
             <a:xfrm>
-              <a:off x="4303440" y="1956960"/>
-              <a:ext cx="84960" cy="187920"/>
+              <a:off x="3026160" y="1767240"/>
+              <a:ext cx="84600" cy="187560"/>
             </a:xfrm>
             <a:prstGeom prst="rect">
               <a:avLst/>
@@ -13419,14 +13343,14 @@
         </p:sp>
         <p:sp>
           <p:nvSpPr>
-            <p:cNvPr id="295" name="CustomShape 64"/>
+            <p:cNvPr id="293" name="CustomShape 62"/>
             <p:cNvSpPr/>
             <p:nvPr/>
           </p:nvSpPr>
           <p:spPr>
             <a:xfrm>
-              <a:off x="4312800" y="1951560"/>
-              <a:ext cx="74160" cy="193320"/>
+              <a:off x="3035520" y="1761840"/>
+              <a:ext cx="73800" cy="192960"/>
             </a:xfrm>
             <a:custGeom>
               <a:avLst/>
@@ -13494,14 +13418,14 @@
       </p:grpSp>
       <p:sp>
         <p:nvSpPr>
-          <p:cNvPr id="296" name="CustomShape 65"/>
-          <p:cNvSpPr/>
-          <p:nvPr/>
-        </p:nvSpPr>
-        <p:spPr>
-          <a:xfrm>
-            <a:off x="4300920" y="1752120"/>
-            <a:ext cx="91800" cy="102600"/>
+          <p:cNvPr id="294" name="CustomShape 63"/>
+          <p:cNvSpPr/>
+          <p:nvPr/>
+        </p:nvSpPr>
+        <p:spPr>
+          <a:xfrm>
+            <a:off x="3023640" y="1562400"/>
+            <a:ext cx="91440" cy="102240"/>
           </a:xfrm>
           <a:prstGeom prst="ellipse">
             <a:avLst/>
@@ -13530,14 +13454,14 @@
       </p:sp>
       <p:sp>
         <p:nvSpPr>
-          <p:cNvPr id="297" name="CustomShape 66"/>
-          <p:cNvSpPr/>
-          <p:nvPr/>
-        </p:nvSpPr>
-        <p:spPr>
-          <a:xfrm>
-            <a:off x="4665240" y="3549240"/>
-            <a:ext cx="606240" cy="270720"/>
+          <p:cNvPr id="295" name="CustomShape 64"/>
+          <p:cNvSpPr/>
+          <p:nvPr/>
+        </p:nvSpPr>
+        <p:spPr>
+          <a:xfrm>
+            <a:off x="3387960" y="3359520"/>
+            <a:ext cx="605880" cy="270360"/>
           </a:xfrm>
           <a:prstGeom prst="rect">
             <a:avLst/>
@@ -13589,14 +13513,14 @@
       </p:sp>
       <p:sp>
         <p:nvSpPr>
-          <p:cNvPr id="298" name="CustomShape 67"/>
-          <p:cNvSpPr/>
-          <p:nvPr/>
-        </p:nvSpPr>
-        <p:spPr>
-          <a:xfrm>
-            <a:off x="4306680" y="2636280"/>
-            <a:ext cx="606240" cy="270720"/>
+          <p:cNvPr id="296" name="CustomShape 65"/>
+          <p:cNvSpPr/>
+          <p:nvPr/>
+        </p:nvSpPr>
+        <p:spPr>
+          <a:xfrm>
+            <a:off x="3029400" y="2446560"/>
+            <a:ext cx="605880" cy="270360"/>
           </a:xfrm>
           <a:prstGeom prst="rect">
             <a:avLst/>
@@ -13648,14 +13572,14 @@
       </p:sp>
       <p:sp>
         <p:nvSpPr>
-          <p:cNvPr id="299" name="CustomShape 68"/>
-          <p:cNvSpPr/>
-          <p:nvPr/>
-        </p:nvSpPr>
-        <p:spPr>
-          <a:xfrm>
-            <a:off x="4423320" y="1797480"/>
-            <a:ext cx="938520" cy="360"/>
+          <p:cNvPr id="297" name="CustomShape 66"/>
+          <p:cNvSpPr/>
+          <p:nvPr/>
+        </p:nvSpPr>
+        <p:spPr>
+          <a:xfrm>
+            <a:off x="3146040" y="1607760"/>
+            <a:ext cx="938160" cy="360"/>
           </a:xfrm>
           <a:custGeom>
             <a:avLst/>
@@ -13698,14 +13622,14 @@
       </p:sp>
       <p:sp>
         <p:nvSpPr>
-          <p:cNvPr id="300" name="CustomShape 69"/>
-          <p:cNvSpPr/>
-          <p:nvPr/>
-        </p:nvSpPr>
-        <p:spPr>
-          <a:xfrm>
-            <a:off x="4628520" y="1522440"/>
-            <a:ext cx="626400" cy="270720"/>
+          <p:cNvPr id="298" name="CustomShape 67"/>
+          <p:cNvSpPr/>
+          <p:nvPr/>
+        </p:nvSpPr>
+        <p:spPr>
+          <a:xfrm>
+            <a:off x="3351240" y="1332720"/>
+            <a:ext cx="626040" cy="270360"/>
           </a:xfrm>
           <a:prstGeom prst="rect">
             <a:avLst/>
@@ -13757,14 +13681,14 @@
       </p:sp>
       <p:sp>
         <p:nvSpPr>
-          <p:cNvPr id="301" name="CustomShape 70"/>
-          <p:cNvSpPr/>
-          <p:nvPr/>
-        </p:nvSpPr>
-        <p:spPr>
-          <a:xfrm>
-            <a:off x="4221000" y="1243440"/>
-            <a:ext cx="606240" cy="270720"/>
+          <p:cNvPr id="299" name="CustomShape 68"/>
+          <p:cNvSpPr/>
+          <p:nvPr/>
+        </p:nvSpPr>
+        <p:spPr>
+          <a:xfrm>
+            <a:off x="2869560" y="1080000"/>
+            <a:ext cx="605880" cy="270360"/>
           </a:xfrm>
           <a:prstGeom prst="rect">
             <a:avLst/>
@@ -13806,7 +13730,7 @@
                 <a:latin typeface="Times New Roman"/>
                 <a:ea typeface="MS Mincho"/>
               </a:rPr>
-              <a:t>leaf,out</a:t>
+              <a:t>leaf</a:t>
             </a:r>
             <a:endParaRPr b="0" lang="ca-ES" sz="1050" spc="-1" strike="noStrike">
               <a:latin typeface="Arial"/>
@@ -13816,14 +13740,14 @@
       </p:sp>
       <p:sp>
         <p:nvSpPr>
-          <p:cNvPr id="302" name="CustomShape 71"/>
-          <p:cNvSpPr/>
-          <p:nvPr/>
-        </p:nvSpPr>
-        <p:spPr>
-          <a:xfrm>
-            <a:off x="4272120" y="4390920"/>
-            <a:ext cx="162000" cy="204120"/>
+          <p:cNvPr id="300" name="CustomShape 69"/>
+          <p:cNvSpPr/>
+          <p:nvPr/>
+        </p:nvSpPr>
+        <p:spPr>
+          <a:xfrm>
+            <a:off x="2994840" y="4201200"/>
+            <a:ext cx="161640" cy="203760"/>
           </a:xfrm>
           <a:prstGeom prst="ellipse">
             <a:avLst/>
@@ -13852,28 +13776,28 @@
       </p:sp>
       <p:grpSp>
         <p:nvGrpSpPr>
-          <p:cNvPr id="303" name="Group 72"/>
+          <p:cNvPr id="301" name="Group 70"/>
           <p:cNvGrpSpPr/>
           <p:nvPr/>
         </p:nvGrpSpPr>
         <p:grpSpPr>
           <a:xfrm>
-            <a:off x="4304520" y="3963240"/>
-            <a:ext cx="84960" cy="193320"/>
-            <a:chOff x="4304520" y="3963240"/>
-            <a:chExt cx="84960" cy="193320"/>
+            <a:off x="3027240" y="3773520"/>
+            <a:ext cx="84600" cy="192960"/>
+            <a:chOff x="3027240" y="3773520"/>
+            <a:chExt cx="84600" cy="192960"/>
           </a:xfrm>
         </p:grpSpPr>
         <p:sp>
           <p:nvSpPr>
-            <p:cNvPr id="304" name="CustomShape 73"/>
+            <p:cNvPr id="302" name="CustomShape 71"/>
             <p:cNvSpPr/>
             <p:nvPr/>
           </p:nvSpPr>
           <p:spPr>
             <a:xfrm>
-              <a:off x="4304520" y="3968640"/>
-              <a:ext cx="84960" cy="187920"/>
+              <a:off x="3027240" y="3778920"/>
+              <a:ext cx="84600" cy="187560"/>
             </a:xfrm>
             <a:prstGeom prst="rect">
               <a:avLst/>
@@ -13899,14 +13823,14 @@
         </p:sp>
         <p:sp>
           <p:nvSpPr>
-            <p:cNvPr id="305" name="CustomShape 74"/>
+            <p:cNvPr id="303" name="CustomShape 72"/>
             <p:cNvSpPr/>
             <p:nvPr/>
           </p:nvSpPr>
           <p:spPr>
             <a:xfrm>
-              <a:off x="4313880" y="3963240"/>
-              <a:ext cx="74160" cy="193320"/>
+              <a:off x="3036600" y="3773520"/>
+              <a:ext cx="73800" cy="192960"/>
             </a:xfrm>
             <a:custGeom>
               <a:avLst/>
@@ -13974,14 +13898,14 @@
       </p:grpSp>
       <p:sp>
         <p:nvSpPr>
-          <p:cNvPr id="306" name="CustomShape 75"/>
-          <p:cNvSpPr/>
-          <p:nvPr/>
-        </p:nvSpPr>
-        <p:spPr>
-          <a:xfrm>
-            <a:off x="4298040" y="5394240"/>
-            <a:ext cx="162000" cy="204120"/>
+          <p:cNvPr id="304" name="CustomShape 73"/>
+          <p:cNvSpPr/>
+          <p:nvPr/>
+        </p:nvSpPr>
+        <p:spPr>
+          <a:xfrm>
+            <a:off x="3020760" y="5204520"/>
+            <a:ext cx="161640" cy="203760"/>
           </a:xfrm>
           <a:prstGeom prst="ellipse">
             <a:avLst/>
@@ -14010,14 +13934,14 @@
       </p:sp>
       <p:sp>
         <p:nvSpPr>
-          <p:cNvPr id="307" name="CustomShape 76"/>
-          <p:cNvSpPr/>
-          <p:nvPr/>
-        </p:nvSpPr>
-        <p:spPr>
-          <a:xfrm>
-            <a:off x="3595320" y="5278320"/>
-            <a:ext cx="662040" cy="296640"/>
+          <p:cNvPr id="305" name="CustomShape 74"/>
+          <p:cNvSpPr/>
+          <p:nvPr/>
+        </p:nvSpPr>
+        <p:spPr>
+          <a:xfrm>
+            <a:off x="2318040" y="5088600"/>
+            <a:ext cx="661680" cy="296280"/>
           </a:xfrm>
           <a:prstGeom prst="rect">
             <a:avLst/>
@@ -14069,28 +13993,28 @@
       </p:sp>
       <p:grpSp>
         <p:nvGrpSpPr>
-          <p:cNvPr id="308" name="Group 77"/>
+          <p:cNvPr id="306" name="Group 75"/>
           <p:cNvGrpSpPr/>
           <p:nvPr/>
         </p:nvGrpSpPr>
         <p:grpSpPr>
           <a:xfrm>
-            <a:off x="4327200" y="4883400"/>
-            <a:ext cx="84960" cy="193320"/>
-            <a:chOff x="4327200" y="4883400"/>
-            <a:chExt cx="84960" cy="193320"/>
+            <a:off x="3049920" y="4693680"/>
+            <a:ext cx="84600" cy="192960"/>
+            <a:chOff x="3049920" y="4693680"/>
+            <a:chExt cx="84600" cy="192960"/>
           </a:xfrm>
         </p:grpSpPr>
         <p:sp>
           <p:nvSpPr>
-            <p:cNvPr id="309" name="CustomShape 78"/>
+            <p:cNvPr id="307" name="CustomShape 76"/>
             <p:cNvSpPr/>
             <p:nvPr/>
           </p:nvSpPr>
           <p:spPr>
             <a:xfrm>
-              <a:off x="4327200" y="4888800"/>
-              <a:ext cx="84960" cy="187920"/>
+              <a:off x="3049920" y="4699080"/>
+              <a:ext cx="84600" cy="187560"/>
             </a:xfrm>
             <a:prstGeom prst="rect">
               <a:avLst/>
@@ -14116,14 +14040,14 @@
         </p:sp>
         <p:sp>
           <p:nvSpPr>
-            <p:cNvPr id="310" name="CustomShape 79"/>
+            <p:cNvPr id="308" name="CustomShape 77"/>
             <p:cNvSpPr/>
             <p:nvPr/>
           </p:nvSpPr>
           <p:spPr>
             <a:xfrm>
-              <a:off x="4336560" y="4883400"/>
-              <a:ext cx="74160" cy="193320"/>
+              <a:off x="3059280" y="4693680"/>
+              <a:ext cx="73800" cy="192960"/>
             </a:xfrm>
             <a:custGeom>
               <a:avLst/>
@@ -14191,14 +14115,14 @@
       </p:grpSp>
       <p:sp>
         <p:nvSpPr>
-          <p:cNvPr id="311" name="CustomShape 80"/>
-          <p:cNvSpPr/>
-          <p:nvPr/>
-        </p:nvSpPr>
-        <p:spPr>
-          <a:xfrm>
-            <a:off x="5394960" y="2933640"/>
-            <a:ext cx="710640" cy="538920"/>
+          <p:cNvPr id="309" name="CustomShape 78"/>
+          <p:cNvSpPr/>
+          <p:nvPr/>
+        </p:nvSpPr>
+        <p:spPr>
+          <a:xfrm>
+            <a:off x="4117680" y="2743920"/>
+            <a:ext cx="710280" cy="538560"/>
           </a:xfrm>
           <a:prstGeom prst="rect">
             <a:avLst/>
@@ -14230,14 +14154,14 @@
       </p:sp>
       <p:sp>
         <p:nvSpPr>
-          <p:cNvPr id="312" name="CustomShape 81"/>
+          <p:cNvPr id="310" name="CustomShape 79"/>
           <p:cNvSpPr/>
           <p:nvPr/>
         </p:nvSpPr>
         <p:spPr>
           <a:xfrm flipH="1">
-            <a:off x="4793040" y="3203280"/>
-            <a:ext cx="600840" cy="360"/>
+            <a:off x="3515760" y="3013560"/>
+            <a:ext cx="600480" cy="360"/>
           </a:xfrm>
           <a:custGeom>
             <a:avLst/>
@@ -14280,14 +14204,14 @@
       </p:sp>
       <p:sp>
         <p:nvSpPr>
-          <p:cNvPr id="313" name="CustomShape 82"/>
-          <p:cNvSpPr/>
-          <p:nvPr/>
-        </p:nvSpPr>
-        <p:spPr>
-          <a:xfrm>
-            <a:off x="5398200" y="3059640"/>
-            <a:ext cx="635400" cy="279720"/>
+          <p:cNvPr id="311" name="CustomShape 80"/>
+          <p:cNvSpPr/>
+          <p:nvPr/>
+        </p:nvSpPr>
+        <p:spPr>
+          <a:xfrm>
+            <a:off x="4120920" y="2869920"/>
+            <a:ext cx="635040" cy="279360"/>
           </a:xfrm>
           <a:prstGeom prst="rect">
             <a:avLst/>
@@ -14359,14 +14283,14 @@
       </p:sp>
       <p:sp>
         <p:nvSpPr>
-          <p:cNvPr id="314" name="CustomShape 83"/>
+          <p:cNvPr id="312" name="CustomShape 81"/>
           <p:cNvSpPr/>
           <p:nvPr/>
         </p:nvSpPr>
         <p:spPr>
           <a:xfrm rot="16200000">
-            <a:off x="3318480" y="4687920"/>
-            <a:ext cx="687960" cy="249840"/>
+            <a:off x="1764720" y="4414680"/>
+            <a:ext cx="687600" cy="249480"/>
           </a:xfrm>
           <a:prstGeom prst="rect">
             <a:avLst/>
@@ -14408,14 +14332,14 @@
       </p:sp>
       <p:sp>
         <p:nvSpPr>
-          <p:cNvPr id="315" name="CustomShape 84"/>
+          <p:cNvPr id="313" name="CustomShape 82"/>
           <p:cNvSpPr/>
           <p:nvPr/>
         </p:nvSpPr>
         <p:spPr>
           <a:xfrm flipH="1" flipV="1">
-            <a:off x="4650840" y="3464640"/>
-            <a:ext cx="6840" cy="912600"/>
+            <a:off x="3373560" y="3274920"/>
+            <a:ext cx="6480" cy="912240"/>
           </a:xfrm>
           <a:custGeom>
             <a:avLst/>
@@ -14457,28 +14381,28 @@
       </p:sp>
       <p:grpSp>
         <p:nvGrpSpPr>
-          <p:cNvPr id="316" name="Group 85"/>
+          <p:cNvPr id="314" name="Group 83"/>
           <p:cNvGrpSpPr/>
           <p:nvPr/>
         </p:nvGrpSpPr>
         <p:grpSpPr>
           <a:xfrm>
-            <a:off x="4600440" y="3959640"/>
-            <a:ext cx="84960" cy="193320"/>
-            <a:chOff x="4600440" y="3959640"/>
-            <a:chExt cx="84960" cy="193320"/>
+            <a:off x="3323160" y="3769920"/>
+            <a:ext cx="84600" cy="192960"/>
+            <a:chOff x="3323160" y="3769920"/>
+            <a:chExt cx="84600" cy="192960"/>
           </a:xfrm>
         </p:grpSpPr>
         <p:sp>
           <p:nvSpPr>
-            <p:cNvPr id="317" name="CustomShape 86"/>
+            <p:cNvPr id="315" name="CustomShape 84"/>
             <p:cNvSpPr/>
             <p:nvPr/>
           </p:nvSpPr>
           <p:spPr>
             <a:xfrm>
-              <a:off x="4600440" y="3965040"/>
-              <a:ext cx="84960" cy="187920"/>
+              <a:off x="3323160" y="3775320"/>
+              <a:ext cx="84600" cy="187560"/>
             </a:xfrm>
             <a:prstGeom prst="rect">
               <a:avLst/>
@@ -14504,14 +14428,14 @@
         </p:sp>
         <p:sp>
           <p:nvSpPr>
-            <p:cNvPr id="318" name="CustomShape 87"/>
+            <p:cNvPr id="316" name="CustomShape 85"/>
             <p:cNvSpPr/>
             <p:nvPr/>
           </p:nvSpPr>
           <p:spPr>
             <a:xfrm>
-              <a:off x="4609800" y="3959640"/>
-              <a:ext cx="74160" cy="193320"/>
+              <a:off x="3332520" y="3769920"/>
+              <a:ext cx="73800" cy="192960"/>
             </a:xfrm>
             <a:custGeom>
               <a:avLst/>
@@ -14635,14 +14559,14 @@
       </p:grpSpPr>
       <p:sp>
         <p:nvSpPr>
-          <p:cNvPr id="319" name="CustomShape 1"/>
+          <p:cNvPr id="317" name="CustomShape 1"/>
           <p:cNvSpPr/>
           <p:nvPr/>
         </p:nvSpPr>
         <p:spPr>
           <a:xfrm>
             <a:off x="213480" y="583920"/>
-            <a:ext cx="8714520" cy="5392080"/>
+            <a:ext cx="8714160" cy="5391720"/>
           </a:xfrm>
           <a:prstGeom prst="rect">
             <a:avLst/>
@@ -14671,7 +14595,7 @@
       </p:sp>
       <p:pic>
         <p:nvPicPr>
-          <p:cNvPr id="320" name="" descr=""/>
+          <p:cNvPr id="318" name="" descr=""/>
           <p:cNvPicPr/>
           <p:nvPr/>
         </p:nvPicPr>
@@ -14682,7 +14606,7 @@
         <p:spPr>
           <a:xfrm>
             <a:off x="72000" y="1008000"/>
-            <a:ext cx="3266640" cy="4816080"/>
+            <a:ext cx="3266280" cy="4815720"/>
           </a:xfrm>
           <a:prstGeom prst="rect">
             <a:avLst/>
@@ -14694,14 +14618,14 @@
       </p:pic>
       <p:sp>
         <p:nvSpPr>
-          <p:cNvPr id="321" name="CustomShape 2"/>
+          <p:cNvPr id="319" name="CustomShape 2"/>
           <p:cNvSpPr/>
           <p:nvPr/>
         </p:nvSpPr>
         <p:spPr>
           <a:xfrm>
             <a:off x="1881000" y="1015920"/>
-            <a:ext cx="7119000" cy="4960080"/>
+            <a:ext cx="7118640" cy="4959720"/>
           </a:xfrm>
           <a:prstGeom prst="rect">
             <a:avLst/>
@@ -14732,14 +14656,14 @@
       </p:sp>
       <p:sp>
         <p:nvSpPr>
-          <p:cNvPr id="322" name="CustomShape 3"/>
+          <p:cNvPr id="320" name="CustomShape 3"/>
           <p:cNvSpPr/>
           <p:nvPr/>
         </p:nvSpPr>
         <p:spPr>
           <a:xfrm>
             <a:off x="5727600" y="1324440"/>
-            <a:ext cx="45360" cy="4009680"/>
+            <a:ext cx="45000" cy="4009320"/>
           </a:xfrm>
           <a:custGeom>
             <a:avLst/>
@@ -14781,14 +14705,14 @@
       </p:sp>
       <p:sp>
         <p:nvSpPr>
-          <p:cNvPr id="323" name="CustomShape 4"/>
+          <p:cNvPr id="321" name="CustomShape 4"/>
           <p:cNvSpPr/>
           <p:nvPr/>
         </p:nvSpPr>
         <p:spPr>
           <a:xfrm>
             <a:off x="5574600" y="2660040"/>
-            <a:ext cx="606600" cy="538920"/>
+            <a:ext cx="606240" cy="538560"/>
           </a:xfrm>
           <a:prstGeom prst="rect">
             <a:avLst/>
@@ -14820,14 +14744,14 @@
       </p:sp>
       <p:sp>
         <p:nvSpPr>
-          <p:cNvPr id="324" name="CustomShape 5"/>
+          <p:cNvPr id="322" name="CustomShape 5"/>
           <p:cNvSpPr/>
           <p:nvPr/>
         </p:nvSpPr>
         <p:spPr>
           <a:xfrm>
             <a:off x="5955840" y="4105080"/>
-            <a:ext cx="162000" cy="204120"/>
+            <a:ext cx="161640" cy="203760"/>
           </a:xfrm>
           <a:prstGeom prst="ellipse">
             <a:avLst/>
@@ -14856,14 +14780,14 @@
       </p:sp>
       <p:sp>
         <p:nvSpPr>
-          <p:cNvPr id="325" name="CustomShape 6"/>
+          <p:cNvPr id="323" name="CustomShape 6"/>
           <p:cNvSpPr/>
           <p:nvPr/>
         </p:nvSpPr>
         <p:spPr>
           <a:xfrm>
             <a:off x="7555320" y="4105080"/>
-            <a:ext cx="162000" cy="204120"/>
+            <a:ext cx="161640" cy="203760"/>
           </a:xfrm>
           <a:prstGeom prst="ellipse">
             <a:avLst/>
@@ -14892,14 +14816,14 @@
       </p:sp>
       <p:sp>
         <p:nvSpPr>
-          <p:cNvPr id="326" name="CustomShape 7"/>
+          <p:cNvPr id="324" name="CustomShape 7"/>
           <p:cNvSpPr/>
           <p:nvPr/>
         </p:nvSpPr>
         <p:spPr>
           <a:xfrm flipH="1">
             <a:off x="6117840" y="4207680"/>
-            <a:ext cx="1436040" cy="360"/>
+            <a:ext cx="1435680" cy="360"/>
           </a:xfrm>
           <a:custGeom>
             <a:avLst/>
@@ -14940,14 +14864,14 @@
       </p:sp>
       <p:sp>
         <p:nvSpPr>
-          <p:cNvPr id="327" name="CustomShape 8"/>
+          <p:cNvPr id="325" name="CustomShape 8"/>
           <p:cNvSpPr/>
           <p:nvPr/>
         </p:nvSpPr>
         <p:spPr>
           <a:xfrm>
             <a:off x="6762600" y="4115160"/>
-            <a:ext cx="162000" cy="204120"/>
+            <a:ext cx="161640" cy="203760"/>
           </a:xfrm>
           <a:prstGeom prst="ellipse">
             <a:avLst/>
@@ -14976,14 +14900,14 @@
       </p:sp>
       <p:sp>
         <p:nvSpPr>
-          <p:cNvPr id="328" name="CustomShape 9"/>
+          <p:cNvPr id="326" name="CustomShape 9"/>
           <p:cNvSpPr/>
           <p:nvPr/>
         </p:nvSpPr>
         <p:spPr>
           <a:xfrm>
             <a:off x="7575480" y="4578480"/>
-            <a:ext cx="162000" cy="204120"/>
+            <a:ext cx="161640" cy="203760"/>
           </a:xfrm>
           <a:prstGeom prst="ellipse">
             <a:avLst/>
@@ -15012,14 +14936,14 @@
       </p:sp>
       <p:sp>
         <p:nvSpPr>
-          <p:cNvPr id="329" name="CustomShape 10"/>
+          <p:cNvPr id="327" name="CustomShape 10"/>
           <p:cNvSpPr/>
           <p:nvPr/>
         </p:nvSpPr>
         <p:spPr>
           <a:xfrm flipH="1">
-            <a:off x="6429240" y="4680720"/>
-            <a:ext cx="1144800" cy="13320"/>
+            <a:off x="6428520" y="4680720"/>
+            <a:ext cx="1144440" cy="12960"/>
           </a:xfrm>
           <a:custGeom>
             <a:avLst/>
@@ -15060,14 +14984,14 @@
       </p:sp>
       <p:sp>
         <p:nvSpPr>
-          <p:cNvPr id="330" name="CustomShape 11"/>
+          <p:cNvPr id="328" name="CustomShape 11"/>
           <p:cNvSpPr/>
           <p:nvPr/>
         </p:nvSpPr>
         <p:spPr>
           <a:xfrm>
             <a:off x="6782760" y="4588200"/>
-            <a:ext cx="162000" cy="204120"/>
+            <a:ext cx="161640" cy="203760"/>
           </a:xfrm>
           <a:prstGeom prst="ellipse">
             <a:avLst/>
@@ -15096,14 +15020,14 @@
       </p:sp>
       <p:sp>
         <p:nvSpPr>
-          <p:cNvPr id="331" name="CustomShape 12"/>
+          <p:cNvPr id="329" name="CustomShape 12"/>
           <p:cNvSpPr/>
           <p:nvPr/>
         </p:nvSpPr>
         <p:spPr>
           <a:xfrm>
             <a:off x="7575480" y="5191200"/>
-            <a:ext cx="162000" cy="204120"/>
+            <a:ext cx="161640" cy="203760"/>
           </a:xfrm>
           <a:prstGeom prst="ellipse">
             <a:avLst/>
@@ -15132,14 +15056,14 @@
       </p:sp>
       <p:sp>
         <p:nvSpPr>
-          <p:cNvPr id="332" name="CustomShape 13"/>
+          <p:cNvPr id="330" name="CustomShape 13"/>
           <p:cNvSpPr/>
           <p:nvPr/>
         </p:nvSpPr>
         <p:spPr>
           <a:xfrm flipH="1">
             <a:off x="6427440" y="5293440"/>
-            <a:ext cx="1146600" cy="8640"/>
+            <a:ext cx="1146240" cy="8280"/>
           </a:xfrm>
           <a:custGeom>
             <a:avLst/>
@@ -15180,14 +15104,14 @@
       </p:sp>
       <p:sp>
         <p:nvSpPr>
-          <p:cNvPr id="333" name="CustomShape 14"/>
+          <p:cNvPr id="331" name="CustomShape 14"/>
           <p:cNvSpPr/>
           <p:nvPr/>
         </p:nvSpPr>
         <p:spPr>
           <a:xfrm>
             <a:off x="6782760" y="5200920"/>
-            <a:ext cx="162000" cy="204120"/>
+            <a:ext cx="161640" cy="203760"/>
           </a:xfrm>
           <a:prstGeom prst="ellipse">
             <a:avLst/>
@@ -15216,14 +15140,14 @@
       </p:sp>
       <p:sp>
         <p:nvSpPr>
-          <p:cNvPr id="334" name="CustomShape 15"/>
+          <p:cNvPr id="332" name="CustomShape 15"/>
           <p:cNvSpPr/>
           <p:nvPr/>
         </p:nvSpPr>
         <p:spPr>
           <a:xfrm>
             <a:off x="7871760" y="4025160"/>
-            <a:ext cx="977760" cy="249840"/>
+            <a:ext cx="977400" cy="249480"/>
           </a:xfrm>
           <a:prstGeom prst="rect">
             <a:avLst/>
@@ -15275,14 +15199,14 @@
       </p:sp>
       <p:sp>
         <p:nvSpPr>
-          <p:cNvPr id="335" name="CustomShape 16"/>
+          <p:cNvPr id="333" name="CustomShape 16"/>
           <p:cNvSpPr/>
           <p:nvPr/>
         </p:nvSpPr>
         <p:spPr>
           <a:xfrm>
             <a:off x="7885080" y="4548960"/>
-            <a:ext cx="977760" cy="249840"/>
+            <a:ext cx="977400" cy="249480"/>
           </a:xfrm>
           <a:prstGeom prst="rect">
             <a:avLst/>
@@ -15334,14 +15258,14 @@
       </p:sp>
       <p:sp>
         <p:nvSpPr>
-          <p:cNvPr id="336" name="CustomShape 17"/>
+          <p:cNvPr id="334" name="CustomShape 17"/>
           <p:cNvSpPr/>
           <p:nvPr/>
         </p:nvSpPr>
         <p:spPr>
           <a:xfrm>
             <a:off x="7909560" y="5213880"/>
-            <a:ext cx="977760" cy="249840"/>
+            <a:ext cx="977400" cy="249480"/>
           </a:xfrm>
           <a:prstGeom prst="rect">
             <a:avLst/>
@@ -15383,14 +15307,14 @@
       </p:sp>
       <p:sp>
         <p:nvSpPr>
-          <p:cNvPr id="337" name="CustomShape 18"/>
+          <p:cNvPr id="335" name="CustomShape 18"/>
           <p:cNvSpPr/>
           <p:nvPr/>
         </p:nvSpPr>
         <p:spPr>
           <a:xfrm rot="16200000">
-            <a:off x="1887120" y="2476080"/>
-            <a:ext cx="484200" cy="249840"/>
+            <a:off x="1887120" y="2476440"/>
+            <a:ext cx="483840" cy="249480"/>
           </a:xfrm>
           <a:prstGeom prst="rect">
             <a:avLst/>
@@ -15432,14 +15356,14 @@
       </p:sp>
       <p:sp>
         <p:nvSpPr>
-          <p:cNvPr id="338" name="CustomShape 19"/>
+          <p:cNvPr id="336" name="CustomShape 19"/>
           <p:cNvSpPr/>
           <p:nvPr/>
         </p:nvSpPr>
         <p:spPr>
           <a:xfrm>
             <a:off x="6014880" y="5652720"/>
-            <a:ext cx="574920" cy="249840"/>
+            <a:ext cx="574560" cy="249480"/>
           </a:xfrm>
           <a:prstGeom prst="rect">
             <a:avLst/>
@@ -15481,14 +15405,14 @@
       </p:sp>
       <p:sp>
         <p:nvSpPr>
-          <p:cNvPr id="339" name="CustomShape 20"/>
+          <p:cNvPr id="337" name="CustomShape 20"/>
           <p:cNvSpPr/>
           <p:nvPr/>
         </p:nvSpPr>
         <p:spPr>
           <a:xfrm>
             <a:off x="6633720" y="5668560"/>
-            <a:ext cx="1476720" cy="249840"/>
+            <a:ext cx="1476360" cy="249480"/>
           </a:xfrm>
           <a:prstGeom prst="rect">
             <a:avLst/>
@@ -15530,14 +15454,14 @@
       </p:sp>
       <p:sp>
         <p:nvSpPr>
-          <p:cNvPr id="340" name="CustomShape 21"/>
+          <p:cNvPr id="338" name="CustomShape 21"/>
           <p:cNvSpPr/>
           <p:nvPr/>
         </p:nvSpPr>
         <p:spPr>
           <a:xfrm>
             <a:off x="6608520" y="4281840"/>
-            <a:ext cx="672840" cy="296640"/>
+            <a:ext cx="672480" cy="296280"/>
           </a:xfrm>
           <a:prstGeom prst="rect">
             <a:avLst/>
@@ -15599,14 +15523,14 @@
       </p:sp>
       <p:sp>
         <p:nvSpPr>
-          <p:cNvPr id="341" name="CustomShape 22"/>
+          <p:cNvPr id="339" name="CustomShape 22"/>
           <p:cNvSpPr/>
           <p:nvPr/>
         </p:nvSpPr>
         <p:spPr>
           <a:xfrm>
             <a:off x="6608520" y="4770360"/>
-            <a:ext cx="672840" cy="296640"/>
+            <a:ext cx="672480" cy="296280"/>
           </a:xfrm>
           <a:prstGeom prst="rect">
             <a:avLst/>
@@ -15668,14 +15592,14 @@
       </p:sp>
       <p:sp>
         <p:nvSpPr>
-          <p:cNvPr id="342" name="CustomShape 23"/>
+          <p:cNvPr id="340" name="CustomShape 23"/>
           <p:cNvSpPr/>
           <p:nvPr/>
         </p:nvSpPr>
         <p:spPr>
           <a:xfrm>
             <a:off x="6659640" y="5372640"/>
-            <a:ext cx="672840" cy="296640"/>
+            <a:ext cx="672480" cy="296280"/>
           </a:xfrm>
           <a:prstGeom prst="rect">
             <a:avLst/>
@@ -15727,14 +15651,14 @@
       </p:sp>
       <p:sp>
         <p:nvSpPr>
-          <p:cNvPr id="343" name="CustomShape 24"/>
+          <p:cNvPr id="341" name="CustomShape 24"/>
           <p:cNvSpPr/>
           <p:nvPr/>
         </p:nvSpPr>
         <p:spPr>
           <a:xfrm flipH="1" flipV="1">
-            <a:off x="6094080" y="4279320"/>
-            <a:ext cx="234720" cy="415080"/>
+            <a:off x="6093360" y="4279320"/>
+            <a:ext cx="234360" cy="414720"/>
           </a:xfrm>
           <a:custGeom>
             <a:avLst/>
@@ -15775,14 +15699,14 @@
       </p:sp>
       <p:sp>
         <p:nvSpPr>
-          <p:cNvPr id="344" name="CustomShape 25"/>
+          <p:cNvPr id="342" name="CustomShape 25"/>
           <p:cNvSpPr/>
           <p:nvPr/>
         </p:nvSpPr>
         <p:spPr>
           <a:xfrm>
             <a:off x="4969080" y="3967200"/>
-            <a:ext cx="662040" cy="296640"/>
+            <a:ext cx="661680" cy="296280"/>
           </a:xfrm>
           <a:prstGeom prst="rect">
             <a:avLst/>
@@ -15834,14 +15758,14 @@
       </p:sp>
       <p:sp>
         <p:nvSpPr>
-          <p:cNvPr id="345" name="CustomShape 26"/>
+          <p:cNvPr id="343" name="CustomShape 26"/>
           <p:cNvSpPr/>
           <p:nvPr/>
         </p:nvSpPr>
         <p:spPr>
           <a:xfrm>
             <a:off x="7548840" y="4258080"/>
-            <a:ext cx="519120" cy="296640"/>
+            <a:ext cx="518760" cy="296280"/>
           </a:xfrm>
           <a:prstGeom prst="rect">
             <a:avLst/>
@@ -15903,14 +15827,14 @@
       </p:sp>
       <p:sp>
         <p:nvSpPr>
-          <p:cNvPr id="346" name="CustomShape 27"/>
+          <p:cNvPr id="344" name="CustomShape 27"/>
           <p:cNvSpPr/>
           <p:nvPr/>
         </p:nvSpPr>
         <p:spPr>
           <a:xfrm>
             <a:off x="7556760" y="4780440"/>
-            <a:ext cx="519120" cy="296640"/>
+            <a:ext cx="518760" cy="296280"/>
           </a:xfrm>
           <a:prstGeom prst="rect">
             <a:avLst/>
@@ -15972,14 +15896,14 @@
       </p:sp>
       <p:sp>
         <p:nvSpPr>
-          <p:cNvPr id="347" name="CustomShape 28"/>
+          <p:cNvPr id="345" name="CustomShape 28"/>
           <p:cNvSpPr/>
           <p:nvPr/>
         </p:nvSpPr>
         <p:spPr>
           <a:xfrm>
             <a:off x="7565760" y="5377320"/>
-            <a:ext cx="518760" cy="296640"/>
+            <a:ext cx="518400" cy="296280"/>
           </a:xfrm>
           <a:prstGeom prst="rect">
             <a:avLst/>
@@ -16031,14 +15955,14 @@
       </p:sp>
       <p:sp>
         <p:nvSpPr>
-          <p:cNvPr id="348" name="CustomShape 29"/>
+          <p:cNvPr id="346" name="CustomShape 29"/>
           <p:cNvSpPr/>
           <p:nvPr/>
         </p:nvSpPr>
         <p:spPr>
           <a:xfrm rot="16200000">
-            <a:off x="1761840" y="1474200"/>
-            <a:ext cx="716040" cy="249840"/>
+            <a:off x="1761840" y="1474560"/>
+            <a:ext cx="715680" cy="249480"/>
           </a:xfrm>
           <a:prstGeom prst="rect">
             <a:avLst/>
@@ -16080,14 +16004,14 @@
       </p:sp>
       <p:sp>
         <p:nvSpPr>
-          <p:cNvPr id="349" name="CustomShape 30"/>
+          <p:cNvPr id="347" name="CustomShape 30"/>
           <p:cNvSpPr/>
           <p:nvPr/>
         </p:nvSpPr>
         <p:spPr>
           <a:xfrm flipH="1" rot="16200000">
-            <a:off x="5687280" y="4659840"/>
-            <a:ext cx="992160" cy="292320"/>
+            <a:off x="5686920" y="4659840"/>
+            <a:ext cx="991800" cy="291960"/>
           </a:xfrm>
           <a:prstGeom prst="bentConnector2">
             <a:avLst/>
@@ -16115,14 +16039,14 @@
       </p:sp>
       <p:sp>
         <p:nvSpPr>
-          <p:cNvPr id="350" name="CustomShape 31"/>
+          <p:cNvPr id="348" name="CustomShape 31"/>
           <p:cNvSpPr/>
           <p:nvPr/>
         </p:nvSpPr>
         <p:spPr>
           <a:xfrm>
             <a:off x="6239520" y="4917600"/>
-            <a:ext cx="249120" cy="249840"/>
+            <a:ext cx="248760" cy="249480"/>
           </a:xfrm>
           <a:prstGeom prst="rect">
             <a:avLst/>
@@ -16164,14 +16088,14 @@
       </p:sp>
       <p:sp>
         <p:nvSpPr>
-          <p:cNvPr id="351" name="CustomShape 32"/>
+          <p:cNvPr id="349" name="CustomShape 32"/>
           <p:cNvSpPr/>
           <p:nvPr/>
         </p:nvSpPr>
         <p:spPr>
           <a:xfrm>
             <a:off x="7546320" y="4939560"/>
-            <a:ext cx="249120" cy="249840"/>
+            <a:ext cx="248760" cy="249480"/>
           </a:xfrm>
           <a:prstGeom prst="rect">
             <a:avLst/>
@@ -16213,28 +16137,28 @@
       </p:sp>
       <p:grpSp>
         <p:nvGrpSpPr>
-          <p:cNvPr id="352" name="Group 33"/>
+          <p:cNvPr id="350" name="Group 33"/>
           <p:cNvGrpSpPr/>
           <p:nvPr/>
         </p:nvGrpSpPr>
         <p:grpSpPr>
           <a:xfrm>
-            <a:off x="6320520" y="4164480"/>
-            <a:ext cx="193320" cy="84960"/>
-            <a:chOff x="6320520" y="4164480"/>
-            <a:chExt cx="193320" cy="84960"/>
+            <a:off x="6320880" y="4164480"/>
+            <a:ext cx="192960" cy="84600"/>
+            <a:chOff x="6320880" y="4164480"/>
+            <a:chExt cx="192960" cy="84600"/>
           </a:xfrm>
         </p:grpSpPr>
         <p:sp>
           <p:nvSpPr>
-            <p:cNvPr id="353" name="CustomShape 34"/>
+            <p:cNvPr id="351" name="CustomShape 34"/>
             <p:cNvSpPr/>
             <p:nvPr/>
           </p:nvSpPr>
           <p:spPr>
             <a:xfrm rot="5400000">
-              <a:off x="6372000" y="4113000"/>
-              <a:ext cx="84960" cy="187920"/>
+              <a:off x="6372360" y="4113000"/>
+              <a:ext cx="84600" cy="187560"/>
             </a:xfrm>
             <a:prstGeom prst="rect">
               <a:avLst/>
@@ -16260,14 +16184,14 @@
         </p:sp>
         <p:sp>
           <p:nvSpPr>
-            <p:cNvPr id="354" name="CustomShape 35"/>
+            <p:cNvPr id="352" name="CustomShape 35"/>
             <p:cNvSpPr/>
             <p:nvPr/>
           </p:nvSpPr>
           <p:spPr>
             <a:xfrm rot="5400000">
-              <a:off x="6379920" y="4114440"/>
-              <a:ext cx="74160" cy="193320"/>
+              <a:off x="6380280" y="4114440"/>
+              <a:ext cx="73800" cy="192960"/>
             </a:xfrm>
             <a:custGeom>
               <a:avLst/>
@@ -16335,28 +16259,28 @@
       </p:grpSp>
       <p:grpSp>
         <p:nvGrpSpPr>
-          <p:cNvPr id="355" name="Group 36"/>
+          <p:cNvPr id="353" name="Group 36"/>
           <p:cNvGrpSpPr/>
           <p:nvPr/>
         </p:nvGrpSpPr>
         <p:grpSpPr>
           <a:xfrm>
-            <a:off x="7180200" y="4166640"/>
-            <a:ext cx="193320" cy="84960"/>
-            <a:chOff x="7180200" y="4166640"/>
-            <a:chExt cx="193320" cy="84960"/>
+            <a:off x="7180560" y="4166640"/>
+            <a:ext cx="192960" cy="84600"/>
+            <a:chOff x="7180560" y="4166640"/>
+            <a:chExt cx="192960" cy="84600"/>
           </a:xfrm>
         </p:grpSpPr>
         <p:sp>
           <p:nvSpPr>
-            <p:cNvPr id="356" name="CustomShape 37"/>
+            <p:cNvPr id="354" name="CustomShape 37"/>
             <p:cNvSpPr/>
             <p:nvPr/>
           </p:nvSpPr>
           <p:spPr>
             <a:xfrm rot="5400000">
-              <a:off x="7231680" y="4115160"/>
-              <a:ext cx="84960" cy="187920"/>
+              <a:off x="7232040" y="4115160"/>
+              <a:ext cx="84600" cy="187560"/>
             </a:xfrm>
             <a:prstGeom prst="rect">
               <a:avLst/>
@@ -16382,14 +16306,14 @@
         </p:sp>
         <p:sp>
           <p:nvSpPr>
-            <p:cNvPr id="357" name="CustomShape 38"/>
+            <p:cNvPr id="355" name="CustomShape 38"/>
             <p:cNvSpPr/>
             <p:nvPr/>
           </p:nvSpPr>
           <p:spPr>
             <a:xfrm rot="5400000">
-              <a:off x="7239600" y="4116240"/>
-              <a:ext cx="74160" cy="193320"/>
+              <a:off x="7239960" y="4116240"/>
+              <a:ext cx="73800" cy="192960"/>
             </a:xfrm>
             <a:custGeom>
               <a:avLst/>
@@ -16457,28 +16381,28 @@
       </p:grpSp>
       <p:grpSp>
         <p:nvGrpSpPr>
-          <p:cNvPr id="358" name="Group 39"/>
+          <p:cNvPr id="356" name="Group 39"/>
           <p:cNvGrpSpPr/>
           <p:nvPr/>
         </p:nvGrpSpPr>
         <p:grpSpPr>
           <a:xfrm>
-            <a:off x="7184160" y="4638960"/>
-            <a:ext cx="193320" cy="84960"/>
-            <a:chOff x="7184160" y="4638960"/>
-            <a:chExt cx="193320" cy="84960"/>
+            <a:off x="7184520" y="4638960"/>
+            <a:ext cx="192960" cy="84600"/>
+            <a:chOff x="7184520" y="4638960"/>
+            <a:chExt cx="192960" cy="84600"/>
           </a:xfrm>
         </p:grpSpPr>
         <p:sp>
           <p:nvSpPr>
-            <p:cNvPr id="359" name="CustomShape 40"/>
+            <p:cNvPr id="357" name="CustomShape 40"/>
             <p:cNvSpPr/>
             <p:nvPr/>
           </p:nvSpPr>
           <p:spPr>
             <a:xfrm rot="5400000">
-              <a:off x="7235640" y="4587480"/>
-              <a:ext cx="84960" cy="187920"/>
+              <a:off x="7236000" y="4587480"/>
+              <a:ext cx="84600" cy="187560"/>
             </a:xfrm>
             <a:prstGeom prst="rect">
               <a:avLst/>
@@ -16504,14 +16428,14 @@
         </p:sp>
         <p:sp>
           <p:nvSpPr>
-            <p:cNvPr id="360" name="CustomShape 41"/>
+            <p:cNvPr id="358" name="CustomShape 41"/>
             <p:cNvSpPr/>
             <p:nvPr/>
           </p:nvSpPr>
           <p:spPr>
             <a:xfrm rot="5400000">
-              <a:off x="7243560" y="4588560"/>
-              <a:ext cx="74160" cy="193320"/>
+              <a:off x="7243920" y="4588560"/>
+              <a:ext cx="73800" cy="192960"/>
             </a:xfrm>
             <a:custGeom>
               <a:avLst/>
@@ -16579,28 +16503,28 @@
       </p:grpSp>
       <p:grpSp>
         <p:nvGrpSpPr>
-          <p:cNvPr id="361" name="Group 42"/>
+          <p:cNvPr id="359" name="Group 42"/>
           <p:cNvGrpSpPr/>
           <p:nvPr/>
         </p:nvGrpSpPr>
         <p:grpSpPr>
           <a:xfrm>
-            <a:off x="6330960" y="4652640"/>
-            <a:ext cx="193320" cy="84960"/>
-            <a:chOff x="6330960" y="4652640"/>
-            <a:chExt cx="193320" cy="84960"/>
+            <a:off x="6331320" y="4652640"/>
+            <a:ext cx="192960" cy="84600"/>
+            <a:chOff x="6331320" y="4652640"/>
+            <a:chExt cx="192960" cy="84600"/>
           </a:xfrm>
         </p:grpSpPr>
         <p:sp>
           <p:nvSpPr>
-            <p:cNvPr id="362" name="CustomShape 43"/>
+            <p:cNvPr id="360" name="CustomShape 43"/>
             <p:cNvSpPr/>
             <p:nvPr/>
           </p:nvSpPr>
           <p:spPr>
             <a:xfrm rot="5400000">
-              <a:off x="6382440" y="4601160"/>
-              <a:ext cx="84960" cy="187920"/>
+              <a:off x="6382800" y="4601160"/>
+              <a:ext cx="84600" cy="187560"/>
             </a:xfrm>
             <a:prstGeom prst="rect">
               <a:avLst/>
@@ -16626,14 +16550,14 @@
         </p:sp>
         <p:sp>
           <p:nvSpPr>
-            <p:cNvPr id="363" name="CustomShape 44"/>
+            <p:cNvPr id="361" name="CustomShape 44"/>
             <p:cNvSpPr/>
             <p:nvPr/>
           </p:nvSpPr>
           <p:spPr>
             <a:xfrm rot="5400000">
-              <a:off x="6390360" y="4602240"/>
-              <a:ext cx="74160" cy="193320"/>
+              <a:off x="6390720" y="4602240"/>
+              <a:ext cx="73800" cy="192960"/>
             </a:xfrm>
             <a:custGeom>
               <a:avLst/>
@@ -16701,28 +16625,28 @@
       </p:grpSp>
       <p:grpSp>
         <p:nvGrpSpPr>
-          <p:cNvPr id="364" name="Group 45"/>
+          <p:cNvPr id="362" name="Group 45"/>
           <p:cNvGrpSpPr/>
           <p:nvPr/>
         </p:nvGrpSpPr>
         <p:grpSpPr>
           <a:xfrm>
-            <a:off x="6330960" y="5259960"/>
-            <a:ext cx="193320" cy="84960"/>
-            <a:chOff x="6330960" y="5259960"/>
-            <a:chExt cx="193320" cy="84960"/>
+            <a:off x="6331320" y="5259960"/>
+            <a:ext cx="192960" cy="84600"/>
+            <a:chOff x="6331320" y="5259960"/>
+            <a:chExt cx="192960" cy="84600"/>
           </a:xfrm>
         </p:grpSpPr>
         <p:sp>
           <p:nvSpPr>
-            <p:cNvPr id="365" name="CustomShape 46"/>
+            <p:cNvPr id="363" name="CustomShape 46"/>
             <p:cNvSpPr/>
             <p:nvPr/>
           </p:nvSpPr>
           <p:spPr>
             <a:xfrm rot="5400000">
-              <a:off x="6382440" y="5208480"/>
-              <a:ext cx="84960" cy="187920"/>
+              <a:off x="6382800" y="5208480"/>
+              <a:ext cx="84600" cy="187560"/>
             </a:xfrm>
             <a:prstGeom prst="rect">
               <a:avLst/>
@@ -16748,14 +16672,14 @@
         </p:sp>
         <p:sp>
           <p:nvSpPr>
-            <p:cNvPr id="366" name="CustomShape 47"/>
+            <p:cNvPr id="364" name="CustomShape 47"/>
             <p:cNvSpPr/>
             <p:nvPr/>
           </p:nvSpPr>
           <p:spPr>
             <a:xfrm rot="5400000">
-              <a:off x="6390360" y="5209560"/>
-              <a:ext cx="74160" cy="193320"/>
+              <a:off x="6390720" y="5209560"/>
+              <a:ext cx="73800" cy="192960"/>
             </a:xfrm>
             <a:custGeom>
               <a:avLst/>
@@ -16823,28 +16747,28 @@
       </p:grpSp>
       <p:grpSp>
         <p:nvGrpSpPr>
-          <p:cNvPr id="367" name="Group 48"/>
+          <p:cNvPr id="365" name="Group 48"/>
           <p:cNvGrpSpPr/>
           <p:nvPr/>
         </p:nvGrpSpPr>
         <p:grpSpPr>
           <a:xfrm>
-            <a:off x="7180200" y="5250600"/>
-            <a:ext cx="193320" cy="84960"/>
-            <a:chOff x="7180200" y="5250600"/>
-            <a:chExt cx="193320" cy="84960"/>
+            <a:off x="7180560" y="5250600"/>
+            <a:ext cx="192960" cy="84600"/>
+            <a:chOff x="7180560" y="5250600"/>
+            <a:chExt cx="192960" cy="84600"/>
           </a:xfrm>
         </p:grpSpPr>
         <p:sp>
           <p:nvSpPr>
-            <p:cNvPr id="368" name="CustomShape 49"/>
+            <p:cNvPr id="366" name="CustomShape 49"/>
             <p:cNvSpPr/>
             <p:nvPr/>
           </p:nvSpPr>
           <p:spPr>
             <a:xfrm rot="5400000">
-              <a:off x="7231680" y="5199120"/>
-              <a:ext cx="84960" cy="187920"/>
+              <a:off x="7232040" y="5199120"/>
+              <a:ext cx="84600" cy="187560"/>
             </a:xfrm>
             <a:prstGeom prst="rect">
               <a:avLst/>
@@ -16870,14 +16794,14 @@
         </p:sp>
         <p:sp>
           <p:nvSpPr>
-            <p:cNvPr id="369" name="CustomShape 50"/>
+            <p:cNvPr id="367" name="CustomShape 50"/>
             <p:cNvSpPr/>
             <p:nvPr/>
           </p:nvSpPr>
           <p:spPr>
             <a:xfrm rot="5400000">
-              <a:off x="7239600" y="5200200"/>
-              <a:ext cx="74160" cy="193320"/>
+              <a:off x="7239960" y="5200200"/>
+              <a:ext cx="73800" cy="192960"/>
             </a:xfrm>
             <a:custGeom>
               <a:avLst/>
@@ -16945,14 +16869,14 @@
       </p:grpSp>
       <p:sp>
         <p:nvSpPr>
-          <p:cNvPr id="370" name="CustomShape 51"/>
+          <p:cNvPr id="368" name="CustomShape 51"/>
           <p:cNvSpPr/>
           <p:nvPr/>
         </p:nvSpPr>
         <p:spPr>
           <a:xfrm>
             <a:off x="5177160" y="1928160"/>
-            <a:ext cx="522000" cy="279720"/>
+            <a:ext cx="521640" cy="279360"/>
           </a:xfrm>
           <a:prstGeom prst="rect">
             <a:avLst/>
@@ -17004,14 +16928,14 @@
       </p:sp>
       <p:sp>
         <p:nvSpPr>
-          <p:cNvPr id="371" name="CustomShape 52"/>
+          <p:cNvPr id="369" name="CustomShape 52"/>
           <p:cNvSpPr/>
           <p:nvPr/>
         </p:nvSpPr>
         <p:spPr>
           <a:xfrm>
             <a:off x="5624280" y="2786760"/>
-            <a:ext cx="635400" cy="279720"/>
+            <a:ext cx="635040" cy="279360"/>
           </a:xfrm>
           <a:prstGeom prst="rect">
             <a:avLst/>
@@ -17073,14 +16997,14 @@
       </p:sp>
       <p:sp>
         <p:nvSpPr>
-          <p:cNvPr id="372" name="CustomShape 53"/>
+          <p:cNvPr id="370" name="CustomShape 53"/>
           <p:cNvSpPr/>
           <p:nvPr/>
         </p:nvSpPr>
         <p:spPr>
           <a:xfrm>
             <a:off x="5193000" y="1408320"/>
-            <a:ext cx="415440" cy="279720"/>
+            <a:ext cx="415080" cy="279360"/>
           </a:xfrm>
           <a:prstGeom prst="rect">
             <a:avLst/>
@@ -17132,14 +17056,14 @@
       </p:sp>
       <p:sp>
         <p:nvSpPr>
-          <p:cNvPr id="373" name="CustomShape 54"/>
+          <p:cNvPr id="371" name="CustomShape 54"/>
           <p:cNvSpPr/>
           <p:nvPr/>
         </p:nvSpPr>
         <p:spPr>
           <a:xfrm>
             <a:off x="6761880" y="1410840"/>
-            <a:ext cx="731880" cy="270720"/>
+            <a:ext cx="731520" cy="270360"/>
           </a:xfrm>
           <a:prstGeom prst="rect">
             <a:avLst/>
@@ -17201,14 +17125,14 @@
       </p:sp>
       <p:sp>
         <p:nvSpPr>
-          <p:cNvPr id="374" name="CustomShape 55"/>
+          <p:cNvPr id="372" name="CustomShape 55"/>
           <p:cNvSpPr/>
           <p:nvPr/>
         </p:nvSpPr>
         <p:spPr>
           <a:xfrm>
             <a:off x="6215760" y="2630160"/>
-            <a:ext cx="626400" cy="270720"/>
+            <a:ext cx="626040" cy="270360"/>
           </a:xfrm>
           <a:prstGeom prst="rect">
             <a:avLst/>
@@ -17260,14 +17184,14 @@
       </p:sp>
       <p:sp>
         <p:nvSpPr>
-          <p:cNvPr id="375" name="CustomShape 56"/>
+          <p:cNvPr id="373" name="CustomShape 56"/>
           <p:cNvSpPr/>
           <p:nvPr/>
         </p:nvSpPr>
         <p:spPr>
           <a:xfrm>
             <a:off x="5689800" y="2029680"/>
-            <a:ext cx="91800" cy="102600"/>
+            <a:ext cx="91440" cy="102240"/>
           </a:xfrm>
           <a:prstGeom prst="ellipse">
             <a:avLst/>
@@ -17296,28 +17220,28 @@
       </p:sp>
       <p:grpSp>
         <p:nvGrpSpPr>
-          <p:cNvPr id="376" name="Group 57"/>
+          <p:cNvPr id="374" name="Group 57"/>
           <p:cNvGrpSpPr/>
           <p:nvPr/>
         </p:nvGrpSpPr>
         <p:grpSpPr>
           <a:xfrm>
             <a:off x="5688720" y="2213280"/>
-            <a:ext cx="84960" cy="193320"/>
+            <a:ext cx="84600" cy="192960"/>
             <a:chOff x="5688720" y="2213280"/>
-            <a:chExt cx="84960" cy="193320"/>
+            <a:chExt cx="84600" cy="192960"/>
           </a:xfrm>
         </p:grpSpPr>
         <p:sp>
           <p:nvSpPr>
-            <p:cNvPr id="377" name="CustomShape 58"/>
+            <p:cNvPr id="375" name="CustomShape 58"/>
             <p:cNvSpPr/>
             <p:nvPr/>
           </p:nvSpPr>
           <p:spPr>
             <a:xfrm>
               <a:off x="5688720" y="2218320"/>
-              <a:ext cx="84960" cy="187920"/>
+              <a:ext cx="84600" cy="187560"/>
             </a:xfrm>
             <a:prstGeom prst="rect">
               <a:avLst/>
@@ -17343,14 +17267,14 @@
         </p:sp>
         <p:sp>
           <p:nvSpPr>
-            <p:cNvPr id="378" name="CustomShape 59"/>
+            <p:cNvPr id="376" name="CustomShape 59"/>
             <p:cNvSpPr/>
             <p:nvPr/>
           </p:nvSpPr>
           <p:spPr>
             <a:xfrm>
               <a:off x="5698080" y="2213280"/>
-              <a:ext cx="74160" cy="193320"/>
+              <a:ext cx="73800" cy="192960"/>
             </a:xfrm>
             <a:custGeom>
               <a:avLst/>
@@ -17418,28 +17342,28 @@
       </p:grpSp>
       <p:grpSp>
         <p:nvGrpSpPr>
-          <p:cNvPr id="379" name="Group 60"/>
+          <p:cNvPr id="377" name="Group 60"/>
           <p:cNvGrpSpPr/>
           <p:nvPr/>
         </p:nvGrpSpPr>
         <p:grpSpPr>
           <a:xfrm>
             <a:off x="5691240" y="1677960"/>
-            <a:ext cx="84960" cy="193320"/>
+            <a:ext cx="84600" cy="192960"/>
             <a:chOff x="5691240" y="1677960"/>
-            <a:chExt cx="84960" cy="193320"/>
+            <a:chExt cx="84600" cy="192960"/>
           </a:xfrm>
         </p:grpSpPr>
         <p:sp>
           <p:nvSpPr>
-            <p:cNvPr id="380" name="CustomShape 61"/>
+            <p:cNvPr id="378" name="CustomShape 61"/>
             <p:cNvSpPr/>
             <p:nvPr/>
           </p:nvSpPr>
           <p:spPr>
             <a:xfrm>
               <a:off x="5691240" y="1683360"/>
-              <a:ext cx="84960" cy="187920"/>
+              <a:ext cx="84600" cy="187560"/>
             </a:xfrm>
             <a:prstGeom prst="rect">
               <a:avLst/>
@@ -17465,14 +17389,14 @@
         </p:sp>
         <p:sp>
           <p:nvSpPr>
-            <p:cNvPr id="381" name="CustomShape 62"/>
+            <p:cNvPr id="379" name="CustomShape 62"/>
             <p:cNvSpPr/>
             <p:nvPr/>
           </p:nvSpPr>
           <p:spPr>
             <a:xfrm>
               <a:off x="5700600" y="1677960"/>
-              <a:ext cx="74160" cy="193320"/>
+              <a:ext cx="73800" cy="192960"/>
             </a:xfrm>
             <a:custGeom>
               <a:avLst/>
@@ -17540,14 +17464,14 @@
       </p:grpSp>
       <p:sp>
         <p:nvSpPr>
-          <p:cNvPr id="382" name="CustomShape 63"/>
+          <p:cNvPr id="380" name="CustomShape 63"/>
           <p:cNvSpPr/>
           <p:nvPr/>
         </p:nvSpPr>
         <p:spPr>
           <a:xfrm>
             <a:off x="5688720" y="1478520"/>
-            <a:ext cx="91800" cy="102600"/>
+            <a:ext cx="91440" cy="102240"/>
           </a:xfrm>
           <a:prstGeom prst="ellipse">
             <a:avLst/>
@@ -17576,14 +17500,14 @@
       </p:sp>
       <p:sp>
         <p:nvSpPr>
-          <p:cNvPr id="383" name="CustomShape 64"/>
+          <p:cNvPr id="381" name="CustomShape 64"/>
           <p:cNvSpPr/>
           <p:nvPr/>
         </p:nvSpPr>
         <p:spPr>
           <a:xfrm>
             <a:off x="6053040" y="3275640"/>
-            <a:ext cx="606240" cy="270720"/>
+            <a:ext cx="605880" cy="270360"/>
           </a:xfrm>
           <a:prstGeom prst="rect">
             <a:avLst/>
@@ -17635,14 +17559,14 @@
       </p:sp>
       <p:sp>
         <p:nvSpPr>
-          <p:cNvPr id="384" name="CustomShape 65"/>
+          <p:cNvPr id="382" name="CustomShape 65"/>
           <p:cNvSpPr/>
           <p:nvPr/>
         </p:nvSpPr>
         <p:spPr>
           <a:xfrm>
             <a:off x="5694480" y="2362680"/>
-            <a:ext cx="606240" cy="270720"/>
+            <a:ext cx="605880" cy="270360"/>
           </a:xfrm>
           <a:prstGeom prst="rect">
             <a:avLst/>
@@ -17694,14 +17618,14 @@
       </p:sp>
       <p:sp>
         <p:nvSpPr>
-          <p:cNvPr id="385" name="CustomShape 66"/>
+          <p:cNvPr id="383" name="CustomShape 66"/>
           <p:cNvSpPr/>
           <p:nvPr/>
         </p:nvSpPr>
         <p:spPr>
           <a:xfrm>
             <a:off x="5811120" y="1523880"/>
-            <a:ext cx="938520" cy="360"/>
+            <a:ext cx="938160" cy="360"/>
           </a:xfrm>
           <a:custGeom>
             <a:avLst/>
@@ -17744,14 +17668,14 @@
       </p:sp>
       <p:sp>
         <p:nvSpPr>
-          <p:cNvPr id="386" name="CustomShape 67"/>
+          <p:cNvPr id="384" name="CustomShape 67"/>
           <p:cNvSpPr/>
           <p:nvPr/>
         </p:nvSpPr>
         <p:spPr>
           <a:xfrm>
             <a:off x="6016320" y="1248840"/>
-            <a:ext cx="626400" cy="270720"/>
+            <a:ext cx="626040" cy="270360"/>
           </a:xfrm>
           <a:prstGeom prst="rect">
             <a:avLst/>
@@ -17803,14 +17727,14 @@
       </p:sp>
       <p:sp>
         <p:nvSpPr>
-          <p:cNvPr id="387" name="CustomShape 68"/>
+          <p:cNvPr id="385" name="CustomShape 68"/>
           <p:cNvSpPr/>
           <p:nvPr/>
         </p:nvSpPr>
         <p:spPr>
           <a:xfrm>
             <a:off x="5534640" y="996120"/>
-            <a:ext cx="606240" cy="270720"/>
+            <a:ext cx="605880" cy="270360"/>
           </a:xfrm>
           <a:prstGeom prst="rect">
             <a:avLst/>
@@ -17862,14 +17786,14 @@
       </p:sp>
       <p:sp>
         <p:nvSpPr>
-          <p:cNvPr id="388" name="CustomShape 69"/>
+          <p:cNvPr id="386" name="CustomShape 69"/>
           <p:cNvSpPr/>
           <p:nvPr/>
         </p:nvSpPr>
         <p:spPr>
           <a:xfrm>
             <a:off x="5659920" y="4117320"/>
-            <a:ext cx="162000" cy="204120"/>
+            <a:ext cx="161640" cy="203760"/>
           </a:xfrm>
           <a:prstGeom prst="ellipse">
             <a:avLst/>
@@ -17898,28 +17822,28 @@
       </p:sp>
       <p:grpSp>
         <p:nvGrpSpPr>
-          <p:cNvPr id="389" name="Group 70"/>
+          <p:cNvPr id="387" name="Group 70"/>
           <p:cNvGrpSpPr/>
           <p:nvPr/>
         </p:nvGrpSpPr>
         <p:grpSpPr>
           <a:xfrm>
             <a:off x="5692320" y="3689640"/>
-            <a:ext cx="84960" cy="193320"/>
+            <a:ext cx="84600" cy="192960"/>
             <a:chOff x="5692320" y="3689640"/>
-            <a:chExt cx="84960" cy="193320"/>
+            <a:chExt cx="84600" cy="192960"/>
           </a:xfrm>
         </p:grpSpPr>
         <p:sp>
           <p:nvSpPr>
-            <p:cNvPr id="390" name="CustomShape 71"/>
+            <p:cNvPr id="388" name="CustomShape 71"/>
             <p:cNvSpPr/>
             <p:nvPr/>
           </p:nvSpPr>
           <p:spPr>
             <a:xfrm>
               <a:off x="5692320" y="3695040"/>
-              <a:ext cx="84960" cy="187920"/>
+              <a:ext cx="84600" cy="187560"/>
             </a:xfrm>
             <a:prstGeom prst="rect">
               <a:avLst/>
@@ -17945,14 +17869,14 @@
         </p:sp>
         <p:sp>
           <p:nvSpPr>
-            <p:cNvPr id="391" name="CustomShape 72"/>
+            <p:cNvPr id="389" name="CustomShape 72"/>
             <p:cNvSpPr/>
             <p:nvPr/>
           </p:nvSpPr>
           <p:spPr>
             <a:xfrm>
               <a:off x="5701680" y="3689640"/>
-              <a:ext cx="74160" cy="193320"/>
+              <a:ext cx="73800" cy="192960"/>
             </a:xfrm>
             <a:custGeom>
               <a:avLst/>
@@ -18020,14 +17944,14 @@
       </p:grpSp>
       <p:sp>
         <p:nvSpPr>
-          <p:cNvPr id="392" name="CustomShape 73"/>
+          <p:cNvPr id="390" name="CustomShape 73"/>
           <p:cNvSpPr/>
           <p:nvPr/>
         </p:nvSpPr>
         <p:spPr>
           <a:xfrm>
             <a:off x="5685840" y="5120640"/>
-            <a:ext cx="162000" cy="204120"/>
+            <a:ext cx="161640" cy="203760"/>
           </a:xfrm>
           <a:prstGeom prst="ellipse">
             <a:avLst/>
@@ -18056,14 +17980,14 @@
       </p:sp>
       <p:sp>
         <p:nvSpPr>
-          <p:cNvPr id="393" name="CustomShape 74"/>
+          <p:cNvPr id="391" name="CustomShape 74"/>
           <p:cNvSpPr/>
           <p:nvPr/>
         </p:nvSpPr>
         <p:spPr>
           <a:xfrm>
             <a:off x="4983120" y="5004720"/>
-            <a:ext cx="662040" cy="296640"/>
+            <a:ext cx="661680" cy="296280"/>
           </a:xfrm>
           <a:prstGeom prst="rect">
             <a:avLst/>
@@ -18115,28 +18039,28 @@
       </p:sp>
       <p:grpSp>
         <p:nvGrpSpPr>
-          <p:cNvPr id="394" name="Group 75"/>
+          <p:cNvPr id="392" name="Group 75"/>
           <p:cNvGrpSpPr/>
           <p:nvPr/>
         </p:nvGrpSpPr>
         <p:grpSpPr>
           <a:xfrm>
             <a:off x="5715000" y="4609800"/>
-            <a:ext cx="84960" cy="193320"/>
+            <a:ext cx="84600" cy="192960"/>
             <a:chOff x="5715000" y="4609800"/>
-            <a:chExt cx="84960" cy="193320"/>
+            <a:chExt cx="84600" cy="192960"/>
           </a:xfrm>
         </p:grpSpPr>
         <p:sp>
           <p:nvSpPr>
-            <p:cNvPr id="395" name="CustomShape 76"/>
+            <p:cNvPr id="393" name="CustomShape 76"/>
             <p:cNvSpPr/>
             <p:nvPr/>
           </p:nvSpPr>
           <p:spPr>
             <a:xfrm>
               <a:off x="5715000" y="4615200"/>
-              <a:ext cx="84960" cy="187920"/>
+              <a:ext cx="84600" cy="187560"/>
             </a:xfrm>
             <a:prstGeom prst="rect">
               <a:avLst/>
@@ -18162,14 +18086,14 @@
         </p:sp>
         <p:sp>
           <p:nvSpPr>
-            <p:cNvPr id="396" name="CustomShape 77"/>
+            <p:cNvPr id="394" name="CustomShape 77"/>
             <p:cNvSpPr/>
             <p:nvPr/>
           </p:nvSpPr>
           <p:spPr>
             <a:xfrm>
               <a:off x="5724360" y="4609800"/>
-              <a:ext cx="74160" cy="193320"/>
+              <a:ext cx="73800" cy="192960"/>
             </a:xfrm>
             <a:custGeom>
               <a:avLst/>
@@ -18237,14 +18161,14 @@
       </p:grpSp>
       <p:sp>
         <p:nvSpPr>
-          <p:cNvPr id="397" name="CustomShape 78"/>
+          <p:cNvPr id="395" name="CustomShape 78"/>
           <p:cNvSpPr/>
           <p:nvPr/>
         </p:nvSpPr>
         <p:spPr>
           <a:xfrm>
             <a:off x="6782760" y="2660040"/>
-            <a:ext cx="710640" cy="538920"/>
+            <a:ext cx="710280" cy="538560"/>
           </a:xfrm>
           <a:prstGeom prst="rect">
             <a:avLst/>
@@ -18276,14 +18200,14 @@
       </p:sp>
       <p:sp>
         <p:nvSpPr>
-          <p:cNvPr id="398" name="CustomShape 79"/>
+          <p:cNvPr id="396" name="CustomShape 79"/>
           <p:cNvSpPr/>
           <p:nvPr/>
         </p:nvSpPr>
         <p:spPr>
           <a:xfrm flipH="1">
             <a:off x="6180840" y="2929680"/>
-            <a:ext cx="600840" cy="360"/>
+            <a:ext cx="600480" cy="360"/>
           </a:xfrm>
           <a:custGeom>
             <a:avLst/>
@@ -18326,14 +18250,14 @@
       </p:sp>
       <p:sp>
         <p:nvSpPr>
-          <p:cNvPr id="399" name="CustomShape 80"/>
+          <p:cNvPr id="397" name="CustomShape 80"/>
           <p:cNvSpPr/>
           <p:nvPr/>
         </p:nvSpPr>
         <p:spPr>
           <a:xfrm>
             <a:off x="6786000" y="2786040"/>
-            <a:ext cx="635400" cy="279720"/>
+            <a:ext cx="635040" cy="279360"/>
           </a:xfrm>
           <a:prstGeom prst="rect">
             <a:avLst/>
@@ -18405,14 +18329,14 @@
       </p:sp>
       <p:sp>
         <p:nvSpPr>
-          <p:cNvPr id="400" name="CustomShape 81"/>
+          <p:cNvPr id="398" name="CustomShape 81"/>
           <p:cNvSpPr/>
           <p:nvPr/>
         </p:nvSpPr>
         <p:spPr>
           <a:xfrm rot="16200000">
-            <a:off x="1764720" y="4414320"/>
-            <a:ext cx="687960" cy="249840"/>
+            <a:off x="1764720" y="4414680"/>
+            <a:ext cx="687600" cy="249480"/>
           </a:xfrm>
           <a:prstGeom prst="rect">
             <a:avLst/>
@@ -18454,14 +18378,14 @@
       </p:sp>
       <p:sp>
         <p:nvSpPr>
-          <p:cNvPr id="401" name="CustomShape 82"/>
+          <p:cNvPr id="399" name="CustomShape 82"/>
           <p:cNvSpPr/>
           <p:nvPr/>
         </p:nvSpPr>
         <p:spPr>
           <a:xfrm flipH="1" flipV="1">
             <a:off x="6038640" y="3191040"/>
-            <a:ext cx="6840" cy="912600"/>
+            <a:ext cx="6480" cy="912240"/>
           </a:xfrm>
           <a:custGeom>
             <a:avLst/>
@@ -18503,28 +18427,28 @@
       </p:sp>
       <p:grpSp>
         <p:nvGrpSpPr>
-          <p:cNvPr id="402" name="Group 83"/>
+          <p:cNvPr id="400" name="Group 83"/>
           <p:cNvGrpSpPr/>
           <p:nvPr/>
         </p:nvGrpSpPr>
         <p:grpSpPr>
           <a:xfrm>
             <a:off x="5988240" y="3686040"/>
-            <a:ext cx="84960" cy="193320"/>
+            <a:ext cx="84600" cy="192960"/>
             <a:chOff x="5988240" y="3686040"/>
-            <a:chExt cx="84960" cy="193320"/>
+            <a:chExt cx="84600" cy="192960"/>
           </a:xfrm>
         </p:grpSpPr>
         <p:sp>
           <p:nvSpPr>
-            <p:cNvPr id="403" name="CustomShape 84"/>
+            <p:cNvPr id="401" name="CustomShape 84"/>
             <p:cNvSpPr/>
             <p:nvPr/>
           </p:nvSpPr>
           <p:spPr>
             <a:xfrm>
               <a:off x="5988240" y="3691440"/>
-              <a:ext cx="84960" cy="187920"/>
+              <a:ext cx="84600" cy="187560"/>
             </a:xfrm>
             <a:prstGeom prst="rect">
               <a:avLst/>
@@ -18550,14 +18474,14 @@
         </p:sp>
         <p:sp>
           <p:nvSpPr>
-            <p:cNvPr id="404" name="CustomShape 85"/>
+            <p:cNvPr id="402" name="CustomShape 85"/>
             <p:cNvSpPr/>
             <p:nvPr/>
           </p:nvSpPr>
           <p:spPr>
             <a:xfrm>
               <a:off x="5997600" y="3686040"/>
-              <a:ext cx="74160" cy="193320"/>
+              <a:ext cx="73800" cy="192960"/>
             </a:xfrm>
             <a:custGeom>
               <a:avLst/>
@@ -18625,14 +18549,14 @@
       </p:grpSp>
       <p:sp>
         <p:nvSpPr>
-          <p:cNvPr id="405" name="CustomShape 86"/>
+          <p:cNvPr id="403" name="CustomShape 86"/>
           <p:cNvSpPr/>
           <p:nvPr/>
         </p:nvSpPr>
         <p:spPr>
           <a:xfrm>
             <a:off x="2860560" y="1312560"/>
-            <a:ext cx="45360" cy="2927880"/>
+            <a:ext cx="45000" cy="2927520"/>
           </a:xfrm>
           <a:custGeom>
             <a:avLst/>
@@ -18674,14 +18598,14 @@
       </p:sp>
       <p:sp>
         <p:nvSpPr>
-          <p:cNvPr id="406" name="CustomShape 87"/>
+          <p:cNvPr id="404" name="CustomShape 87"/>
           <p:cNvSpPr/>
           <p:nvPr/>
         </p:nvSpPr>
         <p:spPr>
           <a:xfrm>
             <a:off x="2824560" y="4035960"/>
-            <a:ext cx="162000" cy="204120"/>
+            <a:ext cx="161640" cy="203760"/>
           </a:xfrm>
           <a:prstGeom prst="ellipse">
             <a:avLst/>
@@ -18710,14 +18634,14 @@
       </p:sp>
       <p:sp>
         <p:nvSpPr>
-          <p:cNvPr id="407" name="CustomShape 88"/>
+          <p:cNvPr id="405" name="CustomShape 88"/>
           <p:cNvSpPr/>
           <p:nvPr/>
         </p:nvSpPr>
         <p:spPr>
           <a:xfrm>
             <a:off x="4424040" y="4035960"/>
-            <a:ext cx="162000" cy="204120"/>
+            <a:ext cx="161640" cy="203760"/>
           </a:xfrm>
           <a:prstGeom prst="ellipse">
             <a:avLst/>
@@ -18746,14 +18670,14 @@
       </p:sp>
       <p:sp>
         <p:nvSpPr>
-          <p:cNvPr id="408" name="CustomShape 89"/>
+          <p:cNvPr id="406" name="CustomShape 89"/>
           <p:cNvSpPr/>
           <p:nvPr/>
         </p:nvSpPr>
         <p:spPr>
           <a:xfrm flipH="1">
             <a:off x="2986560" y="4138560"/>
-            <a:ext cx="1436040" cy="360"/>
+            <a:ext cx="1435680" cy="360"/>
           </a:xfrm>
           <a:custGeom>
             <a:avLst/>
@@ -18794,14 +18718,14 @@
       </p:sp>
       <p:sp>
         <p:nvSpPr>
-          <p:cNvPr id="409" name="CustomShape 90"/>
+          <p:cNvPr id="407" name="CustomShape 90"/>
           <p:cNvSpPr/>
           <p:nvPr/>
         </p:nvSpPr>
         <p:spPr>
           <a:xfrm>
             <a:off x="3631320" y="4046040"/>
-            <a:ext cx="162000" cy="204120"/>
+            <a:ext cx="161640" cy="203760"/>
           </a:xfrm>
           <a:prstGeom prst="ellipse">
             <a:avLst/>
@@ -18830,14 +18754,14 @@
       </p:sp>
       <p:sp>
         <p:nvSpPr>
-          <p:cNvPr id="410" name="CustomShape 91"/>
+          <p:cNvPr id="408" name="CustomShape 91"/>
           <p:cNvSpPr/>
           <p:nvPr/>
         </p:nvSpPr>
         <p:spPr>
           <a:xfrm>
             <a:off x="4444200" y="4509360"/>
-            <a:ext cx="162000" cy="204120"/>
+            <a:ext cx="161640" cy="203760"/>
           </a:xfrm>
           <a:prstGeom prst="ellipse">
             <a:avLst/>
@@ -18866,14 +18790,14 @@
       </p:sp>
       <p:sp>
         <p:nvSpPr>
-          <p:cNvPr id="411" name="CustomShape 92"/>
+          <p:cNvPr id="409" name="CustomShape 92"/>
           <p:cNvSpPr/>
           <p:nvPr/>
         </p:nvSpPr>
         <p:spPr>
           <a:xfrm flipH="1">
-            <a:off x="3297960" y="4611600"/>
-            <a:ext cx="1144800" cy="13320"/>
+            <a:off x="3297240" y="4611600"/>
+            <a:ext cx="1144440" cy="12960"/>
           </a:xfrm>
           <a:custGeom>
             <a:avLst/>
@@ -18914,14 +18838,14 @@
       </p:sp>
       <p:sp>
         <p:nvSpPr>
-          <p:cNvPr id="412" name="CustomShape 93"/>
+          <p:cNvPr id="410" name="CustomShape 93"/>
           <p:cNvSpPr/>
           <p:nvPr/>
         </p:nvSpPr>
         <p:spPr>
           <a:xfrm>
             <a:off x="3651480" y="4519080"/>
-            <a:ext cx="162000" cy="204120"/>
+            <a:ext cx="161640" cy="203760"/>
           </a:xfrm>
           <a:prstGeom prst="ellipse">
             <a:avLst/>
@@ -18950,14 +18874,14 @@
       </p:sp>
       <p:sp>
         <p:nvSpPr>
-          <p:cNvPr id="413" name="CustomShape 94"/>
+          <p:cNvPr id="411" name="CustomShape 94"/>
           <p:cNvSpPr/>
           <p:nvPr/>
         </p:nvSpPr>
         <p:spPr>
           <a:xfrm>
             <a:off x="4444200" y="5122080"/>
-            <a:ext cx="162000" cy="204120"/>
+            <a:ext cx="161640" cy="203760"/>
           </a:xfrm>
           <a:prstGeom prst="ellipse">
             <a:avLst/>
@@ -18986,14 +18910,14 @@
       </p:sp>
       <p:sp>
         <p:nvSpPr>
-          <p:cNvPr id="414" name="CustomShape 95"/>
+          <p:cNvPr id="412" name="CustomShape 95"/>
           <p:cNvSpPr/>
           <p:nvPr/>
         </p:nvSpPr>
         <p:spPr>
           <a:xfrm flipH="1">
             <a:off x="3296160" y="5224320"/>
-            <a:ext cx="1146600" cy="8640"/>
+            <a:ext cx="1146240" cy="8280"/>
           </a:xfrm>
           <a:custGeom>
             <a:avLst/>
@@ -19034,14 +18958,14 @@
       </p:sp>
       <p:sp>
         <p:nvSpPr>
-          <p:cNvPr id="415" name="CustomShape 96"/>
+          <p:cNvPr id="413" name="CustomShape 96"/>
           <p:cNvSpPr/>
           <p:nvPr/>
         </p:nvSpPr>
         <p:spPr>
           <a:xfrm>
             <a:off x="3651480" y="5131800"/>
-            <a:ext cx="162000" cy="204120"/>
+            <a:ext cx="161640" cy="203760"/>
           </a:xfrm>
           <a:prstGeom prst="ellipse">
             <a:avLst/>
@@ -19070,14 +18994,14 @@
       </p:sp>
       <p:sp>
         <p:nvSpPr>
-          <p:cNvPr id="416" name="CustomShape 97"/>
+          <p:cNvPr id="414" name="CustomShape 97"/>
           <p:cNvSpPr/>
           <p:nvPr/>
         </p:nvSpPr>
         <p:spPr>
           <a:xfrm>
             <a:off x="2883600" y="5583600"/>
-            <a:ext cx="574920" cy="249840"/>
+            <a:ext cx="574560" cy="249480"/>
           </a:xfrm>
           <a:prstGeom prst="rect">
             <a:avLst/>
@@ -19119,14 +19043,14 @@
       </p:sp>
       <p:sp>
         <p:nvSpPr>
-          <p:cNvPr id="417" name="CustomShape 98"/>
+          <p:cNvPr id="415" name="CustomShape 98"/>
           <p:cNvSpPr/>
           <p:nvPr/>
         </p:nvSpPr>
         <p:spPr>
           <a:xfrm>
             <a:off x="3502440" y="5599440"/>
-            <a:ext cx="1476720" cy="249840"/>
+            <a:ext cx="1476360" cy="249480"/>
           </a:xfrm>
           <a:prstGeom prst="rect">
             <a:avLst/>
@@ -19168,14 +19092,14 @@
       </p:sp>
       <p:sp>
         <p:nvSpPr>
-          <p:cNvPr id="418" name="CustomShape 99"/>
+          <p:cNvPr id="416" name="CustomShape 99"/>
           <p:cNvSpPr/>
           <p:nvPr/>
         </p:nvSpPr>
         <p:spPr>
           <a:xfrm>
             <a:off x="3477240" y="4212720"/>
-            <a:ext cx="672840" cy="296640"/>
+            <a:ext cx="672480" cy="296280"/>
           </a:xfrm>
           <a:prstGeom prst="rect">
             <a:avLst/>
@@ -19237,14 +19161,14 @@
       </p:sp>
       <p:sp>
         <p:nvSpPr>
-          <p:cNvPr id="419" name="CustomShape 100"/>
+          <p:cNvPr id="417" name="CustomShape 100"/>
           <p:cNvSpPr/>
           <p:nvPr/>
         </p:nvSpPr>
         <p:spPr>
           <a:xfrm>
             <a:off x="3477240" y="4701240"/>
-            <a:ext cx="672840" cy="296640"/>
+            <a:ext cx="672480" cy="296280"/>
           </a:xfrm>
           <a:prstGeom prst="rect">
             <a:avLst/>
@@ -19306,14 +19230,14 @@
       </p:sp>
       <p:sp>
         <p:nvSpPr>
-          <p:cNvPr id="420" name="CustomShape 101"/>
+          <p:cNvPr id="418" name="CustomShape 101"/>
           <p:cNvSpPr/>
           <p:nvPr/>
         </p:nvSpPr>
         <p:spPr>
           <a:xfrm>
             <a:off x="3528360" y="5303520"/>
-            <a:ext cx="672840" cy="296640"/>
+            <a:ext cx="672480" cy="296280"/>
           </a:xfrm>
           <a:prstGeom prst="rect">
             <a:avLst/>
@@ -19365,14 +19289,14 @@
       </p:sp>
       <p:sp>
         <p:nvSpPr>
-          <p:cNvPr id="421" name="CustomShape 102"/>
+          <p:cNvPr id="419" name="CustomShape 102"/>
           <p:cNvSpPr/>
           <p:nvPr/>
         </p:nvSpPr>
         <p:spPr>
           <a:xfrm flipH="1" flipV="1">
-            <a:off x="2962800" y="4210200"/>
-            <a:ext cx="234720" cy="415080"/>
+            <a:off x="2962080" y="4210200"/>
+            <a:ext cx="234360" cy="414720"/>
           </a:xfrm>
           <a:custGeom>
             <a:avLst/>
@@ -19413,14 +19337,14 @@
       </p:sp>
       <p:sp>
         <p:nvSpPr>
-          <p:cNvPr id="422" name="CustomShape 103"/>
+          <p:cNvPr id="420" name="CustomShape 103"/>
           <p:cNvSpPr/>
           <p:nvPr/>
         </p:nvSpPr>
         <p:spPr>
           <a:xfrm>
             <a:off x="2185920" y="3942720"/>
-            <a:ext cx="662040" cy="296640"/>
+            <a:ext cx="661680" cy="296280"/>
           </a:xfrm>
           <a:prstGeom prst="rect">
             <a:avLst/>
@@ -19472,14 +19396,14 @@
       </p:sp>
       <p:sp>
         <p:nvSpPr>
-          <p:cNvPr id="423" name="CustomShape 104"/>
+          <p:cNvPr id="421" name="CustomShape 104"/>
           <p:cNvSpPr/>
           <p:nvPr/>
         </p:nvSpPr>
         <p:spPr>
           <a:xfrm>
             <a:off x="4417560" y="4188960"/>
-            <a:ext cx="519120" cy="296640"/>
+            <a:ext cx="518760" cy="296280"/>
           </a:xfrm>
           <a:prstGeom prst="rect">
             <a:avLst/>
@@ -19541,14 +19465,14 @@
       </p:sp>
       <p:sp>
         <p:nvSpPr>
-          <p:cNvPr id="424" name="CustomShape 105"/>
+          <p:cNvPr id="422" name="CustomShape 105"/>
           <p:cNvSpPr/>
           <p:nvPr/>
         </p:nvSpPr>
         <p:spPr>
           <a:xfrm>
             <a:off x="4425480" y="4711320"/>
-            <a:ext cx="519120" cy="296640"/>
+            <a:ext cx="518760" cy="296280"/>
           </a:xfrm>
           <a:prstGeom prst="rect">
             <a:avLst/>
@@ -19610,14 +19534,14 @@
       </p:sp>
       <p:sp>
         <p:nvSpPr>
-          <p:cNvPr id="425" name="CustomShape 106"/>
+          <p:cNvPr id="423" name="CustomShape 106"/>
           <p:cNvSpPr/>
           <p:nvPr/>
         </p:nvSpPr>
         <p:spPr>
           <a:xfrm>
             <a:off x="4434480" y="5308200"/>
-            <a:ext cx="518760" cy="296640"/>
+            <a:ext cx="518400" cy="296280"/>
           </a:xfrm>
           <a:prstGeom prst="rect">
             <a:avLst/>
@@ -19669,14 +19593,14 @@
       </p:sp>
       <p:sp>
         <p:nvSpPr>
-          <p:cNvPr id="426" name="CustomShape 107"/>
+          <p:cNvPr id="424" name="CustomShape 107"/>
           <p:cNvSpPr/>
           <p:nvPr/>
         </p:nvSpPr>
         <p:spPr>
           <a:xfrm flipH="1" rot="16200000">
-            <a:off x="2556000" y="4590720"/>
-            <a:ext cx="992160" cy="292320"/>
+            <a:off x="2555640" y="4590720"/>
+            <a:ext cx="991800" cy="291960"/>
           </a:xfrm>
           <a:prstGeom prst="bentConnector2">
             <a:avLst/>
@@ -19704,14 +19628,14 @@
       </p:sp>
       <p:sp>
         <p:nvSpPr>
-          <p:cNvPr id="427" name="CustomShape 108"/>
+          <p:cNvPr id="425" name="CustomShape 108"/>
           <p:cNvSpPr/>
           <p:nvPr/>
         </p:nvSpPr>
         <p:spPr>
           <a:xfrm>
             <a:off x="3108240" y="4848480"/>
-            <a:ext cx="249120" cy="249840"/>
+            <a:ext cx="248760" cy="249480"/>
           </a:xfrm>
           <a:prstGeom prst="rect">
             <a:avLst/>
@@ -19753,14 +19677,14 @@
       </p:sp>
       <p:sp>
         <p:nvSpPr>
-          <p:cNvPr id="428" name="CustomShape 109"/>
+          <p:cNvPr id="426" name="CustomShape 109"/>
           <p:cNvSpPr/>
           <p:nvPr/>
         </p:nvSpPr>
         <p:spPr>
           <a:xfrm>
             <a:off x="4415040" y="4870440"/>
-            <a:ext cx="249120" cy="249840"/>
+            <a:ext cx="248760" cy="249480"/>
           </a:xfrm>
           <a:prstGeom prst="rect">
             <a:avLst/>
@@ -19802,28 +19726,28 @@
       </p:sp>
       <p:grpSp>
         <p:nvGrpSpPr>
-          <p:cNvPr id="429" name="Group 110"/>
+          <p:cNvPr id="427" name="Group 110"/>
           <p:cNvGrpSpPr/>
           <p:nvPr/>
         </p:nvGrpSpPr>
         <p:grpSpPr>
           <a:xfrm>
-            <a:off x="3189240" y="4095360"/>
-            <a:ext cx="193320" cy="84960"/>
-            <a:chOff x="3189240" y="4095360"/>
-            <a:chExt cx="193320" cy="84960"/>
+            <a:off x="3189600" y="4095360"/>
+            <a:ext cx="192960" cy="84600"/>
+            <a:chOff x="3189600" y="4095360"/>
+            <a:chExt cx="192960" cy="84600"/>
           </a:xfrm>
         </p:grpSpPr>
         <p:sp>
           <p:nvSpPr>
-            <p:cNvPr id="430" name="CustomShape 111"/>
+            <p:cNvPr id="428" name="CustomShape 111"/>
             <p:cNvSpPr/>
             <p:nvPr/>
           </p:nvSpPr>
           <p:spPr>
             <a:xfrm rot="5400000">
-              <a:off x="3240720" y="4043880"/>
-              <a:ext cx="84960" cy="187920"/>
+              <a:off x="3241080" y="4043880"/>
+              <a:ext cx="84600" cy="187560"/>
             </a:xfrm>
             <a:prstGeom prst="rect">
               <a:avLst/>
@@ -19849,14 +19773,14 @@
         </p:sp>
         <p:sp>
           <p:nvSpPr>
-            <p:cNvPr id="431" name="CustomShape 112"/>
+            <p:cNvPr id="429" name="CustomShape 112"/>
             <p:cNvSpPr/>
             <p:nvPr/>
           </p:nvSpPr>
           <p:spPr>
             <a:xfrm rot="5400000">
-              <a:off x="3248640" y="4045320"/>
-              <a:ext cx="74160" cy="193320"/>
+              <a:off x="3249000" y="4045320"/>
+              <a:ext cx="73800" cy="192960"/>
             </a:xfrm>
             <a:custGeom>
               <a:avLst/>
@@ -19924,28 +19848,28 @@
       </p:grpSp>
       <p:grpSp>
         <p:nvGrpSpPr>
-          <p:cNvPr id="432" name="Group 113"/>
+          <p:cNvPr id="430" name="Group 113"/>
           <p:cNvGrpSpPr/>
           <p:nvPr/>
         </p:nvGrpSpPr>
         <p:grpSpPr>
           <a:xfrm>
-            <a:off x="4048920" y="4097520"/>
-            <a:ext cx="193320" cy="84960"/>
-            <a:chOff x="4048920" y="4097520"/>
-            <a:chExt cx="193320" cy="84960"/>
+            <a:off x="4049280" y="4097520"/>
+            <a:ext cx="192960" cy="84600"/>
+            <a:chOff x="4049280" y="4097520"/>
+            <a:chExt cx="192960" cy="84600"/>
           </a:xfrm>
         </p:grpSpPr>
         <p:sp>
           <p:nvSpPr>
-            <p:cNvPr id="433" name="CustomShape 114"/>
+            <p:cNvPr id="431" name="CustomShape 114"/>
             <p:cNvSpPr/>
             <p:nvPr/>
           </p:nvSpPr>
           <p:spPr>
             <a:xfrm rot="5400000">
-              <a:off x="4100400" y="4046040"/>
-              <a:ext cx="84960" cy="187920"/>
+              <a:off x="4100760" y="4046040"/>
+              <a:ext cx="84600" cy="187560"/>
             </a:xfrm>
             <a:prstGeom prst="rect">
               <a:avLst/>
@@ -19971,14 +19895,14 @@
         </p:sp>
         <p:sp>
           <p:nvSpPr>
-            <p:cNvPr id="434" name="CustomShape 115"/>
+            <p:cNvPr id="432" name="CustomShape 115"/>
             <p:cNvSpPr/>
             <p:nvPr/>
           </p:nvSpPr>
           <p:spPr>
             <a:xfrm rot="5400000">
-              <a:off x="4108320" y="4047120"/>
-              <a:ext cx="74160" cy="193320"/>
+              <a:off x="4108680" y="4047120"/>
+              <a:ext cx="73800" cy="192960"/>
             </a:xfrm>
             <a:custGeom>
               <a:avLst/>
@@ -20046,28 +19970,28 @@
       </p:grpSp>
       <p:grpSp>
         <p:nvGrpSpPr>
-          <p:cNvPr id="435" name="Group 116"/>
+          <p:cNvPr id="433" name="Group 116"/>
           <p:cNvGrpSpPr/>
           <p:nvPr/>
         </p:nvGrpSpPr>
         <p:grpSpPr>
           <a:xfrm>
-            <a:off x="4052880" y="4569840"/>
-            <a:ext cx="193320" cy="84960"/>
-            <a:chOff x="4052880" y="4569840"/>
-            <a:chExt cx="193320" cy="84960"/>
+            <a:off x="4053240" y="4569840"/>
+            <a:ext cx="192960" cy="84600"/>
+            <a:chOff x="4053240" y="4569840"/>
+            <a:chExt cx="192960" cy="84600"/>
           </a:xfrm>
         </p:grpSpPr>
         <p:sp>
           <p:nvSpPr>
-            <p:cNvPr id="436" name="CustomShape 117"/>
+            <p:cNvPr id="434" name="CustomShape 117"/>
             <p:cNvSpPr/>
             <p:nvPr/>
           </p:nvSpPr>
           <p:spPr>
             <a:xfrm rot="5400000">
-              <a:off x="4104360" y="4518360"/>
-              <a:ext cx="84960" cy="187920"/>
+              <a:off x="4104720" y="4518360"/>
+              <a:ext cx="84600" cy="187560"/>
             </a:xfrm>
             <a:prstGeom prst="rect">
               <a:avLst/>
@@ -20093,14 +20017,14 @@
         </p:sp>
         <p:sp>
           <p:nvSpPr>
-            <p:cNvPr id="437" name="CustomShape 118"/>
+            <p:cNvPr id="435" name="CustomShape 118"/>
             <p:cNvSpPr/>
             <p:nvPr/>
           </p:nvSpPr>
           <p:spPr>
             <a:xfrm rot="5400000">
-              <a:off x="4112280" y="4519440"/>
-              <a:ext cx="74160" cy="193320"/>
+              <a:off x="4112640" y="4519440"/>
+              <a:ext cx="73800" cy="192960"/>
             </a:xfrm>
             <a:custGeom>
               <a:avLst/>
@@ -20168,28 +20092,28 @@
       </p:grpSp>
       <p:grpSp>
         <p:nvGrpSpPr>
-          <p:cNvPr id="438" name="Group 119"/>
+          <p:cNvPr id="436" name="Group 119"/>
           <p:cNvGrpSpPr/>
           <p:nvPr/>
         </p:nvGrpSpPr>
         <p:grpSpPr>
           <a:xfrm>
-            <a:off x="3199680" y="4583520"/>
-            <a:ext cx="193320" cy="84960"/>
-            <a:chOff x="3199680" y="4583520"/>
-            <a:chExt cx="193320" cy="84960"/>
+            <a:off x="3200040" y="4583520"/>
+            <a:ext cx="192960" cy="84600"/>
+            <a:chOff x="3200040" y="4583520"/>
+            <a:chExt cx="192960" cy="84600"/>
           </a:xfrm>
         </p:grpSpPr>
         <p:sp>
           <p:nvSpPr>
-            <p:cNvPr id="439" name="CustomShape 120"/>
+            <p:cNvPr id="437" name="CustomShape 120"/>
             <p:cNvSpPr/>
             <p:nvPr/>
           </p:nvSpPr>
           <p:spPr>
             <a:xfrm rot="5400000">
-              <a:off x="3251160" y="4532040"/>
-              <a:ext cx="84960" cy="187920"/>
+              <a:off x="3251520" y="4532040"/>
+              <a:ext cx="84600" cy="187560"/>
             </a:xfrm>
             <a:prstGeom prst="rect">
               <a:avLst/>
@@ -20215,14 +20139,14 @@
         </p:sp>
         <p:sp>
           <p:nvSpPr>
-            <p:cNvPr id="440" name="CustomShape 121"/>
+            <p:cNvPr id="438" name="CustomShape 121"/>
             <p:cNvSpPr/>
             <p:nvPr/>
           </p:nvSpPr>
           <p:spPr>
             <a:xfrm rot="5400000">
-              <a:off x="3259080" y="4533120"/>
-              <a:ext cx="74160" cy="193320"/>
+              <a:off x="3259440" y="4533120"/>
+              <a:ext cx="73800" cy="192960"/>
             </a:xfrm>
             <a:custGeom>
               <a:avLst/>
@@ -20290,28 +20214,28 @@
       </p:grpSp>
       <p:grpSp>
         <p:nvGrpSpPr>
-          <p:cNvPr id="441" name="Group 122"/>
+          <p:cNvPr id="439" name="Group 122"/>
           <p:cNvGrpSpPr/>
           <p:nvPr/>
         </p:nvGrpSpPr>
         <p:grpSpPr>
           <a:xfrm>
-            <a:off x="3199680" y="5190840"/>
-            <a:ext cx="193320" cy="84960"/>
-            <a:chOff x="3199680" y="5190840"/>
-            <a:chExt cx="193320" cy="84960"/>
+            <a:off x="3200040" y="5190840"/>
+            <a:ext cx="192960" cy="84600"/>
+            <a:chOff x="3200040" y="5190840"/>
+            <a:chExt cx="192960" cy="84600"/>
           </a:xfrm>
         </p:grpSpPr>
         <p:sp>
           <p:nvSpPr>
-            <p:cNvPr id="442" name="CustomShape 123"/>
+            <p:cNvPr id="440" name="CustomShape 123"/>
             <p:cNvSpPr/>
             <p:nvPr/>
           </p:nvSpPr>
           <p:spPr>
             <a:xfrm rot="5400000">
-              <a:off x="3251160" y="5139360"/>
-              <a:ext cx="84960" cy="187920"/>
+              <a:off x="3251520" y="5139360"/>
+              <a:ext cx="84600" cy="187560"/>
             </a:xfrm>
             <a:prstGeom prst="rect">
               <a:avLst/>
@@ -20337,14 +20261,14 @@
         </p:sp>
         <p:sp>
           <p:nvSpPr>
-            <p:cNvPr id="443" name="CustomShape 124"/>
+            <p:cNvPr id="441" name="CustomShape 124"/>
             <p:cNvSpPr/>
             <p:nvPr/>
           </p:nvSpPr>
           <p:spPr>
             <a:xfrm rot="5400000">
-              <a:off x="3259080" y="5140440"/>
-              <a:ext cx="74160" cy="193320"/>
+              <a:off x="3259440" y="5140440"/>
+              <a:ext cx="73800" cy="192960"/>
             </a:xfrm>
             <a:custGeom>
               <a:avLst/>
@@ -20412,28 +20336,28 @@
       </p:grpSp>
       <p:grpSp>
         <p:nvGrpSpPr>
-          <p:cNvPr id="444" name="Group 125"/>
+          <p:cNvPr id="442" name="Group 125"/>
           <p:cNvGrpSpPr/>
           <p:nvPr/>
         </p:nvGrpSpPr>
         <p:grpSpPr>
           <a:xfrm>
-            <a:off x="4048920" y="5181480"/>
-            <a:ext cx="193320" cy="84960"/>
-            <a:chOff x="4048920" y="5181480"/>
-            <a:chExt cx="193320" cy="84960"/>
+            <a:off x="4049280" y="5181480"/>
+            <a:ext cx="192960" cy="84600"/>
+            <a:chOff x="4049280" y="5181480"/>
+            <a:chExt cx="192960" cy="84600"/>
           </a:xfrm>
         </p:grpSpPr>
         <p:sp>
           <p:nvSpPr>
-            <p:cNvPr id="445" name="CustomShape 126"/>
+            <p:cNvPr id="443" name="CustomShape 126"/>
             <p:cNvSpPr/>
             <p:nvPr/>
           </p:nvSpPr>
           <p:spPr>
             <a:xfrm rot="5400000">
-              <a:off x="4100400" y="5130000"/>
-              <a:ext cx="84960" cy="187920"/>
+              <a:off x="4100760" y="5130000"/>
+              <a:ext cx="84600" cy="187560"/>
             </a:xfrm>
             <a:prstGeom prst="rect">
               <a:avLst/>
@@ -20459,14 +20383,14 @@
         </p:sp>
         <p:sp>
           <p:nvSpPr>
-            <p:cNvPr id="446" name="CustomShape 127"/>
+            <p:cNvPr id="444" name="CustomShape 127"/>
             <p:cNvSpPr/>
             <p:nvPr/>
           </p:nvSpPr>
           <p:spPr>
             <a:xfrm rot="5400000">
-              <a:off x="4108320" y="5131080"/>
-              <a:ext cx="74160" cy="193320"/>
+              <a:off x="4108680" y="5131080"/>
+              <a:ext cx="73800" cy="192960"/>
             </a:xfrm>
             <a:custGeom>
               <a:avLst/>
@@ -20534,14 +20458,14 @@
       </p:grpSp>
       <p:sp>
         <p:nvSpPr>
-          <p:cNvPr id="447" name="CustomShape 128"/>
+          <p:cNvPr id="445" name="CustomShape 128"/>
           <p:cNvSpPr/>
           <p:nvPr/>
         </p:nvSpPr>
         <p:spPr>
           <a:xfrm>
             <a:off x="2849760" y="2151000"/>
-            <a:ext cx="91800" cy="102600"/>
+            <a:ext cx="91440" cy="102240"/>
           </a:xfrm>
           <a:prstGeom prst="ellipse">
             <a:avLst/>
@@ -20570,14 +20494,14 @@
       </p:sp>
       <p:sp>
         <p:nvSpPr>
-          <p:cNvPr id="448" name="CustomShape 129"/>
+          <p:cNvPr id="446" name="CustomShape 129"/>
           <p:cNvSpPr/>
           <p:nvPr/>
         </p:nvSpPr>
         <p:spPr>
           <a:xfrm>
             <a:off x="2337120" y="2090160"/>
-            <a:ext cx="522000" cy="279720"/>
+            <a:ext cx="521640" cy="279360"/>
           </a:xfrm>
           <a:prstGeom prst="rect">
             <a:avLst/>
@@ -20629,14 +20553,14 @@
       </p:sp>
       <p:sp>
         <p:nvSpPr>
-          <p:cNvPr id="449" name="CustomShape 130"/>
+          <p:cNvPr id="447" name="CustomShape 130"/>
           <p:cNvSpPr/>
           <p:nvPr/>
         </p:nvSpPr>
         <p:spPr>
           <a:xfrm>
             <a:off x="2344680" y="2802240"/>
-            <a:ext cx="522000" cy="279720"/>
+            <a:ext cx="521640" cy="279360"/>
           </a:xfrm>
           <a:prstGeom prst="rect">
             <a:avLst/>
@@ -20698,28 +20622,28 @@
       </p:sp>
       <p:grpSp>
         <p:nvGrpSpPr>
-          <p:cNvPr id="450" name="Group 131"/>
+          <p:cNvPr id="448" name="Group 131"/>
           <p:cNvGrpSpPr/>
           <p:nvPr/>
         </p:nvGrpSpPr>
         <p:grpSpPr>
           <a:xfrm>
             <a:off x="2847240" y="2460600"/>
-            <a:ext cx="84960" cy="193320"/>
+            <a:ext cx="84600" cy="192960"/>
             <a:chOff x="2847240" y="2460600"/>
-            <a:chExt cx="84960" cy="193320"/>
+            <a:chExt cx="84600" cy="192960"/>
           </a:xfrm>
         </p:grpSpPr>
         <p:sp>
           <p:nvSpPr>
-            <p:cNvPr id="451" name="CustomShape 132"/>
+            <p:cNvPr id="449" name="CustomShape 132"/>
             <p:cNvSpPr/>
             <p:nvPr/>
           </p:nvSpPr>
           <p:spPr>
             <a:xfrm>
               <a:off x="2847240" y="2466000"/>
-              <a:ext cx="84960" cy="187920"/>
+              <a:ext cx="84600" cy="187560"/>
             </a:xfrm>
             <a:prstGeom prst="rect">
               <a:avLst/>
@@ -20745,14 +20669,14 @@
         </p:sp>
         <p:sp>
           <p:nvSpPr>
-            <p:cNvPr id="452" name="CustomShape 133"/>
+            <p:cNvPr id="450" name="CustomShape 133"/>
             <p:cNvSpPr/>
             <p:nvPr/>
           </p:nvSpPr>
           <p:spPr>
             <a:xfrm>
               <a:off x="2856600" y="2460600"/>
-              <a:ext cx="74160" cy="193320"/>
+              <a:ext cx="73800" cy="192960"/>
             </a:xfrm>
             <a:custGeom>
               <a:avLst/>
@@ -20820,14 +20744,14 @@
       </p:grpSp>
       <p:sp>
         <p:nvSpPr>
-          <p:cNvPr id="453" name="CustomShape 134"/>
+          <p:cNvPr id="451" name="CustomShape 134"/>
           <p:cNvSpPr/>
           <p:nvPr/>
         </p:nvSpPr>
         <p:spPr>
           <a:xfrm>
             <a:off x="2858400" y="2884320"/>
-            <a:ext cx="91800" cy="102600"/>
+            <a:ext cx="91440" cy="102240"/>
           </a:xfrm>
           <a:prstGeom prst="ellipse">
             <a:avLst/>
@@ -20856,28 +20780,28 @@
       </p:sp>
       <p:grpSp>
         <p:nvGrpSpPr>
-          <p:cNvPr id="454" name="Group 135"/>
+          <p:cNvPr id="452" name="Group 135"/>
           <p:cNvGrpSpPr/>
           <p:nvPr/>
         </p:nvGrpSpPr>
         <p:grpSpPr>
           <a:xfrm>
             <a:off x="2864520" y="3494160"/>
-            <a:ext cx="84960" cy="193320"/>
+            <a:ext cx="84600" cy="192960"/>
             <a:chOff x="2864520" y="3494160"/>
-            <a:chExt cx="84960" cy="193320"/>
+            <a:chExt cx="84600" cy="192960"/>
           </a:xfrm>
         </p:grpSpPr>
         <p:sp>
           <p:nvSpPr>
-            <p:cNvPr id="455" name="CustomShape 136"/>
+            <p:cNvPr id="453" name="CustomShape 136"/>
             <p:cNvSpPr/>
             <p:nvPr/>
           </p:nvSpPr>
           <p:spPr>
             <a:xfrm>
               <a:off x="2864520" y="3499560"/>
-              <a:ext cx="84960" cy="187920"/>
+              <a:ext cx="84600" cy="187560"/>
             </a:xfrm>
             <a:prstGeom prst="rect">
               <a:avLst/>
@@ -20903,14 +20827,14 @@
         </p:sp>
         <p:sp>
           <p:nvSpPr>
-            <p:cNvPr id="456" name="CustomShape 137"/>
+            <p:cNvPr id="454" name="CustomShape 137"/>
             <p:cNvSpPr/>
             <p:nvPr/>
           </p:nvSpPr>
           <p:spPr>
             <a:xfrm>
               <a:off x="2873880" y="3494160"/>
-              <a:ext cx="74160" cy="193320"/>
+              <a:ext cx="73800" cy="192960"/>
             </a:xfrm>
             <a:custGeom>
               <a:avLst/>
@@ -20978,14 +20902,14 @@
       </p:grpSp>
       <p:sp>
         <p:nvSpPr>
-          <p:cNvPr id="457" name="CustomShape 138"/>
+          <p:cNvPr id="455" name="CustomShape 138"/>
           <p:cNvSpPr/>
           <p:nvPr/>
         </p:nvSpPr>
         <p:spPr>
           <a:xfrm>
             <a:off x="2353320" y="1477080"/>
-            <a:ext cx="415440" cy="279720"/>
+            <a:ext cx="415080" cy="279360"/>
           </a:xfrm>
           <a:prstGeom prst="rect">
             <a:avLst/>
@@ -21037,28 +20961,28 @@
       </p:sp>
       <p:grpSp>
         <p:nvGrpSpPr>
-          <p:cNvPr id="458" name="Group 139"/>
+          <p:cNvPr id="456" name="Group 139"/>
           <p:cNvGrpSpPr/>
           <p:nvPr/>
         </p:nvGrpSpPr>
         <p:grpSpPr>
           <a:xfrm>
             <a:off x="2826000" y="1781640"/>
-            <a:ext cx="84960" cy="193320"/>
+            <a:ext cx="84600" cy="192960"/>
             <a:chOff x="2826000" y="1781640"/>
-            <a:chExt cx="84960" cy="193320"/>
+            <a:chExt cx="84600" cy="192960"/>
           </a:xfrm>
         </p:grpSpPr>
         <p:sp>
           <p:nvSpPr>
-            <p:cNvPr id="459" name="CustomShape 140"/>
+            <p:cNvPr id="457" name="CustomShape 140"/>
             <p:cNvSpPr/>
             <p:nvPr/>
           </p:nvSpPr>
           <p:spPr>
             <a:xfrm>
               <a:off x="2826000" y="1787040"/>
-              <a:ext cx="84960" cy="187920"/>
+              <a:ext cx="84600" cy="187560"/>
             </a:xfrm>
             <a:prstGeom prst="rect">
               <a:avLst/>
@@ -21084,14 +21008,14 @@
         </p:sp>
         <p:sp>
           <p:nvSpPr>
-            <p:cNvPr id="460" name="CustomShape 141"/>
+            <p:cNvPr id="458" name="CustomShape 141"/>
             <p:cNvSpPr/>
             <p:nvPr/>
           </p:nvSpPr>
           <p:spPr>
             <a:xfrm>
               <a:off x="2835360" y="1781640"/>
-              <a:ext cx="74160" cy="193320"/>
+              <a:ext cx="73800" cy="192960"/>
             </a:xfrm>
             <a:custGeom>
               <a:avLst/>
@@ -21159,14 +21083,14 @@
       </p:grpSp>
       <p:sp>
         <p:nvSpPr>
-          <p:cNvPr id="461" name="CustomShape 142"/>
+          <p:cNvPr id="459" name="CustomShape 142"/>
           <p:cNvSpPr/>
           <p:nvPr/>
         </p:nvSpPr>
         <p:spPr>
           <a:xfrm>
             <a:off x="2827800" y="1527120"/>
-            <a:ext cx="91800" cy="102600"/>
+            <a:ext cx="91440" cy="102240"/>
           </a:xfrm>
           <a:prstGeom prst="ellipse">
             <a:avLst/>
@@ -21195,14 +21119,14 @@
       </p:sp>
       <p:sp>
         <p:nvSpPr>
-          <p:cNvPr id="462" name="CustomShape 143"/>
+          <p:cNvPr id="460" name="CustomShape 143"/>
           <p:cNvSpPr/>
           <p:nvPr/>
         </p:nvSpPr>
         <p:spPr>
           <a:xfrm>
             <a:off x="1894320" y="593640"/>
-            <a:ext cx="2086200" cy="454680"/>
+            <a:ext cx="2085840" cy="454320"/>
           </a:xfrm>
           <a:prstGeom prst="rect">
             <a:avLst/>
@@ -21254,14 +21178,14 @@
       </p:sp>
       <p:sp>
         <p:nvSpPr>
-          <p:cNvPr id="463" name="CustomShape 144"/>
+          <p:cNvPr id="461" name="CustomShape 144"/>
           <p:cNvSpPr/>
           <p:nvPr/>
         </p:nvSpPr>
         <p:spPr>
           <a:xfrm>
             <a:off x="4649400" y="590400"/>
-            <a:ext cx="2086200" cy="455400"/>
+            <a:ext cx="2085840" cy="455040"/>
           </a:xfrm>
           <a:prstGeom prst="rect">
             <a:avLst/>
@@ -21313,14 +21237,14 @@
       </p:sp>
       <p:sp>
         <p:nvSpPr>
-          <p:cNvPr id="464" name="CustomShape 145"/>
+          <p:cNvPr id="462" name="CustomShape 145"/>
           <p:cNvSpPr/>
           <p:nvPr/>
         </p:nvSpPr>
         <p:spPr>
           <a:xfrm>
             <a:off x="2659680" y="1019520"/>
-            <a:ext cx="606240" cy="270720"/>
+            <a:ext cx="605880" cy="270360"/>
           </a:xfrm>
           <a:prstGeom prst="rect">
             <a:avLst/>
@@ -21428,14 +21352,14 @@
       </p:grpSpPr>
       <p:sp>
         <p:nvSpPr>
-          <p:cNvPr id="465" name="CustomShape 1"/>
+          <p:cNvPr id="463" name="CustomShape 1"/>
           <p:cNvSpPr/>
           <p:nvPr/>
         </p:nvSpPr>
         <p:spPr>
           <a:xfrm>
             <a:off x="1551240" y="929520"/>
-            <a:ext cx="3507840" cy="4659120"/>
+            <a:ext cx="3507480" cy="4658760"/>
           </a:xfrm>
           <a:prstGeom prst="rect">
             <a:avLst/>
@@ -21464,7 +21388,7 @@
       </p:sp>
       <p:pic>
         <p:nvPicPr>
-          <p:cNvPr id="466" name="Picture 2" descr=""/>
+          <p:cNvPr id="464" name="Picture 2" descr=""/>
           <p:cNvPicPr/>
           <p:nvPr/>
         </p:nvPicPr>
@@ -21475,7 +21399,7 @@
         <p:spPr>
           <a:xfrm>
             <a:off x="1558440" y="1323000"/>
-            <a:ext cx="2954160" cy="4092840"/>
+            <a:ext cx="2953800" cy="4092480"/>
           </a:xfrm>
           <a:prstGeom prst="rect">
             <a:avLst/>
@@ -21487,14 +21411,14 @@
       </p:pic>
       <p:sp>
         <p:nvSpPr>
-          <p:cNvPr id="467" name="CustomShape 2"/>
+          <p:cNvPr id="465" name="CustomShape 2"/>
           <p:cNvSpPr/>
           <p:nvPr/>
         </p:nvSpPr>
         <p:spPr>
           <a:xfrm>
             <a:off x="3298680" y="934920"/>
-            <a:ext cx="3627360" cy="4659120"/>
+            <a:ext cx="3627000" cy="4658760"/>
           </a:xfrm>
           <a:prstGeom prst="rect">
             <a:avLst/>
@@ -21523,14 +21447,14 @@
       </p:sp>
       <p:sp>
         <p:nvSpPr>
-          <p:cNvPr id="468" name="CustomShape 3"/>
+          <p:cNvPr id="466" name="CustomShape 3"/>
           <p:cNvSpPr/>
           <p:nvPr/>
         </p:nvSpPr>
         <p:spPr>
           <a:xfrm>
             <a:off x="4096440" y="1176480"/>
-            <a:ext cx="16560" cy="2693160"/>
+            <a:ext cx="16200" cy="2692800"/>
           </a:xfrm>
           <a:custGeom>
             <a:avLst/>
@@ -21572,14 +21496,14 @@
       </p:sp>
       <p:sp>
         <p:nvSpPr>
-          <p:cNvPr id="469" name="CustomShape 4"/>
+          <p:cNvPr id="467" name="CustomShape 4"/>
           <p:cNvSpPr/>
           <p:nvPr/>
         </p:nvSpPr>
         <p:spPr>
           <a:xfrm>
             <a:off x="4066200" y="1909440"/>
-            <a:ext cx="91800" cy="102600"/>
+            <a:ext cx="91440" cy="102240"/>
           </a:xfrm>
           <a:prstGeom prst="ellipse">
             <a:avLst/>
@@ -21608,14 +21532,14 @@
       </p:sp>
       <p:sp>
         <p:nvSpPr>
-          <p:cNvPr id="470" name="CustomShape 5"/>
+          <p:cNvPr id="468" name="CustomShape 5"/>
           <p:cNvSpPr/>
           <p:nvPr/>
         </p:nvSpPr>
         <p:spPr>
           <a:xfrm>
             <a:off x="4032360" y="3665160"/>
-            <a:ext cx="162000" cy="204120"/>
+            <a:ext cx="161640" cy="203760"/>
           </a:xfrm>
           <a:prstGeom prst="ellipse">
             <a:avLst/>
@@ -21644,14 +21568,14 @@
       </p:sp>
       <p:sp>
         <p:nvSpPr>
-          <p:cNvPr id="471" name="CustomShape 6"/>
+          <p:cNvPr id="469" name="CustomShape 6"/>
           <p:cNvSpPr/>
           <p:nvPr/>
         </p:nvSpPr>
         <p:spPr>
           <a:xfrm>
             <a:off x="5631840" y="3665160"/>
-            <a:ext cx="162000" cy="204120"/>
+            <a:ext cx="161640" cy="203760"/>
           </a:xfrm>
           <a:prstGeom prst="ellipse">
             <a:avLst/>
@@ -21680,14 +21604,14 @@
       </p:sp>
       <p:sp>
         <p:nvSpPr>
-          <p:cNvPr id="472" name="CustomShape 7"/>
+          <p:cNvPr id="470" name="CustomShape 7"/>
           <p:cNvSpPr/>
           <p:nvPr/>
         </p:nvSpPr>
         <p:spPr>
           <a:xfrm flipH="1">
             <a:off x="4194360" y="3767760"/>
-            <a:ext cx="1436040" cy="360"/>
+            <a:ext cx="1435680" cy="360"/>
           </a:xfrm>
           <a:custGeom>
             <a:avLst/>
@@ -21728,14 +21652,14 @@
       </p:sp>
       <p:sp>
         <p:nvSpPr>
-          <p:cNvPr id="473" name="CustomShape 8"/>
+          <p:cNvPr id="471" name="CustomShape 8"/>
           <p:cNvSpPr/>
           <p:nvPr/>
         </p:nvSpPr>
         <p:spPr>
           <a:xfrm>
             <a:off x="4839120" y="3675240"/>
-            <a:ext cx="162000" cy="204120"/>
+            <a:ext cx="161640" cy="203760"/>
           </a:xfrm>
           <a:prstGeom prst="ellipse">
             <a:avLst/>
@@ -21764,14 +21688,14 @@
       </p:sp>
       <p:sp>
         <p:nvSpPr>
-          <p:cNvPr id="474" name="CustomShape 9"/>
+          <p:cNvPr id="472" name="CustomShape 9"/>
           <p:cNvSpPr/>
           <p:nvPr/>
         </p:nvSpPr>
         <p:spPr>
           <a:xfrm>
             <a:off x="5652000" y="4138560"/>
-            <a:ext cx="162000" cy="204120"/>
+            <a:ext cx="161640" cy="203760"/>
           </a:xfrm>
           <a:prstGeom prst="ellipse">
             <a:avLst/>
@@ -21800,14 +21724,14 @@
       </p:sp>
       <p:sp>
         <p:nvSpPr>
-          <p:cNvPr id="475" name="CustomShape 10"/>
+          <p:cNvPr id="473" name="CustomShape 10"/>
           <p:cNvSpPr/>
           <p:nvPr/>
         </p:nvSpPr>
         <p:spPr>
           <a:xfrm flipH="1">
-            <a:off x="4505760" y="4240800"/>
-            <a:ext cx="1144800" cy="13320"/>
+            <a:off x="4505040" y="4240800"/>
+            <a:ext cx="1144440" cy="12960"/>
           </a:xfrm>
           <a:custGeom>
             <a:avLst/>
@@ -21848,14 +21772,14 @@
       </p:sp>
       <p:sp>
         <p:nvSpPr>
-          <p:cNvPr id="476" name="CustomShape 11"/>
+          <p:cNvPr id="474" name="CustomShape 11"/>
           <p:cNvSpPr/>
           <p:nvPr/>
         </p:nvSpPr>
         <p:spPr>
           <a:xfrm>
             <a:off x="4859280" y="4148280"/>
-            <a:ext cx="162000" cy="204120"/>
+            <a:ext cx="161640" cy="203760"/>
           </a:xfrm>
           <a:prstGeom prst="ellipse">
             <a:avLst/>
@@ -21884,14 +21808,14 @@
       </p:sp>
       <p:sp>
         <p:nvSpPr>
-          <p:cNvPr id="477" name="CustomShape 12"/>
+          <p:cNvPr id="475" name="CustomShape 12"/>
           <p:cNvSpPr/>
           <p:nvPr/>
         </p:nvSpPr>
         <p:spPr>
           <a:xfrm>
             <a:off x="5652000" y="4751280"/>
-            <a:ext cx="162000" cy="204120"/>
+            <a:ext cx="161640" cy="203760"/>
           </a:xfrm>
           <a:prstGeom prst="ellipse">
             <a:avLst/>
@@ -21920,14 +21844,14 @@
       </p:sp>
       <p:sp>
         <p:nvSpPr>
-          <p:cNvPr id="478" name="CustomShape 13"/>
+          <p:cNvPr id="476" name="CustomShape 13"/>
           <p:cNvSpPr/>
           <p:nvPr/>
         </p:nvSpPr>
         <p:spPr>
           <a:xfrm flipH="1">
             <a:off x="4503960" y="4853520"/>
-            <a:ext cx="1146600" cy="8640"/>
+            <a:ext cx="1146240" cy="8280"/>
           </a:xfrm>
           <a:custGeom>
             <a:avLst/>
@@ -21968,14 +21892,14 @@
       </p:sp>
       <p:sp>
         <p:nvSpPr>
-          <p:cNvPr id="479" name="CustomShape 14"/>
+          <p:cNvPr id="477" name="CustomShape 14"/>
           <p:cNvSpPr/>
           <p:nvPr/>
         </p:nvSpPr>
         <p:spPr>
           <a:xfrm>
             <a:off x="4859280" y="4761000"/>
-            <a:ext cx="162000" cy="204120"/>
+            <a:ext cx="161640" cy="203760"/>
           </a:xfrm>
           <a:prstGeom prst="ellipse">
             <a:avLst/>
@@ -22004,14 +21928,14 @@
       </p:sp>
       <p:sp>
         <p:nvSpPr>
-          <p:cNvPr id="480" name="CustomShape 15"/>
+          <p:cNvPr id="478" name="CustomShape 15"/>
           <p:cNvSpPr/>
           <p:nvPr/>
         </p:nvSpPr>
         <p:spPr>
           <a:xfrm>
             <a:off x="5948280" y="3585240"/>
-            <a:ext cx="977760" cy="249840"/>
+            <a:ext cx="977400" cy="249480"/>
           </a:xfrm>
           <a:prstGeom prst="rect">
             <a:avLst/>
@@ -22063,14 +21987,14 @@
       </p:sp>
       <p:sp>
         <p:nvSpPr>
-          <p:cNvPr id="481" name="CustomShape 16"/>
+          <p:cNvPr id="479" name="CustomShape 16"/>
           <p:cNvSpPr/>
           <p:nvPr/>
         </p:nvSpPr>
         <p:spPr>
           <a:xfrm>
             <a:off x="5961600" y="4109040"/>
-            <a:ext cx="977760" cy="249840"/>
+            <a:ext cx="977400" cy="249480"/>
           </a:xfrm>
           <a:prstGeom prst="rect">
             <a:avLst/>
@@ -22122,14 +22046,14 @@
       </p:sp>
       <p:sp>
         <p:nvSpPr>
-          <p:cNvPr id="482" name="CustomShape 17"/>
+          <p:cNvPr id="480" name="CustomShape 17"/>
           <p:cNvSpPr/>
           <p:nvPr/>
         </p:nvSpPr>
         <p:spPr>
           <a:xfrm>
             <a:off x="5986080" y="4773960"/>
-            <a:ext cx="977760" cy="249840"/>
+            <a:ext cx="977400" cy="249480"/>
           </a:xfrm>
           <a:prstGeom prst="rect">
             <a:avLst/>
@@ -22171,14 +22095,14 @@
       </p:sp>
       <p:sp>
         <p:nvSpPr>
-          <p:cNvPr id="483" name="CustomShape 18"/>
+          <p:cNvPr id="481" name="CustomShape 18"/>
           <p:cNvSpPr/>
           <p:nvPr/>
         </p:nvSpPr>
         <p:spPr>
           <a:xfrm>
             <a:off x="4091400" y="5212800"/>
-            <a:ext cx="574920" cy="249840"/>
+            <a:ext cx="574560" cy="249480"/>
           </a:xfrm>
           <a:prstGeom prst="rect">
             <a:avLst/>
@@ -22220,14 +22144,14 @@
       </p:sp>
       <p:sp>
         <p:nvSpPr>
-          <p:cNvPr id="484" name="CustomShape 19"/>
+          <p:cNvPr id="482" name="CustomShape 19"/>
           <p:cNvSpPr/>
           <p:nvPr/>
         </p:nvSpPr>
         <p:spPr>
           <a:xfrm>
             <a:off x="4710240" y="5228640"/>
-            <a:ext cx="1476720" cy="249840"/>
+            <a:ext cx="1476360" cy="249480"/>
           </a:xfrm>
           <a:prstGeom prst="rect">
             <a:avLst/>
@@ -22269,14 +22193,14 @@
       </p:sp>
       <p:sp>
         <p:nvSpPr>
-          <p:cNvPr id="485" name="CustomShape 20"/>
+          <p:cNvPr id="483" name="CustomShape 20"/>
           <p:cNvSpPr/>
           <p:nvPr/>
         </p:nvSpPr>
         <p:spPr>
           <a:xfrm>
             <a:off x="4685040" y="3841920"/>
-            <a:ext cx="672840" cy="296640"/>
+            <a:ext cx="672480" cy="296280"/>
           </a:xfrm>
           <a:prstGeom prst="rect">
             <a:avLst/>
@@ -22338,14 +22262,14 @@
       </p:sp>
       <p:sp>
         <p:nvSpPr>
-          <p:cNvPr id="486" name="CustomShape 21"/>
+          <p:cNvPr id="484" name="CustomShape 21"/>
           <p:cNvSpPr/>
           <p:nvPr/>
         </p:nvSpPr>
         <p:spPr>
           <a:xfrm>
             <a:off x="4685040" y="4330440"/>
-            <a:ext cx="672840" cy="296640"/>
+            <a:ext cx="672480" cy="296280"/>
           </a:xfrm>
           <a:prstGeom prst="rect">
             <a:avLst/>
@@ -22407,14 +22331,14 @@
       </p:sp>
       <p:sp>
         <p:nvSpPr>
-          <p:cNvPr id="487" name="CustomShape 22"/>
+          <p:cNvPr id="485" name="CustomShape 22"/>
           <p:cNvSpPr/>
           <p:nvPr/>
         </p:nvSpPr>
         <p:spPr>
           <a:xfrm>
             <a:off x="4736160" y="4932720"/>
-            <a:ext cx="672840" cy="296640"/>
+            <a:ext cx="672480" cy="296280"/>
           </a:xfrm>
           <a:prstGeom prst="rect">
             <a:avLst/>
@@ -22466,14 +22390,14 @@
       </p:sp>
       <p:sp>
         <p:nvSpPr>
-          <p:cNvPr id="488" name="CustomShape 23"/>
+          <p:cNvPr id="486" name="CustomShape 23"/>
           <p:cNvSpPr/>
           <p:nvPr/>
         </p:nvSpPr>
         <p:spPr>
           <a:xfrm flipH="1" flipV="1">
-            <a:off x="4170600" y="3839400"/>
-            <a:ext cx="234720" cy="415080"/>
+            <a:off x="4169880" y="3839400"/>
+            <a:ext cx="234360" cy="414720"/>
           </a:xfrm>
           <a:custGeom>
             <a:avLst/>
@@ -22514,14 +22438,14 @@
       </p:sp>
       <p:sp>
         <p:nvSpPr>
-          <p:cNvPr id="489" name="CustomShape 24"/>
+          <p:cNvPr id="487" name="CustomShape 24"/>
           <p:cNvSpPr/>
           <p:nvPr/>
         </p:nvSpPr>
         <p:spPr>
           <a:xfrm>
             <a:off x="3393720" y="3571920"/>
-            <a:ext cx="662040" cy="296640"/>
+            <a:ext cx="661680" cy="296280"/>
           </a:xfrm>
           <a:prstGeom prst="rect">
             <a:avLst/>
@@ -22573,14 +22497,14 @@
       </p:sp>
       <p:sp>
         <p:nvSpPr>
-          <p:cNvPr id="490" name="CustomShape 25"/>
+          <p:cNvPr id="488" name="CustomShape 25"/>
           <p:cNvSpPr/>
           <p:nvPr/>
         </p:nvSpPr>
         <p:spPr>
           <a:xfrm>
             <a:off x="5625360" y="3818160"/>
-            <a:ext cx="519120" cy="296640"/>
+            <a:ext cx="518760" cy="296280"/>
           </a:xfrm>
           <a:prstGeom prst="rect">
             <a:avLst/>
@@ -22642,14 +22566,14 @@
       </p:sp>
       <p:sp>
         <p:nvSpPr>
-          <p:cNvPr id="491" name="CustomShape 26"/>
+          <p:cNvPr id="489" name="CustomShape 26"/>
           <p:cNvSpPr/>
           <p:nvPr/>
         </p:nvSpPr>
         <p:spPr>
           <a:xfrm>
             <a:off x="5633280" y="4340520"/>
-            <a:ext cx="519120" cy="296640"/>
+            <a:ext cx="518760" cy="296280"/>
           </a:xfrm>
           <a:prstGeom prst="rect">
             <a:avLst/>
@@ -22711,14 +22635,14 @@
       </p:sp>
       <p:sp>
         <p:nvSpPr>
-          <p:cNvPr id="492" name="CustomShape 27"/>
+          <p:cNvPr id="490" name="CustomShape 27"/>
           <p:cNvSpPr/>
           <p:nvPr/>
         </p:nvSpPr>
         <p:spPr>
           <a:xfrm>
             <a:off x="5642280" y="4937400"/>
-            <a:ext cx="518760" cy="296640"/>
+            <a:ext cx="518400" cy="296280"/>
           </a:xfrm>
           <a:prstGeom prst="rect">
             <a:avLst/>
@@ -22770,14 +22694,14 @@
       </p:sp>
       <p:sp>
         <p:nvSpPr>
-          <p:cNvPr id="493" name="CustomShape 28"/>
+          <p:cNvPr id="491" name="CustomShape 28"/>
           <p:cNvSpPr/>
           <p:nvPr/>
         </p:nvSpPr>
         <p:spPr>
           <a:xfrm>
             <a:off x="3633840" y="2167920"/>
-            <a:ext cx="249120" cy="249840"/>
+            <a:ext cx="248760" cy="249480"/>
           </a:xfrm>
           <a:prstGeom prst="rect">
             <a:avLst/>
@@ -22819,14 +22743,14 @@
       </p:sp>
       <p:sp>
         <p:nvSpPr>
-          <p:cNvPr id="494" name="CustomShape 29"/>
+          <p:cNvPr id="492" name="CustomShape 29"/>
           <p:cNvSpPr/>
           <p:nvPr/>
         </p:nvSpPr>
         <p:spPr>
           <a:xfrm>
             <a:off x="3552480" y="2915280"/>
-            <a:ext cx="522000" cy="279720"/>
+            <a:ext cx="521640" cy="279360"/>
           </a:xfrm>
           <a:prstGeom prst="rect">
             <a:avLst/>
@@ -22888,14 +22812,14 @@
       </p:sp>
       <p:sp>
         <p:nvSpPr>
-          <p:cNvPr id="495" name="CustomShape 30"/>
+          <p:cNvPr id="493" name="CustomShape 30"/>
           <p:cNvSpPr/>
           <p:nvPr/>
         </p:nvSpPr>
         <p:spPr>
           <a:xfrm>
             <a:off x="3552480" y="2395080"/>
-            <a:ext cx="522000" cy="279720"/>
+            <a:ext cx="521640" cy="279360"/>
           </a:xfrm>
           <a:prstGeom prst="rect">
             <a:avLst/>
@@ -22957,14 +22881,14 @@
       </p:sp>
       <p:sp>
         <p:nvSpPr>
-          <p:cNvPr id="496" name="CustomShape 31"/>
+          <p:cNvPr id="494" name="CustomShape 31"/>
           <p:cNvSpPr/>
           <p:nvPr/>
         </p:nvSpPr>
         <p:spPr>
           <a:xfrm flipH="1" rot="16200000">
-            <a:off x="3763800" y="4219920"/>
-            <a:ext cx="992160" cy="292320"/>
+            <a:off x="3763440" y="4219920"/>
+            <a:ext cx="991800" cy="291960"/>
           </a:xfrm>
           <a:prstGeom prst="bentConnector2">
             <a:avLst/>
@@ -22992,14 +22916,14 @@
       </p:sp>
       <p:sp>
         <p:nvSpPr>
-          <p:cNvPr id="497" name="CustomShape 32"/>
+          <p:cNvPr id="495" name="CustomShape 32"/>
           <p:cNvSpPr/>
           <p:nvPr/>
         </p:nvSpPr>
         <p:spPr>
           <a:xfrm>
             <a:off x="4316040" y="4477680"/>
-            <a:ext cx="249120" cy="249840"/>
+            <a:ext cx="248760" cy="249480"/>
           </a:xfrm>
           <a:prstGeom prst="rect">
             <a:avLst/>
@@ -23041,14 +22965,14 @@
       </p:sp>
       <p:sp>
         <p:nvSpPr>
-          <p:cNvPr id="498" name="CustomShape 33"/>
+          <p:cNvPr id="496" name="CustomShape 33"/>
           <p:cNvSpPr/>
           <p:nvPr/>
         </p:nvSpPr>
         <p:spPr>
           <a:xfrm>
             <a:off x="5622840" y="4499640"/>
-            <a:ext cx="249120" cy="249840"/>
+            <a:ext cx="248760" cy="249480"/>
           </a:xfrm>
           <a:prstGeom prst="rect">
             <a:avLst/>
@@ -23090,28 +23014,28 @@
       </p:sp>
       <p:grpSp>
         <p:nvGrpSpPr>
-          <p:cNvPr id="499" name="Group 34"/>
+          <p:cNvPr id="497" name="Group 34"/>
           <p:cNvGrpSpPr/>
           <p:nvPr/>
         </p:nvGrpSpPr>
         <p:grpSpPr>
           <a:xfrm>
             <a:off x="4072320" y="2035080"/>
-            <a:ext cx="84960" cy="193320"/>
+            <a:ext cx="84600" cy="192960"/>
             <a:chOff x="4072320" y="2035080"/>
-            <a:chExt cx="84960" cy="193320"/>
+            <a:chExt cx="84600" cy="192960"/>
           </a:xfrm>
         </p:grpSpPr>
         <p:sp>
           <p:nvSpPr>
-            <p:cNvPr id="500" name="CustomShape 35"/>
+            <p:cNvPr id="498" name="CustomShape 35"/>
             <p:cNvSpPr/>
             <p:nvPr/>
           </p:nvSpPr>
           <p:spPr>
             <a:xfrm>
               <a:off x="4072320" y="2040480"/>
-              <a:ext cx="84960" cy="187920"/>
+              <a:ext cx="84600" cy="187560"/>
             </a:xfrm>
             <a:prstGeom prst="rect">
               <a:avLst/>
@@ -23137,14 +23061,14 @@
         </p:sp>
         <p:sp>
           <p:nvSpPr>
-            <p:cNvPr id="501" name="CustomShape 36"/>
+            <p:cNvPr id="499" name="CustomShape 36"/>
             <p:cNvSpPr/>
             <p:nvPr/>
           </p:nvSpPr>
           <p:spPr>
             <a:xfrm>
               <a:off x="4081680" y="2035080"/>
-              <a:ext cx="74160" cy="193320"/>
+              <a:ext cx="73800" cy="192960"/>
             </a:xfrm>
             <a:custGeom>
               <a:avLst/>
@@ -23212,14 +23136,14 @@
       </p:grpSp>
       <p:sp>
         <p:nvSpPr>
-          <p:cNvPr id="502" name="CustomShape 37"/>
+          <p:cNvPr id="500" name="CustomShape 37"/>
           <p:cNvSpPr/>
           <p:nvPr/>
         </p:nvSpPr>
         <p:spPr>
           <a:xfrm>
             <a:off x="4066200" y="2504880"/>
-            <a:ext cx="91800" cy="102600"/>
+            <a:ext cx="91440" cy="102240"/>
           </a:xfrm>
           <a:prstGeom prst="ellipse">
             <a:avLst/>
@@ -23248,28 +23172,28 @@
       </p:sp>
       <p:grpSp>
         <p:nvGrpSpPr>
-          <p:cNvPr id="503" name="Group 38"/>
+          <p:cNvPr id="501" name="Group 38"/>
           <p:cNvGrpSpPr/>
           <p:nvPr/>
         </p:nvGrpSpPr>
         <p:grpSpPr>
           <a:xfrm>
             <a:off x="4072320" y="2630880"/>
-            <a:ext cx="84960" cy="193320"/>
+            <a:ext cx="84600" cy="192960"/>
             <a:chOff x="4072320" y="2630880"/>
-            <a:chExt cx="84960" cy="193320"/>
+            <a:chExt cx="84600" cy="192960"/>
           </a:xfrm>
         </p:grpSpPr>
         <p:sp>
           <p:nvSpPr>
-            <p:cNvPr id="504" name="CustomShape 39"/>
+            <p:cNvPr id="502" name="CustomShape 39"/>
             <p:cNvSpPr/>
             <p:nvPr/>
           </p:nvSpPr>
           <p:spPr>
             <a:xfrm>
               <a:off x="4072320" y="2635920"/>
-              <a:ext cx="84960" cy="187920"/>
+              <a:ext cx="84600" cy="187560"/>
             </a:xfrm>
             <a:prstGeom prst="rect">
               <a:avLst/>
@@ -23295,14 +23219,14 @@
         </p:sp>
         <p:sp>
           <p:nvSpPr>
-            <p:cNvPr id="505" name="CustomShape 40"/>
+            <p:cNvPr id="503" name="CustomShape 40"/>
             <p:cNvSpPr/>
             <p:nvPr/>
           </p:nvSpPr>
           <p:spPr>
             <a:xfrm>
               <a:off x="4081680" y="2630880"/>
-              <a:ext cx="74160" cy="193320"/>
+              <a:ext cx="73800" cy="192960"/>
             </a:xfrm>
             <a:custGeom>
               <a:avLst/>
@@ -23370,14 +23294,14 @@
       </p:grpSp>
       <p:sp>
         <p:nvSpPr>
-          <p:cNvPr id="506" name="CustomShape 41"/>
+          <p:cNvPr id="504" name="CustomShape 41"/>
           <p:cNvSpPr/>
           <p:nvPr/>
         </p:nvSpPr>
         <p:spPr>
           <a:xfrm>
             <a:off x="4066200" y="2997360"/>
-            <a:ext cx="91800" cy="102600"/>
+            <a:ext cx="91440" cy="102240"/>
           </a:xfrm>
           <a:prstGeom prst="ellipse">
             <a:avLst/>
@@ -23406,28 +23330,28 @@
       </p:sp>
       <p:grpSp>
         <p:nvGrpSpPr>
-          <p:cNvPr id="507" name="Group 42"/>
+          <p:cNvPr id="505" name="Group 42"/>
           <p:cNvGrpSpPr/>
           <p:nvPr/>
         </p:nvGrpSpPr>
         <p:grpSpPr>
           <a:xfrm>
             <a:off x="4072320" y="3123360"/>
-            <a:ext cx="84960" cy="193320"/>
+            <a:ext cx="84600" cy="192960"/>
             <a:chOff x="4072320" y="3123360"/>
-            <a:chExt cx="84960" cy="193320"/>
+            <a:chExt cx="84600" cy="192960"/>
           </a:xfrm>
         </p:grpSpPr>
         <p:sp>
           <p:nvSpPr>
-            <p:cNvPr id="508" name="CustomShape 43"/>
+            <p:cNvPr id="506" name="CustomShape 43"/>
             <p:cNvSpPr/>
             <p:nvPr/>
           </p:nvSpPr>
           <p:spPr>
             <a:xfrm>
               <a:off x="4072320" y="3128760"/>
-              <a:ext cx="84960" cy="187920"/>
+              <a:ext cx="84600" cy="187560"/>
             </a:xfrm>
             <a:prstGeom prst="rect">
               <a:avLst/>
@@ -23453,14 +23377,14 @@
         </p:sp>
         <p:sp>
           <p:nvSpPr>
-            <p:cNvPr id="509" name="CustomShape 44"/>
+            <p:cNvPr id="507" name="CustomShape 44"/>
             <p:cNvSpPr/>
             <p:nvPr/>
           </p:nvSpPr>
           <p:spPr>
             <a:xfrm>
               <a:off x="4081680" y="3123360"/>
-              <a:ext cx="74160" cy="193320"/>
+              <a:ext cx="73800" cy="192960"/>
             </a:xfrm>
             <a:custGeom>
               <a:avLst/>
@@ -23528,28 +23452,28 @@
       </p:grpSp>
       <p:grpSp>
         <p:nvGrpSpPr>
-          <p:cNvPr id="510" name="Group 45"/>
+          <p:cNvPr id="508" name="Group 45"/>
           <p:cNvGrpSpPr/>
           <p:nvPr/>
         </p:nvGrpSpPr>
         <p:grpSpPr>
           <a:xfrm>
-            <a:off x="4397040" y="3724560"/>
-            <a:ext cx="193320" cy="84960"/>
-            <a:chOff x="4397040" y="3724560"/>
-            <a:chExt cx="193320" cy="84960"/>
+            <a:off x="4397400" y="3724560"/>
+            <a:ext cx="192960" cy="84600"/>
+            <a:chOff x="4397400" y="3724560"/>
+            <a:chExt cx="192960" cy="84600"/>
           </a:xfrm>
         </p:grpSpPr>
         <p:sp>
           <p:nvSpPr>
-            <p:cNvPr id="511" name="CustomShape 46"/>
+            <p:cNvPr id="509" name="CustomShape 46"/>
             <p:cNvSpPr/>
             <p:nvPr/>
           </p:nvSpPr>
           <p:spPr>
             <a:xfrm rot="5400000">
-              <a:off x="4448520" y="3673080"/>
-              <a:ext cx="84960" cy="187920"/>
+              <a:off x="4448880" y="3673080"/>
+              <a:ext cx="84600" cy="187560"/>
             </a:xfrm>
             <a:prstGeom prst="rect">
               <a:avLst/>
@@ -23575,14 +23499,14 @@
         </p:sp>
         <p:sp>
           <p:nvSpPr>
-            <p:cNvPr id="512" name="CustomShape 47"/>
+            <p:cNvPr id="510" name="CustomShape 47"/>
             <p:cNvSpPr/>
             <p:nvPr/>
           </p:nvSpPr>
           <p:spPr>
             <a:xfrm rot="5400000">
-              <a:off x="4456440" y="3674520"/>
-              <a:ext cx="74160" cy="193320"/>
+              <a:off x="4456800" y="3674520"/>
+              <a:ext cx="73800" cy="192960"/>
             </a:xfrm>
             <a:custGeom>
               <a:avLst/>
@@ -23650,28 +23574,28 @@
       </p:grpSp>
       <p:grpSp>
         <p:nvGrpSpPr>
-          <p:cNvPr id="513" name="Group 48"/>
+          <p:cNvPr id="511" name="Group 48"/>
           <p:cNvGrpSpPr/>
           <p:nvPr/>
         </p:nvGrpSpPr>
         <p:grpSpPr>
           <a:xfrm>
-            <a:off x="5256720" y="3726720"/>
-            <a:ext cx="193320" cy="84960"/>
-            <a:chOff x="5256720" y="3726720"/>
-            <a:chExt cx="193320" cy="84960"/>
+            <a:off x="5257080" y="3726720"/>
+            <a:ext cx="192960" cy="84600"/>
+            <a:chOff x="5257080" y="3726720"/>
+            <a:chExt cx="192960" cy="84600"/>
           </a:xfrm>
         </p:grpSpPr>
         <p:sp>
           <p:nvSpPr>
-            <p:cNvPr id="514" name="CustomShape 49"/>
+            <p:cNvPr id="512" name="CustomShape 49"/>
             <p:cNvSpPr/>
             <p:nvPr/>
           </p:nvSpPr>
           <p:spPr>
             <a:xfrm rot="5400000">
-              <a:off x="5308200" y="3675240"/>
-              <a:ext cx="84960" cy="187920"/>
+              <a:off x="5308560" y="3675240"/>
+              <a:ext cx="84600" cy="187560"/>
             </a:xfrm>
             <a:prstGeom prst="rect">
               <a:avLst/>
@@ -23697,14 +23621,14 @@
         </p:sp>
         <p:sp>
           <p:nvSpPr>
-            <p:cNvPr id="515" name="CustomShape 50"/>
+            <p:cNvPr id="513" name="CustomShape 50"/>
             <p:cNvSpPr/>
             <p:nvPr/>
           </p:nvSpPr>
           <p:spPr>
             <a:xfrm rot="5400000">
-              <a:off x="5316120" y="3676320"/>
-              <a:ext cx="74160" cy="193320"/>
+              <a:off x="5316480" y="3676320"/>
+              <a:ext cx="73800" cy="192960"/>
             </a:xfrm>
             <a:custGeom>
               <a:avLst/>
@@ -23772,28 +23696,28 @@
       </p:grpSp>
       <p:grpSp>
         <p:nvGrpSpPr>
-          <p:cNvPr id="516" name="Group 51"/>
+          <p:cNvPr id="514" name="Group 51"/>
           <p:cNvGrpSpPr/>
           <p:nvPr/>
         </p:nvGrpSpPr>
         <p:grpSpPr>
           <a:xfrm>
-            <a:off x="5260680" y="4199040"/>
-            <a:ext cx="193320" cy="84960"/>
-            <a:chOff x="5260680" y="4199040"/>
-            <a:chExt cx="193320" cy="84960"/>
+            <a:off x="5261040" y="4199040"/>
+            <a:ext cx="192960" cy="84600"/>
+            <a:chOff x="5261040" y="4199040"/>
+            <a:chExt cx="192960" cy="84600"/>
           </a:xfrm>
         </p:grpSpPr>
         <p:sp>
           <p:nvSpPr>
-            <p:cNvPr id="517" name="CustomShape 52"/>
+            <p:cNvPr id="515" name="CustomShape 52"/>
             <p:cNvSpPr/>
             <p:nvPr/>
           </p:nvSpPr>
           <p:spPr>
             <a:xfrm rot="5400000">
-              <a:off x="5312160" y="4147560"/>
-              <a:ext cx="84960" cy="187920"/>
+              <a:off x="5312520" y="4147560"/>
+              <a:ext cx="84600" cy="187560"/>
             </a:xfrm>
             <a:prstGeom prst="rect">
               <a:avLst/>
@@ -23819,14 +23743,14 @@
         </p:sp>
         <p:sp>
           <p:nvSpPr>
-            <p:cNvPr id="518" name="CustomShape 53"/>
+            <p:cNvPr id="516" name="CustomShape 53"/>
             <p:cNvSpPr/>
             <p:nvPr/>
           </p:nvSpPr>
           <p:spPr>
             <a:xfrm rot="5400000">
-              <a:off x="5320080" y="4148640"/>
-              <a:ext cx="74160" cy="193320"/>
+              <a:off x="5320440" y="4148640"/>
+              <a:ext cx="73800" cy="192960"/>
             </a:xfrm>
             <a:custGeom>
               <a:avLst/>
@@ -23894,28 +23818,28 @@
       </p:grpSp>
       <p:grpSp>
         <p:nvGrpSpPr>
-          <p:cNvPr id="519" name="Group 54"/>
+          <p:cNvPr id="517" name="Group 54"/>
           <p:cNvGrpSpPr/>
           <p:nvPr/>
         </p:nvGrpSpPr>
         <p:grpSpPr>
           <a:xfrm>
-            <a:off x="4407120" y="4212720"/>
-            <a:ext cx="193320" cy="84960"/>
-            <a:chOff x="4407120" y="4212720"/>
-            <a:chExt cx="193320" cy="84960"/>
+            <a:off x="4407480" y="4212720"/>
+            <a:ext cx="192960" cy="84600"/>
+            <a:chOff x="4407480" y="4212720"/>
+            <a:chExt cx="192960" cy="84600"/>
           </a:xfrm>
         </p:grpSpPr>
         <p:sp>
           <p:nvSpPr>
-            <p:cNvPr id="520" name="CustomShape 55"/>
+            <p:cNvPr id="518" name="CustomShape 55"/>
             <p:cNvSpPr/>
             <p:nvPr/>
           </p:nvSpPr>
           <p:spPr>
             <a:xfrm rot="5400000">
-              <a:off x="4458960" y="4161240"/>
-              <a:ext cx="84960" cy="187920"/>
+              <a:off x="4459320" y="4161240"/>
+              <a:ext cx="84600" cy="187560"/>
             </a:xfrm>
             <a:prstGeom prst="rect">
               <a:avLst/>
@@ -23941,14 +23865,14 @@
         </p:sp>
         <p:sp>
           <p:nvSpPr>
-            <p:cNvPr id="521" name="CustomShape 56"/>
+            <p:cNvPr id="519" name="CustomShape 56"/>
             <p:cNvSpPr/>
             <p:nvPr/>
           </p:nvSpPr>
           <p:spPr>
             <a:xfrm rot="5400000">
-              <a:off x="4466520" y="4162320"/>
-              <a:ext cx="74160" cy="193320"/>
+              <a:off x="4466880" y="4162320"/>
+              <a:ext cx="73800" cy="192960"/>
             </a:xfrm>
             <a:custGeom>
               <a:avLst/>
@@ -24016,28 +23940,28 @@
       </p:grpSp>
       <p:grpSp>
         <p:nvGrpSpPr>
-          <p:cNvPr id="522" name="Group 57"/>
+          <p:cNvPr id="520" name="Group 57"/>
           <p:cNvGrpSpPr/>
           <p:nvPr/>
         </p:nvGrpSpPr>
         <p:grpSpPr>
           <a:xfrm>
             <a:off x="4060080" y="1545120"/>
-            <a:ext cx="84960" cy="193320"/>
+            <a:ext cx="84600" cy="192960"/>
             <a:chOff x="4060080" y="1545120"/>
-            <a:chExt cx="84960" cy="193320"/>
+            <a:chExt cx="84600" cy="192960"/>
           </a:xfrm>
         </p:grpSpPr>
         <p:sp>
           <p:nvSpPr>
-            <p:cNvPr id="523" name="CustomShape 58"/>
+            <p:cNvPr id="521" name="CustomShape 58"/>
             <p:cNvSpPr/>
             <p:nvPr/>
           </p:nvSpPr>
           <p:spPr>
             <a:xfrm>
               <a:off x="4060080" y="1550520"/>
-              <a:ext cx="84960" cy="187920"/>
+              <a:ext cx="84600" cy="187560"/>
             </a:xfrm>
             <a:prstGeom prst="rect">
               <a:avLst/>
@@ -24063,14 +23987,14 @@
         </p:sp>
         <p:sp>
           <p:nvSpPr>
-            <p:cNvPr id="524" name="CustomShape 59"/>
+            <p:cNvPr id="522" name="CustomShape 59"/>
             <p:cNvSpPr/>
             <p:nvPr/>
           </p:nvSpPr>
           <p:spPr>
             <a:xfrm>
               <a:off x="4069440" y="1545120"/>
-              <a:ext cx="74160" cy="193320"/>
+              <a:ext cx="73800" cy="192960"/>
             </a:xfrm>
             <a:custGeom>
               <a:avLst/>
@@ -24138,28 +24062,28 @@
       </p:grpSp>
       <p:grpSp>
         <p:nvGrpSpPr>
-          <p:cNvPr id="525" name="Group 60"/>
+          <p:cNvPr id="523" name="Group 60"/>
           <p:cNvGrpSpPr/>
           <p:nvPr/>
         </p:nvGrpSpPr>
         <p:grpSpPr>
           <a:xfrm>
-            <a:off x="4407120" y="4820040"/>
-            <a:ext cx="193320" cy="84960"/>
-            <a:chOff x="4407120" y="4820040"/>
-            <a:chExt cx="193320" cy="84960"/>
+            <a:off x="4407480" y="4820040"/>
+            <a:ext cx="192960" cy="84600"/>
+            <a:chOff x="4407480" y="4820040"/>
+            <a:chExt cx="192960" cy="84600"/>
           </a:xfrm>
         </p:grpSpPr>
         <p:sp>
           <p:nvSpPr>
-            <p:cNvPr id="526" name="CustomShape 61"/>
+            <p:cNvPr id="524" name="CustomShape 61"/>
             <p:cNvSpPr/>
             <p:nvPr/>
           </p:nvSpPr>
           <p:spPr>
             <a:xfrm rot="5400000">
-              <a:off x="4458960" y="4768560"/>
-              <a:ext cx="84960" cy="187920"/>
+              <a:off x="4459320" y="4768560"/>
+              <a:ext cx="84600" cy="187560"/>
             </a:xfrm>
             <a:prstGeom prst="rect">
               <a:avLst/>
@@ -24185,14 +24109,14 @@
         </p:sp>
         <p:sp>
           <p:nvSpPr>
-            <p:cNvPr id="527" name="CustomShape 62"/>
+            <p:cNvPr id="525" name="CustomShape 62"/>
             <p:cNvSpPr/>
             <p:nvPr/>
           </p:nvSpPr>
           <p:spPr>
             <a:xfrm rot="5400000">
-              <a:off x="4466520" y="4769640"/>
-              <a:ext cx="74160" cy="193320"/>
+              <a:off x="4466880" y="4769640"/>
+              <a:ext cx="73800" cy="192960"/>
             </a:xfrm>
             <a:custGeom>
               <a:avLst/>
@@ -24260,28 +24184,28 @@
       </p:grpSp>
       <p:grpSp>
         <p:nvGrpSpPr>
-          <p:cNvPr id="528" name="Group 63"/>
+          <p:cNvPr id="526" name="Group 63"/>
           <p:cNvGrpSpPr/>
           <p:nvPr/>
         </p:nvGrpSpPr>
         <p:grpSpPr>
           <a:xfrm>
-            <a:off x="5256720" y="4810680"/>
-            <a:ext cx="193320" cy="84960"/>
-            <a:chOff x="5256720" y="4810680"/>
-            <a:chExt cx="193320" cy="84960"/>
+            <a:off x="5257080" y="4810680"/>
+            <a:ext cx="192960" cy="84600"/>
+            <a:chOff x="5257080" y="4810680"/>
+            <a:chExt cx="192960" cy="84600"/>
           </a:xfrm>
         </p:grpSpPr>
         <p:sp>
           <p:nvSpPr>
-            <p:cNvPr id="529" name="CustomShape 64"/>
+            <p:cNvPr id="527" name="CustomShape 64"/>
             <p:cNvSpPr/>
             <p:nvPr/>
           </p:nvSpPr>
           <p:spPr>
             <a:xfrm rot="5400000">
-              <a:off x="5308200" y="4759200"/>
-              <a:ext cx="84960" cy="187920"/>
+              <a:off x="5308560" y="4759200"/>
+              <a:ext cx="84600" cy="187560"/>
             </a:xfrm>
             <a:prstGeom prst="rect">
               <a:avLst/>
@@ -24307,14 +24231,14 @@
         </p:sp>
         <p:sp>
           <p:nvSpPr>
-            <p:cNvPr id="530" name="CustomShape 65"/>
+            <p:cNvPr id="528" name="CustomShape 65"/>
             <p:cNvSpPr/>
             <p:nvPr/>
           </p:nvSpPr>
           <p:spPr>
             <a:xfrm rot="5400000">
-              <a:off x="5316120" y="4760280"/>
-              <a:ext cx="74160" cy="193320"/>
+              <a:off x="5316480" y="4760280"/>
+              <a:ext cx="73800" cy="192960"/>
             </a:xfrm>
             <a:custGeom>
               <a:avLst/>
@@ -24382,14 +24306,14 @@
       </p:grpSp>
       <p:sp>
         <p:nvSpPr>
-          <p:cNvPr id="531" name="CustomShape 66"/>
+          <p:cNvPr id="529" name="CustomShape 66"/>
           <p:cNvSpPr/>
           <p:nvPr/>
         </p:nvSpPr>
         <p:spPr>
           <a:xfrm>
             <a:off x="3569400" y="1328760"/>
-            <a:ext cx="415440" cy="279720"/>
+            <a:ext cx="415080" cy="279360"/>
           </a:xfrm>
           <a:prstGeom prst="rect">
             <a:avLst/>
@@ -24441,14 +24365,14 @@
       </p:sp>
       <p:sp>
         <p:nvSpPr>
-          <p:cNvPr id="532" name="CustomShape 67"/>
+          <p:cNvPr id="530" name="CustomShape 67"/>
           <p:cNvSpPr/>
           <p:nvPr/>
         </p:nvSpPr>
         <p:spPr>
           <a:xfrm>
             <a:off x="3547440" y="1848600"/>
-            <a:ext cx="534240" cy="279720"/>
+            <a:ext cx="533880" cy="279360"/>
           </a:xfrm>
           <a:prstGeom prst="rect">
             <a:avLst/>
@@ -24500,14 +24424,14 @@
       </p:sp>
       <p:sp>
         <p:nvSpPr>
-          <p:cNvPr id="533" name="CustomShape 68"/>
+          <p:cNvPr id="531" name="CustomShape 68"/>
           <p:cNvSpPr/>
           <p:nvPr/>
         </p:nvSpPr>
         <p:spPr>
           <a:xfrm rot="16200000">
-            <a:off x="3196800" y="2387880"/>
-            <a:ext cx="484200" cy="249840"/>
+            <a:off x="3196800" y="2388240"/>
+            <a:ext cx="483840" cy="249480"/>
           </a:xfrm>
           <a:prstGeom prst="rect">
             <a:avLst/>
@@ -24549,14 +24473,14 @@
       </p:sp>
       <p:sp>
         <p:nvSpPr>
-          <p:cNvPr id="534" name="CustomShape 69"/>
+          <p:cNvPr id="532" name="CustomShape 69"/>
           <p:cNvSpPr/>
           <p:nvPr/>
         </p:nvSpPr>
         <p:spPr>
           <a:xfrm rot="16200000">
-            <a:off x="3080160" y="1409760"/>
-            <a:ext cx="716040" cy="249840"/>
+            <a:off x="3080160" y="1410120"/>
+            <a:ext cx="715680" cy="249480"/>
           </a:xfrm>
           <a:prstGeom prst="rect">
             <a:avLst/>
@@ -24598,14 +24522,14 @@
       </p:sp>
       <p:sp>
         <p:nvSpPr>
-          <p:cNvPr id="535" name="CustomShape 70"/>
+          <p:cNvPr id="533" name="CustomShape 70"/>
           <p:cNvSpPr/>
           <p:nvPr/>
         </p:nvSpPr>
         <p:spPr>
           <a:xfrm>
             <a:off x="4428000" y="1478520"/>
-            <a:ext cx="529560" cy="270720"/>
+            <a:ext cx="529200" cy="270360"/>
           </a:xfrm>
           <a:prstGeom prst="rect">
             <a:avLst/>
@@ -24707,14 +24631,14 @@
       </p:sp>
       <p:sp>
         <p:nvSpPr>
-          <p:cNvPr id="536" name="CustomShape 71"/>
+          <p:cNvPr id="534" name="CustomShape 71"/>
           <p:cNvSpPr/>
           <p:nvPr/>
         </p:nvSpPr>
         <p:spPr>
           <a:xfrm>
             <a:off x="4111560" y="1368000"/>
-            <a:ext cx="580680" cy="109440"/>
+            <a:ext cx="580320" cy="109080"/>
           </a:xfrm>
           <a:prstGeom prst="bentConnector2">
             <a:avLst/>
@@ -24743,14 +24667,14 @@
       </p:sp>
       <p:sp>
         <p:nvSpPr>
-          <p:cNvPr id="537" name="CustomShape 72"/>
+          <p:cNvPr id="535" name="CustomShape 72"/>
           <p:cNvSpPr/>
           <p:nvPr/>
         </p:nvSpPr>
         <p:spPr>
           <a:xfrm>
             <a:off x="3983400" y="920160"/>
-            <a:ext cx="273600" cy="272520"/>
+            <a:ext cx="273240" cy="272160"/>
           </a:xfrm>
           <a:prstGeom prst="rect">
             <a:avLst/>
@@ -24792,14 +24716,14 @@
       </p:sp>
       <p:sp>
         <p:nvSpPr>
-          <p:cNvPr id="538" name="CustomShape 73"/>
+          <p:cNvPr id="536" name="CustomShape 73"/>
           <p:cNvSpPr/>
           <p:nvPr/>
         </p:nvSpPr>
         <p:spPr>
           <a:xfrm>
             <a:off x="4058280" y="1400400"/>
-            <a:ext cx="91800" cy="102600"/>
+            <a:ext cx="91440" cy="102240"/>
           </a:xfrm>
           <a:prstGeom prst="ellipse">
             <a:avLst/>
@@ -24828,14 +24752,14 @@
       </p:sp>
       <p:sp>
         <p:nvSpPr>
-          <p:cNvPr id="539" name="CustomShape 74"/>
+          <p:cNvPr id="537" name="CustomShape 74"/>
           <p:cNvSpPr/>
           <p:nvPr/>
         </p:nvSpPr>
         <p:spPr>
           <a:xfrm>
             <a:off x="4425480" y="1981080"/>
-            <a:ext cx="560160" cy="270720"/>
+            <a:ext cx="559800" cy="270360"/>
           </a:xfrm>
           <a:prstGeom prst="rect">
             <a:avLst/>
@@ -24937,14 +24861,14 @@
       </p:sp>
       <p:sp>
         <p:nvSpPr>
-          <p:cNvPr id="540" name="CustomShape 75"/>
+          <p:cNvPr id="538" name="CustomShape 75"/>
           <p:cNvSpPr/>
           <p:nvPr/>
         </p:nvSpPr>
         <p:spPr>
           <a:xfrm>
             <a:off x="4124520" y="1870920"/>
-            <a:ext cx="580680" cy="109440"/>
+            <a:ext cx="580320" cy="109080"/>
           </a:xfrm>
           <a:prstGeom prst="bentConnector2">
             <a:avLst/>
@@ -24973,14 +24897,14 @@
       </p:sp>
       <p:sp>
         <p:nvSpPr>
-          <p:cNvPr id="541" name="CustomShape 76"/>
+          <p:cNvPr id="539" name="CustomShape 76"/>
           <p:cNvSpPr/>
           <p:nvPr/>
         </p:nvSpPr>
         <p:spPr>
           <a:xfrm>
             <a:off x="4429800" y="2582640"/>
-            <a:ext cx="547920" cy="270720"/>
+            <a:ext cx="547560" cy="270360"/>
           </a:xfrm>
           <a:prstGeom prst="rect">
             <a:avLst/>
@@ -25082,14 +25006,14 @@
       </p:sp>
       <p:sp>
         <p:nvSpPr>
-          <p:cNvPr id="542" name="CustomShape 77"/>
+          <p:cNvPr id="540" name="CustomShape 77"/>
           <p:cNvSpPr/>
           <p:nvPr/>
         </p:nvSpPr>
         <p:spPr>
           <a:xfrm>
             <a:off x="4122720" y="2472120"/>
-            <a:ext cx="580680" cy="109440"/>
+            <a:ext cx="580320" cy="109080"/>
           </a:xfrm>
           <a:prstGeom prst="bentConnector2">
             <a:avLst/>
@@ -25118,14 +25042,14 @@
       </p:sp>
       <p:sp>
         <p:nvSpPr>
-          <p:cNvPr id="543" name="CustomShape 78"/>
+          <p:cNvPr id="541" name="CustomShape 78"/>
           <p:cNvSpPr/>
           <p:nvPr/>
         </p:nvSpPr>
         <p:spPr>
           <a:xfrm>
             <a:off x="4422600" y="3077280"/>
-            <a:ext cx="561600" cy="270720"/>
+            <a:ext cx="561240" cy="270360"/>
           </a:xfrm>
           <a:prstGeom prst="rect">
             <a:avLst/>
@@ -25227,14 +25151,14 @@
       </p:sp>
       <p:sp>
         <p:nvSpPr>
-          <p:cNvPr id="544" name="CustomShape 79"/>
+          <p:cNvPr id="542" name="CustomShape 79"/>
           <p:cNvSpPr/>
           <p:nvPr/>
         </p:nvSpPr>
         <p:spPr>
           <a:xfrm>
             <a:off x="4122720" y="2966760"/>
-            <a:ext cx="580680" cy="109440"/>
+            <a:ext cx="580320" cy="109080"/>
           </a:xfrm>
           <a:prstGeom prst="bentConnector2">
             <a:avLst/>
@@ -25319,14 +25243,14 @@
       </p:grpSpPr>
       <p:sp>
         <p:nvSpPr>
-          <p:cNvPr id="545" name="CustomShape 1"/>
+          <p:cNvPr id="543" name="CustomShape 1"/>
           <p:cNvSpPr/>
           <p:nvPr/>
         </p:nvSpPr>
         <p:spPr>
           <a:xfrm>
             <a:off x="1551240" y="929520"/>
-            <a:ext cx="3507840" cy="4659120"/>
+            <a:ext cx="3507480" cy="4658760"/>
           </a:xfrm>
           <a:prstGeom prst="rect">
             <a:avLst/>
@@ -25355,7 +25279,7 @@
       </p:sp>
       <p:pic>
         <p:nvPicPr>
-          <p:cNvPr id="546" name="Picture 2" descr=""/>
+          <p:cNvPr id="544" name="Picture 2" descr=""/>
           <p:cNvPicPr/>
           <p:nvPr/>
         </p:nvPicPr>
@@ -25366,7 +25290,7 @@
         <p:spPr>
           <a:xfrm>
             <a:off x="1558440" y="1323000"/>
-            <a:ext cx="2954160" cy="4092840"/>
+            <a:ext cx="2953800" cy="4092480"/>
           </a:xfrm>
           <a:prstGeom prst="rect">
             <a:avLst/>
@@ -25378,14 +25302,14 @@
       </p:pic>
       <p:sp>
         <p:nvSpPr>
-          <p:cNvPr id="547" name="CustomShape 2"/>
+          <p:cNvPr id="545" name="CustomShape 2"/>
           <p:cNvSpPr/>
           <p:nvPr/>
         </p:nvSpPr>
         <p:spPr>
           <a:xfrm>
             <a:off x="3298680" y="934920"/>
-            <a:ext cx="3627360" cy="4659120"/>
+            <a:ext cx="3627000" cy="4658760"/>
           </a:xfrm>
           <a:prstGeom prst="rect">
             <a:avLst/>
@@ -25414,14 +25338,14 @@
       </p:sp>
       <p:sp>
         <p:nvSpPr>
-          <p:cNvPr id="548" name="CustomShape 3"/>
+          <p:cNvPr id="546" name="CustomShape 3"/>
           <p:cNvSpPr/>
           <p:nvPr/>
         </p:nvSpPr>
         <p:spPr>
           <a:xfrm>
             <a:off x="4906080" y="3101040"/>
-            <a:ext cx="487080" cy="270720"/>
+            <a:ext cx="486720" cy="270360"/>
           </a:xfrm>
           <a:prstGeom prst="rect">
             <a:avLst/>
@@ -25493,14 +25417,14 @@
       </p:sp>
       <p:sp>
         <p:nvSpPr>
-          <p:cNvPr id="549" name="CustomShape 4"/>
+          <p:cNvPr id="547" name="CustomShape 4"/>
           <p:cNvSpPr/>
           <p:nvPr/>
         </p:nvSpPr>
         <p:spPr>
           <a:xfrm>
             <a:off x="3909240" y="920160"/>
-            <a:ext cx="406080" cy="296640"/>
+            <a:ext cx="405720" cy="296280"/>
           </a:xfrm>
           <a:prstGeom prst="rect">
             <a:avLst/>
@@ -25552,14 +25476,14 @@
       </p:sp>
       <p:sp>
         <p:nvSpPr>
-          <p:cNvPr id="550" name="CustomShape 5"/>
+          <p:cNvPr id="548" name="CustomShape 5"/>
           <p:cNvSpPr/>
           <p:nvPr/>
         </p:nvSpPr>
         <p:spPr>
           <a:xfrm>
             <a:off x="4866840" y="1535040"/>
-            <a:ext cx="564840" cy="270720"/>
+            <a:ext cx="564480" cy="270360"/>
           </a:xfrm>
           <a:prstGeom prst="rect">
             <a:avLst/>
@@ -25621,14 +25545,14 @@
       </p:sp>
       <p:sp>
         <p:nvSpPr>
-          <p:cNvPr id="551" name="CustomShape 6"/>
+          <p:cNvPr id="549" name="CustomShape 6"/>
           <p:cNvSpPr/>
           <p:nvPr/>
         </p:nvSpPr>
         <p:spPr>
           <a:xfrm>
             <a:off x="3874320" y="3101040"/>
-            <a:ext cx="483840" cy="270720"/>
+            <a:ext cx="483480" cy="270360"/>
           </a:xfrm>
           <a:prstGeom prst="rect">
             <a:avLst/>
@@ -25700,14 +25624,14 @@
       </p:sp>
       <p:sp>
         <p:nvSpPr>
-          <p:cNvPr id="552" name="CustomShape 7"/>
+          <p:cNvPr id="550" name="CustomShape 7"/>
           <p:cNvSpPr/>
           <p:nvPr/>
         </p:nvSpPr>
         <p:spPr>
           <a:xfrm>
             <a:off x="4374720" y="3227760"/>
-            <a:ext cx="507960" cy="360"/>
+            <a:ext cx="507600" cy="360"/>
           </a:xfrm>
           <a:custGeom>
             <a:avLst/>
@@ -25750,14 +25674,14 @@
       </p:sp>
       <p:sp>
         <p:nvSpPr>
-          <p:cNvPr id="553" name="CustomShape 8"/>
+          <p:cNvPr id="551" name="CustomShape 8"/>
           <p:cNvSpPr/>
           <p:nvPr/>
         </p:nvSpPr>
         <p:spPr>
           <a:xfrm>
             <a:off x="4906080" y="2635560"/>
-            <a:ext cx="487080" cy="270720"/>
+            <a:ext cx="486720" cy="270360"/>
           </a:xfrm>
           <a:prstGeom prst="rect">
             <a:avLst/>
@@ -25829,14 +25753,14 @@
       </p:sp>
       <p:sp>
         <p:nvSpPr>
-          <p:cNvPr id="554" name="CustomShape 9"/>
+          <p:cNvPr id="552" name="CustomShape 9"/>
           <p:cNvSpPr/>
           <p:nvPr/>
         </p:nvSpPr>
         <p:spPr>
           <a:xfrm>
             <a:off x="3874320" y="2635560"/>
-            <a:ext cx="483840" cy="270720"/>
+            <a:ext cx="483480" cy="270360"/>
           </a:xfrm>
           <a:prstGeom prst="rect">
             <a:avLst/>
@@ -25908,14 +25832,14 @@
       </p:sp>
       <p:sp>
         <p:nvSpPr>
-          <p:cNvPr id="555" name="CustomShape 10"/>
+          <p:cNvPr id="553" name="CustomShape 10"/>
           <p:cNvSpPr/>
           <p:nvPr/>
         </p:nvSpPr>
         <p:spPr>
           <a:xfrm>
             <a:off x="4374720" y="2762280"/>
-            <a:ext cx="507960" cy="360"/>
+            <a:ext cx="507600" cy="360"/>
           </a:xfrm>
           <a:custGeom>
             <a:avLst/>
@@ -25958,14 +25882,14 @@
       </p:sp>
       <p:sp>
         <p:nvSpPr>
-          <p:cNvPr id="556" name="CustomShape 11"/>
+          <p:cNvPr id="554" name="CustomShape 11"/>
           <p:cNvSpPr/>
           <p:nvPr/>
         </p:nvSpPr>
         <p:spPr>
           <a:xfrm>
             <a:off x="4116600" y="2889360"/>
-            <a:ext cx="360" cy="210960"/>
+            <a:ext cx="360" cy="210600"/>
           </a:xfrm>
           <a:custGeom>
             <a:avLst/>
@@ -26008,14 +25932,14 @@
       </p:sp>
       <p:sp>
         <p:nvSpPr>
-          <p:cNvPr id="557" name="CustomShape 12"/>
+          <p:cNvPr id="555" name="CustomShape 12"/>
           <p:cNvSpPr/>
           <p:nvPr/>
         </p:nvSpPr>
         <p:spPr>
           <a:xfrm rot="16200000">
-            <a:off x="3196800" y="2387880"/>
-            <a:ext cx="484200" cy="249840"/>
+            <a:off x="3196800" y="2388240"/>
+            <a:ext cx="483840" cy="249480"/>
           </a:xfrm>
           <a:prstGeom prst="rect">
             <a:avLst/>
@@ -26057,14 +25981,14 @@
       </p:sp>
       <p:sp>
         <p:nvSpPr>
-          <p:cNvPr id="558" name="CustomShape 13"/>
+          <p:cNvPr id="556" name="CustomShape 13"/>
           <p:cNvSpPr/>
           <p:nvPr/>
         </p:nvSpPr>
         <p:spPr>
           <a:xfrm rot="16200000">
-            <a:off x="3080160" y="1409760"/>
-            <a:ext cx="716040" cy="249840"/>
+            <a:off x="3080160" y="1410120"/>
+            <a:ext cx="715680" cy="249480"/>
           </a:xfrm>
           <a:prstGeom prst="rect">
             <a:avLst/>
@@ -26106,14 +26030,14 @@
       </p:sp>
       <p:sp>
         <p:nvSpPr>
-          <p:cNvPr id="559" name="CustomShape 14"/>
+          <p:cNvPr id="557" name="CustomShape 14"/>
           <p:cNvSpPr/>
           <p:nvPr/>
         </p:nvSpPr>
         <p:spPr>
           <a:xfrm>
             <a:off x="4112640" y="1197360"/>
-            <a:ext cx="3240" cy="337680"/>
+            <a:ext cx="2880" cy="337320"/>
           </a:xfrm>
           <a:custGeom>
             <a:avLst/>
@@ -26155,14 +26079,14 @@
       </p:sp>
       <p:sp>
         <p:nvSpPr>
-          <p:cNvPr id="560" name="CustomShape 15"/>
+          <p:cNvPr id="558" name="CustomShape 15"/>
           <p:cNvSpPr/>
           <p:nvPr/>
         </p:nvSpPr>
         <p:spPr>
           <a:xfrm>
             <a:off x="3835440" y="1535760"/>
-            <a:ext cx="561600" cy="270720"/>
+            <a:ext cx="561240" cy="270360"/>
           </a:xfrm>
           <a:prstGeom prst="rect">
             <a:avLst/>
@@ -26224,14 +26148,14 @@
       </p:sp>
       <p:sp>
         <p:nvSpPr>
-          <p:cNvPr id="561" name="CustomShape 16"/>
+          <p:cNvPr id="559" name="CustomShape 16"/>
           <p:cNvSpPr/>
           <p:nvPr/>
         </p:nvSpPr>
         <p:spPr>
           <a:xfrm flipV="1">
-            <a:off x="4420440" y="1660320"/>
-            <a:ext cx="422280" cy="360"/>
+            <a:off x="4420440" y="1659600"/>
+            <a:ext cx="421920" cy="360"/>
           </a:xfrm>
           <a:custGeom>
             <a:avLst/>
@@ -26274,14 +26198,14 @@
       </p:sp>
       <p:sp>
         <p:nvSpPr>
-          <p:cNvPr id="562" name="CustomShape 17"/>
+          <p:cNvPr id="560" name="CustomShape 17"/>
           <p:cNvSpPr/>
           <p:nvPr/>
         </p:nvSpPr>
         <p:spPr>
           <a:xfrm>
             <a:off x="4899960" y="2013840"/>
-            <a:ext cx="499320" cy="270720"/>
+            <a:ext cx="498960" cy="270360"/>
           </a:xfrm>
           <a:prstGeom prst="rect">
             <a:avLst/>
@@ -26343,14 +26267,14 @@
       </p:sp>
       <p:sp>
         <p:nvSpPr>
-          <p:cNvPr id="563" name="CustomShape 18"/>
+          <p:cNvPr id="561" name="CustomShape 18"/>
           <p:cNvSpPr/>
           <p:nvPr/>
         </p:nvSpPr>
         <p:spPr>
           <a:xfrm>
             <a:off x="3868200" y="2013840"/>
-            <a:ext cx="496080" cy="270720"/>
+            <a:ext cx="495720" cy="270360"/>
           </a:xfrm>
           <a:prstGeom prst="rect">
             <a:avLst/>
@@ -26412,14 +26336,14 @@
       </p:sp>
       <p:sp>
         <p:nvSpPr>
-          <p:cNvPr id="564" name="CustomShape 19"/>
+          <p:cNvPr id="562" name="CustomShape 19"/>
           <p:cNvSpPr/>
           <p:nvPr/>
         </p:nvSpPr>
         <p:spPr>
           <a:xfrm>
             <a:off x="4381920" y="2140920"/>
-            <a:ext cx="500760" cy="360"/>
+            <a:ext cx="500400" cy="360"/>
           </a:xfrm>
           <a:custGeom>
             <a:avLst/>
@@ -26462,14 +26386,14 @@
       </p:sp>
       <p:sp>
         <p:nvSpPr>
-          <p:cNvPr id="565" name="CustomShape 20"/>
+          <p:cNvPr id="563" name="CustomShape 20"/>
           <p:cNvSpPr/>
           <p:nvPr/>
         </p:nvSpPr>
         <p:spPr>
           <a:xfrm>
             <a:off x="4116600" y="2267640"/>
-            <a:ext cx="360" cy="366840"/>
+            <a:ext cx="360" cy="366480"/>
           </a:xfrm>
           <a:custGeom>
             <a:avLst/>
@@ -26512,14 +26436,14 @@
       </p:sp>
       <p:sp>
         <p:nvSpPr>
-          <p:cNvPr id="566" name="CustomShape 21"/>
+          <p:cNvPr id="564" name="CustomShape 21"/>
           <p:cNvSpPr/>
           <p:nvPr/>
         </p:nvSpPr>
         <p:spPr>
           <a:xfrm>
             <a:off x="4532400" y="2293200"/>
-            <a:ext cx="249120" cy="249840"/>
+            <a:ext cx="248760" cy="249480"/>
           </a:xfrm>
           <a:prstGeom prst="rect">
             <a:avLst/>
@@ -26561,14 +26485,14 @@
       </p:sp>
       <p:sp>
         <p:nvSpPr>
-          <p:cNvPr id="567" name="CustomShape 22"/>
+          <p:cNvPr id="565" name="CustomShape 22"/>
           <p:cNvSpPr/>
           <p:nvPr/>
         </p:nvSpPr>
         <p:spPr>
           <a:xfrm flipH="1">
-            <a:off x="4115160" y="1789560"/>
-            <a:ext cx="360" cy="223560"/>
+            <a:off x="4114440" y="1789560"/>
+            <a:ext cx="360" cy="223200"/>
           </a:xfrm>
           <a:custGeom>
             <a:avLst/>

--- a/Hydraulics.pptx
+++ b/Hydraulics.pptx
@@ -1401,145 +1401,7 @@
               <a:rPr b="0" lang="en-US" sz="4400" spc="-1" strike="noStrike">
                 <a:latin typeface="Arial"/>
               </a:rPr>
-              <a:t>F</a:t>
-            </a:r>
-            <a:r>
-              <a:rPr b="0" lang="en-US" sz="4400" spc="-1" strike="noStrike">
-                <a:latin typeface="Arial"/>
-              </a:rPr>
-              <a:t>e</a:t>
-            </a:r>
-            <a:r>
-              <a:rPr b="0" lang="en-US" sz="4400" spc="-1" strike="noStrike">
-                <a:latin typeface="Arial"/>
-              </a:rPr>
-              <a:t>u </a:t>
-            </a:r>
-            <a:r>
-              <a:rPr b="0" lang="en-US" sz="4400" spc="-1" strike="noStrike">
-                <a:latin typeface="Arial"/>
-              </a:rPr>
-              <a:t>cl</a:t>
-            </a:r>
-            <a:r>
-              <a:rPr b="0" lang="en-US" sz="4400" spc="-1" strike="noStrike">
-                <a:latin typeface="Arial"/>
-              </a:rPr>
-              <a:t>ic </a:t>
-            </a:r>
-            <a:r>
-              <a:rPr b="0" lang="en-US" sz="4400" spc="-1" strike="noStrike">
-                <a:latin typeface="Arial"/>
-              </a:rPr>
-              <a:t>p</a:t>
-            </a:r>
-            <a:r>
-              <a:rPr b="0" lang="en-US" sz="4400" spc="-1" strike="noStrike">
-                <a:latin typeface="Arial"/>
-              </a:rPr>
-              <a:t>er </a:t>
-            </a:r>
-            <a:r>
-              <a:rPr b="0" lang="en-US" sz="4400" spc="-1" strike="noStrike">
-                <a:latin typeface="Arial"/>
-              </a:rPr>
-              <a:t>e</a:t>
-            </a:r>
-            <a:r>
-              <a:rPr b="0" lang="en-US" sz="4400" spc="-1" strike="noStrike">
-                <a:latin typeface="Arial"/>
-              </a:rPr>
-              <a:t>di</a:t>
-            </a:r>
-            <a:r>
-              <a:rPr b="0" lang="en-US" sz="4400" spc="-1" strike="noStrike">
-                <a:latin typeface="Arial"/>
-              </a:rPr>
-              <a:t>ta</a:t>
-            </a:r>
-            <a:r>
-              <a:rPr b="0" lang="en-US" sz="4400" spc="-1" strike="noStrike">
-                <a:latin typeface="Arial"/>
-              </a:rPr>
-              <a:t>r </a:t>
-            </a:r>
-            <a:r>
-              <a:rPr b="0" lang="en-US" sz="4400" spc="-1" strike="noStrike">
-                <a:latin typeface="Arial"/>
-              </a:rPr>
-              <a:t>el </a:t>
-            </a:r>
-            <a:r>
-              <a:rPr b="0" lang="en-US" sz="4400" spc="-1" strike="noStrike">
-                <a:latin typeface="Arial"/>
-              </a:rPr>
-              <a:t>fo</a:t>
-            </a:r>
-            <a:r>
-              <a:rPr b="0" lang="en-US" sz="4400" spc="-1" strike="noStrike">
-                <a:latin typeface="Arial"/>
-              </a:rPr>
-              <a:t>r</a:t>
-            </a:r>
-            <a:r>
-              <a:rPr b="0" lang="en-US" sz="4400" spc="-1" strike="noStrike">
-                <a:latin typeface="Arial"/>
-              </a:rPr>
-              <a:t>m</a:t>
-            </a:r>
-            <a:r>
-              <a:rPr b="0" lang="en-US" sz="4400" spc="-1" strike="noStrike">
-                <a:latin typeface="Arial"/>
-              </a:rPr>
-              <a:t>at </a:t>
-            </a:r>
-            <a:r>
-              <a:rPr b="0" lang="en-US" sz="4400" spc="-1" strike="noStrike">
-                <a:latin typeface="Arial"/>
-              </a:rPr>
-              <a:t>d</a:t>
-            </a:r>
-            <a:r>
-              <a:rPr b="0" lang="en-US" sz="4400" spc="-1" strike="noStrike">
-                <a:latin typeface="Arial"/>
-              </a:rPr>
-              <a:t>el </a:t>
-            </a:r>
-            <a:r>
-              <a:rPr b="0" lang="en-US" sz="4400" spc="-1" strike="noStrike">
-                <a:latin typeface="Arial"/>
-              </a:rPr>
-              <a:t>te</a:t>
-            </a:r>
-            <a:r>
-              <a:rPr b="0" lang="en-US" sz="4400" spc="-1" strike="noStrike">
-                <a:latin typeface="Arial"/>
-              </a:rPr>
-              <a:t>xt </a:t>
-            </a:r>
-            <a:r>
-              <a:rPr b="0" lang="en-US" sz="4400" spc="-1" strike="noStrike">
-                <a:latin typeface="Arial"/>
-              </a:rPr>
-              <a:t>d</a:t>
-            </a:r>
-            <a:r>
-              <a:rPr b="0" lang="en-US" sz="4400" spc="-1" strike="noStrike">
-                <a:latin typeface="Arial"/>
-              </a:rPr>
-              <a:t>el </a:t>
-            </a:r>
-            <a:r>
-              <a:rPr b="0" lang="en-US" sz="4400" spc="-1" strike="noStrike">
-                <a:latin typeface="Arial"/>
-              </a:rPr>
-              <a:t>tít</a:t>
-            </a:r>
-            <a:r>
-              <a:rPr b="0" lang="en-US" sz="4400" spc="-1" strike="noStrike">
-                <a:latin typeface="Arial"/>
-              </a:rPr>
-              <a:t>ol</a:t>
+              <a:t>Feu clic per editar el format del text del títol</a:t>
             </a:r>
             <a:endParaRPr b="0" lang="en-US" sz="4400" spc="-1" strike="noStrike">
               <a:latin typeface="Arial"/>
@@ -1573,7 +1435,7 @@
           <a:p>
             <a:pPr marL="432000" indent="-324000">
               <a:spcBef>
-                <a:spcPts val="1414"/>
+                <a:spcPts val="1417"/>
               </a:spcBef>
               <a:buClr>
                 <a:srgbClr val="000000"/>
@@ -1783,7 +1645,7 @@
         <p:spPr>
           <a:xfrm>
             <a:off x="756000" y="900000"/>
-            <a:ext cx="3265920" cy="4815360"/>
+            <a:ext cx="3265560" cy="4815000"/>
           </a:xfrm>
           <a:prstGeom prst="rect">
             <a:avLst/>
@@ -1802,7 +1664,7 @@
         <p:spPr>
           <a:xfrm>
             <a:off x="2560320" y="907920"/>
-            <a:ext cx="4279320" cy="4959360"/>
+            <a:ext cx="4278960" cy="4959000"/>
           </a:xfrm>
           <a:prstGeom prst="rect">
             <a:avLst/>
@@ -1840,7 +1702,7 @@
         <p:spPr>
           <a:xfrm>
             <a:off x="3920400" y="3567600"/>
-            <a:ext cx="360" cy="537480"/>
+            <a:ext cx="360" cy="537120"/>
           </a:xfrm>
           <a:custGeom>
             <a:avLst/>
@@ -1889,7 +1751,7 @@
         <p:spPr>
           <a:xfrm>
             <a:off x="3839040" y="3902760"/>
-            <a:ext cx="161280" cy="203400"/>
+            <a:ext cx="160920" cy="203040"/>
           </a:xfrm>
           <a:prstGeom prst="ellipse">
             <a:avLst/>
@@ -1925,7 +1787,7 @@
         <p:spPr>
           <a:xfrm>
             <a:off x="5438520" y="3902760"/>
-            <a:ext cx="161280" cy="203400"/>
+            <a:ext cx="160920" cy="203040"/>
           </a:xfrm>
           <a:prstGeom prst="ellipse">
             <a:avLst/>
@@ -1961,7 +1823,7 @@
         <p:spPr>
           <a:xfrm flipH="1">
             <a:off x="4000320" y="4005360"/>
-            <a:ext cx="1435320" cy="360"/>
+            <a:ext cx="1434960" cy="360"/>
           </a:xfrm>
           <a:custGeom>
             <a:avLst/>
@@ -2009,7 +1871,7 @@
         <p:spPr>
           <a:xfrm>
             <a:off x="4645800" y="3912840"/>
-            <a:ext cx="161280" cy="203400"/>
+            <a:ext cx="160920" cy="203040"/>
           </a:xfrm>
           <a:prstGeom prst="ellipse">
             <a:avLst/>
@@ -2045,7 +1907,7 @@
         <p:spPr>
           <a:xfrm>
             <a:off x="5458680" y="4376160"/>
-            <a:ext cx="161280" cy="203400"/>
+            <a:ext cx="160920" cy="203040"/>
           </a:xfrm>
           <a:prstGeom prst="ellipse">
             <a:avLst/>
@@ -2080,8 +1942,8 @@
         </p:nvSpPr>
         <p:spPr>
           <a:xfrm flipH="1">
-            <a:off x="4311720" y="4478400"/>
-            <a:ext cx="1144080" cy="12600"/>
+            <a:off x="4311000" y="4478400"/>
+            <a:ext cx="1143720" cy="12240"/>
           </a:xfrm>
           <a:custGeom>
             <a:avLst/>
@@ -2129,7 +1991,7 @@
         <p:spPr>
           <a:xfrm>
             <a:off x="4665960" y="4385880"/>
-            <a:ext cx="161280" cy="203400"/>
+            <a:ext cx="160920" cy="203040"/>
           </a:xfrm>
           <a:prstGeom prst="ellipse">
             <a:avLst/>
@@ -2165,7 +2027,7 @@
         <p:spPr>
           <a:xfrm>
             <a:off x="5458680" y="4988880"/>
-            <a:ext cx="161280" cy="203400"/>
+            <a:ext cx="160920" cy="203040"/>
           </a:xfrm>
           <a:prstGeom prst="ellipse">
             <a:avLst/>
@@ -2201,7 +2063,7 @@
         <p:spPr>
           <a:xfrm flipH="1">
             <a:off x="4309920" y="5091120"/>
-            <a:ext cx="1145880" cy="7920"/>
+            <a:ext cx="1145520" cy="7560"/>
           </a:xfrm>
           <a:custGeom>
             <a:avLst/>
@@ -2249,7 +2111,7 @@
         <p:spPr>
           <a:xfrm>
             <a:off x="4665960" y="4998600"/>
-            <a:ext cx="161280" cy="203400"/>
+            <a:ext cx="160920" cy="203040"/>
           </a:xfrm>
           <a:prstGeom prst="ellipse">
             <a:avLst/>
@@ -2285,7 +2147,7 @@
         <p:spPr>
           <a:xfrm>
             <a:off x="5754960" y="3822840"/>
-            <a:ext cx="977040" cy="249120"/>
+            <a:ext cx="976680" cy="248760"/>
           </a:xfrm>
           <a:prstGeom prst="rect">
             <a:avLst/>
@@ -2344,7 +2206,7 @@
         <p:spPr>
           <a:xfrm>
             <a:off x="5768280" y="4346640"/>
-            <a:ext cx="977040" cy="249120"/>
+            <a:ext cx="976680" cy="248760"/>
           </a:xfrm>
           <a:prstGeom prst="rect">
             <a:avLst/>
@@ -2403,7 +2265,7 @@
         <p:spPr>
           <a:xfrm>
             <a:off x="5792760" y="5011560"/>
-            <a:ext cx="977040" cy="249120"/>
+            <a:ext cx="976680" cy="248760"/>
           </a:xfrm>
           <a:prstGeom prst="rect">
             <a:avLst/>
@@ -2452,7 +2314,7 @@
         <p:spPr>
           <a:xfrm>
             <a:off x="3898080" y="5450400"/>
-            <a:ext cx="574200" cy="249120"/>
+            <a:ext cx="573840" cy="248760"/>
           </a:xfrm>
           <a:prstGeom prst="rect">
             <a:avLst/>
@@ -2501,7 +2363,7 @@
         <p:spPr>
           <a:xfrm>
             <a:off x="4516920" y="5466240"/>
-            <a:ext cx="1476000" cy="249120"/>
+            <a:ext cx="1475640" cy="248760"/>
           </a:xfrm>
           <a:prstGeom prst="rect">
             <a:avLst/>
@@ -2550,7 +2412,7 @@
         <p:spPr>
           <a:xfrm>
             <a:off x="4491720" y="4079520"/>
-            <a:ext cx="672120" cy="295920"/>
+            <a:ext cx="671760" cy="295560"/>
           </a:xfrm>
           <a:prstGeom prst="rect">
             <a:avLst/>
@@ -2619,7 +2481,7 @@
         <p:spPr>
           <a:xfrm>
             <a:off x="4491720" y="4568040"/>
-            <a:ext cx="672120" cy="295920"/>
+            <a:ext cx="671760" cy="295560"/>
           </a:xfrm>
           <a:prstGeom prst="rect">
             <a:avLst/>
@@ -2688,7 +2550,7 @@
         <p:spPr>
           <a:xfrm>
             <a:off x="4542840" y="5170320"/>
-            <a:ext cx="672120" cy="295920"/>
+            <a:ext cx="671760" cy="295560"/>
           </a:xfrm>
           <a:prstGeom prst="rect">
             <a:avLst/>
@@ -2746,8 +2608,8 @@
         </p:nvSpPr>
         <p:spPr>
           <a:xfrm flipH="1" flipV="1">
-            <a:off x="3976560" y="4076280"/>
-            <a:ext cx="234000" cy="414360"/>
+            <a:off x="3975840" y="4076280"/>
+            <a:ext cx="233640" cy="414000"/>
           </a:xfrm>
           <a:custGeom>
             <a:avLst/>
@@ -2795,7 +2657,7 @@
         <p:spPr>
           <a:xfrm>
             <a:off x="3200400" y="3809520"/>
-            <a:ext cx="661320" cy="295920"/>
+            <a:ext cx="660960" cy="295560"/>
           </a:xfrm>
           <a:prstGeom prst="rect">
             <a:avLst/>
@@ -2854,7 +2716,7 @@
         <p:spPr>
           <a:xfrm>
             <a:off x="5432040" y="4055760"/>
-            <a:ext cx="518400" cy="295920"/>
+            <a:ext cx="518040" cy="295560"/>
           </a:xfrm>
           <a:prstGeom prst="rect">
             <a:avLst/>
@@ -2896,17 +2758,7 @@
                 <a:latin typeface="Times New Roman"/>
                 <a:ea typeface="MS Mincho"/>
               </a:rPr>
-              <a:t>s</a:t>
-            </a:r>
-            <a:r>
-              <a:rPr b="0" i="1" lang="en-US" sz="1200" spc="-1" strike="noStrike" baseline="-25000">
-                <a:solidFill>
-                  <a:srgbClr val="000000"/>
-                </a:solidFill>
-                <a:latin typeface="Times New Roman"/>
-                <a:ea typeface="MS Mincho"/>
-              </a:rPr>
-              <a:t>oil, </a:t>
+              <a:t>soil, </a:t>
             </a:r>
             <a:r>
               <a:rPr b="0" lang="en-US" sz="1200" spc="-1" strike="noStrike" baseline="-25000">
@@ -2933,7 +2785,7 @@
         <p:spPr>
           <a:xfrm>
             <a:off x="5439960" y="4578120"/>
-            <a:ext cx="518400" cy="295920"/>
+            <a:ext cx="518040" cy="295560"/>
           </a:xfrm>
           <a:prstGeom prst="rect">
             <a:avLst/>
@@ -3002,7 +2854,7 @@
         <p:spPr>
           <a:xfrm>
             <a:off x="5448960" y="5175000"/>
-            <a:ext cx="518040" cy="295920"/>
+            <a:ext cx="517680" cy="295560"/>
           </a:xfrm>
           <a:prstGeom prst="rect">
             <a:avLst/>
@@ -3060,8 +2912,8 @@
         </p:nvSpPr>
         <p:spPr>
           <a:xfrm flipH="1" rot="16200000">
-            <a:off x="3570480" y="4457520"/>
-            <a:ext cx="991440" cy="291600"/>
+            <a:off x="3570120" y="4457520"/>
+            <a:ext cx="991080" cy="291240"/>
           </a:xfrm>
           <a:prstGeom prst="bentConnector2">
             <a:avLst/>
@@ -3096,7 +2948,7 @@
         <p:spPr>
           <a:xfrm>
             <a:off x="4122720" y="4715280"/>
-            <a:ext cx="248400" cy="249120"/>
+            <a:ext cx="248040" cy="248760"/>
           </a:xfrm>
           <a:prstGeom prst="rect">
             <a:avLst/>
@@ -3145,7 +2997,7 @@
         <p:spPr>
           <a:xfrm>
             <a:off x="5429520" y="4737240"/>
-            <a:ext cx="248400" cy="249120"/>
+            <a:ext cx="248040" cy="248760"/>
           </a:xfrm>
           <a:prstGeom prst="rect">
             <a:avLst/>
@@ -3193,10 +3045,10 @@
         </p:nvGrpSpPr>
         <p:grpSpPr>
           <a:xfrm>
-            <a:off x="4204440" y="3962160"/>
-            <a:ext cx="192600" cy="84240"/>
-            <a:chOff x="4204440" y="3962160"/>
-            <a:chExt cx="192600" cy="84240"/>
+            <a:off x="4204800" y="3962160"/>
+            <a:ext cx="192240" cy="83880"/>
+            <a:chOff x="4204800" y="3962160"/>
+            <a:chExt cx="192240" cy="83880"/>
           </a:xfrm>
         </p:grpSpPr>
         <p:sp>
@@ -3207,8 +3059,8 @@
           </p:nvSpPr>
           <p:spPr>
             <a:xfrm rot="5400000">
-              <a:off x="4255920" y="3910680"/>
-              <a:ext cx="84240" cy="187200"/>
+              <a:off x="4256280" y="3910680"/>
+              <a:ext cx="83880" cy="186840"/>
             </a:xfrm>
             <a:prstGeom prst="rect">
               <a:avLst/>
@@ -3240,8 +3092,8 @@
           </p:nvSpPr>
           <p:spPr>
             <a:xfrm rot="5400000">
-              <a:off x="4263840" y="3912120"/>
-              <a:ext cx="73440" cy="192600"/>
+              <a:off x="4264200" y="3912120"/>
+              <a:ext cx="73080" cy="192240"/>
             </a:xfrm>
             <a:custGeom>
               <a:avLst/>
@@ -3316,9 +3168,9 @@
         <p:grpSpPr>
           <a:xfrm>
             <a:off x="5064120" y="3964320"/>
-            <a:ext cx="192600" cy="84240"/>
+            <a:ext cx="192240" cy="83880"/>
             <a:chOff x="5064120" y="3964320"/>
-            <a:chExt cx="192600" cy="84240"/>
+            <a:chExt cx="192240" cy="83880"/>
           </a:xfrm>
         </p:grpSpPr>
         <p:sp>
@@ -3329,8 +3181,8 @@
           </p:nvSpPr>
           <p:spPr>
             <a:xfrm rot="5400000">
-              <a:off x="5115600" y="3912840"/>
-              <a:ext cx="84240" cy="187200"/>
+              <a:off x="5115960" y="3912840"/>
+              <a:ext cx="83880" cy="186840"/>
             </a:xfrm>
             <a:prstGeom prst="rect">
               <a:avLst/>
@@ -3363,7 +3215,7 @@
           <p:spPr>
             <a:xfrm rot="5400000">
               <a:off x="5123520" y="3913920"/>
-              <a:ext cx="73440" cy="192600"/>
+              <a:ext cx="73080" cy="192240"/>
             </a:xfrm>
             <a:custGeom>
               <a:avLst/>
@@ -3437,10 +3289,10 @@
         </p:nvGrpSpPr>
         <p:grpSpPr>
           <a:xfrm>
-            <a:off x="5068080" y="4436640"/>
-            <a:ext cx="192600" cy="84240"/>
-            <a:chOff x="5068080" y="4436640"/>
-            <a:chExt cx="192600" cy="84240"/>
+            <a:off x="5068440" y="4436640"/>
+            <a:ext cx="192240" cy="83880"/>
+            <a:chOff x="5068440" y="4436640"/>
+            <a:chExt cx="192240" cy="83880"/>
           </a:xfrm>
         </p:grpSpPr>
         <p:sp>
@@ -3451,8 +3303,8 @@
           </p:nvSpPr>
           <p:spPr>
             <a:xfrm rot="5400000">
-              <a:off x="5119560" y="4385160"/>
-              <a:ext cx="84240" cy="187200"/>
+              <a:off x="5119920" y="4385160"/>
+              <a:ext cx="83880" cy="186840"/>
             </a:xfrm>
             <a:prstGeom prst="rect">
               <a:avLst/>
@@ -3484,8 +3336,8 @@
           </p:nvSpPr>
           <p:spPr>
             <a:xfrm rot="5400000">
-              <a:off x="5127480" y="4386240"/>
-              <a:ext cx="73440" cy="192600"/>
+              <a:off x="5127840" y="4386240"/>
+              <a:ext cx="73080" cy="192240"/>
             </a:xfrm>
             <a:custGeom>
               <a:avLst/>
@@ -3559,10 +3411,10 @@
         </p:nvGrpSpPr>
         <p:grpSpPr>
           <a:xfrm>
-            <a:off x="4214520" y="4450320"/>
-            <a:ext cx="192600" cy="84240"/>
-            <a:chOff x="4214520" y="4450320"/>
-            <a:chExt cx="192600" cy="84240"/>
+            <a:off x="4214880" y="4450320"/>
+            <a:ext cx="192240" cy="83880"/>
+            <a:chOff x="4214880" y="4450320"/>
+            <a:chExt cx="192240" cy="83880"/>
           </a:xfrm>
         </p:grpSpPr>
         <p:sp>
@@ -3573,8 +3425,8 @@
           </p:nvSpPr>
           <p:spPr>
             <a:xfrm rot="5400000">
-              <a:off x="4266360" y="4398840"/>
-              <a:ext cx="84240" cy="187200"/>
+              <a:off x="4266720" y="4398840"/>
+              <a:ext cx="83880" cy="186840"/>
             </a:xfrm>
             <a:prstGeom prst="rect">
               <a:avLst/>
@@ -3606,8 +3458,8 @@
           </p:nvSpPr>
           <p:spPr>
             <a:xfrm rot="5400000">
-              <a:off x="4273920" y="4399920"/>
-              <a:ext cx="73440" cy="192600"/>
+              <a:off x="4274280" y="4399920"/>
+              <a:ext cx="73080" cy="192240"/>
             </a:xfrm>
             <a:custGeom>
               <a:avLst/>
@@ -3681,10 +3533,10 @@
         </p:nvGrpSpPr>
         <p:grpSpPr>
           <a:xfrm>
-            <a:off x="4214520" y="5057640"/>
-            <a:ext cx="192600" cy="84240"/>
-            <a:chOff x="4214520" y="5057640"/>
-            <a:chExt cx="192600" cy="84240"/>
+            <a:off x="4214880" y="5057640"/>
+            <a:ext cx="192240" cy="83880"/>
+            <a:chOff x="4214880" y="5057640"/>
+            <a:chExt cx="192240" cy="83880"/>
           </a:xfrm>
         </p:grpSpPr>
         <p:sp>
@@ -3695,8 +3547,8 @@
           </p:nvSpPr>
           <p:spPr>
             <a:xfrm rot="5400000">
-              <a:off x="4266360" y="5006160"/>
-              <a:ext cx="84240" cy="187200"/>
+              <a:off x="4266720" y="5006160"/>
+              <a:ext cx="83880" cy="186840"/>
             </a:xfrm>
             <a:prstGeom prst="rect">
               <a:avLst/>
@@ -3728,8 +3580,8 @@
           </p:nvSpPr>
           <p:spPr>
             <a:xfrm rot="5400000">
-              <a:off x="4273920" y="5007240"/>
-              <a:ext cx="73440" cy="192600"/>
+              <a:off x="4274280" y="5007240"/>
+              <a:ext cx="73080" cy="192240"/>
             </a:xfrm>
             <a:custGeom>
               <a:avLst/>
@@ -3804,9 +3656,9 @@
         <p:grpSpPr>
           <a:xfrm>
             <a:off x="5064120" y="5048280"/>
-            <a:ext cx="192600" cy="84240"/>
+            <a:ext cx="192240" cy="83880"/>
             <a:chOff x="5064120" y="5048280"/>
-            <a:chExt cx="192600" cy="84240"/>
+            <a:chExt cx="192240" cy="83880"/>
           </a:xfrm>
         </p:grpSpPr>
         <p:sp>
@@ -3817,8 +3669,8 @@
           </p:nvSpPr>
           <p:spPr>
             <a:xfrm rot="5400000">
-              <a:off x="5115600" y="4996800"/>
-              <a:ext cx="84240" cy="187200"/>
+              <a:off x="5115960" y="4996800"/>
+              <a:ext cx="83880" cy="186840"/>
             </a:xfrm>
             <a:prstGeom prst="rect">
               <a:avLst/>
@@ -3850,8 +3702,8 @@
           </p:nvSpPr>
           <p:spPr>
             <a:xfrm rot="5400000">
-              <a:off x="5123520" y="4997880"/>
-              <a:ext cx="73440" cy="192600"/>
+              <a:off x="5123520" y="4997520"/>
+              <a:ext cx="73080" cy="192240"/>
             </a:xfrm>
             <a:custGeom>
               <a:avLst/>
@@ -3926,7 +3778,7 @@
         <p:spPr>
           <a:xfrm>
             <a:off x="3790080" y="3295800"/>
-            <a:ext cx="272880" cy="271800"/>
+            <a:ext cx="272520" cy="271440"/>
           </a:xfrm>
           <a:prstGeom prst="rect">
             <a:avLst/>
@@ -4031,9 +3883,9 @@
         <p:grpSpPr>
           <a:xfrm>
             <a:off x="1326240" y="929880"/>
-            <a:ext cx="5591520" cy="4549320"/>
+            <a:ext cx="5591160" cy="4548960"/>
             <a:chOff x="1326240" y="929880"/>
-            <a:chExt cx="5591520" cy="4549320"/>
+            <a:chExt cx="5591160" cy="4548960"/>
           </a:xfrm>
         </p:grpSpPr>
         <p:sp>
@@ -4045,7 +3897,7 @@
           <p:spPr>
             <a:xfrm>
               <a:off x="1326240" y="929880"/>
-              <a:ext cx="5585040" cy="4541760"/>
+              <a:ext cx="5584680" cy="4541400"/>
             </a:xfrm>
             <a:prstGeom prst="rect">
               <a:avLst/>
@@ -4081,9 +3933,9 @@
           <p:grpSpPr>
             <a:xfrm>
               <a:off x="1326240" y="929880"/>
-              <a:ext cx="5591520" cy="4549320"/>
+              <a:ext cx="5591160" cy="4548960"/>
               <a:chOff x="1326240" y="929880"/>
-              <a:chExt cx="5591520" cy="4549320"/>
+              <a:chExt cx="5591160" cy="4548960"/>
             </a:xfrm>
           </p:grpSpPr>
           <p:pic>
@@ -4099,7 +3951,7 @@
             <p:spPr>
               <a:xfrm>
                 <a:off x="1326240" y="929880"/>
-                <a:ext cx="3548160" cy="4541760"/>
+                <a:ext cx="3547800" cy="4541400"/>
               </a:xfrm>
               <a:prstGeom prst="rect">
                 <a:avLst/>
@@ -4118,7 +3970,7 @@
             <p:spPr>
               <a:xfrm>
                 <a:off x="3291120" y="937440"/>
-                <a:ext cx="3626640" cy="4541760"/>
+                <a:ext cx="3626280" cy="4541400"/>
               </a:xfrm>
               <a:prstGeom prst="rect">
                 <a:avLst/>
@@ -4156,7 +4008,7 @@
         <p:spPr>
           <a:xfrm>
             <a:off x="4113720" y="1266480"/>
-            <a:ext cx="360" cy="2602080"/>
+            <a:ext cx="360" cy="2601720"/>
           </a:xfrm>
           <a:custGeom>
             <a:avLst/>
@@ -4205,7 +4057,7 @@
         <p:spPr>
           <a:xfrm>
             <a:off x="4032360" y="3665160"/>
-            <a:ext cx="161280" cy="203400"/>
+            <a:ext cx="160920" cy="203040"/>
           </a:xfrm>
           <a:prstGeom prst="ellipse">
             <a:avLst/>
@@ -4241,7 +4093,7 @@
         <p:spPr>
           <a:xfrm>
             <a:off x="5631840" y="3665160"/>
-            <a:ext cx="161280" cy="203400"/>
+            <a:ext cx="160920" cy="203040"/>
           </a:xfrm>
           <a:prstGeom prst="ellipse">
             <a:avLst/>
@@ -4277,7 +4129,7 @@
         <p:spPr>
           <a:xfrm flipH="1">
             <a:off x="4193640" y="3767760"/>
-            <a:ext cx="1435320" cy="360"/>
+            <a:ext cx="1434960" cy="360"/>
           </a:xfrm>
           <a:custGeom>
             <a:avLst/>
@@ -4325,7 +4177,7 @@
         <p:spPr>
           <a:xfrm>
             <a:off x="4839120" y="3675240"/>
-            <a:ext cx="161280" cy="203400"/>
+            <a:ext cx="160920" cy="203040"/>
           </a:xfrm>
           <a:prstGeom prst="ellipse">
             <a:avLst/>
@@ -4361,7 +4213,7 @@
         <p:spPr>
           <a:xfrm>
             <a:off x="5652000" y="4138560"/>
-            <a:ext cx="161280" cy="203400"/>
+            <a:ext cx="160920" cy="203040"/>
           </a:xfrm>
           <a:prstGeom prst="ellipse">
             <a:avLst/>
@@ -4396,8 +4248,8 @@
         </p:nvSpPr>
         <p:spPr>
           <a:xfrm flipH="1">
-            <a:off x="4505040" y="4240800"/>
-            <a:ext cx="1144080" cy="12600"/>
+            <a:off x="4504320" y="4240800"/>
+            <a:ext cx="1143720" cy="12240"/>
           </a:xfrm>
           <a:custGeom>
             <a:avLst/>
@@ -4445,7 +4297,7 @@
         <p:spPr>
           <a:xfrm>
             <a:off x="4859280" y="4148280"/>
-            <a:ext cx="161280" cy="203400"/>
+            <a:ext cx="160920" cy="203040"/>
           </a:xfrm>
           <a:prstGeom prst="ellipse">
             <a:avLst/>
@@ -4481,7 +4333,7 @@
         <p:spPr>
           <a:xfrm>
             <a:off x="5652000" y="4751280"/>
-            <a:ext cx="161280" cy="203400"/>
+            <a:ext cx="160920" cy="203040"/>
           </a:xfrm>
           <a:prstGeom prst="ellipse">
             <a:avLst/>
@@ -4517,7 +4369,7 @@
         <p:spPr>
           <a:xfrm flipH="1">
             <a:off x="4503240" y="4853520"/>
-            <a:ext cx="1145880" cy="7920"/>
+            <a:ext cx="1145520" cy="7560"/>
           </a:xfrm>
           <a:custGeom>
             <a:avLst/>
@@ -4565,7 +4417,7 @@
         <p:spPr>
           <a:xfrm>
             <a:off x="4859280" y="4761000"/>
-            <a:ext cx="161280" cy="203400"/>
+            <a:ext cx="160920" cy="203040"/>
           </a:xfrm>
           <a:prstGeom prst="ellipse">
             <a:avLst/>
@@ -4601,7 +4453,7 @@
         <p:spPr>
           <a:xfrm>
             <a:off x="5948280" y="3585240"/>
-            <a:ext cx="977040" cy="249120"/>
+            <a:ext cx="976680" cy="248760"/>
           </a:xfrm>
           <a:prstGeom prst="rect">
             <a:avLst/>
@@ -4660,7 +4512,7 @@
         <p:spPr>
           <a:xfrm>
             <a:off x="5961600" y="4109040"/>
-            <a:ext cx="977040" cy="249120"/>
+            <a:ext cx="976680" cy="248760"/>
           </a:xfrm>
           <a:prstGeom prst="rect">
             <a:avLst/>
@@ -4719,7 +4571,7 @@
         <p:spPr>
           <a:xfrm>
             <a:off x="5986080" y="4773960"/>
-            <a:ext cx="977040" cy="249120"/>
+            <a:ext cx="976680" cy="248760"/>
           </a:xfrm>
           <a:prstGeom prst="rect">
             <a:avLst/>
@@ -4767,8 +4619,8 @@
         </p:nvSpPr>
         <p:spPr>
           <a:xfrm rot="16200000">
-            <a:off x="3205440" y="2397240"/>
-            <a:ext cx="483480" cy="249120"/>
+            <a:off x="3205440" y="2397600"/>
+            <a:ext cx="483120" cy="248760"/>
           </a:xfrm>
           <a:prstGeom prst="rect">
             <a:avLst/>
@@ -4817,7 +4669,7 @@
         <p:spPr>
           <a:xfrm>
             <a:off x="4091400" y="5212800"/>
-            <a:ext cx="574200" cy="249120"/>
+            <a:ext cx="573840" cy="248760"/>
           </a:xfrm>
           <a:prstGeom prst="rect">
             <a:avLst/>
@@ -4866,7 +4718,7 @@
         <p:spPr>
           <a:xfrm>
             <a:off x="4710240" y="5228640"/>
-            <a:ext cx="1476000" cy="249120"/>
+            <a:ext cx="1475640" cy="248760"/>
           </a:xfrm>
           <a:prstGeom prst="rect">
             <a:avLst/>
@@ -4915,7 +4767,7 @@
         <p:spPr>
           <a:xfrm>
             <a:off x="4685040" y="3841920"/>
-            <a:ext cx="672120" cy="295920"/>
+            <a:ext cx="671760" cy="295560"/>
           </a:xfrm>
           <a:prstGeom prst="rect">
             <a:avLst/>
@@ -4984,7 +4836,7 @@
         <p:spPr>
           <a:xfrm>
             <a:off x="4685040" y="4330440"/>
-            <a:ext cx="672120" cy="295920"/>
+            <a:ext cx="671760" cy="295560"/>
           </a:xfrm>
           <a:prstGeom prst="rect">
             <a:avLst/>
@@ -5053,7 +4905,7 @@
         <p:spPr>
           <a:xfrm>
             <a:off x="4736160" y="4932720"/>
-            <a:ext cx="672120" cy="295920"/>
+            <a:ext cx="671760" cy="295560"/>
           </a:xfrm>
           <a:prstGeom prst="rect">
             <a:avLst/>
@@ -5111,8 +4963,8 @@
         </p:nvSpPr>
         <p:spPr>
           <a:xfrm flipH="1" flipV="1">
-            <a:off x="4169880" y="3838680"/>
-            <a:ext cx="234000" cy="414360"/>
+            <a:off x="4169160" y="3838680"/>
+            <a:ext cx="233640" cy="414000"/>
           </a:xfrm>
           <a:custGeom>
             <a:avLst/>
@@ -5160,7 +5012,7 @@
         <p:spPr>
           <a:xfrm>
             <a:off x="3393720" y="3571920"/>
-            <a:ext cx="661320" cy="295920"/>
+            <a:ext cx="660960" cy="295560"/>
           </a:xfrm>
           <a:prstGeom prst="rect">
             <a:avLst/>
@@ -5219,7 +5071,7 @@
         <p:spPr>
           <a:xfrm>
             <a:off x="5625360" y="3818160"/>
-            <a:ext cx="518400" cy="295920"/>
+            <a:ext cx="518040" cy="295560"/>
           </a:xfrm>
           <a:prstGeom prst="rect">
             <a:avLst/>
@@ -5288,7 +5140,7 @@
         <p:spPr>
           <a:xfrm>
             <a:off x="5633280" y="4340520"/>
-            <a:ext cx="518400" cy="295920"/>
+            <a:ext cx="518040" cy="295560"/>
           </a:xfrm>
           <a:prstGeom prst="rect">
             <a:avLst/>
@@ -5357,7 +5209,7 @@
         <p:spPr>
           <a:xfrm>
             <a:off x="5642280" y="4937400"/>
-            <a:ext cx="518040" cy="295920"/>
+            <a:ext cx="517680" cy="295560"/>
           </a:xfrm>
           <a:prstGeom prst="rect">
             <a:avLst/>
@@ -5415,8 +5267,8 @@
         </p:nvSpPr>
         <p:spPr>
           <a:xfrm rot="16200000">
-            <a:off x="3080160" y="1395360"/>
-            <a:ext cx="715320" cy="249120"/>
+            <a:off x="3080160" y="1395720"/>
+            <a:ext cx="714960" cy="248760"/>
           </a:xfrm>
           <a:prstGeom prst="rect">
             <a:avLst/>
@@ -5464,8 +5316,8 @@
         </p:nvSpPr>
         <p:spPr>
           <a:xfrm flipH="1" rot="16200000">
-            <a:off x="3763800" y="4219920"/>
-            <a:ext cx="991440" cy="291600"/>
+            <a:off x="3763440" y="4219920"/>
+            <a:ext cx="991080" cy="291240"/>
           </a:xfrm>
           <a:prstGeom prst="bentConnector2">
             <a:avLst/>
@@ -5500,7 +5352,7 @@
         <p:spPr>
           <a:xfrm>
             <a:off x="4316040" y="4477680"/>
-            <a:ext cx="248400" cy="249120"/>
+            <a:ext cx="248040" cy="248760"/>
           </a:xfrm>
           <a:prstGeom prst="rect">
             <a:avLst/>
@@ -5549,7 +5401,7 @@
         <p:spPr>
           <a:xfrm>
             <a:off x="5622840" y="4499640"/>
-            <a:ext cx="248400" cy="249120"/>
+            <a:ext cx="248040" cy="248760"/>
           </a:xfrm>
           <a:prstGeom prst="rect">
             <a:avLst/>
@@ -5597,10 +5449,10 @@
         </p:nvGrpSpPr>
         <p:grpSpPr>
           <a:xfrm>
-            <a:off x="4397760" y="3724560"/>
-            <a:ext cx="192600" cy="84240"/>
-            <a:chOff x="4397760" y="3724560"/>
-            <a:chExt cx="192600" cy="84240"/>
+            <a:off x="4398120" y="3724560"/>
+            <a:ext cx="192240" cy="83880"/>
+            <a:chOff x="4398120" y="3724560"/>
+            <a:chExt cx="192240" cy="83880"/>
           </a:xfrm>
         </p:grpSpPr>
         <p:sp>
@@ -5611,8 +5463,8 @@
           </p:nvSpPr>
           <p:spPr>
             <a:xfrm rot="5400000">
-              <a:off x="4449240" y="3673080"/>
-              <a:ext cx="84240" cy="187200"/>
+              <a:off x="4449600" y="3673080"/>
+              <a:ext cx="83880" cy="186840"/>
             </a:xfrm>
             <a:prstGeom prst="rect">
               <a:avLst/>
@@ -5644,8 +5496,8 @@
           </p:nvSpPr>
           <p:spPr>
             <a:xfrm rot="5400000">
-              <a:off x="4457160" y="3674520"/>
-              <a:ext cx="73440" cy="192600"/>
+              <a:off x="4457520" y="3674520"/>
+              <a:ext cx="73080" cy="192240"/>
             </a:xfrm>
             <a:custGeom>
               <a:avLst/>
@@ -5719,10 +5571,10 @@
         </p:nvGrpSpPr>
         <p:grpSpPr>
           <a:xfrm>
-            <a:off x="5257440" y="3726720"/>
-            <a:ext cx="192600" cy="84240"/>
-            <a:chOff x="5257440" y="3726720"/>
-            <a:chExt cx="192600" cy="84240"/>
+            <a:off x="5257800" y="3726720"/>
+            <a:ext cx="192240" cy="83880"/>
+            <a:chOff x="5257800" y="3726720"/>
+            <a:chExt cx="192240" cy="83880"/>
           </a:xfrm>
         </p:grpSpPr>
         <p:sp>
@@ -5733,8 +5585,8 @@
           </p:nvSpPr>
           <p:spPr>
             <a:xfrm rot="5400000">
-              <a:off x="5308920" y="3675240"/>
-              <a:ext cx="84240" cy="187200"/>
+              <a:off x="5309280" y="3675240"/>
+              <a:ext cx="83880" cy="186840"/>
             </a:xfrm>
             <a:prstGeom prst="rect">
               <a:avLst/>
@@ -5766,8 +5618,8 @@
           </p:nvSpPr>
           <p:spPr>
             <a:xfrm rot="5400000">
-              <a:off x="5316840" y="3676320"/>
-              <a:ext cx="73440" cy="192600"/>
+              <a:off x="5317200" y="3676320"/>
+              <a:ext cx="73080" cy="192240"/>
             </a:xfrm>
             <a:custGeom>
               <a:avLst/>
@@ -5842,9 +5694,9 @@
         <p:grpSpPr>
           <a:xfrm>
             <a:off x="5261400" y="4199040"/>
-            <a:ext cx="192600" cy="84240"/>
+            <a:ext cx="192240" cy="83880"/>
             <a:chOff x="5261400" y="4199040"/>
-            <a:chExt cx="192600" cy="84240"/>
+            <a:chExt cx="192240" cy="83880"/>
           </a:xfrm>
         </p:grpSpPr>
         <p:sp>
@@ -5855,8 +5707,8 @@
           </p:nvSpPr>
           <p:spPr>
             <a:xfrm rot="5400000">
-              <a:off x="5312880" y="4147560"/>
-              <a:ext cx="84240" cy="187200"/>
+              <a:off x="5313240" y="4147560"/>
+              <a:ext cx="83880" cy="186840"/>
             </a:xfrm>
             <a:prstGeom prst="rect">
               <a:avLst/>
@@ -5889,7 +5741,7 @@
           <p:spPr>
             <a:xfrm rot="5400000">
               <a:off x="5320800" y="4148640"/>
-              <a:ext cx="73440" cy="192600"/>
+              <a:ext cx="73080" cy="192240"/>
             </a:xfrm>
             <a:custGeom>
               <a:avLst/>
@@ -5964,9 +5816,9 @@
         <p:grpSpPr>
           <a:xfrm>
             <a:off x="4407840" y="4212720"/>
-            <a:ext cx="192600" cy="84240"/>
+            <a:ext cx="192240" cy="83880"/>
             <a:chOff x="4407840" y="4212720"/>
-            <a:chExt cx="192600" cy="84240"/>
+            <a:chExt cx="192240" cy="83880"/>
           </a:xfrm>
         </p:grpSpPr>
         <p:sp>
@@ -5977,8 +5829,8 @@
           </p:nvSpPr>
           <p:spPr>
             <a:xfrm rot="5400000">
-              <a:off x="4459680" y="4161240"/>
-              <a:ext cx="84240" cy="187200"/>
+              <a:off x="4460040" y="4161240"/>
+              <a:ext cx="83880" cy="186840"/>
             </a:xfrm>
             <a:prstGeom prst="rect">
               <a:avLst/>
@@ -6010,8 +5862,8 @@
           </p:nvSpPr>
           <p:spPr>
             <a:xfrm rot="5400000">
-              <a:off x="4467240" y="4162320"/>
-              <a:ext cx="73440" cy="192600"/>
+              <a:off x="4467240" y="4161960"/>
+              <a:ext cx="73080" cy="192240"/>
             </a:xfrm>
             <a:custGeom>
               <a:avLst/>
@@ -6086,9 +5938,9 @@
         <p:grpSpPr>
           <a:xfrm>
             <a:off x="4407840" y="4820040"/>
-            <a:ext cx="192600" cy="84240"/>
+            <a:ext cx="192240" cy="83880"/>
             <a:chOff x="4407840" y="4820040"/>
-            <a:chExt cx="192600" cy="84240"/>
+            <a:chExt cx="192240" cy="83880"/>
           </a:xfrm>
         </p:grpSpPr>
         <p:sp>
@@ -6099,8 +5951,8 @@
           </p:nvSpPr>
           <p:spPr>
             <a:xfrm rot="5400000">
-              <a:off x="4459680" y="4768560"/>
-              <a:ext cx="84240" cy="187200"/>
+              <a:off x="4460040" y="4768560"/>
+              <a:ext cx="83880" cy="186840"/>
             </a:xfrm>
             <a:prstGeom prst="rect">
               <a:avLst/>
@@ -6132,8 +5984,8 @@
           </p:nvSpPr>
           <p:spPr>
             <a:xfrm rot="5400000">
-              <a:off x="4467240" y="4769640"/>
-              <a:ext cx="73440" cy="192600"/>
+              <a:off x="4467240" y="4769280"/>
+              <a:ext cx="73080" cy="192240"/>
             </a:xfrm>
             <a:custGeom>
               <a:avLst/>
@@ -6207,10 +6059,10 @@
         </p:nvGrpSpPr>
         <p:grpSpPr>
           <a:xfrm>
-            <a:off x="5257440" y="4810680"/>
-            <a:ext cx="192600" cy="84240"/>
-            <a:chOff x="5257440" y="4810680"/>
-            <a:chExt cx="192600" cy="84240"/>
+            <a:off x="5257800" y="4810680"/>
+            <a:ext cx="192240" cy="83880"/>
+            <a:chOff x="5257800" y="4810680"/>
+            <a:chExt cx="192240" cy="83880"/>
           </a:xfrm>
         </p:grpSpPr>
         <p:sp>
@@ -6221,8 +6073,8 @@
           </p:nvSpPr>
           <p:spPr>
             <a:xfrm rot="5400000">
-              <a:off x="5308920" y="4759200"/>
-              <a:ext cx="84240" cy="187200"/>
+              <a:off x="5309280" y="4759200"/>
+              <a:ext cx="83880" cy="186840"/>
             </a:xfrm>
             <a:prstGeom prst="rect">
               <a:avLst/>
@@ -6254,8 +6106,8 @@
           </p:nvSpPr>
           <p:spPr>
             <a:xfrm rot="5400000">
-              <a:off x="5316840" y="4760280"/>
-              <a:ext cx="73440" cy="192600"/>
+              <a:off x="5317200" y="4760280"/>
+              <a:ext cx="73080" cy="192240"/>
             </a:xfrm>
             <a:custGeom>
               <a:avLst/>
@@ -6330,7 +6182,7 @@
         <p:spPr>
           <a:xfrm>
             <a:off x="3983400" y="989280"/>
-            <a:ext cx="272880" cy="271800"/>
+            <a:ext cx="272520" cy="271440"/>
           </a:xfrm>
           <a:prstGeom prst="rect">
             <a:avLst/>
@@ -6379,7 +6231,7 @@
         <p:spPr>
           <a:xfrm>
             <a:off x="4066200" y="1909440"/>
-            <a:ext cx="91080" cy="101880"/>
+            <a:ext cx="90720" cy="101520"/>
           </a:xfrm>
           <a:prstGeom prst="ellipse">
             <a:avLst/>
@@ -6415,7 +6267,7 @@
         <p:spPr>
           <a:xfrm>
             <a:off x="3547440" y="1848600"/>
-            <a:ext cx="533520" cy="279000"/>
+            <a:ext cx="533160" cy="278640"/>
           </a:xfrm>
           <a:prstGeom prst="rect">
             <a:avLst/>
@@ -6474,7 +6326,7 @@
         <p:spPr>
           <a:xfrm>
             <a:off x="3633840" y="2167920"/>
-            <a:ext cx="248400" cy="249120"/>
+            <a:ext cx="248040" cy="248760"/>
           </a:xfrm>
           <a:prstGeom prst="rect">
             <a:avLst/>
@@ -6523,7 +6375,7 @@
         <p:spPr>
           <a:xfrm>
             <a:off x="3552480" y="2915280"/>
-            <a:ext cx="521280" cy="279000"/>
+            <a:ext cx="520920" cy="278640"/>
           </a:xfrm>
           <a:prstGeom prst="rect">
             <a:avLst/>
@@ -6592,7 +6444,7 @@
         <p:spPr>
           <a:xfrm>
             <a:off x="3552480" y="2395080"/>
-            <a:ext cx="521280" cy="279000"/>
+            <a:ext cx="520920" cy="278640"/>
           </a:xfrm>
           <a:prstGeom prst="rect">
             <a:avLst/>
@@ -6661,9 +6513,9 @@
         <p:grpSpPr>
           <a:xfrm>
             <a:off x="4072320" y="2035080"/>
-            <a:ext cx="84240" cy="192600"/>
+            <a:ext cx="83880" cy="192240"/>
             <a:chOff x="4072320" y="2035080"/>
-            <a:chExt cx="84240" cy="192600"/>
+            <a:chExt cx="83880" cy="192240"/>
           </a:xfrm>
         </p:grpSpPr>
         <p:sp>
@@ -6675,7 +6527,7 @@
           <p:spPr>
             <a:xfrm>
               <a:off x="4072320" y="2040480"/>
-              <a:ext cx="84240" cy="187200"/>
+              <a:ext cx="83880" cy="186840"/>
             </a:xfrm>
             <a:prstGeom prst="rect">
               <a:avLst/>
@@ -6708,7 +6560,7 @@
           <p:spPr>
             <a:xfrm>
               <a:off x="4081680" y="2035080"/>
-              <a:ext cx="73440" cy="192600"/>
+              <a:ext cx="73080" cy="192240"/>
             </a:xfrm>
             <a:custGeom>
               <a:avLst/>
@@ -6783,7 +6635,7 @@
         <p:spPr>
           <a:xfrm>
             <a:off x="4066200" y="2504880"/>
-            <a:ext cx="91080" cy="101880"/>
+            <a:ext cx="90720" cy="101520"/>
           </a:xfrm>
           <a:prstGeom prst="ellipse">
             <a:avLst/>
@@ -6819,9 +6671,9 @@
         <p:grpSpPr>
           <a:xfrm>
             <a:off x="4072320" y="2630880"/>
-            <a:ext cx="84240" cy="192600"/>
+            <a:ext cx="83880" cy="192240"/>
             <a:chOff x="4072320" y="2630880"/>
-            <a:chExt cx="84240" cy="192600"/>
+            <a:chExt cx="83880" cy="192240"/>
           </a:xfrm>
         </p:grpSpPr>
         <p:sp>
@@ -6833,7 +6685,7 @@
           <p:spPr>
             <a:xfrm>
               <a:off x="4072320" y="2635920"/>
-              <a:ext cx="84240" cy="187200"/>
+              <a:ext cx="83880" cy="186840"/>
             </a:xfrm>
             <a:prstGeom prst="rect">
               <a:avLst/>
@@ -6866,7 +6718,7 @@
           <p:spPr>
             <a:xfrm>
               <a:off x="4081680" y="2630880"/>
-              <a:ext cx="73440" cy="192600"/>
+              <a:ext cx="73080" cy="192240"/>
             </a:xfrm>
             <a:custGeom>
               <a:avLst/>
@@ -6941,7 +6793,7 @@
         <p:spPr>
           <a:xfrm>
             <a:off x="4066200" y="2997360"/>
-            <a:ext cx="91080" cy="101880"/>
+            <a:ext cx="90720" cy="101520"/>
           </a:xfrm>
           <a:prstGeom prst="ellipse">
             <a:avLst/>
@@ -6977,9 +6829,9 @@
         <p:grpSpPr>
           <a:xfrm>
             <a:off x="4072320" y="3123360"/>
-            <a:ext cx="84240" cy="192600"/>
+            <a:ext cx="83880" cy="192240"/>
             <a:chOff x="4072320" y="3123360"/>
-            <a:chExt cx="84240" cy="192600"/>
+            <a:chExt cx="83880" cy="192240"/>
           </a:xfrm>
         </p:grpSpPr>
         <p:sp>
@@ -6991,7 +6843,7 @@
           <p:spPr>
             <a:xfrm>
               <a:off x="4072320" y="3128760"/>
-              <a:ext cx="84240" cy="187200"/>
+              <a:ext cx="83880" cy="186840"/>
             </a:xfrm>
             <a:prstGeom prst="rect">
               <a:avLst/>
@@ -7024,7 +6876,7 @@
           <p:spPr>
             <a:xfrm>
               <a:off x="4081680" y="3123360"/>
-              <a:ext cx="73440" cy="192600"/>
+              <a:ext cx="73080" cy="192240"/>
             </a:xfrm>
             <a:custGeom>
               <a:avLst/>
@@ -7099,7 +6951,7 @@
         <p:spPr>
           <a:xfrm>
             <a:off x="3569400" y="1328760"/>
-            <a:ext cx="414720" cy="279000"/>
+            <a:ext cx="414360" cy="278640"/>
           </a:xfrm>
           <a:prstGeom prst="rect">
             <a:avLst/>
@@ -7158,9 +7010,9 @@
         <p:grpSpPr>
           <a:xfrm>
             <a:off x="4067640" y="1583640"/>
-            <a:ext cx="84240" cy="192600"/>
+            <a:ext cx="83880" cy="192240"/>
             <a:chOff x="4067640" y="1583640"/>
-            <a:chExt cx="84240" cy="192600"/>
+            <a:chExt cx="83880" cy="192240"/>
           </a:xfrm>
         </p:grpSpPr>
         <p:sp>
@@ -7172,7 +7024,7 @@
           <p:spPr>
             <a:xfrm>
               <a:off x="4067640" y="1589040"/>
-              <a:ext cx="84240" cy="187200"/>
+              <a:ext cx="83880" cy="186840"/>
             </a:xfrm>
             <a:prstGeom prst="rect">
               <a:avLst/>
@@ -7205,7 +7057,7 @@
           <p:spPr>
             <a:xfrm>
               <a:off x="4077000" y="1583640"/>
-              <a:ext cx="73440" cy="192600"/>
+              <a:ext cx="73080" cy="192240"/>
             </a:xfrm>
             <a:custGeom>
               <a:avLst/>
@@ -7280,7 +7132,7 @@
         <p:spPr>
           <a:xfrm>
             <a:off x="4073400" y="1431720"/>
-            <a:ext cx="91080" cy="101880"/>
+            <a:ext cx="90720" cy="101520"/>
           </a:xfrm>
           <a:prstGeom prst="ellipse">
             <a:avLst/>
@@ -7376,7 +7228,7 @@
         <p:spPr>
           <a:xfrm>
             <a:off x="756000" y="900000"/>
-            <a:ext cx="3265920" cy="4815360"/>
+            <a:ext cx="3265560" cy="4815000"/>
           </a:xfrm>
           <a:prstGeom prst="rect">
             <a:avLst/>
@@ -7395,7 +7247,7 @@
         <p:spPr>
           <a:xfrm>
             <a:off x="2560320" y="907920"/>
-            <a:ext cx="4279320" cy="4959360"/>
+            <a:ext cx="4278960" cy="4959000"/>
           </a:xfrm>
           <a:prstGeom prst="rect">
             <a:avLst/>
@@ -7433,7 +7285,7 @@
         <p:spPr>
           <a:xfrm>
             <a:off x="3465720" y="1266480"/>
-            <a:ext cx="360" cy="2602080"/>
+            <a:ext cx="360" cy="2601720"/>
           </a:xfrm>
           <a:custGeom>
             <a:avLst/>
@@ -7482,7 +7334,7 @@
         <p:spPr>
           <a:xfrm>
             <a:off x="3384360" y="3665160"/>
-            <a:ext cx="161280" cy="203400"/>
+            <a:ext cx="160920" cy="203040"/>
           </a:xfrm>
           <a:prstGeom prst="ellipse">
             <a:avLst/>
@@ -7518,7 +7370,7 @@
         <p:spPr>
           <a:xfrm>
             <a:off x="4983840" y="3665160"/>
-            <a:ext cx="161280" cy="203400"/>
+            <a:ext cx="160920" cy="203040"/>
           </a:xfrm>
           <a:prstGeom prst="ellipse">
             <a:avLst/>
@@ -7554,7 +7406,7 @@
         <p:spPr>
           <a:xfrm flipH="1">
             <a:off x="3545640" y="3767760"/>
-            <a:ext cx="1435320" cy="360"/>
+            <a:ext cx="1434960" cy="360"/>
           </a:xfrm>
           <a:custGeom>
             <a:avLst/>
@@ -7602,7 +7454,7 @@
         <p:spPr>
           <a:xfrm>
             <a:off x="4191120" y="3675240"/>
-            <a:ext cx="161280" cy="203400"/>
+            <a:ext cx="160920" cy="203040"/>
           </a:xfrm>
           <a:prstGeom prst="ellipse">
             <a:avLst/>
@@ -7638,7 +7490,7 @@
         <p:spPr>
           <a:xfrm>
             <a:off x="5004000" y="4138560"/>
-            <a:ext cx="161280" cy="203400"/>
+            <a:ext cx="160920" cy="203040"/>
           </a:xfrm>
           <a:prstGeom prst="ellipse">
             <a:avLst/>
@@ -7673,8 +7525,8 @@
         </p:nvSpPr>
         <p:spPr>
           <a:xfrm flipH="1">
-            <a:off x="3857040" y="4240800"/>
-            <a:ext cx="1144080" cy="12600"/>
+            <a:off x="3856320" y="4240800"/>
+            <a:ext cx="1143720" cy="12240"/>
           </a:xfrm>
           <a:custGeom>
             <a:avLst/>
@@ -7722,7 +7574,7 @@
         <p:spPr>
           <a:xfrm>
             <a:off x="4211280" y="4148280"/>
-            <a:ext cx="161280" cy="203400"/>
+            <a:ext cx="160920" cy="203040"/>
           </a:xfrm>
           <a:prstGeom prst="ellipse">
             <a:avLst/>
@@ -7758,7 +7610,7 @@
         <p:spPr>
           <a:xfrm>
             <a:off x="5004000" y="4751280"/>
-            <a:ext cx="161280" cy="203400"/>
+            <a:ext cx="160920" cy="203040"/>
           </a:xfrm>
           <a:prstGeom prst="ellipse">
             <a:avLst/>
@@ -7794,7 +7646,7 @@
         <p:spPr>
           <a:xfrm flipH="1">
             <a:off x="3855240" y="4853520"/>
-            <a:ext cx="1145880" cy="7920"/>
+            <a:ext cx="1145520" cy="7560"/>
           </a:xfrm>
           <a:custGeom>
             <a:avLst/>
@@ -7842,7 +7694,7 @@
         <p:spPr>
           <a:xfrm>
             <a:off x="4211280" y="4761000"/>
-            <a:ext cx="161280" cy="203400"/>
+            <a:ext cx="160920" cy="203040"/>
           </a:xfrm>
           <a:prstGeom prst="ellipse">
             <a:avLst/>
@@ -7878,7 +7730,7 @@
         <p:spPr>
           <a:xfrm>
             <a:off x="5300280" y="3585240"/>
-            <a:ext cx="977040" cy="249120"/>
+            <a:ext cx="976680" cy="248760"/>
           </a:xfrm>
           <a:prstGeom prst="rect">
             <a:avLst/>
@@ -7937,7 +7789,7 @@
         <p:spPr>
           <a:xfrm>
             <a:off x="5313600" y="4109040"/>
-            <a:ext cx="977040" cy="249120"/>
+            <a:ext cx="976680" cy="248760"/>
           </a:xfrm>
           <a:prstGeom prst="rect">
             <a:avLst/>
@@ -7996,7 +7848,7 @@
         <p:spPr>
           <a:xfrm>
             <a:off x="5338080" y="4773960"/>
-            <a:ext cx="977040" cy="249120"/>
+            <a:ext cx="976680" cy="248760"/>
           </a:xfrm>
           <a:prstGeom prst="rect">
             <a:avLst/>
@@ -8044,8 +7896,8 @@
         </p:nvSpPr>
         <p:spPr>
           <a:xfrm rot="16200000">
-            <a:off x="2557440" y="2397240"/>
-            <a:ext cx="483480" cy="249120"/>
+            <a:off x="2557440" y="2397600"/>
+            <a:ext cx="483120" cy="248760"/>
           </a:xfrm>
           <a:prstGeom prst="rect">
             <a:avLst/>
@@ -8094,7 +7946,7 @@
         <p:spPr>
           <a:xfrm>
             <a:off x="3443400" y="5212800"/>
-            <a:ext cx="574200" cy="249120"/>
+            <a:ext cx="573840" cy="248760"/>
           </a:xfrm>
           <a:prstGeom prst="rect">
             <a:avLst/>
@@ -8143,7 +7995,7 @@
         <p:spPr>
           <a:xfrm>
             <a:off x="4062240" y="5228640"/>
-            <a:ext cx="1476000" cy="249120"/>
+            <a:ext cx="1475640" cy="248760"/>
           </a:xfrm>
           <a:prstGeom prst="rect">
             <a:avLst/>
@@ -8192,7 +8044,7 @@
         <p:spPr>
           <a:xfrm>
             <a:off x="4037040" y="3841920"/>
-            <a:ext cx="672120" cy="295920"/>
+            <a:ext cx="671760" cy="295560"/>
           </a:xfrm>
           <a:prstGeom prst="rect">
             <a:avLst/>
@@ -8261,7 +8113,7 @@
         <p:spPr>
           <a:xfrm>
             <a:off x="4037040" y="4330440"/>
-            <a:ext cx="672120" cy="295920"/>
+            <a:ext cx="671760" cy="295560"/>
           </a:xfrm>
           <a:prstGeom prst="rect">
             <a:avLst/>
@@ -8330,7 +8182,7 @@
         <p:spPr>
           <a:xfrm>
             <a:off x="4088160" y="4932720"/>
-            <a:ext cx="672120" cy="295920"/>
+            <a:ext cx="671760" cy="295560"/>
           </a:xfrm>
           <a:prstGeom prst="rect">
             <a:avLst/>
@@ -8388,8 +8240,8 @@
         </p:nvSpPr>
         <p:spPr>
           <a:xfrm flipH="1" flipV="1">
-            <a:off x="3521880" y="3838680"/>
-            <a:ext cx="234000" cy="414360"/>
+            <a:off x="3521160" y="3838680"/>
+            <a:ext cx="233640" cy="414000"/>
           </a:xfrm>
           <a:custGeom>
             <a:avLst/>
@@ -8437,7 +8289,7 @@
         <p:spPr>
           <a:xfrm>
             <a:off x="2745720" y="3571920"/>
-            <a:ext cx="661320" cy="295920"/>
+            <a:ext cx="660960" cy="295560"/>
           </a:xfrm>
           <a:prstGeom prst="rect">
             <a:avLst/>
@@ -8496,7 +8348,7 @@
         <p:spPr>
           <a:xfrm>
             <a:off x="4977360" y="3818160"/>
-            <a:ext cx="518400" cy="295920"/>
+            <a:ext cx="518040" cy="295560"/>
           </a:xfrm>
           <a:prstGeom prst="rect">
             <a:avLst/>
@@ -8565,7 +8417,7 @@
         <p:spPr>
           <a:xfrm>
             <a:off x="4985280" y="4340520"/>
-            <a:ext cx="518400" cy="295920"/>
+            <a:ext cx="518040" cy="295560"/>
           </a:xfrm>
           <a:prstGeom prst="rect">
             <a:avLst/>
@@ -8634,7 +8486,7 @@
         <p:spPr>
           <a:xfrm>
             <a:off x="4994280" y="4937400"/>
-            <a:ext cx="518040" cy="295920"/>
+            <a:ext cx="517680" cy="295560"/>
           </a:xfrm>
           <a:prstGeom prst="rect">
             <a:avLst/>
@@ -8692,8 +8544,8 @@
         </p:nvSpPr>
         <p:spPr>
           <a:xfrm rot="16200000">
-            <a:off x="2432160" y="1395360"/>
-            <a:ext cx="715320" cy="249120"/>
+            <a:off x="2432160" y="1395720"/>
+            <a:ext cx="714960" cy="248760"/>
           </a:xfrm>
           <a:prstGeom prst="rect">
             <a:avLst/>
@@ -8741,8 +8593,8 @@
         </p:nvSpPr>
         <p:spPr>
           <a:xfrm flipH="1" rot="16200000">
-            <a:off x="3115800" y="4219920"/>
-            <a:ext cx="991440" cy="291600"/>
+            <a:off x="3115440" y="4219920"/>
+            <a:ext cx="991080" cy="291240"/>
           </a:xfrm>
           <a:prstGeom prst="bentConnector2">
             <a:avLst/>
@@ -8777,7 +8629,7 @@
         <p:spPr>
           <a:xfrm>
             <a:off x="3668040" y="4477680"/>
-            <a:ext cx="248400" cy="249120"/>
+            <a:ext cx="248040" cy="248760"/>
           </a:xfrm>
           <a:prstGeom prst="rect">
             <a:avLst/>
@@ -8826,7 +8678,7 @@
         <p:spPr>
           <a:xfrm>
             <a:off x="4974840" y="4499640"/>
-            <a:ext cx="248400" cy="249120"/>
+            <a:ext cx="248040" cy="248760"/>
           </a:xfrm>
           <a:prstGeom prst="rect">
             <a:avLst/>
@@ -8874,10 +8726,10 @@
         </p:nvGrpSpPr>
         <p:grpSpPr>
           <a:xfrm>
-            <a:off x="3749760" y="3724560"/>
-            <a:ext cx="192600" cy="84240"/>
-            <a:chOff x="3749760" y="3724560"/>
-            <a:chExt cx="192600" cy="84240"/>
+            <a:off x="3750120" y="3724560"/>
+            <a:ext cx="192240" cy="83880"/>
+            <a:chOff x="3750120" y="3724560"/>
+            <a:chExt cx="192240" cy="83880"/>
           </a:xfrm>
         </p:grpSpPr>
         <p:sp>
@@ -8888,8 +8740,8 @@
           </p:nvSpPr>
           <p:spPr>
             <a:xfrm rot="5400000">
-              <a:off x="3801240" y="3673080"/>
-              <a:ext cx="84240" cy="187200"/>
+              <a:off x="3801600" y="3673080"/>
+              <a:ext cx="83880" cy="186840"/>
             </a:xfrm>
             <a:prstGeom prst="rect">
               <a:avLst/>
@@ -8921,8 +8773,8 @@
           </p:nvSpPr>
           <p:spPr>
             <a:xfrm rot="5400000">
-              <a:off x="3809160" y="3674520"/>
-              <a:ext cx="73440" cy="192600"/>
+              <a:off x="3809520" y="3674520"/>
+              <a:ext cx="73080" cy="192240"/>
             </a:xfrm>
             <a:custGeom>
               <a:avLst/>
@@ -8996,10 +8848,10 @@
         </p:nvGrpSpPr>
         <p:grpSpPr>
           <a:xfrm>
-            <a:off x="4609440" y="3726720"/>
-            <a:ext cx="192600" cy="84240"/>
-            <a:chOff x="4609440" y="3726720"/>
-            <a:chExt cx="192600" cy="84240"/>
+            <a:off x="4609800" y="3726720"/>
+            <a:ext cx="192240" cy="83880"/>
+            <a:chOff x="4609800" y="3726720"/>
+            <a:chExt cx="192240" cy="83880"/>
           </a:xfrm>
         </p:grpSpPr>
         <p:sp>
@@ -9010,8 +8862,8 @@
           </p:nvSpPr>
           <p:spPr>
             <a:xfrm rot="5400000">
-              <a:off x="4660920" y="3675240"/>
-              <a:ext cx="84240" cy="187200"/>
+              <a:off x="4661280" y="3675240"/>
+              <a:ext cx="83880" cy="186840"/>
             </a:xfrm>
             <a:prstGeom prst="rect">
               <a:avLst/>
@@ -9043,8 +8895,8 @@
           </p:nvSpPr>
           <p:spPr>
             <a:xfrm rot="5400000">
-              <a:off x="4668840" y="3676320"/>
-              <a:ext cx="73440" cy="192600"/>
+              <a:off x="4669200" y="3676320"/>
+              <a:ext cx="73080" cy="192240"/>
             </a:xfrm>
             <a:custGeom>
               <a:avLst/>
@@ -9118,10 +8970,10 @@
         </p:nvGrpSpPr>
         <p:grpSpPr>
           <a:xfrm>
-            <a:off x="4613400" y="4199040"/>
-            <a:ext cx="192600" cy="84240"/>
-            <a:chOff x="4613400" y="4199040"/>
-            <a:chExt cx="192600" cy="84240"/>
+            <a:off x="4613760" y="4199040"/>
+            <a:ext cx="192240" cy="83880"/>
+            <a:chOff x="4613760" y="4199040"/>
+            <a:chExt cx="192240" cy="83880"/>
           </a:xfrm>
         </p:grpSpPr>
         <p:sp>
@@ -9132,8 +8984,8 @@
           </p:nvSpPr>
           <p:spPr>
             <a:xfrm rot="5400000">
-              <a:off x="4664880" y="4147560"/>
-              <a:ext cx="84240" cy="187200"/>
+              <a:off x="4665240" y="4147560"/>
+              <a:ext cx="83880" cy="186840"/>
             </a:xfrm>
             <a:prstGeom prst="rect">
               <a:avLst/>
@@ -9165,8 +9017,8 @@
           </p:nvSpPr>
           <p:spPr>
             <a:xfrm rot="5400000">
-              <a:off x="4672800" y="4148640"/>
-              <a:ext cx="73440" cy="192600"/>
+              <a:off x="4673160" y="4148640"/>
+              <a:ext cx="73080" cy="192240"/>
             </a:xfrm>
             <a:custGeom>
               <a:avLst/>
@@ -9240,10 +9092,10 @@
         </p:nvGrpSpPr>
         <p:grpSpPr>
           <a:xfrm>
-            <a:off x="3759840" y="4212720"/>
-            <a:ext cx="192600" cy="84240"/>
-            <a:chOff x="3759840" y="4212720"/>
-            <a:chExt cx="192600" cy="84240"/>
+            <a:off x="3760200" y="4212720"/>
+            <a:ext cx="192240" cy="83880"/>
+            <a:chOff x="3760200" y="4212720"/>
+            <a:chExt cx="192240" cy="83880"/>
           </a:xfrm>
         </p:grpSpPr>
         <p:sp>
@@ -9254,8 +9106,8 @@
           </p:nvSpPr>
           <p:spPr>
             <a:xfrm rot="5400000">
-              <a:off x="3811680" y="4161240"/>
-              <a:ext cx="84240" cy="187200"/>
+              <a:off x="3812040" y="4161240"/>
+              <a:ext cx="83880" cy="186840"/>
             </a:xfrm>
             <a:prstGeom prst="rect">
               <a:avLst/>
@@ -9287,8 +9139,8 @@
           </p:nvSpPr>
           <p:spPr>
             <a:xfrm rot="5400000">
-              <a:off x="3819240" y="4162320"/>
-              <a:ext cx="73440" cy="192600"/>
+              <a:off x="3819600" y="4161960"/>
+              <a:ext cx="73080" cy="192240"/>
             </a:xfrm>
             <a:custGeom>
               <a:avLst/>
@@ -9362,10 +9214,10 @@
         </p:nvGrpSpPr>
         <p:grpSpPr>
           <a:xfrm>
-            <a:off x="3759840" y="4820040"/>
-            <a:ext cx="192600" cy="84240"/>
-            <a:chOff x="3759840" y="4820040"/>
-            <a:chExt cx="192600" cy="84240"/>
+            <a:off x="3760200" y="4820040"/>
+            <a:ext cx="192240" cy="83880"/>
+            <a:chOff x="3760200" y="4820040"/>
+            <a:chExt cx="192240" cy="83880"/>
           </a:xfrm>
         </p:grpSpPr>
         <p:sp>
@@ -9376,8 +9228,8 @@
           </p:nvSpPr>
           <p:spPr>
             <a:xfrm rot="5400000">
-              <a:off x="3811680" y="4768560"/>
-              <a:ext cx="84240" cy="187200"/>
+              <a:off x="3812040" y="4768560"/>
+              <a:ext cx="83880" cy="186840"/>
             </a:xfrm>
             <a:prstGeom prst="rect">
               <a:avLst/>
@@ -9409,8 +9261,8 @@
           </p:nvSpPr>
           <p:spPr>
             <a:xfrm rot="5400000">
-              <a:off x="3819240" y="4769640"/>
-              <a:ext cx="73440" cy="192600"/>
+              <a:off x="3819600" y="4769280"/>
+              <a:ext cx="73080" cy="192240"/>
             </a:xfrm>
             <a:custGeom>
               <a:avLst/>
@@ -9484,10 +9336,10 @@
         </p:nvGrpSpPr>
         <p:grpSpPr>
           <a:xfrm>
-            <a:off x="4609440" y="4810680"/>
-            <a:ext cx="192600" cy="84240"/>
-            <a:chOff x="4609440" y="4810680"/>
-            <a:chExt cx="192600" cy="84240"/>
+            <a:off x="4609800" y="4810680"/>
+            <a:ext cx="192240" cy="83880"/>
+            <a:chOff x="4609800" y="4810680"/>
+            <a:chExt cx="192240" cy="83880"/>
           </a:xfrm>
         </p:grpSpPr>
         <p:sp>
@@ -9498,8 +9350,8 @@
           </p:nvSpPr>
           <p:spPr>
             <a:xfrm rot="5400000">
-              <a:off x="4660920" y="4759200"/>
-              <a:ext cx="84240" cy="187200"/>
+              <a:off x="4661280" y="4759200"/>
+              <a:ext cx="83880" cy="186840"/>
             </a:xfrm>
             <a:prstGeom prst="rect">
               <a:avLst/>
@@ -9531,8 +9383,8 @@
           </p:nvSpPr>
           <p:spPr>
             <a:xfrm rot="5400000">
-              <a:off x="4668840" y="4760280"/>
-              <a:ext cx="73440" cy="192600"/>
+              <a:off x="4669200" y="4760280"/>
+              <a:ext cx="73080" cy="192240"/>
             </a:xfrm>
             <a:custGeom>
               <a:avLst/>
@@ -9607,7 +9459,7 @@
         <p:spPr>
           <a:xfrm>
             <a:off x="3335400" y="989280"/>
-            <a:ext cx="272880" cy="271800"/>
+            <a:ext cx="272520" cy="271440"/>
           </a:xfrm>
           <a:prstGeom prst="rect">
             <a:avLst/>
@@ -9656,7 +9508,7 @@
         <p:spPr>
           <a:xfrm>
             <a:off x="3418200" y="1909440"/>
-            <a:ext cx="91080" cy="101880"/>
+            <a:ext cx="90720" cy="101520"/>
           </a:xfrm>
           <a:prstGeom prst="ellipse">
             <a:avLst/>
@@ -9692,7 +9544,7 @@
         <p:spPr>
           <a:xfrm>
             <a:off x="2905560" y="1848600"/>
-            <a:ext cx="521280" cy="279000"/>
+            <a:ext cx="520920" cy="278640"/>
           </a:xfrm>
           <a:prstGeom prst="rect">
             <a:avLst/>
@@ -9751,7 +9603,7 @@
         <p:spPr>
           <a:xfrm>
             <a:off x="2904480" y="2673000"/>
-            <a:ext cx="521280" cy="279000"/>
+            <a:ext cx="520920" cy="278640"/>
           </a:xfrm>
           <a:prstGeom prst="rect">
             <a:avLst/>
@@ -9820,9 +9672,9 @@
         <p:grpSpPr>
           <a:xfrm>
             <a:off x="3424320" y="2244960"/>
-            <a:ext cx="84240" cy="192600"/>
+            <a:ext cx="83880" cy="192240"/>
             <a:chOff x="3424320" y="2244960"/>
-            <a:chExt cx="84240" cy="192600"/>
+            <a:chExt cx="83880" cy="192240"/>
           </a:xfrm>
         </p:grpSpPr>
         <p:sp>
@@ -9834,7 +9686,7 @@
           <p:spPr>
             <a:xfrm>
               <a:off x="3424320" y="2250360"/>
-              <a:ext cx="84240" cy="187200"/>
+              <a:ext cx="83880" cy="186840"/>
             </a:xfrm>
             <a:prstGeom prst="rect">
               <a:avLst/>
@@ -9867,7 +9719,7 @@
           <p:spPr>
             <a:xfrm>
               <a:off x="3433680" y="2244960"/>
-              <a:ext cx="73440" cy="192600"/>
+              <a:ext cx="73080" cy="192240"/>
             </a:xfrm>
             <a:custGeom>
               <a:avLst/>
@@ -9942,7 +9794,7 @@
         <p:spPr>
           <a:xfrm>
             <a:off x="3418200" y="2755080"/>
-            <a:ext cx="91080" cy="101880"/>
+            <a:ext cx="90720" cy="101520"/>
           </a:xfrm>
           <a:prstGeom prst="ellipse">
             <a:avLst/>
@@ -9978,9 +9830,9 @@
         <p:grpSpPr>
           <a:xfrm>
             <a:off x="3424320" y="3123360"/>
-            <a:ext cx="84240" cy="192600"/>
+            <a:ext cx="83880" cy="192240"/>
             <a:chOff x="3424320" y="3123360"/>
-            <a:chExt cx="84240" cy="192600"/>
+            <a:chExt cx="83880" cy="192240"/>
           </a:xfrm>
         </p:grpSpPr>
         <p:sp>
@@ -9992,7 +9844,7 @@
           <p:spPr>
             <a:xfrm>
               <a:off x="3424320" y="3128760"/>
-              <a:ext cx="84240" cy="187200"/>
+              <a:ext cx="83880" cy="186840"/>
             </a:xfrm>
             <a:prstGeom prst="rect">
               <a:avLst/>
@@ -10025,7 +9877,7 @@
           <p:spPr>
             <a:xfrm>
               <a:off x="3433680" y="3123360"/>
-              <a:ext cx="73440" cy="192600"/>
+              <a:ext cx="73080" cy="192240"/>
             </a:xfrm>
             <a:custGeom>
               <a:avLst/>
@@ -10100,7 +9952,7 @@
         <p:spPr>
           <a:xfrm>
             <a:off x="2921400" y="1328760"/>
-            <a:ext cx="414720" cy="279000"/>
+            <a:ext cx="414360" cy="278640"/>
           </a:xfrm>
           <a:prstGeom prst="rect">
             <a:avLst/>
@@ -10159,9 +10011,9 @@
         <p:grpSpPr>
           <a:xfrm>
             <a:off x="3419640" y="1583640"/>
-            <a:ext cx="84240" cy="192600"/>
+            <a:ext cx="83880" cy="192240"/>
             <a:chOff x="3419640" y="1583640"/>
-            <a:chExt cx="84240" cy="192600"/>
+            <a:chExt cx="83880" cy="192240"/>
           </a:xfrm>
         </p:grpSpPr>
         <p:sp>
@@ -10173,7 +10025,7 @@
           <p:spPr>
             <a:xfrm>
               <a:off x="3419640" y="1589040"/>
-              <a:ext cx="84240" cy="187200"/>
+              <a:ext cx="83880" cy="186840"/>
             </a:xfrm>
             <a:prstGeom prst="rect">
               <a:avLst/>
@@ -10206,7 +10058,7 @@
           <p:spPr>
             <a:xfrm>
               <a:off x="3429000" y="1583640"/>
-              <a:ext cx="73440" cy="192600"/>
+              <a:ext cx="73080" cy="192240"/>
             </a:xfrm>
             <a:custGeom>
               <a:avLst/>
@@ -10281,7 +10133,7 @@
         <p:spPr>
           <a:xfrm>
             <a:off x="3425400" y="1431720"/>
-            <a:ext cx="91080" cy="101880"/>
+            <a:ext cx="90720" cy="101520"/>
           </a:xfrm>
           <a:prstGeom prst="ellipse">
             <a:avLst/>
@@ -10373,7 +10225,7 @@
         <p:spPr>
           <a:xfrm>
             <a:off x="144000" y="576000"/>
-            <a:ext cx="6047640" cy="5391360"/>
+            <a:ext cx="6047280" cy="5391000"/>
           </a:xfrm>
           <a:prstGeom prst="rect">
             <a:avLst/>
@@ -10413,7 +10265,7 @@
         <p:spPr>
           <a:xfrm>
             <a:off x="72000" y="1008000"/>
-            <a:ext cx="3265920" cy="4815360"/>
+            <a:ext cx="3265560" cy="4815000"/>
           </a:xfrm>
           <a:prstGeom prst="rect">
             <a:avLst/>
@@ -10432,7 +10284,7 @@
         <p:spPr>
           <a:xfrm>
             <a:off x="1881000" y="1015920"/>
-            <a:ext cx="4526640" cy="4959360"/>
+            <a:ext cx="4526280" cy="4959000"/>
           </a:xfrm>
           <a:prstGeom prst="rect">
             <a:avLst/>
@@ -10470,7 +10322,7 @@
         <p:spPr>
           <a:xfrm>
             <a:off x="3062520" y="1408320"/>
-            <a:ext cx="44640" cy="4008960"/>
+            <a:ext cx="44280" cy="4008600"/>
           </a:xfrm>
           <a:custGeom>
             <a:avLst/>
@@ -10519,7 +10371,7 @@
         <p:spPr>
           <a:xfrm>
             <a:off x="2909520" y="2743920"/>
-            <a:ext cx="605880" cy="538200"/>
+            <a:ext cx="605520" cy="537840"/>
           </a:xfrm>
           <a:prstGeom prst="rect">
             <a:avLst/>
@@ -10558,7 +10410,7 @@
         <p:spPr>
           <a:xfrm>
             <a:off x="3290760" y="4188960"/>
-            <a:ext cx="161280" cy="203400"/>
+            <a:ext cx="160920" cy="203040"/>
           </a:xfrm>
           <a:prstGeom prst="ellipse">
             <a:avLst/>
@@ -10594,7 +10446,7 @@
         <p:spPr>
           <a:xfrm>
             <a:off x="4890240" y="4188960"/>
-            <a:ext cx="161280" cy="203400"/>
+            <a:ext cx="160920" cy="203040"/>
           </a:xfrm>
           <a:prstGeom prst="ellipse">
             <a:avLst/>
@@ -10630,7 +10482,7 @@
         <p:spPr>
           <a:xfrm flipH="1">
             <a:off x="3452040" y="4291560"/>
-            <a:ext cx="1435320" cy="360"/>
+            <a:ext cx="1434960" cy="360"/>
           </a:xfrm>
           <a:custGeom>
             <a:avLst/>
@@ -10678,7 +10530,7 @@
         <p:spPr>
           <a:xfrm>
             <a:off x="4097520" y="4199040"/>
-            <a:ext cx="161280" cy="203400"/>
+            <a:ext cx="160920" cy="203040"/>
           </a:xfrm>
           <a:prstGeom prst="ellipse">
             <a:avLst/>
@@ -10714,7 +10566,7 @@
         <p:spPr>
           <a:xfrm>
             <a:off x="4910400" y="4662360"/>
-            <a:ext cx="161280" cy="203400"/>
+            <a:ext cx="160920" cy="203040"/>
           </a:xfrm>
           <a:prstGeom prst="ellipse">
             <a:avLst/>
@@ -10749,8 +10601,8 @@
         </p:nvSpPr>
         <p:spPr>
           <a:xfrm flipH="1">
-            <a:off x="3763440" y="4764600"/>
-            <a:ext cx="1144080" cy="12600"/>
+            <a:off x="3762720" y="4764600"/>
+            <a:ext cx="1143720" cy="12240"/>
           </a:xfrm>
           <a:custGeom>
             <a:avLst/>
@@ -10798,7 +10650,7 @@
         <p:spPr>
           <a:xfrm>
             <a:off x="4117680" y="4672080"/>
-            <a:ext cx="161280" cy="203400"/>
+            <a:ext cx="160920" cy="203040"/>
           </a:xfrm>
           <a:prstGeom prst="ellipse">
             <a:avLst/>
@@ -10834,7 +10686,7 @@
         <p:spPr>
           <a:xfrm>
             <a:off x="4910400" y="5275080"/>
-            <a:ext cx="161280" cy="203400"/>
+            <a:ext cx="160920" cy="203040"/>
           </a:xfrm>
           <a:prstGeom prst="ellipse">
             <a:avLst/>
@@ -10870,7 +10722,7 @@
         <p:spPr>
           <a:xfrm flipH="1">
             <a:off x="3761640" y="5377320"/>
-            <a:ext cx="1145880" cy="7920"/>
+            <a:ext cx="1145520" cy="7560"/>
           </a:xfrm>
           <a:custGeom>
             <a:avLst/>
@@ -10918,7 +10770,7 @@
         <p:spPr>
           <a:xfrm>
             <a:off x="4117680" y="5284800"/>
-            <a:ext cx="161280" cy="203400"/>
+            <a:ext cx="160920" cy="203040"/>
           </a:xfrm>
           <a:prstGeom prst="ellipse">
             <a:avLst/>
@@ -10954,7 +10806,7 @@
         <p:spPr>
           <a:xfrm>
             <a:off x="5206680" y="4109040"/>
-            <a:ext cx="977040" cy="249120"/>
+            <a:ext cx="976680" cy="248760"/>
           </a:xfrm>
           <a:prstGeom prst="rect">
             <a:avLst/>
@@ -11013,7 +10865,7 @@
         <p:spPr>
           <a:xfrm>
             <a:off x="5220000" y="4632840"/>
-            <a:ext cx="977040" cy="249120"/>
+            <a:ext cx="976680" cy="248760"/>
           </a:xfrm>
           <a:prstGeom prst="rect">
             <a:avLst/>
@@ -11072,7 +10924,7 @@
         <p:spPr>
           <a:xfrm>
             <a:off x="5244480" y="5297760"/>
-            <a:ext cx="977040" cy="249120"/>
+            <a:ext cx="976680" cy="248760"/>
           </a:xfrm>
           <a:prstGeom prst="rect">
             <a:avLst/>
@@ -11120,8 +10972,8 @@
         </p:nvSpPr>
         <p:spPr>
           <a:xfrm rot="16200000">
-            <a:off x="1887120" y="2476800"/>
-            <a:ext cx="483480" cy="249120"/>
+            <a:off x="1887120" y="2477160"/>
+            <a:ext cx="483120" cy="248760"/>
           </a:xfrm>
           <a:prstGeom prst="rect">
             <a:avLst/>
@@ -11170,7 +11022,7 @@
         <p:spPr>
           <a:xfrm>
             <a:off x="3349800" y="5736600"/>
-            <a:ext cx="574200" cy="249120"/>
+            <a:ext cx="573840" cy="248760"/>
           </a:xfrm>
           <a:prstGeom prst="rect">
             <a:avLst/>
@@ -11219,7 +11071,7 @@
         <p:spPr>
           <a:xfrm>
             <a:off x="3968640" y="5752440"/>
-            <a:ext cx="1476000" cy="249120"/>
+            <a:ext cx="1475640" cy="248760"/>
           </a:xfrm>
           <a:prstGeom prst="rect">
             <a:avLst/>
@@ -11268,7 +11120,7 @@
         <p:spPr>
           <a:xfrm>
             <a:off x="3943440" y="4365720"/>
-            <a:ext cx="672120" cy="295920"/>
+            <a:ext cx="671760" cy="295560"/>
           </a:xfrm>
           <a:prstGeom prst="rect">
             <a:avLst/>
@@ -11337,7 +11189,7 @@
         <p:spPr>
           <a:xfrm>
             <a:off x="3943440" y="4854240"/>
-            <a:ext cx="672120" cy="295920"/>
+            <a:ext cx="671760" cy="295560"/>
           </a:xfrm>
           <a:prstGeom prst="rect">
             <a:avLst/>
@@ -11406,7 +11258,7 @@
         <p:spPr>
           <a:xfrm>
             <a:off x="3994560" y="5456520"/>
-            <a:ext cx="672120" cy="295920"/>
+            <a:ext cx="671760" cy="295560"/>
           </a:xfrm>
           <a:prstGeom prst="rect">
             <a:avLst/>
@@ -11464,8 +11316,8 @@
         </p:nvSpPr>
         <p:spPr>
           <a:xfrm flipH="1" flipV="1">
-            <a:off x="3428280" y="4362480"/>
-            <a:ext cx="234000" cy="414360"/>
+            <a:off x="3427560" y="4362480"/>
+            <a:ext cx="233640" cy="414000"/>
           </a:xfrm>
           <a:custGeom>
             <a:avLst/>
@@ -11513,7 +11365,7 @@
         <p:spPr>
           <a:xfrm>
             <a:off x="2304000" y="4051080"/>
-            <a:ext cx="661320" cy="295920"/>
+            <a:ext cx="660960" cy="295560"/>
           </a:xfrm>
           <a:prstGeom prst="rect">
             <a:avLst/>
@@ -11572,7 +11424,7 @@
         <p:spPr>
           <a:xfrm>
             <a:off x="4883760" y="4341960"/>
-            <a:ext cx="518400" cy="295920"/>
+            <a:ext cx="518040" cy="295560"/>
           </a:xfrm>
           <a:prstGeom prst="rect">
             <a:avLst/>
@@ -11641,7 +11493,7 @@
         <p:spPr>
           <a:xfrm>
             <a:off x="4891680" y="4864320"/>
-            <a:ext cx="518400" cy="295920"/>
+            <a:ext cx="518040" cy="295560"/>
           </a:xfrm>
           <a:prstGeom prst="rect">
             <a:avLst/>
@@ -11710,7 +11562,7 @@
         <p:spPr>
           <a:xfrm>
             <a:off x="4900680" y="5461200"/>
-            <a:ext cx="518040" cy="295920"/>
+            <a:ext cx="517680" cy="295560"/>
           </a:xfrm>
           <a:prstGeom prst="rect">
             <a:avLst/>
@@ -11768,8 +11620,8 @@
         </p:nvSpPr>
         <p:spPr>
           <a:xfrm rot="16200000">
-            <a:off x="1761840" y="1474920"/>
-            <a:ext cx="715320" cy="249120"/>
+            <a:off x="1761840" y="1475280"/>
+            <a:ext cx="714960" cy="248760"/>
           </a:xfrm>
           <a:prstGeom prst="rect">
             <a:avLst/>
@@ -11817,8 +11669,8 @@
         </p:nvSpPr>
         <p:spPr>
           <a:xfrm flipH="1" rot="16200000">
-            <a:off x="3022200" y="4743720"/>
-            <a:ext cx="991440" cy="291600"/>
+            <a:off x="3021840" y="4743720"/>
+            <a:ext cx="991080" cy="291240"/>
           </a:xfrm>
           <a:prstGeom prst="bentConnector2">
             <a:avLst/>
@@ -11853,7 +11705,7 @@
         <p:spPr>
           <a:xfrm>
             <a:off x="3574440" y="5001480"/>
-            <a:ext cx="248400" cy="249120"/>
+            <a:ext cx="248040" cy="248760"/>
           </a:xfrm>
           <a:prstGeom prst="rect">
             <a:avLst/>
@@ -11902,7 +11754,7 @@
         <p:spPr>
           <a:xfrm>
             <a:off x="4881240" y="5023440"/>
-            <a:ext cx="248400" cy="249120"/>
+            <a:ext cx="248040" cy="248760"/>
           </a:xfrm>
           <a:prstGeom prst="rect">
             <a:avLst/>
@@ -11950,10 +11802,10 @@
         </p:nvGrpSpPr>
         <p:grpSpPr>
           <a:xfrm>
-            <a:off x="3656160" y="4248360"/>
-            <a:ext cx="192600" cy="84240"/>
-            <a:chOff x="3656160" y="4248360"/>
-            <a:chExt cx="192600" cy="84240"/>
+            <a:off x="3656520" y="4248360"/>
+            <a:ext cx="192240" cy="83880"/>
+            <a:chOff x="3656520" y="4248360"/>
+            <a:chExt cx="192240" cy="83880"/>
           </a:xfrm>
         </p:grpSpPr>
         <p:sp>
@@ -11964,8 +11816,8 @@
           </p:nvSpPr>
           <p:spPr>
             <a:xfrm rot="5400000">
-              <a:off x="3707640" y="4196880"/>
-              <a:ext cx="84240" cy="187200"/>
+              <a:off x="3708000" y="4196880"/>
+              <a:ext cx="83880" cy="186840"/>
             </a:xfrm>
             <a:prstGeom prst="rect">
               <a:avLst/>
@@ -11997,8 +11849,8 @@
           </p:nvSpPr>
           <p:spPr>
             <a:xfrm rot="5400000">
-              <a:off x="3715560" y="4198320"/>
-              <a:ext cx="73440" cy="192600"/>
+              <a:off x="3715920" y="4197960"/>
+              <a:ext cx="73080" cy="192240"/>
             </a:xfrm>
             <a:custGeom>
               <a:avLst/>
@@ -12072,10 +11924,10 @@
         </p:nvGrpSpPr>
         <p:grpSpPr>
           <a:xfrm>
-            <a:off x="4515840" y="4250520"/>
-            <a:ext cx="192600" cy="84240"/>
-            <a:chOff x="4515840" y="4250520"/>
-            <a:chExt cx="192600" cy="84240"/>
+            <a:off x="4516200" y="4250520"/>
+            <a:ext cx="192240" cy="83880"/>
+            <a:chOff x="4516200" y="4250520"/>
+            <a:chExt cx="192240" cy="83880"/>
           </a:xfrm>
         </p:grpSpPr>
         <p:sp>
@@ -12086,8 +11938,8 @@
           </p:nvSpPr>
           <p:spPr>
             <a:xfrm rot="5400000">
-              <a:off x="4567320" y="4199040"/>
-              <a:ext cx="84240" cy="187200"/>
+              <a:off x="4567680" y="4199040"/>
+              <a:ext cx="83880" cy="186840"/>
             </a:xfrm>
             <a:prstGeom prst="rect">
               <a:avLst/>
@@ -12119,8 +11971,8 @@
           </p:nvSpPr>
           <p:spPr>
             <a:xfrm rot="5400000">
-              <a:off x="4575240" y="4200120"/>
-              <a:ext cx="73440" cy="192600"/>
+              <a:off x="4575600" y="4200120"/>
+              <a:ext cx="73080" cy="192240"/>
             </a:xfrm>
             <a:custGeom>
               <a:avLst/>
@@ -12194,10 +12046,10 @@
         </p:nvGrpSpPr>
         <p:grpSpPr>
           <a:xfrm>
-            <a:off x="4519800" y="4722840"/>
-            <a:ext cx="192600" cy="84240"/>
-            <a:chOff x="4519800" y="4722840"/>
-            <a:chExt cx="192600" cy="84240"/>
+            <a:off x="4520160" y="4722840"/>
+            <a:ext cx="192240" cy="83880"/>
+            <a:chOff x="4520160" y="4722840"/>
+            <a:chExt cx="192240" cy="83880"/>
           </a:xfrm>
         </p:grpSpPr>
         <p:sp>
@@ -12208,8 +12060,8 @@
           </p:nvSpPr>
           <p:spPr>
             <a:xfrm rot="5400000">
-              <a:off x="4571280" y="4671360"/>
-              <a:ext cx="84240" cy="187200"/>
+              <a:off x="4571640" y="4671360"/>
+              <a:ext cx="83880" cy="186840"/>
             </a:xfrm>
             <a:prstGeom prst="rect">
               <a:avLst/>
@@ -12241,8 +12093,8 @@
           </p:nvSpPr>
           <p:spPr>
             <a:xfrm rot="5400000">
-              <a:off x="4579200" y="4672440"/>
-              <a:ext cx="73440" cy="192600"/>
+              <a:off x="4579560" y="4672440"/>
+              <a:ext cx="73080" cy="192240"/>
             </a:xfrm>
             <a:custGeom>
               <a:avLst/>
@@ -12316,10 +12168,10 @@
         </p:nvGrpSpPr>
         <p:grpSpPr>
           <a:xfrm>
-            <a:off x="3666600" y="4736520"/>
-            <a:ext cx="192600" cy="84240"/>
-            <a:chOff x="3666600" y="4736520"/>
-            <a:chExt cx="192600" cy="84240"/>
+            <a:off x="3666960" y="4736520"/>
+            <a:ext cx="192240" cy="83880"/>
+            <a:chOff x="3666960" y="4736520"/>
+            <a:chExt cx="192240" cy="83880"/>
           </a:xfrm>
         </p:grpSpPr>
         <p:sp>
@@ -12330,8 +12182,8 @@
           </p:nvSpPr>
           <p:spPr>
             <a:xfrm rot="5400000">
-              <a:off x="3718080" y="4685040"/>
-              <a:ext cx="84240" cy="187200"/>
+              <a:off x="3718440" y="4685040"/>
+              <a:ext cx="83880" cy="186840"/>
             </a:xfrm>
             <a:prstGeom prst="rect">
               <a:avLst/>
@@ -12363,8 +12215,8 @@
           </p:nvSpPr>
           <p:spPr>
             <a:xfrm rot="5400000">
-              <a:off x="3726000" y="4686120"/>
-              <a:ext cx="73440" cy="192600"/>
+              <a:off x="3726360" y="4686120"/>
+              <a:ext cx="73080" cy="192240"/>
             </a:xfrm>
             <a:custGeom>
               <a:avLst/>
@@ -12438,10 +12290,10 @@
         </p:nvGrpSpPr>
         <p:grpSpPr>
           <a:xfrm>
-            <a:off x="3666600" y="5343840"/>
-            <a:ext cx="192600" cy="84240"/>
-            <a:chOff x="3666600" y="5343840"/>
-            <a:chExt cx="192600" cy="84240"/>
+            <a:off x="3666960" y="5343840"/>
+            <a:ext cx="192240" cy="83880"/>
+            <a:chOff x="3666960" y="5343840"/>
+            <a:chExt cx="192240" cy="83880"/>
           </a:xfrm>
         </p:grpSpPr>
         <p:sp>
@@ -12452,8 +12304,8 @@
           </p:nvSpPr>
           <p:spPr>
             <a:xfrm rot="5400000">
-              <a:off x="3718080" y="5292360"/>
-              <a:ext cx="84240" cy="187200"/>
+              <a:off x="3718440" y="5292360"/>
+              <a:ext cx="83880" cy="186840"/>
             </a:xfrm>
             <a:prstGeom prst="rect">
               <a:avLst/>
@@ -12485,8 +12337,8 @@
           </p:nvSpPr>
           <p:spPr>
             <a:xfrm rot="5400000">
-              <a:off x="3726000" y="5293440"/>
-              <a:ext cx="73440" cy="192600"/>
+              <a:off x="3726360" y="5293080"/>
+              <a:ext cx="73080" cy="192240"/>
             </a:xfrm>
             <a:custGeom>
               <a:avLst/>
@@ -12560,10 +12412,10 @@
         </p:nvGrpSpPr>
         <p:grpSpPr>
           <a:xfrm>
-            <a:off x="4515840" y="5334480"/>
-            <a:ext cx="192600" cy="84240"/>
-            <a:chOff x="4515840" y="5334480"/>
-            <a:chExt cx="192600" cy="84240"/>
+            <a:off x="4516200" y="5334480"/>
+            <a:ext cx="192240" cy="83880"/>
+            <a:chOff x="4516200" y="5334480"/>
+            <a:chExt cx="192240" cy="83880"/>
           </a:xfrm>
         </p:grpSpPr>
         <p:sp>
@@ -12574,8 +12426,8 @@
           </p:nvSpPr>
           <p:spPr>
             <a:xfrm rot="5400000">
-              <a:off x="4567320" y="5283000"/>
-              <a:ext cx="84240" cy="187200"/>
+              <a:off x="4567680" y="5283000"/>
+              <a:ext cx="83880" cy="186840"/>
             </a:xfrm>
             <a:prstGeom prst="rect">
               <a:avLst/>
@@ -12607,8 +12459,8 @@
           </p:nvSpPr>
           <p:spPr>
             <a:xfrm rot="5400000">
-              <a:off x="4575240" y="5284080"/>
-              <a:ext cx="73440" cy="192600"/>
+              <a:off x="4575600" y="5284080"/>
+              <a:ext cx="73080" cy="192240"/>
             </a:xfrm>
             <a:custGeom>
               <a:avLst/>
@@ -12683,7 +12535,7 @@
         <p:spPr>
           <a:xfrm>
             <a:off x="2512080" y="2012040"/>
-            <a:ext cx="521280" cy="279000"/>
+            <a:ext cx="520920" cy="278640"/>
           </a:xfrm>
           <a:prstGeom prst="rect">
             <a:avLst/>
@@ -12742,7 +12594,7 @@
         <p:spPr>
           <a:xfrm>
             <a:off x="2959200" y="2870640"/>
-            <a:ext cx="634680" cy="279000"/>
+            <a:ext cx="634320" cy="278640"/>
           </a:xfrm>
           <a:prstGeom prst="rect">
             <a:avLst/>
@@ -12811,7 +12663,7 @@
         <p:spPr>
           <a:xfrm>
             <a:off x="2527920" y="1492200"/>
-            <a:ext cx="414720" cy="279000"/>
+            <a:ext cx="414360" cy="278640"/>
           </a:xfrm>
           <a:prstGeom prst="rect">
             <a:avLst/>
@@ -12870,7 +12722,7 @@
         <p:spPr>
           <a:xfrm>
             <a:off x="4096800" y="1494720"/>
-            <a:ext cx="731160" cy="270000"/>
+            <a:ext cx="730800" cy="269640"/>
           </a:xfrm>
           <a:prstGeom prst="rect">
             <a:avLst/>
@@ -12939,7 +12791,7 @@
         <p:spPr>
           <a:xfrm>
             <a:off x="3550680" y="2714040"/>
-            <a:ext cx="625680" cy="270000"/>
+            <a:ext cx="625320" cy="269640"/>
           </a:xfrm>
           <a:prstGeom prst="rect">
             <a:avLst/>
@@ -12998,7 +12850,7 @@
         <p:spPr>
           <a:xfrm>
             <a:off x="3024720" y="2113560"/>
-            <a:ext cx="91080" cy="101880"/>
+            <a:ext cx="90720" cy="101520"/>
           </a:xfrm>
           <a:prstGeom prst="ellipse">
             <a:avLst/>
@@ -13034,9 +12886,9 @@
         <p:grpSpPr>
           <a:xfrm>
             <a:off x="3023640" y="2297160"/>
-            <a:ext cx="84240" cy="192600"/>
+            <a:ext cx="83880" cy="192240"/>
             <a:chOff x="3023640" y="2297160"/>
-            <a:chExt cx="84240" cy="192600"/>
+            <a:chExt cx="83880" cy="192240"/>
           </a:xfrm>
         </p:grpSpPr>
         <p:sp>
@@ -13048,7 +12900,7 @@
           <p:spPr>
             <a:xfrm>
               <a:off x="3023640" y="2302200"/>
-              <a:ext cx="84240" cy="187200"/>
+              <a:ext cx="83880" cy="186840"/>
             </a:xfrm>
             <a:prstGeom prst="rect">
               <a:avLst/>
@@ -13081,7 +12933,7 @@
           <p:spPr>
             <a:xfrm>
               <a:off x="3033000" y="2297160"/>
-              <a:ext cx="73440" cy="192600"/>
+              <a:ext cx="73080" cy="192240"/>
             </a:xfrm>
             <a:custGeom>
               <a:avLst/>
@@ -13156,9 +13008,9 @@
         <p:grpSpPr>
           <a:xfrm>
             <a:off x="3026160" y="1761840"/>
-            <a:ext cx="84240" cy="192600"/>
+            <a:ext cx="83880" cy="192240"/>
             <a:chOff x="3026160" y="1761840"/>
-            <a:chExt cx="84240" cy="192600"/>
+            <a:chExt cx="83880" cy="192240"/>
           </a:xfrm>
         </p:grpSpPr>
         <p:sp>
@@ -13170,7 +13022,7 @@
           <p:spPr>
             <a:xfrm>
               <a:off x="3026160" y="1767240"/>
-              <a:ext cx="84240" cy="187200"/>
+              <a:ext cx="83880" cy="186840"/>
             </a:xfrm>
             <a:prstGeom prst="rect">
               <a:avLst/>
@@ -13203,7 +13055,7 @@
           <p:spPr>
             <a:xfrm>
               <a:off x="3035520" y="1761840"/>
-              <a:ext cx="73440" cy="192600"/>
+              <a:ext cx="73080" cy="192240"/>
             </a:xfrm>
             <a:custGeom>
               <a:avLst/>
@@ -13278,7 +13130,7 @@
         <p:spPr>
           <a:xfrm>
             <a:off x="3023640" y="1562400"/>
-            <a:ext cx="91080" cy="101880"/>
+            <a:ext cx="90720" cy="101520"/>
           </a:xfrm>
           <a:prstGeom prst="ellipse">
             <a:avLst/>
@@ -13314,7 +13166,7 @@
         <p:spPr>
           <a:xfrm>
             <a:off x="3387960" y="3359520"/>
-            <a:ext cx="605520" cy="270000"/>
+            <a:ext cx="605160" cy="269640"/>
           </a:xfrm>
           <a:prstGeom prst="rect">
             <a:avLst/>
@@ -13373,7 +13225,7 @@
         <p:spPr>
           <a:xfrm>
             <a:off x="3029400" y="2446560"/>
-            <a:ext cx="605520" cy="270000"/>
+            <a:ext cx="605160" cy="269640"/>
           </a:xfrm>
           <a:prstGeom prst="rect">
             <a:avLst/>
@@ -13432,7 +13284,7 @@
         <p:spPr>
           <a:xfrm>
             <a:off x="3146040" y="1607760"/>
-            <a:ext cx="937800" cy="360"/>
+            <a:ext cx="937440" cy="360"/>
           </a:xfrm>
           <a:custGeom>
             <a:avLst/>
@@ -13482,7 +13334,7 @@
         <p:spPr>
           <a:xfrm>
             <a:off x="3351240" y="1332720"/>
-            <a:ext cx="625680" cy="270000"/>
+            <a:ext cx="625320" cy="269640"/>
           </a:xfrm>
           <a:prstGeom prst="rect">
             <a:avLst/>
@@ -13541,7 +13393,7 @@
         <p:spPr>
           <a:xfrm>
             <a:off x="2869560" y="1080000"/>
-            <a:ext cx="605520" cy="270000"/>
+            <a:ext cx="605160" cy="269640"/>
           </a:xfrm>
           <a:prstGeom prst="rect">
             <a:avLst/>
@@ -13600,7 +13452,7 @@
         <p:spPr>
           <a:xfrm>
             <a:off x="2994840" y="4201200"/>
-            <a:ext cx="161280" cy="203400"/>
+            <a:ext cx="160920" cy="203040"/>
           </a:xfrm>
           <a:prstGeom prst="ellipse">
             <a:avLst/>
@@ -13636,9 +13488,9 @@
         <p:grpSpPr>
           <a:xfrm>
             <a:off x="3027240" y="3773520"/>
-            <a:ext cx="84240" cy="192600"/>
+            <a:ext cx="83880" cy="192240"/>
             <a:chOff x="3027240" y="3773520"/>
-            <a:chExt cx="84240" cy="192600"/>
+            <a:chExt cx="83880" cy="192240"/>
           </a:xfrm>
         </p:grpSpPr>
         <p:sp>
@@ -13650,7 +13502,7 @@
           <p:spPr>
             <a:xfrm>
               <a:off x="3027240" y="3778920"/>
-              <a:ext cx="84240" cy="187200"/>
+              <a:ext cx="83880" cy="186840"/>
             </a:xfrm>
             <a:prstGeom prst="rect">
               <a:avLst/>
@@ -13683,7 +13535,7 @@
           <p:spPr>
             <a:xfrm>
               <a:off x="3036600" y="3773520"/>
-              <a:ext cx="73440" cy="192600"/>
+              <a:ext cx="73080" cy="192240"/>
             </a:xfrm>
             <a:custGeom>
               <a:avLst/>
@@ -13758,7 +13610,7 @@
         <p:spPr>
           <a:xfrm>
             <a:off x="3020760" y="5204520"/>
-            <a:ext cx="161280" cy="203400"/>
+            <a:ext cx="160920" cy="203040"/>
           </a:xfrm>
           <a:prstGeom prst="ellipse">
             <a:avLst/>
@@ -13794,7 +13646,7 @@
         <p:spPr>
           <a:xfrm>
             <a:off x="2318040" y="5088600"/>
-            <a:ext cx="661320" cy="295920"/>
+            <a:ext cx="660960" cy="295560"/>
           </a:xfrm>
           <a:prstGeom prst="rect">
             <a:avLst/>
@@ -13853,9 +13705,9 @@
         <p:grpSpPr>
           <a:xfrm>
             <a:off x="3049920" y="4693680"/>
-            <a:ext cx="84240" cy="192600"/>
+            <a:ext cx="83880" cy="192240"/>
             <a:chOff x="3049920" y="4693680"/>
-            <a:chExt cx="84240" cy="192600"/>
+            <a:chExt cx="83880" cy="192240"/>
           </a:xfrm>
         </p:grpSpPr>
         <p:sp>
@@ -13867,7 +13719,7 @@
           <p:spPr>
             <a:xfrm>
               <a:off x="3049920" y="4699080"/>
-              <a:ext cx="84240" cy="187200"/>
+              <a:ext cx="83880" cy="186840"/>
             </a:xfrm>
             <a:prstGeom prst="rect">
               <a:avLst/>
@@ -13900,7 +13752,7 @@
           <p:spPr>
             <a:xfrm>
               <a:off x="3059280" y="4693680"/>
-              <a:ext cx="73440" cy="192600"/>
+              <a:ext cx="73080" cy="192240"/>
             </a:xfrm>
             <a:custGeom>
               <a:avLst/>
@@ -13975,7 +13827,7 @@
         <p:spPr>
           <a:xfrm>
             <a:off x="4117680" y="2743920"/>
-            <a:ext cx="709920" cy="538200"/>
+            <a:ext cx="709560" cy="537840"/>
           </a:xfrm>
           <a:prstGeom prst="rect">
             <a:avLst/>
@@ -14014,7 +13866,7 @@
         <p:spPr>
           <a:xfrm flipH="1">
             <a:off x="3515040" y="3013560"/>
-            <a:ext cx="600120" cy="360"/>
+            <a:ext cx="599760" cy="360"/>
           </a:xfrm>
           <a:custGeom>
             <a:avLst/>
@@ -14064,7 +13916,7 @@
         <p:spPr>
           <a:xfrm>
             <a:off x="4120920" y="2869920"/>
-            <a:ext cx="634680" cy="279000"/>
+            <a:ext cx="634320" cy="278640"/>
           </a:xfrm>
           <a:prstGeom prst="rect">
             <a:avLst/>
@@ -14142,8 +13994,8 @@
         </p:nvSpPr>
         <p:spPr>
           <a:xfrm rot="16200000">
-            <a:off x="1764720" y="4415040"/>
-            <a:ext cx="687240" cy="249120"/>
+            <a:off x="1764720" y="4415400"/>
+            <a:ext cx="686880" cy="248760"/>
           </a:xfrm>
           <a:prstGeom prst="rect">
             <a:avLst/>
@@ -14192,7 +14044,7 @@
         <p:spPr>
           <a:xfrm flipH="1" flipV="1">
             <a:off x="3372840" y="3274200"/>
-            <a:ext cx="6120" cy="911880"/>
+            <a:ext cx="5760" cy="911520"/>
           </a:xfrm>
           <a:custGeom>
             <a:avLst/>
@@ -14241,9 +14093,9 @@
         <p:grpSpPr>
           <a:xfrm>
             <a:off x="3323160" y="3769920"/>
-            <a:ext cx="84240" cy="192600"/>
+            <a:ext cx="83880" cy="192240"/>
             <a:chOff x="3323160" y="3769920"/>
-            <a:chExt cx="84240" cy="192600"/>
+            <a:chExt cx="83880" cy="192240"/>
           </a:xfrm>
         </p:grpSpPr>
         <p:sp>
@@ -14255,7 +14107,7 @@
           <p:spPr>
             <a:xfrm>
               <a:off x="3323160" y="3775320"/>
-              <a:ext cx="84240" cy="187200"/>
+              <a:ext cx="83880" cy="186840"/>
             </a:xfrm>
             <a:prstGeom prst="rect">
               <a:avLst/>
@@ -14288,7 +14140,7 @@
           <p:spPr>
             <a:xfrm>
               <a:off x="3332520" y="3769920"/>
-              <a:ext cx="73440" cy="192600"/>
+              <a:ext cx="73080" cy="192240"/>
             </a:xfrm>
             <a:custGeom>
               <a:avLst/>
@@ -14419,7 +14271,7 @@
         <p:spPr>
           <a:xfrm>
             <a:off x="213480" y="583920"/>
-            <a:ext cx="8713800" cy="5391360"/>
+            <a:ext cx="8713440" cy="5391000"/>
           </a:xfrm>
           <a:prstGeom prst="rect">
             <a:avLst/>
@@ -14459,7 +14311,7 @@
         <p:spPr>
           <a:xfrm>
             <a:off x="72000" y="1008000"/>
-            <a:ext cx="3265920" cy="4815360"/>
+            <a:ext cx="3265560" cy="4815000"/>
           </a:xfrm>
           <a:prstGeom prst="rect">
             <a:avLst/>
@@ -14478,7 +14330,7 @@
         <p:spPr>
           <a:xfrm>
             <a:off x="1881000" y="1015920"/>
-            <a:ext cx="7118280" cy="4959360"/>
+            <a:ext cx="7117920" cy="4959000"/>
           </a:xfrm>
           <a:prstGeom prst="rect">
             <a:avLst/>
@@ -14516,7 +14368,7 @@
         <p:spPr>
           <a:xfrm>
             <a:off x="5727600" y="1324440"/>
-            <a:ext cx="44640" cy="4008960"/>
+            <a:ext cx="44280" cy="4008600"/>
           </a:xfrm>
           <a:custGeom>
             <a:avLst/>
@@ -14565,7 +14417,7 @@
         <p:spPr>
           <a:xfrm>
             <a:off x="5574600" y="2660040"/>
-            <a:ext cx="605880" cy="538200"/>
+            <a:ext cx="605520" cy="537840"/>
           </a:xfrm>
           <a:prstGeom prst="rect">
             <a:avLst/>
@@ -14604,7 +14456,7 @@
         <p:spPr>
           <a:xfrm>
             <a:off x="5955840" y="4105080"/>
-            <a:ext cx="161280" cy="203400"/>
+            <a:ext cx="160920" cy="203040"/>
           </a:xfrm>
           <a:prstGeom prst="ellipse">
             <a:avLst/>
@@ -14640,7 +14492,7 @@
         <p:spPr>
           <a:xfrm>
             <a:off x="7555320" y="4105080"/>
-            <a:ext cx="161280" cy="203400"/>
+            <a:ext cx="160920" cy="203040"/>
           </a:xfrm>
           <a:prstGeom prst="ellipse">
             <a:avLst/>
@@ -14676,7 +14528,7 @@
         <p:spPr>
           <a:xfrm flipH="1">
             <a:off x="6117120" y="4207680"/>
-            <a:ext cx="1435320" cy="360"/>
+            <a:ext cx="1434960" cy="360"/>
           </a:xfrm>
           <a:custGeom>
             <a:avLst/>
@@ -14724,7 +14576,7 @@
         <p:spPr>
           <a:xfrm>
             <a:off x="6762600" y="4115160"/>
-            <a:ext cx="161280" cy="203400"/>
+            <a:ext cx="160920" cy="203040"/>
           </a:xfrm>
           <a:prstGeom prst="ellipse">
             <a:avLst/>
@@ -14760,7 +14612,7 @@
         <p:spPr>
           <a:xfrm>
             <a:off x="7575480" y="4578480"/>
-            <a:ext cx="161280" cy="203400"/>
+            <a:ext cx="160920" cy="203040"/>
           </a:xfrm>
           <a:prstGeom prst="ellipse">
             <a:avLst/>
@@ -14795,8 +14647,8 @@
         </p:nvSpPr>
         <p:spPr>
           <a:xfrm flipH="1">
-            <a:off x="6428520" y="4680720"/>
-            <a:ext cx="1144080" cy="12600"/>
+            <a:off x="6427800" y="4680720"/>
+            <a:ext cx="1143720" cy="12240"/>
           </a:xfrm>
           <a:custGeom>
             <a:avLst/>
@@ -14844,7 +14696,7 @@
         <p:spPr>
           <a:xfrm>
             <a:off x="6782760" y="4588200"/>
-            <a:ext cx="161280" cy="203400"/>
+            <a:ext cx="160920" cy="203040"/>
           </a:xfrm>
           <a:prstGeom prst="ellipse">
             <a:avLst/>
@@ -14880,7 +14732,7 @@
         <p:spPr>
           <a:xfrm>
             <a:off x="7575480" y="5191200"/>
-            <a:ext cx="161280" cy="203400"/>
+            <a:ext cx="160920" cy="203040"/>
           </a:xfrm>
           <a:prstGeom prst="ellipse">
             <a:avLst/>
@@ -14916,7 +14768,7 @@
         <p:spPr>
           <a:xfrm flipH="1">
             <a:off x="6426720" y="5293440"/>
-            <a:ext cx="1145880" cy="7920"/>
+            <a:ext cx="1145520" cy="7560"/>
           </a:xfrm>
           <a:custGeom>
             <a:avLst/>
@@ -14964,7 +14816,7 @@
         <p:spPr>
           <a:xfrm>
             <a:off x="6782760" y="5200920"/>
-            <a:ext cx="161280" cy="203400"/>
+            <a:ext cx="160920" cy="203040"/>
           </a:xfrm>
           <a:prstGeom prst="ellipse">
             <a:avLst/>
@@ -15000,7 +14852,7 @@
         <p:spPr>
           <a:xfrm>
             <a:off x="7871760" y="4025160"/>
-            <a:ext cx="977040" cy="249120"/>
+            <a:ext cx="976680" cy="248760"/>
           </a:xfrm>
           <a:prstGeom prst="rect">
             <a:avLst/>
@@ -15059,7 +14911,7 @@
         <p:spPr>
           <a:xfrm>
             <a:off x="7885080" y="4548960"/>
-            <a:ext cx="977040" cy="249120"/>
+            <a:ext cx="976680" cy="248760"/>
           </a:xfrm>
           <a:prstGeom prst="rect">
             <a:avLst/>
@@ -15118,7 +14970,7 @@
         <p:spPr>
           <a:xfrm>
             <a:off x="7909560" y="5213880"/>
-            <a:ext cx="977040" cy="249120"/>
+            <a:ext cx="976680" cy="248760"/>
           </a:xfrm>
           <a:prstGeom prst="rect">
             <a:avLst/>
@@ -15166,8 +15018,8 @@
         </p:nvSpPr>
         <p:spPr>
           <a:xfrm rot="16200000">
-            <a:off x="1887120" y="2476800"/>
-            <a:ext cx="483480" cy="249120"/>
+            <a:off x="1887120" y="2477160"/>
+            <a:ext cx="483120" cy="248760"/>
           </a:xfrm>
           <a:prstGeom prst="rect">
             <a:avLst/>
@@ -15216,7 +15068,7 @@
         <p:spPr>
           <a:xfrm>
             <a:off x="6014880" y="5652720"/>
-            <a:ext cx="574200" cy="249120"/>
+            <a:ext cx="573840" cy="248760"/>
           </a:xfrm>
           <a:prstGeom prst="rect">
             <a:avLst/>
@@ -15265,7 +15117,7 @@
         <p:spPr>
           <a:xfrm>
             <a:off x="6633720" y="5668560"/>
-            <a:ext cx="1476000" cy="249120"/>
+            <a:ext cx="1475640" cy="248760"/>
           </a:xfrm>
           <a:prstGeom prst="rect">
             <a:avLst/>
@@ -15314,7 +15166,7 @@
         <p:spPr>
           <a:xfrm>
             <a:off x="6608520" y="4281840"/>
-            <a:ext cx="672120" cy="295920"/>
+            <a:ext cx="671760" cy="295560"/>
           </a:xfrm>
           <a:prstGeom prst="rect">
             <a:avLst/>
@@ -15383,7 +15235,7 @@
         <p:spPr>
           <a:xfrm>
             <a:off x="6608520" y="4770360"/>
-            <a:ext cx="672120" cy="295920"/>
+            <a:ext cx="671760" cy="295560"/>
           </a:xfrm>
           <a:prstGeom prst="rect">
             <a:avLst/>
@@ -15452,7 +15304,7 @@
         <p:spPr>
           <a:xfrm>
             <a:off x="6659640" y="5372640"/>
-            <a:ext cx="672120" cy="295920"/>
+            <a:ext cx="671760" cy="295560"/>
           </a:xfrm>
           <a:prstGeom prst="rect">
             <a:avLst/>
@@ -15510,8 +15362,8 @@
         </p:nvSpPr>
         <p:spPr>
           <a:xfrm flipH="1" flipV="1">
-            <a:off x="6093360" y="4278600"/>
-            <a:ext cx="234000" cy="414360"/>
+            <a:off x="6092640" y="4278600"/>
+            <a:ext cx="233640" cy="414000"/>
           </a:xfrm>
           <a:custGeom>
             <a:avLst/>
@@ -15559,7 +15411,7 @@
         <p:spPr>
           <a:xfrm>
             <a:off x="4969080" y="3967200"/>
-            <a:ext cx="661320" cy="295920"/>
+            <a:ext cx="660960" cy="295560"/>
           </a:xfrm>
           <a:prstGeom prst="rect">
             <a:avLst/>
@@ -15618,7 +15470,7 @@
         <p:spPr>
           <a:xfrm>
             <a:off x="7548840" y="4258080"/>
-            <a:ext cx="518400" cy="295920"/>
+            <a:ext cx="518040" cy="295560"/>
           </a:xfrm>
           <a:prstGeom prst="rect">
             <a:avLst/>
@@ -15687,7 +15539,7 @@
         <p:spPr>
           <a:xfrm>
             <a:off x="7556760" y="4780440"/>
-            <a:ext cx="518400" cy="295920"/>
+            <a:ext cx="518040" cy="295560"/>
           </a:xfrm>
           <a:prstGeom prst="rect">
             <a:avLst/>
@@ -15756,7 +15608,7 @@
         <p:spPr>
           <a:xfrm>
             <a:off x="7565760" y="5377320"/>
-            <a:ext cx="518040" cy="295920"/>
+            <a:ext cx="517680" cy="295560"/>
           </a:xfrm>
           <a:prstGeom prst="rect">
             <a:avLst/>
@@ -15814,8 +15666,8 @@
         </p:nvSpPr>
         <p:spPr>
           <a:xfrm rot="16200000">
-            <a:off x="1761840" y="1474920"/>
-            <a:ext cx="715320" cy="249120"/>
+            <a:off x="1761840" y="1475280"/>
+            <a:ext cx="714960" cy="248760"/>
           </a:xfrm>
           <a:prstGeom prst="rect">
             <a:avLst/>
@@ -15863,8 +15715,8 @@
         </p:nvSpPr>
         <p:spPr>
           <a:xfrm flipH="1" rot="16200000">
-            <a:off x="5687280" y="4659840"/>
-            <a:ext cx="991440" cy="291600"/>
+            <a:off x="5686920" y="4659840"/>
+            <a:ext cx="991080" cy="291240"/>
           </a:xfrm>
           <a:prstGeom prst="bentConnector2">
             <a:avLst/>
@@ -15899,7 +15751,7 @@
         <p:spPr>
           <a:xfrm>
             <a:off x="6239520" y="4917600"/>
-            <a:ext cx="248400" cy="249120"/>
+            <a:ext cx="248040" cy="248760"/>
           </a:xfrm>
           <a:prstGeom prst="rect">
             <a:avLst/>
@@ -15948,7 +15800,7 @@
         <p:spPr>
           <a:xfrm>
             <a:off x="7546320" y="4939560"/>
-            <a:ext cx="248400" cy="249120"/>
+            <a:ext cx="248040" cy="248760"/>
           </a:xfrm>
           <a:prstGeom prst="rect">
             <a:avLst/>
@@ -15997,9 +15849,9 @@
         <p:grpSpPr>
           <a:xfrm>
             <a:off x="6321240" y="4164480"/>
-            <a:ext cx="192600" cy="84240"/>
+            <a:ext cx="192240" cy="83880"/>
             <a:chOff x="6321240" y="4164480"/>
-            <a:chExt cx="192600" cy="84240"/>
+            <a:chExt cx="192240" cy="83880"/>
           </a:xfrm>
         </p:grpSpPr>
         <p:sp>
@@ -16010,8 +15862,8 @@
           </p:nvSpPr>
           <p:spPr>
             <a:xfrm rot="5400000">
-              <a:off x="6372720" y="4113000"/>
-              <a:ext cx="84240" cy="187200"/>
+              <a:off x="6373080" y="4113000"/>
+              <a:ext cx="83880" cy="186840"/>
             </a:xfrm>
             <a:prstGeom prst="rect">
               <a:avLst/>
@@ -16044,7 +15896,7 @@
           <p:spPr>
             <a:xfrm rot="5400000">
               <a:off x="6380640" y="4114440"/>
-              <a:ext cx="73440" cy="192600"/>
+              <a:ext cx="73080" cy="192240"/>
             </a:xfrm>
             <a:custGeom>
               <a:avLst/>
@@ -16118,10 +15970,10 @@
         </p:nvGrpSpPr>
         <p:grpSpPr>
           <a:xfrm>
-            <a:off x="7180920" y="4166640"/>
-            <a:ext cx="192600" cy="84240"/>
-            <a:chOff x="7180920" y="4166640"/>
-            <a:chExt cx="192600" cy="84240"/>
+            <a:off x="7181280" y="4166640"/>
+            <a:ext cx="192240" cy="83880"/>
+            <a:chOff x="7181280" y="4166640"/>
+            <a:chExt cx="192240" cy="83880"/>
           </a:xfrm>
         </p:grpSpPr>
         <p:sp>
@@ -16132,8 +15984,8 @@
           </p:nvSpPr>
           <p:spPr>
             <a:xfrm rot="5400000">
-              <a:off x="7232400" y="4115160"/>
-              <a:ext cx="84240" cy="187200"/>
+              <a:off x="7232760" y="4115160"/>
+              <a:ext cx="83880" cy="186840"/>
             </a:xfrm>
             <a:prstGeom prst="rect">
               <a:avLst/>
@@ -16165,8 +16017,8 @@
           </p:nvSpPr>
           <p:spPr>
             <a:xfrm rot="5400000">
-              <a:off x="7240320" y="4116240"/>
-              <a:ext cx="73440" cy="192600"/>
+              <a:off x="7240680" y="4116240"/>
+              <a:ext cx="73080" cy="192240"/>
             </a:xfrm>
             <a:custGeom>
               <a:avLst/>
@@ -16240,10 +16092,10 @@
         </p:nvGrpSpPr>
         <p:grpSpPr>
           <a:xfrm>
-            <a:off x="7184880" y="4638960"/>
-            <a:ext cx="192600" cy="84240"/>
-            <a:chOff x="7184880" y="4638960"/>
-            <a:chExt cx="192600" cy="84240"/>
+            <a:off x="7185240" y="4638960"/>
+            <a:ext cx="192240" cy="83880"/>
+            <a:chOff x="7185240" y="4638960"/>
+            <a:chExt cx="192240" cy="83880"/>
           </a:xfrm>
         </p:grpSpPr>
         <p:sp>
@@ -16254,8 +16106,8 @@
           </p:nvSpPr>
           <p:spPr>
             <a:xfrm rot="5400000">
-              <a:off x="7236360" y="4587480"/>
-              <a:ext cx="84240" cy="187200"/>
+              <a:off x="7236720" y="4587480"/>
+              <a:ext cx="83880" cy="186840"/>
             </a:xfrm>
             <a:prstGeom prst="rect">
               <a:avLst/>
@@ -16287,8 +16139,8 @@
           </p:nvSpPr>
           <p:spPr>
             <a:xfrm rot="5400000">
-              <a:off x="7244280" y="4588560"/>
-              <a:ext cx="73440" cy="192600"/>
+              <a:off x="7244640" y="4588560"/>
+              <a:ext cx="73080" cy="192240"/>
             </a:xfrm>
             <a:custGeom>
               <a:avLst/>
@@ -16362,10 +16214,10 @@
         </p:nvGrpSpPr>
         <p:grpSpPr>
           <a:xfrm>
-            <a:off x="6331680" y="4652640"/>
-            <a:ext cx="192600" cy="84240"/>
-            <a:chOff x="6331680" y="4652640"/>
-            <a:chExt cx="192600" cy="84240"/>
+            <a:off x="6332040" y="4652640"/>
+            <a:ext cx="192240" cy="83880"/>
+            <a:chOff x="6332040" y="4652640"/>
+            <a:chExt cx="192240" cy="83880"/>
           </a:xfrm>
         </p:grpSpPr>
         <p:sp>
@@ -16376,8 +16228,8 @@
           </p:nvSpPr>
           <p:spPr>
             <a:xfrm rot="5400000">
-              <a:off x="6383160" y="4601160"/>
-              <a:ext cx="84240" cy="187200"/>
+              <a:off x="6383520" y="4601160"/>
+              <a:ext cx="83880" cy="186840"/>
             </a:xfrm>
             <a:prstGeom prst="rect">
               <a:avLst/>
@@ -16409,8 +16261,8 @@
           </p:nvSpPr>
           <p:spPr>
             <a:xfrm rot="5400000">
-              <a:off x="6391080" y="4602240"/>
-              <a:ext cx="73440" cy="192600"/>
+              <a:off x="6391440" y="4602240"/>
+              <a:ext cx="73080" cy="192240"/>
             </a:xfrm>
             <a:custGeom>
               <a:avLst/>
@@ -16484,10 +16336,10 @@
         </p:nvGrpSpPr>
         <p:grpSpPr>
           <a:xfrm>
-            <a:off x="6331680" y="5259960"/>
-            <a:ext cx="192600" cy="84240"/>
-            <a:chOff x="6331680" y="5259960"/>
-            <a:chExt cx="192600" cy="84240"/>
+            <a:off x="6332040" y="5259960"/>
+            <a:ext cx="192240" cy="83880"/>
+            <a:chOff x="6332040" y="5259960"/>
+            <a:chExt cx="192240" cy="83880"/>
           </a:xfrm>
         </p:grpSpPr>
         <p:sp>
@@ -16498,8 +16350,8 @@
           </p:nvSpPr>
           <p:spPr>
             <a:xfrm rot="5400000">
-              <a:off x="6383160" y="5208480"/>
-              <a:ext cx="84240" cy="187200"/>
+              <a:off x="6383520" y="5208480"/>
+              <a:ext cx="83880" cy="186840"/>
             </a:xfrm>
             <a:prstGeom prst="rect">
               <a:avLst/>
@@ -16531,8 +16383,8 @@
           </p:nvSpPr>
           <p:spPr>
             <a:xfrm rot="5400000">
-              <a:off x="6391080" y="5209560"/>
-              <a:ext cx="73440" cy="192600"/>
+              <a:off x="6391440" y="5209560"/>
+              <a:ext cx="73080" cy="192240"/>
             </a:xfrm>
             <a:custGeom>
               <a:avLst/>
@@ -16606,10 +16458,10 @@
         </p:nvGrpSpPr>
         <p:grpSpPr>
           <a:xfrm>
-            <a:off x="7180920" y="5250600"/>
-            <a:ext cx="192600" cy="84240"/>
-            <a:chOff x="7180920" y="5250600"/>
-            <a:chExt cx="192600" cy="84240"/>
+            <a:off x="7181280" y="5250600"/>
+            <a:ext cx="192240" cy="83880"/>
+            <a:chOff x="7181280" y="5250600"/>
+            <a:chExt cx="192240" cy="83880"/>
           </a:xfrm>
         </p:grpSpPr>
         <p:sp>
@@ -16620,8 +16472,8 @@
           </p:nvSpPr>
           <p:spPr>
             <a:xfrm rot="5400000">
-              <a:off x="7232400" y="5199120"/>
-              <a:ext cx="84240" cy="187200"/>
+              <a:off x="7232760" y="5199120"/>
+              <a:ext cx="83880" cy="186840"/>
             </a:xfrm>
             <a:prstGeom prst="rect">
               <a:avLst/>
@@ -16653,8 +16505,8 @@
           </p:nvSpPr>
           <p:spPr>
             <a:xfrm rot="5400000">
-              <a:off x="7240320" y="5200200"/>
-              <a:ext cx="73440" cy="192600"/>
+              <a:off x="7240680" y="5200200"/>
+              <a:ext cx="73080" cy="192240"/>
             </a:xfrm>
             <a:custGeom>
               <a:avLst/>
@@ -16729,7 +16581,7 @@
         <p:spPr>
           <a:xfrm>
             <a:off x="5177160" y="1928160"/>
-            <a:ext cx="521280" cy="279000"/>
+            <a:ext cx="520920" cy="278640"/>
           </a:xfrm>
           <a:prstGeom prst="rect">
             <a:avLst/>
@@ -16788,7 +16640,7 @@
         <p:spPr>
           <a:xfrm>
             <a:off x="5624280" y="2786760"/>
-            <a:ext cx="634680" cy="279000"/>
+            <a:ext cx="634320" cy="278640"/>
           </a:xfrm>
           <a:prstGeom prst="rect">
             <a:avLst/>
@@ -16857,7 +16709,7 @@
         <p:spPr>
           <a:xfrm>
             <a:off x="5193000" y="1408320"/>
-            <a:ext cx="414720" cy="279000"/>
+            <a:ext cx="414360" cy="278640"/>
           </a:xfrm>
           <a:prstGeom prst="rect">
             <a:avLst/>
@@ -16916,7 +16768,7 @@
         <p:spPr>
           <a:xfrm>
             <a:off x="6761880" y="1410840"/>
-            <a:ext cx="731160" cy="270000"/>
+            <a:ext cx="730800" cy="269640"/>
           </a:xfrm>
           <a:prstGeom prst="rect">
             <a:avLst/>
@@ -16985,7 +16837,7 @@
         <p:spPr>
           <a:xfrm>
             <a:off x="6215760" y="2630160"/>
-            <a:ext cx="625680" cy="270000"/>
+            <a:ext cx="625320" cy="269640"/>
           </a:xfrm>
           <a:prstGeom prst="rect">
             <a:avLst/>
@@ -17044,7 +16896,7 @@
         <p:spPr>
           <a:xfrm>
             <a:off x="5689800" y="2029680"/>
-            <a:ext cx="91080" cy="101880"/>
+            <a:ext cx="90720" cy="101520"/>
           </a:xfrm>
           <a:prstGeom prst="ellipse">
             <a:avLst/>
@@ -17080,9 +16932,9 @@
         <p:grpSpPr>
           <a:xfrm>
             <a:off x="5688720" y="2213280"/>
-            <a:ext cx="84240" cy="192600"/>
+            <a:ext cx="83880" cy="192240"/>
             <a:chOff x="5688720" y="2213280"/>
-            <a:chExt cx="84240" cy="192600"/>
+            <a:chExt cx="83880" cy="192240"/>
           </a:xfrm>
         </p:grpSpPr>
         <p:sp>
@@ -17094,7 +16946,7 @@
           <p:spPr>
             <a:xfrm>
               <a:off x="5688720" y="2218320"/>
-              <a:ext cx="84240" cy="187200"/>
+              <a:ext cx="83880" cy="186840"/>
             </a:xfrm>
             <a:prstGeom prst="rect">
               <a:avLst/>
@@ -17127,7 +16979,7 @@
           <p:spPr>
             <a:xfrm>
               <a:off x="5698080" y="2213280"/>
-              <a:ext cx="73440" cy="192600"/>
+              <a:ext cx="73080" cy="192240"/>
             </a:xfrm>
             <a:custGeom>
               <a:avLst/>
@@ -17202,9 +17054,9 @@
         <p:grpSpPr>
           <a:xfrm>
             <a:off x="5691240" y="1677960"/>
-            <a:ext cx="84240" cy="192600"/>
+            <a:ext cx="83880" cy="192240"/>
             <a:chOff x="5691240" y="1677960"/>
-            <a:chExt cx="84240" cy="192600"/>
+            <a:chExt cx="83880" cy="192240"/>
           </a:xfrm>
         </p:grpSpPr>
         <p:sp>
@@ -17216,7 +17068,7 @@
           <p:spPr>
             <a:xfrm>
               <a:off x="5691240" y="1683360"/>
-              <a:ext cx="84240" cy="187200"/>
+              <a:ext cx="83880" cy="186840"/>
             </a:xfrm>
             <a:prstGeom prst="rect">
               <a:avLst/>
@@ -17249,7 +17101,7 @@
           <p:spPr>
             <a:xfrm>
               <a:off x="5700600" y="1677960"/>
-              <a:ext cx="73440" cy="192600"/>
+              <a:ext cx="73080" cy="192240"/>
             </a:xfrm>
             <a:custGeom>
               <a:avLst/>
@@ -17324,7 +17176,7 @@
         <p:spPr>
           <a:xfrm>
             <a:off x="5688720" y="1478520"/>
-            <a:ext cx="91080" cy="101880"/>
+            <a:ext cx="90720" cy="101520"/>
           </a:xfrm>
           <a:prstGeom prst="ellipse">
             <a:avLst/>
@@ -17360,7 +17212,7 @@
         <p:spPr>
           <a:xfrm>
             <a:off x="6053040" y="3275640"/>
-            <a:ext cx="605520" cy="270000"/>
+            <a:ext cx="605160" cy="269640"/>
           </a:xfrm>
           <a:prstGeom prst="rect">
             <a:avLst/>
@@ -17419,7 +17271,7 @@
         <p:spPr>
           <a:xfrm>
             <a:off x="5694480" y="2362680"/>
-            <a:ext cx="605520" cy="270000"/>
+            <a:ext cx="605160" cy="269640"/>
           </a:xfrm>
           <a:prstGeom prst="rect">
             <a:avLst/>
@@ -17478,7 +17330,7 @@
         <p:spPr>
           <a:xfrm>
             <a:off x="5811120" y="1523880"/>
-            <a:ext cx="937800" cy="360"/>
+            <a:ext cx="937440" cy="360"/>
           </a:xfrm>
           <a:custGeom>
             <a:avLst/>
@@ -17528,7 +17380,7 @@
         <p:spPr>
           <a:xfrm>
             <a:off x="6016320" y="1248840"/>
-            <a:ext cx="625680" cy="270000"/>
+            <a:ext cx="625320" cy="269640"/>
           </a:xfrm>
           <a:prstGeom prst="rect">
             <a:avLst/>
@@ -17587,7 +17439,7 @@
         <p:spPr>
           <a:xfrm>
             <a:off x="5534640" y="996120"/>
-            <a:ext cx="605520" cy="270000"/>
+            <a:ext cx="605160" cy="269640"/>
           </a:xfrm>
           <a:prstGeom prst="rect">
             <a:avLst/>
@@ -17646,7 +17498,7 @@
         <p:spPr>
           <a:xfrm>
             <a:off x="5659920" y="4117320"/>
-            <a:ext cx="161280" cy="203400"/>
+            <a:ext cx="160920" cy="203040"/>
           </a:xfrm>
           <a:prstGeom prst="ellipse">
             <a:avLst/>
@@ -17682,9 +17534,9 @@
         <p:grpSpPr>
           <a:xfrm>
             <a:off x="5692320" y="3689640"/>
-            <a:ext cx="84240" cy="192600"/>
+            <a:ext cx="83880" cy="192240"/>
             <a:chOff x="5692320" y="3689640"/>
-            <a:chExt cx="84240" cy="192600"/>
+            <a:chExt cx="83880" cy="192240"/>
           </a:xfrm>
         </p:grpSpPr>
         <p:sp>
@@ -17696,7 +17548,7 @@
           <p:spPr>
             <a:xfrm>
               <a:off x="5692320" y="3695040"/>
-              <a:ext cx="84240" cy="187200"/>
+              <a:ext cx="83880" cy="186840"/>
             </a:xfrm>
             <a:prstGeom prst="rect">
               <a:avLst/>
@@ -17729,7 +17581,7 @@
           <p:spPr>
             <a:xfrm>
               <a:off x="5701680" y="3689640"/>
-              <a:ext cx="73440" cy="192600"/>
+              <a:ext cx="73080" cy="192240"/>
             </a:xfrm>
             <a:custGeom>
               <a:avLst/>
@@ -17804,7 +17656,7 @@
         <p:spPr>
           <a:xfrm>
             <a:off x="5685840" y="5120640"/>
-            <a:ext cx="161280" cy="203400"/>
+            <a:ext cx="160920" cy="203040"/>
           </a:xfrm>
           <a:prstGeom prst="ellipse">
             <a:avLst/>
@@ -17840,7 +17692,7 @@
         <p:spPr>
           <a:xfrm>
             <a:off x="4983120" y="5004720"/>
-            <a:ext cx="661320" cy="295920"/>
+            <a:ext cx="660960" cy="295560"/>
           </a:xfrm>
           <a:prstGeom prst="rect">
             <a:avLst/>
@@ -17899,9 +17751,9 @@
         <p:grpSpPr>
           <a:xfrm>
             <a:off x="5715000" y="4609800"/>
-            <a:ext cx="84240" cy="192600"/>
+            <a:ext cx="83880" cy="192240"/>
             <a:chOff x="5715000" y="4609800"/>
-            <a:chExt cx="84240" cy="192600"/>
+            <a:chExt cx="83880" cy="192240"/>
           </a:xfrm>
         </p:grpSpPr>
         <p:sp>
@@ -17913,7 +17765,7 @@
           <p:spPr>
             <a:xfrm>
               <a:off x="5715000" y="4615200"/>
-              <a:ext cx="84240" cy="187200"/>
+              <a:ext cx="83880" cy="186840"/>
             </a:xfrm>
             <a:prstGeom prst="rect">
               <a:avLst/>
@@ -17946,7 +17798,7 @@
           <p:spPr>
             <a:xfrm>
               <a:off x="5724360" y="4609800"/>
-              <a:ext cx="73440" cy="192600"/>
+              <a:ext cx="73080" cy="192240"/>
             </a:xfrm>
             <a:custGeom>
               <a:avLst/>
@@ -18021,7 +17873,7 @@
         <p:spPr>
           <a:xfrm>
             <a:off x="6782760" y="2660040"/>
-            <a:ext cx="709920" cy="538200"/>
+            <a:ext cx="709560" cy="537840"/>
           </a:xfrm>
           <a:prstGeom prst="rect">
             <a:avLst/>
@@ -18060,7 +17912,7 @@
         <p:spPr>
           <a:xfrm flipH="1">
             <a:off x="6180120" y="2929680"/>
-            <a:ext cx="600120" cy="360"/>
+            <a:ext cx="599760" cy="360"/>
           </a:xfrm>
           <a:custGeom>
             <a:avLst/>
@@ -18110,7 +17962,7 @@
         <p:spPr>
           <a:xfrm>
             <a:off x="6786000" y="2786040"/>
-            <a:ext cx="634680" cy="279000"/>
+            <a:ext cx="634320" cy="278640"/>
           </a:xfrm>
           <a:prstGeom prst="rect">
             <a:avLst/>
@@ -18188,8 +18040,8 @@
         </p:nvSpPr>
         <p:spPr>
           <a:xfrm rot="16200000">
-            <a:off x="1764720" y="4415040"/>
-            <a:ext cx="687240" cy="249120"/>
+            <a:off x="1764720" y="4415400"/>
+            <a:ext cx="686880" cy="248760"/>
           </a:xfrm>
           <a:prstGeom prst="rect">
             <a:avLst/>
@@ -18238,7 +18090,7 @@
         <p:spPr>
           <a:xfrm flipH="1" flipV="1">
             <a:off x="6037920" y="3190320"/>
-            <a:ext cx="6120" cy="911880"/>
+            <a:ext cx="5760" cy="911520"/>
           </a:xfrm>
           <a:custGeom>
             <a:avLst/>
@@ -18287,9 +18139,9 @@
         <p:grpSpPr>
           <a:xfrm>
             <a:off x="5988240" y="3686040"/>
-            <a:ext cx="84240" cy="192600"/>
+            <a:ext cx="83880" cy="192240"/>
             <a:chOff x="5988240" y="3686040"/>
-            <a:chExt cx="84240" cy="192600"/>
+            <a:chExt cx="83880" cy="192240"/>
           </a:xfrm>
         </p:grpSpPr>
         <p:sp>
@@ -18301,7 +18153,7 @@
           <p:spPr>
             <a:xfrm>
               <a:off x="5988240" y="3691440"/>
-              <a:ext cx="84240" cy="187200"/>
+              <a:ext cx="83880" cy="186840"/>
             </a:xfrm>
             <a:prstGeom prst="rect">
               <a:avLst/>
@@ -18334,7 +18186,7 @@
           <p:spPr>
             <a:xfrm>
               <a:off x="5997600" y="3686040"/>
-              <a:ext cx="73440" cy="192600"/>
+              <a:ext cx="73080" cy="192240"/>
             </a:xfrm>
             <a:custGeom>
               <a:avLst/>
@@ -18409,7 +18261,7 @@
         <p:spPr>
           <a:xfrm>
             <a:off x="2860560" y="1312560"/>
-            <a:ext cx="44640" cy="2927160"/>
+            <a:ext cx="44280" cy="2926800"/>
           </a:xfrm>
           <a:custGeom>
             <a:avLst/>
@@ -18458,7 +18310,7 @@
         <p:spPr>
           <a:xfrm>
             <a:off x="2824560" y="4035960"/>
-            <a:ext cx="161280" cy="203400"/>
+            <a:ext cx="160920" cy="203040"/>
           </a:xfrm>
           <a:prstGeom prst="ellipse">
             <a:avLst/>
@@ -18494,7 +18346,7 @@
         <p:spPr>
           <a:xfrm>
             <a:off x="4424040" y="4035960"/>
-            <a:ext cx="161280" cy="203400"/>
+            <a:ext cx="160920" cy="203040"/>
           </a:xfrm>
           <a:prstGeom prst="ellipse">
             <a:avLst/>
@@ -18530,7 +18382,7 @@
         <p:spPr>
           <a:xfrm flipH="1">
             <a:off x="2985840" y="4138560"/>
-            <a:ext cx="1435320" cy="360"/>
+            <a:ext cx="1434960" cy="360"/>
           </a:xfrm>
           <a:custGeom>
             <a:avLst/>
@@ -18578,7 +18430,7 @@
         <p:spPr>
           <a:xfrm>
             <a:off x="3631320" y="4046040"/>
-            <a:ext cx="161280" cy="203400"/>
+            <a:ext cx="160920" cy="203040"/>
           </a:xfrm>
           <a:prstGeom prst="ellipse">
             <a:avLst/>
@@ -18614,7 +18466,7 @@
         <p:spPr>
           <a:xfrm>
             <a:off x="4444200" y="4509360"/>
-            <a:ext cx="161280" cy="203400"/>
+            <a:ext cx="160920" cy="203040"/>
           </a:xfrm>
           <a:prstGeom prst="ellipse">
             <a:avLst/>
@@ -18649,8 +18501,8 @@
         </p:nvSpPr>
         <p:spPr>
           <a:xfrm flipH="1">
-            <a:off x="3297240" y="4611600"/>
-            <a:ext cx="1144080" cy="12600"/>
+            <a:off x="3296520" y="4611600"/>
+            <a:ext cx="1143720" cy="12240"/>
           </a:xfrm>
           <a:custGeom>
             <a:avLst/>
@@ -18698,7 +18550,7 @@
         <p:spPr>
           <a:xfrm>
             <a:off x="3651480" y="4519080"/>
-            <a:ext cx="161280" cy="203400"/>
+            <a:ext cx="160920" cy="203040"/>
           </a:xfrm>
           <a:prstGeom prst="ellipse">
             <a:avLst/>
@@ -18734,7 +18586,7 @@
         <p:spPr>
           <a:xfrm>
             <a:off x="4444200" y="5122080"/>
-            <a:ext cx="161280" cy="203400"/>
+            <a:ext cx="160920" cy="203040"/>
           </a:xfrm>
           <a:prstGeom prst="ellipse">
             <a:avLst/>
@@ -18770,7 +18622,7 @@
         <p:spPr>
           <a:xfrm flipH="1">
             <a:off x="3295440" y="5224320"/>
-            <a:ext cx="1145880" cy="7920"/>
+            <a:ext cx="1145520" cy="7560"/>
           </a:xfrm>
           <a:custGeom>
             <a:avLst/>
@@ -18818,7 +18670,7 @@
         <p:spPr>
           <a:xfrm>
             <a:off x="3651480" y="5131800"/>
-            <a:ext cx="161280" cy="203400"/>
+            <a:ext cx="160920" cy="203040"/>
           </a:xfrm>
           <a:prstGeom prst="ellipse">
             <a:avLst/>
@@ -18854,7 +18706,7 @@
         <p:spPr>
           <a:xfrm>
             <a:off x="2883600" y="5583600"/>
-            <a:ext cx="574200" cy="249120"/>
+            <a:ext cx="573840" cy="248760"/>
           </a:xfrm>
           <a:prstGeom prst="rect">
             <a:avLst/>
@@ -18903,7 +18755,7 @@
         <p:spPr>
           <a:xfrm>
             <a:off x="3502440" y="5599440"/>
-            <a:ext cx="1476000" cy="249120"/>
+            <a:ext cx="1475640" cy="248760"/>
           </a:xfrm>
           <a:prstGeom prst="rect">
             <a:avLst/>
@@ -18952,7 +18804,7 @@
         <p:spPr>
           <a:xfrm>
             <a:off x="3477240" y="4212720"/>
-            <a:ext cx="672120" cy="295920"/>
+            <a:ext cx="671760" cy="295560"/>
           </a:xfrm>
           <a:prstGeom prst="rect">
             <a:avLst/>
@@ -19021,7 +18873,7 @@
         <p:spPr>
           <a:xfrm>
             <a:off x="3477240" y="4701240"/>
-            <a:ext cx="672120" cy="295920"/>
+            <a:ext cx="671760" cy="295560"/>
           </a:xfrm>
           <a:prstGeom prst="rect">
             <a:avLst/>
@@ -19090,7 +18942,7 @@
         <p:spPr>
           <a:xfrm>
             <a:off x="3528360" y="5303520"/>
-            <a:ext cx="672120" cy="295920"/>
+            <a:ext cx="671760" cy="295560"/>
           </a:xfrm>
           <a:prstGeom prst="rect">
             <a:avLst/>
@@ -19148,8 +19000,8 @@
         </p:nvSpPr>
         <p:spPr>
           <a:xfrm flipH="1" flipV="1">
-            <a:off x="2962080" y="4209480"/>
-            <a:ext cx="234000" cy="414360"/>
+            <a:off x="2961360" y="4209480"/>
+            <a:ext cx="233640" cy="414000"/>
           </a:xfrm>
           <a:custGeom>
             <a:avLst/>
@@ -19197,7 +19049,7 @@
         <p:spPr>
           <a:xfrm>
             <a:off x="2185920" y="3942720"/>
-            <a:ext cx="661320" cy="295920"/>
+            <a:ext cx="660960" cy="295560"/>
           </a:xfrm>
           <a:prstGeom prst="rect">
             <a:avLst/>
@@ -19256,7 +19108,7 @@
         <p:spPr>
           <a:xfrm>
             <a:off x="4417560" y="4188960"/>
-            <a:ext cx="518400" cy="295920"/>
+            <a:ext cx="518040" cy="295560"/>
           </a:xfrm>
           <a:prstGeom prst="rect">
             <a:avLst/>
@@ -19325,7 +19177,7 @@
         <p:spPr>
           <a:xfrm>
             <a:off x="4425480" y="4711320"/>
-            <a:ext cx="518400" cy="295920"/>
+            <a:ext cx="518040" cy="295560"/>
           </a:xfrm>
           <a:prstGeom prst="rect">
             <a:avLst/>
@@ -19394,7 +19246,7 @@
         <p:spPr>
           <a:xfrm>
             <a:off x="4434480" y="5308200"/>
-            <a:ext cx="518040" cy="295920"/>
+            <a:ext cx="517680" cy="295560"/>
           </a:xfrm>
           <a:prstGeom prst="rect">
             <a:avLst/>
@@ -19452,8 +19304,8 @@
         </p:nvSpPr>
         <p:spPr>
           <a:xfrm flipH="1" rot="16200000">
-            <a:off x="2556000" y="4590720"/>
-            <a:ext cx="991440" cy="291600"/>
+            <a:off x="2555640" y="4590720"/>
+            <a:ext cx="991080" cy="291240"/>
           </a:xfrm>
           <a:prstGeom prst="bentConnector2">
             <a:avLst/>
@@ -19488,7 +19340,7 @@
         <p:spPr>
           <a:xfrm>
             <a:off x="3108240" y="4848480"/>
-            <a:ext cx="248400" cy="249120"/>
+            <a:ext cx="248040" cy="248760"/>
           </a:xfrm>
           <a:prstGeom prst="rect">
             <a:avLst/>
@@ -19537,7 +19389,7 @@
         <p:spPr>
           <a:xfrm>
             <a:off x="4415040" y="4870440"/>
-            <a:ext cx="248400" cy="249120"/>
+            <a:ext cx="248040" cy="248760"/>
           </a:xfrm>
           <a:prstGeom prst="rect">
             <a:avLst/>
@@ -19586,9 +19438,9 @@
         <p:grpSpPr>
           <a:xfrm>
             <a:off x="3189960" y="4095360"/>
-            <a:ext cx="192600" cy="84240"/>
+            <a:ext cx="192240" cy="83880"/>
             <a:chOff x="3189960" y="4095360"/>
-            <a:chExt cx="192600" cy="84240"/>
+            <a:chExt cx="192240" cy="83880"/>
           </a:xfrm>
         </p:grpSpPr>
         <p:sp>
@@ -19599,8 +19451,8 @@
           </p:nvSpPr>
           <p:spPr>
             <a:xfrm rot="5400000">
-              <a:off x="3241440" y="4043880"/>
-              <a:ext cx="84240" cy="187200"/>
+              <a:off x="3241800" y="4043880"/>
+              <a:ext cx="83880" cy="186840"/>
             </a:xfrm>
             <a:prstGeom prst="rect">
               <a:avLst/>
@@ -19633,7 +19485,7 @@
           <p:spPr>
             <a:xfrm rot="5400000">
               <a:off x="3249360" y="4045320"/>
-              <a:ext cx="73440" cy="192600"/>
+              <a:ext cx="73080" cy="192240"/>
             </a:xfrm>
             <a:custGeom>
               <a:avLst/>
@@ -19707,10 +19559,10 @@
         </p:nvGrpSpPr>
         <p:grpSpPr>
           <a:xfrm>
-            <a:off x="4049640" y="4097520"/>
-            <a:ext cx="192600" cy="84240"/>
-            <a:chOff x="4049640" y="4097520"/>
-            <a:chExt cx="192600" cy="84240"/>
+            <a:off x="4050000" y="4097520"/>
+            <a:ext cx="192240" cy="83880"/>
+            <a:chOff x="4050000" y="4097520"/>
+            <a:chExt cx="192240" cy="83880"/>
           </a:xfrm>
         </p:grpSpPr>
         <p:sp>
@@ -19721,8 +19573,8 @@
           </p:nvSpPr>
           <p:spPr>
             <a:xfrm rot="5400000">
-              <a:off x="4101120" y="4046040"/>
-              <a:ext cx="84240" cy="187200"/>
+              <a:off x="4101480" y="4046040"/>
+              <a:ext cx="83880" cy="186840"/>
             </a:xfrm>
             <a:prstGeom prst="rect">
               <a:avLst/>
@@ -19754,8 +19606,8 @@
           </p:nvSpPr>
           <p:spPr>
             <a:xfrm rot="5400000">
-              <a:off x="4109040" y="4047120"/>
-              <a:ext cx="73440" cy="192600"/>
+              <a:off x="4109400" y="4047120"/>
+              <a:ext cx="73080" cy="192240"/>
             </a:xfrm>
             <a:custGeom>
               <a:avLst/>
@@ -19829,10 +19681,10 @@
         </p:nvGrpSpPr>
         <p:grpSpPr>
           <a:xfrm>
-            <a:off x="4053600" y="4569840"/>
-            <a:ext cx="192600" cy="84240"/>
-            <a:chOff x="4053600" y="4569840"/>
-            <a:chExt cx="192600" cy="84240"/>
+            <a:off x="4053960" y="4569840"/>
+            <a:ext cx="192240" cy="83880"/>
+            <a:chOff x="4053960" y="4569840"/>
+            <a:chExt cx="192240" cy="83880"/>
           </a:xfrm>
         </p:grpSpPr>
         <p:sp>
@@ -19843,8 +19695,8 @@
           </p:nvSpPr>
           <p:spPr>
             <a:xfrm rot="5400000">
-              <a:off x="4105080" y="4518360"/>
-              <a:ext cx="84240" cy="187200"/>
+              <a:off x="4105440" y="4518360"/>
+              <a:ext cx="83880" cy="186840"/>
             </a:xfrm>
             <a:prstGeom prst="rect">
               <a:avLst/>
@@ -19876,8 +19728,8 @@
           </p:nvSpPr>
           <p:spPr>
             <a:xfrm rot="5400000">
-              <a:off x="4113000" y="4519440"/>
-              <a:ext cx="73440" cy="192600"/>
+              <a:off x="4113360" y="4519080"/>
+              <a:ext cx="73080" cy="192240"/>
             </a:xfrm>
             <a:custGeom>
               <a:avLst/>
@@ -19951,10 +19803,10 @@
         </p:nvGrpSpPr>
         <p:grpSpPr>
           <a:xfrm>
-            <a:off x="3200400" y="4583520"/>
-            <a:ext cx="192600" cy="84240"/>
-            <a:chOff x="3200400" y="4583520"/>
-            <a:chExt cx="192600" cy="84240"/>
+            <a:off x="3200760" y="4583520"/>
+            <a:ext cx="192240" cy="83880"/>
+            <a:chOff x="3200760" y="4583520"/>
+            <a:chExt cx="192240" cy="83880"/>
           </a:xfrm>
         </p:grpSpPr>
         <p:sp>
@@ -19965,8 +19817,8 @@
           </p:nvSpPr>
           <p:spPr>
             <a:xfrm rot="5400000">
-              <a:off x="3251880" y="4532040"/>
-              <a:ext cx="84240" cy="187200"/>
+              <a:off x="3252240" y="4532040"/>
+              <a:ext cx="83880" cy="186840"/>
             </a:xfrm>
             <a:prstGeom prst="rect">
               <a:avLst/>
@@ -19998,8 +19850,8 @@
           </p:nvSpPr>
           <p:spPr>
             <a:xfrm rot="5400000">
-              <a:off x="3259800" y="4533120"/>
-              <a:ext cx="73440" cy="192600"/>
+              <a:off x="3260160" y="4533120"/>
+              <a:ext cx="73080" cy="192240"/>
             </a:xfrm>
             <a:custGeom>
               <a:avLst/>
@@ -20073,10 +19925,10 @@
         </p:nvGrpSpPr>
         <p:grpSpPr>
           <a:xfrm>
-            <a:off x="3200400" y="5190840"/>
-            <a:ext cx="192600" cy="84240"/>
-            <a:chOff x="3200400" y="5190840"/>
-            <a:chExt cx="192600" cy="84240"/>
+            <a:off x="3200760" y="5190840"/>
+            <a:ext cx="192240" cy="83880"/>
+            <a:chOff x="3200760" y="5190840"/>
+            <a:chExt cx="192240" cy="83880"/>
           </a:xfrm>
         </p:grpSpPr>
         <p:sp>
@@ -20087,8 +19939,8 @@
           </p:nvSpPr>
           <p:spPr>
             <a:xfrm rot="5400000">
-              <a:off x="3251880" y="5139360"/>
-              <a:ext cx="84240" cy="187200"/>
+              <a:off x="3252240" y="5139360"/>
+              <a:ext cx="83880" cy="186840"/>
             </a:xfrm>
             <a:prstGeom prst="rect">
               <a:avLst/>
@@ -20120,8 +19972,8 @@
           </p:nvSpPr>
           <p:spPr>
             <a:xfrm rot="5400000">
-              <a:off x="3259800" y="5140440"/>
-              <a:ext cx="73440" cy="192600"/>
+              <a:off x="3260160" y="5140440"/>
+              <a:ext cx="73080" cy="192240"/>
             </a:xfrm>
             <a:custGeom>
               <a:avLst/>
@@ -20195,10 +20047,10 @@
         </p:nvGrpSpPr>
         <p:grpSpPr>
           <a:xfrm>
-            <a:off x="4049640" y="5181480"/>
-            <a:ext cx="192600" cy="84240"/>
-            <a:chOff x="4049640" y="5181480"/>
-            <a:chExt cx="192600" cy="84240"/>
+            <a:off x="4050000" y="5181480"/>
+            <a:ext cx="192240" cy="83880"/>
+            <a:chOff x="4050000" y="5181480"/>
+            <a:chExt cx="192240" cy="83880"/>
           </a:xfrm>
         </p:grpSpPr>
         <p:sp>
@@ -20209,8 +20061,8 @@
           </p:nvSpPr>
           <p:spPr>
             <a:xfrm rot="5400000">
-              <a:off x="4101120" y="5130000"/>
-              <a:ext cx="84240" cy="187200"/>
+              <a:off x="4101480" y="5130000"/>
+              <a:ext cx="83880" cy="186840"/>
             </a:xfrm>
             <a:prstGeom prst="rect">
               <a:avLst/>
@@ -20242,8 +20094,8 @@
           </p:nvSpPr>
           <p:spPr>
             <a:xfrm rot="5400000">
-              <a:off x="4109040" y="5131080"/>
-              <a:ext cx="73440" cy="192600"/>
+              <a:off x="4109400" y="5131080"/>
+              <a:ext cx="73080" cy="192240"/>
             </a:xfrm>
             <a:custGeom>
               <a:avLst/>
@@ -20318,7 +20170,7 @@
         <p:spPr>
           <a:xfrm>
             <a:off x="2849760" y="2151000"/>
-            <a:ext cx="91080" cy="101880"/>
+            <a:ext cx="90720" cy="101520"/>
           </a:xfrm>
           <a:prstGeom prst="ellipse">
             <a:avLst/>
@@ -20354,7 +20206,7 @@
         <p:spPr>
           <a:xfrm>
             <a:off x="2337120" y="2090160"/>
-            <a:ext cx="521280" cy="279000"/>
+            <a:ext cx="520920" cy="278640"/>
           </a:xfrm>
           <a:prstGeom prst="rect">
             <a:avLst/>
@@ -20413,7 +20265,7 @@
         <p:spPr>
           <a:xfrm>
             <a:off x="2344680" y="2802240"/>
-            <a:ext cx="521280" cy="279000"/>
+            <a:ext cx="520920" cy="278640"/>
           </a:xfrm>
           <a:prstGeom prst="rect">
             <a:avLst/>
@@ -20482,9 +20334,9 @@
         <p:grpSpPr>
           <a:xfrm>
             <a:off x="2847240" y="2460600"/>
-            <a:ext cx="84240" cy="192600"/>
+            <a:ext cx="83880" cy="192240"/>
             <a:chOff x="2847240" y="2460600"/>
-            <a:chExt cx="84240" cy="192600"/>
+            <a:chExt cx="83880" cy="192240"/>
           </a:xfrm>
         </p:grpSpPr>
         <p:sp>
@@ -20496,7 +20348,7 @@
           <p:spPr>
             <a:xfrm>
               <a:off x="2847240" y="2466000"/>
-              <a:ext cx="84240" cy="187200"/>
+              <a:ext cx="83880" cy="186840"/>
             </a:xfrm>
             <a:prstGeom prst="rect">
               <a:avLst/>
@@ -20529,7 +20381,7 @@
           <p:spPr>
             <a:xfrm>
               <a:off x="2856600" y="2460600"/>
-              <a:ext cx="73440" cy="192600"/>
+              <a:ext cx="73080" cy="192240"/>
             </a:xfrm>
             <a:custGeom>
               <a:avLst/>
@@ -20604,7 +20456,7 @@
         <p:spPr>
           <a:xfrm>
             <a:off x="2858400" y="2884320"/>
-            <a:ext cx="91080" cy="101880"/>
+            <a:ext cx="90720" cy="101520"/>
           </a:xfrm>
           <a:prstGeom prst="ellipse">
             <a:avLst/>
@@ -20640,9 +20492,9 @@
         <p:grpSpPr>
           <a:xfrm>
             <a:off x="2864520" y="3494160"/>
-            <a:ext cx="84240" cy="192600"/>
+            <a:ext cx="83880" cy="192240"/>
             <a:chOff x="2864520" y="3494160"/>
-            <a:chExt cx="84240" cy="192600"/>
+            <a:chExt cx="83880" cy="192240"/>
           </a:xfrm>
         </p:grpSpPr>
         <p:sp>
@@ -20654,7 +20506,7 @@
           <p:spPr>
             <a:xfrm>
               <a:off x="2864520" y="3499560"/>
-              <a:ext cx="84240" cy="187200"/>
+              <a:ext cx="83880" cy="186840"/>
             </a:xfrm>
             <a:prstGeom prst="rect">
               <a:avLst/>
@@ -20687,7 +20539,7 @@
           <p:spPr>
             <a:xfrm>
               <a:off x="2873880" y="3494160"/>
-              <a:ext cx="73440" cy="192600"/>
+              <a:ext cx="73080" cy="192240"/>
             </a:xfrm>
             <a:custGeom>
               <a:avLst/>
@@ -20762,7 +20614,7 @@
         <p:spPr>
           <a:xfrm>
             <a:off x="2353320" y="1477080"/>
-            <a:ext cx="414720" cy="279000"/>
+            <a:ext cx="414360" cy="278640"/>
           </a:xfrm>
           <a:prstGeom prst="rect">
             <a:avLst/>
@@ -20821,9 +20673,9 @@
         <p:grpSpPr>
           <a:xfrm>
             <a:off x="2826000" y="1781640"/>
-            <a:ext cx="84240" cy="192600"/>
+            <a:ext cx="83880" cy="192240"/>
             <a:chOff x="2826000" y="1781640"/>
-            <a:chExt cx="84240" cy="192600"/>
+            <a:chExt cx="83880" cy="192240"/>
           </a:xfrm>
         </p:grpSpPr>
         <p:sp>
@@ -20835,7 +20687,7 @@
           <p:spPr>
             <a:xfrm>
               <a:off x="2826000" y="1787040"/>
-              <a:ext cx="84240" cy="187200"/>
+              <a:ext cx="83880" cy="186840"/>
             </a:xfrm>
             <a:prstGeom prst="rect">
               <a:avLst/>
@@ -20868,7 +20720,7 @@
           <p:spPr>
             <a:xfrm>
               <a:off x="2835360" y="1781640"/>
-              <a:ext cx="73440" cy="192600"/>
+              <a:ext cx="73080" cy="192240"/>
             </a:xfrm>
             <a:custGeom>
               <a:avLst/>
@@ -20943,7 +20795,7 @@
         <p:spPr>
           <a:xfrm>
             <a:off x="2827800" y="1527120"/>
-            <a:ext cx="91080" cy="101880"/>
+            <a:ext cx="90720" cy="101520"/>
           </a:xfrm>
           <a:prstGeom prst="ellipse">
             <a:avLst/>
@@ -20979,7 +20831,7 @@
         <p:spPr>
           <a:xfrm>
             <a:off x="1894320" y="593640"/>
-            <a:ext cx="2085480" cy="453960"/>
+            <a:ext cx="2085120" cy="453600"/>
           </a:xfrm>
           <a:prstGeom prst="rect">
             <a:avLst/>
@@ -21021,7 +20873,27 @@
                 <a:latin typeface="Calibri"/>
                 <a:ea typeface="DejaVu Sans"/>
               </a:rPr>
-              <a:t>a) Hydraulics without plant compartments</a:t>
+              <a:t>a) Hydraulics </a:t>
+            </a:r>
+            <a:r>
+              <a:rPr b="1" lang="en-US" sz="1200" spc="-1" strike="noStrike">
+                <a:solidFill>
+                  <a:srgbClr val="000000"/>
+                </a:solidFill>
+                <a:latin typeface="Calibri"/>
+                <a:ea typeface="DejaVu Sans"/>
+              </a:rPr>
+              <a:t>without</a:t>
+            </a:r>
+            <a:r>
+              <a:rPr b="0" lang="en-US" sz="1200" spc="-1" strike="noStrike">
+                <a:solidFill>
+                  <a:srgbClr val="000000"/>
+                </a:solidFill>
+                <a:latin typeface="Calibri"/>
+                <a:ea typeface="DejaVu Sans"/>
+              </a:rPr>
+              <a:t> storage compartments</a:t>
             </a:r>
             <a:endParaRPr b="0" lang="en-US" sz="1200" spc="-1" strike="noStrike">
               <a:latin typeface="Arial"/>
@@ -21038,7 +20910,7 @@
         <p:spPr>
           <a:xfrm>
             <a:off x="4649400" y="590400"/>
-            <a:ext cx="2085480" cy="454680"/>
+            <a:ext cx="2085120" cy="454320"/>
           </a:xfrm>
           <a:prstGeom prst="rect">
             <a:avLst/>
@@ -21080,7 +20952,27 @@
                 <a:latin typeface="Calibri"/>
                 <a:ea typeface="DejaVu Sans"/>
               </a:rPr>
-              <a:t>b) Hydraulics with plant compartments</a:t>
+              <a:t>b) Hydraulics </a:t>
+            </a:r>
+            <a:r>
+              <a:rPr b="1" lang="en-US" sz="1200" spc="-1" strike="noStrike">
+                <a:solidFill>
+                  <a:srgbClr val="000000"/>
+                </a:solidFill>
+                <a:latin typeface="Calibri"/>
+                <a:ea typeface="DejaVu Sans"/>
+              </a:rPr>
+              <a:t>with</a:t>
+            </a:r>
+            <a:r>
+              <a:rPr b="0" lang="en-US" sz="1200" spc="-1" strike="noStrike">
+                <a:solidFill>
+                  <a:srgbClr val="000000"/>
+                </a:solidFill>
+                <a:latin typeface="Calibri"/>
+                <a:ea typeface="DejaVu Sans"/>
+              </a:rPr>
+              <a:t> storage compartments</a:t>
             </a:r>
             <a:endParaRPr b="0" lang="en-US" sz="1200" spc="-1" strike="noStrike">
               <a:latin typeface="Arial"/>
@@ -21097,7 +20989,7 @@
         <p:spPr>
           <a:xfrm>
             <a:off x="2659680" y="1019520"/>
-            <a:ext cx="605520" cy="270000"/>
+            <a:ext cx="605160" cy="269640"/>
           </a:xfrm>
           <a:prstGeom prst="rect">
             <a:avLst/>
@@ -21212,7 +21104,7 @@
         <p:spPr>
           <a:xfrm>
             <a:off x="1551240" y="929520"/>
-            <a:ext cx="3507120" cy="4658400"/>
+            <a:ext cx="3506760" cy="4658040"/>
           </a:xfrm>
           <a:prstGeom prst="rect">
             <a:avLst/>
@@ -21252,7 +21144,7 @@
         <p:spPr>
           <a:xfrm>
             <a:off x="1558440" y="1323000"/>
-            <a:ext cx="2953440" cy="4092120"/>
+            <a:ext cx="2953080" cy="4091760"/>
           </a:xfrm>
           <a:prstGeom prst="rect">
             <a:avLst/>
@@ -21271,7 +21163,7 @@
         <p:spPr>
           <a:xfrm>
             <a:off x="3298680" y="934920"/>
-            <a:ext cx="3626640" cy="4658400"/>
+            <a:ext cx="3626280" cy="4658040"/>
           </a:xfrm>
           <a:prstGeom prst="rect">
             <a:avLst/>
@@ -21307,7 +21199,7 @@
         <p:spPr>
           <a:xfrm>
             <a:off x="4096440" y="1176480"/>
-            <a:ext cx="15840" cy="2692440"/>
+            <a:ext cx="15480" cy="2692080"/>
           </a:xfrm>
           <a:custGeom>
             <a:avLst/>
@@ -21356,7 +21248,7 @@
         <p:spPr>
           <a:xfrm>
             <a:off x="4066200" y="1909440"/>
-            <a:ext cx="91080" cy="101880"/>
+            <a:ext cx="90720" cy="101520"/>
           </a:xfrm>
           <a:prstGeom prst="ellipse">
             <a:avLst/>
@@ -21392,7 +21284,7 @@
         <p:spPr>
           <a:xfrm>
             <a:off x="4032360" y="3665160"/>
-            <a:ext cx="161280" cy="203400"/>
+            <a:ext cx="160920" cy="203040"/>
           </a:xfrm>
           <a:prstGeom prst="ellipse">
             <a:avLst/>
@@ -21428,7 +21320,7 @@
         <p:spPr>
           <a:xfrm>
             <a:off x="5631840" y="3665160"/>
-            <a:ext cx="161280" cy="203400"/>
+            <a:ext cx="160920" cy="203040"/>
           </a:xfrm>
           <a:prstGeom prst="ellipse">
             <a:avLst/>
@@ -21464,7 +21356,7 @@
         <p:spPr>
           <a:xfrm flipH="1">
             <a:off x="4193640" y="3767760"/>
-            <a:ext cx="1435320" cy="360"/>
+            <a:ext cx="1434960" cy="360"/>
           </a:xfrm>
           <a:custGeom>
             <a:avLst/>
@@ -21512,7 +21404,7 @@
         <p:spPr>
           <a:xfrm>
             <a:off x="4839120" y="3675240"/>
-            <a:ext cx="161280" cy="203400"/>
+            <a:ext cx="160920" cy="203040"/>
           </a:xfrm>
           <a:prstGeom prst="ellipse">
             <a:avLst/>
@@ -21548,7 +21440,7 @@
         <p:spPr>
           <a:xfrm>
             <a:off x="5652000" y="4138560"/>
-            <a:ext cx="161280" cy="203400"/>
+            <a:ext cx="160920" cy="203040"/>
           </a:xfrm>
           <a:prstGeom prst="ellipse">
             <a:avLst/>
@@ -21583,8 +21475,8 @@
         </p:nvSpPr>
         <p:spPr>
           <a:xfrm flipH="1">
-            <a:off x="4505040" y="4240800"/>
-            <a:ext cx="1144080" cy="12600"/>
+            <a:off x="4504320" y="4240800"/>
+            <a:ext cx="1143720" cy="12240"/>
           </a:xfrm>
           <a:custGeom>
             <a:avLst/>
@@ -21632,7 +21524,7 @@
         <p:spPr>
           <a:xfrm>
             <a:off x="4859280" y="4148280"/>
-            <a:ext cx="161280" cy="203400"/>
+            <a:ext cx="160920" cy="203040"/>
           </a:xfrm>
           <a:prstGeom prst="ellipse">
             <a:avLst/>
@@ -21668,7 +21560,7 @@
         <p:spPr>
           <a:xfrm>
             <a:off x="5652000" y="4751280"/>
-            <a:ext cx="161280" cy="203400"/>
+            <a:ext cx="160920" cy="203040"/>
           </a:xfrm>
           <a:prstGeom prst="ellipse">
             <a:avLst/>
@@ -21704,7 +21596,7 @@
         <p:spPr>
           <a:xfrm flipH="1">
             <a:off x="4503240" y="4853520"/>
-            <a:ext cx="1145880" cy="7920"/>
+            <a:ext cx="1145520" cy="7560"/>
           </a:xfrm>
           <a:custGeom>
             <a:avLst/>
@@ -21752,7 +21644,7 @@
         <p:spPr>
           <a:xfrm>
             <a:off x="4859280" y="4761000"/>
-            <a:ext cx="161280" cy="203400"/>
+            <a:ext cx="160920" cy="203040"/>
           </a:xfrm>
           <a:prstGeom prst="ellipse">
             <a:avLst/>
@@ -21788,7 +21680,7 @@
         <p:spPr>
           <a:xfrm>
             <a:off x="5948280" y="3585240"/>
-            <a:ext cx="977040" cy="249120"/>
+            <a:ext cx="976680" cy="248760"/>
           </a:xfrm>
           <a:prstGeom prst="rect">
             <a:avLst/>
@@ -21847,7 +21739,7 @@
         <p:spPr>
           <a:xfrm>
             <a:off x="5961600" y="4109040"/>
-            <a:ext cx="977040" cy="249120"/>
+            <a:ext cx="976680" cy="248760"/>
           </a:xfrm>
           <a:prstGeom prst="rect">
             <a:avLst/>
@@ -21906,7 +21798,7 @@
         <p:spPr>
           <a:xfrm>
             <a:off x="5986080" y="4773960"/>
-            <a:ext cx="977040" cy="249120"/>
+            <a:ext cx="976680" cy="248760"/>
           </a:xfrm>
           <a:prstGeom prst="rect">
             <a:avLst/>
@@ -21955,7 +21847,7 @@
         <p:spPr>
           <a:xfrm>
             <a:off x="4091400" y="5212800"/>
-            <a:ext cx="574200" cy="249120"/>
+            <a:ext cx="573840" cy="248760"/>
           </a:xfrm>
           <a:prstGeom prst="rect">
             <a:avLst/>
@@ -22004,7 +21896,7 @@
         <p:spPr>
           <a:xfrm>
             <a:off x="4710240" y="5228640"/>
-            <a:ext cx="1476000" cy="249120"/>
+            <a:ext cx="1475640" cy="248760"/>
           </a:xfrm>
           <a:prstGeom prst="rect">
             <a:avLst/>
@@ -22053,7 +21945,7 @@
         <p:spPr>
           <a:xfrm>
             <a:off x="4685040" y="3841920"/>
-            <a:ext cx="672120" cy="295920"/>
+            <a:ext cx="671760" cy="295560"/>
           </a:xfrm>
           <a:prstGeom prst="rect">
             <a:avLst/>
@@ -22122,7 +22014,7 @@
         <p:spPr>
           <a:xfrm>
             <a:off x="4685040" y="4330440"/>
-            <a:ext cx="672120" cy="295920"/>
+            <a:ext cx="671760" cy="295560"/>
           </a:xfrm>
           <a:prstGeom prst="rect">
             <a:avLst/>
@@ -22191,7 +22083,7 @@
         <p:spPr>
           <a:xfrm>
             <a:off x="4736160" y="4932720"/>
-            <a:ext cx="672120" cy="295920"/>
+            <a:ext cx="671760" cy="295560"/>
           </a:xfrm>
           <a:prstGeom prst="rect">
             <a:avLst/>
@@ -22249,8 +22141,8 @@
         </p:nvSpPr>
         <p:spPr>
           <a:xfrm flipH="1" flipV="1">
-            <a:off x="4169880" y="3838680"/>
-            <a:ext cx="234000" cy="414360"/>
+            <a:off x="4169160" y="3838680"/>
+            <a:ext cx="233640" cy="414000"/>
           </a:xfrm>
           <a:custGeom>
             <a:avLst/>
@@ -22298,7 +22190,7 @@
         <p:spPr>
           <a:xfrm>
             <a:off x="3393720" y="3571920"/>
-            <a:ext cx="661320" cy="295920"/>
+            <a:ext cx="660960" cy="295560"/>
           </a:xfrm>
           <a:prstGeom prst="rect">
             <a:avLst/>
@@ -22357,7 +22249,7 @@
         <p:spPr>
           <a:xfrm>
             <a:off x="5625360" y="3818160"/>
-            <a:ext cx="518400" cy="295920"/>
+            <a:ext cx="518040" cy="295560"/>
           </a:xfrm>
           <a:prstGeom prst="rect">
             <a:avLst/>
@@ -22426,7 +22318,7 @@
         <p:spPr>
           <a:xfrm>
             <a:off x="5633280" y="4340520"/>
-            <a:ext cx="518400" cy="295920"/>
+            <a:ext cx="518040" cy="295560"/>
           </a:xfrm>
           <a:prstGeom prst="rect">
             <a:avLst/>
@@ -22495,7 +22387,7 @@
         <p:spPr>
           <a:xfrm>
             <a:off x="5642280" y="4937400"/>
-            <a:ext cx="518040" cy="295920"/>
+            <a:ext cx="517680" cy="295560"/>
           </a:xfrm>
           <a:prstGeom prst="rect">
             <a:avLst/>
@@ -22554,7 +22446,7 @@
         <p:spPr>
           <a:xfrm>
             <a:off x="3633840" y="2167920"/>
-            <a:ext cx="248400" cy="249120"/>
+            <a:ext cx="248040" cy="248760"/>
           </a:xfrm>
           <a:prstGeom prst="rect">
             <a:avLst/>
@@ -22603,7 +22495,7 @@
         <p:spPr>
           <a:xfrm>
             <a:off x="3552480" y="2915280"/>
-            <a:ext cx="521280" cy="279000"/>
+            <a:ext cx="520920" cy="278640"/>
           </a:xfrm>
           <a:prstGeom prst="rect">
             <a:avLst/>
@@ -22672,7 +22564,7 @@
         <p:spPr>
           <a:xfrm>
             <a:off x="3552480" y="2395080"/>
-            <a:ext cx="521280" cy="279000"/>
+            <a:ext cx="520920" cy="278640"/>
           </a:xfrm>
           <a:prstGeom prst="rect">
             <a:avLst/>
@@ -22740,8 +22632,8 @@
         </p:nvSpPr>
         <p:spPr>
           <a:xfrm flipH="1" rot="16200000">
-            <a:off x="3763800" y="4219920"/>
-            <a:ext cx="991440" cy="291600"/>
+            <a:off x="3763440" y="4219920"/>
+            <a:ext cx="991080" cy="291240"/>
           </a:xfrm>
           <a:prstGeom prst="bentConnector2">
             <a:avLst/>
@@ -22776,7 +22668,7 @@
         <p:spPr>
           <a:xfrm>
             <a:off x="4316040" y="4477680"/>
-            <a:ext cx="248400" cy="249120"/>
+            <a:ext cx="248040" cy="248760"/>
           </a:xfrm>
           <a:prstGeom prst="rect">
             <a:avLst/>
@@ -22825,7 +22717,7 @@
         <p:spPr>
           <a:xfrm>
             <a:off x="5622840" y="4499640"/>
-            <a:ext cx="248400" cy="249120"/>
+            <a:ext cx="248040" cy="248760"/>
           </a:xfrm>
           <a:prstGeom prst="rect">
             <a:avLst/>
@@ -22874,9 +22766,9 @@
         <p:grpSpPr>
           <a:xfrm>
             <a:off x="4072320" y="2035080"/>
-            <a:ext cx="84240" cy="192600"/>
+            <a:ext cx="83880" cy="192240"/>
             <a:chOff x="4072320" y="2035080"/>
-            <a:chExt cx="84240" cy="192600"/>
+            <a:chExt cx="83880" cy="192240"/>
           </a:xfrm>
         </p:grpSpPr>
         <p:sp>
@@ -22888,7 +22780,7 @@
           <p:spPr>
             <a:xfrm>
               <a:off x="4072320" y="2040480"/>
-              <a:ext cx="84240" cy="187200"/>
+              <a:ext cx="83880" cy="186840"/>
             </a:xfrm>
             <a:prstGeom prst="rect">
               <a:avLst/>
@@ -22921,7 +22813,7 @@
           <p:spPr>
             <a:xfrm>
               <a:off x="4081680" y="2035080"/>
-              <a:ext cx="73440" cy="192600"/>
+              <a:ext cx="73080" cy="192240"/>
             </a:xfrm>
             <a:custGeom>
               <a:avLst/>
@@ -22996,7 +22888,7 @@
         <p:spPr>
           <a:xfrm>
             <a:off x="4066200" y="2504880"/>
-            <a:ext cx="91080" cy="101880"/>
+            <a:ext cx="90720" cy="101520"/>
           </a:xfrm>
           <a:prstGeom prst="ellipse">
             <a:avLst/>
@@ -23032,9 +22924,9 @@
         <p:grpSpPr>
           <a:xfrm>
             <a:off x="4072320" y="2630880"/>
-            <a:ext cx="84240" cy="192600"/>
+            <a:ext cx="83880" cy="192240"/>
             <a:chOff x="4072320" y="2630880"/>
-            <a:chExt cx="84240" cy="192600"/>
+            <a:chExt cx="83880" cy="192240"/>
           </a:xfrm>
         </p:grpSpPr>
         <p:sp>
@@ -23046,7 +22938,7 @@
           <p:spPr>
             <a:xfrm>
               <a:off x="4072320" y="2635920"/>
-              <a:ext cx="84240" cy="187200"/>
+              <a:ext cx="83880" cy="186840"/>
             </a:xfrm>
             <a:prstGeom prst="rect">
               <a:avLst/>
@@ -23079,7 +22971,7 @@
           <p:spPr>
             <a:xfrm>
               <a:off x="4081680" y="2630880"/>
-              <a:ext cx="73440" cy="192600"/>
+              <a:ext cx="73080" cy="192240"/>
             </a:xfrm>
             <a:custGeom>
               <a:avLst/>
@@ -23154,7 +23046,7 @@
         <p:spPr>
           <a:xfrm>
             <a:off x="4066200" y="2997360"/>
-            <a:ext cx="91080" cy="101880"/>
+            <a:ext cx="90720" cy="101520"/>
           </a:xfrm>
           <a:prstGeom prst="ellipse">
             <a:avLst/>
@@ -23190,9 +23082,9 @@
         <p:grpSpPr>
           <a:xfrm>
             <a:off x="4072320" y="3123360"/>
-            <a:ext cx="84240" cy="192600"/>
+            <a:ext cx="83880" cy="192240"/>
             <a:chOff x="4072320" y="3123360"/>
-            <a:chExt cx="84240" cy="192600"/>
+            <a:chExt cx="83880" cy="192240"/>
           </a:xfrm>
         </p:grpSpPr>
         <p:sp>
@@ -23204,7 +23096,7 @@
           <p:spPr>
             <a:xfrm>
               <a:off x="4072320" y="3128760"/>
-              <a:ext cx="84240" cy="187200"/>
+              <a:ext cx="83880" cy="186840"/>
             </a:xfrm>
             <a:prstGeom prst="rect">
               <a:avLst/>
@@ -23237,7 +23129,7 @@
           <p:spPr>
             <a:xfrm>
               <a:off x="4081680" y="3123360"/>
-              <a:ext cx="73440" cy="192600"/>
+              <a:ext cx="73080" cy="192240"/>
             </a:xfrm>
             <a:custGeom>
               <a:avLst/>
@@ -23311,10 +23203,10 @@
         </p:nvGrpSpPr>
         <p:grpSpPr>
           <a:xfrm>
-            <a:off x="4397760" y="3724560"/>
-            <a:ext cx="192600" cy="84240"/>
-            <a:chOff x="4397760" y="3724560"/>
-            <a:chExt cx="192600" cy="84240"/>
+            <a:off x="4398120" y="3724560"/>
+            <a:ext cx="192240" cy="83880"/>
+            <a:chOff x="4398120" y="3724560"/>
+            <a:chExt cx="192240" cy="83880"/>
           </a:xfrm>
         </p:grpSpPr>
         <p:sp>
@@ -23325,8 +23217,8 @@
           </p:nvSpPr>
           <p:spPr>
             <a:xfrm rot="5400000">
-              <a:off x="4449240" y="3673080"/>
-              <a:ext cx="84240" cy="187200"/>
+              <a:off x="4449600" y="3673080"/>
+              <a:ext cx="83880" cy="186840"/>
             </a:xfrm>
             <a:prstGeom prst="rect">
               <a:avLst/>
@@ -23358,8 +23250,8 @@
           </p:nvSpPr>
           <p:spPr>
             <a:xfrm rot="5400000">
-              <a:off x="4457160" y="3674520"/>
-              <a:ext cx="73440" cy="192600"/>
+              <a:off x="4457520" y="3674520"/>
+              <a:ext cx="73080" cy="192240"/>
             </a:xfrm>
             <a:custGeom>
               <a:avLst/>
@@ -23433,10 +23325,10 @@
         </p:nvGrpSpPr>
         <p:grpSpPr>
           <a:xfrm>
-            <a:off x="5257440" y="3726720"/>
-            <a:ext cx="192600" cy="84240"/>
-            <a:chOff x="5257440" y="3726720"/>
-            <a:chExt cx="192600" cy="84240"/>
+            <a:off x="5257800" y="3726720"/>
+            <a:ext cx="192240" cy="83880"/>
+            <a:chOff x="5257800" y="3726720"/>
+            <a:chExt cx="192240" cy="83880"/>
           </a:xfrm>
         </p:grpSpPr>
         <p:sp>
@@ -23447,8 +23339,8 @@
           </p:nvSpPr>
           <p:spPr>
             <a:xfrm rot="5400000">
-              <a:off x="5308920" y="3675240"/>
-              <a:ext cx="84240" cy="187200"/>
+              <a:off x="5309280" y="3675240"/>
+              <a:ext cx="83880" cy="186840"/>
             </a:xfrm>
             <a:prstGeom prst="rect">
               <a:avLst/>
@@ -23480,8 +23372,8 @@
           </p:nvSpPr>
           <p:spPr>
             <a:xfrm rot="5400000">
-              <a:off x="5316840" y="3676320"/>
-              <a:ext cx="73440" cy="192600"/>
+              <a:off x="5317200" y="3676320"/>
+              <a:ext cx="73080" cy="192240"/>
             </a:xfrm>
             <a:custGeom>
               <a:avLst/>
@@ -23556,9 +23448,9 @@
         <p:grpSpPr>
           <a:xfrm>
             <a:off x="5261400" y="4199040"/>
-            <a:ext cx="192600" cy="84240"/>
+            <a:ext cx="192240" cy="83880"/>
             <a:chOff x="5261400" y="4199040"/>
-            <a:chExt cx="192600" cy="84240"/>
+            <a:chExt cx="192240" cy="83880"/>
           </a:xfrm>
         </p:grpSpPr>
         <p:sp>
@@ -23569,8 +23461,8 @@
           </p:nvSpPr>
           <p:spPr>
             <a:xfrm rot="5400000">
-              <a:off x="5312880" y="4147560"/>
-              <a:ext cx="84240" cy="187200"/>
+              <a:off x="5313240" y="4147560"/>
+              <a:ext cx="83880" cy="186840"/>
             </a:xfrm>
             <a:prstGeom prst="rect">
               <a:avLst/>
@@ -23603,7 +23495,7 @@
           <p:spPr>
             <a:xfrm rot="5400000">
               <a:off x="5320800" y="4148640"/>
-              <a:ext cx="73440" cy="192600"/>
+              <a:ext cx="73080" cy="192240"/>
             </a:xfrm>
             <a:custGeom>
               <a:avLst/>
@@ -23678,9 +23570,9 @@
         <p:grpSpPr>
           <a:xfrm>
             <a:off x="4407840" y="4212720"/>
-            <a:ext cx="192600" cy="84240"/>
+            <a:ext cx="192240" cy="83880"/>
             <a:chOff x="4407840" y="4212720"/>
-            <a:chExt cx="192600" cy="84240"/>
+            <a:chExt cx="192240" cy="83880"/>
           </a:xfrm>
         </p:grpSpPr>
         <p:sp>
@@ -23691,8 +23583,8 @@
           </p:nvSpPr>
           <p:spPr>
             <a:xfrm rot="5400000">
-              <a:off x="4459680" y="4161240"/>
-              <a:ext cx="84240" cy="187200"/>
+              <a:off x="4460040" y="4161240"/>
+              <a:ext cx="83880" cy="186840"/>
             </a:xfrm>
             <a:prstGeom prst="rect">
               <a:avLst/>
@@ -23724,8 +23616,8 @@
           </p:nvSpPr>
           <p:spPr>
             <a:xfrm rot="5400000">
-              <a:off x="4467240" y="4162320"/>
-              <a:ext cx="73440" cy="192600"/>
+              <a:off x="4467240" y="4161960"/>
+              <a:ext cx="73080" cy="192240"/>
             </a:xfrm>
             <a:custGeom>
               <a:avLst/>
@@ -23800,9 +23692,9 @@
         <p:grpSpPr>
           <a:xfrm>
             <a:off x="4060080" y="1545120"/>
-            <a:ext cx="84240" cy="192600"/>
+            <a:ext cx="83880" cy="192240"/>
             <a:chOff x="4060080" y="1545120"/>
-            <a:chExt cx="84240" cy="192600"/>
+            <a:chExt cx="83880" cy="192240"/>
           </a:xfrm>
         </p:grpSpPr>
         <p:sp>
@@ -23814,7 +23706,7 @@
           <p:spPr>
             <a:xfrm>
               <a:off x="4060080" y="1550520"/>
-              <a:ext cx="84240" cy="187200"/>
+              <a:ext cx="83880" cy="186840"/>
             </a:xfrm>
             <a:prstGeom prst="rect">
               <a:avLst/>
@@ -23847,7 +23739,7 @@
           <p:spPr>
             <a:xfrm>
               <a:off x="4069440" y="1545120"/>
-              <a:ext cx="73440" cy="192600"/>
+              <a:ext cx="73080" cy="192240"/>
             </a:xfrm>
             <a:custGeom>
               <a:avLst/>
@@ -23922,9 +23814,9 @@
         <p:grpSpPr>
           <a:xfrm>
             <a:off x="4407840" y="4820040"/>
-            <a:ext cx="192600" cy="84240"/>
+            <a:ext cx="192240" cy="83880"/>
             <a:chOff x="4407840" y="4820040"/>
-            <a:chExt cx="192600" cy="84240"/>
+            <a:chExt cx="192240" cy="83880"/>
           </a:xfrm>
         </p:grpSpPr>
         <p:sp>
@@ -23935,8 +23827,8 @@
           </p:nvSpPr>
           <p:spPr>
             <a:xfrm rot="5400000">
-              <a:off x="4459680" y="4768560"/>
-              <a:ext cx="84240" cy="187200"/>
+              <a:off x="4460040" y="4768560"/>
+              <a:ext cx="83880" cy="186840"/>
             </a:xfrm>
             <a:prstGeom prst="rect">
               <a:avLst/>
@@ -23968,8 +23860,8 @@
           </p:nvSpPr>
           <p:spPr>
             <a:xfrm rot="5400000">
-              <a:off x="4467240" y="4769640"/>
-              <a:ext cx="73440" cy="192600"/>
+              <a:off x="4467240" y="4769280"/>
+              <a:ext cx="73080" cy="192240"/>
             </a:xfrm>
             <a:custGeom>
               <a:avLst/>
@@ -24043,10 +23935,10 @@
         </p:nvGrpSpPr>
         <p:grpSpPr>
           <a:xfrm>
-            <a:off x="5257440" y="4810680"/>
-            <a:ext cx="192600" cy="84240"/>
-            <a:chOff x="5257440" y="4810680"/>
-            <a:chExt cx="192600" cy="84240"/>
+            <a:off x="5257800" y="4810680"/>
+            <a:ext cx="192240" cy="83880"/>
+            <a:chOff x="5257800" y="4810680"/>
+            <a:chExt cx="192240" cy="83880"/>
           </a:xfrm>
         </p:grpSpPr>
         <p:sp>
@@ -24057,8 +23949,8 @@
           </p:nvSpPr>
           <p:spPr>
             <a:xfrm rot="5400000">
-              <a:off x="5308920" y="4759200"/>
-              <a:ext cx="84240" cy="187200"/>
+              <a:off x="5309280" y="4759200"/>
+              <a:ext cx="83880" cy="186840"/>
             </a:xfrm>
             <a:prstGeom prst="rect">
               <a:avLst/>
@@ -24090,8 +23982,8 @@
           </p:nvSpPr>
           <p:spPr>
             <a:xfrm rot="5400000">
-              <a:off x="5316840" y="4760280"/>
-              <a:ext cx="73440" cy="192600"/>
+              <a:off x="5317200" y="4760280"/>
+              <a:ext cx="73080" cy="192240"/>
             </a:xfrm>
             <a:custGeom>
               <a:avLst/>
@@ -24166,7 +24058,7 @@
         <p:spPr>
           <a:xfrm>
             <a:off x="3569400" y="1328760"/>
-            <a:ext cx="414720" cy="279000"/>
+            <a:ext cx="414360" cy="278640"/>
           </a:xfrm>
           <a:prstGeom prst="rect">
             <a:avLst/>
@@ -24225,7 +24117,7 @@
         <p:spPr>
           <a:xfrm>
             <a:off x="3547440" y="1848600"/>
-            <a:ext cx="533520" cy="279000"/>
+            <a:ext cx="533160" cy="278640"/>
           </a:xfrm>
           <a:prstGeom prst="rect">
             <a:avLst/>
@@ -24283,8 +24175,8 @@
         </p:nvSpPr>
         <p:spPr>
           <a:xfrm rot="16200000">
-            <a:off x="3196800" y="2388600"/>
-            <a:ext cx="483480" cy="249120"/>
+            <a:off x="3196800" y="2388960"/>
+            <a:ext cx="483120" cy="248760"/>
           </a:xfrm>
           <a:prstGeom prst="rect">
             <a:avLst/>
@@ -24332,8 +24224,8 @@
         </p:nvSpPr>
         <p:spPr>
           <a:xfrm rot="16200000">
-            <a:off x="3080160" y="1410480"/>
-            <a:ext cx="715320" cy="249120"/>
+            <a:off x="3080160" y="1410840"/>
+            <a:ext cx="714960" cy="248760"/>
           </a:xfrm>
           <a:prstGeom prst="rect">
             <a:avLst/>
@@ -24382,7 +24274,7 @@
         <p:spPr>
           <a:xfrm>
             <a:off x="4428000" y="1478520"/>
-            <a:ext cx="528840" cy="270000"/>
+            <a:ext cx="528480" cy="269640"/>
           </a:xfrm>
           <a:prstGeom prst="rect">
             <a:avLst/>
@@ -24491,7 +24383,7 @@
         <p:spPr>
           <a:xfrm>
             <a:off x="4111560" y="1368000"/>
-            <a:ext cx="579960" cy="108720"/>
+            <a:ext cx="579600" cy="108360"/>
           </a:xfrm>
           <a:prstGeom prst="bentConnector2">
             <a:avLst/>
@@ -24527,7 +24419,7 @@
         <p:spPr>
           <a:xfrm>
             <a:off x="3983400" y="920160"/>
-            <a:ext cx="272880" cy="271800"/>
+            <a:ext cx="272520" cy="271440"/>
           </a:xfrm>
           <a:prstGeom prst="rect">
             <a:avLst/>
@@ -24576,7 +24468,7 @@
         <p:spPr>
           <a:xfrm>
             <a:off x="4058280" y="1400400"/>
-            <a:ext cx="91080" cy="101880"/>
+            <a:ext cx="90720" cy="101520"/>
           </a:xfrm>
           <a:prstGeom prst="ellipse">
             <a:avLst/>
@@ -24612,7 +24504,7 @@
         <p:spPr>
           <a:xfrm>
             <a:off x="4425480" y="1981080"/>
-            <a:ext cx="559440" cy="270000"/>
+            <a:ext cx="559080" cy="269640"/>
           </a:xfrm>
           <a:prstGeom prst="rect">
             <a:avLst/>
@@ -24721,7 +24613,7 @@
         <p:spPr>
           <a:xfrm>
             <a:off x="4124520" y="1870920"/>
-            <a:ext cx="579960" cy="108720"/>
+            <a:ext cx="579600" cy="108360"/>
           </a:xfrm>
           <a:prstGeom prst="bentConnector2">
             <a:avLst/>
@@ -24757,7 +24649,7 @@
         <p:spPr>
           <a:xfrm>
             <a:off x="4429800" y="2582640"/>
-            <a:ext cx="547200" cy="270000"/>
+            <a:ext cx="546840" cy="269640"/>
           </a:xfrm>
           <a:prstGeom prst="rect">
             <a:avLst/>
@@ -24866,7 +24758,7 @@
         <p:spPr>
           <a:xfrm>
             <a:off x="4122720" y="2472120"/>
-            <a:ext cx="579960" cy="108720"/>
+            <a:ext cx="579600" cy="108360"/>
           </a:xfrm>
           <a:prstGeom prst="bentConnector2">
             <a:avLst/>
@@ -24902,7 +24794,7 @@
         <p:spPr>
           <a:xfrm>
             <a:off x="4422600" y="3077280"/>
-            <a:ext cx="560880" cy="270000"/>
+            <a:ext cx="560520" cy="269640"/>
           </a:xfrm>
           <a:prstGeom prst="rect">
             <a:avLst/>
@@ -25011,7 +24903,7 @@
         <p:spPr>
           <a:xfrm>
             <a:off x="4122720" y="2966760"/>
-            <a:ext cx="579960" cy="108720"/>
+            <a:ext cx="579600" cy="108360"/>
           </a:xfrm>
           <a:prstGeom prst="bentConnector2">
             <a:avLst/>
@@ -25103,7 +24995,7 @@
         <p:spPr>
           <a:xfrm>
             <a:off x="1551240" y="929520"/>
-            <a:ext cx="3507120" cy="4658400"/>
+            <a:ext cx="3506760" cy="4658040"/>
           </a:xfrm>
           <a:prstGeom prst="rect">
             <a:avLst/>
@@ -25143,7 +25035,7 @@
         <p:spPr>
           <a:xfrm>
             <a:off x="1558440" y="1323000"/>
-            <a:ext cx="2953440" cy="4092120"/>
+            <a:ext cx="2953080" cy="4091760"/>
           </a:xfrm>
           <a:prstGeom prst="rect">
             <a:avLst/>
@@ -25162,7 +25054,7 @@
         <p:spPr>
           <a:xfrm>
             <a:off x="3298680" y="934920"/>
-            <a:ext cx="3626640" cy="4658400"/>
+            <a:ext cx="3626280" cy="4658040"/>
           </a:xfrm>
           <a:prstGeom prst="rect">
             <a:avLst/>
@@ -25198,7 +25090,7 @@
         <p:spPr>
           <a:xfrm>
             <a:off x="4906080" y="3101040"/>
-            <a:ext cx="486360" cy="270000"/>
+            <a:ext cx="486000" cy="269640"/>
           </a:xfrm>
           <a:prstGeom prst="rect">
             <a:avLst/>
@@ -25277,7 +25169,7 @@
         <p:spPr>
           <a:xfrm>
             <a:off x="3909240" y="920160"/>
-            <a:ext cx="405360" cy="295920"/>
+            <a:ext cx="405000" cy="295560"/>
           </a:xfrm>
           <a:prstGeom prst="rect">
             <a:avLst/>
@@ -25336,7 +25228,7 @@
         <p:spPr>
           <a:xfrm>
             <a:off x="4866840" y="1535040"/>
-            <a:ext cx="564120" cy="270000"/>
+            <a:ext cx="563760" cy="269640"/>
           </a:xfrm>
           <a:prstGeom prst="rect">
             <a:avLst/>
@@ -25405,7 +25297,7 @@
         <p:spPr>
           <a:xfrm>
             <a:off x="3874320" y="3101040"/>
-            <a:ext cx="483120" cy="270000"/>
+            <a:ext cx="482760" cy="269640"/>
           </a:xfrm>
           <a:prstGeom prst="rect">
             <a:avLst/>
@@ -25484,7 +25376,7 @@
         <p:spPr>
           <a:xfrm>
             <a:off x="4374720" y="3227760"/>
-            <a:ext cx="507240" cy="360"/>
+            <a:ext cx="506880" cy="360"/>
           </a:xfrm>
           <a:custGeom>
             <a:avLst/>
@@ -25534,7 +25426,7 @@
         <p:spPr>
           <a:xfrm>
             <a:off x="4906080" y="2635560"/>
-            <a:ext cx="486360" cy="270000"/>
+            <a:ext cx="486000" cy="269640"/>
           </a:xfrm>
           <a:prstGeom prst="rect">
             <a:avLst/>
@@ -25613,7 +25505,7 @@
         <p:spPr>
           <a:xfrm>
             <a:off x="3874320" y="2635560"/>
-            <a:ext cx="483120" cy="270000"/>
+            <a:ext cx="482760" cy="269640"/>
           </a:xfrm>
           <a:prstGeom prst="rect">
             <a:avLst/>
@@ -25692,7 +25584,7 @@
         <p:spPr>
           <a:xfrm>
             <a:off x="4374720" y="2762280"/>
-            <a:ext cx="507240" cy="360"/>
+            <a:ext cx="506880" cy="360"/>
           </a:xfrm>
           <a:custGeom>
             <a:avLst/>
@@ -25742,7 +25634,7 @@
         <p:spPr>
           <a:xfrm>
             <a:off x="4116600" y="2889360"/>
-            <a:ext cx="360" cy="210240"/>
+            <a:ext cx="360" cy="209880"/>
           </a:xfrm>
           <a:custGeom>
             <a:avLst/>
@@ -25791,8 +25683,8 @@
         </p:nvSpPr>
         <p:spPr>
           <a:xfrm rot="16200000">
-            <a:off x="3196800" y="2388600"/>
-            <a:ext cx="483480" cy="249120"/>
+            <a:off x="3196800" y="2388960"/>
+            <a:ext cx="483120" cy="248760"/>
           </a:xfrm>
           <a:prstGeom prst="rect">
             <a:avLst/>
@@ -25840,8 +25732,8 @@
         </p:nvSpPr>
         <p:spPr>
           <a:xfrm rot="16200000">
-            <a:off x="3080160" y="1410480"/>
-            <a:ext cx="715320" cy="249120"/>
+            <a:off x="3080160" y="1410840"/>
+            <a:ext cx="714960" cy="248760"/>
           </a:xfrm>
           <a:prstGeom prst="rect">
             <a:avLst/>
@@ -25890,7 +25782,7 @@
         <p:spPr>
           <a:xfrm>
             <a:off x="4112640" y="1197360"/>
-            <a:ext cx="2520" cy="336960"/>
+            <a:ext cx="2160" cy="336600"/>
           </a:xfrm>
           <a:custGeom>
             <a:avLst/>
@@ -25939,7 +25831,7 @@
         <p:spPr>
           <a:xfrm>
             <a:off x="3835440" y="1535760"/>
-            <a:ext cx="560880" cy="270000"/>
+            <a:ext cx="560520" cy="269640"/>
           </a:xfrm>
           <a:prstGeom prst="rect">
             <a:avLst/>
@@ -26007,8 +25899,8 @@
         </p:nvSpPr>
         <p:spPr>
           <a:xfrm flipV="1">
-            <a:off x="4420440" y="1658880"/>
-            <a:ext cx="421560" cy="360"/>
+            <a:off x="4420440" y="1658160"/>
+            <a:ext cx="421200" cy="360"/>
           </a:xfrm>
           <a:custGeom>
             <a:avLst/>
@@ -26058,7 +25950,7 @@
         <p:spPr>
           <a:xfrm>
             <a:off x="4899960" y="2013840"/>
-            <a:ext cx="498600" cy="270000"/>
+            <a:ext cx="498240" cy="269640"/>
           </a:xfrm>
           <a:prstGeom prst="rect">
             <a:avLst/>
@@ -26127,7 +26019,7 @@
         <p:spPr>
           <a:xfrm>
             <a:off x="3868200" y="2013840"/>
-            <a:ext cx="495360" cy="270000"/>
+            <a:ext cx="495000" cy="269640"/>
           </a:xfrm>
           <a:prstGeom prst="rect">
             <a:avLst/>
@@ -26196,7 +26088,7 @@
         <p:spPr>
           <a:xfrm>
             <a:off x="4381920" y="2140920"/>
-            <a:ext cx="500040" cy="360"/>
+            <a:ext cx="499680" cy="360"/>
           </a:xfrm>
           <a:custGeom>
             <a:avLst/>
@@ -26246,7 +26138,7 @@
         <p:spPr>
           <a:xfrm>
             <a:off x="4116600" y="2267640"/>
-            <a:ext cx="360" cy="366120"/>
+            <a:ext cx="360" cy="365760"/>
           </a:xfrm>
           <a:custGeom>
             <a:avLst/>
@@ -26296,7 +26188,7 @@
         <p:spPr>
           <a:xfrm>
             <a:off x="4532400" y="2293200"/>
-            <a:ext cx="248400" cy="249120"/>
+            <a:ext cx="248040" cy="248760"/>
           </a:xfrm>
           <a:prstGeom prst="rect">
             <a:avLst/>
@@ -26344,8 +26236,8 @@
         </p:nvSpPr>
         <p:spPr>
           <a:xfrm flipH="1">
-            <a:off x="4113720" y="1789560"/>
-            <a:ext cx="360" cy="222840"/>
+            <a:off x="4113000" y="1789560"/>
+            <a:ext cx="360" cy="222480"/>
           </a:xfrm>
           <a:custGeom>
             <a:avLst/>

--- a/Hydraulics.pptx
+++ b/Hydraulics.pptx
@@ -12,6 +12,7 @@
     <p:sldId id="260" r:id="rId7"/>
     <p:sldId id="261" r:id="rId8"/>
     <p:sldId id="262" r:id="rId9"/>
+    <p:sldId id="263" r:id="rId10"/>
   </p:sldIdLst>
   <p:sldSz cx="9144000" cy="6858000"/>
   <p:notesSz cx="7772400" cy="10058400"/>
@@ -1645,7 +1646,7 @@
         <p:spPr>
           <a:xfrm>
             <a:off x="756000" y="900000"/>
-            <a:ext cx="3265560" cy="4815000"/>
+            <a:ext cx="3265200" cy="4814640"/>
           </a:xfrm>
           <a:prstGeom prst="rect">
             <a:avLst/>
@@ -1664,7 +1665,7 @@
         <p:spPr>
           <a:xfrm>
             <a:off x="2560320" y="907920"/>
-            <a:ext cx="4278960" cy="4959000"/>
+            <a:ext cx="4278600" cy="4958640"/>
           </a:xfrm>
           <a:prstGeom prst="rect">
             <a:avLst/>
@@ -1702,7 +1703,7 @@
         <p:spPr>
           <a:xfrm>
             <a:off x="3920400" y="3567600"/>
-            <a:ext cx="360" cy="537120"/>
+            <a:ext cx="360" cy="536760"/>
           </a:xfrm>
           <a:custGeom>
             <a:avLst/>
@@ -1751,7 +1752,7 @@
         <p:spPr>
           <a:xfrm>
             <a:off x="3839040" y="3902760"/>
-            <a:ext cx="160920" cy="203040"/>
+            <a:ext cx="160560" cy="202680"/>
           </a:xfrm>
           <a:prstGeom prst="ellipse">
             <a:avLst/>
@@ -1787,7 +1788,7 @@
         <p:spPr>
           <a:xfrm>
             <a:off x="5438520" y="3902760"/>
-            <a:ext cx="160920" cy="203040"/>
+            <a:ext cx="160560" cy="202680"/>
           </a:xfrm>
           <a:prstGeom prst="ellipse">
             <a:avLst/>
@@ -1822,8 +1823,8 @@
         </p:nvSpPr>
         <p:spPr>
           <a:xfrm flipH="1">
-            <a:off x="4000320" y="4005360"/>
-            <a:ext cx="1434960" cy="360"/>
+            <a:off x="3999600" y="4005360"/>
+            <a:ext cx="1434600" cy="360"/>
           </a:xfrm>
           <a:custGeom>
             <a:avLst/>
@@ -1871,7 +1872,7 @@
         <p:spPr>
           <a:xfrm>
             <a:off x="4645800" y="3912840"/>
-            <a:ext cx="160920" cy="203040"/>
+            <a:ext cx="160560" cy="202680"/>
           </a:xfrm>
           <a:prstGeom prst="ellipse">
             <a:avLst/>
@@ -1907,7 +1908,7 @@
         <p:spPr>
           <a:xfrm>
             <a:off x="5458680" y="4376160"/>
-            <a:ext cx="160920" cy="203040"/>
+            <a:ext cx="160560" cy="202680"/>
           </a:xfrm>
           <a:prstGeom prst="ellipse">
             <a:avLst/>
@@ -1943,7 +1944,7 @@
         <p:spPr>
           <a:xfrm flipH="1">
             <a:off x="4311000" y="4478400"/>
-            <a:ext cx="1143720" cy="12240"/>
+            <a:ext cx="1143360" cy="11880"/>
           </a:xfrm>
           <a:custGeom>
             <a:avLst/>
@@ -1991,7 +1992,7 @@
         <p:spPr>
           <a:xfrm>
             <a:off x="4665960" y="4385880"/>
-            <a:ext cx="160920" cy="203040"/>
+            <a:ext cx="160560" cy="202680"/>
           </a:xfrm>
           <a:prstGeom prst="ellipse">
             <a:avLst/>
@@ -2027,7 +2028,7 @@
         <p:spPr>
           <a:xfrm>
             <a:off x="5458680" y="4988880"/>
-            <a:ext cx="160920" cy="203040"/>
+            <a:ext cx="160560" cy="202680"/>
           </a:xfrm>
           <a:prstGeom prst="ellipse">
             <a:avLst/>
@@ -2062,8 +2063,8 @@
         </p:nvSpPr>
         <p:spPr>
           <a:xfrm flipH="1">
-            <a:off x="4309920" y="5091120"/>
-            <a:ext cx="1145520" cy="7560"/>
+            <a:off x="4309200" y="5091120"/>
+            <a:ext cx="1145160" cy="7200"/>
           </a:xfrm>
           <a:custGeom>
             <a:avLst/>
@@ -2111,7 +2112,7 @@
         <p:spPr>
           <a:xfrm>
             <a:off x="4665960" y="4998600"/>
-            <a:ext cx="160920" cy="203040"/>
+            <a:ext cx="160560" cy="202680"/>
           </a:xfrm>
           <a:prstGeom prst="ellipse">
             <a:avLst/>
@@ -2147,7 +2148,7 @@
         <p:spPr>
           <a:xfrm>
             <a:off x="5754960" y="3822840"/>
-            <a:ext cx="976680" cy="248760"/>
+            <a:ext cx="976320" cy="248400"/>
           </a:xfrm>
           <a:prstGeom prst="rect">
             <a:avLst/>
@@ -2192,7 +2193,7 @@
               <a:t>1</a:t>
             </a:r>
             <a:endParaRPr b="0" lang="en-US" sz="1050" spc="-1" strike="noStrike">
-              <a:latin typeface="Arial"/>
+              <a:latin typeface="Times New Roman"/>
             </a:endParaRPr>
           </a:p>
         </p:txBody>
@@ -2206,7 +2207,7 @@
         <p:spPr>
           <a:xfrm>
             <a:off x="5768280" y="4346640"/>
-            <a:ext cx="976680" cy="248760"/>
+            <a:ext cx="976320" cy="248400"/>
           </a:xfrm>
           <a:prstGeom prst="rect">
             <a:avLst/>
@@ -2251,7 +2252,7 @@
               <a:t>2</a:t>
             </a:r>
             <a:endParaRPr b="0" lang="en-US" sz="1050" spc="-1" strike="noStrike">
-              <a:latin typeface="Arial"/>
+              <a:latin typeface="Times New Roman"/>
             </a:endParaRPr>
           </a:p>
         </p:txBody>
@@ -2265,7 +2266,7 @@
         <p:spPr>
           <a:xfrm>
             <a:off x="5792760" y="5011560"/>
-            <a:ext cx="976680" cy="248760"/>
+            <a:ext cx="976320" cy="248400"/>
           </a:xfrm>
           <a:prstGeom prst="rect">
             <a:avLst/>
@@ -2300,7 +2301,7 @@
               <a:t>Soil layer S</a:t>
             </a:r>
             <a:endParaRPr b="0" lang="en-US" sz="1050" spc="-1" strike="noStrike">
-              <a:latin typeface="Arial"/>
+              <a:latin typeface="Times New Roman"/>
             </a:endParaRPr>
           </a:p>
         </p:txBody>
@@ -2314,7 +2315,7 @@
         <p:spPr>
           <a:xfrm>
             <a:off x="3898080" y="5450400"/>
-            <a:ext cx="573840" cy="248760"/>
+            <a:ext cx="573480" cy="248400"/>
           </a:xfrm>
           <a:prstGeom prst="rect">
             <a:avLst/>
@@ -2349,7 +2350,7 @@
               <a:t>Roots</a:t>
             </a:r>
             <a:endParaRPr b="0" lang="en-US" sz="1050" spc="-1" strike="noStrike">
-              <a:latin typeface="Arial"/>
+              <a:latin typeface="Times New Roman"/>
             </a:endParaRPr>
           </a:p>
         </p:txBody>
@@ -2363,7 +2364,7 @@
         <p:spPr>
           <a:xfrm>
             <a:off x="4516920" y="5466240"/>
-            <a:ext cx="1475640" cy="248760"/>
+            <a:ext cx="1475280" cy="248400"/>
           </a:xfrm>
           <a:prstGeom prst="rect">
             <a:avLst/>
@@ -2398,7 +2399,7 @@
               <a:t>Rhizosphere</a:t>
             </a:r>
             <a:endParaRPr b="0" lang="en-US" sz="1050" spc="-1" strike="noStrike">
-              <a:latin typeface="Arial"/>
+              <a:latin typeface="Times New Roman"/>
             </a:endParaRPr>
           </a:p>
         </p:txBody>
@@ -2412,7 +2413,7 @@
         <p:spPr>
           <a:xfrm>
             <a:off x="4491720" y="4079520"/>
-            <a:ext cx="671760" cy="295560"/>
+            <a:ext cx="671400" cy="295200"/>
           </a:xfrm>
           <a:prstGeom prst="rect">
             <a:avLst/>
@@ -2467,7 +2468,7 @@
               <a:t>1</a:t>
             </a:r>
             <a:endParaRPr b="0" lang="en-US" sz="1200" spc="-1" strike="noStrike">
-              <a:latin typeface="Arial"/>
+              <a:latin typeface="Times New Roman"/>
             </a:endParaRPr>
           </a:p>
         </p:txBody>
@@ -2481,7 +2482,7 @@
         <p:spPr>
           <a:xfrm>
             <a:off x="4491720" y="4568040"/>
-            <a:ext cx="671760" cy="295560"/>
+            <a:ext cx="671400" cy="295200"/>
           </a:xfrm>
           <a:prstGeom prst="rect">
             <a:avLst/>
@@ -2536,7 +2537,7 @@
               <a:t>2</a:t>
             </a:r>
             <a:endParaRPr b="0" lang="en-US" sz="1200" spc="-1" strike="noStrike">
-              <a:latin typeface="Arial"/>
+              <a:latin typeface="Times New Roman"/>
             </a:endParaRPr>
           </a:p>
         </p:txBody>
@@ -2550,7 +2551,7 @@
         <p:spPr>
           <a:xfrm>
             <a:off x="4542840" y="5170320"/>
-            <a:ext cx="671760" cy="295560"/>
+            <a:ext cx="671400" cy="295200"/>
           </a:xfrm>
           <a:prstGeom prst="rect">
             <a:avLst/>
@@ -2595,7 +2596,7 @@
               <a:t>rootsurf, S</a:t>
             </a:r>
             <a:endParaRPr b="0" lang="en-US" sz="1200" spc="-1" strike="noStrike">
-              <a:latin typeface="Arial"/>
+              <a:latin typeface="Times New Roman"/>
             </a:endParaRPr>
           </a:p>
         </p:txBody>
@@ -2608,8 +2609,8 @@
         </p:nvSpPr>
         <p:spPr>
           <a:xfrm flipH="1" flipV="1">
-            <a:off x="3975840" y="4076280"/>
-            <a:ext cx="233640" cy="414000"/>
+            <a:off x="3975840" y="4075560"/>
+            <a:ext cx="233280" cy="413640"/>
           </a:xfrm>
           <a:custGeom>
             <a:avLst/>
@@ -2657,7 +2658,7 @@
         <p:spPr>
           <a:xfrm>
             <a:off x="3200400" y="3809520"/>
-            <a:ext cx="660960" cy="295560"/>
+            <a:ext cx="660600" cy="295200"/>
           </a:xfrm>
           <a:prstGeom prst="rect">
             <a:avLst/>
@@ -2702,7 +2703,7 @@
               <a:t>rootcrown</a:t>
             </a:r>
             <a:endParaRPr b="0" lang="en-US" sz="1200" spc="-1" strike="noStrike">
-              <a:latin typeface="Arial"/>
+              <a:latin typeface="Times New Roman"/>
             </a:endParaRPr>
           </a:p>
         </p:txBody>
@@ -2716,7 +2717,7 @@
         <p:spPr>
           <a:xfrm>
             <a:off x="5432040" y="4055760"/>
-            <a:ext cx="518040" cy="295560"/>
+            <a:ext cx="517680" cy="295200"/>
           </a:xfrm>
           <a:prstGeom prst="rect">
             <a:avLst/>
@@ -2771,7 +2772,7 @@
               <a:t>1</a:t>
             </a:r>
             <a:endParaRPr b="0" lang="en-US" sz="1200" spc="-1" strike="noStrike">
-              <a:latin typeface="Arial"/>
+              <a:latin typeface="Times New Roman"/>
             </a:endParaRPr>
           </a:p>
         </p:txBody>
@@ -2785,7 +2786,7 @@
         <p:spPr>
           <a:xfrm>
             <a:off x="5439960" y="4578120"/>
-            <a:ext cx="518040" cy="295560"/>
+            <a:ext cx="517680" cy="295200"/>
           </a:xfrm>
           <a:prstGeom prst="rect">
             <a:avLst/>
@@ -2840,7 +2841,7 @@
               <a:t>2</a:t>
             </a:r>
             <a:endParaRPr b="0" lang="en-US" sz="1200" spc="-1" strike="noStrike">
-              <a:latin typeface="Arial"/>
+              <a:latin typeface="Times New Roman"/>
             </a:endParaRPr>
           </a:p>
         </p:txBody>
@@ -2854,7 +2855,7 @@
         <p:spPr>
           <a:xfrm>
             <a:off x="5448960" y="5175000"/>
-            <a:ext cx="517680" cy="295560"/>
+            <a:ext cx="517320" cy="295200"/>
           </a:xfrm>
           <a:prstGeom prst="rect">
             <a:avLst/>
@@ -2899,7 +2900,7 @@
               <a:t>soil, S</a:t>
             </a:r>
             <a:endParaRPr b="0" lang="en-US" sz="1200" spc="-1" strike="noStrike">
-              <a:latin typeface="Arial"/>
+              <a:latin typeface="Times New Roman"/>
             </a:endParaRPr>
           </a:p>
         </p:txBody>
@@ -2912,8 +2913,8 @@
         </p:nvSpPr>
         <p:spPr>
           <a:xfrm flipH="1" rot="16200000">
-            <a:off x="3570120" y="4457520"/>
-            <a:ext cx="991080" cy="291240"/>
+            <a:off x="3570480" y="4457520"/>
+            <a:ext cx="990720" cy="290880"/>
           </a:xfrm>
           <a:prstGeom prst="bentConnector2">
             <a:avLst/>
@@ -2948,7 +2949,7 @@
         <p:spPr>
           <a:xfrm>
             <a:off x="4122720" y="4715280"/>
-            <a:ext cx="248040" cy="248760"/>
+            <a:ext cx="247680" cy="248400"/>
           </a:xfrm>
           <a:prstGeom prst="rect">
             <a:avLst/>
@@ -2983,7 +2984,7 @@
               <a:t>…</a:t>
             </a:r>
             <a:endParaRPr b="0" lang="en-US" sz="1050" spc="-1" strike="noStrike">
-              <a:latin typeface="Arial"/>
+              <a:latin typeface="Times New Roman"/>
             </a:endParaRPr>
           </a:p>
         </p:txBody>
@@ -2997,7 +2998,7 @@
         <p:spPr>
           <a:xfrm>
             <a:off x="5429520" y="4737240"/>
-            <a:ext cx="248040" cy="248760"/>
+            <a:ext cx="247680" cy="248400"/>
           </a:xfrm>
           <a:prstGeom prst="rect">
             <a:avLst/>
@@ -3032,7 +3033,7 @@
               <a:t>…</a:t>
             </a:r>
             <a:endParaRPr b="0" lang="en-US" sz="1050" spc="-1" strike="noStrike">
-              <a:latin typeface="Arial"/>
+              <a:latin typeface="Times New Roman"/>
             </a:endParaRPr>
           </a:p>
         </p:txBody>
@@ -3045,10 +3046,10 @@
         </p:nvGrpSpPr>
         <p:grpSpPr>
           <a:xfrm>
-            <a:off x="4204800" y="3962160"/>
-            <a:ext cx="192240" cy="83880"/>
-            <a:chOff x="4204800" y="3962160"/>
-            <a:chExt cx="192240" cy="83880"/>
+            <a:off x="4205160" y="3962160"/>
+            <a:ext cx="191880" cy="83520"/>
+            <a:chOff x="4205160" y="3962160"/>
+            <a:chExt cx="191880" cy="83520"/>
           </a:xfrm>
         </p:grpSpPr>
         <p:sp>
@@ -3059,8 +3060,8 @@
           </p:nvSpPr>
           <p:spPr>
             <a:xfrm rot="5400000">
-              <a:off x="4256280" y="3910680"/>
-              <a:ext cx="83880" cy="186840"/>
+              <a:off x="4256640" y="3910680"/>
+              <a:ext cx="83520" cy="186480"/>
             </a:xfrm>
             <a:prstGeom prst="rect">
               <a:avLst/>
@@ -3092,8 +3093,8 @@
           </p:nvSpPr>
           <p:spPr>
             <a:xfrm rot="5400000">
-              <a:off x="4264200" y="3912120"/>
-              <a:ext cx="73080" cy="192240"/>
+              <a:off x="4264560" y="3912120"/>
+              <a:ext cx="72720" cy="191880"/>
             </a:xfrm>
             <a:custGeom>
               <a:avLst/>
@@ -3167,10 +3168,10 @@
         </p:nvGrpSpPr>
         <p:grpSpPr>
           <a:xfrm>
-            <a:off x="5064120" y="3964320"/>
-            <a:ext cx="192240" cy="83880"/>
-            <a:chOff x="5064120" y="3964320"/>
-            <a:chExt cx="192240" cy="83880"/>
+            <a:off x="5064480" y="3964320"/>
+            <a:ext cx="191880" cy="83520"/>
+            <a:chOff x="5064480" y="3964320"/>
+            <a:chExt cx="191880" cy="83520"/>
           </a:xfrm>
         </p:grpSpPr>
         <p:sp>
@@ -3181,8 +3182,8 @@
           </p:nvSpPr>
           <p:spPr>
             <a:xfrm rot="5400000">
-              <a:off x="5115960" y="3912840"/>
-              <a:ext cx="83880" cy="186840"/>
+              <a:off x="5116320" y="3912840"/>
+              <a:ext cx="83520" cy="186480"/>
             </a:xfrm>
             <a:prstGeom prst="rect">
               <a:avLst/>
@@ -3214,8 +3215,8 @@
           </p:nvSpPr>
           <p:spPr>
             <a:xfrm rot="5400000">
-              <a:off x="5123520" y="3913920"/>
-              <a:ext cx="73080" cy="192240"/>
+              <a:off x="5123880" y="3913920"/>
+              <a:ext cx="72720" cy="191880"/>
             </a:xfrm>
             <a:custGeom>
               <a:avLst/>
@@ -3289,10 +3290,10 @@
         </p:nvGrpSpPr>
         <p:grpSpPr>
           <a:xfrm>
-            <a:off x="5068440" y="4436640"/>
-            <a:ext cx="192240" cy="83880"/>
-            <a:chOff x="5068440" y="4436640"/>
-            <a:chExt cx="192240" cy="83880"/>
+            <a:off x="5068800" y="4436640"/>
+            <a:ext cx="191880" cy="83520"/>
+            <a:chOff x="5068800" y="4436640"/>
+            <a:chExt cx="191880" cy="83520"/>
           </a:xfrm>
         </p:grpSpPr>
         <p:sp>
@@ -3303,8 +3304,8 @@
           </p:nvSpPr>
           <p:spPr>
             <a:xfrm rot="5400000">
-              <a:off x="5119920" y="4385160"/>
-              <a:ext cx="83880" cy="186840"/>
+              <a:off x="5120280" y="4385160"/>
+              <a:ext cx="83520" cy="186480"/>
             </a:xfrm>
             <a:prstGeom prst="rect">
               <a:avLst/>
@@ -3336,8 +3337,8 @@
           </p:nvSpPr>
           <p:spPr>
             <a:xfrm rot="5400000">
-              <a:off x="5127840" y="4386240"/>
-              <a:ext cx="73080" cy="192240"/>
+              <a:off x="5128200" y="4386240"/>
+              <a:ext cx="72720" cy="191880"/>
             </a:xfrm>
             <a:custGeom>
               <a:avLst/>
@@ -3411,10 +3412,10 @@
         </p:nvGrpSpPr>
         <p:grpSpPr>
           <a:xfrm>
-            <a:off x="4214880" y="4450320"/>
-            <a:ext cx="192240" cy="83880"/>
-            <a:chOff x="4214880" y="4450320"/>
-            <a:chExt cx="192240" cy="83880"/>
+            <a:off x="4215240" y="4450320"/>
+            <a:ext cx="191880" cy="83520"/>
+            <a:chOff x="4215240" y="4450320"/>
+            <a:chExt cx="191880" cy="83520"/>
           </a:xfrm>
         </p:grpSpPr>
         <p:sp>
@@ -3425,8 +3426,8 @@
           </p:nvSpPr>
           <p:spPr>
             <a:xfrm rot="5400000">
-              <a:off x="4266720" y="4398840"/>
-              <a:ext cx="83880" cy="186840"/>
+              <a:off x="4267080" y="4398840"/>
+              <a:ext cx="83520" cy="186480"/>
             </a:xfrm>
             <a:prstGeom prst="rect">
               <a:avLst/>
@@ -3458,8 +3459,8 @@
           </p:nvSpPr>
           <p:spPr>
             <a:xfrm rot="5400000">
-              <a:off x="4274280" y="4399920"/>
-              <a:ext cx="73080" cy="192240"/>
+              <a:off x="4274640" y="4399920"/>
+              <a:ext cx="72720" cy="191880"/>
             </a:xfrm>
             <a:custGeom>
               <a:avLst/>
@@ -3533,10 +3534,10 @@
         </p:nvGrpSpPr>
         <p:grpSpPr>
           <a:xfrm>
-            <a:off x="4214880" y="5057640"/>
-            <a:ext cx="192240" cy="83880"/>
-            <a:chOff x="4214880" y="5057640"/>
-            <a:chExt cx="192240" cy="83880"/>
+            <a:off x="4215240" y="5057640"/>
+            <a:ext cx="191880" cy="83520"/>
+            <a:chOff x="4215240" y="5057640"/>
+            <a:chExt cx="191880" cy="83520"/>
           </a:xfrm>
         </p:grpSpPr>
         <p:sp>
@@ -3547,8 +3548,8 @@
           </p:nvSpPr>
           <p:spPr>
             <a:xfrm rot="5400000">
-              <a:off x="4266720" y="5006160"/>
-              <a:ext cx="83880" cy="186840"/>
+              <a:off x="4267080" y="5006160"/>
+              <a:ext cx="83520" cy="186480"/>
             </a:xfrm>
             <a:prstGeom prst="rect">
               <a:avLst/>
@@ -3580,8 +3581,8 @@
           </p:nvSpPr>
           <p:spPr>
             <a:xfrm rot="5400000">
-              <a:off x="4274280" y="5007240"/>
-              <a:ext cx="73080" cy="192240"/>
+              <a:off x="4274640" y="5007240"/>
+              <a:ext cx="72720" cy="191880"/>
             </a:xfrm>
             <a:custGeom>
               <a:avLst/>
@@ -3655,10 +3656,10 @@
         </p:nvGrpSpPr>
         <p:grpSpPr>
           <a:xfrm>
-            <a:off x="5064120" y="5048280"/>
-            <a:ext cx="192240" cy="83880"/>
-            <a:chOff x="5064120" y="5048280"/>
-            <a:chExt cx="192240" cy="83880"/>
+            <a:off x="5064480" y="5048280"/>
+            <a:ext cx="191880" cy="83520"/>
+            <a:chOff x="5064480" y="5048280"/>
+            <a:chExt cx="191880" cy="83520"/>
           </a:xfrm>
         </p:grpSpPr>
         <p:sp>
@@ -3669,8 +3670,8 @@
           </p:nvSpPr>
           <p:spPr>
             <a:xfrm rot="5400000">
-              <a:off x="5115960" y="4996800"/>
-              <a:ext cx="83880" cy="186840"/>
+              <a:off x="5116320" y="4996800"/>
+              <a:ext cx="83520" cy="186480"/>
             </a:xfrm>
             <a:prstGeom prst="rect">
               <a:avLst/>
@@ -3702,8 +3703,8 @@
           </p:nvSpPr>
           <p:spPr>
             <a:xfrm rot="5400000">
-              <a:off x="5123520" y="4997520"/>
-              <a:ext cx="73080" cy="192240"/>
+              <a:off x="5123880" y="4997520"/>
+              <a:ext cx="72720" cy="191880"/>
             </a:xfrm>
             <a:custGeom>
               <a:avLst/>
@@ -3778,7 +3779,7 @@
         <p:spPr>
           <a:xfrm>
             <a:off x="3790080" y="3295800"/>
-            <a:ext cx="272520" cy="271440"/>
+            <a:ext cx="272160" cy="271080"/>
           </a:xfrm>
           <a:prstGeom prst="rect">
             <a:avLst/>
@@ -3813,7 +3814,7 @@
               <a:t>E</a:t>
             </a:r>
             <a:endParaRPr b="0" lang="en-US" sz="1200" spc="-1" strike="noStrike">
-              <a:latin typeface="Arial"/>
+              <a:latin typeface="Times New Roman"/>
             </a:endParaRPr>
           </a:p>
         </p:txBody>
@@ -3883,9 +3884,9 @@
         <p:grpSpPr>
           <a:xfrm>
             <a:off x="1326240" y="929880"/>
-            <a:ext cx="5591160" cy="4548960"/>
+            <a:ext cx="5590800" cy="4548600"/>
             <a:chOff x="1326240" y="929880"/>
-            <a:chExt cx="5591160" cy="4548960"/>
+            <a:chExt cx="5590800" cy="4548600"/>
           </a:xfrm>
         </p:grpSpPr>
         <p:sp>
@@ -3897,7 +3898,7 @@
           <p:spPr>
             <a:xfrm>
               <a:off x="1326240" y="929880"/>
-              <a:ext cx="5584680" cy="4541400"/>
+              <a:ext cx="5584320" cy="4541040"/>
             </a:xfrm>
             <a:prstGeom prst="rect">
               <a:avLst/>
@@ -3933,9 +3934,9 @@
           <p:grpSpPr>
             <a:xfrm>
               <a:off x="1326240" y="929880"/>
-              <a:ext cx="5591160" cy="4548960"/>
+              <a:ext cx="5590800" cy="4548600"/>
               <a:chOff x="1326240" y="929880"/>
-              <a:chExt cx="5591160" cy="4548960"/>
+              <a:chExt cx="5590800" cy="4548600"/>
             </a:xfrm>
           </p:grpSpPr>
           <p:pic>
@@ -3951,7 +3952,7 @@
             <p:spPr>
               <a:xfrm>
                 <a:off x="1326240" y="929880"/>
-                <a:ext cx="3547800" cy="4541400"/>
+                <a:ext cx="3547440" cy="4541040"/>
               </a:xfrm>
               <a:prstGeom prst="rect">
                 <a:avLst/>
@@ -3970,7 +3971,7 @@
             <p:spPr>
               <a:xfrm>
                 <a:off x="3291120" y="937440"/>
-                <a:ext cx="3626280" cy="4541400"/>
+                <a:ext cx="3625920" cy="4541040"/>
               </a:xfrm>
               <a:prstGeom prst="rect">
                 <a:avLst/>
@@ -4008,7 +4009,7 @@
         <p:spPr>
           <a:xfrm>
             <a:off x="4113720" y="1266480"/>
-            <a:ext cx="360" cy="2601720"/>
+            <a:ext cx="360" cy="2601360"/>
           </a:xfrm>
           <a:custGeom>
             <a:avLst/>
@@ -4057,7 +4058,7 @@
         <p:spPr>
           <a:xfrm>
             <a:off x="4032360" y="3665160"/>
-            <a:ext cx="160920" cy="203040"/>
+            <a:ext cx="160560" cy="202680"/>
           </a:xfrm>
           <a:prstGeom prst="ellipse">
             <a:avLst/>
@@ -4093,7 +4094,7 @@
         <p:spPr>
           <a:xfrm>
             <a:off x="5631840" y="3665160"/>
-            <a:ext cx="160920" cy="203040"/>
+            <a:ext cx="160560" cy="202680"/>
           </a:xfrm>
           <a:prstGeom prst="ellipse">
             <a:avLst/>
@@ -4128,8 +4129,8 @@
         </p:nvSpPr>
         <p:spPr>
           <a:xfrm flipH="1">
-            <a:off x="4193640" y="3767760"/>
-            <a:ext cx="1434960" cy="360"/>
+            <a:off x="4192920" y="3767760"/>
+            <a:ext cx="1434600" cy="360"/>
           </a:xfrm>
           <a:custGeom>
             <a:avLst/>
@@ -4177,7 +4178,7 @@
         <p:spPr>
           <a:xfrm>
             <a:off x="4839120" y="3675240"/>
-            <a:ext cx="160920" cy="203040"/>
+            <a:ext cx="160560" cy="202680"/>
           </a:xfrm>
           <a:prstGeom prst="ellipse">
             <a:avLst/>
@@ -4213,7 +4214,7 @@
         <p:spPr>
           <a:xfrm>
             <a:off x="5652000" y="4138560"/>
-            <a:ext cx="160920" cy="203040"/>
+            <a:ext cx="160560" cy="202680"/>
           </a:xfrm>
           <a:prstGeom prst="ellipse">
             <a:avLst/>
@@ -4249,7 +4250,7 @@
         <p:spPr>
           <a:xfrm flipH="1">
             <a:off x="4504320" y="4240800"/>
-            <a:ext cx="1143720" cy="12240"/>
+            <a:ext cx="1143360" cy="11880"/>
           </a:xfrm>
           <a:custGeom>
             <a:avLst/>
@@ -4297,7 +4298,7 @@
         <p:spPr>
           <a:xfrm>
             <a:off x="4859280" y="4148280"/>
-            <a:ext cx="160920" cy="203040"/>
+            <a:ext cx="160560" cy="202680"/>
           </a:xfrm>
           <a:prstGeom prst="ellipse">
             <a:avLst/>
@@ -4333,7 +4334,7 @@
         <p:spPr>
           <a:xfrm>
             <a:off x="5652000" y="4751280"/>
-            <a:ext cx="160920" cy="203040"/>
+            <a:ext cx="160560" cy="202680"/>
           </a:xfrm>
           <a:prstGeom prst="ellipse">
             <a:avLst/>
@@ -4368,8 +4369,8 @@
         </p:nvSpPr>
         <p:spPr>
           <a:xfrm flipH="1">
-            <a:off x="4503240" y="4853520"/>
-            <a:ext cx="1145520" cy="7560"/>
+            <a:off x="4502520" y="4853520"/>
+            <a:ext cx="1145160" cy="7200"/>
           </a:xfrm>
           <a:custGeom>
             <a:avLst/>
@@ -4417,7 +4418,7 @@
         <p:spPr>
           <a:xfrm>
             <a:off x="4859280" y="4761000"/>
-            <a:ext cx="160920" cy="203040"/>
+            <a:ext cx="160560" cy="202680"/>
           </a:xfrm>
           <a:prstGeom prst="ellipse">
             <a:avLst/>
@@ -4453,7 +4454,7 @@
         <p:spPr>
           <a:xfrm>
             <a:off x="5948280" y="3585240"/>
-            <a:ext cx="976680" cy="248760"/>
+            <a:ext cx="976320" cy="248400"/>
           </a:xfrm>
           <a:prstGeom prst="rect">
             <a:avLst/>
@@ -4498,7 +4499,7 @@
               <a:t>1</a:t>
             </a:r>
             <a:endParaRPr b="0" lang="en-US" sz="1050" spc="-1" strike="noStrike">
-              <a:latin typeface="Arial"/>
+              <a:latin typeface="Times New Roman"/>
             </a:endParaRPr>
           </a:p>
         </p:txBody>
@@ -4512,7 +4513,7 @@
         <p:spPr>
           <a:xfrm>
             <a:off x="5961600" y="4109040"/>
-            <a:ext cx="976680" cy="248760"/>
+            <a:ext cx="976320" cy="248400"/>
           </a:xfrm>
           <a:prstGeom prst="rect">
             <a:avLst/>
@@ -4557,7 +4558,7 @@
               <a:t>2</a:t>
             </a:r>
             <a:endParaRPr b="0" lang="en-US" sz="1050" spc="-1" strike="noStrike">
-              <a:latin typeface="Arial"/>
+              <a:latin typeface="Times New Roman"/>
             </a:endParaRPr>
           </a:p>
         </p:txBody>
@@ -4571,7 +4572,7 @@
         <p:spPr>
           <a:xfrm>
             <a:off x="5986080" y="4773960"/>
-            <a:ext cx="976680" cy="248760"/>
+            <a:ext cx="976320" cy="248400"/>
           </a:xfrm>
           <a:prstGeom prst="rect">
             <a:avLst/>
@@ -4606,7 +4607,7 @@
               <a:t>Soil layer S</a:t>
             </a:r>
             <a:endParaRPr b="0" lang="en-US" sz="1050" spc="-1" strike="noStrike">
-              <a:latin typeface="Arial"/>
+              <a:latin typeface="Times New Roman"/>
             </a:endParaRPr>
           </a:p>
         </p:txBody>
@@ -4619,8 +4620,8 @@
         </p:nvSpPr>
         <p:spPr>
           <a:xfrm rot="16200000">
-            <a:off x="3205440" y="2397600"/>
-            <a:ext cx="483120" cy="248760"/>
+            <a:off x="3205440" y="2397960"/>
+            <a:ext cx="482760" cy="248400"/>
           </a:xfrm>
           <a:prstGeom prst="rect">
             <a:avLst/>
@@ -4655,7 +4656,7 @@
               <a:t>Stem</a:t>
             </a:r>
             <a:endParaRPr b="0" lang="en-US" sz="1050" spc="-1" strike="noStrike">
-              <a:latin typeface="Arial"/>
+              <a:latin typeface="Times New Roman"/>
             </a:endParaRPr>
           </a:p>
         </p:txBody>
@@ -4669,7 +4670,7 @@
         <p:spPr>
           <a:xfrm>
             <a:off x="4091400" y="5212800"/>
-            <a:ext cx="573840" cy="248760"/>
+            <a:ext cx="573480" cy="248400"/>
           </a:xfrm>
           <a:prstGeom prst="rect">
             <a:avLst/>
@@ -4704,7 +4705,7 @@
               <a:t>Roots</a:t>
             </a:r>
             <a:endParaRPr b="0" lang="en-US" sz="1050" spc="-1" strike="noStrike">
-              <a:latin typeface="Arial"/>
+              <a:latin typeface="Times New Roman"/>
             </a:endParaRPr>
           </a:p>
         </p:txBody>
@@ -4718,7 +4719,7 @@
         <p:spPr>
           <a:xfrm>
             <a:off x="4710240" y="5228640"/>
-            <a:ext cx="1475640" cy="248760"/>
+            <a:ext cx="1475280" cy="248400"/>
           </a:xfrm>
           <a:prstGeom prst="rect">
             <a:avLst/>
@@ -4753,7 +4754,7 @@
               <a:t>Rhizosphere</a:t>
             </a:r>
             <a:endParaRPr b="0" lang="en-US" sz="1050" spc="-1" strike="noStrike">
-              <a:latin typeface="Arial"/>
+              <a:latin typeface="Times New Roman"/>
             </a:endParaRPr>
           </a:p>
         </p:txBody>
@@ -4767,7 +4768,7 @@
         <p:spPr>
           <a:xfrm>
             <a:off x="4685040" y="3841920"/>
-            <a:ext cx="671760" cy="295560"/>
+            <a:ext cx="671400" cy="295200"/>
           </a:xfrm>
           <a:prstGeom prst="rect">
             <a:avLst/>
@@ -4822,7 +4823,7 @@
               <a:t>1</a:t>
             </a:r>
             <a:endParaRPr b="0" lang="en-US" sz="1200" spc="-1" strike="noStrike">
-              <a:latin typeface="Arial"/>
+              <a:latin typeface="Times New Roman"/>
             </a:endParaRPr>
           </a:p>
         </p:txBody>
@@ -4836,7 +4837,7 @@
         <p:spPr>
           <a:xfrm>
             <a:off x="4685040" y="4330440"/>
-            <a:ext cx="671760" cy="295560"/>
+            <a:ext cx="671400" cy="295200"/>
           </a:xfrm>
           <a:prstGeom prst="rect">
             <a:avLst/>
@@ -4891,7 +4892,7 @@
               <a:t>2</a:t>
             </a:r>
             <a:endParaRPr b="0" lang="en-US" sz="1200" spc="-1" strike="noStrike">
-              <a:latin typeface="Arial"/>
+              <a:latin typeface="Times New Roman"/>
             </a:endParaRPr>
           </a:p>
         </p:txBody>
@@ -4905,7 +4906,7 @@
         <p:spPr>
           <a:xfrm>
             <a:off x="4736160" y="4932720"/>
-            <a:ext cx="671760" cy="295560"/>
+            <a:ext cx="671400" cy="295200"/>
           </a:xfrm>
           <a:prstGeom prst="rect">
             <a:avLst/>
@@ -4950,7 +4951,7 @@
               <a:t>rootsurf, S</a:t>
             </a:r>
             <a:endParaRPr b="0" lang="en-US" sz="1200" spc="-1" strike="noStrike">
-              <a:latin typeface="Arial"/>
+              <a:latin typeface="Times New Roman"/>
             </a:endParaRPr>
           </a:p>
         </p:txBody>
@@ -4963,8 +4964,8 @@
         </p:nvSpPr>
         <p:spPr>
           <a:xfrm flipH="1" flipV="1">
-            <a:off x="4169160" y="3838680"/>
-            <a:ext cx="233640" cy="414000"/>
+            <a:off x="4169160" y="3837960"/>
+            <a:ext cx="233280" cy="413640"/>
           </a:xfrm>
           <a:custGeom>
             <a:avLst/>
@@ -5012,7 +5013,7 @@
         <p:spPr>
           <a:xfrm>
             <a:off x="3393720" y="3571920"/>
-            <a:ext cx="660960" cy="295560"/>
+            <a:ext cx="660600" cy="295200"/>
           </a:xfrm>
           <a:prstGeom prst="rect">
             <a:avLst/>
@@ -5057,7 +5058,7 @@
               <a:t>rootcrown</a:t>
             </a:r>
             <a:endParaRPr b="0" lang="en-US" sz="1200" spc="-1" strike="noStrike">
-              <a:latin typeface="Arial"/>
+              <a:latin typeface="Times New Roman"/>
             </a:endParaRPr>
           </a:p>
         </p:txBody>
@@ -5071,7 +5072,7 @@
         <p:spPr>
           <a:xfrm>
             <a:off x="5625360" y="3818160"/>
-            <a:ext cx="518040" cy="295560"/>
+            <a:ext cx="517680" cy="295200"/>
           </a:xfrm>
           <a:prstGeom prst="rect">
             <a:avLst/>
@@ -5126,7 +5127,7 @@
               <a:t>1</a:t>
             </a:r>
             <a:endParaRPr b="0" lang="en-US" sz="1200" spc="-1" strike="noStrike">
-              <a:latin typeface="Arial"/>
+              <a:latin typeface="Times New Roman"/>
             </a:endParaRPr>
           </a:p>
         </p:txBody>
@@ -5140,7 +5141,7 @@
         <p:spPr>
           <a:xfrm>
             <a:off x="5633280" y="4340520"/>
-            <a:ext cx="518040" cy="295560"/>
+            <a:ext cx="517680" cy="295200"/>
           </a:xfrm>
           <a:prstGeom prst="rect">
             <a:avLst/>
@@ -5195,7 +5196,7 @@
               <a:t>2</a:t>
             </a:r>
             <a:endParaRPr b="0" lang="en-US" sz="1200" spc="-1" strike="noStrike">
-              <a:latin typeface="Arial"/>
+              <a:latin typeface="Times New Roman"/>
             </a:endParaRPr>
           </a:p>
         </p:txBody>
@@ -5209,7 +5210,7 @@
         <p:spPr>
           <a:xfrm>
             <a:off x="5642280" y="4937400"/>
-            <a:ext cx="517680" cy="295560"/>
+            <a:ext cx="517320" cy="295200"/>
           </a:xfrm>
           <a:prstGeom prst="rect">
             <a:avLst/>
@@ -5254,7 +5255,7 @@
               <a:t>soil, S</a:t>
             </a:r>
             <a:endParaRPr b="0" lang="en-US" sz="1200" spc="-1" strike="noStrike">
-              <a:latin typeface="Arial"/>
+              <a:latin typeface="Times New Roman"/>
             </a:endParaRPr>
           </a:p>
         </p:txBody>
@@ -5267,8 +5268,8 @@
         </p:nvSpPr>
         <p:spPr>
           <a:xfrm rot="16200000">
-            <a:off x="3080160" y="1395720"/>
-            <a:ext cx="714960" cy="248760"/>
+            <a:off x="3080160" y="1396080"/>
+            <a:ext cx="714600" cy="248400"/>
           </a:xfrm>
           <a:prstGeom prst="rect">
             <a:avLst/>
@@ -5303,7 +5304,7 @@
               <a:t>Leaf</a:t>
             </a:r>
             <a:endParaRPr b="0" lang="en-US" sz="1050" spc="-1" strike="noStrike">
-              <a:latin typeface="Arial"/>
+              <a:latin typeface="Times New Roman"/>
             </a:endParaRPr>
           </a:p>
         </p:txBody>
@@ -5316,8 +5317,8 @@
         </p:nvSpPr>
         <p:spPr>
           <a:xfrm flipH="1" rot="16200000">
-            <a:off x="3763440" y="4219920"/>
-            <a:ext cx="991080" cy="291240"/>
+            <a:off x="3763800" y="4219920"/>
+            <a:ext cx="990720" cy="290880"/>
           </a:xfrm>
           <a:prstGeom prst="bentConnector2">
             <a:avLst/>
@@ -5352,7 +5353,7 @@
         <p:spPr>
           <a:xfrm>
             <a:off x="4316040" y="4477680"/>
-            <a:ext cx="248040" cy="248760"/>
+            <a:ext cx="247680" cy="248400"/>
           </a:xfrm>
           <a:prstGeom prst="rect">
             <a:avLst/>
@@ -5387,7 +5388,7 @@
               <a:t>…</a:t>
             </a:r>
             <a:endParaRPr b="0" lang="en-US" sz="1050" spc="-1" strike="noStrike">
-              <a:latin typeface="Arial"/>
+              <a:latin typeface="Times New Roman"/>
             </a:endParaRPr>
           </a:p>
         </p:txBody>
@@ -5401,7 +5402,7 @@
         <p:spPr>
           <a:xfrm>
             <a:off x="5622840" y="4499640"/>
-            <a:ext cx="248040" cy="248760"/>
+            <a:ext cx="247680" cy="248400"/>
           </a:xfrm>
           <a:prstGeom prst="rect">
             <a:avLst/>
@@ -5436,7 +5437,7 @@
               <a:t>…</a:t>
             </a:r>
             <a:endParaRPr b="0" lang="en-US" sz="1050" spc="-1" strike="noStrike">
-              <a:latin typeface="Arial"/>
+              <a:latin typeface="Times New Roman"/>
             </a:endParaRPr>
           </a:p>
         </p:txBody>
@@ -5449,10 +5450,10 @@
         </p:nvGrpSpPr>
         <p:grpSpPr>
           <a:xfrm>
-            <a:off x="4398120" y="3724560"/>
-            <a:ext cx="192240" cy="83880"/>
-            <a:chOff x="4398120" y="3724560"/>
-            <a:chExt cx="192240" cy="83880"/>
+            <a:off x="4398480" y="3724560"/>
+            <a:ext cx="191880" cy="83520"/>
+            <a:chOff x="4398480" y="3724560"/>
+            <a:chExt cx="191880" cy="83520"/>
           </a:xfrm>
         </p:grpSpPr>
         <p:sp>
@@ -5463,8 +5464,8 @@
           </p:nvSpPr>
           <p:spPr>
             <a:xfrm rot="5400000">
-              <a:off x="4449600" y="3673080"/>
-              <a:ext cx="83880" cy="186840"/>
+              <a:off x="4449960" y="3673080"/>
+              <a:ext cx="83520" cy="186480"/>
             </a:xfrm>
             <a:prstGeom prst="rect">
               <a:avLst/>
@@ -5496,8 +5497,8 @@
           </p:nvSpPr>
           <p:spPr>
             <a:xfrm rot="5400000">
-              <a:off x="4457520" y="3674520"/>
-              <a:ext cx="73080" cy="192240"/>
+              <a:off x="4457880" y="3674520"/>
+              <a:ext cx="72720" cy="191880"/>
             </a:xfrm>
             <a:custGeom>
               <a:avLst/>
@@ -5571,10 +5572,10 @@
         </p:nvGrpSpPr>
         <p:grpSpPr>
           <a:xfrm>
-            <a:off x="5257800" y="3726720"/>
-            <a:ext cx="192240" cy="83880"/>
-            <a:chOff x="5257800" y="3726720"/>
-            <a:chExt cx="192240" cy="83880"/>
+            <a:off x="5258160" y="3726720"/>
+            <a:ext cx="191880" cy="83520"/>
+            <a:chOff x="5258160" y="3726720"/>
+            <a:chExt cx="191880" cy="83520"/>
           </a:xfrm>
         </p:grpSpPr>
         <p:sp>
@@ -5585,8 +5586,8 @@
           </p:nvSpPr>
           <p:spPr>
             <a:xfrm rot="5400000">
-              <a:off x="5309280" y="3675240"/>
-              <a:ext cx="83880" cy="186840"/>
+              <a:off x="5309640" y="3675240"/>
+              <a:ext cx="83520" cy="186480"/>
             </a:xfrm>
             <a:prstGeom prst="rect">
               <a:avLst/>
@@ -5618,8 +5619,8 @@
           </p:nvSpPr>
           <p:spPr>
             <a:xfrm rot="5400000">
-              <a:off x="5317200" y="3676320"/>
-              <a:ext cx="73080" cy="192240"/>
+              <a:off x="5317560" y="3676320"/>
+              <a:ext cx="72720" cy="191880"/>
             </a:xfrm>
             <a:custGeom>
               <a:avLst/>
@@ -5693,10 +5694,10 @@
         </p:nvGrpSpPr>
         <p:grpSpPr>
           <a:xfrm>
-            <a:off x="5261400" y="4199040"/>
-            <a:ext cx="192240" cy="83880"/>
-            <a:chOff x="5261400" y="4199040"/>
-            <a:chExt cx="192240" cy="83880"/>
+            <a:off x="5261760" y="4199040"/>
+            <a:ext cx="191880" cy="83520"/>
+            <a:chOff x="5261760" y="4199040"/>
+            <a:chExt cx="191880" cy="83520"/>
           </a:xfrm>
         </p:grpSpPr>
         <p:sp>
@@ -5707,8 +5708,8 @@
           </p:nvSpPr>
           <p:spPr>
             <a:xfrm rot="5400000">
-              <a:off x="5313240" y="4147560"/>
-              <a:ext cx="83880" cy="186840"/>
+              <a:off x="5313600" y="4147560"/>
+              <a:ext cx="83520" cy="186480"/>
             </a:xfrm>
             <a:prstGeom prst="rect">
               <a:avLst/>
@@ -5740,8 +5741,8 @@
           </p:nvSpPr>
           <p:spPr>
             <a:xfrm rot="5400000">
-              <a:off x="5320800" y="4148640"/>
-              <a:ext cx="73080" cy="192240"/>
+              <a:off x="5321160" y="4148640"/>
+              <a:ext cx="72720" cy="191880"/>
             </a:xfrm>
             <a:custGeom>
               <a:avLst/>
@@ -5815,10 +5816,10 @@
         </p:nvGrpSpPr>
         <p:grpSpPr>
           <a:xfrm>
-            <a:off x="4407840" y="4212720"/>
-            <a:ext cx="192240" cy="83880"/>
-            <a:chOff x="4407840" y="4212720"/>
-            <a:chExt cx="192240" cy="83880"/>
+            <a:off x="4408200" y="4212720"/>
+            <a:ext cx="191880" cy="83520"/>
+            <a:chOff x="4408200" y="4212720"/>
+            <a:chExt cx="191880" cy="83520"/>
           </a:xfrm>
         </p:grpSpPr>
         <p:sp>
@@ -5829,8 +5830,8 @@
           </p:nvSpPr>
           <p:spPr>
             <a:xfrm rot="5400000">
-              <a:off x="4460040" y="4161240"/>
-              <a:ext cx="83880" cy="186840"/>
+              <a:off x="4460400" y="4161240"/>
+              <a:ext cx="83520" cy="186480"/>
             </a:xfrm>
             <a:prstGeom prst="rect">
               <a:avLst/>
@@ -5862,8 +5863,8 @@
           </p:nvSpPr>
           <p:spPr>
             <a:xfrm rot="5400000">
-              <a:off x="4467240" y="4161960"/>
-              <a:ext cx="73080" cy="192240"/>
+              <a:off x="4467600" y="4161960"/>
+              <a:ext cx="72720" cy="191880"/>
             </a:xfrm>
             <a:custGeom>
               <a:avLst/>
@@ -5937,10 +5938,10 @@
         </p:nvGrpSpPr>
         <p:grpSpPr>
           <a:xfrm>
-            <a:off x="4407840" y="4820040"/>
-            <a:ext cx="192240" cy="83880"/>
-            <a:chOff x="4407840" y="4820040"/>
-            <a:chExt cx="192240" cy="83880"/>
+            <a:off x="4408200" y="4820040"/>
+            <a:ext cx="191880" cy="83520"/>
+            <a:chOff x="4408200" y="4820040"/>
+            <a:chExt cx="191880" cy="83520"/>
           </a:xfrm>
         </p:grpSpPr>
         <p:sp>
@@ -5951,8 +5952,8 @@
           </p:nvSpPr>
           <p:spPr>
             <a:xfrm rot="5400000">
-              <a:off x="4460040" y="4768560"/>
-              <a:ext cx="83880" cy="186840"/>
+              <a:off x="4460400" y="4768560"/>
+              <a:ext cx="83520" cy="186480"/>
             </a:xfrm>
             <a:prstGeom prst="rect">
               <a:avLst/>
@@ -5984,8 +5985,8 @@
           </p:nvSpPr>
           <p:spPr>
             <a:xfrm rot="5400000">
-              <a:off x="4467240" y="4769280"/>
-              <a:ext cx="73080" cy="192240"/>
+              <a:off x="4467600" y="4769280"/>
+              <a:ext cx="72720" cy="191880"/>
             </a:xfrm>
             <a:custGeom>
               <a:avLst/>
@@ -6059,10 +6060,10 @@
         </p:nvGrpSpPr>
         <p:grpSpPr>
           <a:xfrm>
-            <a:off x="5257800" y="4810680"/>
-            <a:ext cx="192240" cy="83880"/>
-            <a:chOff x="5257800" y="4810680"/>
-            <a:chExt cx="192240" cy="83880"/>
+            <a:off x="5258160" y="4810680"/>
+            <a:ext cx="191880" cy="83520"/>
+            <a:chOff x="5258160" y="4810680"/>
+            <a:chExt cx="191880" cy="83520"/>
           </a:xfrm>
         </p:grpSpPr>
         <p:sp>
@@ -6073,8 +6074,8 @@
           </p:nvSpPr>
           <p:spPr>
             <a:xfrm rot="5400000">
-              <a:off x="5309280" y="4759200"/>
-              <a:ext cx="83880" cy="186840"/>
+              <a:off x="5309640" y="4759200"/>
+              <a:ext cx="83520" cy="186480"/>
             </a:xfrm>
             <a:prstGeom prst="rect">
               <a:avLst/>
@@ -6106,8 +6107,8 @@
           </p:nvSpPr>
           <p:spPr>
             <a:xfrm rot="5400000">
-              <a:off x="5317200" y="4760280"/>
-              <a:ext cx="73080" cy="192240"/>
+              <a:off x="5317560" y="4760280"/>
+              <a:ext cx="72720" cy="191880"/>
             </a:xfrm>
             <a:custGeom>
               <a:avLst/>
@@ -6182,7 +6183,7 @@
         <p:spPr>
           <a:xfrm>
             <a:off x="3983400" y="989280"/>
-            <a:ext cx="272520" cy="271440"/>
+            <a:ext cx="272160" cy="271080"/>
           </a:xfrm>
           <a:prstGeom prst="rect">
             <a:avLst/>
@@ -6217,7 +6218,7 @@
               <a:t>E</a:t>
             </a:r>
             <a:endParaRPr b="0" lang="en-US" sz="1200" spc="-1" strike="noStrike">
-              <a:latin typeface="Arial"/>
+              <a:latin typeface="Times New Roman"/>
             </a:endParaRPr>
           </a:p>
         </p:txBody>
@@ -6231,7 +6232,7 @@
         <p:spPr>
           <a:xfrm>
             <a:off x="4066200" y="1909440"/>
-            <a:ext cx="90720" cy="101520"/>
+            <a:ext cx="90360" cy="101160"/>
           </a:xfrm>
           <a:prstGeom prst="ellipse">
             <a:avLst/>
@@ -6267,7 +6268,7 @@
         <p:spPr>
           <a:xfrm>
             <a:off x="3547440" y="1848600"/>
-            <a:ext cx="533160" cy="278640"/>
+            <a:ext cx="532800" cy="278280"/>
           </a:xfrm>
           <a:prstGeom prst="rect">
             <a:avLst/>
@@ -6312,7 +6313,7 @@
               <a:t>stem, N</a:t>
             </a:r>
             <a:endParaRPr b="0" lang="en-US" sz="1100" spc="-1" strike="noStrike">
-              <a:latin typeface="Arial"/>
+              <a:latin typeface="Times New Roman"/>
             </a:endParaRPr>
           </a:p>
         </p:txBody>
@@ -6326,7 +6327,7 @@
         <p:spPr>
           <a:xfrm>
             <a:off x="3633840" y="2167920"/>
-            <a:ext cx="248040" cy="248760"/>
+            <a:ext cx="247680" cy="248400"/>
           </a:xfrm>
           <a:prstGeom prst="rect">
             <a:avLst/>
@@ -6361,7 +6362,7 @@
               <a:t>…</a:t>
             </a:r>
             <a:endParaRPr b="0" lang="en-US" sz="1050" spc="-1" strike="noStrike">
-              <a:latin typeface="Arial"/>
+              <a:latin typeface="Times New Roman"/>
             </a:endParaRPr>
           </a:p>
         </p:txBody>
@@ -6375,7 +6376,7 @@
         <p:spPr>
           <a:xfrm>
             <a:off x="3552480" y="2915280"/>
-            <a:ext cx="520920" cy="278640"/>
+            <a:ext cx="520560" cy="278280"/>
           </a:xfrm>
           <a:prstGeom prst="rect">
             <a:avLst/>
@@ -6430,7 +6431,7 @@
               <a:t>1</a:t>
             </a:r>
             <a:endParaRPr b="0" lang="en-US" sz="1100" spc="-1" strike="noStrike">
-              <a:latin typeface="Arial"/>
+              <a:latin typeface="Times New Roman"/>
             </a:endParaRPr>
           </a:p>
         </p:txBody>
@@ -6444,7 +6445,7 @@
         <p:spPr>
           <a:xfrm>
             <a:off x="3552480" y="2395080"/>
-            <a:ext cx="520920" cy="278640"/>
+            <a:ext cx="520560" cy="278280"/>
           </a:xfrm>
           <a:prstGeom prst="rect">
             <a:avLst/>
@@ -6499,7 +6500,7 @@
               <a:t>2</a:t>
             </a:r>
             <a:endParaRPr b="0" lang="en-US" sz="1100" spc="-1" strike="noStrike">
-              <a:latin typeface="Arial"/>
+              <a:latin typeface="Times New Roman"/>
             </a:endParaRPr>
           </a:p>
         </p:txBody>
@@ -6513,9 +6514,9 @@
         <p:grpSpPr>
           <a:xfrm>
             <a:off x="4072320" y="2035080"/>
-            <a:ext cx="83880" cy="192240"/>
+            <a:ext cx="83520" cy="191880"/>
             <a:chOff x="4072320" y="2035080"/>
-            <a:chExt cx="83880" cy="192240"/>
+            <a:chExt cx="83520" cy="191880"/>
           </a:xfrm>
         </p:grpSpPr>
         <p:sp>
@@ -6527,7 +6528,7 @@
           <p:spPr>
             <a:xfrm>
               <a:off x="4072320" y="2040480"/>
-              <a:ext cx="83880" cy="186840"/>
+              <a:ext cx="83520" cy="186480"/>
             </a:xfrm>
             <a:prstGeom prst="rect">
               <a:avLst/>
@@ -6560,7 +6561,7 @@
           <p:spPr>
             <a:xfrm>
               <a:off x="4081680" y="2035080"/>
-              <a:ext cx="73080" cy="192240"/>
+              <a:ext cx="72720" cy="191880"/>
             </a:xfrm>
             <a:custGeom>
               <a:avLst/>
@@ -6635,7 +6636,7 @@
         <p:spPr>
           <a:xfrm>
             <a:off x="4066200" y="2504880"/>
-            <a:ext cx="90720" cy="101520"/>
+            <a:ext cx="90360" cy="101160"/>
           </a:xfrm>
           <a:prstGeom prst="ellipse">
             <a:avLst/>
@@ -6671,9 +6672,9 @@
         <p:grpSpPr>
           <a:xfrm>
             <a:off x="4072320" y="2630880"/>
-            <a:ext cx="83880" cy="192240"/>
+            <a:ext cx="83520" cy="191880"/>
             <a:chOff x="4072320" y="2630880"/>
-            <a:chExt cx="83880" cy="192240"/>
+            <a:chExt cx="83520" cy="191880"/>
           </a:xfrm>
         </p:grpSpPr>
         <p:sp>
@@ -6685,7 +6686,7 @@
           <p:spPr>
             <a:xfrm>
               <a:off x="4072320" y="2635920"/>
-              <a:ext cx="83880" cy="186840"/>
+              <a:ext cx="83520" cy="186480"/>
             </a:xfrm>
             <a:prstGeom prst="rect">
               <a:avLst/>
@@ -6718,7 +6719,7 @@
           <p:spPr>
             <a:xfrm>
               <a:off x="4081680" y="2630880"/>
-              <a:ext cx="73080" cy="192240"/>
+              <a:ext cx="72720" cy="191880"/>
             </a:xfrm>
             <a:custGeom>
               <a:avLst/>
@@ -6793,7 +6794,7 @@
         <p:spPr>
           <a:xfrm>
             <a:off x="4066200" y="2997360"/>
-            <a:ext cx="90720" cy="101520"/>
+            <a:ext cx="90360" cy="101160"/>
           </a:xfrm>
           <a:prstGeom prst="ellipse">
             <a:avLst/>
@@ -6829,9 +6830,9 @@
         <p:grpSpPr>
           <a:xfrm>
             <a:off x="4072320" y="3123360"/>
-            <a:ext cx="83880" cy="192240"/>
+            <a:ext cx="83520" cy="191880"/>
             <a:chOff x="4072320" y="3123360"/>
-            <a:chExt cx="83880" cy="192240"/>
+            <a:chExt cx="83520" cy="191880"/>
           </a:xfrm>
         </p:grpSpPr>
         <p:sp>
@@ -6843,7 +6844,7 @@
           <p:spPr>
             <a:xfrm>
               <a:off x="4072320" y="3128760"/>
-              <a:ext cx="83880" cy="186840"/>
+              <a:ext cx="83520" cy="186480"/>
             </a:xfrm>
             <a:prstGeom prst="rect">
               <a:avLst/>
@@ -6876,7 +6877,7 @@
           <p:spPr>
             <a:xfrm>
               <a:off x="4081680" y="3123360"/>
-              <a:ext cx="73080" cy="192240"/>
+              <a:ext cx="72720" cy="191880"/>
             </a:xfrm>
             <a:custGeom>
               <a:avLst/>
@@ -6951,7 +6952,7 @@
         <p:spPr>
           <a:xfrm>
             <a:off x="3569400" y="1328760"/>
-            <a:ext cx="414360" cy="278640"/>
+            <a:ext cx="414000" cy="278280"/>
           </a:xfrm>
           <a:prstGeom prst="rect">
             <a:avLst/>
@@ -6996,7 +6997,7 @@
               <a:t>leaf</a:t>
             </a:r>
             <a:endParaRPr b="0" lang="en-US" sz="1100" spc="-1" strike="noStrike">
-              <a:latin typeface="Arial"/>
+              <a:latin typeface="Times New Roman"/>
             </a:endParaRPr>
           </a:p>
         </p:txBody>
@@ -7010,9 +7011,9 @@
         <p:grpSpPr>
           <a:xfrm>
             <a:off x="4067640" y="1583640"/>
-            <a:ext cx="83880" cy="192240"/>
+            <a:ext cx="83520" cy="191880"/>
             <a:chOff x="4067640" y="1583640"/>
-            <a:chExt cx="83880" cy="192240"/>
+            <a:chExt cx="83520" cy="191880"/>
           </a:xfrm>
         </p:grpSpPr>
         <p:sp>
@@ -7024,7 +7025,7 @@
           <p:spPr>
             <a:xfrm>
               <a:off x="4067640" y="1589040"/>
-              <a:ext cx="83880" cy="186840"/>
+              <a:ext cx="83520" cy="186480"/>
             </a:xfrm>
             <a:prstGeom prst="rect">
               <a:avLst/>
@@ -7057,7 +7058,7 @@
           <p:spPr>
             <a:xfrm>
               <a:off x="4077000" y="1583640"/>
-              <a:ext cx="73080" cy="192240"/>
+              <a:ext cx="72720" cy="191880"/>
             </a:xfrm>
             <a:custGeom>
               <a:avLst/>
@@ -7132,7 +7133,7 @@
         <p:spPr>
           <a:xfrm>
             <a:off x="4073400" y="1431720"/>
-            <a:ext cx="90720" cy="101520"/>
+            <a:ext cx="90360" cy="101160"/>
           </a:xfrm>
           <a:prstGeom prst="ellipse">
             <a:avLst/>
@@ -7228,7 +7229,7 @@
         <p:spPr>
           <a:xfrm>
             <a:off x="756000" y="900000"/>
-            <a:ext cx="3265560" cy="4815000"/>
+            <a:ext cx="3265200" cy="4814640"/>
           </a:xfrm>
           <a:prstGeom prst="rect">
             <a:avLst/>
@@ -7247,7 +7248,7 @@
         <p:spPr>
           <a:xfrm>
             <a:off x="2560320" y="907920"/>
-            <a:ext cx="4278960" cy="4959000"/>
+            <a:ext cx="4278600" cy="4958640"/>
           </a:xfrm>
           <a:prstGeom prst="rect">
             <a:avLst/>
@@ -7285,7 +7286,7 @@
         <p:spPr>
           <a:xfrm>
             <a:off x="3465720" y="1266480"/>
-            <a:ext cx="360" cy="2601720"/>
+            <a:ext cx="360" cy="2601360"/>
           </a:xfrm>
           <a:custGeom>
             <a:avLst/>
@@ -7334,7 +7335,7 @@
         <p:spPr>
           <a:xfrm>
             <a:off x="3384360" y="3665160"/>
-            <a:ext cx="160920" cy="203040"/>
+            <a:ext cx="160560" cy="202680"/>
           </a:xfrm>
           <a:prstGeom prst="ellipse">
             <a:avLst/>
@@ -7370,7 +7371,7 @@
         <p:spPr>
           <a:xfrm>
             <a:off x="4983840" y="3665160"/>
-            <a:ext cx="160920" cy="203040"/>
+            <a:ext cx="160560" cy="202680"/>
           </a:xfrm>
           <a:prstGeom prst="ellipse">
             <a:avLst/>
@@ -7405,8 +7406,8 @@
         </p:nvSpPr>
         <p:spPr>
           <a:xfrm flipH="1">
-            <a:off x="3545640" y="3767760"/>
-            <a:ext cx="1434960" cy="360"/>
+            <a:off x="3544920" y="3767760"/>
+            <a:ext cx="1434600" cy="360"/>
           </a:xfrm>
           <a:custGeom>
             <a:avLst/>
@@ -7454,7 +7455,7 @@
         <p:spPr>
           <a:xfrm>
             <a:off x="4191120" y="3675240"/>
-            <a:ext cx="160920" cy="203040"/>
+            <a:ext cx="160560" cy="202680"/>
           </a:xfrm>
           <a:prstGeom prst="ellipse">
             <a:avLst/>
@@ -7490,7 +7491,7 @@
         <p:spPr>
           <a:xfrm>
             <a:off x="5004000" y="4138560"/>
-            <a:ext cx="160920" cy="203040"/>
+            <a:ext cx="160560" cy="202680"/>
           </a:xfrm>
           <a:prstGeom prst="ellipse">
             <a:avLst/>
@@ -7526,7 +7527,7 @@
         <p:spPr>
           <a:xfrm flipH="1">
             <a:off x="3856320" y="4240800"/>
-            <a:ext cx="1143720" cy="12240"/>
+            <a:ext cx="1143360" cy="11880"/>
           </a:xfrm>
           <a:custGeom>
             <a:avLst/>
@@ -7574,7 +7575,7 @@
         <p:spPr>
           <a:xfrm>
             <a:off x="4211280" y="4148280"/>
-            <a:ext cx="160920" cy="203040"/>
+            <a:ext cx="160560" cy="202680"/>
           </a:xfrm>
           <a:prstGeom prst="ellipse">
             <a:avLst/>
@@ -7610,7 +7611,7 @@
         <p:spPr>
           <a:xfrm>
             <a:off x="5004000" y="4751280"/>
-            <a:ext cx="160920" cy="203040"/>
+            <a:ext cx="160560" cy="202680"/>
           </a:xfrm>
           <a:prstGeom prst="ellipse">
             <a:avLst/>
@@ -7645,8 +7646,8 @@
         </p:nvSpPr>
         <p:spPr>
           <a:xfrm flipH="1">
-            <a:off x="3855240" y="4853520"/>
-            <a:ext cx="1145520" cy="7560"/>
+            <a:off x="3854520" y="4853520"/>
+            <a:ext cx="1145160" cy="7200"/>
           </a:xfrm>
           <a:custGeom>
             <a:avLst/>
@@ -7694,7 +7695,7 @@
         <p:spPr>
           <a:xfrm>
             <a:off x="4211280" y="4761000"/>
-            <a:ext cx="160920" cy="203040"/>
+            <a:ext cx="160560" cy="202680"/>
           </a:xfrm>
           <a:prstGeom prst="ellipse">
             <a:avLst/>
@@ -7730,7 +7731,7 @@
         <p:spPr>
           <a:xfrm>
             <a:off x="5300280" y="3585240"/>
-            <a:ext cx="976680" cy="248760"/>
+            <a:ext cx="976320" cy="248400"/>
           </a:xfrm>
           <a:prstGeom prst="rect">
             <a:avLst/>
@@ -7775,7 +7776,7 @@
               <a:t>1</a:t>
             </a:r>
             <a:endParaRPr b="0" lang="en-US" sz="1050" spc="-1" strike="noStrike">
-              <a:latin typeface="Arial"/>
+              <a:latin typeface="Times New Roman"/>
             </a:endParaRPr>
           </a:p>
         </p:txBody>
@@ -7789,7 +7790,7 @@
         <p:spPr>
           <a:xfrm>
             <a:off x="5313600" y="4109040"/>
-            <a:ext cx="976680" cy="248760"/>
+            <a:ext cx="976320" cy="248400"/>
           </a:xfrm>
           <a:prstGeom prst="rect">
             <a:avLst/>
@@ -7834,7 +7835,7 @@
               <a:t>2</a:t>
             </a:r>
             <a:endParaRPr b="0" lang="en-US" sz="1050" spc="-1" strike="noStrike">
-              <a:latin typeface="Arial"/>
+              <a:latin typeface="Times New Roman"/>
             </a:endParaRPr>
           </a:p>
         </p:txBody>
@@ -7848,7 +7849,7 @@
         <p:spPr>
           <a:xfrm>
             <a:off x="5338080" y="4773960"/>
-            <a:ext cx="976680" cy="248760"/>
+            <a:ext cx="976320" cy="248400"/>
           </a:xfrm>
           <a:prstGeom prst="rect">
             <a:avLst/>
@@ -7883,7 +7884,7 @@
               <a:t>Soil layer S</a:t>
             </a:r>
             <a:endParaRPr b="0" lang="en-US" sz="1050" spc="-1" strike="noStrike">
-              <a:latin typeface="Arial"/>
+              <a:latin typeface="Times New Roman"/>
             </a:endParaRPr>
           </a:p>
         </p:txBody>
@@ -7896,8 +7897,8 @@
         </p:nvSpPr>
         <p:spPr>
           <a:xfrm rot="16200000">
-            <a:off x="2557440" y="2397600"/>
-            <a:ext cx="483120" cy="248760"/>
+            <a:off x="2557440" y="2397960"/>
+            <a:ext cx="482760" cy="248400"/>
           </a:xfrm>
           <a:prstGeom prst="rect">
             <a:avLst/>
@@ -7932,7 +7933,7 @@
               <a:t>Stem</a:t>
             </a:r>
             <a:endParaRPr b="0" lang="en-US" sz="1050" spc="-1" strike="noStrike">
-              <a:latin typeface="Arial"/>
+              <a:latin typeface="Times New Roman"/>
             </a:endParaRPr>
           </a:p>
         </p:txBody>
@@ -7946,7 +7947,7 @@
         <p:spPr>
           <a:xfrm>
             <a:off x="3443400" y="5212800"/>
-            <a:ext cx="573840" cy="248760"/>
+            <a:ext cx="573480" cy="248400"/>
           </a:xfrm>
           <a:prstGeom prst="rect">
             <a:avLst/>
@@ -7981,7 +7982,7 @@
               <a:t>Roots</a:t>
             </a:r>
             <a:endParaRPr b="0" lang="en-US" sz="1050" spc="-1" strike="noStrike">
-              <a:latin typeface="Arial"/>
+              <a:latin typeface="Times New Roman"/>
             </a:endParaRPr>
           </a:p>
         </p:txBody>
@@ -7995,7 +7996,7 @@
         <p:spPr>
           <a:xfrm>
             <a:off x="4062240" y="5228640"/>
-            <a:ext cx="1475640" cy="248760"/>
+            <a:ext cx="1475280" cy="248400"/>
           </a:xfrm>
           <a:prstGeom prst="rect">
             <a:avLst/>
@@ -8030,7 +8031,7 @@
               <a:t>Rhizosphere</a:t>
             </a:r>
             <a:endParaRPr b="0" lang="en-US" sz="1050" spc="-1" strike="noStrike">
-              <a:latin typeface="Arial"/>
+              <a:latin typeface="Times New Roman"/>
             </a:endParaRPr>
           </a:p>
         </p:txBody>
@@ -8044,7 +8045,7 @@
         <p:spPr>
           <a:xfrm>
             <a:off x="4037040" y="3841920"/>
-            <a:ext cx="671760" cy="295560"/>
+            <a:ext cx="671400" cy="295200"/>
           </a:xfrm>
           <a:prstGeom prst="rect">
             <a:avLst/>
@@ -8099,7 +8100,7 @@
               <a:t>1</a:t>
             </a:r>
             <a:endParaRPr b="0" lang="en-US" sz="1200" spc="-1" strike="noStrike">
-              <a:latin typeface="Arial"/>
+              <a:latin typeface="Times New Roman"/>
             </a:endParaRPr>
           </a:p>
         </p:txBody>
@@ -8113,7 +8114,7 @@
         <p:spPr>
           <a:xfrm>
             <a:off x="4037040" y="4330440"/>
-            <a:ext cx="671760" cy="295560"/>
+            <a:ext cx="671400" cy="295200"/>
           </a:xfrm>
           <a:prstGeom prst="rect">
             <a:avLst/>
@@ -8168,7 +8169,7 @@
               <a:t>2</a:t>
             </a:r>
             <a:endParaRPr b="0" lang="en-US" sz="1200" spc="-1" strike="noStrike">
-              <a:latin typeface="Arial"/>
+              <a:latin typeface="Times New Roman"/>
             </a:endParaRPr>
           </a:p>
         </p:txBody>
@@ -8182,7 +8183,7 @@
         <p:spPr>
           <a:xfrm>
             <a:off x="4088160" y="4932720"/>
-            <a:ext cx="671760" cy="295560"/>
+            <a:ext cx="671400" cy="295200"/>
           </a:xfrm>
           <a:prstGeom prst="rect">
             <a:avLst/>
@@ -8227,7 +8228,7 @@
               <a:t>rootsurf, S</a:t>
             </a:r>
             <a:endParaRPr b="0" lang="en-US" sz="1200" spc="-1" strike="noStrike">
-              <a:latin typeface="Arial"/>
+              <a:latin typeface="Times New Roman"/>
             </a:endParaRPr>
           </a:p>
         </p:txBody>
@@ -8240,8 +8241,8 @@
         </p:nvSpPr>
         <p:spPr>
           <a:xfrm flipH="1" flipV="1">
-            <a:off x="3521160" y="3838680"/>
-            <a:ext cx="233640" cy="414000"/>
+            <a:off x="3521160" y="3837960"/>
+            <a:ext cx="233280" cy="413640"/>
           </a:xfrm>
           <a:custGeom>
             <a:avLst/>
@@ -8289,7 +8290,7 @@
         <p:spPr>
           <a:xfrm>
             <a:off x="2745720" y="3571920"/>
-            <a:ext cx="660960" cy="295560"/>
+            <a:ext cx="660600" cy="295200"/>
           </a:xfrm>
           <a:prstGeom prst="rect">
             <a:avLst/>
@@ -8334,7 +8335,7 @@
               <a:t>rootcrown</a:t>
             </a:r>
             <a:endParaRPr b="0" lang="en-US" sz="1200" spc="-1" strike="noStrike">
-              <a:latin typeface="Arial"/>
+              <a:latin typeface="Times New Roman"/>
             </a:endParaRPr>
           </a:p>
         </p:txBody>
@@ -8348,7 +8349,7 @@
         <p:spPr>
           <a:xfrm>
             <a:off x="4977360" y="3818160"/>
-            <a:ext cx="518040" cy="295560"/>
+            <a:ext cx="517680" cy="295200"/>
           </a:xfrm>
           <a:prstGeom prst="rect">
             <a:avLst/>
@@ -8403,7 +8404,7 @@
               <a:t>1</a:t>
             </a:r>
             <a:endParaRPr b="0" lang="en-US" sz="1200" spc="-1" strike="noStrike">
-              <a:latin typeface="Arial"/>
+              <a:latin typeface="Times New Roman"/>
             </a:endParaRPr>
           </a:p>
         </p:txBody>
@@ -8417,7 +8418,7 @@
         <p:spPr>
           <a:xfrm>
             <a:off x="4985280" y="4340520"/>
-            <a:ext cx="518040" cy="295560"/>
+            <a:ext cx="517680" cy="295200"/>
           </a:xfrm>
           <a:prstGeom prst="rect">
             <a:avLst/>
@@ -8472,7 +8473,7 @@
               <a:t>2</a:t>
             </a:r>
             <a:endParaRPr b="0" lang="en-US" sz="1200" spc="-1" strike="noStrike">
-              <a:latin typeface="Arial"/>
+              <a:latin typeface="Times New Roman"/>
             </a:endParaRPr>
           </a:p>
         </p:txBody>
@@ -8486,7 +8487,7 @@
         <p:spPr>
           <a:xfrm>
             <a:off x="4994280" y="4937400"/>
-            <a:ext cx="517680" cy="295560"/>
+            <a:ext cx="517320" cy="295200"/>
           </a:xfrm>
           <a:prstGeom prst="rect">
             <a:avLst/>
@@ -8531,7 +8532,7 @@
               <a:t>soil, S</a:t>
             </a:r>
             <a:endParaRPr b="0" lang="en-US" sz="1200" spc="-1" strike="noStrike">
-              <a:latin typeface="Arial"/>
+              <a:latin typeface="Times New Roman"/>
             </a:endParaRPr>
           </a:p>
         </p:txBody>
@@ -8544,8 +8545,8 @@
         </p:nvSpPr>
         <p:spPr>
           <a:xfrm rot="16200000">
-            <a:off x="2432160" y="1395720"/>
-            <a:ext cx="714960" cy="248760"/>
+            <a:off x="2432160" y="1396080"/>
+            <a:ext cx="714600" cy="248400"/>
           </a:xfrm>
           <a:prstGeom prst="rect">
             <a:avLst/>
@@ -8580,7 +8581,7 @@
               <a:t>Leaf</a:t>
             </a:r>
             <a:endParaRPr b="0" lang="en-US" sz="1050" spc="-1" strike="noStrike">
-              <a:latin typeface="Arial"/>
+              <a:latin typeface="Times New Roman"/>
             </a:endParaRPr>
           </a:p>
         </p:txBody>
@@ -8593,8 +8594,8 @@
         </p:nvSpPr>
         <p:spPr>
           <a:xfrm flipH="1" rot="16200000">
-            <a:off x="3115440" y="4219920"/>
-            <a:ext cx="991080" cy="291240"/>
+            <a:off x="3115800" y="4219920"/>
+            <a:ext cx="990720" cy="290880"/>
           </a:xfrm>
           <a:prstGeom prst="bentConnector2">
             <a:avLst/>
@@ -8629,7 +8630,7 @@
         <p:spPr>
           <a:xfrm>
             <a:off x="3668040" y="4477680"/>
-            <a:ext cx="248040" cy="248760"/>
+            <a:ext cx="247680" cy="248400"/>
           </a:xfrm>
           <a:prstGeom prst="rect">
             <a:avLst/>
@@ -8664,7 +8665,7 @@
               <a:t>…</a:t>
             </a:r>
             <a:endParaRPr b="0" lang="en-US" sz="1050" spc="-1" strike="noStrike">
-              <a:latin typeface="Arial"/>
+              <a:latin typeface="Times New Roman"/>
             </a:endParaRPr>
           </a:p>
         </p:txBody>
@@ -8678,7 +8679,7 @@
         <p:spPr>
           <a:xfrm>
             <a:off x="4974840" y="4499640"/>
-            <a:ext cx="248040" cy="248760"/>
+            <a:ext cx="247680" cy="248400"/>
           </a:xfrm>
           <a:prstGeom prst="rect">
             <a:avLst/>
@@ -8713,7 +8714,7 @@
               <a:t>…</a:t>
             </a:r>
             <a:endParaRPr b="0" lang="en-US" sz="1050" spc="-1" strike="noStrike">
-              <a:latin typeface="Arial"/>
+              <a:latin typeface="Times New Roman"/>
             </a:endParaRPr>
           </a:p>
         </p:txBody>
@@ -8726,10 +8727,10 @@
         </p:nvGrpSpPr>
         <p:grpSpPr>
           <a:xfrm>
-            <a:off x="3750120" y="3724560"/>
-            <a:ext cx="192240" cy="83880"/>
-            <a:chOff x="3750120" y="3724560"/>
-            <a:chExt cx="192240" cy="83880"/>
+            <a:off x="3750480" y="3724560"/>
+            <a:ext cx="191880" cy="83520"/>
+            <a:chOff x="3750480" y="3724560"/>
+            <a:chExt cx="191880" cy="83520"/>
           </a:xfrm>
         </p:grpSpPr>
         <p:sp>
@@ -8740,8 +8741,8 @@
           </p:nvSpPr>
           <p:spPr>
             <a:xfrm rot="5400000">
-              <a:off x="3801600" y="3673080"/>
-              <a:ext cx="83880" cy="186840"/>
+              <a:off x="3801960" y="3673080"/>
+              <a:ext cx="83520" cy="186480"/>
             </a:xfrm>
             <a:prstGeom prst="rect">
               <a:avLst/>
@@ -8773,8 +8774,8 @@
           </p:nvSpPr>
           <p:spPr>
             <a:xfrm rot="5400000">
-              <a:off x="3809520" y="3674520"/>
-              <a:ext cx="73080" cy="192240"/>
+              <a:off x="3809880" y="3674520"/>
+              <a:ext cx="72720" cy="191880"/>
             </a:xfrm>
             <a:custGeom>
               <a:avLst/>
@@ -8848,10 +8849,10 @@
         </p:nvGrpSpPr>
         <p:grpSpPr>
           <a:xfrm>
-            <a:off x="4609800" y="3726720"/>
-            <a:ext cx="192240" cy="83880"/>
-            <a:chOff x="4609800" y="3726720"/>
-            <a:chExt cx="192240" cy="83880"/>
+            <a:off x="4610160" y="3726720"/>
+            <a:ext cx="191880" cy="83520"/>
+            <a:chOff x="4610160" y="3726720"/>
+            <a:chExt cx="191880" cy="83520"/>
           </a:xfrm>
         </p:grpSpPr>
         <p:sp>
@@ -8862,8 +8863,8 @@
           </p:nvSpPr>
           <p:spPr>
             <a:xfrm rot="5400000">
-              <a:off x="4661280" y="3675240"/>
-              <a:ext cx="83880" cy="186840"/>
+              <a:off x="4661640" y="3675240"/>
+              <a:ext cx="83520" cy="186480"/>
             </a:xfrm>
             <a:prstGeom prst="rect">
               <a:avLst/>
@@ -8895,8 +8896,8 @@
           </p:nvSpPr>
           <p:spPr>
             <a:xfrm rot="5400000">
-              <a:off x="4669200" y="3676320"/>
-              <a:ext cx="73080" cy="192240"/>
+              <a:off x="4669560" y="3676320"/>
+              <a:ext cx="72720" cy="191880"/>
             </a:xfrm>
             <a:custGeom>
               <a:avLst/>
@@ -8970,10 +8971,10 @@
         </p:nvGrpSpPr>
         <p:grpSpPr>
           <a:xfrm>
-            <a:off x="4613760" y="4199040"/>
-            <a:ext cx="192240" cy="83880"/>
-            <a:chOff x="4613760" y="4199040"/>
-            <a:chExt cx="192240" cy="83880"/>
+            <a:off x="4614120" y="4199040"/>
+            <a:ext cx="191880" cy="83520"/>
+            <a:chOff x="4614120" y="4199040"/>
+            <a:chExt cx="191880" cy="83520"/>
           </a:xfrm>
         </p:grpSpPr>
         <p:sp>
@@ -8984,8 +8985,8 @@
           </p:nvSpPr>
           <p:spPr>
             <a:xfrm rot="5400000">
-              <a:off x="4665240" y="4147560"/>
-              <a:ext cx="83880" cy="186840"/>
+              <a:off x="4665600" y="4147560"/>
+              <a:ext cx="83520" cy="186480"/>
             </a:xfrm>
             <a:prstGeom prst="rect">
               <a:avLst/>
@@ -9017,8 +9018,8 @@
           </p:nvSpPr>
           <p:spPr>
             <a:xfrm rot="5400000">
-              <a:off x="4673160" y="4148640"/>
-              <a:ext cx="73080" cy="192240"/>
+              <a:off x="4673520" y="4148640"/>
+              <a:ext cx="72720" cy="191880"/>
             </a:xfrm>
             <a:custGeom>
               <a:avLst/>
@@ -9092,10 +9093,10 @@
         </p:nvGrpSpPr>
         <p:grpSpPr>
           <a:xfrm>
-            <a:off x="3760200" y="4212720"/>
-            <a:ext cx="192240" cy="83880"/>
-            <a:chOff x="3760200" y="4212720"/>
-            <a:chExt cx="192240" cy="83880"/>
+            <a:off x="3760560" y="4212720"/>
+            <a:ext cx="191880" cy="83520"/>
+            <a:chOff x="3760560" y="4212720"/>
+            <a:chExt cx="191880" cy="83520"/>
           </a:xfrm>
         </p:grpSpPr>
         <p:sp>
@@ -9106,8 +9107,8 @@
           </p:nvSpPr>
           <p:spPr>
             <a:xfrm rot="5400000">
-              <a:off x="3812040" y="4161240"/>
-              <a:ext cx="83880" cy="186840"/>
+              <a:off x="3812400" y="4161240"/>
+              <a:ext cx="83520" cy="186480"/>
             </a:xfrm>
             <a:prstGeom prst="rect">
               <a:avLst/>
@@ -9139,8 +9140,8 @@
           </p:nvSpPr>
           <p:spPr>
             <a:xfrm rot="5400000">
-              <a:off x="3819600" y="4161960"/>
-              <a:ext cx="73080" cy="192240"/>
+              <a:off x="3819960" y="4161960"/>
+              <a:ext cx="72720" cy="191880"/>
             </a:xfrm>
             <a:custGeom>
               <a:avLst/>
@@ -9214,10 +9215,10 @@
         </p:nvGrpSpPr>
         <p:grpSpPr>
           <a:xfrm>
-            <a:off x="3760200" y="4820040"/>
-            <a:ext cx="192240" cy="83880"/>
-            <a:chOff x="3760200" y="4820040"/>
-            <a:chExt cx="192240" cy="83880"/>
+            <a:off x="3760560" y="4820040"/>
+            <a:ext cx="191880" cy="83520"/>
+            <a:chOff x="3760560" y="4820040"/>
+            <a:chExt cx="191880" cy="83520"/>
           </a:xfrm>
         </p:grpSpPr>
         <p:sp>
@@ -9228,8 +9229,8 @@
           </p:nvSpPr>
           <p:spPr>
             <a:xfrm rot="5400000">
-              <a:off x="3812040" y="4768560"/>
-              <a:ext cx="83880" cy="186840"/>
+              <a:off x="3812400" y="4768560"/>
+              <a:ext cx="83520" cy="186480"/>
             </a:xfrm>
             <a:prstGeom prst="rect">
               <a:avLst/>
@@ -9261,8 +9262,8 @@
           </p:nvSpPr>
           <p:spPr>
             <a:xfrm rot="5400000">
-              <a:off x="3819600" y="4769280"/>
-              <a:ext cx="73080" cy="192240"/>
+              <a:off x="3819960" y="4769280"/>
+              <a:ext cx="72720" cy="191880"/>
             </a:xfrm>
             <a:custGeom>
               <a:avLst/>
@@ -9336,10 +9337,10 @@
         </p:nvGrpSpPr>
         <p:grpSpPr>
           <a:xfrm>
-            <a:off x="4609800" y="4810680"/>
-            <a:ext cx="192240" cy="83880"/>
-            <a:chOff x="4609800" y="4810680"/>
-            <a:chExt cx="192240" cy="83880"/>
+            <a:off x="4610160" y="4810680"/>
+            <a:ext cx="191880" cy="83520"/>
+            <a:chOff x="4610160" y="4810680"/>
+            <a:chExt cx="191880" cy="83520"/>
           </a:xfrm>
         </p:grpSpPr>
         <p:sp>
@@ -9350,8 +9351,8 @@
           </p:nvSpPr>
           <p:spPr>
             <a:xfrm rot="5400000">
-              <a:off x="4661280" y="4759200"/>
-              <a:ext cx="83880" cy="186840"/>
+              <a:off x="4661640" y="4759200"/>
+              <a:ext cx="83520" cy="186480"/>
             </a:xfrm>
             <a:prstGeom prst="rect">
               <a:avLst/>
@@ -9383,8 +9384,8 @@
           </p:nvSpPr>
           <p:spPr>
             <a:xfrm rot="5400000">
-              <a:off x="4669200" y="4760280"/>
-              <a:ext cx="73080" cy="192240"/>
+              <a:off x="4669560" y="4760280"/>
+              <a:ext cx="72720" cy="191880"/>
             </a:xfrm>
             <a:custGeom>
               <a:avLst/>
@@ -9459,7 +9460,7 @@
         <p:spPr>
           <a:xfrm>
             <a:off x="3335400" y="989280"/>
-            <a:ext cx="272520" cy="271440"/>
+            <a:ext cx="272160" cy="271080"/>
           </a:xfrm>
           <a:prstGeom prst="rect">
             <a:avLst/>
@@ -9494,7 +9495,7 @@
               <a:t>E</a:t>
             </a:r>
             <a:endParaRPr b="0" lang="en-US" sz="1200" spc="-1" strike="noStrike">
-              <a:latin typeface="Arial"/>
+              <a:latin typeface="Times New Roman"/>
             </a:endParaRPr>
           </a:p>
         </p:txBody>
@@ -9508,7 +9509,7 @@
         <p:spPr>
           <a:xfrm>
             <a:off x="3418200" y="1909440"/>
-            <a:ext cx="90720" cy="101520"/>
+            <a:ext cx="90360" cy="101160"/>
           </a:xfrm>
           <a:prstGeom prst="ellipse">
             <a:avLst/>
@@ -9544,7 +9545,7 @@
         <p:spPr>
           <a:xfrm>
             <a:off x="2905560" y="1848600"/>
-            <a:ext cx="520920" cy="278640"/>
+            <a:ext cx="520560" cy="278280"/>
           </a:xfrm>
           <a:prstGeom prst="rect">
             <a:avLst/>
@@ -9589,7 +9590,7 @@
               <a:t>stem, 2</a:t>
             </a:r>
             <a:endParaRPr b="0" lang="en-US" sz="1100" spc="-1" strike="noStrike">
-              <a:latin typeface="Arial"/>
+              <a:latin typeface="Times New Roman"/>
             </a:endParaRPr>
           </a:p>
         </p:txBody>
@@ -9603,7 +9604,7 @@
         <p:spPr>
           <a:xfrm>
             <a:off x="2904480" y="2673000"/>
-            <a:ext cx="520920" cy="278640"/>
+            <a:ext cx="520560" cy="278280"/>
           </a:xfrm>
           <a:prstGeom prst="rect">
             <a:avLst/>
@@ -9658,7 +9659,7 @@
               <a:t>1</a:t>
             </a:r>
             <a:endParaRPr b="0" lang="en-US" sz="1100" spc="-1" strike="noStrike">
-              <a:latin typeface="Arial"/>
+              <a:latin typeface="Times New Roman"/>
             </a:endParaRPr>
           </a:p>
         </p:txBody>
@@ -9672,9 +9673,9 @@
         <p:grpSpPr>
           <a:xfrm>
             <a:off x="3424320" y="2244960"/>
-            <a:ext cx="83880" cy="192240"/>
+            <a:ext cx="83520" cy="191880"/>
             <a:chOff x="3424320" y="2244960"/>
-            <a:chExt cx="83880" cy="192240"/>
+            <a:chExt cx="83520" cy="191880"/>
           </a:xfrm>
         </p:grpSpPr>
         <p:sp>
@@ -9686,7 +9687,7 @@
           <p:spPr>
             <a:xfrm>
               <a:off x="3424320" y="2250360"/>
-              <a:ext cx="83880" cy="186840"/>
+              <a:ext cx="83520" cy="186480"/>
             </a:xfrm>
             <a:prstGeom prst="rect">
               <a:avLst/>
@@ -9719,7 +9720,7 @@
           <p:spPr>
             <a:xfrm>
               <a:off x="3433680" y="2244960"/>
-              <a:ext cx="73080" cy="192240"/>
+              <a:ext cx="72720" cy="191880"/>
             </a:xfrm>
             <a:custGeom>
               <a:avLst/>
@@ -9794,7 +9795,7 @@
         <p:spPr>
           <a:xfrm>
             <a:off x="3418200" y="2755080"/>
-            <a:ext cx="90720" cy="101520"/>
+            <a:ext cx="90360" cy="101160"/>
           </a:xfrm>
           <a:prstGeom prst="ellipse">
             <a:avLst/>
@@ -9830,9 +9831,9 @@
         <p:grpSpPr>
           <a:xfrm>
             <a:off x="3424320" y="3123360"/>
-            <a:ext cx="83880" cy="192240"/>
+            <a:ext cx="83520" cy="191880"/>
             <a:chOff x="3424320" y="3123360"/>
-            <a:chExt cx="83880" cy="192240"/>
+            <a:chExt cx="83520" cy="191880"/>
           </a:xfrm>
         </p:grpSpPr>
         <p:sp>
@@ -9844,7 +9845,7 @@
           <p:spPr>
             <a:xfrm>
               <a:off x="3424320" y="3128760"/>
-              <a:ext cx="83880" cy="186840"/>
+              <a:ext cx="83520" cy="186480"/>
             </a:xfrm>
             <a:prstGeom prst="rect">
               <a:avLst/>
@@ -9877,7 +9878,7 @@
           <p:spPr>
             <a:xfrm>
               <a:off x="3433680" y="3123360"/>
-              <a:ext cx="73080" cy="192240"/>
+              <a:ext cx="72720" cy="191880"/>
             </a:xfrm>
             <a:custGeom>
               <a:avLst/>
@@ -9952,7 +9953,7 @@
         <p:spPr>
           <a:xfrm>
             <a:off x="2921400" y="1328760"/>
-            <a:ext cx="414360" cy="278640"/>
+            <a:ext cx="414000" cy="278280"/>
           </a:xfrm>
           <a:prstGeom prst="rect">
             <a:avLst/>
@@ -9997,7 +9998,7 @@
               <a:t>leaf</a:t>
             </a:r>
             <a:endParaRPr b="0" lang="en-US" sz="1100" spc="-1" strike="noStrike">
-              <a:latin typeface="Arial"/>
+              <a:latin typeface="Times New Roman"/>
             </a:endParaRPr>
           </a:p>
         </p:txBody>
@@ -10011,9 +10012,9 @@
         <p:grpSpPr>
           <a:xfrm>
             <a:off x="3419640" y="1583640"/>
-            <a:ext cx="83880" cy="192240"/>
+            <a:ext cx="83520" cy="191880"/>
             <a:chOff x="3419640" y="1583640"/>
-            <a:chExt cx="83880" cy="192240"/>
+            <a:chExt cx="83520" cy="191880"/>
           </a:xfrm>
         </p:grpSpPr>
         <p:sp>
@@ -10025,7 +10026,7 @@
           <p:spPr>
             <a:xfrm>
               <a:off x="3419640" y="1589040"/>
-              <a:ext cx="83880" cy="186840"/>
+              <a:ext cx="83520" cy="186480"/>
             </a:xfrm>
             <a:prstGeom prst="rect">
               <a:avLst/>
@@ -10058,7 +10059,7 @@
           <p:spPr>
             <a:xfrm>
               <a:off x="3429000" y="1583640"/>
-              <a:ext cx="73080" cy="192240"/>
+              <a:ext cx="72720" cy="191880"/>
             </a:xfrm>
             <a:custGeom>
               <a:avLst/>
@@ -10133,7 +10134,7 @@
         <p:spPr>
           <a:xfrm>
             <a:off x="3425400" y="1431720"/>
-            <a:ext cx="90720" cy="101520"/>
+            <a:ext cx="90360" cy="101160"/>
           </a:xfrm>
           <a:prstGeom prst="ellipse">
             <a:avLst/>
@@ -10225,7 +10226,7 @@
         <p:spPr>
           <a:xfrm>
             <a:off x="144000" y="576000"/>
-            <a:ext cx="6047280" cy="5391000"/>
+            <a:ext cx="6046920" cy="5390640"/>
           </a:xfrm>
           <a:prstGeom prst="rect">
             <a:avLst/>
@@ -10265,7 +10266,7 @@
         <p:spPr>
           <a:xfrm>
             <a:off x="72000" y="1008000"/>
-            <a:ext cx="3265560" cy="4815000"/>
+            <a:ext cx="3265200" cy="4814640"/>
           </a:xfrm>
           <a:prstGeom prst="rect">
             <a:avLst/>
@@ -10284,7 +10285,7 @@
         <p:spPr>
           <a:xfrm>
             <a:off x="1881000" y="1015920"/>
-            <a:ext cx="4526280" cy="4959000"/>
+            <a:ext cx="4525920" cy="4958640"/>
           </a:xfrm>
           <a:prstGeom prst="rect">
             <a:avLst/>
@@ -10322,7 +10323,7 @@
         <p:spPr>
           <a:xfrm>
             <a:off x="3062520" y="1408320"/>
-            <a:ext cx="44280" cy="4008600"/>
+            <a:ext cx="43920" cy="4008240"/>
           </a:xfrm>
           <a:custGeom>
             <a:avLst/>
@@ -10371,7 +10372,7 @@
         <p:spPr>
           <a:xfrm>
             <a:off x="2909520" y="2743920"/>
-            <a:ext cx="605520" cy="537840"/>
+            <a:ext cx="605160" cy="537480"/>
           </a:xfrm>
           <a:prstGeom prst="rect">
             <a:avLst/>
@@ -10410,7 +10411,7 @@
         <p:spPr>
           <a:xfrm>
             <a:off x="3290760" y="4188960"/>
-            <a:ext cx="160920" cy="203040"/>
+            <a:ext cx="160560" cy="202680"/>
           </a:xfrm>
           <a:prstGeom prst="ellipse">
             <a:avLst/>
@@ -10446,7 +10447,7 @@
         <p:spPr>
           <a:xfrm>
             <a:off x="4890240" y="4188960"/>
-            <a:ext cx="160920" cy="203040"/>
+            <a:ext cx="160560" cy="202680"/>
           </a:xfrm>
           <a:prstGeom prst="ellipse">
             <a:avLst/>
@@ -10481,8 +10482,8 @@
         </p:nvSpPr>
         <p:spPr>
           <a:xfrm flipH="1">
-            <a:off x="3452040" y="4291560"/>
-            <a:ext cx="1434960" cy="360"/>
+            <a:off x="3451320" y="4291560"/>
+            <a:ext cx="1434600" cy="360"/>
           </a:xfrm>
           <a:custGeom>
             <a:avLst/>
@@ -10530,7 +10531,7 @@
         <p:spPr>
           <a:xfrm>
             <a:off x="4097520" y="4199040"/>
-            <a:ext cx="160920" cy="203040"/>
+            <a:ext cx="160560" cy="202680"/>
           </a:xfrm>
           <a:prstGeom prst="ellipse">
             <a:avLst/>
@@ -10566,7 +10567,7 @@
         <p:spPr>
           <a:xfrm>
             <a:off x="4910400" y="4662360"/>
-            <a:ext cx="160920" cy="203040"/>
+            <a:ext cx="160560" cy="202680"/>
           </a:xfrm>
           <a:prstGeom prst="ellipse">
             <a:avLst/>
@@ -10602,7 +10603,7 @@
         <p:spPr>
           <a:xfrm flipH="1">
             <a:off x="3762720" y="4764600"/>
-            <a:ext cx="1143720" cy="12240"/>
+            <a:ext cx="1143360" cy="11880"/>
           </a:xfrm>
           <a:custGeom>
             <a:avLst/>
@@ -10650,7 +10651,7 @@
         <p:spPr>
           <a:xfrm>
             <a:off x="4117680" y="4672080"/>
-            <a:ext cx="160920" cy="203040"/>
+            <a:ext cx="160560" cy="202680"/>
           </a:xfrm>
           <a:prstGeom prst="ellipse">
             <a:avLst/>
@@ -10686,7 +10687,7 @@
         <p:spPr>
           <a:xfrm>
             <a:off x="4910400" y="5275080"/>
-            <a:ext cx="160920" cy="203040"/>
+            <a:ext cx="160560" cy="202680"/>
           </a:xfrm>
           <a:prstGeom prst="ellipse">
             <a:avLst/>
@@ -10721,8 +10722,8 @@
         </p:nvSpPr>
         <p:spPr>
           <a:xfrm flipH="1">
-            <a:off x="3761640" y="5377320"/>
-            <a:ext cx="1145520" cy="7560"/>
+            <a:off x="3760920" y="5377320"/>
+            <a:ext cx="1145160" cy="7200"/>
           </a:xfrm>
           <a:custGeom>
             <a:avLst/>
@@ -10770,7 +10771,7 @@
         <p:spPr>
           <a:xfrm>
             <a:off x="4117680" y="5284800"/>
-            <a:ext cx="160920" cy="203040"/>
+            <a:ext cx="160560" cy="202680"/>
           </a:xfrm>
           <a:prstGeom prst="ellipse">
             <a:avLst/>
@@ -10806,7 +10807,7 @@
         <p:spPr>
           <a:xfrm>
             <a:off x="5206680" y="4109040"/>
-            <a:ext cx="976680" cy="248760"/>
+            <a:ext cx="976320" cy="248400"/>
           </a:xfrm>
           <a:prstGeom prst="rect">
             <a:avLst/>
@@ -10851,7 +10852,7 @@
               <a:t>1</a:t>
             </a:r>
             <a:endParaRPr b="0" lang="en-US" sz="1050" spc="-1" strike="noStrike">
-              <a:latin typeface="Arial"/>
+              <a:latin typeface="Times New Roman"/>
             </a:endParaRPr>
           </a:p>
         </p:txBody>
@@ -10865,7 +10866,7 @@
         <p:spPr>
           <a:xfrm>
             <a:off x="5220000" y="4632840"/>
-            <a:ext cx="976680" cy="248760"/>
+            <a:ext cx="976320" cy="248400"/>
           </a:xfrm>
           <a:prstGeom prst="rect">
             <a:avLst/>
@@ -10910,7 +10911,7 @@
               <a:t>2</a:t>
             </a:r>
             <a:endParaRPr b="0" lang="en-US" sz="1050" spc="-1" strike="noStrike">
-              <a:latin typeface="Arial"/>
+              <a:latin typeface="Times New Roman"/>
             </a:endParaRPr>
           </a:p>
         </p:txBody>
@@ -10924,7 +10925,7 @@
         <p:spPr>
           <a:xfrm>
             <a:off x="5244480" y="5297760"/>
-            <a:ext cx="976680" cy="248760"/>
+            <a:ext cx="976320" cy="248400"/>
           </a:xfrm>
           <a:prstGeom prst="rect">
             <a:avLst/>
@@ -10959,7 +10960,7 @@
               <a:t>Soil layer S</a:t>
             </a:r>
             <a:endParaRPr b="0" lang="en-US" sz="1050" spc="-1" strike="noStrike">
-              <a:latin typeface="Arial"/>
+              <a:latin typeface="Times New Roman"/>
             </a:endParaRPr>
           </a:p>
         </p:txBody>
@@ -10972,8 +10973,8 @@
         </p:nvSpPr>
         <p:spPr>
           <a:xfrm rot="16200000">
-            <a:off x="1887120" y="2477160"/>
-            <a:ext cx="483120" cy="248760"/>
+            <a:off x="1887120" y="2477520"/>
+            <a:ext cx="482760" cy="248400"/>
           </a:xfrm>
           <a:prstGeom prst="rect">
             <a:avLst/>
@@ -11008,7 +11009,7 @@
               <a:t>Stem</a:t>
             </a:r>
             <a:endParaRPr b="0" lang="en-US" sz="1050" spc="-1" strike="noStrike">
-              <a:latin typeface="Arial"/>
+              <a:latin typeface="Times New Roman"/>
             </a:endParaRPr>
           </a:p>
         </p:txBody>
@@ -11022,7 +11023,7 @@
         <p:spPr>
           <a:xfrm>
             <a:off x="3349800" y="5736600"/>
-            <a:ext cx="573840" cy="248760"/>
+            <a:ext cx="573480" cy="248400"/>
           </a:xfrm>
           <a:prstGeom prst="rect">
             <a:avLst/>
@@ -11057,7 +11058,7 @@
               <a:t>Roots</a:t>
             </a:r>
             <a:endParaRPr b="0" lang="en-US" sz="1050" spc="-1" strike="noStrike">
-              <a:latin typeface="Arial"/>
+              <a:latin typeface="Times New Roman"/>
             </a:endParaRPr>
           </a:p>
         </p:txBody>
@@ -11071,7 +11072,7 @@
         <p:spPr>
           <a:xfrm>
             <a:off x="3968640" y="5752440"/>
-            <a:ext cx="1475640" cy="248760"/>
+            <a:ext cx="1475280" cy="248400"/>
           </a:xfrm>
           <a:prstGeom prst="rect">
             <a:avLst/>
@@ -11106,7 +11107,7 @@
               <a:t>Rhizosphere</a:t>
             </a:r>
             <a:endParaRPr b="0" lang="en-US" sz="1050" spc="-1" strike="noStrike">
-              <a:latin typeface="Arial"/>
+              <a:latin typeface="Times New Roman"/>
             </a:endParaRPr>
           </a:p>
         </p:txBody>
@@ -11120,7 +11121,7 @@
         <p:spPr>
           <a:xfrm>
             <a:off x="3943440" y="4365720"/>
-            <a:ext cx="671760" cy="295560"/>
+            <a:ext cx="671400" cy="295200"/>
           </a:xfrm>
           <a:prstGeom prst="rect">
             <a:avLst/>
@@ -11175,7 +11176,7 @@
               <a:t>1</a:t>
             </a:r>
             <a:endParaRPr b="0" lang="en-US" sz="1200" spc="-1" strike="noStrike">
-              <a:latin typeface="Arial"/>
+              <a:latin typeface="Times New Roman"/>
             </a:endParaRPr>
           </a:p>
         </p:txBody>
@@ -11189,7 +11190,7 @@
         <p:spPr>
           <a:xfrm>
             <a:off x="3943440" y="4854240"/>
-            <a:ext cx="671760" cy="295560"/>
+            <a:ext cx="671400" cy="295200"/>
           </a:xfrm>
           <a:prstGeom prst="rect">
             <a:avLst/>
@@ -11244,7 +11245,7 @@
               <a:t>2</a:t>
             </a:r>
             <a:endParaRPr b="0" lang="en-US" sz="1200" spc="-1" strike="noStrike">
-              <a:latin typeface="Arial"/>
+              <a:latin typeface="Times New Roman"/>
             </a:endParaRPr>
           </a:p>
         </p:txBody>
@@ -11258,7 +11259,7 @@
         <p:spPr>
           <a:xfrm>
             <a:off x="3994560" y="5456520"/>
-            <a:ext cx="671760" cy="295560"/>
+            <a:ext cx="671400" cy="295200"/>
           </a:xfrm>
           <a:prstGeom prst="rect">
             <a:avLst/>
@@ -11303,7 +11304,7 @@
               <a:t>rootsurf, S</a:t>
             </a:r>
             <a:endParaRPr b="0" lang="en-US" sz="1200" spc="-1" strike="noStrike">
-              <a:latin typeface="Arial"/>
+              <a:latin typeface="Times New Roman"/>
             </a:endParaRPr>
           </a:p>
         </p:txBody>
@@ -11316,8 +11317,8 @@
         </p:nvSpPr>
         <p:spPr>
           <a:xfrm flipH="1" flipV="1">
-            <a:off x="3427560" y="4362480"/>
-            <a:ext cx="233640" cy="414000"/>
+            <a:off x="3427560" y="4361760"/>
+            <a:ext cx="233280" cy="413640"/>
           </a:xfrm>
           <a:custGeom>
             <a:avLst/>
@@ -11365,7 +11366,7 @@
         <p:spPr>
           <a:xfrm>
             <a:off x="2304000" y="4051080"/>
-            <a:ext cx="660960" cy="295560"/>
+            <a:ext cx="660600" cy="295200"/>
           </a:xfrm>
           <a:prstGeom prst="rect">
             <a:avLst/>
@@ -11410,7 +11411,7 @@
               <a:t>rootcrown</a:t>
             </a:r>
             <a:endParaRPr b="0" lang="en-US" sz="1200" spc="-1" strike="noStrike">
-              <a:latin typeface="Arial"/>
+              <a:latin typeface="Times New Roman"/>
             </a:endParaRPr>
           </a:p>
         </p:txBody>
@@ -11424,7 +11425,7 @@
         <p:spPr>
           <a:xfrm>
             <a:off x="4883760" y="4341960"/>
-            <a:ext cx="518040" cy="295560"/>
+            <a:ext cx="517680" cy="295200"/>
           </a:xfrm>
           <a:prstGeom prst="rect">
             <a:avLst/>
@@ -11479,7 +11480,7 @@
               <a:t>1</a:t>
             </a:r>
             <a:endParaRPr b="0" lang="en-US" sz="1200" spc="-1" strike="noStrike">
-              <a:latin typeface="Arial"/>
+              <a:latin typeface="Times New Roman"/>
             </a:endParaRPr>
           </a:p>
         </p:txBody>
@@ -11493,7 +11494,7 @@
         <p:spPr>
           <a:xfrm>
             <a:off x="4891680" y="4864320"/>
-            <a:ext cx="518040" cy="295560"/>
+            <a:ext cx="517680" cy="295200"/>
           </a:xfrm>
           <a:prstGeom prst="rect">
             <a:avLst/>
@@ -11548,7 +11549,7 @@
               <a:t>2</a:t>
             </a:r>
             <a:endParaRPr b="0" lang="en-US" sz="1200" spc="-1" strike="noStrike">
-              <a:latin typeface="Arial"/>
+              <a:latin typeface="Times New Roman"/>
             </a:endParaRPr>
           </a:p>
         </p:txBody>
@@ -11562,7 +11563,7 @@
         <p:spPr>
           <a:xfrm>
             <a:off x="4900680" y="5461200"/>
-            <a:ext cx="517680" cy="295560"/>
+            <a:ext cx="517320" cy="295200"/>
           </a:xfrm>
           <a:prstGeom prst="rect">
             <a:avLst/>
@@ -11607,7 +11608,7 @@
               <a:t>soil, S</a:t>
             </a:r>
             <a:endParaRPr b="0" lang="en-US" sz="1200" spc="-1" strike="noStrike">
-              <a:latin typeface="Arial"/>
+              <a:latin typeface="Times New Roman"/>
             </a:endParaRPr>
           </a:p>
         </p:txBody>
@@ -11620,8 +11621,8 @@
         </p:nvSpPr>
         <p:spPr>
           <a:xfrm rot="16200000">
-            <a:off x="1761840" y="1475280"/>
-            <a:ext cx="714960" cy="248760"/>
+            <a:off x="1761840" y="1475640"/>
+            <a:ext cx="714600" cy="248400"/>
           </a:xfrm>
           <a:prstGeom prst="rect">
             <a:avLst/>
@@ -11656,7 +11657,7 @@
               <a:t>Leaf</a:t>
             </a:r>
             <a:endParaRPr b="0" lang="en-US" sz="1050" spc="-1" strike="noStrike">
-              <a:latin typeface="Arial"/>
+              <a:latin typeface="Times New Roman"/>
             </a:endParaRPr>
           </a:p>
         </p:txBody>
@@ -11669,8 +11670,8 @@
         </p:nvSpPr>
         <p:spPr>
           <a:xfrm flipH="1" rot="16200000">
-            <a:off x="3021840" y="4743720"/>
-            <a:ext cx="991080" cy="291240"/>
+            <a:off x="3022200" y="4743720"/>
+            <a:ext cx="990720" cy="290880"/>
           </a:xfrm>
           <a:prstGeom prst="bentConnector2">
             <a:avLst/>
@@ -11705,7 +11706,7 @@
         <p:spPr>
           <a:xfrm>
             <a:off x="3574440" y="5001480"/>
-            <a:ext cx="248040" cy="248760"/>
+            <a:ext cx="247680" cy="248400"/>
           </a:xfrm>
           <a:prstGeom prst="rect">
             <a:avLst/>
@@ -11740,7 +11741,7 @@
               <a:t>…</a:t>
             </a:r>
             <a:endParaRPr b="0" lang="en-US" sz="1050" spc="-1" strike="noStrike">
-              <a:latin typeface="Arial"/>
+              <a:latin typeface="Times New Roman"/>
             </a:endParaRPr>
           </a:p>
         </p:txBody>
@@ -11754,7 +11755,7 @@
         <p:spPr>
           <a:xfrm>
             <a:off x="4881240" y="5023440"/>
-            <a:ext cx="248040" cy="248760"/>
+            <a:ext cx="247680" cy="248400"/>
           </a:xfrm>
           <a:prstGeom prst="rect">
             <a:avLst/>
@@ -11789,7 +11790,7 @@
               <a:t>…</a:t>
             </a:r>
             <a:endParaRPr b="0" lang="en-US" sz="1050" spc="-1" strike="noStrike">
-              <a:latin typeface="Arial"/>
+              <a:latin typeface="Times New Roman"/>
             </a:endParaRPr>
           </a:p>
         </p:txBody>
@@ -11802,10 +11803,10 @@
         </p:nvGrpSpPr>
         <p:grpSpPr>
           <a:xfrm>
-            <a:off x="3656520" y="4248360"/>
-            <a:ext cx="192240" cy="83880"/>
-            <a:chOff x="3656520" y="4248360"/>
-            <a:chExt cx="192240" cy="83880"/>
+            <a:off x="3656880" y="4248360"/>
+            <a:ext cx="191880" cy="83520"/>
+            <a:chOff x="3656880" y="4248360"/>
+            <a:chExt cx="191880" cy="83520"/>
           </a:xfrm>
         </p:grpSpPr>
         <p:sp>
@@ -11816,8 +11817,8 @@
           </p:nvSpPr>
           <p:spPr>
             <a:xfrm rot="5400000">
-              <a:off x="3708000" y="4196880"/>
-              <a:ext cx="83880" cy="186840"/>
+              <a:off x="3708360" y="4196880"/>
+              <a:ext cx="83520" cy="186480"/>
             </a:xfrm>
             <a:prstGeom prst="rect">
               <a:avLst/>
@@ -11849,8 +11850,8 @@
           </p:nvSpPr>
           <p:spPr>
             <a:xfrm rot="5400000">
-              <a:off x="3715920" y="4197960"/>
-              <a:ext cx="73080" cy="192240"/>
+              <a:off x="3716280" y="4197960"/>
+              <a:ext cx="72720" cy="191880"/>
             </a:xfrm>
             <a:custGeom>
               <a:avLst/>
@@ -11924,10 +11925,10 @@
         </p:nvGrpSpPr>
         <p:grpSpPr>
           <a:xfrm>
-            <a:off x="4516200" y="4250520"/>
-            <a:ext cx="192240" cy="83880"/>
-            <a:chOff x="4516200" y="4250520"/>
-            <a:chExt cx="192240" cy="83880"/>
+            <a:off x="4516560" y="4250520"/>
+            <a:ext cx="191880" cy="83520"/>
+            <a:chOff x="4516560" y="4250520"/>
+            <a:chExt cx="191880" cy="83520"/>
           </a:xfrm>
         </p:grpSpPr>
         <p:sp>
@@ -11938,8 +11939,8 @@
           </p:nvSpPr>
           <p:spPr>
             <a:xfrm rot="5400000">
-              <a:off x="4567680" y="4199040"/>
-              <a:ext cx="83880" cy="186840"/>
+              <a:off x="4568040" y="4199040"/>
+              <a:ext cx="83520" cy="186480"/>
             </a:xfrm>
             <a:prstGeom prst="rect">
               <a:avLst/>
@@ -11971,8 +11972,8 @@
           </p:nvSpPr>
           <p:spPr>
             <a:xfrm rot="5400000">
-              <a:off x="4575600" y="4200120"/>
-              <a:ext cx="73080" cy="192240"/>
+              <a:off x="4575960" y="4200120"/>
+              <a:ext cx="72720" cy="191880"/>
             </a:xfrm>
             <a:custGeom>
               <a:avLst/>
@@ -12046,10 +12047,10 @@
         </p:nvGrpSpPr>
         <p:grpSpPr>
           <a:xfrm>
-            <a:off x="4520160" y="4722840"/>
-            <a:ext cx="192240" cy="83880"/>
-            <a:chOff x="4520160" y="4722840"/>
-            <a:chExt cx="192240" cy="83880"/>
+            <a:off x="4520520" y="4722840"/>
+            <a:ext cx="191880" cy="83520"/>
+            <a:chOff x="4520520" y="4722840"/>
+            <a:chExt cx="191880" cy="83520"/>
           </a:xfrm>
         </p:grpSpPr>
         <p:sp>
@@ -12060,8 +12061,8 @@
           </p:nvSpPr>
           <p:spPr>
             <a:xfrm rot="5400000">
-              <a:off x="4571640" y="4671360"/>
-              <a:ext cx="83880" cy="186840"/>
+              <a:off x="4572000" y="4671360"/>
+              <a:ext cx="83520" cy="186480"/>
             </a:xfrm>
             <a:prstGeom prst="rect">
               <a:avLst/>
@@ -12093,8 +12094,8 @@
           </p:nvSpPr>
           <p:spPr>
             <a:xfrm rot="5400000">
-              <a:off x="4579560" y="4672440"/>
-              <a:ext cx="73080" cy="192240"/>
+              <a:off x="4579920" y="4672440"/>
+              <a:ext cx="72720" cy="191880"/>
             </a:xfrm>
             <a:custGeom>
               <a:avLst/>
@@ -12168,10 +12169,10 @@
         </p:nvGrpSpPr>
         <p:grpSpPr>
           <a:xfrm>
-            <a:off x="3666960" y="4736520"/>
-            <a:ext cx="192240" cy="83880"/>
-            <a:chOff x="3666960" y="4736520"/>
-            <a:chExt cx="192240" cy="83880"/>
+            <a:off x="3667320" y="4736520"/>
+            <a:ext cx="191880" cy="83520"/>
+            <a:chOff x="3667320" y="4736520"/>
+            <a:chExt cx="191880" cy="83520"/>
           </a:xfrm>
         </p:grpSpPr>
         <p:sp>
@@ -12182,8 +12183,8 @@
           </p:nvSpPr>
           <p:spPr>
             <a:xfrm rot="5400000">
-              <a:off x="3718440" y="4685040"/>
-              <a:ext cx="83880" cy="186840"/>
+              <a:off x="3718800" y="4685040"/>
+              <a:ext cx="83520" cy="186480"/>
             </a:xfrm>
             <a:prstGeom prst="rect">
               <a:avLst/>
@@ -12215,8 +12216,8 @@
           </p:nvSpPr>
           <p:spPr>
             <a:xfrm rot="5400000">
-              <a:off x="3726360" y="4686120"/>
-              <a:ext cx="73080" cy="192240"/>
+              <a:off x="3726720" y="4686120"/>
+              <a:ext cx="72720" cy="191880"/>
             </a:xfrm>
             <a:custGeom>
               <a:avLst/>
@@ -12290,10 +12291,10 @@
         </p:nvGrpSpPr>
         <p:grpSpPr>
           <a:xfrm>
-            <a:off x="3666960" y="5343840"/>
-            <a:ext cx="192240" cy="83880"/>
-            <a:chOff x="3666960" y="5343840"/>
-            <a:chExt cx="192240" cy="83880"/>
+            <a:off x="3667320" y="5343840"/>
+            <a:ext cx="191880" cy="83520"/>
+            <a:chOff x="3667320" y="5343840"/>
+            <a:chExt cx="191880" cy="83520"/>
           </a:xfrm>
         </p:grpSpPr>
         <p:sp>
@@ -12304,8 +12305,8 @@
           </p:nvSpPr>
           <p:spPr>
             <a:xfrm rot="5400000">
-              <a:off x="3718440" y="5292360"/>
-              <a:ext cx="83880" cy="186840"/>
+              <a:off x="3718800" y="5292360"/>
+              <a:ext cx="83520" cy="186480"/>
             </a:xfrm>
             <a:prstGeom prst="rect">
               <a:avLst/>
@@ -12337,8 +12338,8 @@
           </p:nvSpPr>
           <p:spPr>
             <a:xfrm rot="5400000">
-              <a:off x="3726360" y="5293080"/>
-              <a:ext cx="73080" cy="192240"/>
+              <a:off x="3726720" y="5293080"/>
+              <a:ext cx="72720" cy="191880"/>
             </a:xfrm>
             <a:custGeom>
               <a:avLst/>
@@ -12412,10 +12413,10 @@
         </p:nvGrpSpPr>
         <p:grpSpPr>
           <a:xfrm>
-            <a:off x="4516200" y="5334480"/>
-            <a:ext cx="192240" cy="83880"/>
-            <a:chOff x="4516200" y="5334480"/>
-            <a:chExt cx="192240" cy="83880"/>
+            <a:off x="4516560" y="5334480"/>
+            <a:ext cx="191880" cy="83520"/>
+            <a:chOff x="4516560" y="5334480"/>
+            <a:chExt cx="191880" cy="83520"/>
           </a:xfrm>
         </p:grpSpPr>
         <p:sp>
@@ -12426,8 +12427,8 @@
           </p:nvSpPr>
           <p:spPr>
             <a:xfrm rot="5400000">
-              <a:off x="4567680" y="5283000"/>
-              <a:ext cx="83880" cy="186840"/>
+              <a:off x="4568040" y="5283000"/>
+              <a:ext cx="83520" cy="186480"/>
             </a:xfrm>
             <a:prstGeom prst="rect">
               <a:avLst/>
@@ -12459,8 +12460,8 @@
           </p:nvSpPr>
           <p:spPr>
             <a:xfrm rot="5400000">
-              <a:off x="4575600" y="5284080"/>
-              <a:ext cx="73080" cy="192240"/>
+              <a:off x="4575960" y="5284080"/>
+              <a:ext cx="72720" cy="191880"/>
             </a:xfrm>
             <a:custGeom>
               <a:avLst/>
@@ -12535,7 +12536,7 @@
         <p:spPr>
           <a:xfrm>
             <a:off x="2512080" y="2012040"/>
-            <a:ext cx="520920" cy="278640"/>
+            <a:ext cx="520560" cy="278280"/>
           </a:xfrm>
           <a:prstGeom prst="rect">
             <a:avLst/>
@@ -12580,7 +12581,7 @@
               <a:t>stem, 2</a:t>
             </a:r>
             <a:endParaRPr b="0" lang="en-US" sz="1100" spc="-1" strike="noStrike">
-              <a:latin typeface="Arial"/>
+              <a:latin typeface="Times New Roman"/>
             </a:endParaRPr>
           </a:p>
         </p:txBody>
@@ -12594,7 +12595,7 @@
         <p:spPr>
           <a:xfrm>
             <a:off x="2959200" y="2870640"/>
-            <a:ext cx="634320" cy="278640"/>
+            <a:ext cx="633960" cy="278280"/>
           </a:xfrm>
           <a:prstGeom prst="rect">
             <a:avLst/>
@@ -12649,7 +12650,7 @@
               <a:t>1</a:t>
             </a:r>
             <a:endParaRPr b="0" lang="en-US" sz="1100" spc="-1" strike="noStrike">
-              <a:latin typeface="Arial"/>
+              <a:latin typeface="Times New Roman"/>
             </a:endParaRPr>
           </a:p>
         </p:txBody>
@@ -12663,7 +12664,7 @@
         <p:spPr>
           <a:xfrm>
             <a:off x="2527920" y="1492200"/>
-            <a:ext cx="414360" cy="278640"/>
+            <a:ext cx="414000" cy="278280"/>
           </a:xfrm>
           <a:prstGeom prst="rect">
             <a:avLst/>
@@ -12708,7 +12709,7 @@
               <a:t>leaf</a:t>
             </a:r>
             <a:endParaRPr b="0" lang="en-US" sz="1100" spc="-1" strike="noStrike">
-              <a:latin typeface="Arial"/>
+              <a:latin typeface="Times New Roman"/>
             </a:endParaRPr>
           </a:p>
         </p:txBody>
@@ -12722,7 +12723,7 @@
         <p:spPr>
           <a:xfrm>
             <a:off x="4096800" y="1494720"/>
-            <a:ext cx="730800" cy="269640"/>
+            <a:ext cx="730440" cy="269280"/>
           </a:xfrm>
           <a:prstGeom prst="rect">
             <a:avLst/>
@@ -12777,7 +12778,7 @@
               <a:t>symp, leaf</a:t>
             </a:r>
             <a:endParaRPr b="0" lang="en-US" sz="1050" spc="-1" strike="noStrike">
-              <a:latin typeface="Arial"/>
+              <a:latin typeface="Times New Roman"/>
             </a:endParaRPr>
           </a:p>
         </p:txBody>
@@ -12791,7 +12792,7 @@
         <p:spPr>
           <a:xfrm>
             <a:off x="3550680" y="2714040"/>
-            <a:ext cx="625320" cy="269640"/>
+            <a:ext cx="624960" cy="269280"/>
           </a:xfrm>
           <a:prstGeom prst="rect">
             <a:avLst/>
@@ -12836,7 +12837,7 @@
               <a:t>lat, stem</a:t>
             </a:r>
             <a:endParaRPr b="0" lang="en-US" sz="1050" spc="-1" strike="noStrike">
-              <a:latin typeface="Arial"/>
+              <a:latin typeface="Times New Roman"/>
             </a:endParaRPr>
           </a:p>
         </p:txBody>
@@ -12850,7 +12851,7 @@
         <p:spPr>
           <a:xfrm>
             <a:off x="3024720" y="2113560"/>
-            <a:ext cx="90720" cy="101520"/>
+            <a:ext cx="90360" cy="101160"/>
           </a:xfrm>
           <a:prstGeom prst="ellipse">
             <a:avLst/>
@@ -12886,9 +12887,9 @@
         <p:grpSpPr>
           <a:xfrm>
             <a:off x="3023640" y="2297160"/>
-            <a:ext cx="83880" cy="192240"/>
+            <a:ext cx="83520" cy="191880"/>
             <a:chOff x="3023640" y="2297160"/>
-            <a:chExt cx="83880" cy="192240"/>
+            <a:chExt cx="83520" cy="191880"/>
           </a:xfrm>
         </p:grpSpPr>
         <p:sp>
@@ -12900,7 +12901,7 @@
           <p:spPr>
             <a:xfrm>
               <a:off x="3023640" y="2302200"/>
-              <a:ext cx="83880" cy="186840"/>
+              <a:ext cx="83520" cy="186480"/>
             </a:xfrm>
             <a:prstGeom prst="rect">
               <a:avLst/>
@@ -12933,7 +12934,7 @@
           <p:spPr>
             <a:xfrm>
               <a:off x="3033000" y="2297160"/>
-              <a:ext cx="73080" cy="192240"/>
+              <a:ext cx="72720" cy="191880"/>
             </a:xfrm>
             <a:custGeom>
               <a:avLst/>
@@ -13008,9 +13009,9 @@
         <p:grpSpPr>
           <a:xfrm>
             <a:off x="3026160" y="1761840"/>
-            <a:ext cx="83880" cy="192240"/>
+            <a:ext cx="83520" cy="191880"/>
             <a:chOff x="3026160" y="1761840"/>
-            <a:chExt cx="83880" cy="192240"/>
+            <a:chExt cx="83520" cy="191880"/>
           </a:xfrm>
         </p:grpSpPr>
         <p:sp>
@@ -13022,7 +13023,7 @@
           <p:spPr>
             <a:xfrm>
               <a:off x="3026160" y="1767240"/>
-              <a:ext cx="83880" cy="186840"/>
+              <a:ext cx="83520" cy="186480"/>
             </a:xfrm>
             <a:prstGeom prst="rect">
               <a:avLst/>
@@ -13055,7 +13056,7 @@
           <p:spPr>
             <a:xfrm>
               <a:off x="3035520" y="1761840"/>
-              <a:ext cx="73080" cy="192240"/>
+              <a:ext cx="72720" cy="191880"/>
             </a:xfrm>
             <a:custGeom>
               <a:avLst/>
@@ -13130,7 +13131,7 @@
         <p:spPr>
           <a:xfrm>
             <a:off x="3023640" y="1562400"/>
-            <a:ext cx="90720" cy="101520"/>
+            <a:ext cx="90360" cy="101160"/>
           </a:xfrm>
           <a:prstGeom prst="ellipse">
             <a:avLst/>
@@ -13166,7 +13167,7 @@
         <p:spPr>
           <a:xfrm>
             <a:off x="3387960" y="3359520"/>
-            <a:ext cx="605160" cy="269640"/>
+            <a:ext cx="604800" cy="269280"/>
           </a:xfrm>
           <a:prstGeom prst="rect">
             <a:avLst/>
@@ -13211,7 +13212,7 @@
               <a:t>stem,in</a:t>
             </a:r>
             <a:endParaRPr b="0" lang="en-US" sz="1050" spc="-1" strike="noStrike">
-              <a:latin typeface="Arial"/>
+              <a:latin typeface="Times New Roman"/>
             </a:endParaRPr>
           </a:p>
         </p:txBody>
@@ -13225,7 +13226,7 @@
         <p:spPr>
           <a:xfrm>
             <a:off x="3029400" y="2446560"/>
-            <a:ext cx="605160" cy="269640"/>
+            <a:ext cx="604800" cy="269280"/>
           </a:xfrm>
           <a:prstGeom prst="rect">
             <a:avLst/>
@@ -13270,7 +13271,7 @@
               <a:t>stem,out</a:t>
             </a:r>
             <a:endParaRPr b="0" lang="en-US" sz="1050" spc="-1" strike="noStrike">
-              <a:latin typeface="Arial"/>
+              <a:latin typeface="Times New Roman"/>
             </a:endParaRPr>
           </a:p>
         </p:txBody>
@@ -13284,7 +13285,7 @@
         <p:spPr>
           <a:xfrm>
             <a:off x="3146040" y="1607760"/>
-            <a:ext cx="937440" cy="360"/>
+            <a:ext cx="937080" cy="360"/>
           </a:xfrm>
           <a:custGeom>
             <a:avLst/>
@@ -13334,7 +13335,7 @@
         <p:spPr>
           <a:xfrm>
             <a:off x="3351240" y="1332720"/>
-            <a:ext cx="625320" cy="269640"/>
+            <a:ext cx="624960" cy="269280"/>
           </a:xfrm>
           <a:prstGeom prst="rect">
             <a:avLst/>
@@ -13379,7 +13380,7 @@
               <a:t>lat, leaf</a:t>
             </a:r>
             <a:endParaRPr b="0" lang="en-US" sz="1050" spc="-1" strike="noStrike">
-              <a:latin typeface="Arial"/>
+              <a:latin typeface="Times New Roman"/>
             </a:endParaRPr>
           </a:p>
         </p:txBody>
@@ -13393,7 +13394,7 @@
         <p:spPr>
           <a:xfrm>
             <a:off x="2869560" y="1080000"/>
-            <a:ext cx="605160" cy="269640"/>
+            <a:ext cx="604800" cy="269280"/>
           </a:xfrm>
           <a:prstGeom prst="rect">
             <a:avLst/>
@@ -13438,7 +13439,7 @@
               <a:t>leaf</a:t>
             </a:r>
             <a:endParaRPr b="0" lang="en-US" sz="1050" spc="-1" strike="noStrike">
-              <a:latin typeface="Arial"/>
+              <a:latin typeface="Times New Roman"/>
             </a:endParaRPr>
           </a:p>
         </p:txBody>
@@ -13452,7 +13453,7 @@
         <p:spPr>
           <a:xfrm>
             <a:off x="2994840" y="4201200"/>
-            <a:ext cx="160920" cy="203040"/>
+            <a:ext cx="160560" cy="202680"/>
           </a:xfrm>
           <a:prstGeom prst="ellipse">
             <a:avLst/>
@@ -13488,9 +13489,9 @@
         <p:grpSpPr>
           <a:xfrm>
             <a:off x="3027240" y="3773520"/>
-            <a:ext cx="83880" cy="192240"/>
+            <a:ext cx="83520" cy="191880"/>
             <a:chOff x="3027240" y="3773520"/>
-            <a:chExt cx="83880" cy="192240"/>
+            <a:chExt cx="83520" cy="191880"/>
           </a:xfrm>
         </p:grpSpPr>
         <p:sp>
@@ -13502,7 +13503,7 @@
           <p:spPr>
             <a:xfrm>
               <a:off x="3027240" y="3778920"/>
-              <a:ext cx="83880" cy="186840"/>
+              <a:ext cx="83520" cy="186480"/>
             </a:xfrm>
             <a:prstGeom prst="rect">
               <a:avLst/>
@@ -13535,7 +13536,7 @@
           <p:spPr>
             <a:xfrm>
               <a:off x="3036600" y="3773520"/>
-              <a:ext cx="73080" cy="192240"/>
+              <a:ext cx="72720" cy="191880"/>
             </a:xfrm>
             <a:custGeom>
               <a:avLst/>
@@ -13610,7 +13611,7 @@
         <p:spPr>
           <a:xfrm>
             <a:off x="3020760" y="5204520"/>
-            <a:ext cx="160920" cy="203040"/>
+            <a:ext cx="160560" cy="202680"/>
           </a:xfrm>
           <a:prstGeom prst="ellipse">
             <a:avLst/>
@@ -13646,7 +13647,7 @@
         <p:spPr>
           <a:xfrm>
             <a:off x="2318040" y="5088600"/>
-            <a:ext cx="660960" cy="295560"/>
+            <a:ext cx="660600" cy="295200"/>
           </a:xfrm>
           <a:prstGeom prst="rect">
             <a:avLst/>
@@ -13691,7 +13692,7 @@
               <a:t>rootsurf</a:t>
             </a:r>
             <a:endParaRPr b="0" lang="en-US" sz="1200" spc="-1" strike="noStrike">
-              <a:latin typeface="Arial"/>
+              <a:latin typeface="Times New Roman"/>
             </a:endParaRPr>
           </a:p>
         </p:txBody>
@@ -13705,9 +13706,9 @@
         <p:grpSpPr>
           <a:xfrm>
             <a:off x="3049920" y="4693680"/>
-            <a:ext cx="83880" cy="192240"/>
+            <a:ext cx="83520" cy="191880"/>
             <a:chOff x="3049920" y="4693680"/>
-            <a:chExt cx="83880" cy="192240"/>
+            <a:chExt cx="83520" cy="191880"/>
           </a:xfrm>
         </p:grpSpPr>
         <p:sp>
@@ -13719,7 +13720,7 @@
           <p:spPr>
             <a:xfrm>
               <a:off x="3049920" y="4699080"/>
-              <a:ext cx="83880" cy="186840"/>
+              <a:ext cx="83520" cy="186480"/>
             </a:xfrm>
             <a:prstGeom prst="rect">
               <a:avLst/>
@@ -13752,7 +13753,7 @@
           <p:spPr>
             <a:xfrm>
               <a:off x="3059280" y="4693680"/>
-              <a:ext cx="73080" cy="192240"/>
+              <a:ext cx="72720" cy="191880"/>
             </a:xfrm>
             <a:custGeom>
               <a:avLst/>
@@ -13827,7 +13828,7 @@
         <p:spPr>
           <a:xfrm>
             <a:off x="4117680" y="2743920"/>
-            <a:ext cx="709560" cy="537840"/>
+            <a:ext cx="709200" cy="537480"/>
           </a:xfrm>
           <a:prstGeom prst="rect">
             <a:avLst/>
@@ -13865,8 +13866,8 @@
         </p:nvSpPr>
         <p:spPr>
           <a:xfrm flipH="1">
-            <a:off x="3515040" y="3013560"/>
-            <a:ext cx="599760" cy="360"/>
+            <a:off x="3514320" y="3013560"/>
+            <a:ext cx="599400" cy="360"/>
           </a:xfrm>
           <a:custGeom>
             <a:avLst/>
@@ -13916,7 +13917,7 @@
         <p:spPr>
           <a:xfrm>
             <a:off x="4120920" y="2869920"/>
-            <a:ext cx="634320" cy="278640"/>
+            <a:ext cx="633960" cy="278280"/>
           </a:xfrm>
           <a:prstGeom prst="rect">
             <a:avLst/>
@@ -13981,7 +13982,7 @@
               <a:t>stem</a:t>
             </a:r>
             <a:endParaRPr b="0" lang="en-US" sz="1100" spc="-1" strike="noStrike">
-              <a:latin typeface="Arial"/>
+              <a:latin typeface="Times New Roman"/>
             </a:endParaRPr>
           </a:p>
         </p:txBody>
@@ -13994,8 +13995,8 @@
         </p:nvSpPr>
         <p:spPr>
           <a:xfrm rot="16200000">
-            <a:off x="1764720" y="4415400"/>
-            <a:ext cx="686880" cy="248760"/>
+            <a:off x="1764720" y="4415760"/>
+            <a:ext cx="686520" cy="248400"/>
           </a:xfrm>
           <a:prstGeom prst="rect">
             <a:avLst/>
@@ -14030,7 +14031,7 @@
               <a:t>Roots</a:t>
             </a:r>
             <a:endParaRPr b="0" lang="en-US" sz="1050" spc="-1" strike="noStrike">
-              <a:latin typeface="Arial"/>
+              <a:latin typeface="Times New Roman"/>
             </a:endParaRPr>
           </a:p>
         </p:txBody>
@@ -14043,8 +14044,8 @@
         </p:nvSpPr>
         <p:spPr>
           <a:xfrm flipH="1" flipV="1">
-            <a:off x="3372840" y="3274200"/>
-            <a:ext cx="5760" cy="911520"/>
+            <a:off x="3372120" y="3273480"/>
+            <a:ext cx="5400" cy="911160"/>
           </a:xfrm>
           <a:custGeom>
             <a:avLst/>
@@ -14093,9 +14094,9 @@
         <p:grpSpPr>
           <a:xfrm>
             <a:off x="3323160" y="3769920"/>
-            <a:ext cx="83880" cy="192240"/>
+            <a:ext cx="83520" cy="191880"/>
             <a:chOff x="3323160" y="3769920"/>
-            <a:chExt cx="83880" cy="192240"/>
+            <a:chExt cx="83520" cy="191880"/>
           </a:xfrm>
         </p:grpSpPr>
         <p:sp>
@@ -14107,7 +14108,7 @@
           <p:spPr>
             <a:xfrm>
               <a:off x="3323160" y="3775320"/>
-              <a:ext cx="83880" cy="186840"/>
+              <a:ext cx="83520" cy="186480"/>
             </a:xfrm>
             <a:prstGeom prst="rect">
               <a:avLst/>
@@ -14140,7 +14141,7 @@
           <p:spPr>
             <a:xfrm>
               <a:off x="3332520" y="3769920"/>
-              <a:ext cx="73080" cy="192240"/>
+              <a:ext cx="72720" cy="191880"/>
             </a:xfrm>
             <a:custGeom>
               <a:avLst/>
@@ -14271,7 +14272,7 @@
         <p:spPr>
           <a:xfrm>
             <a:off x="213480" y="583920"/>
-            <a:ext cx="8713440" cy="5391000"/>
+            <a:ext cx="8713080" cy="5390640"/>
           </a:xfrm>
           <a:prstGeom prst="rect">
             <a:avLst/>
@@ -14311,7 +14312,7 @@
         <p:spPr>
           <a:xfrm>
             <a:off x="72000" y="1008000"/>
-            <a:ext cx="3265560" cy="4815000"/>
+            <a:ext cx="3265200" cy="4814640"/>
           </a:xfrm>
           <a:prstGeom prst="rect">
             <a:avLst/>
@@ -14330,7 +14331,7 @@
         <p:spPr>
           <a:xfrm>
             <a:off x="1881000" y="1015920"/>
-            <a:ext cx="7117920" cy="4959000"/>
+            <a:ext cx="7117560" cy="4958640"/>
           </a:xfrm>
           <a:prstGeom prst="rect">
             <a:avLst/>
@@ -14368,7 +14369,7 @@
         <p:spPr>
           <a:xfrm>
             <a:off x="5727600" y="1324440"/>
-            <a:ext cx="44280" cy="4008600"/>
+            <a:ext cx="43920" cy="4008240"/>
           </a:xfrm>
           <a:custGeom>
             <a:avLst/>
@@ -14417,7 +14418,7 @@
         <p:spPr>
           <a:xfrm>
             <a:off x="5574600" y="2660040"/>
-            <a:ext cx="605520" cy="537840"/>
+            <a:ext cx="605160" cy="537480"/>
           </a:xfrm>
           <a:prstGeom prst="rect">
             <a:avLst/>
@@ -14456,7 +14457,7 @@
         <p:spPr>
           <a:xfrm>
             <a:off x="5955840" y="4105080"/>
-            <a:ext cx="160920" cy="203040"/>
+            <a:ext cx="160560" cy="202680"/>
           </a:xfrm>
           <a:prstGeom prst="ellipse">
             <a:avLst/>
@@ -14492,7 +14493,7 @@
         <p:spPr>
           <a:xfrm>
             <a:off x="7555320" y="4105080"/>
-            <a:ext cx="160920" cy="203040"/>
+            <a:ext cx="160560" cy="202680"/>
           </a:xfrm>
           <a:prstGeom prst="ellipse">
             <a:avLst/>
@@ -14527,8 +14528,8 @@
         </p:nvSpPr>
         <p:spPr>
           <a:xfrm flipH="1">
-            <a:off x="6117120" y="4207680"/>
-            <a:ext cx="1434960" cy="360"/>
+            <a:off x="6116400" y="4207680"/>
+            <a:ext cx="1434600" cy="360"/>
           </a:xfrm>
           <a:custGeom>
             <a:avLst/>
@@ -14576,7 +14577,7 @@
         <p:spPr>
           <a:xfrm>
             <a:off x="6762600" y="4115160"/>
-            <a:ext cx="160920" cy="203040"/>
+            <a:ext cx="160560" cy="202680"/>
           </a:xfrm>
           <a:prstGeom prst="ellipse">
             <a:avLst/>
@@ -14612,7 +14613,7 @@
         <p:spPr>
           <a:xfrm>
             <a:off x="7575480" y="4578480"/>
-            <a:ext cx="160920" cy="203040"/>
+            <a:ext cx="160560" cy="202680"/>
           </a:xfrm>
           <a:prstGeom prst="ellipse">
             <a:avLst/>
@@ -14648,7 +14649,7 @@
         <p:spPr>
           <a:xfrm flipH="1">
             <a:off x="6427800" y="4680720"/>
-            <a:ext cx="1143720" cy="12240"/>
+            <a:ext cx="1143360" cy="11880"/>
           </a:xfrm>
           <a:custGeom>
             <a:avLst/>
@@ -14696,7 +14697,7 @@
         <p:spPr>
           <a:xfrm>
             <a:off x="6782760" y="4588200"/>
-            <a:ext cx="160920" cy="203040"/>
+            <a:ext cx="160560" cy="202680"/>
           </a:xfrm>
           <a:prstGeom prst="ellipse">
             <a:avLst/>
@@ -14732,7 +14733,7 @@
         <p:spPr>
           <a:xfrm>
             <a:off x="7575480" y="5191200"/>
-            <a:ext cx="160920" cy="203040"/>
+            <a:ext cx="160560" cy="202680"/>
           </a:xfrm>
           <a:prstGeom prst="ellipse">
             <a:avLst/>
@@ -14767,8 +14768,8 @@
         </p:nvSpPr>
         <p:spPr>
           <a:xfrm flipH="1">
-            <a:off x="6426720" y="5293440"/>
-            <a:ext cx="1145520" cy="7560"/>
+            <a:off x="6426000" y="5293440"/>
+            <a:ext cx="1145160" cy="7200"/>
           </a:xfrm>
           <a:custGeom>
             <a:avLst/>
@@ -14816,7 +14817,7 @@
         <p:spPr>
           <a:xfrm>
             <a:off x="6782760" y="5200920"/>
-            <a:ext cx="160920" cy="203040"/>
+            <a:ext cx="160560" cy="202680"/>
           </a:xfrm>
           <a:prstGeom prst="ellipse">
             <a:avLst/>
@@ -14852,7 +14853,7 @@
         <p:spPr>
           <a:xfrm>
             <a:off x="7871760" y="4025160"/>
-            <a:ext cx="976680" cy="248760"/>
+            <a:ext cx="976320" cy="248400"/>
           </a:xfrm>
           <a:prstGeom prst="rect">
             <a:avLst/>
@@ -14897,7 +14898,7 @@
               <a:t>1</a:t>
             </a:r>
             <a:endParaRPr b="0" lang="en-US" sz="1050" spc="-1" strike="noStrike">
-              <a:latin typeface="Arial"/>
+              <a:latin typeface="Times New Roman"/>
             </a:endParaRPr>
           </a:p>
         </p:txBody>
@@ -14911,7 +14912,7 @@
         <p:spPr>
           <a:xfrm>
             <a:off x="7885080" y="4548960"/>
-            <a:ext cx="976680" cy="248760"/>
+            <a:ext cx="976320" cy="248400"/>
           </a:xfrm>
           <a:prstGeom prst="rect">
             <a:avLst/>
@@ -14956,7 +14957,7 @@
               <a:t>2</a:t>
             </a:r>
             <a:endParaRPr b="0" lang="en-US" sz="1050" spc="-1" strike="noStrike">
-              <a:latin typeface="Arial"/>
+              <a:latin typeface="Times New Roman"/>
             </a:endParaRPr>
           </a:p>
         </p:txBody>
@@ -14970,7 +14971,7 @@
         <p:spPr>
           <a:xfrm>
             <a:off x="7909560" y="5213880"/>
-            <a:ext cx="976680" cy="248760"/>
+            <a:ext cx="976320" cy="248400"/>
           </a:xfrm>
           <a:prstGeom prst="rect">
             <a:avLst/>
@@ -15005,7 +15006,7 @@
               <a:t>Soil layer S</a:t>
             </a:r>
             <a:endParaRPr b="0" lang="en-US" sz="1050" spc="-1" strike="noStrike">
-              <a:latin typeface="Arial"/>
+              <a:latin typeface="Times New Roman"/>
             </a:endParaRPr>
           </a:p>
         </p:txBody>
@@ -15018,8 +15019,8 @@
         </p:nvSpPr>
         <p:spPr>
           <a:xfrm rot="16200000">
-            <a:off x="1887120" y="2477160"/>
-            <a:ext cx="483120" cy="248760"/>
+            <a:off x="1887120" y="2477520"/>
+            <a:ext cx="482760" cy="248400"/>
           </a:xfrm>
           <a:prstGeom prst="rect">
             <a:avLst/>
@@ -15054,7 +15055,7 @@
               <a:t>Stem</a:t>
             </a:r>
             <a:endParaRPr b="0" lang="en-US" sz="1050" spc="-1" strike="noStrike">
-              <a:latin typeface="Arial"/>
+              <a:latin typeface="Times New Roman"/>
             </a:endParaRPr>
           </a:p>
         </p:txBody>
@@ -15068,7 +15069,7 @@
         <p:spPr>
           <a:xfrm>
             <a:off x="6014880" y="5652720"/>
-            <a:ext cx="573840" cy="248760"/>
+            <a:ext cx="573480" cy="248400"/>
           </a:xfrm>
           <a:prstGeom prst="rect">
             <a:avLst/>
@@ -15103,7 +15104,7 @@
               <a:t>Roots</a:t>
             </a:r>
             <a:endParaRPr b="0" lang="en-US" sz="1050" spc="-1" strike="noStrike">
-              <a:latin typeface="Arial"/>
+              <a:latin typeface="Times New Roman"/>
             </a:endParaRPr>
           </a:p>
         </p:txBody>
@@ -15117,7 +15118,7 @@
         <p:spPr>
           <a:xfrm>
             <a:off x="6633720" y="5668560"/>
-            <a:ext cx="1475640" cy="248760"/>
+            <a:ext cx="1475280" cy="248400"/>
           </a:xfrm>
           <a:prstGeom prst="rect">
             <a:avLst/>
@@ -15152,7 +15153,7 @@
               <a:t>Rhizosphere</a:t>
             </a:r>
             <a:endParaRPr b="0" lang="en-US" sz="1050" spc="-1" strike="noStrike">
-              <a:latin typeface="Arial"/>
+              <a:latin typeface="Times New Roman"/>
             </a:endParaRPr>
           </a:p>
         </p:txBody>
@@ -15166,7 +15167,7 @@
         <p:spPr>
           <a:xfrm>
             <a:off x="6608520" y="4281840"/>
-            <a:ext cx="671760" cy="295560"/>
+            <a:ext cx="671400" cy="295200"/>
           </a:xfrm>
           <a:prstGeom prst="rect">
             <a:avLst/>
@@ -15221,7 +15222,7 @@
               <a:t>1</a:t>
             </a:r>
             <a:endParaRPr b="0" lang="en-US" sz="1200" spc="-1" strike="noStrike">
-              <a:latin typeface="Arial"/>
+              <a:latin typeface="Times New Roman"/>
             </a:endParaRPr>
           </a:p>
         </p:txBody>
@@ -15235,7 +15236,7 @@
         <p:spPr>
           <a:xfrm>
             <a:off x="6608520" y="4770360"/>
-            <a:ext cx="671760" cy="295560"/>
+            <a:ext cx="671400" cy="295200"/>
           </a:xfrm>
           <a:prstGeom prst="rect">
             <a:avLst/>
@@ -15290,7 +15291,7 @@
               <a:t>2</a:t>
             </a:r>
             <a:endParaRPr b="0" lang="en-US" sz="1200" spc="-1" strike="noStrike">
-              <a:latin typeface="Arial"/>
+              <a:latin typeface="Times New Roman"/>
             </a:endParaRPr>
           </a:p>
         </p:txBody>
@@ -15304,7 +15305,7 @@
         <p:spPr>
           <a:xfrm>
             <a:off x="6659640" y="5372640"/>
-            <a:ext cx="671760" cy="295560"/>
+            <a:ext cx="671400" cy="295200"/>
           </a:xfrm>
           <a:prstGeom prst="rect">
             <a:avLst/>
@@ -15349,7 +15350,7 @@
               <a:t>rootsurf, S</a:t>
             </a:r>
             <a:endParaRPr b="0" lang="en-US" sz="1200" spc="-1" strike="noStrike">
-              <a:latin typeface="Arial"/>
+              <a:latin typeface="Times New Roman"/>
             </a:endParaRPr>
           </a:p>
         </p:txBody>
@@ -15362,8 +15363,8 @@
         </p:nvSpPr>
         <p:spPr>
           <a:xfrm flipH="1" flipV="1">
-            <a:off x="6092640" y="4278600"/>
-            <a:ext cx="233640" cy="414000"/>
+            <a:off x="6092640" y="4277880"/>
+            <a:ext cx="233280" cy="413640"/>
           </a:xfrm>
           <a:custGeom>
             <a:avLst/>
@@ -15411,7 +15412,7 @@
         <p:spPr>
           <a:xfrm>
             <a:off x="4969080" y="3967200"/>
-            <a:ext cx="660960" cy="295560"/>
+            <a:ext cx="660600" cy="295200"/>
           </a:xfrm>
           <a:prstGeom prst="rect">
             <a:avLst/>
@@ -15456,7 +15457,7 @@
               <a:t>rootcrown</a:t>
             </a:r>
             <a:endParaRPr b="0" lang="en-US" sz="1200" spc="-1" strike="noStrike">
-              <a:latin typeface="Arial"/>
+              <a:latin typeface="Times New Roman"/>
             </a:endParaRPr>
           </a:p>
         </p:txBody>
@@ -15470,7 +15471,7 @@
         <p:spPr>
           <a:xfrm>
             <a:off x="7548840" y="4258080"/>
-            <a:ext cx="518040" cy="295560"/>
+            <a:ext cx="517680" cy="295200"/>
           </a:xfrm>
           <a:prstGeom prst="rect">
             <a:avLst/>
@@ -15525,7 +15526,7 @@
               <a:t>1</a:t>
             </a:r>
             <a:endParaRPr b="0" lang="en-US" sz="1200" spc="-1" strike="noStrike">
-              <a:latin typeface="Arial"/>
+              <a:latin typeface="Times New Roman"/>
             </a:endParaRPr>
           </a:p>
         </p:txBody>
@@ -15539,7 +15540,7 @@
         <p:spPr>
           <a:xfrm>
             <a:off x="7556760" y="4780440"/>
-            <a:ext cx="518040" cy="295560"/>
+            <a:ext cx="517680" cy="295200"/>
           </a:xfrm>
           <a:prstGeom prst="rect">
             <a:avLst/>
@@ -15594,7 +15595,7 @@
               <a:t>2</a:t>
             </a:r>
             <a:endParaRPr b="0" lang="en-US" sz="1200" spc="-1" strike="noStrike">
-              <a:latin typeface="Arial"/>
+              <a:latin typeface="Times New Roman"/>
             </a:endParaRPr>
           </a:p>
         </p:txBody>
@@ -15608,7 +15609,7 @@
         <p:spPr>
           <a:xfrm>
             <a:off x="7565760" y="5377320"/>
-            <a:ext cx="517680" cy="295560"/>
+            <a:ext cx="517320" cy="295200"/>
           </a:xfrm>
           <a:prstGeom prst="rect">
             <a:avLst/>
@@ -15653,7 +15654,7 @@
               <a:t>soil, S</a:t>
             </a:r>
             <a:endParaRPr b="0" lang="en-US" sz="1200" spc="-1" strike="noStrike">
-              <a:latin typeface="Arial"/>
+              <a:latin typeface="Times New Roman"/>
             </a:endParaRPr>
           </a:p>
         </p:txBody>
@@ -15666,8 +15667,8 @@
         </p:nvSpPr>
         <p:spPr>
           <a:xfrm rot="16200000">
-            <a:off x="1761840" y="1475280"/>
-            <a:ext cx="714960" cy="248760"/>
+            <a:off x="1761840" y="1475640"/>
+            <a:ext cx="714600" cy="248400"/>
           </a:xfrm>
           <a:prstGeom prst="rect">
             <a:avLst/>
@@ -15702,7 +15703,7 @@
               <a:t>Leaf</a:t>
             </a:r>
             <a:endParaRPr b="0" lang="en-US" sz="1050" spc="-1" strike="noStrike">
-              <a:latin typeface="Arial"/>
+              <a:latin typeface="Times New Roman"/>
             </a:endParaRPr>
           </a:p>
         </p:txBody>
@@ -15715,8 +15716,8 @@
         </p:nvSpPr>
         <p:spPr>
           <a:xfrm flipH="1" rot="16200000">
-            <a:off x="5686920" y="4659840"/>
-            <a:ext cx="991080" cy="291240"/>
+            <a:off x="5687280" y="4659840"/>
+            <a:ext cx="990720" cy="290880"/>
           </a:xfrm>
           <a:prstGeom prst="bentConnector2">
             <a:avLst/>
@@ -15751,7 +15752,7 @@
         <p:spPr>
           <a:xfrm>
             <a:off x="6239520" y="4917600"/>
-            <a:ext cx="248040" cy="248760"/>
+            <a:ext cx="247680" cy="248400"/>
           </a:xfrm>
           <a:prstGeom prst="rect">
             <a:avLst/>
@@ -15786,7 +15787,7 @@
               <a:t>…</a:t>
             </a:r>
             <a:endParaRPr b="0" lang="en-US" sz="1050" spc="-1" strike="noStrike">
-              <a:latin typeface="Arial"/>
+              <a:latin typeface="Times New Roman"/>
             </a:endParaRPr>
           </a:p>
         </p:txBody>
@@ -15800,7 +15801,7 @@
         <p:spPr>
           <a:xfrm>
             <a:off x="7546320" y="4939560"/>
-            <a:ext cx="248040" cy="248760"/>
+            <a:ext cx="247680" cy="248400"/>
           </a:xfrm>
           <a:prstGeom prst="rect">
             <a:avLst/>
@@ -15835,7 +15836,7 @@
               <a:t>…</a:t>
             </a:r>
             <a:endParaRPr b="0" lang="en-US" sz="1050" spc="-1" strike="noStrike">
-              <a:latin typeface="Arial"/>
+              <a:latin typeface="Times New Roman"/>
             </a:endParaRPr>
           </a:p>
         </p:txBody>
@@ -15848,10 +15849,10 @@
         </p:nvGrpSpPr>
         <p:grpSpPr>
           <a:xfrm>
-            <a:off x="6321240" y="4164480"/>
-            <a:ext cx="192240" cy="83880"/>
-            <a:chOff x="6321240" y="4164480"/>
-            <a:chExt cx="192240" cy="83880"/>
+            <a:off x="6321600" y="4164480"/>
+            <a:ext cx="191880" cy="83520"/>
+            <a:chOff x="6321600" y="4164480"/>
+            <a:chExt cx="191880" cy="83520"/>
           </a:xfrm>
         </p:grpSpPr>
         <p:sp>
@@ -15862,8 +15863,8 @@
           </p:nvSpPr>
           <p:spPr>
             <a:xfrm rot="5400000">
-              <a:off x="6373080" y="4113000"/>
-              <a:ext cx="83880" cy="186840"/>
+              <a:off x="6373440" y="4113000"/>
+              <a:ext cx="83520" cy="186480"/>
             </a:xfrm>
             <a:prstGeom prst="rect">
               <a:avLst/>
@@ -15895,8 +15896,8 @@
           </p:nvSpPr>
           <p:spPr>
             <a:xfrm rot="5400000">
-              <a:off x="6380640" y="4114440"/>
-              <a:ext cx="73080" cy="192240"/>
+              <a:off x="6381000" y="4114440"/>
+              <a:ext cx="72720" cy="191880"/>
             </a:xfrm>
             <a:custGeom>
               <a:avLst/>
@@ -15970,10 +15971,10 @@
         </p:nvGrpSpPr>
         <p:grpSpPr>
           <a:xfrm>
-            <a:off x="7181280" y="4166640"/>
-            <a:ext cx="192240" cy="83880"/>
-            <a:chOff x="7181280" y="4166640"/>
-            <a:chExt cx="192240" cy="83880"/>
+            <a:off x="7181640" y="4166640"/>
+            <a:ext cx="191880" cy="83520"/>
+            <a:chOff x="7181640" y="4166640"/>
+            <a:chExt cx="191880" cy="83520"/>
           </a:xfrm>
         </p:grpSpPr>
         <p:sp>
@@ -15984,8 +15985,8 @@
           </p:nvSpPr>
           <p:spPr>
             <a:xfrm rot="5400000">
-              <a:off x="7232760" y="4115160"/>
-              <a:ext cx="83880" cy="186840"/>
+              <a:off x="7233120" y="4115160"/>
+              <a:ext cx="83520" cy="186480"/>
             </a:xfrm>
             <a:prstGeom prst="rect">
               <a:avLst/>
@@ -16017,8 +16018,8 @@
           </p:nvSpPr>
           <p:spPr>
             <a:xfrm rot="5400000">
-              <a:off x="7240680" y="4116240"/>
-              <a:ext cx="73080" cy="192240"/>
+              <a:off x="7241040" y="4116240"/>
+              <a:ext cx="72720" cy="191880"/>
             </a:xfrm>
             <a:custGeom>
               <a:avLst/>
@@ -16092,10 +16093,10 @@
         </p:nvGrpSpPr>
         <p:grpSpPr>
           <a:xfrm>
-            <a:off x="7185240" y="4638960"/>
-            <a:ext cx="192240" cy="83880"/>
-            <a:chOff x="7185240" y="4638960"/>
-            <a:chExt cx="192240" cy="83880"/>
+            <a:off x="7185600" y="4638960"/>
+            <a:ext cx="191880" cy="83520"/>
+            <a:chOff x="7185600" y="4638960"/>
+            <a:chExt cx="191880" cy="83520"/>
           </a:xfrm>
         </p:grpSpPr>
         <p:sp>
@@ -16106,8 +16107,8 @@
           </p:nvSpPr>
           <p:spPr>
             <a:xfrm rot="5400000">
-              <a:off x="7236720" y="4587480"/>
-              <a:ext cx="83880" cy="186840"/>
+              <a:off x="7237080" y="4587480"/>
+              <a:ext cx="83520" cy="186480"/>
             </a:xfrm>
             <a:prstGeom prst="rect">
               <a:avLst/>
@@ -16139,8 +16140,8 @@
           </p:nvSpPr>
           <p:spPr>
             <a:xfrm rot="5400000">
-              <a:off x="7244640" y="4588560"/>
-              <a:ext cx="73080" cy="192240"/>
+              <a:off x="7245000" y="4588560"/>
+              <a:ext cx="72720" cy="191880"/>
             </a:xfrm>
             <a:custGeom>
               <a:avLst/>
@@ -16215,9 +16216,9 @@
         <p:grpSpPr>
           <a:xfrm>
             <a:off x="6332040" y="4652640"/>
-            <a:ext cx="192240" cy="83880"/>
+            <a:ext cx="191880" cy="83520"/>
             <a:chOff x="6332040" y="4652640"/>
-            <a:chExt cx="192240" cy="83880"/>
+            <a:chExt cx="191880" cy="83520"/>
           </a:xfrm>
         </p:grpSpPr>
         <p:sp>
@@ -16228,8 +16229,8 @@
           </p:nvSpPr>
           <p:spPr>
             <a:xfrm rot="5400000">
-              <a:off x="6383520" y="4601160"/>
-              <a:ext cx="83880" cy="186840"/>
+              <a:off x="6383880" y="4601160"/>
+              <a:ext cx="83520" cy="186480"/>
             </a:xfrm>
             <a:prstGeom prst="rect">
               <a:avLst/>
@@ -16262,7 +16263,7 @@
           <p:spPr>
             <a:xfrm rot="5400000">
               <a:off x="6391440" y="4602240"/>
-              <a:ext cx="73080" cy="192240"/>
+              <a:ext cx="72720" cy="191880"/>
             </a:xfrm>
             <a:custGeom>
               <a:avLst/>
@@ -16337,9 +16338,9 @@
         <p:grpSpPr>
           <a:xfrm>
             <a:off x="6332040" y="5259960"/>
-            <a:ext cx="192240" cy="83880"/>
+            <a:ext cx="191880" cy="83520"/>
             <a:chOff x="6332040" y="5259960"/>
-            <a:chExt cx="192240" cy="83880"/>
+            <a:chExt cx="191880" cy="83520"/>
           </a:xfrm>
         </p:grpSpPr>
         <p:sp>
@@ -16350,8 +16351,8 @@
           </p:nvSpPr>
           <p:spPr>
             <a:xfrm rot="5400000">
-              <a:off x="6383520" y="5208480"/>
-              <a:ext cx="83880" cy="186840"/>
+              <a:off x="6383880" y="5208480"/>
+              <a:ext cx="83520" cy="186480"/>
             </a:xfrm>
             <a:prstGeom prst="rect">
               <a:avLst/>
@@ -16383,8 +16384,8 @@
           </p:nvSpPr>
           <p:spPr>
             <a:xfrm rot="5400000">
-              <a:off x="6391440" y="5209560"/>
-              <a:ext cx="73080" cy="192240"/>
+              <a:off x="6391440" y="5209200"/>
+              <a:ext cx="72720" cy="191880"/>
             </a:xfrm>
             <a:custGeom>
               <a:avLst/>
@@ -16458,10 +16459,10 @@
         </p:nvGrpSpPr>
         <p:grpSpPr>
           <a:xfrm>
-            <a:off x="7181280" y="5250600"/>
-            <a:ext cx="192240" cy="83880"/>
-            <a:chOff x="7181280" y="5250600"/>
-            <a:chExt cx="192240" cy="83880"/>
+            <a:off x="7181640" y="5250600"/>
+            <a:ext cx="191880" cy="83520"/>
+            <a:chOff x="7181640" y="5250600"/>
+            <a:chExt cx="191880" cy="83520"/>
           </a:xfrm>
         </p:grpSpPr>
         <p:sp>
@@ -16472,8 +16473,8 @@
           </p:nvSpPr>
           <p:spPr>
             <a:xfrm rot="5400000">
-              <a:off x="7232760" y="5199120"/>
-              <a:ext cx="83880" cy="186840"/>
+              <a:off x="7233120" y="5199120"/>
+              <a:ext cx="83520" cy="186480"/>
             </a:xfrm>
             <a:prstGeom prst="rect">
               <a:avLst/>
@@ -16505,8 +16506,8 @@
           </p:nvSpPr>
           <p:spPr>
             <a:xfrm rot="5400000">
-              <a:off x="7240680" y="5200200"/>
-              <a:ext cx="73080" cy="192240"/>
+              <a:off x="7241040" y="5200200"/>
+              <a:ext cx="72720" cy="191880"/>
             </a:xfrm>
             <a:custGeom>
               <a:avLst/>
@@ -16581,7 +16582,7 @@
         <p:spPr>
           <a:xfrm>
             <a:off x="5177160" y="1928160"/>
-            <a:ext cx="520920" cy="278640"/>
+            <a:ext cx="520560" cy="278280"/>
           </a:xfrm>
           <a:prstGeom prst="rect">
             <a:avLst/>
@@ -16626,7 +16627,7 @@
               <a:t>stem, 2</a:t>
             </a:r>
             <a:endParaRPr b="0" lang="en-US" sz="1100" spc="-1" strike="noStrike">
-              <a:latin typeface="Arial"/>
+              <a:latin typeface="Times New Roman"/>
             </a:endParaRPr>
           </a:p>
         </p:txBody>
@@ -16640,7 +16641,7 @@
         <p:spPr>
           <a:xfrm>
             <a:off x="5624280" y="2786760"/>
-            <a:ext cx="634320" cy="278640"/>
+            <a:ext cx="633960" cy="278280"/>
           </a:xfrm>
           <a:prstGeom prst="rect">
             <a:avLst/>
@@ -16695,7 +16696,7 @@
               <a:t>1</a:t>
             </a:r>
             <a:endParaRPr b="0" lang="en-US" sz="1100" spc="-1" strike="noStrike">
-              <a:latin typeface="Arial"/>
+              <a:latin typeface="Times New Roman"/>
             </a:endParaRPr>
           </a:p>
         </p:txBody>
@@ -16709,7 +16710,7 @@
         <p:spPr>
           <a:xfrm>
             <a:off x="5193000" y="1408320"/>
-            <a:ext cx="414360" cy="278640"/>
+            <a:ext cx="414000" cy="278280"/>
           </a:xfrm>
           <a:prstGeom prst="rect">
             <a:avLst/>
@@ -16754,7 +16755,7 @@
               <a:t>leaf</a:t>
             </a:r>
             <a:endParaRPr b="0" lang="en-US" sz="1100" spc="-1" strike="noStrike">
-              <a:latin typeface="Arial"/>
+              <a:latin typeface="Times New Roman"/>
             </a:endParaRPr>
           </a:p>
         </p:txBody>
@@ -16768,7 +16769,7 @@
         <p:spPr>
           <a:xfrm>
             <a:off x="6761880" y="1410840"/>
-            <a:ext cx="730800" cy="269640"/>
+            <a:ext cx="730440" cy="269280"/>
           </a:xfrm>
           <a:prstGeom prst="rect">
             <a:avLst/>
@@ -16823,7 +16824,7 @@
               <a:t>symp, leaf</a:t>
             </a:r>
             <a:endParaRPr b="0" lang="en-US" sz="1050" spc="-1" strike="noStrike">
-              <a:latin typeface="Arial"/>
+              <a:latin typeface="Times New Roman"/>
             </a:endParaRPr>
           </a:p>
         </p:txBody>
@@ -16837,7 +16838,7 @@
         <p:spPr>
           <a:xfrm>
             <a:off x="6215760" y="2630160"/>
-            <a:ext cx="625320" cy="269640"/>
+            <a:ext cx="624960" cy="269280"/>
           </a:xfrm>
           <a:prstGeom prst="rect">
             <a:avLst/>
@@ -16882,7 +16883,7 @@
               <a:t>lat, stem</a:t>
             </a:r>
             <a:endParaRPr b="0" lang="en-US" sz="1050" spc="-1" strike="noStrike">
-              <a:latin typeface="Arial"/>
+              <a:latin typeface="Times New Roman"/>
             </a:endParaRPr>
           </a:p>
         </p:txBody>
@@ -16896,7 +16897,7 @@
         <p:spPr>
           <a:xfrm>
             <a:off x="5689800" y="2029680"/>
-            <a:ext cx="90720" cy="101520"/>
+            <a:ext cx="90360" cy="101160"/>
           </a:xfrm>
           <a:prstGeom prst="ellipse">
             <a:avLst/>
@@ -16932,9 +16933,9 @@
         <p:grpSpPr>
           <a:xfrm>
             <a:off x="5688720" y="2213280"/>
-            <a:ext cx="83880" cy="192240"/>
+            <a:ext cx="83520" cy="191880"/>
             <a:chOff x="5688720" y="2213280"/>
-            <a:chExt cx="83880" cy="192240"/>
+            <a:chExt cx="83520" cy="191880"/>
           </a:xfrm>
         </p:grpSpPr>
         <p:sp>
@@ -16946,7 +16947,7 @@
           <p:spPr>
             <a:xfrm>
               <a:off x="5688720" y="2218320"/>
-              <a:ext cx="83880" cy="186840"/>
+              <a:ext cx="83520" cy="186480"/>
             </a:xfrm>
             <a:prstGeom prst="rect">
               <a:avLst/>
@@ -16979,7 +16980,7 @@
           <p:spPr>
             <a:xfrm>
               <a:off x="5698080" y="2213280"/>
-              <a:ext cx="73080" cy="192240"/>
+              <a:ext cx="72720" cy="191880"/>
             </a:xfrm>
             <a:custGeom>
               <a:avLst/>
@@ -17054,9 +17055,9 @@
         <p:grpSpPr>
           <a:xfrm>
             <a:off x="5691240" y="1677960"/>
-            <a:ext cx="83880" cy="192240"/>
+            <a:ext cx="83520" cy="191880"/>
             <a:chOff x="5691240" y="1677960"/>
-            <a:chExt cx="83880" cy="192240"/>
+            <a:chExt cx="83520" cy="191880"/>
           </a:xfrm>
         </p:grpSpPr>
         <p:sp>
@@ -17068,7 +17069,7 @@
           <p:spPr>
             <a:xfrm>
               <a:off x="5691240" y="1683360"/>
-              <a:ext cx="83880" cy="186840"/>
+              <a:ext cx="83520" cy="186480"/>
             </a:xfrm>
             <a:prstGeom prst="rect">
               <a:avLst/>
@@ -17101,7 +17102,7 @@
           <p:spPr>
             <a:xfrm>
               <a:off x="5700600" y="1677960"/>
-              <a:ext cx="73080" cy="192240"/>
+              <a:ext cx="72720" cy="191880"/>
             </a:xfrm>
             <a:custGeom>
               <a:avLst/>
@@ -17176,7 +17177,7 @@
         <p:spPr>
           <a:xfrm>
             <a:off x="5688720" y="1478520"/>
-            <a:ext cx="90720" cy="101520"/>
+            <a:ext cx="90360" cy="101160"/>
           </a:xfrm>
           <a:prstGeom prst="ellipse">
             <a:avLst/>
@@ -17212,7 +17213,7 @@
         <p:spPr>
           <a:xfrm>
             <a:off x="6053040" y="3275640"/>
-            <a:ext cx="605160" cy="269640"/>
+            <a:ext cx="604800" cy="269280"/>
           </a:xfrm>
           <a:prstGeom prst="rect">
             <a:avLst/>
@@ -17257,7 +17258,7 @@
               <a:t>stem,in</a:t>
             </a:r>
             <a:endParaRPr b="0" lang="en-US" sz="1050" spc="-1" strike="noStrike">
-              <a:latin typeface="Arial"/>
+              <a:latin typeface="Times New Roman"/>
             </a:endParaRPr>
           </a:p>
         </p:txBody>
@@ -17271,7 +17272,7 @@
         <p:spPr>
           <a:xfrm>
             <a:off x="5694480" y="2362680"/>
-            <a:ext cx="605160" cy="269640"/>
+            <a:ext cx="604800" cy="269280"/>
           </a:xfrm>
           <a:prstGeom prst="rect">
             <a:avLst/>
@@ -17316,7 +17317,7 @@
               <a:t>stem,out</a:t>
             </a:r>
             <a:endParaRPr b="0" lang="en-US" sz="1050" spc="-1" strike="noStrike">
-              <a:latin typeface="Arial"/>
+              <a:latin typeface="Times New Roman"/>
             </a:endParaRPr>
           </a:p>
         </p:txBody>
@@ -17330,7 +17331,7 @@
         <p:spPr>
           <a:xfrm>
             <a:off x="5811120" y="1523880"/>
-            <a:ext cx="937440" cy="360"/>
+            <a:ext cx="937080" cy="360"/>
           </a:xfrm>
           <a:custGeom>
             <a:avLst/>
@@ -17380,7 +17381,7 @@
         <p:spPr>
           <a:xfrm>
             <a:off x="6016320" y="1248840"/>
-            <a:ext cx="625320" cy="269640"/>
+            <a:ext cx="624960" cy="269280"/>
           </a:xfrm>
           <a:prstGeom prst="rect">
             <a:avLst/>
@@ -17425,7 +17426,7 @@
               <a:t>lat, leaf</a:t>
             </a:r>
             <a:endParaRPr b="0" lang="en-US" sz="1050" spc="-1" strike="noStrike">
-              <a:latin typeface="Arial"/>
+              <a:latin typeface="Times New Roman"/>
             </a:endParaRPr>
           </a:p>
         </p:txBody>
@@ -17439,7 +17440,7 @@
         <p:spPr>
           <a:xfrm>
             <a:off x="5534640" y="996120"/>
-            <a:ext cx="605160" cy="269640"/>
+            <a:ext cx="604800" cy="269280"/>
           </a:xfrm>
           <a:prstGeom prst="rect">
             <a:avLst/>
@@ -17484,7 +17485,7 @@
               <a:t>leaf</a:t>
             </a:r>
             <a:endParaRPr b="0" lang="en-US" sz="1050" spc="-1" strike="noStrike">
-              <a:latin typeface="Arial"/>
+              <a:latin typeface="Times New Roman"/>
             </a:endParaRPr>
           </a:p>
         </p:txBody>
@@ -17498,7 +17499,7 @@
         <p:spPr>
           <a:xfrm>
             <a:off x="5659920" y="4117320"/>
-            <a:ext cx="160920" cy="203040"/>
+            <a:ext cx="160560" cy="202680"/>
           </a:xfrm>
           <a:prstGeom prst="ellipse">
             <a:avLst/>
@@ -17534,9 +17535,9 @@
         <p:grpSpPr>
           <a:xfrm>
             <a:off x="5692320" y="3689640"/>
-            <a:ext cx="83880" cy="192240"/>
+            <a:ext cx="83520" cy="191880"/>
             <a:chOff x="5692320" y="3689640"/>
-            <a:chExt cx="83880" cy="192240"/>
+            <a:chExt cx="83520" cy="191880"/>
           </a:xfrm>
         </p:grpSpPr>
         <p:sp>
@@ -17548,7 +17549,7 @@
           <p:spPr>
             <a:xfrm>
               <a:off x="5692320" y="3695040"/>
-              <a:ext cx="83880" cy="186840"/>
+              <a:ext cx="83520" cy="186480"/>
             </a:xfrm>
             <a:prstGeom prst="rect">
               <a:avLst/>
@@ -17581,7 +17582,7 @@
           <p:spPr>
             <a:xfrm>
               <a:off x="5701680" y="3689640"/>
-              <a:ext cx="73080" cy="192240"/>
+              <a:ext cx="72720" cy="191880"/>
             </a:xfrm>
             <a:custGeom>
               <a:avLst/>
@@ -17656,7 +17657,7 @@
         <p:spPr>
           <a:xfrm>
             <a:off x="5685840" y="5120640"/>
-            <a:ext cx="160920" cy="203040"/>
+            <a:ext cx="160560" cy="202680"/>
           </a:xfrm>
           <a:prstGeom prst="ellipse">
             <a:avLst/>
@@ -17692,7 +17693,7 @@
         <p:spPr>
           <a:xfrm>
             <a:off x="4983120" y="5004720"/>
-            <a:ext cx="660960" cy="295560"/>
+            <a:ext cx="660600" cy="295200"/>
           </a:xfrm>
           <a:prstGeom prst="rect">
             <a:avLst/>
@@ -17737,7 +17738,7 @@
               <a:t>rootsurf</a:t>
             </a:r>
             <a:endParaRPr b="0" lang="en-US" sz="1200" spc="-1" strike="noStrike">
-              <a:latin typeface="Arial"/>
+              <a:latin typeface="Times New Roman"/>
             </a:endParaRPr>
           </a:p>
         </p:txBody>
@@ -17751,9 +17752,9 @@
         <p:grpSpPr>
           <a:xfrm>
             <a:off x="5715000" y="4609800"/>
-            <a:ext cx="83880" cy="192240"/>
+            <a:ext cx="83520" cy="191880"/>
             <a:chOff x="5715000" y="4609800"/>
-            <a:chExt cx="83880" cy="192240"/>
+            <a:chExt cx="83520" cy="191880"/>
           </a:xfrm>
         </p:grpSpPr>
         <p:sp>
@@ -17765,7 +17766,7 @@
           <p:spPr>
             <a:xfrm>
               <a:off x="5715000" y="4615200"/>
-              <a:ext cx="83880" cy="186840"/>
+              <a:ext cx="83520" cy="186480"/>
             </a:xfrm>
             <a:prstGeom prst="rect">
               <a:avLst/>
@@ -17798,7 +17799,7 @@
           <p:spPr>
             <a:xfrm>
               <a:off x="5724360" y="4609800"/>
-              <a:ext cx="73080" cy="192240"/>
+              <a:ext cx="72720" cy="191880"/>
             </a:xfrm>
             <a:custGeom>
               <a:avLst/>
@@ -17873,7 +17874,7 @@
         <p:spPr>
           <a:xfrm>
             <a:off x="6782760" y="2660040"/>
-            <a:ext cx="709560" cy="537840"/>
+            <a:ext cx="709200" cy="537480"/>
           </a:xfrm>
           <a:prstGeom prst="rect">
             <a:avLst/>
@@ -17911,8 +17912,8 @@
         </p:nvSpPr>
         <p:spPr>
           <a:xfrm flipH="1">
-            <a:off x="6180120" y="2929680"/>
-            <a:ext cx="599760" cy="360"/>
+            <a:off x="6179400" y="2929680"/>
+            <a:ext cx="599400" cy="360"/>
           </a:xfrm>
           <a:custGeom>
             <a:avLst/>
@@ -17962,7 +17963,7 @@
         <p:spPr>
           <a:xfrm>
             <a:off x="6786000" y="2786040"/>
-            <a:ext cx="634320" cy="278640"/>
+            <a:ext cx="633960" cy="278280"/>
           </a:xfrm>
           <a:prstGeom prst="rect">
             <a:avLst/>
@@ -18027,7 +18028,7 @@
               <a:t>stem</a:t>
             </a:r>
             <a:endParaRPr b="0" lang="en-US" sz="1100" spc="-1" strike="noStrike">
-              <a:latin typeface="Arial"/>
+              <a:latin typeface="Times New Roman"/>
             </a:endParaRPr>
           </a:p>
         </p:txBody>
@@ -18040,8 +18041,8 @@
         </p:nvSpPr>
         <p:spPr>
           <a:xfrm rot="16200000">
-            <a:off x="1764720" y="4415400"/>
-            <a:ext cx="686880" cy="248760"/>
+            <a:off x="1764720" y="4415760"/>
+            <a:ext cx="686520" cy="248400"/>
           </a:xfrm>
           <a:prstGeom prst="rect">
             <a:avLst/>
@@ -18076,7 +18077,7 @@
               <a:t>Roots</a:t>
             </a:r>
             <a:endParaRPr b="0" lang="en-US" sz="1050" spc="-1" strike="noStrike">
-              <a:latin typeface="Arial"/>
+              <a:latin typeface="Times New Roman"/>
             </a:endParaRPr>
           </a:p>
         </p:txBody>
@@ -18089,8 +18090,8 @@
         </p:nvSpPr>
         <p:spPr>
           <a:xfrm flipH="1" flipV="1">
-            <a:off x="6037920" y="3190320"/>
-            <a:ext cx="5760" cy="911520"/>
+            <a:off x="6037200" y="3189600"/>
+            <a:ext cx="5400" cy="911160"/>
           </a:xfrm>
           <a:custGeom>
             <a:avLst/>
@@ -18139,9 +18140,9 @@
         <p:grpSpPr>
           <a:xfrm>
             <a:off x="5988240" y="3686040"/>
-            <a:ext cx="83880" cy="192240"/>
+            <a:ext cx="83520" cy="191880"/>
             <a:chOff x="5988240" y="3686040"/>
-            <a:chExt cx="83880" cy="192240"/>
+            <a:chExt cx="83520" cy="191880"/>
           </a:xfrm>
         </p:grpSpPr>
         <p:sp>
@@ -18153,7 +18154,7 @@
           <p:spPr>
             <a:xfrm>
               <a:off x="5988240" y="3691440"/>
-              <a:ext cx="83880" cy="186840"/>
+              <a:ext cx="83520" cy="186480"/>
             </a:xfrm>
             <a:prstGeom prst="rect">
               <a:avLst/>
@@ -18186,7 +18187,7 @@
           <p:spPr>
             <a:xfrm>
               <a:off x="5997600" y="3686040"/>
-              <a:ext cx="73080" cy="192240"/>
+              <a:ext cx="72720" cy="191880"/>
             </a:xfrm>
             <a:custGeom>
               <a:avLst/>
@@ -18261,7 +18262,7 @@
         <p:spPr>
           <a:xfrm>
             <a:off x="2860560" y="1312560"/>
-            <a:ext cx="44280" cy="2926800"/>
+            <a:ext cx="43920" cy="2926440"/>
           </a:xfrm>
           <a:custGeom>
             <a:avLst/>
@@ -18310,7 +18311,7 @@
         <p:spPr>
           <a:xfrm>
             <a:off x="2824560" y="4035960"/>
-            <a:ext cx="160920" cy="203040"/>
+            <a:ext cx="160560" cy="202680"/>
           </a:xfrm>
           <a:prstGeom prst="ellipse">
             <a:avLst/>
@@ -18346,7 +18347,7 @@
         <p:spPr>
           <a:xfrm>
             <a:off x="4424040" y="4035960"/>
-            <a:ext cx="160920" cy="203040"/>
+            <a:ext cx="160560" cy="202680"/>
           </a:xfrm>
           <a:prstGeom prst="ellipse">
             <a:avLst/>
@@ -18381,8 +18382,8 @@
         </p:nvSpPr>
         <p:spPr>
           <a:xfrm flipH="1">
-            <a:off x="2985840" y="4138560"/>
-            <a:ext cx="1434960" cy="360"/>
+            <a:off x="2985120" y="4138560"/>
+            <a:ext cx="1434600" cy="360"/>
           </a:xfrm>
           <a:custGeom>
             <a:avLst/>
@@ -18430,7 +18431,7 @@
         <p:spPr>
           <a:xfrm>
             <a:off x="3631320" y="4046040"/>
-            <a:ext cx="160920" cy="203040"/>
+            <a:ext cx="160560" cy="202680"/>
           </a:xfrm>
           <a:prstGeom prst="ellipse">
             <a:avLst/>
@@ -18466,7 +18467,7 @@
         <p:spPr>
           <a:xfrm>
             <a:off x="4444200" y="4509360"/>
-            <a:ext cx="160920" cy="203040"/>
+            <a:ext cx="160560" cy="202680"/>
           </a:xfrm>
           <a:prstGeom prst="ellipse">
             <a:avLst/>
@@ -18502,7 +18503,7 @@
         <p:spPr>
           <a:xfrm flipH="1">
             <a:off x="3296520" y="4611600"/>
-            <a:ext cx="1143720" cy="12240"/>
+            <a:ext cx="1143360" cy="11880"/>
           </a:xfrm>
           <a:custGeom>
             <a:avLst/>
@@ -18550,7 +18551,7 @@
         <p:spPr>
           <a:xfrm>
             <a:off x="3651480" y="4519080"/>
-            <a:ext cx="160920" cy="203040"/>
+            <a:ext cx="160560" cy="202680"/>
           </a:xfrm>
           <a:prstGeom prst="ellipse">
             <a:avLst/>
@@ -18586,7 +18587,7 @@
         <p:spPr>
           <a:xfrm>
             <a:off x="4444200" y="5122080"/>
-            <a:ext cx="160920" cy="203040"/>
+            <a:ext cx="160560" cy="202680"/>
           </a:xfrm>
           <a:prstGeom prst="ellipse">
             <a:avLst/>
@@ -18621,8 +18622,8 @@
         </p:nvSpPr>
         <p:spPr>
           <a:xfrm flipH="1">
-            <a:off x="3295440" y="5224320"/>
-            <a:ext cx="1145520" cy="7560"/>
+            <a:off x="3294720" y="5224320"/>
+            <a:ext cx="1145160" cy="7200"/>
           </a:xfrm>
           <a:custGeom>
             <a:avLst/>
@@ -18670,7 +18671,7 @@
         <p:spPr>
           <a:xfrm>
             <a:off x="3651480" y="5131800"/>
-            <a:ext cx="160920" cy="203040"/>
+            <a:ext cx="160560" cy="202680"/>
           </a:xfrm>
           <a:prstGeom prst="ellipse">
             <a:avLst/>
@@ -18706,7 +18707,7 @@
         <p:spPr>
           <a:xfrm>
             <a:off x="2883600" y="5583600"/>
-            <a:ext cx="573840" cy="248760"/>
+            <a:ext cx="573480" cy="248400"/>
           </a:xfrm>
           <a:prstGeom prst="rect">
             <a:avLst/>
@@ -18741,7 +18742,7 @@
               <a:t>Roots</a:t>
             </a:r>
             <a:endParaRPr b="0" lang="en-US" sz="1050" spc="-1" strike="noStrike">
-              <a:latin typeface="Arial"/>
+              <a:latin typeface="Times New Roman"/>
             </a:endParaRPr>
           </a:p>
         </p:txBody>
@@ -18755,7 +18756,7 @@
         <p:spPr>
           <a:xfrm>
             <a:off x="3502440" y="5599440"/>
-            <a:ext cx="1475640" cy="248760"/>
+            <a:ext cx="1475280" cy="248400"/>
           </a:xfrm>
           <a:prstGeom prst="rect">
             <a:avLst/>
@@ -18790,7 +18791,7 @@
               <a:t>Rhizosphere</a:t>
             </a:r>
             <a:endParaRPr b="0" lang="en-US" sz="1050" spc="-1" strike="noStrike">
-              <a:latin typeface="Arial"/>
+              <a:latin typeface="Times New Roman"/>
             </a:endParaRPr>
           </a:p>
         </p:txBody>
@@ -18804,7 +18805,7 @@
         <p:spPr>
           <a:xfrm>
             <a:off x="3477240" y="4212720"/>
-            <a:ext cx="671760" cy="295560"/>
+            <a:ext cx="671400" cy="295200"/>
           </a:xfrm>
           <a:prstGeom prst="rect">
             <a:avLst/>
@@ -18859,7 +18860,7 @@
               <a:t>1</a:t>
             </a:r>
             <a:endParaRPr b="0" lang="en-US" sz="1200" spc="-1" strike="noStrike">
-              <a:latin typeface="Arial"/>
+              <a:latin typeface="Times New Roman"/>
             </a:endParaRPr>
           </a:p>
         </p:txBody>
@@ -18873,7 +18874,7 @@
         <p:spPr>
           <a:xfrm>
             <a:off x="3477240" y="4701240"/>
-            <a:ext cx="671760" cy="295560"/>
+            <a:ext cx="671400" cy="295200"/>
           </a:xfrm>
           <a:prstGeom prst="rect">
             <a:avLst/>
@@ -18928,7 +18929,7 @@
               <a:t>2</a:t>
             </a:r>
             <a:endParaRPr b="0" lang="en-US" sz="1200" spc="-1" strike="noStrike">
-              <a:latin typeface="Arial"/>
+              <a:latin typeface="Times New Roman"/>
             </a:endParaRPr>
           </a:p>
         </p:txBody>
@@ -18942,7 +18943,7 @@
         <p:spPr>
           <a:xfrm>
             <a:off x="3528360" y="5303520"/>
-            <a:ext cx="671760" cy="295560"/>
+            <a:ext cx="671400" cy="295200"/>
           </a:xfrm>
           <a:prstGeom prst="rect">
             <a:avLst/>
@@ -18987,7 +18988,7 @@
               <a:t>rootsurf, S</a:t>
             </a:r>
             <a:endParaRPr b="0" lang="en-US" sz="1200" spc="-1" strike="noStrike">
-              <a:latin typeface="Arial"/>
+              <a:latin typeface="Times New Roman"/>
             </a:endParaRPr>
           </a:p>
         </p:txBody>
@@ -19000,8 +19001,8 @@
         </p:nvSpPr>
         <p:spPr>
           <a:xfrm flipH="1" flipV="1">
-            <a:off x="2961360" y="4209480"/>
-            <a:ext cx="233640" cy="414000"/>
+            <a:off x="2961360" y="4208760"/>
+            <a:ext cx="233280" cy="413640"/>
           </a:xfrm>
           <a:custGeom>
             <a:avLst/>
@@ -19049,7 +19050,7 @@
         <p:spPr>
           <a:xfrm>
             <a:off x="2185920" y="3942720"/>
-            <a:ext cx="660960" cy="295560"/>
+            <a:ext cx="660600" cy="295200"/>
           </a:xfrm>
           <a:prstGeom prst="rect">
             <a:avLst/>
@@ -19094,7 +19095,7 @@
               <a:t>rootcrown</a:t>
             </a:r>
             <a:endParaRPr b="0" lang="en-US" sz="1200" spc="-1" strike="noStrike">
-              <a:latin typeface="Arial"/>
+              <a:latin typeface="Times New Roman"/>
             </a:endParaRPr>
           </a:p>
         </p:txBody>
@@ -19108,7 +19109,7 @@
         <p:spPr>
           <a:xfrm>
             <a:off x="4417560" y="4188960"/>
-            <a:ext cx="518040" cy="295560"/>
+            <a:ext cx="517680" cy="295200"/>
           </a:xfrm>
           <a:prstGeom prst="rect">
             <a:avLst/>
@@ -19163,7 +19164,7 @@
               <a:t>1</a:t>
             </a:r>
             <a:endParaRPr b="0" lang="en-US" sz="1200" spc="-1" strike="noStrike">
-              <a:latin typeface="Arial"/>
+              <a:latin typeface="Times New Roman"/>
             </a:endParaRPr>
           </a:p>
         </p:txBody>
@@ -19177,7 +19178,7 @@
         <p:spPr>
           <a:xfrm>
             <a:off x="4425480" y="4711320"/>
-            <a:ext cx="518040" cy="295560"/>
+            <a:ext cx="517680" cy="295200"/>
           </a:xfrm>
           <a:prstGeom prst="rect">
             <a:avLst/>
@@ -19232,7 +19233,7 @@
               <a:t>2</a:t>
             </a:r>
             <a:endParaRPr b="0" lang="en-US" sz="1200" spc="-1" strike="noStrike">
-              <a:latin typeface="Arial"/>
+              <a:latin typeface="Times New Roman"/>
             </a:endParaRPr>
           </a:p>
         </p:txBody>
@@ -19246,7 +19247,7 @@
         <p:spPr>
           <a:xfrm>
             <a:off x="4434480" y="5308200"/>
-            <a:ext cx="517680" cy="295560"/>
+            <a:ext cx="517320" cy="295200"/>
           </a:xfrm>
           <a:prstGeom prst="rect">
             <a:avLst/>
@@ -19291,7 +19292,7 @@
               <a:t>soil, S</a:t>
             </a:r>
             <a:endParaRPr b="0" lang="en-US" sz="1200" spc="-1" strike="noStrike">
-              <a:latin typeface="Arial"/>
+              <a:latin typeface="Times New Roman"/>
             </a:endParaRPr>
           </a:p>
         </p:txBody>
@@ -19304,8 +19305,8 @@
         </p:nvSpPr>
         <p:spPr>
           <a:xfrm flipH="1" rot="16200000">
-            <a:off x="2555640" y="4590720"/>
-            <a:ext cx="991080" cy="291240"/>
+            <a:off x="2556000" y="4590720"/>
+            <a:ext cx="990720" cy="290880"/>
           </a:xfrm>
           <a:prstGeom prst="bentConnector2">
             <a:avLst/>
@@ -19340,7 +19341,7 @@
         <p:spPr>
           <a:xfrm>
             <a:off x="3108240" y="4848480"/>
-            <a:ext cx="248040" cy="248760"/>
+            <a:ext cx="247680" cy="248400"/>
           </a:xfrm>
           <a:prstGeom prst="rect">
             <a:avLst/>
@@ -19375,7 +19376,7 @@
               <a:t>…</a:t>
             </a:r>
             <a:endParaRPr b="0" lang="en-US" sz="1050" spc="-1" strike="noStrike">
-              <a:latin typeface="Arial"/>
+              <a:latin typeface="Times New Roman"/>
             </a:endParaRPr>
           </a:p>
         </p:txBody>
@@ -19389,7 +19390,7 @@
         <p:spPr>
           <a:xfrm>
             <a:off x="4415040" y="4870440"/>
-            <a:ext cx="248040" cy="248760"/>
+            <a:ext cx="247680" cy="248400"/>
           </a:xfrm>
           <a:prstGeom prst="rect">
             <a:avLst/>
@@ -19424,7 +19425,7 @@
               <a:t>…</a:t>
             </a:r>
             <a:endParaRPr b="0" lang="en-US" sz="1050" spc="-1" strike="noStrike">
-              <a:latin typeface="Arial"/>
+              <a:latin typeface="Times New Roman"/>
             </a:endParaRPr>
           </a:p>
         </p:txBody>
@@ -19438,9 +19439,9 @@
         <p:grpSpPr>
           <a:xfrm>
             <a:off x="3189960" y="4095360"/>
-            <a:ext cx="192240" cy="83880"/>
+            <a:ext cx="191880" cy="83520"/>
             <a:chOff x="3189960" y="4095360"/>
-            <a:chExt cx="192240" cy="83880"/>
+            <a:chExt cx="191880" cy="83520"/>
           </a:xfrm>
         </p:grpSpPr>
         <p:sp>
@@ -19451,8 +19452,8 @@
           </p:nvSpPr>
           <p:spPr>
             <a:xfrm rot="5400000">
-              <a:off x="3241800" y="4043880"/>
-              <a:ext cx="83880" cy="186840"/>
+              <a:off x="3242160" y="4043880"/>
+              <a:ext cx="83520" cy="186480"/>
             </a:xfrm>
             <a:prstGeom prst="rect">
               <a:avLst/>
@@ -19485,7 +19486,7 @@
           <p:spPr>
             <a:xfrm rot="5400000">
               <a:off x="3249360" y="4045320"/>
-              <a:ext cx="73080" cy="192240"/>
+              <a:ext cx="72720" cy="191880"/>
             </a:xfrm>
             <a:custGeom>
               <a:avLst/>
@@ -19559,10 +19560,10 @@
         </p:nvGrpSpPr>
         <p:grpSpPr>
           <a:xfrm>
-            <a:off x="4050000" y="4097520"/>
-            <a:ext cx="192240" cy="83880"/>
-            <a:chOff x="4050000" y="4097520"/>
-            <a:chExt cx="192240" cy="83880"/>
+            <a:off x="4050360" y="4097520"/>
+            <a:ext cx="191880" cy="83520"/>
+            <a:chOff x="4050360" y="4097520"/>
+            <a:chExt cx="191880" cy="83520"/>
           </a:xfrm>
         </p:grpSpPr>
         <p:sp>
@@ -19573,8 +19574,8 @@
           </p:nvSpPr>
           <p:spPr>
             <a:xfrm rot="5400000">
-              <a:off x="4101480" y="4046040"/>
-              <a:ext cx="83880" cy="186840"/>
+              <a:off x="4101840" y="4046040"/>
+              <a:ext cx="83520" cy="186480"/>
             </a:xfrm>
             <a:prstGeom prst="rect">
               <a:avLst/>
@@ -19606,8 +19607,8 @@
           </p:nvSpPr>
           <p:spPr>
             <a:xfrm rot="5400000">
-              <a:off x="4109400" y="4047120"/>
-              <a:ext cx="73080" cy="192240"/>
+              <a:off x="4109760" y="4047120"/>
+              <a:ext cx="72720" cy="191880"/>
             </a:xfrm>
             <a:custGeom>
               <a:avLst/>
@@ -19681,10 +19682,10 @@
         </p:nvGrpSpPr>
         <p:grpSpPr>
           <a:xfrm>
-            <a:off x="4053960" y="4569840"/>
-            <a:ext cx="192240" cy="83880"/>
-            <a:chOff x="4053960" y="4569840"/>
-            <a:chExt cx="192240" cy="83880"/>
+            <a:off x="4054320" y="4569840"/>
+            <a:ext cx="191880" cy="83520"/>
+            <a:chOff x="4054320" y="4569840"/>
+            <a:chExt cx="191880" cy="83520"/>
           </a:xfrm>
         </p:grpSpPr>
         <p:sp>
@@ -19695,8 +19696,8 @@
           </p:nvSpPr>
           <p:spPr>
             <a:xfrm rot="5400000">
-              <a:off x="4105440" y="4518360"/>
-              <a:ext cx="83880" cy="186840"/>
+              <a:off x="4105800" y="4518360"/>
+              <a:ext cx="83520" cy="186480"/>
             </a:xfrm>
             <a:prstGeom prst="rect">
               <a:avLst/>
@@ -19728,8 +19729,8 @@
           </p:nvSpPr>
           <p:spPr>
             <a:xfrm rot="5400000">
-              <a:off x="4113360" y="4519080"/>
-              <a:ext cx="73080" cy="192240"/>
+              <a:off x="4113720" y="4518720"/>
+              <a:ext cx="72720" cy="191880"/>
             </a:xfrm>
             <a:custGeom>
               <a:avLst/>
@@ -19803,10 +19804,10 @@
         </p:nvGrpSpPr>
         <p:grpSpPr>
           <a:xfrm>
-            <a:off x="3200760" y="4583520"/>
-            <a:ext cx="192240" cy="83880"/>
-            <a:chOff x="3200760" y="4583520"/>
-            <a:chExt cx="192240" cy="83880"/>
+            <a:off x="3201120" y="4583520"/>
+            <a:ext cx="191880" cy="83520"/>
+            <a:chOff x="3201120" y="4583520"/>
+            <a:chExt cx="191880" cy="83520"/>
           </a:xfrm>
         </p:grpSpPr>
         <p:sp>
@@ -19817,8 +19818,8 @@
           </p:nvSpPr>
           <p:spPr>
             <a:xfrm rot="5400000">
-              <a:off x="3252240" y="4532040"/>
-              <a:ext cx="83880" cy="186840"/>
+              <a:off x="3252600" y="4532040"/>
+              <a:ext cx="83520" cy="186480"/>
             </a:xfrm>
             <a:prstGeom prst="rect">
               <a:avLst/>
@@ -19850,8 +19851,8 @@
           </p:nvSpPr>
           <p:spPr>
             <a:xfrm rot="5400000">
-              <a:off x="3260160" y="4533120"/>
-              <a:ext cx="73080" cy="192240"/>
+              <a:off x="3260520" y="4532760"/>
+              <a:ext cx="72720" cy="191880"/>
             </a:xfrm>
             <a:custGeom>
               <a:avLst/>
@@ -19925,10 +19926,10 @@
         </p:nvGrpSpPr>
         <p:grpSpPr>
           <a:xfrm>
-            <a:off x="3200760" y="5190840"/>
-            <a:ext cx="192240" cy="83880"/>
-            <a:chOff x="3200760" y="5190840"/>
-            <a:chExt cx="192240" cy="83880"/>
+            <a:off x="3201120" y="5190840"/>
+            <a:ext cx="191880" cy="83520"/>
+            <a:chOff x="3201120" y="5190840"/>
+            <a:chExt cx="191880" cy="83520"/>
           </a:xfrm>
         </p:grpSpPr>
         <p:sp>
@@ -19939,8 +19940,8 @@
           </p:nvSpPr>
           <p:spPr>
             <a:xfrm rot="5400000">
-              <a:off x="3252240" y="5139360"/>
-              <a:ext cx="83880" cy="186840"/>
+              <a:off x="3252600" y="5139360"/>
+              <a:ext cx="83520" cy="186480"/>
             </a:xfrm>
             <a:prstGeom prst="rect">
               <a:avLst/>
@@ -19972,8 +19973,8 @@
           </p:nvSpPr>
           <p:spPr>
             <a:xfrm rot="5400000">
-              <a:off x="3260160" y="5140440"/>
-              <a:ext cx="73080" cy="192240"/>
+              <a:off x="3260520" y="5140440"/>
+              <a:ext cx="72720" cy="191880"/>
             </a:xfrm>
             <a:custGeom>
               <a:avLst/>
@@ -20047,10 +20048,10 @@
         </p:nvGrpSpPr>
         <p:grpSpPr>
           <a:xfrm>
-            <a:off x="4050000" y="5181480"/>
-            <a:ext cx="192240" cy="83880"/>
-            <a:chOff x="4050000" y="5181480"/>
-            <a:chExt cx="192240" cy="83880"/>
+            <a:off x="4050360" y="5181480"/>
+            <a:ext cx="191880" cy="83520"/>
+            <a:chOff x="4050360" y="5181480"/>
+            <a:chExt cx="191880" cy="83520"/>
           </a:xfrm>
         </p:grpSpPr>
         <p:sp>
@@ -20061,8 +20062,8 @@
           </p:nvSpPr>
           <p:spPr>
             <a:xfrm rot="5400000">
-              <a:off x="4101480" y="5130000"/>
-              <a:ext cx="83880" cy="186840"/>
+              <a:off x="4101840" y="5130000"/>
+              <a:ext cx="83520" cy="186480"/>
             </a:xfrm>
             <a:prstGeom prst="rect">
               <a:avLst/>
@@ -20094,8 +20095,8 @@
           </p:nvSpPr>
           <p:spPr>
             <a:xfrm rot="5400000">
-              <a:off x="4109400" y="5131080"/>
-              <a:ext cx="73080" cy="192240"/>
+              <a:off x="4109760" y="5131080"/>
+              <a:ext cx="72720" cy="191880"/>
             </a:xfrm>
             <a:custGeom>
               <a:avLst/>
@@ -20170,7 +20171,7 @@
         <p:spPr>
           <a:xfrm>
             <a:off x="2849760" y="2151000"/>
-            <a:ext cx="90720" cy="101520"/>
+            <a:ext cx="90360" cy="101160"/>
           </a:xfrm>
           <a:prstGeom prst="ellipse">
             <a:avLst/>
@@ -20206,7 +20207,7 @@
         <p:spPr>
           <a:xfrm>
             <a:off x="2337120" y="2090160"/>
-            <a:ext cx="520920" cy="278640"/>
+            <a:ext cx="520560" cy="278280"/>
           </a:xfrm>
           <a:prstGeom prst="rect">
             <a:avLst/>
@@ -20251,7 +20252,7 @@
               <a:t>stem, 2</a:t>
             </a:r>
             <a:endParaRPr b="0" lang="en-US" sz="1100" spc="-1" strike="noStrike">
-              <a:latin typeface="Arial"/>
+              <a:latin typeface="Times New Roman"/>
             </a:endParaRPr>
           </a:p>
         </p:txBody>
@@ -20265,7 +20266,7 @@
         <p:spPr>
           <a:xfrm>
             <a:off x="2344680" y="2802240"/>
-            <a:ext cx="520920" cy="278640"/>
+            <a:ext cx="520560" cy="278280"/>
           </a:xfrm>
           <a:prstGeom prst="rect">
             <a:avLst/>
@@ -20320,7 +20321,7 @@
               <a:t>1</a:t>
             </a:r>
             <a:endParaRPr b="0" lang="en-US" sz="1100" spc="-1" strike="noStrike">
-              <a:latin typeface="Arial"/>
+              <a:latin typeface="Times New Roman"/>
             </a:endParaRPr>
           </a:p>
         </p:txBody>
@@ -20334,9 +20335,9 @@
         <p:grpSpPr>
           <a:xfrm>
             <a:off x="2847240" y="2460600"/>
-            <a:ext cx="83880" cy="192240"/>
+            <a:ext cx="83520" cy="191880"/>
             <a:chOff x="2847240" y="2460600"/>
-            <a:chExt cx="83880" cy="192240"/>
+            <a:chExt cx="83520" cy="191880"/>
           </a:xfrm>
         </p:grpSpPr>
         <p:sp>
@@ -20348,7 +20349,7 @@
           <p:spPr>
             <a:xfrm>
               <a:off x="2847240" y="2466000"/>
-              <a:ext cx="83880" cy="186840"/>
+              <a:ext cx="83520" cy="186480"/>
             </a:xfrm>
             <a:prstGeom prst="rect">
               <a:avLst/>
@@ -20381,7 +20382,7 @@
           <p:spPr>
             <a:xfrm>
               <a:off x="2856600" y="2460600"/>
-              <a:ext cx="73080" cy="192240"/>
+              <a:ext cx="72720" cy="191880"/>
             </a:xfrm>
             <a:custGeom>
               <a:avLst/>
@@ -20456,7 +20457,7 @@
         <p:spPr>
           <a:xfrm>
             <a:off x="2858400" y="2884320"/>
-            <a:ext cx="90720" cy="101520"/>
+            <a:ext cx="90360" cy="101160"/>
           </a:xfrm>
           <a:prstGeom prst="ellipse">
             <a:avLst/>
@@ -20492,9 +20493,9 @@
         <p:grpSpPr>
           <a:xfrm>
             <a:off x="2864520" y="3494160"/>
-            <a:ext cx="83880" cy="192240"/>
+            <a:ext cx="83520" cy="191880"/>
             <a:chOff x="2864520" y="3494160"/>
-            <a:chExt cx="83880" cy="192240"/>
+            <a:chExt cx="83520" cy="191880"/>
           </a:xfrm>
         </p:grpSpPr>
         <p:sp>
@@ -20506,7 +20507,7 @@
           <p:spPr>
             <a:xfrm>
               <a:off x="2864520" y="3499560"/>
-              <a:ext cx="83880" cy="186840"/>
+              <a:ext cx="83520" cy="186480"/>
             </a:xfrm>
             <a:prstGeom prst="rect">
               <a:avLst/>
@@ -20539,7 +20540,7 @@
           <p:spPr>
             <a:xfrm>
               <a:off x="2873880" y="3494160"/>
-              <a:ext cx="73080" cy="192240"/>
+              <a:ext cx="72720" cy="191880"/>
             </a:xfrm>
             <a:custGeom>
               <a:avLst/>
@@ -20614,7 +20615,7 @@
         <p:spPr>
           <a:xfrm>
             <a:off x="2353320" y="1477080"/>
-            <a:ext cx="414360" cy="278640"/>
+            <a:ext cx="414000" cy="278280"/>
           </a:xfrm>
           <a:prstGeom prst="rect">
             <a:avLst/>
@@ -20659,7 +20660,7 @@
               <a:t>leaf</a:t>
             </a:r>
             <a:endParaRPr b="0" lang="en-US" sz="1100" spc="-1" strike="noStrike">
-              <a:latin typeface="Arial"/>
+              <a:latin typeface="Times New Roman"/>
             </a:endParaRPr>
           </a:p>
         </p:txBody>
@@ -20673,9 +20674,9 @@
         <p:grpSpPr>
           <a:xfrm>
             <a:off x="2826000" y="1781640"/>
-            <a:ext cx="83880" cy="192240"/>
+            <a:ext cx="83520" cy="191880"/>
             <a:chOff x="2826000" y="1781640"/>
-            <a:chExt cx="83880" cy="192240"/>
+            <a:chExt cx="83520" cy="191880"/>
           </a:xfrm>
         </p:grpSpPr>
         <p:sp>
@@ -20687,7 +20688,7 @@
           <p:spPr>
             <a:xfrm>
               <a:off x="2826000" y="1787040"/>
-              <a:ext cx="83880" cy="186840"/>
+              <a:ext cx="83520" cy="186480"/>
             </a:xfrm>
             <a:prstGeom prst="rect">
               <a:avLst/>
@@ -20720,7 +20721,7 @@
           <p:spPr>
             <a:xfrm>
               <a:off x="2835360" y="1781640"/>
-              <a:ext cx="73080" cy="192240"/>
+              <a:ext cx="72720" cy="191880"/>
             </a:xfrm>
             <a:custGeom>
               <a:avLst/>
@@ -20795,7 +20796,7 @@
         <p:spPr>
           <a:xfrm>
             <a:off x="2827800" y="1527120"/>
-            <a:ext cx="90720" cy="101520"/>
+            <a:ext cx="90360" cy="101160"/>
           </a:xfrm>
           <a:prstGeom prst="ellipse">
             <a:avLst/>
@@ -20831,7 +20832,7 @@
         <p:spPr>
           <a:xfrm>
             <a:off x="1894320" y="593640"/>
-            <a:ext cx="2085120" cy="453600"/>
+            <a:ext cx="2084760" cy="453240"/>
           </a:xfrm>
           <a:prstGeom prst="rect">
             <a:avLst/>
@@ -20896,7 +20897,7 @@
               <a:t> storage compartments</a:t>
             </a:r>
             <a:endParaRPr b="0" lang="en-US" sz="1200" spc="-1" strike="noStrike">
-              <a:latin typeface="Arial"/>
+              <a:latin typeface="Times New Roman"/>
             </a:endParaRPr>
           </a:p>
         </p:txBody>
@@ -20910,7 +20911,7 @@
         <p:spPr>
           <a:xfrm>
             <a:off x="4649400" y="590400"/>
-            <a:ext cx="2085120" cy="454320"/>
+            <a:ext cx="2084760" cy="453960"/>
           </a:xfrm>
           <a:prstGeom prst="rect">
             <a:avLst/>
@@ -20975,7 +20976,7 @@
               <a:t> storage compartments</a:t>
             </a:r>
             <a:endParaRPr b="0" lang="en-US" sz="1200" spc="-1" strike="noStrike">
-              <a:latin typeface="Arial"/>
+              <a:latin typeface="Times New Roman"/>
             </a:endParaRPr>
           </a:p>
         </p:txBody>
@@ -20989,7 +20990,7 @@
         <p:spPr>
           <a:xfrm>
             <a:off x="2659680" y="1019520"/>
-            <a:ext cx="605160" cy="269640"/>
+            <a:ext cx="604800" cy="269280"/>
           </a:xfrm>
           <a:prstGeom prst="rect">
             <a:avLst/>
@@ -21034,7 +21035,7 @@
               <a:t>leaf</a:t>
             </a:r>
             <a:endParaRPr b="0" lang="en-US" sz="1050" spc="-1" strike="noStrike">
-              <a:latin typeface="Arial"/>
+              <a:latin typeface="Times New Roman"/>
             </a:endParaRPr>
           </a:p>
         </p:txBody>
@@ -21104,7 +21105,7 @@
         <p:spPr>
           <a:xfrm>
             <a:off x="1551240" y="929520"/>
-            <a:ext cx="3506760" cy="4658040"/>
+            <a:ext cx="3506400" cy="4657680"/>
           </a:xfrm>
           <a:prstGeom prst="rect">
             <a:avLst/>
@@ -21144,7 +21145,7 @@
         <p:spPr>
           <a:xfrm>
             <a:off x="1558440" y="1323000"/>
-            <a:ext cx="2953080" cy="4091760"/>
+            <a:ext cx="2952720" cy="4091400"/>
           </a:xfrm>
           <a:prstGeom prst="rect">
             <a:avLst/>
@@ -21163,7 +21164,7 @@
         <p:spPr>
           <a:xfrm>
             <a:off x="3298680" y="934920"/>
-            <a:ext cx="3626280" cy="4658040"/>
+            <a:ext cx="3625920" cy="4657680"/>
           </a:xfrm>
           <a:prstGeom prst="rect">
             <a:avLst/>
@@ -21199,7 +21200,7 @@
         <p:spPr>
           <a:xfrm>
             <a:off x="4096440" y="1176480"/>
-            <a:ext cx="15480" cy="2692080"/>
+            <a:ext cx="15120" cy="2691720"/>
           </a:xfrm>
           <a:custGeom>
             <a:avLst/>
@@ -21248,7 +21249,7 @@
         <p:spPr>
           <a:xfrm>
             <a:off x="4066200" y="1909440"/>
-            <a:ext cx="90720" cy="101520"/>
+            <a:ext cx="90360" cy="101160"/>
           </a:xfrm>
           <a:prstGeom prst="ellipse">
             <a:avLst/>
@@ -21284,7 +21285,7 @@
         <p:spPr>
           <a:xfrm>
             <a:off x="4032360" y="3665160"/>
-            <a:ext cx="160920" cy="203040"/>
+            <a:ext cx="160560" cy="202680"/>
           </a:xfrm>
           <a:prstGeom prst="ellipse">
             <a:avLst/>
@@ -21320,7 +21321,7 @@
         <p:spPr>
           <a:xfrm>
             <a:off x="5631840" y="3665160"/>
-            <a:ext cx="160920" cy="203040"/>
+            <a:ext cx="160560" cy="202680"/>
           </a:xfrm>
           <a:prstGeom prst="ellipse">
             <a:avLst/>
@@ -21355,8 +21356,8 @@
         </p:nvSpPr>
         <p:spPr>
           <a:xfrm flipH="1">
-            <a:off x="4193640" y="3767760"/>
-            <a:ext cx="1434960" cy="360"/>
+            <a:off x="4192920" y="3767760"/>
+            <a:ext cx="1434600" cy="360"/>
           </a:xfrm>
           <a:custGeom>
             <a:avLst/>
@@ -21404,7 +21405,7 @@
         <p:spPr>
           <a:xfrm>
             <a:off x="4839120" y="3675240"/>
-            <a:ext cx="160920" cy="203040"/>
+            <a:ext cx="160560" cy="202680"/>
           </a:xfrm>
           <a:prstGeom prst="ellipse">
             <a:avLst/>
@@ -21440,7 +21441,7 @@
         <p:spPr>
           <a:xfrm>
             <a:off x="5652000" y="4138560"/>
-            <a:ext cx="160920" cy="203040"/>
+            <a:ext cx="160560" cy="202680"/>
           </a:xfrm>
           <a:prstGeom prst="ellipse">
             <a:avLst/>
@@ -21476,7 +21477,7 @@
         <p:spPr>
           <a:xfrm flipH="1">
             <a:off x="4504320" y="4240800"/>
-            <a:ext cx="1143720" cy="12240"/>
+            <a:ext cx="1143360" cy="11880"/>
           </a:xfrm>
           <a:custGeom>
             <a:avLst/>
@@ -21524,7 +21525,7 @@
         <p:spPr>
           <a:xfrm>
             <a:off x="4859280" y="4148280"/>
-            <a:ext cx="160920" cy="203040"/>
+            <a:ext cx="160560" cy="202680"/>
           </a:xfrm>
           <a:prstGeom prst="ellipse">
             <a:avLst/>
@@ -21560,7 +21561,7 @@
         <p:spPr>
           <a:xfrm>
             <a:off x="5652000" y="4751280"/>
-            <a:ext cx="160920" cy="203040"/>
+            <a:ext cx="160560" cy="202680"/>
           </a:xfrm>
           <a:prstGeom prst="ellipse">
             <a:avLst/>
@@ -21595,8 +21596,8 @@
         </p:nvSpPr>
         <p:spPr>
           <a:xfrm flipH="1">
-            <a:off x="4503240" y="4853520"/>
-            <a:ext cx="1145520" cy="7560"/>
+            <a:off x="4502520" y="4853520"/>
+            <a:ext cx="1145160" cy="7200"/>
           </a:xfrm>
           <a:custGeom>
             <a:avLst/>
@@ -21644,7 +21645,7 @@
         <p:spPr>
           <a:xfrm>
             <a:off x="4859280" y="4761000"/>
-            <a:ext cx="160920" cy="203040"/>
+            <a:ext cx="160560" cy="202680"/>
           </a:xfrm>
           <a:prstGeom prst="ellipse">
             <a:avLst/>
@@ -21680,7 +21681,7 @@
         <p:spPr>
           <a:xfrm>
             <a:off x="5948280" y="3585240"/>
-            <a:ext cx="976680" cy="248760"/>
+            <a:ext cx="976320" cy="248400"/>
           </a:xfrm>
           <a:prstGeom prst="rect">
             <a:avLst/>
@@ -21725,7 +21726,7 @@
               <a:t>1</a:t>
             </a:r>
             <a:endParaRPr b="0" lang="en-US" sz="1050" spc="-1" strike="noStrike">
-              <a:latin typeface="Arial"/>
+              <a:latin typeface="Times New Roman"/>
             </a:endParaRPr>
           </a:p>
         </p:txBody>
@@ -21739,7 +21740,7 @@
         <p:spPr>
           <a:xfrm>
             <a:off x="5961600" y="4109040"/>
-            <a:ext cx="976680" cy="248760"/>
+            <a:ext cx="976320" cy="248400"/>
           </a:xfrm>
           <a:prstGeom prst="rect">
             <a:avLst/>
@@ -21784,7 +21785,7 @@
               <a:t>2</a:t>
             </a:r>
             <a:endParaRPr b="0" lang="en-US" sz="1050" spc="-1" strike="noStrike">
-              <a:latin typeface="Arial"/>
+              <a:latin typeface="Times New Roman"/>
             </a:endParaRPr>
           </a:p>
         </p:txBody>
@@ -21798,7 +21799,7 @@
         <p:spPr>
           <a:xfrm>
             <a:off x="5986080" y="4773960"/>
-            <a:ext cx="976680" cy="248760"/>
+            <a:ext cx="976320" cy="248400"/>
           </a:xfrm>
           <a:prstGeom prst="rect">
             <a:avLst/>
@@ -21833,7 +21834,7 @@
               <a:t>Soil layer S</a:t>
             </a:r>
             <a:endParaRPr b="0" lang="en-US" sz="1050" spc="-1" strike="noStrike">
-              <a:latin typeface="Arial"/>
+              <a:latin typeface="Times New Roman"/>
             </a:endParaRPr>
           </a:p>
         </p:txBody>
@@ -21847,7 +21848,7 @@
         <p:spPr>
           <a:xfrm>
             <a:off x="4091400" y="5212800"/>
-            <a:ext cx="573840" cy="248760"/>
+            <a:ext cx="573480" cy="248400"/>
           </a:xfrm>
           <a:prstGeom prst="rect">
             <a:avLst/>
@@ -21882,7 +21883,7 @@
               <a:t>Roots</a:t>
             </a:r>
             <a:endParaRPr b="0" lang="en-US" sz="1050" spc="-1" strike="noStrike">
-              <a:latin typeface="Arial"/>
+              <a:latin typeface="Times New Roman"/>
             </a:endParaRPr>
           </a:p>
         </p:txBody>
@@ -21896,7 +21897,7 @@
         <p:spPr>
           <a:xfrm>
             <a:off x="4710240" y="5228640"/>
-            <a:ext cx="1475640" cy="248760"/>
+            <a:ext cx="1475280" cy="248400"/>
           </a:xfrm>
           <a:prstGeom prst="rect">
             <a:avLst/>
@@ -21931,7 +21932,7 @@
               <a:t>Rhizosphere</a:t>
             </a:r>
             <a:endParaRPr b="0" lang="en-US" sz="1050" spc="-1" strike="noStrike">
-              <a:latin typeface="Arial"/>
+              <a:latin typeface="Times New Roman"/>
             </a:endParaRPr>
           </a:p>
         </p:txBody>
@@ -21945,7 +21946,7 @@
         <p:spPr>
           <a:xfrm>
             <a:off x="4685040" y="3841920"/>
-            <a:ext cx="671760" cy="295560"/>
+            <a:ext cx="671400" cy="295200"/>
           </a:xfrm>
           <a:prstGeom prst="rect">
             <a:avLst/>
@@ -22000,7 +22001,7 @@
               <a:t>1</a:t>
             </a:r>
             <a:endParaRPr b="0" lang="en-US" sz="1200" spc="-1" strike="noStrike">
-              <a:latin typeface="Arial"/>
+              <a:latin typeface="Times New Roman"/>
             </a:endParaRPr>
           </a:p>
         </p:txBody>
@@ -22014,7 +22015,7 @@
         <p:spPr>
           <a:xfrm>
             <a:off x="4685040" y="4330440"/>
-            <a:ext cx="671760" cy="295560"/>
+            <a:ext cx="671400" cy="295200"/>
           </a:xfrm>
           <a:prstGeom prst="rect">
             <a:avLst/>
@@ -22069,7 +22070,7 @@
               <a:t>2</a:t>
             </a:r>
             <a:endParaRPr b="0" lang="en-US" sz="1200" spc="-1" strike="noStrike">
-              <a:latin typeface="Arial"/>
+              <a:latin typeface="Times New Roman"/>
             </a:endParaRPr>
           </a:p>
         </p:txBody>
@@ -22083,7 +22084,7 @@
         <p:spPr>
           <a:xfrm>
             <a:off x="4736160" y="4932720"/>
-            <a:ext cx="671760" cy="295560"/>
+            <a:ext cx="671400" cy="295200"/>
           </a:xfrm>
           <a:prstGeom prst="rect">
             <a:avLst/>
@@ -22128,7 +22129,7 @@
               <a:t>rootsurf, S</a:t>
             </a:r>
             <a:endParaRPr b="0" lang="en-US" sz="1200" spc="-1" strike="noStrike">
-              <a:latin typeface="Arial"/>
+              <a:latin typeface="Times New Roman"/>
             </a:endParaRPr>
           </a:p>
         </p:txBody>
@@ -22141,8 +22142,8 @@
         </p:nvSpPr>
         <p:spPr>
           <a:xfrm flipH="1" flipV="1">
-            <a:off x="4169160" y="3838680"/>
-            <a:ext cx="233640" cy="414000"/>
+            <a:off x="4169160" y="3837960"/>
+            <a:ext cx="233280" cy="413640"/>
           </a:xfrm>
           <a:custGeom>
             <a:avLst/>
@@ -22190,7 +22191,7 @@
         <p:spPr>
           <a:xfrm>
             <a:off x="3393720" y="3571920"/>
-            <a:ext cx="660960" cy="295560"/>
+            <a:ext cx="660600" cy="295200"/>
           </a:xfrm>
           <a:prstGeom prst="rect">
             <a:avLst/>
@@ -22235,7 +22236,7 @@
               <a:t>rootcrown</a:t>
             </a:r>
             <a:endParaRPr b="0" lang="en-US" sz="1200" spc="-1" strike="noStrike">
-              <a:latin typeface="Arial"/>
+              <a:latin typeface="Times New Roman"/>
             </a:endParaRPr>
           </a:p>
         </p:txBody>
@@ -22249,7 +22250,7 @@
         <p:spPr>
           <a:xfrm>
             <a:off x="5625360" y="3818160"/>
-            <a:ext cx="518040" cy="295560"/>
+            <a:ext cx="517680" cy="295200"/>
           </a:xfrm>
           <a:prstGeom prst="rect">
             <a:avLst/>
@@ -22304,7 +22305,7 @@
               <a:t>1</a:t>
             </a:r>
             <a:endParaRPr b="0" lang="en-US" sz="1200" spc="-1" strike="noStrike">
-              <a:latin typeface="Arial"/>
+              <a:latin typeface="Times New Roman"/>
             </a:endParaRPr>
           </a:p>
         </p:txBody>
@@ -22318,7 +22319,7 @@
         <p:spPr>
           <a:xfrm>
             <a:off x="5633280" y="4340520"/>
-            <a:ext cx="518040" cy="295560"/>
+            <a:ext cx="517680" cy="295200"/>
           </a:xfrm>
           <a:prstGeom prst="rect">
             <a:avLst/>
@@ -22373,7 +22374,7 @@
               <a:t>2</a:t>
             </a:r>
             <a:endParaRPr b="0" lang="en-US" sz="1200" spc="-1" strike="noStrike">
-              <a:latin typeface="Arial"/>
+              <a:latin typeface="Times New Roman"/>
             </a:endParaRPr>
           </a:p>
         </p:txBody>
@@ -22387,7 +22388,7 @@
         <p:spPr>
           <a:xfrm>
             <a:off x="5642280" y="4937400"/>
-            <a:ext cx="517680" cy="295560"/>
+            <a:ext cx="517320" cy="295200"/>
           </a:xfrm>
           <a:prstGeom prst="rect">
             <a:avLst/>
@@ -22432,7 +22433,7 @@
               <a:t>soil, S</a:t>
             </a:r>
             <a:endParaRPr b="0" lang="en-US" sz="1200" spc="-1" strike="noStrike">
-              <a:latin typeface="Arial"/>
+              <a:latin typeface="Times New Roman"/>
             </a:endParaRPr>
           </a:p>
         </p:txBody>
@@ -22446,7 +22447,7 @@
         <p:spPr>
           <a:xfrm>
             <a:off x="3633840" y="2167920"/>
-            <a:ext cx="248040" cy="248760"/>
+            <a:ext cx="247680" cy="248400"/>
           </a:xfrm>
           <a:prstGeom prst="rect">
             <a:avLst/>
@@ -22481,7 +22482,7 @@
               <a:t>…</a:t>
             </a:r>
             <a:endParaRPr b="0" lang="en-US" sz="1050" spc="-1" strike="noStrike">
-              <a:latin typeface="Arial"/>
+              <a:latin typeface="Times New Roman"/>
             </a:endParaRPr>
           </a:p>
         </p:txBody>
@@ -22495,7 +22496,7 @@
         <p:spPr>
           <a:xfrm>
             <a:off x="3552480" y="2915280"/>
-            <a:ext cx="520920" cy="278640"/>
+            <a:ext cx="520560" cy="278280"/>
           </a:xfrm>
           <a:prstGeom prst="rect">
             <a:avLst/>
@@ -22550,7 +22551,7 @@
               <a:t>1</a:t>
             </a:r>
             <a:endParaRPr b="0" lang="en-US" sz="1100" spc="-1" strike="noStrike">
-              <a:latin typeface="Arial"/>
+              <a:latin typeface="Times New Roman"/>
             </a:endParaRPr>
           </a:p>
         </p:txBody>
@@ -22564,7 +22565,7 @@
         <p:spPr>
           <a:xfrm>
             <a:off x="3552480" y="2395080"/>
-            <a:ext cx="520920" cy="278640"/>
+            <a:ext cx="520560" cy="278280"/>
           </a:xfrm>
           <a:prstGeom prst="rect">
             <a:avLst/>
@@ -22619,7 +22620,7 @@
               <a:t>2</a:t>
             </a:r>
             <a:endParaRPr b="0" lang="en-US" sz="1100" spc="-1" strike="noStrike">
-              <a:latin typeface="Arial"/>
+              <a:latin typeface="Times New Roman"/>
             </a:endParaRPr>
           </a:p>
         </p:txBody>
@@ -22632,8 +22633,8 @@
         </p:nvSpPr>
         <p:spPr>
           <a:xfrm flipH="1" rot="16200000">
-            <a:off x="3763440" y="4219920"/>
-            <a:ext cx="991080" cy="291240"/>
+            <a:off x="3763800" y="4219920"/>
+            <a:ext cx="990720" cy="290880"/>
           </a:xfrm>
           <a:prstGeom prst="bentConnector2">
             <a:avLst/>
@@ -22668,7 +22669,7 @@
         <p:spPr>
           <a:xfrm>
             <a:off x="4316040" y="4477680"/>
-            <a:ext cx="248040" cy="248760"/>
+            <a:ext cx="247680" cy="248400"/>
           </a:xfrm>
           <a:prstGeom prst="rect">
             <a:avLst/>
@@ -22703,7 +22704,7 @@
               <a:t>…</a:t>
             </a:r>
             <a:endParaRPr b="0" lang="en-US" sz="1050" spc="-1" strike="noStrike">
-              <a:latin typeface="Arial"/>
+              <a:latin typeface="Times New Roman"/>
             </a:endParaRPr>
           </a:p>
         </p:txBody>
@@ -22717,7 +22718,7 @@
         <p:spPr>
           <a:xfrm>
             <a:off x="5622840" y="4499640"/>
-            <a:ext cx="248040" cy="248760"/>
+            <a:ext cx="247680" cy="248400"/>
           </a:xfrm>
           <a:prstGeom prst="rect">
             <a:avLst/>
@@ -22752,7 +22753,7 @@
               <a:t>…</a:t>
             </a:r>
             <a:endParaRPr b="0" lang="en-US" sz="1050" spc="-1" strike="noStrike">
-              <a:latin typeface="Arial"/>
+              <a:latin typeface="Times New Roman"/>
             </a:endParaRPr>
           </a:p>
         </p:txBody>
@@ -22766,9 +22767,9 @@
         <p:grpSpPr>
           <a:xfrm>
             <a:off x="4072320" y="2035080"/>
-            <a:ext cx="83880" cy="192240"/>
+            <a:ext cx="83520" cy="191880"/>
             <a:chOff x="4072320" y="2035080"/>
-            <a:chExt cx="83880" cy="192240"/>
+            <a:chExt cx="83520" cy="191880"/>
           </a:xfrm>
         </p:grpSpPr>
         <p:sp>
@@ -22780,7 +22781,7 @@
           <p:spPr>
             <a:xfrm>
               <a:off x="4072320" y="2040480"/>
-              <a:ext cx="83880" cy="186840"/>
+              <a:ext cx="83520" cy="186480"/>
             </a:xfrm>
             <a:prstGeom prst="rect">
               <a:avLst/>
@@ -22813,7 +22814,7 @@
           <p:spPr>
             <a:xfrm>
               <a:off x="4081680" y="2035080"/>
-              <a:ext cx="73080" cy="192240"/>
+              <a:ext cx="72720" cy="191880"/>
             </a:xfrm>
             <a:custGeom>
               <a:avLst/>
@@ -22888,7 +22889,7 @@
         <p:spPr>
           <a:xfrm>
             <a:off x="4066200" y="2504880"/>
-            <a:ext cx="90720" cy="101520"/>
+            <a:ext cx="90360" cy="101160"/>
           </a:xfrm>
           <a:prstGeom prst="ellipse">
             <a:avLst/>
@@ -22924,9 +22925,9 @@
         <p:grpSpPr>
           <a:xfrm>
             <a:off x="4072320" y="2630880"/>
-            <a:ext cx="83880" cy="192240"/>
+            <a:ext cx="83520" cy="191880"/>
             <a:chOff x="4072320" y="2630880"/>
-            <a:chExt cx="83880" cy="192240"/>
+            <a:chExt cx="83520" cy="191880"/>
           </a:xfrm>
         </p:grpSpPr>
         <p:sp>
@@ -22938,7 +22939,7 @@
           <p:spPr>
             <a:xfrm>
               <a:off x="4072320" y="2635920"/>
-              <a:ext cx="83880" cy="186840"/>
+              <a:ext cx="83520" cy="186480"/>
             </a:xfrm>
             <a:prstGeom prst="rect">
               <a:avLst/>
@@ -22971,7 +22972,7 @@
           <p:spPr>
             <a:xfrm>
               <a:off x="4081680" y="2630880"/>
-              <a:ext cx="73080" cy="192240"/>
+              <a:ext cx="72720" cy="191880"/>
             </a:xfrm>
             <a:custGeom>
               <a:avLst/>
@@ -23046,7 +23047,7 @@
         <p:spPr>
           <a:xfrm>
             <a:off x="4066200" y="2997360"/>
-            <a:ext cx="90720" cy="101520"/>
+            <a:ext cx="90360" cy="101160"/>
           </a:xfrm>
           <a:prstGeom prst="ellipse">
             <a:avLst/>
@@ -23082,9 +23083,9 @@
         <p:grpSpPr>
           <a:xfrm>
             <a:off x="4072320" y="3123360"/>
-            <a:ext cx="83880" cy="192240"/>
+            <a:ext cx="83520" cy="191880"/>
             <a:chOff x="4072320" y="3123360"/>
-            <a:chExt cx="83880" cy="192240"/>
+            <a:chExt cx="83520" cy="191880"/>
           </a:xfrm>
         </p:grpSpPr>
         <p:sp>
@@ -23096,7 +23097,7 @@
           <p:spPr>
             <a:xfrm>
               <a:off x="4072320" y="3128760"/>
-              <a:ext cx="83880" cy="186840"/>
+              <a:ext cx="83520" cy="186480"/>
             </a:xfrm>
             <a:prstGeom prst="rect">
               <a:avLst/>
@@ -23129,7 +23130,7 @@
           <p:spPr>
             <a:xfrm>
               <a:off x="4081680" y="3123360"/>
-              <a:ext cx="73080" cy="192240"/>
+              <a:ext cx="72720" cy="191880"/>
             </a:xfrm>
             <a:custGeom>
               <a:avLst/>
@@ -23203,10 +23204,10 @@
         </p:nvGrpSpPr>
         <p:grpSpPr>
           <a:xfrm>
-            <a:off x="4398120" y="3724560"/>
-            <a:ext cx="192240" cy="83880"/>
-            <a:chOff x="4398120" y="3724560"/>
-            <a:chExt cx="192240" cy="83880"/>
+            <a:off x="4398480" y="3724560"/>
+            <a:ext cx="191880" cy="83520"/>
+            <a:chOff x="4398480" y="3724560"/>
+            <a:chExt cx="191880" cy="83520"/>
           </a:xfrm>
         </p:grpSpPr>
         <p:sp>
@@ -23217,8 +23218,8 @@
           </p:nvSpPr>
           <p:spPr>
             <a:xfrm rot="5400000">
-              <a:off x="4449600" y="3673080"/>
-              <a:ext cx="83880" cy="186840"/>
+              <a:off x="4449960" y="3673080"/>
+              <a:ext cx="83520" cy="186480"/>
             </a:xfrm>
             <a:prstGeom prst="rect">
               <a:avLst/>
@@ -23250,8 +23251,8 @@
           </p:nvSpPr>
           <p:spPr>
             <a:xfrm rot="5400000">
-              <a:off x="4457520" y="3674520"/>
-              <a:ext cx="73080" cy="192240"/>
+              <a:off x="4457880" y="3674520"/>
+              <a:ext cx="72720" cy="191880"/>
             </a:xfrm>
             <a:custGeom>
               <a:avLst/>
@@ -23325,10 +23326,10 @@
         </p:nvGrpSpPr>
         <p:grpSpPr>
           <a:xfrm>
-            <a:off x="5257800" y="3726720"/>
-            <a:ext cx="192240" cy="83880"/>
-            <a:chOff x="5257800" y="3726720"/>
-            <a:chExt cx="192240" cy="83880"/>
+            <a:off x="5258160" y="3726720"/>
+            <a:ext cx="191880" cy="83520"/>
+            <a:chOff x="5258160" y="3726720"/>
+            <a:chExt cx="191880" cy="83520"/>
           </a:xfrm>
         </p:grpSpPr>
         <p:sp>
@@ -23339,8 +23340,8 @@
           </p:nvSpPr>
           <p:spPr>
             <a:xfrm rot="5400000">
-              <a:off x="5309280" y="3675240"/>
-              <a:ext cx="83880" cy="186840"/>
+              <a:off x="5309640" y="3675240"/>
+              <a:ext cx="83520" cy="186480"/>
             </a:xfrm>
             <a:prstGeom prst="rect">
               <a:avLst/>
@@ -23372,8 +23373,8 @@
           </p:nvSpPr>
           <p:spPr>
             <a:xfrm rot="5400000">
-              <a:off x="5317200" y="3676320"/>
-              <a:ext cx="73080" cy="192240"/>
+              <a:off x="5317560" y="3676320"/>
+              <a:ext cx="72720" cy="191880"/>
             </a:xfrm>
             <a:custGeom>
               <a:avLst/>
@@ -23447,10 +23448,10 @@
         </p:nvGrpSpPr>
         <p:grpSpPr>
           <a:xfrm>
-            <a:off x="5261400" y="4199040"/>
-            <a:ext cx="192240" cy="83880"/>
-            <a:chOff x="5261400" y="4199040"/>
-            <a:chExt cx="192240" cy="83880"/>
+            <a:off x="5261760" y="4199040"/>
+            <a:ext cx="191880" cy="83520"/>
+            <a:chOff x="5261760" y="4199040"/>
+            <a:chExt cx="191880" cy="83520"/>
           </a:xfrm>
         </p:grpSpPr>
         <p:sp>
@@ -23461,8 +23462,8 @@
           </p:nvSpPr>
           <p:spPr>
             <a:xfrm rot="5400000">
-              <a:off x="5313240" y="4147560"/>
-              <a:ext cx="83880" cy="186840"/>
+              <a:off x="5313600" y="4147560"/>
+              <a:ext cx="83520" cy="186480"/>
             </a:xfrm>
             <a:prstGeom prst="rect">
               <a:avLst/>
@@ -23494,8 +23495,8 @@
           </p:nvSpPr>
           <p:spPr>
             <a:xfrm rot="5400000">
-              <a:off x="5320800" y="4148640"/>
-              <a:ext cx="73080" cy="192240"/>
+              <a:off x="5321160" y="4148640"/>
+              <a:ext cx="72720" cy="191880"/>
             </a:xfrm>
             <a:custGeom>
               <a:avLst/>
@@ -23569,10 +23570,10 @@
         </p:nvGrpSpPr>
         <p:grpSpPr>
           <a:xfrm>
-            <a:off x="4407840" y="4212720"/>
-            <a:ext cx="192240" cy="83880"/>
-            <a:chOff x="4407840" y="4212720"/>
-            <a:chExt cx="192240" cy="83880"/>
+            <a:off x="4408200" y="4212720"/>
+            <a:ext cx="191880" cy="83520"/>
+            <a:chOff x="4408200" y="4212720"/>
+            <a:chExt cx="191880" cy="83520"/>
           </a:xfrm>
         </p:grpSpPr>
         <p:sp>
@@ -23583,8 +23584,8 @@
           </p:nvSpPr>
           <p:spPr>
             <a:xfrm rot="5400000">
-              <a:off x="4460040" y="4161240"/>
-              <a:ext cx="83880" cy="186840"/>
+              <a:off x="4460400" y="4161240"/>
+              <a:ext cx="83520" cy="186480"/>
             </a:xfrm>
             <a:prstGeom prst="rect">
               <a:avLst/>
@@ -23616,8 +23617,8 @@
           </p:nvSpPr>
           <p:spPr>
             <a:xfrm rot="5400000">
-              <a:off x="4467240" y="4161960"/>
-              <a:ext cx="73080" cy="192240"/>
+              <a:off x="4467600" y="4161960"/>
+              <a:ext cx="72720" cy="191880"/>
             </a:xfrm>
             <a:custGeom>
               <a:avLst/>
@@ -23692,9 +23693,9 @@
         <p:grpSpPr>
           <a:xfrm>
             <a:off x="4060080" y="1545120"/>
-            <a:ext cx="83880" cy="192240"/>
+            <a:ext cx="83520" cy="191880"/>
             <a:chOff x="4060080" y="1545120"/>
-            <a:chExt cx="83880" cy="192240"/>
+            <a:chExt cx="83520" cy="191880"/>
           </a:xfrm>
         </p:grpSpPr>
         <p:sp>
@@ -23706,7 +23707,7 @@
           <p:spPr>
             <a:xfrm>
               <a:off x="4060080" y="1550520"/>
-              <a:ext cx="83880" cy="186840"/>
+              <a:ext cx="83520" cy="186480"/>
             </a:xfrm>
             <a:prstGeom prst="rect">
               <a:avLst/>
@@ -23739,7 +23740,7 @@
           <p:spPr>
             <a:xfrm>
               <a:off x="4069440" y="1545120"/>
-              <a:ext cx="73080" cy="192240"/>
+              <a:ext cx="72720" cy="191880"/>
             </a:xfrm>
             <a:custGeom>
               <a:avLst/>
@@ -23813,10 +23814,10 @@
         </p:nvGrpSpPr>
         <p:grpSpPr>
           <a:xfrm>
-            <a:off x="4407840" y="4820040"/>
-            <a:ext cx="192240" cy="83880"/>
-            <a:chOff x="4407840" y="4820040"/>
-            <a:chExt cx="192240" cy="83880"/>
+            <a:off x="4408200" y="4820040"/>
+            <a:ext cx="191880" cy="83520"/>
+            <a:chOff x="4408200" y="4820040"/>
+            <a:chExt cx="191880" cy="83520"/>
           </a:xfrm>
         </p:grpSpPr>
         <p:sp>
@@ -23827,8 +23828,8 @@
           </p:nvSpPr>
           <p:spPr>
             <a:xfrm rot="5400000">
-              <a:off x="4460040" y="4768560"/>
-              <a:ext cx="83880" cy="186840"/>
+              <a:off x="4460400" y="4768560"/>
+              <a:ext cx="83520" cy="186480"/>
             </a:xfrm>
             <a:prstGeom prst="rect">
               <a:avLst/>
@@ -23860,8 +23861,8 @@
           </p:nvSpPr>
           <p:spPr>
             <a:xfrm rot="5400000">
-              <a:off x="4467240" y="4769280"/>
-              <a:ext cx="73080" cy="192240"/>
+              <a:off x="4467600" y="4769280"/>
+              <a:ext cx="72720" cy="191880"/>
             </a:xfrm>
             <a:custGeom>
               <a:avLst/>
@@ -23935,10 +23936,10 @@
         </p:nvGrpSpPr>
         <p:grpSpPr>
           <a:xfrm>
-            <a:off x="5257800" y="4810680"/>
-            <a:ext cx="192240" cy="83880"/>
-            <a:chOff x="5257800" y="4810680"/>
-            <a:chExt cx="192240" cy="83880"/>
+            <a:off x="5258160" y="4810680"/>
+            <a:ext cx="191880" cy="83520"/>
+            <a:chOff x="5258160" y="4810680"/>
+            <a:chExt cx="191880" cy="83520"/>
           </a:xfrm>
         </p:grpSpPr>
         <p:sp>
@@ -23949,8 +23950,8 @@
           </p:nvSpPr>
           <p:spPr>
             <a:xfrm rot="5400000">
-              <a:off x="5309280" y="4759200"/>
-              <a:ext cx="83880" cy="186840"/>
+              <a:off x="5309640" y="4759200"/>
+              <a:ext cx="83520" cy="186480"/>
             </a:xfrm>
             <a:prstGeom prst="rect">
               <a:avLst/>
@@ -23982,8 +23983,8 @@
           </p:nvSpPr>
           <p:spPr>
             <a:xfrm rot="5400000">
-              <a:off x="5317200" y="4760280"/>
-              <a:ext cx="73080" cy="192240"/>
+              <a:off x="5317560" y="4760280"/>
+              <a:ext cx="72720" cy="191880"/>
             </a:xfrm>
             <a:custGeom>
               <a:avLst/>
@@ -24058,7 +24059,7 @@
         <p:spPr>
           <a:xfrm>
             <a:off x="3569400" y="1328760"/>
-            <a:ext cx="414360" cy="278640"/>
+            <a:ext cx="414000" cy="278280"/>
           </a:xfrm>
           <a:prstGeom prst="rect">
             <a:avLst/>
@@ -24103,7 +24104,7 @@
               <a:t>leaf</a:t>
             </a:r>
             <a:endParaRPr b="0" lang="en-US" sz="1100" spc="-1" strike="noStrike">
-              <a:latin typeface="Arial"/>
+              <a:latin typeface="Times New Roman"/>
             </a:endParaRPr>
           </a:p>
         </p:txBody>
@@ -24117,7 +24118,7 @@
         <p:spPr>
           <a:xfrm>
             <a:off x="3547440" y="1848600"/>
-            <a:ext cx="533160" cy="278640"/>
+            <a:ext cx="532800" cy="278280"/>
           </a:xfrm>
           <a:prstGeom prst="rect">
             <a:avLst/>
@@ -24162,7 +24163,7 @@
               <a:t>stem, N</a:t>
             </a:r>
             <a:endParaRPr b="0" lang="en-US" sz="1100" spc="-1" strike="noStrike">
-              <a:latin typeface="Arial"/>
+              <a:latin typeface="Times New Roman"/>
             </a:endParaRPr>
           </a:p>
         </p:txBody>
@@ -24175,8 +24176,8 @@
         </p:nvSpPr>
         <p:spPr>
           <a:xfrm rot="16200000">
-            <a:off x="3196800" y="2388960"/>
-            <a:ext cx="483120" cy="248760"/>
+            <a:off x="3196800" y="2389320"/>
+            <a:ext cx="482760" cy="248400"/>
           </a:xfrm>
           <a:prstGeom prst="rect">
             <a:avLst/>
@@ -24211,7 +24212,7 @@
               <a:t>Stem</a:t>
             </a:r>
             <a:endParaRPr b="0" lang="en-US" sz="1050" spc="-1" strike="noStrike">
-              <a:latin typeface="Arial"/>
+              <a:latin typeface="Times New Roman"/>
             </a:endParaRPr>
           </a:p>
         </p:txBody>
@@ -24224,8 +24225,8 @@
         </p:nvSpPr>
         <p:spPr>
           <a:xfrm rot="16200000">
-            <a:off x="3080160" y="1410840"/>
-            <a:ext cx="714960" cy="248760"/>
+            <a:off x="3080160" y="1411200"/>
+            <a:ext cx="714600" cy="248400"/>
           </a:xfrm>
           <a:prstGeom prst="rect">
             <a:avLst/>
@@ -24260,7 +24261,7 @@
               <a:t>Leaf</a:t>
             </a:r>
             <a:endParaRPr b="0" lang="en-US" sz="1050" spc="-1" strike="noStrike">
-              <a:latin typeface="Arial"/>
+              <a:latin typeface="Times New Roman"/>
             </a:endParaRPr>
           </a:p>
         </p:txBody>
@@ -24274,7 +24275,7 @@
         <p:spPr>
           <a:xfrm>
             <a:off x="4428000" y="1478520"/>
-            <a:ext cx="528480" cy="269640"/>
+            <a:ext cx="528120" cy="269280"/>
           </a:xfrm>
           <a:prstGeom prst="rect">
             <a:avLst/>
@@ -24369,7 +24370,7 @@
               <a:t>t</a:t>
             </a:r>
             <a:endParaRPr b="0" lang="en-US" sz="1050" spc="-1" strike="noStrike">
-              <a:latin typeface="Arial"/>
+              <a:latin typeface="Times New Roman"/>
             </a:endParaRPr>
           </a:p>
         </p:txBody>
@@ -24383,7 +24384,7 @@
         <p:spPr>
           <a:xfrm>
             <a:off x="4111560" y="1368000"/>
-            <a:ext cx="579600" cy="108360"/>
+            <a:ext cx="579240" cy="108000"/>
           </a:xfrm>
           <a:prstGeom prst="bentConnector2">
             <a:avLst/>
@@ -24419,7 +24420,7 @@
         <p:spPr>
           <a:xfrm>
             <a:off x="3983400" y="920160"/>
-            <a:ext cx="272520" cy="271440"/>
+            <a:ext cx="272160" cy="271080"/>
           </a:xfrm>
           <a:prstGeom prst="rect">
             <a:avLst/>
@@ -24454,7 +24455,7 @@
               <a:t>E</a:t>
             </a:r>
             <a:endParaRPr b="0" lang="en-US" sz="1200" spc="-1" strike="noStrike">
-              <a:latin typeface="Arial"/>
+              <a:latin typeface="Times New Roman"/>
             </a:endParaRPr>
           </a:p>
         </p:txBody>
@@ -24468,7 +24469,7 @@
         <p:spPr>
           <a:xfrm>
             <a:off x="4058280" y="1400400"/>
-            <a:ext cx="90720" cy="101520"/>
+            <a:ext cx="90360" cy="101160"/>
           </a:xfrm>
           <a:prstGeom prst="ellipse">
             <a:avLst/>
@@ -24504,7 +24505,7 @@
         <p:spPr>
           <a:xfrm>
             <a:off x="4425480" y="1981080"/>
-            <a:ext cx="559080" cy="269640"/>
+            <a:ext cx="558720" cy="269280"/>
           </a:xfrm>
           <a:prstGeom prst="rect">
             <a:avLst/>
@@ -24599,7 +24600,7 @@
               <a:t>t</a:t>
             </a:r>
             <a:endParaRPr b="0" lang="en-US" sz="1050" spc="-1" strike="noStrike">
-              <a:latin typeface="Arial"/>
+              <a:latin typeface="Times New Roman"/>
             </a:endParaRPr>
           </a:p>
         </p:txBody>
@@ -24613,7 +24614,7 @@
         <p:spPr>
           <a:xfrm>
             <a:off x="4124520" y="1870920"/>
-            <a:ext cx="579600" cy="108360"/>
+            <a:ext cx="579240" cy="108000"/>
           </a:xfrm>
           <a:prstGeom prst="bentConnector2">
             <a:avLst/>
@@ -24649,7 +24650,7 @@
         <p:spPr>
           <a:xfrm>
             <a:off x="4429800" y="2582640"/>
-            <a:ext cx="546840" cy="269640"/>
+            <a:ext cx="546480" cy="269280"/>
           </a:xfrm>
           <a:prstGeom prst="rect">
             <a:avLst/>
@@ -24744,7 +24745,7 @@
               <a:t>t</a:t>
             </a:r>
             <a:endParaRPr b="0" lang="en-US" sz="1050" spc="-1" strike="noStrike">
-              <a:latin typeface="Arial"/>
+              <a:latin typeface="Times New Roman"/>
             </a:endParaRPr>
           </a:p>
         </p:txBody>
@@ -24758,7 +24759,7 @@
         <p:spPr>
           <a:xfrm>
             <a:off x="4122720" y="2472120"/>
-            <a:ext cx="579600" cy="108360"/>
+            <a:ext cx="579240" cy="108000"/>
           </a:xfrm>
           <a:prstGeom prst="bentConnector2">
             <a:avLst/>
@@ -24794,7 +24795,7 @@
         <p:spPr>
           <a:xfrm>
             <a:off x="4422600" y="3077280"/>
-            <a:ext cx="560520" cy="269640"/>
+            <a:ext cx="560160" cy="269280"/>
           </a:xfrm>
           <a:prstGeom prst="rect">
             <a:avLst/>
@@ -24889,7 +24890,7 @@
               <a:t>t</a:t>
             </a:r>
             <a:endParaRPr b="0" lang="en-US" sz="1050" spc="-1" strike="noStrike">
-              <a:latin typeface="Arial"/>
+              <a:latin typeface="Times New Roman"/>
             </a:endParaRPr>
           </a:p>
         </p:txBody>
@@ -24903,7 +24904,7 @@
         <p:spPr>
           <a:xfrm>
             <a:off x="4122720" y="2966760"/>
-            <a:ext cx="579600" cy="108360"/>
+            <a:ext cx="579240" cy="108000"/>
           </a:xfrm>
           <a:prstGeom prst="bentConnector2">
             <a:avLst/>
@@ -24995,7 +24996,7 @@
         <p:spPr>
           <a:xfrm>
             <a:off x="1551240" y="929520"/>
-            <a:ext cx="3506760" cy="4658040"/>
+            <a:ext cx="3506400" cy="4657680"/>
           </a:xfrm>
           <a:prstGeom prst="rect">
             <a:avLst/>
@@ -25035,7 +25036,7 @@
         <p:spPr>
           <a:xfrm>
             <a:off x="1558440" y="1323000"/>
-            <a:ext cx="2953080" cy="4091760"/>
+            <a:ext cx="2952720" cy="4091400"/>
           </a:xfrm>
           <a:prstGeom prst="rect">
             <a:avLst/>
@@ -25054,7 +25055,7 @@
         <p:spPr>
           <a:xfrm>
             <a:off x="3298680" y="934920"/>
-            <a:ext cx="3626280" cy="4658040"/>
+            <a:ext cx="3625920" cy="4657680"/>
           </a:xfrm>
           <a:prstGeom prst="rect">
             <a:avLst/>
@@ -25090,7 +25091,7 @@
         <p:spPr>
           <a:xfrm>
             <a:off x="4906080" y="3101040"/>
-            <a:ext cx="486000" cy="269640"/>
+            <a:ext cx="485640" cy="269280"/>
           </a:xfrm>
           <a:prstGeom prst="rect">
             <a:avLst/>
@@ -25155,7 +25156,7 @@
               <a:t>1</a:t>
             </a:r>
             <a:endParaRPr b="0" lang="en-US" sz="1050" spc="-1" strike="noStrike">
-              <a:latin typeface="Arial"/>
+              <a:latin typeface="Times New Roman"/>
             </a:endParaRPr>
           </a:p>
         </p:txBody>
@@ -25169,7 +25170,7 @@
         <p:spPr>
           <a:xfrm>
             <a:off x="3909240" y="920160"/>
-            <a:ext cx="405000" cy="295560"/>
+            <a:ext cx="404640" cy="295200"/>
           </a:xfrm>
           <a:prstGeom prst="rect">
             <a:avLst/>
@@ -25214,7 +25215,7 @@
               <a:t>min</a:t>
             </a:r>
             <a:endParaRPr b="0" lang="en-US" sz="1200" spc="-1" strike="noStrike">
-              <a:latin typeface="Arial"/>
+              <a:latin typeface="Times New Roman"/>
             </a:endParaRPr>
           </a:p>
         </p:txBody>
@@ -25228,7 +25229,7 @@
         <p:spPr>
           <a:xfrm>
             <a:off x="4866840" y="1535040"/>
-            <a:ext cx="563760" cy="269640"/>
+            <a:ext cx="563400" cy="269280"/>
           </a:xfrm>
           <a:prstGeom prst="rect">
             <a:avLst/>
@@ -25283,7 +25284,7 @@
               <a:t>sym, leaf</a:t>
             </a:r>
             <a:endParaRPr b="0" lang="en-US" sz="1050" spc="-1" strike="noStrike">
-              <a:latin typeface="Arial"/>
+              <a:latin typeface="Times New Roman"/>
             </a:endParaRPr>
           </a:p>
         </p:txBody>
@@ -25297,7 +25298,7 @@
         <p:spPr>
           <a:xfrm>
             <a:off x="3874320" y="3101040"/>
-            <a:ext cx="482760" cy="269640"/>
+            <a:ext cx="482400" cy="269280"/>
           </a:xfrm>
           <a:prstGeom prst="rect">
             <a:avLst/>
@@ -25362,7 +25363,7 @@
               <a:t>1</a:t>
             </a:r>
             <a:endParaRPr b="0" lang="en-US" sz="1050" spc="-1" strike="noStrike">
-              <a:latin typeface="Arial"/>
+              <a:latin typeface="Times New Roman"/>
             </a:endParaRPr>
           </a:p>
         </p:txBody>
@@ -25376,7 +25377,7 @@
         <p:spPr>
           <a:xfrm>
             <a:off x="4374720" y="3227760"/>
-            <a:ext cx="506880" cy="360"/>
+            <a:ext cx="506520" cy="360"/>
           </a:xfrm>
           <a:custGeom>
             <a:avLst/>
@@ -25426,7 +25427,7 @@
         <p:spPr>
           <a:xfrm>
             <a:off x="4906080" y="2635560"/>
-            <a:ext cx="486000" cy="269640"/>
+            <a:ext cx="485640" cy="269280"/>
           </a:xfrm>
           <a:prstGeom prst="rect">
             <a:avLst/>
@@ -25491,7 +25492,7 @@
               <a:t>2</a:t>
             </a:r>
             <a:endParaRPr b="0" lang="en-US" sz="1050" spc="-1" strike="noStrike">
-              <a:latin typeface="Arial"/>
+              <a:latin typeface="Times New Roman"/>
             </a:endParaRPr>
           </a:p>
         </p:txBody>
@@ -25505,7 +25506,7 @@
         <p:spPr>
           <a:xfrm>
             <a:off x="3874320" y="2635560"/>
-            <a:ext cx="482760" cy="269640"/>
+            <a:ext cx="482400" cy="269280"/>
           </a:xfrm>
           <a:prstGeom prst="rect">
             <a:avLst/>
@@ -25570,7 +25571,7 @@
               <a:t>2</a:t>
             </a:r>
             <a:endParaRPr b="0" lang="en-US" sz="1050" spc="-1" strike="noStrike">
-              <a:latin typeface="Arial"/>
+              <a:latin typeface="Times New Roman"/>
             </a:endParaRPr>
           </a:p>
         </p:txBody>
@@ -25584,7 +25585,7 @@
         <p:spPr>
           <a:xfrm>
             <a:off x="4374720" y="2762280"/>
-            <a:ext cx="506880" cy="360"/>
+            <a:ext cx="506520" cy="360"/>
           </a:xfrm>
           <a:custGeom>
             <a:avLst/>
@@ -25634,7 +25635,7 @@
         <p:spPr>
           <a:xfrm>
             <a:off x="4116600" y="2889360"/>
-            <a:ext cx="360" cy="209880"/>
+            <a:ext cx="360" cy="209520"/>
           </a:xfrm>
           <a:custGeom>
             <a:avLst/>
@@ -25683,8 +25684,8 @@
         </p:nvSpPr>
         <p:spPr>
           <a:xfrm rot="16200000">
-            <a:off x="3196800" y="2388960"/>
-            <a:ext cx="483120" cy="248760"/>
+            <a:off x="3196800" y="2389320"/>
+            <a:ext cx="482760" cy="248400"/>
           </a:xfrm>
           <a:prstGeom prst="rect">
             <a:avLst/>
@@ -25719,7 +25720,7 @@
               <a:t>Stem</a:t>
             </a:r>
             <a:endParaRPr b="0" lang="en-US" sz="1050" spc="-1" strike="noStrike">
-              <a:latin typeface="Arial"/>
+              <a:latin typeface="Times New Roman"/>
             </a:endParaRPr>
           </a:p>
         </p:txBody>
@@ -25732,8 +25733,8 @@
         </p:nvSpPr>
         <p:spPr>
           <a:xfrm rot="16200000">
-            <a:off x="3080160" y="1410840"/>
-            <a:ext cx="714960" cy="248760"/>
+            <a:off x="3080160" y="1411200"/>
+            <a:ext cx="714600" cy="248400"/>
           </a:xfrm>
           <a:prstGeom prst="rect">
             <a:avLst/>
@@ -25768,7 +25769,7 @@
               <a:t>Leaf</a:t>
             </a:r>
             <a:endParaRPr b="0" lang="en-US" sz="1050" spc="-1" strike="noStrike">
-              <a:latin typeface="Arial"/>
+              <a:latin typeface="Times New Roman"/>
             </a:endParaRPr>
           </a:p>
         </p:txBody>
@@ -25782,7 +25783,7 @@
         <p:spPr>
           <a:xfrm>
             <a:off x="4112640" y="1197360"/>
-            <a:ext cx="2160" cy="336600"/>
+            <a:ext cx="1800" cy="336240"/>
           </a:xfrm>
           <a:custGeom>
             <a:avLst/>
@@ -25831,7 +25832,7 @@
         <p:spPr>
           <a:xfrm>
             <a:off x="3835440" y="1535760"/>
-            <a:ext cx="560520" cy="269640"/>
+            <a:ext cx="560160" cy="269280"/>
           </a:xfrm>
           <a:prstGeom prst="rect">
             <a:avLst/>
@@ -25886,7 +25887,7 @@
               <a:t>apo, leaf</a:t>
             </a:r>
             <a:endParaRPr b="0" lang="en-US" sz="1050" spc="-1" strike="noStrike">
-              <a:latin typeface="Arial"/>
+              <a:latin typeface="Times New Roman"/>
             </a:endParaRPr>
           </a:p>
         </p:txBody>
@@ -25899,8 +25900,8 @@
         </p:nvSpPr>
         <p:spPr>
           <a:xfrm flipV="1">
-            <a:off x="4420440" y="1658160"/>
-            <a:ext cx="421200" cy="360"/>
+            <a:off x="4420440" y="1657440"/>
+            <a:ext cx="420840" cy="360"/>
           </a:xfrm>
           <a:custGeom>
             <a:avLst/>
@@ -25950,7 +25951,7 @@
         <p:spPr>
           <a:xfrm>
             <a:off x="4899960" y="2013840"/>
-            <a:ext cx="498240" cy="269640"/>
+            <a:ext cx="497880" cy="269280"/>
           </a:xfrm>
           <a:prstGeom prst="rect">
             <a:avLst/>
@@ -26005,7 +26006,7 @@
               <a:t>sym, N</a:t>
             </a:r>
             <a:endParaRPr b="0" lang="en-US" sz="1050" spc="-1" strike="noStrike">
-              <a:latin typeface="Arial"/>
+              <a:latin typeface="Times New Roman"/>
             </a:endParaRPr>
           </a:p>
         </p:txBody>
@@ -26019,7 +26020,7 @@
         <p:spPr>
           <a:xfrm>
             <a:off x="3868200" y="2013840"/>
-            <a:ext cx="495000" cy="269640"/>
+            <a:ext cx="494640" cy="269280"/>
           </a:xfrm>
           <a:prstGeom prst="rect">
             <a:avLst/>
@@ -26074,7 +26075,7 @@
               <a:t>apo, N</a:t>
             </a:r>
             <a:endParaRPr b="0" lang="en-US" sz="1050" spc="-1" strike="noStrike">
-              <a:latin typeface="Arial"/>
+              <a:latin typeface="Times New Roman"/>
             </a:endParaRPr>
           </a:p>
         </p:txBody>
@@ -26088,7 +26089,7 @@
         <p:spPr>
           <a:xfrm>
             <a:off x="4381920" y="2140920"/>
-            <a:ext cx="499680" cy="360"/>
+            <a:ext cx="499320" cy="360"/>
           </a:xfrm>
           <a:custGeom>
             <a:avLst/>
@@ -26138,7 +26139,7 @@
         <p:spPr>
           <a:xfrm>
             <a:off x="4116600" y="2267640"/>
-            <a:ext cx="360" cy="365760"/>
+            <a:ext cx="360" cy="365400"/>
           </a:xfrm>
           <a:custGeom>
             <a:avLst/>
@@ -26188,7 +26189,7 @@
         <p:spPr>
           <a:xfrm>
             <a:off x="4532400" y="2293200"/>
-            <a:ext cx="248040" cy="248760"/>
+            <a:ext cx="247680" cy="248400"/>
           </a:xfrm>
           <a:prstGeom prst="rect">
             <a:avLst/>
@@ -26223,7 +26224,7 @@
               <a:t>…</a:t>
             </a:r>
             <a:endParaRPr b="0" lang="en-US" sz="1050" spc="-1" strike="noStrike">
-              <a:latin typeface="Arial"/>
+              <a:latin typeface="Times New Roman"/>
             </a:endParaRPr>
           </a:p>
         </p:txBody>
@@ -26236,8 +26237,8 @@
         </p:nvSpPr>
         <p:spPr>
           <a:xfrm flipH="1">
-            <a:off x="4113000" y="1789560"/>
-            <a:ext cx="360" cy="222480"/>
+            <a:off x="4112280" y="1789560"/>
+            <a:ext cx="360" cy="222120"/>
           </a:xfrm>
           <a:custGeom>
             <a:avLst/>
@@ -26287,6 +26288,1782 @@
           <p:childTnLst>
             <p:seq>
               <p:cTn id="14" dur="indefinite" nodeType="mainSeq"/>
+              <p:prevCondLst>
+                <p:cond delay="0" evt="onPrev">
+                  <p:tgtEl>
+                    <p:sldTgt/>
+                  </p:tgtEl>
+                </p:cond>
+              </p:prevCondLst>
+              <p:nextCondLst>
+                <p:cond delay="0" evt="onNext">
+                  <p:tgtEl>
+                    <p:sldTgt/>
+                  </p:tgtEl>
+                </p:cond>
+              </p:nextCondLst>
+            </p:seq>
+          </p:childTnLst>
+        </p:cTn>
+      </p:par>
+    </p:tnLst>
+  </p:timing>
+</p:sld>
+</file>
+
+<file path=ppt/slides/slide8.xml><?xml version="1.0" encoding="utf-8"?>
+<p:sld xmlns:a="http://schemas.openxmlformats.org/drawingml/2006/main" xmlns:p="http://schemas.openxmlformats.org/presentationml/2006/main" xmlns:r="http://schemas.openxmlformats.org/officeDocument/2006/relationships" xmlns:p14="http://schemas.microsoft.com/office/powerpoint/2010/main" xmlns:p15="http://schemas.microsoft.com/office/powerpoint/2012/main" xmlns:mc="http://schemas.openxmlformats.org/markup-compatibility/2006">
+  <p:cSld>
+    <p:bg>
+      <p:bgPr>
+        <a:solidFill>
+          <a:srgbClr val="f4f4f4"/>
+        </a:solidFill>
+      </p:bgPr>
+    </p:bg>
+    <p:spTree>
+      <p:nvGrpSpPr>
+        <p:cNvPr id="1" name=""/>
+        <p:cNvGrpSpPr/>
+        <p:nvPr/>
+      </p:nvGrpSpPr>
+      <p:grpSpPr>
+        <a:xfrm>
+          <a:off x="0" y="0"/>
+          <a:ext cx="0" cy="0"/>
+          <a:chOff x="0" y="0"/>
+          <a:chExt cx="0" cy="0"/>
+        </a:xfrm>
+      </p:grpSpPr>
+      <p:sp>
+        <p:nvSpPr>
+          <p:cNvPr id="560" name="CustomShape 1"/>
+          <p:cNvSpPr/>
+          <p:nvPr/>
+        </p:nvSpPr>
+        <p:spPr>
+          <a:xfrm>
+            <a:off x="213480" y="583920"/>
+            <a:ext cx="8713080" cy="5390640"/>
+          </a:xfrm>
+          <a:prstGeom prst="rect">
+            <a:avLst/>
+          </a:prstGeom>
+          <a:solidFill>
+            <a:srgbClr val="f4f4f4"/>
+          </a:solidFill>
+          <a:ln>
+            <a:noFill/>
+          </a:ln>
+        </p:spPr>
+        <p:style>
+          <a:lnRef idx="2">
+            <a:schemeClr val="accent1">
+              <a:shade val="50000"/>
+            </a:schemeClr>
+          </a:lnRef>
+          <a:fillRef idx="1">
+            <a:schemeClr val="accent1"/>
+          </a:fillRef>
+          <a:effectRef idx="0">
+            <a:schemeClr val="accent1"/>
+          </a:effectRef>
+          <a:fontRef idx="minor"/>
+        </p:style>
+      </p:sp>
+      <p:pic>
+        <p:nvPicPr>
+          <p:cNvPr id="561" name="" descr=""/>
+          <p:cNvPicPr/>
+          <p:nvPr/>
+        </p:nvPicPr>
+        <p:blipFill>
+          <a:blip r:embed="rId1"/>
+          <a:stretch/>
+        </p:blipFill>
+        <p:spPr>
+          <a:xfrm>
+            <a:off x="72000" y="1008000"/>
+            <a:ext cx="3265200" cy="4814640"/>
+          </a:xfrm>
+          <a:prstGeom prst="rect">
+            <a:avLst/>
+          </a:prstGeom>
+          <a:ln>
+            <a:noFill/>
+          </a:ln>
+        </p:spPr>
+      </p:pic>
+      <p:sp>
+        <p:nvSpPr>
+          <p:cNvPr id="562" name="CustomShape 2"/>
+          <p:cNvSpPr/>
+          <p:nvPr/>
+        </p:nvSpPr>
+        <p:spPr>
+          <a:xfrm>
+            <a:off x="1958760" y="1008000"/>
+            <a:ext cx="7117560" cy="4958640"/>
+          </a:xfrm>
+          <a:prstGeom prst="rect">
+            <a:avLst/>
+          </a:prstGeom>
+          <a:solidFill>
+            <a:srgbClr val="f4f4f4">
+              <a:alpha val="62000"/>
+            </a:srgbClr>
+          </a:solidFill>
+          <a:ln>
+            <a:noFill/>
+          </a:ln>
+        </p:spPr>
+        <p:style>
+          <a:lnRef idx="2">
+            <a:schemeClr val="accent1">
+              <a:shade val="50000"/>
+            </a:schemeClr>
+          </a:lnRef>
+          <a:fillRef idx="1">
+            <a:schemeClr val="accent1"/>
+          </a:fillRef>
+          <a:effectRef idx="0">
+            <a:schemeClr val="accent1"/>
+          </a:effectRef>
+          <a:fontRef idx="minor"/>
+        </p:style>
+      </p:sp>
+      <p:sp>
+        <p:nvSpPr>
+          <p:cNvPr id="563" name="TextShape 3"/>
+          <p:cNvSpPr txBox="1"/>
+          <p:nvPr/>
+        </p:nvSpPr>
+        <p:spPr>
+          <a:xfrm>
+            <a:off x="3204000" y="548640"/>
+            <a:ext cx="1082880" cy="300600"/>
+          </a:xfrm>
+          <a:prstGeom prst="rect">
+            <a:avLst/>
+          </a:prstGeom>
+          <a:noFill/>
+          <a:ln>
+            <a:noFill/>
+          </a:ln>
+        </p:spPr>
+        <p:txBody>
+          <a:bodyPr lIns="90000" rIns="90000" tIns="45000" bIns="45000"/>
+          <a:p>
+            <a:r>
+              <a:rPr b="1" lang="en-US" sz="1500" spc="-1" strike="noStrike">
+                <a:latin typeface="Times New Roman"/>
+              </a:rPr>
+              <a:t>Hydraulics</a:t>
+            </a:r>
+            <a:endParaRPr b="1" lang="en-US" sz="1500" spc="-1" strike="noStrike">
+              <a:latin typeface="Times New Roman"/>
+            </a:endParaRPr>
+          </a:p>
+        </p:txBody>
+      </p:sp>
+      <p:sp>
+        <p:nvSpPr>
+          <p:cNvPr id="564" name="TextShape 4"/>
+          <p:cNvSpPr txBox="1"/>
+          <p:nvPr/>
+        </p:nvSpPr>
+        <p:spPr>
+          <a:xfrm>
+            <a:off x="6949440" y="548640"/>
+            <a:ext cx="807120" cy="300600"/>
+          </a:xfrm>
+          <a:prstGeom prst="rect">
+            <a:avLst/>
+          </a:prstGeom>
+          <a:noFill/>
+          <a:ln>
+            <a:noFill/>
+          </a:ln>
+        </p:spPr>
+        <p:txBody>
+          <a:bodyPr lIns="90000" rIns="90000" tIns="45000" bIns="45000"/>
+          <a:p>
+            <a:r>
+              <a:rPr b="1" lang="en-US" sz="1500" spc="-1" strike="noStrike">
+                <a:latin typeface="Times New Roman"/>
+              </a:rPr>
+              <a:t>Ca</a:t>
+            </a:r>
+            <a:r>
+              <a:rPr b="1" lang="en-US" sz="1500" spc="-1" strike="noStrike">
+                <a:latin typeface="Times New Roman"/>
+              </a:rPr>
+              <a:t>rb</a:t>
+            </a:r>
+            <a:r>
+              <a:rPr b="1" lang="en-US" sz="1500" spc="-1" strike="noStrike">
+                <a:latin typeface="Times New Roman"/>
+              </a:rPr>
+              <a:t>on</a:t>
+            </a:r>
+            <a:endParaRPr b="1" lang="en-US" sz="1500" spc="-1" strike="noStrike">
+              <a:latin typeface="Times New Roman"/>
+            </a:endParaRPr>
+          </a:p>
+        </p:txBody>
+      </p:sp>
+      <p:sp>
+        <p:nvSpPr>
+          <p:cNvPr id="565" name="TextShape 5"/>
+          <p:cNvSpPr txBox="1"/>
+          <p:nvPr/>
+        </p:nvSpPr>
+        <p:spPr>
+          <a:xfrm>
+            <a:off x="3291840" y="1197000"/>
+            <a:ext cx="860400" cy="285480"/>
+          </a:xfrm>
+          <a:prstGeom prst="rect">
+            <a:avLst/>
+          </a:prstGeom>
+          <a:noFill/>
+          <a:ln>
+            <a:noFill/>
+          </a:ln>
+        </p:spPr>
+        <p:txBody>
+          <a:bodyPr lIns="90000" rIns="90000" tIns="45000" bIns="45000"/>
+          <a:p>
+            <a:pPr algn="ctr"/>
+            <a:r>
+              <a:rPr b="0" lang="en-US" sz="1000" spc="-1" strike="noStrike">
+                <a:latin typeface="Times New Roman"/>
+              </a:rPr>
+              <a:t>Transpir</a:t>
+            </a:r>
+            <a:r>
+              <a:rPr b="0" lang="en-US" sz="1000" spc="-1" strike="noStrike">
+                <a:latin typeface="Times New Roman"/>
+              </a:rPr>
+              <a:t>ation</a:t>
+            </a:r>
+            <a:endParaRPr b="0" lang="en-US" sz="1000" spc="-1" strike="noStrike">
+              <a:latin typeface="Times New Roman"/>
+            </a:endParaRPr>
+          </a:p>
+        </p:txBody>
+      </p:sp>
+      <p:sp>
+        <p:nvSpPr>
+          <p:cNvPr id="566" name="TextShape 6"/>
+          <p:cNvSpPr txBox="1"/>
+          <p:nvPr/>
+        </p:nvSpPr>
+        <p:spPr>
+          <a:xfrm>
+            <a:off x="6828120" y="1188720"/>
+            <a:ext cx="1024920" cy="285480"/>
+          </a:xfrm>
+          <a:prstGeom prst="rect">
+            <a:avLst/>
+          </a:prstGeom>
+          <a:noFill/>
+          <a:ln>
+            <a:noFill/>
+          </a:ln>
+        </p:spPr>
+        <p:txBody>
+          <a:bodyPr lIns="90000" rIns="90000" tIns="45000" bIns="45000"/>
+          <a:p>
+            <a:pPr algn="ctr"/>
+            <a:r>
+              <a:rPr b="0" lang="en-US" sz="1000" spc="-1" strike="noStrike">
+                <a:latin typeface="Times New Roman"/>
+              </a:rPr>
+              <a:t>Photos</a:t>
+            </a:r>
+            <a:r>
+              <a:rPr b="0" lang="en-US" sz="1000" spc="-1" strike="noStrike">
+                <a:latin typeface="Times New Roman"/>
+              </a:rPr>
+              <a:t>ynthes</a:t>
+            </a:r>
+            <a:r>
+              <a:rPr b="0" lang="en-US" sz="1000" spc="-1" strike="noStrike">
+                <a:latin typeface="Times New Roman"/>
+              </a:rPr>
+              <a:t>is</a:t>
+            </a:r>
+            <a:endParaRPr b="0" lang="en-US" sz="1000" spc="-1" strike="noStrike">
+              <a:latin typeface="Times New Roman"/>
+            </a:endParaRPr>
+          </a:p>
+        </p:txBody>
+      </p:sp>
+      <p:sp>
+        <p:nvSpPr>
+          <p:cNvPr id="567" name="TextShape 7"/>
+          <p:cNvSpPr txBox="1"/>
+          <p:nvPr/>
+        </p:nvSpPr>
+        <p:spPr>
+          <a:xfrm>
+            <a:off x="6829200" y="2823480"/>
+            <a:ext cx="1054080" cy="376920"/>
+          </a:xfrm>
+          <a:prstGeom prst="rect">
+            <a:avLst/>
+          </a:prstGeom>
+          <a:noFill/>
+          <a:ln>
+            <a:noFill/>
+          </a:ln>
+        </p:spPr>
+        <p:txBody>
+          <a:bodyPr lIns="90000" rIns="90000" tIns="45000" bIns="45000"/>
+          <a:p>
+            <a:pPr algn="ctr"/>
+            <a:r>
+              <a:rPr b="0" lang="en-US" sz="1000" spc="-1" strike="noStrike">
+                <a:latin typeface="Times New Roman"/>
+              </a:rPr>
+              <a:t>Leaf growth and senescence</a:t>
+            </a:r>
+            <a:endParaRPr b="0" lang="en-US" sz="1000" spc="-1" strike="noStrike">
+              <a:latin typeface="Times New Roman"/>
+            </a:endParaRPr>
+          </a:p>
+        </p:txBody>
+      </p:sp>
+      <p:sp>
+        <p:nvSpPr>
+          <p:cNvPr id="568" name="TextShape 8"/>
+          <p:cNvSpPr txBox="1"/>
+          <p:nvPr/>
+        </p:nvSpPr>
+        <p:spPr>
+          <a:xfrm>
+            <a:off x="4023360" y="1878120"/>
+            <a:ext cx="839520" cy="370440"/>
+          </a:xfrm>
+          <a:prstGeom prst="rect">
+            <a:avLst/>
+          </a:prstGeom>
+          <a:noFill/>
+          <a:ln>
+            <a:noFill/>
+          </a:ln>
+        </p:spPr>
+        <p:txBody>
+          <a:bodyPr lIns="90000" rIns="90000" tIns="45000" bIns="45000"/>
+          <a:p>
+            <a:pPr algn="ctr"/>
+            <a:r>
+              <a:rPr b="0" lang="en-US" sz="1000" spc="-1" strike="noStrike">
+                <a:latin typeface="Times New Roman"/>
+              </a:rPr>
+              <a:t>Le</a:t>
+            </a:r>
+            <a:r>
+              <a:rPr b="0" lang="en-US" sz="1000" spc="-1" strike="noStrike">
+                <a:latin typeface="Times New Roman"/>
+              </a:rPr>
+              <a:t>af </a:t>
+            </a:r>
+            <a:r>
+              <a:rPr b="0" lang="en-US" sz="1000" spc="-1" strike="noStrike">
+                <a:latin typeface="Times New Roman"/>
+              </a:rPr>
+              <a:t>wa</a:t>
+            </a:r>
+            <a:r>
+              <a:rPr b="0" lang="en-US" sz="1000" spc="-1" strike="noStrike">
+                <a:latin typeface="Times New Roman"/>
+              </a:rPr>
+              <a:t>ter </a:t>
+            </a:r>
+            <a:r>
+              <a:rPr b="0" lang="en-US" sz="1000" spc="-1" strike="noStrike">
+                <a:latin typeface="Times New Roman"/>
+              </a:rPr>
+              <a:t>pot</a:t>
+            </a:r>
+            <a:r>
+              <a:rPr b="0" lang="en-US" sz="1000" spc="-1" strike="noStrike">
+                <a:latin typeface="Times New Roman"/>
+              </a:rPr>
+              <a:t>ent</a:t>
+            </a:r>
+            <a:r>
+              <a:rPr b="0" lang="en-US" sz="1000" spc="-1" strike="noStrike">
+                <a:latin typeface="Times New Roman"/>
+              </a:rPr>
+              <a:t>ial</a:t>
+            </a:r>
+            <a:endParaRPr b="0" lang="en-US" sz="1000" spc="-1" strike="noStrike">
+              <a:latin typeface="Times New Roman"/>
+            </a:endParaRPr>
+          </a:p>
+        </p:txBody>
+      </p:sp>
+      <p:sp>
+        <p:nvSpPr>
+          <p:cNvPr id="569" name="TextShape 9"/>
+          <p:cNvSpPr txBox="1"/>
+          <p:nvPr/>
+        </p:nvSpPr>
+        <p:spPr>
+          <a:xfrm>
+            <a:off x="5201280" y="1008000"/>
+            <a:ext cx="1005840" cy="343800"/>
+          </a:xfrm>
+          <a:prstGeom prst="rect">
+            <a:avLst/>
+          </a:prstGeom>
+          <a:noFill/>
+          <a:ln>
+            <a:noFill/>
+          </a:ln>
+        </p:spPr>
+        <p:txBody>
+          <a:bodyPr lIns="90000" rIns="90000" tIns="45000" bIns="45000"/>
+          <a:p>
+            <a:pPr algn="ctr"/>
+            <a:r>
+              <a:rPr b="0" i="1" lang="en-US" sz="900" spc="-1" strike="noStrike">
+                <a:latin typeface="Times New Roman"/>
+              </a:rPr>
+              <a:t>Stomatal conductance</a:t>
+            </a:r>
+            <a:endParaRPr b="0" lang="en-US" sz="900" spc="-1" strike="noStrike">
+              <a:latin typeface="Times New Roman"/>
+            </a:endParaRPr>
+          </a:p>
+        </p:txBody>
+      </p:sp>
+      <p:cxnSp>
+        <p:nvCxnSpPr>
+          <p:cNvPr id="570" name="Line 10"/>
+          <p:cNvCxnSpPr>
+            <a:stCxn id="566" idx="2"/>
+          </p:cNvCxnSpPr>
+          <p:nvPr/>
+        </p:nvCxnSpPr>
+        <p:spPr>
+          <a:xfrm>
+            <a:off x="7340400" y="1474200"/>
+            <a:ext cx="4680" cy="363240"/>
+          </a:xfrm>
+          <a:prstGeom prst="straightConnector1">
+            <a:avLst/>
+          </a:prstGeom>
+          <a:ln>
+            <a:solidFill>
+              <a:srgbClr val="000000"/>
+            </a:solidFill>
+            <a:tailEnd len="med" type="stealth" w="med"/>
+          </a:ln>
+        </p:spPr>
+      </p:cxnSp>
+      <p:cxnSp>
+        <p:nvCxnSpPr>
+          <p:cNvPr id="571" name="Line 11"/>
+          <p:cNvCxnSpPr>
+            <a:stCxn id="565" idx="3"/>
+            <a:endCxn id="566" idx="1"/>
+          </p:cNvCxnSpPr>
+          <p:nvPr/>
+        </p:nvCxnSpPr>
+        <p:spPr>
+          <a:xfrm flipV="1">
+            <a:off x="4152240" y="1331280"/>
+            <a:ext cx="2676240" cy="8640"/>
+          </a:xfrm>
+          <a:prstGeom prst="straightConnector1">
+            <a:avLst/>
+          </a:prstGeom>
+          <a:ln>
+            <a:solidFill>
+              <a:srgbClr val="000000"/>
+            </a:solidFill>
+            <a:headEnd len="med" type="stealth" w="med"/>
+            <a:tailEnd len="med" type="stealth" w="med"/>
+          </a:ln>
+        </p:spPr>
+      </p:cxnSp>
+      <p:sp>
+        <p:nvSpPr>
+          <p:cNvPr id="572" name="TextShape 12"/>
+          <p:cNvSpPr txBox="1"/>
+          <p:nvPr/>
+        </p:nvSpPr>
+        <p:spPr>
+          <a:xfrm>
+            <a:off x="6809040" y="1837080"/>
+            <a:ext cx="1071360" cy="448920"/>
+          </a:xfrm>
+          <a:prstGeom prst="rect">
+            <a:avLst/>
+          </a:prstGeom>
+          <a:noFill/>
+          <a:ln>
+            <a:noFill/>
+          </a:ln>
+        </p:spPr>
+        <p:txBody>
+          <a:bodyPr lIns="90000" rIns="90000" tIns="45000" bIns="45000"/>
+          <a:p>
+            <a:pPr algn="ctr"/>
+            <a:r>
+              <a:rPr b="0" lang="en-US" sz="1000" spc="-1" strike="noStrike">
+                <a:latin typeface="Times New Roman"/>
+              </a:rPr>
+              <a:t>Leaf </a:t>
+            </a:r>
+            <a:r>
+              <a:rPr b="0" lang="en-US" sz="1000" spc="-1" strike="noStrike">
+                <a:latin typeface="Times New Roman"/>
+              </a:rPr>
+              <a:t>metabolic </a:t>
+            </a:r>
+            <a:r>
+              <a:rPr b="0" lang="en-US" sz="1000" spc="-1" strike="noStrike">
+                <a:latin typeface="Times New Roman"/>
+              </a:rPr>
+              <a:t>carbon</a:t>
+            </a:r>
+            <a:endParaRPr b="0" lang="en-US" sz="1000" spc="-1" strike="noStrike">
+              <a:latin typeface="Times New Roman"/>
+            </a:endParaRPr>
+          </a:p>
+        </p:txBody>
+      </p:sp>
+      <p:sp>
+        <p:nvSpPr>
+          <p:cNvPr id="573" name="TextShape 13"/>
+          <p:cNvSpPr txBox="1"/>
+          <p:nvPr/>
+        </p:nvSpPr>
+        <p:spPr>
+          <a:xfrm>
+            <a:off x="5320080" y="3260520"/>
+            <a:ext cx="1005840" cy="217080"/>
+          </a:xfrm>
+          <a:prstGeom prst="rect">
+            <a:avLst/>
+          </a:prstGeom>
+          <a:noFill/>
+          <a:ln>
+            <a:noFill/>
+          </a:ln>
+        </p:spPr>
+        <p:txBody>
+          <a:bodyPr lIns="90000" rIns="90000" tIns="45000" bIns="45000"/>
+          <a:p>
+            <a:pPr algn="ctr"/>
+            <a:r>
+              <a:rPr b="0" i="1" lang="en-US" sz="900" spc="-1" strike="noStrike">
+                <a:latin typeface="Times New Roman"/>
+              </a:rPr>
+              <a:t>Leaf area</a:t>
+            </a:r>
+            <a:endParaRPr b="0" lang="en-US" sz="900" spc="-1" strike="noStrike">
+              <a:latin typeface="Times New Roman"/>
+            </a:endParaRPr>
+          </a:p>
+        </p:txBody>
+      </p:sp>
+      <p:sp>
+        <p:nvSpPr>
+          <p:cNvPr id="574" name="TextShape 14"/>
+          <p:cNvSpPr txBox="1"/>
+          <p:nvPr/>
+        </p:nvSpPr>
+        <p:spPr>
+          <a:xfrm>
+            <a:off x="3383280" y="4286520"/>
+            <a:ext cx="842400" cy="370440"/>
+          </a:xfrm>
+          <a:prstGeom prst="rect">
+            <a:avLst/>
+          </a:prstGeom>
+          <a:noFill/>
+          <a:ln>
+            <a:noFill/>
+          </a:ln>
+        </p:spPr>
+        <p:txBody>
+          <a:bodyPr lIns="90000" rIns="90000" tIns="45000" bIns="45000"/>
+          <a:p>
+            <a:pPr algn="ctr"/>
+            <a:r>
+              <a:rPr b="0" lang="en-US" sz="1000" spc="-1" strike="noStrike">
+                <a:latin typeface="Times New Roman"/>
+              </a:rPr>
+              <a:t>Stem conductance</a:t>
+            </a:r>
+            <a:endParaRPr b="0" lang="en-US" sz="1000" spc="-1" strike="noStrike">
+              <a:latin typeface="Times New Roman"/>
+            </a:endParaRPr>
+          </a:p>
+        </p:txBody>
+      </p:sp>
+      <p:sp>
+        <p:nvSpPr>
+          <p:cNvPr id="575" name="Line 15"/>
+          <p:cNvSpPr/>
+          <p:nvPr/>
+        </p:nvSpPr>
+        <p:spPr>
+          <a:xfrm flipV="1">
+            <a:off x="3638160" y="1463040"/>
+            <a:ext cx="0" cy="2823480"/>
+          </a:xfrm>
+          <a:prstGeom prst="line">
+            <a:avLst/>
+          </a:prstGeom>
+          <a:ln>
+            <a:solidFill>
+              <a:srgbClr val="000000"/>
+            </a:solidFill>
+            <a:tailEnd len="med" type="stealth" w="med"/>
+          </a:ln>
+        </p:spPr>
+        <p:style>
+          <a:lnRef idx="0"/>
+          <a:fillRef idx="0"/>
+          <a:effectRef idx="0"/>
+          <a:fontRef idx="minor"/>
+        </p:style>
+      </p:sp>
+      <p:cxnSp>
+        <p:nvCxnSpPr>
+          <p:cNvPr id="576" name="Line 16"/>
+          <p:cNvCxnSpPr/>
+          <p:nvPr/>
+        </p:nvCxnSpPr>
+        <p:spPr>
+          <a:xfrm>
+            <a:off x="0" y="0"/>
+            <a:ext cx="360" cy="360"/>
+          </a:xfrm>
+          <a:prstGeom prst="line">
+            <a:avLst/>
+          </a:prstGeom>
+          <a:ln>
+            <a:solidFill>
+              <a:srgbClr val="000000"/>
+            </a:solidFill>
+            <a:tailEnd len="med" type="stealth" w="med"/>
+          </a:ln>
+        </p:spPr>
+      </p:cxnSp>
+      <p:sp>
+        <p:nvSpPr>
+          <p:cNvPr id="577" name="TextShape 17"/>
+          <p:cNvSpPr txBox="1"/>
+          <p:nvPr/>
+        </p:nvSpPr>
+        <p:spPr>
+          <a:xfrm>
+            <a:off x="6777720" y="4652280"/>
+            <a:ext cx="1066680" cy="370440"/>
+          </a:xfrm>
+          <a:prstGeom prst="rect">
+            <a:avLst/>
+          </a:prstGeom>
+          <a:noFill/>
+          <a:ln>
+            <a:noFill/>
+          </a:ln>
+        </p:spPr>
+        <p:txBody>
+          <a:bodyPr lIns="90000" rIns="90000" tIns="45000" bIns="45000"/>
+          <a:p>
+            <a:pPr algn="ctr"/>
+            <a:r>
+              <a:rPr b="0" lang="en-US" sz="1000" spc="-1" strike="noStrike">
+                <a:latin typeface="Times New Roman"/>
+              </a:rPr>
+              <a:t>Sapwood growth and senescence</a:t>
+            </a:r>
+            <a:endParaRPr b="0" lang="en-US" sz="1000" spc="-1" strike="noStrike">
+              <a:latin typeface="Times New Roman"/>
+            </a:endParaRPr>
+          </a:p>
+        </p:txBody>
+      </p:sp>
+      <p:cxnSp>
+        <p:nvCxnSpPr>
+          <p:cNvPr id="578" name="Line 18"/>
+          <p:cNvCxnSpPr>
+            <a:stCxn id="572" idx="2"/>
+            <a:endCxn id="567" idx="0"/>
+          </p:cNvCxnSpPr>
+          <p:nvPr/>
+        </p:nvCxnSpPr>
+        <p:spPr>
+          <a:xfrm>
+            <a:off x="7344720" y="2286000"/>
+            <a:ext cx="11880" cy="537840"/>
+          </a:xfrm>
+          <a:prstGeom prst="straightConnector1">
+            <a:avLst/>
+          </a:prstGeom>
+          <a:ln>
+            <a:solidFill>
+              <a:srgbClr val="000000"/>
+            </a:solidFill>
+            <a:tailEnd len="med" type="stealth" w="med"/>
+          </a:ln>
+        </p:spPr>
+      </p:cxnSp>
+      <p:cxnSp>
+        <p:nvCxnSpPr>
+          <p:cNvPr id="579" name="Line 19"/>
+          <p:cNvCxnSpPr/>
+          <p:nvPr/>
+        </p:nvCxnSpPr>
+        <p:spPr>
+          <a:xfrm>
+            <a:off x="0" y="0"/>
+            <a:ext cx="360" cy="360"/>
+          </a:xfrm>
+          <a:prstGeom prst="line">
+            <a:avLst/>
+          </a:prstGeom>
+          <a:ln>
+            <a:solidFill>
+              <a:srgbClr val="000000"/>
+            </a:solidFill>
+            <a:tailEnd len="med" type="stealth" w="med"/>
+          </a:ln>
+        </p:spPr>
+      </p:cxnSp>
+      <p:sp>
+        <p:nvSpPr>
+          <p:cNvPr id="580" name="TextShape 20"/>
+          <p:cNvSpPr txBox="1"/>
+          <p:nvPr/>
+        </p:nvSpPr>
+        <p:spPr>
+          <a:xfrm>
+            <a:off x="4937760" y="4537800"/>
+            <a:ext cx="1005840" cy="217080"/>
+          </a:xfrm>
+          <a:prstGeom prst="rect">
+            <a:avLst/>
+          </a:prstGeom>
+          <a:noFill/>
+          <a:ln>
+            <a:noFill/>
+          </a:ln>
+        </p:spPr>
+        <p:txBody>
+          <a:bodyPr lIns="90000" rIns="90000" tIns="45000" bIns="45000"/>
+          <a:p>
+            <a:pPr algn="ctr"/>
+            <a:r>
+              <a:rPr b="0" i="1" lang="en-US" sz="900" spc="-1" strike="noStrike">
+                <a:latin typeface="Times New Roman"/>
+              </a:rPr>
+              <a:t>Sapwood </a:t>
+            </a:r>
+            <a:r>
+              <a:rPr b="0" i="1" lang="en-US" sz="900" spc="-1" strike="noStrike">
+                <a:latin typeface="Times New Roman"/>
+              </a:rPr>
+              <a:t>area</a:t>
+            </a:r>
+            <a:endParaRPr b="0" lang="en-US" sz="900" spc="-1" strike="noStrike">
+              <a:latin typeface="Times New Roman"/>
+            </a:endParaRPr>
+          </a:p>
+        </p:txBody>
+      </p:sp>
+      <p:cxnSp>
+        <p:nvCxnSpPr>
+          <p:cNvPr id="581" name="Line 21"/>
+          <p:cNvCxnSpPr/>
+          <p:nvPr/>
+        </p:nvCxnSpPr>
+        <p:spPr>
+          <a:xfrm>
+            <a:off x="0" y="0"/>
+            <a:ext cx="360" cy="360"/>
+          </a:xfrm>
+          <a:prstGeom prst="line">
+            <a:avLst/>
+          </a:prstGeom>
+          <a:ln>
+            <a:solidFill>
+              <a:srgbClr val="000000"/>
+            </a:solidFill>
+            <a:tailEnd len="med" type="stealth" w="med"/>
+          </a:ln>
+        </p:spPr>
+      </p:cxnSp>
+      <p:sp>
+        <p:nvSpPr>
+          <p:cNvPr id="582" name="TextShape 22"/>
+          <p:cNvSpPr txBox="1"/>
+          <p:nvPr/>
+        </p:nvSpPr>
+        <p:spPr>
+          <a:xfrm>
+            <a:off x="6685920" y="3840480"/>
+            <a:ext cx="1233360" cy="370440"/>
+          </a:xfrm>
+          <a:prstGeom prst="rect">
+            <a:avLst/>
+          </a:prstGeom>
+          <a:noFill/>
+          <a:ln>
+            <a:noFill/>
+          </a:ln>
+        </p:spPr>
+        <p:txBody>
+          <a:bodyPr lIns="90000" rIns="90000" tIns="45000" bIns="45000"/>
+          <a:p>
+            <a:pPr algn="ctr"/>
+            <a:r>
+              <a:rPr b="0" lang="en-US" sz="1000" spc="-1" strike="noStrike">
+                <a:latin typeface="Times New Roman"/>
+              </a:rPr>
+              <a:t>Sapwood metabolic carbon</a:t>
+            </a:r>
+            <a:endParaRPr b="0" lang="en-US" sz="1000" spc="-1" strike="noStrike">
+              <a:latin typeface="Times New Roman"/>
+            </a:endParaRPr>
+          </a:p>
+        </p:txBody>
+      </p:sp>
+      <p:cxnSp>
+        <p:nvCxnSpPr>
+          <p:cNvPr id="583" name="Line 23"/>
+          <p:cNvCxnSpPr>
+            <a:stCxn id="582" idx="2"/>
+            <a:endCxn id="577" idx="0"/>
+          </p:cNvCxnSpPr>
+          <p:nvPr/>
+        </p:nvCxnSpPr>
+        <p:spPr>
+          <a:xfrm>
+            <a:off x="7302600" y="4210920"/>
+            <a:ext cx="8640" cy="441720"/>
+          </a:xfrm>
+          <a:prstGeom prst="straightConnector1">
+            <a:avLst/>
+          </a:prstGeom>
+          <a:ln>
+            <a:solidFill>
+              <a:srgbClr val="000000"/>
+            </a:solidFill>
+            <a:tailEnd len="med" type="stealth" w="med"/>
+          </a:ln>
+        </p:spPr>
+      </p:cxnSp>
+      <p:sp>
+        <p:nvSpPr>
+          <p:cNvPr id="584" name="TextShape 24"/>
+          <p:cNvSpPr txBox="1"/>
+          <p:nvPr/>
+        </p:nvSpPr>
+        <p:spPr>
+          <a:xfrm>
+            <a:off x="4114800" y="3840480"/>
+            <a:ext cx="822960" cy="470520"/>
+          </a:xfrm>
+          <a:prstGeom prst="rect">
+            <a:avLst/>
+          </a:prstGeom>
+          <a:noFill/>
+          <a:ln>
+            <a:noFill/>
+          </a:ln>
+        </p:spPr>
+        <p:txBody>
+          <a:bodyPr lIns="90000" rIns="90000" tIns="45000" bIns="45000"/>
+          <a:p>
+            <a:pPr algn="ctr"/>
+            <a:r>
+              <a:rPr b="0" lang="en-US" sz="1000" spc="-1" strike="noStrike">
+                <a:latin typeface="Times New Roman"/>
+              </a:rPr>
+              <a:t>Stem water potential</a:t>
+            </a:r>
+            <a:endParaRPr b="0" lang="en-US" sz="1000" spc="-1" strike="noStrike">
+              <a:latin typeface="Times New Roman"/>
+            </a:endParaRPr>
+          </a:p>
+        </p:txBody>
+      </p:sp>
+      <p:cxnSp>
+        <p:nvCxnSpPr>
+          <p:cNvPr id="585" name="Line 25"/>
+          <p:cNvCxnSpPr/>
+          <p:nvPr/>
+        </p:nvCxnSpPr>
+        <p:spPr>
+          <a:xfrm>
+            <a:off x="0" y="0"/>
+            <a:ext cx="360" cy="360"/>
+          </a:xfrm>
+          <a:prstGeom prst="line">
+            <a:avLst/>
+          </a:prstGeom>
+          <a:ln>
+            <a:solidFill>
+              <a:srgbClr val="000000"/>
+            </a:solidFill>
+            <a:tailEnd len="med" type="stealth" w="med"/>
+          </a:ln>
+        </p:spPr>
+      </p:cxnSp>
+      <p:sp>
+        <p:nvSpPr>
+          <p:cNvPr id="586" name="TextShape 26"/>
+          <p:cNvSpPr txBox="1"/>
+          <p:nvPr/>
+        </p:nvSpPr>
+        <p:spPr>
+          <a:xfrm>
+            <a:off x="5303520" y="2743200"/>
+            <a:ext cx="1005840" cy="217080"/>
+          </a:xfrm>
+          <a:prstGeom prst="rect">
+            <a:avLst/>
+          </a:prstGeom>
+          <a:noFill/>
+          <a:ln>
+            <a:noFill/>
+          </a:ln>
+        </p:spPr>
+        <p:txBody>
+          <a:bodyPr lIns="90000" rIns="90000" tIns="45000" bIns="45000"/>
+          <a:p>
+            <a:pPr algn="ctr"/>
+            <a:r>
+              <a:rPr b="0" i="1" lang="en-US" sz="900" spc="-1" strike="noStrike">
+                <a:latin typeface="Times New Roman"/>
+              </a:rPr>
+              <a:t>Leaf turgor</a:t>
+            </a:r>
+            <a:endParaRPr b="0" lang="en-US" sz="900" spc="-1" strike="noStrike">
+              <a:latin typeface="Times New Roman"/>
+            </a:endParaRPr>
+          </a:p>
+        </p:txBody>
+      </p:sp>
+      <p:sp>
+        <p:nvSpPr>
+          <p:cNvPr id="587" name="TextShape 27"/>
+          <p:cNvSpPr txBox="1"/>
+          <p:nvPr/>
+        </p:nvSpPr>
+        <p:spPr>
+          <a:xfrm>
+            <a:off x="5303520" y="1722600"/>
+            <a:ext cx="1005840" cy="343800"/>
+          </a:xfrm>
+          <a:prstGeom prst="rect">
+            <a:avLst/>
+          </a:prstGeom>
+          <a:noFill/>
+          <a:ln>
+            <a:noFill/>
+          </a:ln>
+        </p:spPr>
+        <p:txBody>
+          <a:bodyPr lIns="90000" rIns="90000" tIns="45000" bIns="45000"/>
+          <a:p>
+            <a:pPr algn="ctr"/>
+            <a:r>
+              <a:rPr b="0" i="1" lang="en-US" sz="900" spc="-1" strike="noStrike">
+                <a:latin typeface="Times New Roman"/>
+              </a:rPr>
+              <a:t>Leaf </a:t>
+            </a:r>
+            <a:r>
+              <a:rPr b="0" i="1" lang="en-US" sz="900" spc="-1" strike="noStrike">
+                <a:latin typeface="Times New Roman"/>
+              </a:rPr>
+              <a:t>osmotic </a:t>
+            </a:r>
+            <a:r>
+              <a:rPr b="0" i="1" lang="en-US" sz="900" spc="-1" strike="noStrike">
+                <a:latin typeface="Times New Roman"/>
+              </a:rPr>
+              <a:t>potential</a:t>
+            </a:r>
+            <a:endParaRPr b="0" lang="en-US" sz="900" spc="-1" strike="noStrike">
+              <a:latin typeface="Times New Roman"/>
+            </a:endParaRPr>
+          </a:p>
+        </p:txBody>
+      </p:sp>
+      <p:sp>
+        <p:nvSpPr>
+          <p:cNvPr id="588" name="Line 28"/>
+          <p:cNvSpPr/>
+          <p:nvPr/>
+        </p:nvSpPr>
+        <p:spPr>
+          <a:xfrm flipH="1" flipV="1">
+            <a:off x="3840480" y="1482480"/>
+            <a:ext cx="365760" cy="395640"/>
+          </a:xfrm>
+          <a:prstGeom prst="line">
+            <a:avLst/>
+          </a:prstGeom>
+          <a:ln>
+            <a:solidFill>
+              <a:srgbClr val="000000"/>
+            </a:solidFill>
+            <a:headEnd len="med" type="stealth" w="med"/>
+            <a:tailEnd len="med" type="stealth" w="med"/>
+          </a:ln>
+        </p:spPr>
+        <p:style>
+          <a:lnRef idx="0"/>
+          <a:fillRef idx="0"/>
+          <a:effectRef idx="0"/>
+          <a:fontRef idx="minor"/>
+        </p:style>
+      </p:sp>
+      <p:sp>
+        <p:nvSpPr>
+          <p:cNvPr id="589" name="Line 29"/>
+          <p:cNvSpPr/>
+          <p:nvPr/>
+        </p:nvSpPr>
+        <p:spPr>
+          <a:xfrm>
+            <a:off x="4937760" y="4206240"/>
+            <a:ext cx="1803960" cy="548640"/>
+          </a:xfrm>
+          <a:prstGeom prst="line">
+            <a:avLst/>
+          </a:prstGeom>
+          <a:ln>
+            <a:solidFill>
+              <a:srgbClr val="000000"/>
+            </a:solidFill>
+            <a:tailEnd len="med" type="stealth" w="med"/>
+          </a:ln>
+        </p:spPr>
+        <p:style>
+          <a:lnRef idx="0"/>
+          <a:fillRef idx="0"/>
+          <a:effectRef idx="0"/>
+          <a:fontRef idx="minor"/>
+        </p:style>
+      </p:sp>
+      <p:cxnSp>
+        <p:nvCxnSpPr>
+          <p:cNvPr id="590" name="Line 30"/>
+          <p:cNvCxnSpPr>
+            <a:stCxn id="584" idx="3"/>
+            <a:endCxn id="582" idx="1"/>
+          </p:cNvCxnSpPr>
+          <p:nvPr/>
+        </p:nvCxnSpPr>
+        <p:spPr>
+          <a:xfrm flipV="1">
+            <a:off x="4937760" y="4025520"/>
+            <a:ext cx="1748520" cy="50400"/>
+          </a:xfrm>
+          <a:prstGeom prst="straightConnector1">
+            <a:avLst/>
+          </a:prstGeom>
+          <a:ln>
+            <a:solidFill>
+              <a:srgbClr val="000000"/>
+            </a:solidFill>
+            <a:headEnd len="med" type="stealth" w="med"/>
+          </a:ln>
+        </p:spPr>
+      </p:cxnSp>
+      <p:sp>
+        <p:nvSpPr>
+          <p:cNvPr id="591" name="TextShape 31"/>
+          <p:cNvSpPr txBox="1"/>
+          <p:nvPr/>
+        </p:nvSpPr>
+        <p:spPr>
+          <a:xfrm>
+            <a:off x="5159520" y="3757680"/>
+            <a:ext cx="1005840" cy="343800"/>
+          </a:xfrm>
+          <a:prstGeom prst="rect">
+            <a:avLst/>
+          </a:prstGeom>
+          <a:noFill/>
+          <a:ln>
+            <a:noFill/>
+          </a:ln>
+        </p:spPr>
+        <p:txBody>
+          <a:bodyPr lIns="90000" rIns="90000" tIns="45000" bIns="45000"/>
+          <a:p>
+            <a:pPr algn="ctr"/>
+            <a:r>
+              <a:rPr b="0" i="1" lang="en-US" sz="900" spc="-1" strike="noStrike">
+                <a:latin typeface="Times New Roman"/>
+              </a:rPr>
+              <a:t>Sapwood osmotic potential</a:t>
+            </a:r>
+            <a:endParaRPr b="0" lang="en-US" sz="900" spc="-1" strike="noStrike">
+              <a:latin typeface="Times New Roman"/>
+            </a:endParaRPr>
+          </a:p>
+        </p:txBody>
+      </p:sp>
+      <p:sp>
+        <p:nvSpPr>
+          <p:cNvPr id="592" name="TextShape 32"/>
+          <p:cNvSpPr txBox="1"/>
+          <p:nvPr/>
+        </p:nvSpPr>
+        <p:spPr>
+          <a:xfrm>
+            <a:off x="6735240" y="5277240"/>
+            <a:ext cx="1220040" cy="392040"/>
+          </a:xfrm>
+          <a:prstGeom prst="rect">
+            <a:avLst/>
+          </a:prstGeom>
+          <a:noFill/>
+          <a:ln>
+            <a:noFill/>
+          </a:ln>
+        </p:spPr>
+        <p:txBody>
+          <a:bodyPr lIns="90000" rIns="90000" tIns="45000" bIns="45000"/>
+          <a:p>
+            <a:pPr algn="ctr"/>
+            <a:r>
+              <a:rPr b="0" lang="en-US" sz="1000" spc="-1" strike="noStrike">
+                <a:latin typeface="Times New Roman"/>
+              </a:rPr>
+              <a:t>Fine root growth and </a:t>
+            </a:r>
+            <a:r>
+              <a:rPr b="0" lang="en-US" sz="1000" spc="-1" strike="noStrike">
+                <a:latin typeface="Times New Roman"/>
+              </a:rPr>
+              <a:t>senescence</a:t>
+            </a:r>
+            <a:endParaRPr b="0" lang="en-US" sz="1000" spc="-1" strike="noStrike">
+              <a:latin typeface="Times New Roman"/>
+            </a:endParaRPr>
+          </a:p>
+        </p:txBody>
+      </p:sp>
+      <p:sp>
+        <p:nvSpPr>
+          <p:cNvPr id="593" name="Line 33"/>
+          <p:cNvSpPr/>
+          <p:nvPr/>
+        </p:nvSpPr>
+        <p:spPr>
+          <a:xfrm>
+            <a:off x="7498080" y="4241880"/>
+            <a:ext cx="0" cy="1061640"/>
+          </a:xfrm>
+          <a:prstGeom prst="line">
+            <a:avLst/>
+          </a:prstGeom>
+          <a:ln>
+            <a:solidFill>
+              <a:srgbClr val="000000"/>
+            </a:solidFill>
+            <a:tailEnd len="med" type="stealth" w="med"/>
+          </a:ln>
+        </p:spPr>
+        <p:style>
+          <a:lnRef idx="0"/>
+          <a:fillRef idx="0"/>
+          <a:effectRef idx="0"/>
+          <a:fontRef idx="minor"/>
+        </p:style>
+      </p:sp>
+      <p:sp>
+        <p:nvSpPr>
+          <p:cNvPr id="594" name="Line 34"/>
+          <p:cNvSpPr/>
+          <p:nvPr/>
+        </p:nvSpPr>
+        <p:spPr>
+          <a:xfrm flipH="1" flipV="1">
+            <a:off x="3749040" y="1482480"/>
+            <a:ext cx="457200" cy="2358000"/>
+          </a:xfrm>
+          <a:prstGeom prst="line">
+            <a:avLst/>
+          </a:prstGeom>
+          <a:ln>
+            <a:solidFill>
+              <a:srgbClr val="000000"/>
+            </a:solidFill>
+            <a:headEnd len="med" type="stealth" w="med"/>
+            <a:tailEnd len="med" type="stealth" w="med"/>
+          </a:ln>
+        </p:spPr>
+        <p:style>
+          <a:lnRef idx="0"/>
+          <a:fillRef idx="0"/>
+          <a:effectRef idx="0"/>
+          <a:fontRef idx="minor"/>
+        </p:style>
+      </p:sp>
+      <p:cxnSp>
+        <p:nvCxnSpPr>
+          <p:cNvPr id="595" name="Line 35"/>
+          <p:cNvCxnSpPr>
+            <a:stCxn id="568" idx="3"/>
+            <a:endCxn id="572" idx="1"/>
+          </p:cNvCxnSpPr>
+          <p:nvPr/>
+        </p:nvCxnSpPr>
+        <p:spPr>
+          <a:xfrm flipV="1">
+            <a:off x="4862880" y="2061360"/>
+            <a:ext cx="1946520" cy="2160"/>
+          </a:xfrm>
+          <a:prstGeom prst="straightConnector1">
+            <a:avLst/>
+          </a:prstGeom>
+          <a:ln>
+            <a:solidFill>
+              <a:srgbClr val="000000"/>
+            </a:solidFill>
+            <a:headEnd len="med" type="stealth" w="med"/>
+            <a:tailEnd len="med" type="stealth" w="med"/>
+          </a:ln>
+        </p:spPr>
+      </p:cxnSp>
+      <p:sp>
+        <p:nvSpPr>
+          <p:cNvPr id="596" name="TextShape 36"/>
+          <p:cNvSpPr txBox="1"/>
+          <p:nvPr/>
+        </p:nvSpPr>
+        <p:spPr>
+          <a:xfrm>
+            <a:off x="4712760" y="584640"/>
+            <a:ext cx="1746000" cy="259560"/>
+          </a:xfrm>
+          <a:prstGeom prst="rect">
+            <a:avLst/>
+          </a:prstGeom>
+          <a:noFill/>
+          <a:ln>
+            <a:noFill/>
+          </a:ln>
+        </p:spPr>
+        <p:txBody>
+          <a:bodyPr lIns="90000" rIns="90000" tIns="45000" bIns="45000"/>
+          <a:p>
+            <a:r>
+              <a:rPr b="1" i="1" lang="en-US" sz="1200" spc="-1" strike="noStrike">
+                <a:latin typeface="Times New Roman"/>
+              </a:rPr>
+              <a:t>C</a:t>
+            </a:r>
+            <a:r>
+              <a:rPr b="1" i="1" lang="en-US" sz="1200" spc="-1" strike="noStrike">
+                <a:latin typeface="Times New Roman"/>
+              </a:rPr>
+              <a:t>o</a:t>
+            </a:r>
+            <a:r>
+              <a:rPr b="1" i="1" lang="en-US" sz="1200" spc="-1" strike="noStrike">
+                <a:latin typeface="Times New Roman"/>
+              </a:rPr>
+              <a:t>m</a:t>
+            </a:r>
+            <a:r>
+              <a:rPr b="1" i="1" lang="en-US" sz="1200" spc="-1" strike="noStrike">
+                <a:latin typeface="Times New Roman"/>
+              </a:rPr>
+              <a:t>m</a:t>
+            </a:r>
+            <a:r>
+              <a:rPr b="1" i="1" lang="en-US" sz="1200" spc="-1" strike="noStrike">
+                <a:latin typeface="Times New Roman"/>
+              </a:rPr>
+              <a:t>u</a:t>
+            </a:r>
+            <a:r>
+              <a:rPr b="1" i="1" lang="en-US" sz="1200" spc="-1" strike="noStrike">
+                <a:latin typeface="Times New Roman"/>
+              </a:rPr>
+              <a:t>n</a:t>
+            </a:r>
+            <a:r>
+              <a:rPr b="1" i="1" lang="en-US" sz="1200" spc="-1" strike="noStrike">
+                <a:latin typeface="Times New Roman"/>
+              </a:rPr>
+              <a:t>i</a:t>
+            </a:r>
+            <a:r>
+              <a:rPr b="1" i="1" lang="en-US" sz="1200" spc="-1" strike="noStrike">
+                <a:latin typeface="Times New Roman"/>
+              </a:rPr>
+              <a:t>c</a:t>
+            </a:r>
+            <a:r>
+              <a:rPr b="1" i="1" lang="en-US" sz="1200" spc="-1" strike="noStrike">
+                <a:latin typeface="Times New Roman"/>
+              </a:rPr>
+              <a:t>a</a:t>
+            </a:r>
+            <a:r>
+              <a:rPr b="1" i="1" lang="en-US" sz="1200" spc="-1" strike="noStrike">
+                <a:latin typeface="Times New Roman"/>
+              </a:rPr>
+              <a:t>t</a:t>
+            </a:r>
+            <a:r>
+              <a:rPr b="1" i="1" lang="en-US" sz="1200" spc="-1" strike="noStrike">
+                <a:latin typeface="Times New Roman"/>
+              </a:rPr>
+              <a:t>i</a:t>
+            </a:r>
+            <a:r>
+              <a:rPr b="1" i="1" lang="en-US" sz="1200" spc="-1" strike="noStrike">
+                <a:latin typeface="Times New Roman"/>
+              </a:rPr>
+              <a:t>o</a:t>
+            </a:r>
+            <a:r>
+              <a:rPr b="1" i="1" lang="en-US" sz="1200" spc="-1" strike="noStrike">
+                <a:latin typeface="Times New Roman"/>
+              </a:rPr>
+              <a:t>n</a:t>
+            </a:r>
+            <a:r>
+              <a:rPr b="1" i="1" lang="en-US" sz="1200" spc="-1" strike="noStrike">
+                <a:latin typeface="Times New Roman"/>
+              </a:rPr>
+              <a:t> </a:t>
+            </a:r>
+            <a:r>
+              <a:rPr b="1" i="1" lang="en-US" sz="1200" spc="-1" strike="noStrike">
+                <a:latin typeface="Times New Roman"/>
+              </a:rPr>
+              <a:t>v</a:t>
+            </a:r>
+            <a:r>
+              <a:rPr b="1" i="1" lang="en-US" sz="1200" spc="-1" strike="noStrike">
+                <a:latin typeface="Times New Roman"/>
+              </a:rPr>
+              <a:t>a</a:t>
+            </a:r>
+            <a:r>
+              <a:rPr b="1" i="1" lang="en-US" sz="1200" spc="-1" strike="noStrike">
+                <a:latin typeface="Times New Roman"/>
+              </a:rPr>
+              <a:t>r</a:t>
+            </a:r>
+            <a:r>
+              <a:rPr b="1" i="1" lang="en-US" sz="1200" spc="-1" strike="noStrike">
+                <a:latin typeface="Times New Roman"/>
+              </a:rPr>
+              <a:t>i</a:t>
+            </a:r>
+            <a:r>
+              <a:rPr b="1" i="1" lang="en-US" sz="1200" spc="-1" strike="noStrike">
+                <a:latin typeface="Times New Roman"/>
+              </a:rPr>
+              <a:t>a</a:t>
+            </a:r>
+            <a:r>
+              <a:rPr b="1" i="1" lang="en-US" sz="1200" spc="-1" strike="noStrike">
+                <a:latin typeface="Times New Roman"/>
+              </a:rPr>
+              <a:t>b</a:t>
+            </a:r>
+            <a:r>
+              <a:rPr b="1" i="1" lang="en-US" sz="1200" spc="-1" strike="noStrike">
+                <a:latin typeface="Times New Roman"/>
+              </a:rPr>
+              <a:t>l</a:t>
+            </a:r>
+            <a:r>
+              <a:rPr b="1" i="1" lang="en-US" sz="1200" spc="-1" strike="noStrike">
+                <a:latin typeface="Times New Roman"/>
+              </a:rPr>
+              <a:t>e</a:t>
+            </a:r>
+            <a:endParaRPr b="1" i="1" lang="en-US" sz="1200" spc="-1" strike="noStrike">
+              <a:latin typeface="Times New Roman"/>
+            </a:endParaRPr>
+          </a:p>
+        </p:txBody>
+      </p:sp>
+      <p:sp>
+        <p:nvSpPr>
+          <p:cNvPr id="597" name="TextShape 37"/>
+          <p:cNvSpPr txBox="1"/>
+          <p:nvPr/>
+        </p:nvSpPr>
+        <p:spPr>
+          <a:xfrm>
+            <a:off x="8046720" y="2909520"/>
+            <a:ext cx="731520" cy="448920"/>
+          </a:xfrm>
+          <a:prstGeom prst="rect">
+            <a:avLst/>
+          </a:prstGeom>
+          <a:noFill/>
+          <a:ln>
+            <a:noFill/>
+          </a:ln>
+        </p:spPr>
+        <p:txBody>
+          <a:bodyPr lIns="90000" rIns="90000" tIns="45000" bIns="45000"/>
+          <a:p>
+            <a:pPr algn="ctr"/>
+            <a:r>
+              <a:rPr b="0" lang="en-US" sz="1000" spc="-1" strike="noStrike">
+                <a:latin typeface="Times New Roman"/>
+              </a:rPr>
+              <a:t>Floem transport</a:t>
+            </a:r>
+            <a:endParaRPr b="0" lang="en-US" sz="1000" spc="-1" strike="noStrike">
+              <a:latin typeface="Times New Roman"/>
+            </a:endParaRPr>
+          </a:p>
+        </p:txBody>
+      </p:sp>
+      <p:sp>
+        <p:nvSpPr>
+          <p:cNvPr id="598" name="TextShape 38"/>
+          <p:cNvSpPr txBox="1"/>
+          <p:nvPr/>
+        </p:nvSpPr>
+        <p:spPr>
+          <a:xfrm>
+            <a:off x="8046720" y="1491480"/>
+            <a:ext cx="888480" cy="245880"/>
+          </a:xfrm>
+          <a:prstGeom prst="rect">
+            <a:avLst/>
+          </a:prstGeom>
+          <a:noFill/>
+          <a:ln>
+            <a:noFill/>
+          </a:ln>
+        </p:spPr>
+        <p:txBody>
+          <a:bodyPr lIns="90000" rIns="90000" tIns="45000" bIns="45000"/>
+          <a:p>
+            <a:pPr algn="ctr"/>
+            <a:r>
+              <a:rPr b="0" lang="en-US" sz="1100" spc="-1" strike="noStrike">
+                <a:latin typeface="Times New Roman"/>
+              </a:rPr>
+              <a:t>Leaf storage</a:t>
+            </a:r>
+            <a:endParaRPr b="0" lang="en-US" sz="1100" spc="-1" strike="noStrike">
+              <a:latin typeface="Times New Roman"/>
+            </a:endParaRPr>
+          </a:p>
+        </p:txBody>
+      </p:sp>
+      <p:sp>
+        <p:nvSpPr>
+          <p:cNvPr id="599" name="Line 39"/>
+          <p:cNvSpPr/>
+          <p:nvPr/>
+        </p:nvSpPr>
+        <p:spPr>
+          <a:xfrm flipV="1">
+            <a:off x="7680960" y="1645920"/>
+            <a:ext cx="365760" cy="191160"/>
+          </a:xfrm>
+          <a:prstGeom prst="line">
+            <a:avLst/>
+          </a:prstGeom>
+          <a:ln>
+            <a:solidFill>
+              <a:srgbClr val="000000"/>
+            </a:solidFill>
+            <a:headEnd len="med" type="stealth" w="med"/>
+            <a:tailEnd len="med" type="stealth" w="med"/>
+          </a:ln>
+        </p:spPr>
+        <p:style>
+          <a:lnRef idx="0"/>
+          <a:fillRef idx="0"/>
+          <a:effectRef idx="0"/>
+          <a:fontRef idx="minor"/>
+        </p:style>
+      </p:sp>
+      <p:sp>
+        <p:nvSpPr>
+          <p:cNvPr id="600" name="TextShape 40"/>
+          <p:cNvSpPr txBox="1"/>
+          <p:nvPr/>
+        </p:nvSpPr>
+        <p:spPr>
+          <a:xfrm>
+            <a:off x="7955280" y="4389120"/>
+            <a:ext cx="888480" cy="370440"/>
+          </a:xfrm>
+          <a:prstGeom prst="rect">
+            <a:avLst/>
+          </a:prstGeom>
+          <a:noFill/>
+          <a:ln>
+            <a:noFill/>
+          </a:ln>
+        </p:spPr>
+        <p:txBody>
+          <a:bodyPr lIns="90000" rIns="90000" tIns="45000" bIns="45000"/>
+          <a:p>
+            <a:pPr algn="ctr"/>
+            <a:r>
+              <a:rPr b="0" lang="en-US" sz="1000" spc="-1" strike="noStrike">
+                <a:latin typeface="Times New Roman"/>
+              </a:rPr>
+              <a:t>Sapwood </a:t>
+            </a:r>
+            <a:r>
+              <a:rPr b="0" lang="en-US" sz="1000" spc="-1" strike="noStrike">
+                <a:latin typeface="Times New Roman"/>
+              </a:rPr>
+              <a:t>storage</a:t>
+            </a:r>
+            <a:endParaRPr b="0" lang="en-US" sz="1000" spc="-1" strike="noStrike">
+              <a:latin typeface="Times New Roman"/>
+            </a:endParaRPr>
+          </a:p>
+        </p:txBody>
+      </p:sp>
+      <p:sp>
+        <p:nvSpPr>
+          <p:cNvPr id="601" name="Line 41"/>
+          <p:cNvSpPr/>
+          <p:nvPr/>
+        </p:nvSpPr>
+        <p:spPr>
+          <a:xfrm>
+            <a:off x="7589520" y="4297680"/>
+            <a:ext cx="365760" cy="274320"/>
+          </a:xfrm>
+          <a:prstGeom prst="line">
+            <a:avLst/>
+          </a:prstGeom>
+          <a:ln>
+            <a:solidFill>
+              <a:srgbClr val="000000"/>
+            </a:solidFill>
+            <a:headEnd len="med" type="stealth" w="med"/>
+            <a:tailEnd len="med" type="stealth" w="med"/>
+          </a:ln>
+        </p:spPr>
+        <p:style>
+          <a:lnRef idx="0"/>
+          <a:fillRef idx="0"/>
+          <a:effectRef idx="0"/>
+          <a:fontRef idx="minor"/>
+        </p:style>
+      </p:sp>
+      <p:sp>
+        <p:nvSpPr>
+          <p:cNvPr id="602" name="TextShape 42"/>
+          <p:cNvSpPr txBox="1"/>
+          <p:nvPr/>
+        </p:nvSpPr>
+        <p:spPr>
+          <a:xfrm>
+            <a:off x="5486400" y="4206240"/>
+            <a:ext cx="1005840" cy="217080"/>
+          </a:xfrm>
+          <a:prstGeom prst="rect">
+            <a:avLst/>
+          </a:prstGeom>
+          <a:noFill/>
+          <a:ln>
+            <a:noFill/>
+          </a:ln>
+        </p:spPr>
+        <p:txBody>
+          <a:bodyPr lIns="90000" rIns="90000" tIns="45000" bIns="45000"/>
+          <a:p>
+            <a:pPr algn="ctr"/>
+            <a:r>
+              <a:rPr b="0" i="1" lang="en-US" sz="900" spc="-1" strike="noStrike">
+                <a:latin typeface="Times New Roman"/>
+              </a:rPr>
+              <a:t>Cambium turgor</a:t>
+            </a:r>
+            <a:endParaRPr b="0" lang="en-US" sz="900" spc="-1" strike="noStrike">
+              <a:latin typeface="Times New Roman"/>
+            </a:endParaRPr>
+          </a:p>
+        </p:txBody>
+      </p:sp>
+      <p:sp>
+        <p:nvSpPr>
+          <p:cNvPr id="603" name="TextShape 43"/>
+          <p:cNvSpPr txBox="1"/>
+          <p:nvPr/>
+        </p:nvSpPr>
+        <p:spPr>
+          <a:xfrm>
+            <a:off x="2468880" y="4114800"/>
+            <a:ext cx="1022400" cy="548640"/>
+          </a:xfrm>
+          <a:prstGeom prst="rect">
+            <a:avLst/>
+          </a:prstGeom>
+          <a:noFill/>
+          <a:ln>
+            <a:noFill/>
+          </a:ln>
+        </p:spPr>
+        <p:txBody>
+          <a:bodyPr lIns="90000" rIns="90000" tIns="45000" bIns="45000"/>
+          <a:p>
+            <a:pPr algn="ctr"/>
+            <a:r>
+              <a:rPr b="0" lang="en-US" sz="1000" spc="-1" strike="noStrike">
+                <a:latin typeface="Times New Roman"/>
+              </a:rPr>
+              <a:t>Fine root conductance and distribution</a:t>
+            </a:r>
+            <a:endParaRPr b="0" lang="en-US" sz="1000" spc="-1" strike="noStrike">
+              <a:latin typeface="Times New Roman"/>
+            </a:endParaRPr>
+          </a:p>
+        </p:txBody>
+      </p:sp>
+      <p:sp>
+        <p:nvSpPr>
+          <p:cNvPr id="604" name="Line 44"/>
+          <p:cNvSpPr/>
+          <p:nvPr/>
+        </p:nvSpPr>
+        <p:spPr>
+          <a:xfrm flipV="1">
+            <a:off x="3017520" y="1445400"/>
+            <a:ext cx="478080" cy="2669400"/>
+          </a:xfrm>
+          <a:prstGeom prst="line">
+            <a:avLst/>
+          </a:prstGeom>
+          <a:ln>
+            <a:solidFill>
+              <a:srgbClr val="000000"/>
+            </a:solidFill>
+            <a:tailEnd len="med" type="stealth" w="med"/>
+          </a:ln>
+        </p:spPr>
+        <p:style>
+          <a:lnRef idx="0"/>
+          <a:fillRef idx="0"/>
+          <a:effectRef idx="0"/>
+          <a:fontRef idx="minor"/>
+        </p:style>
+      </p:sp>
+      <p:sp>
+        <p:nvSpPr>
+          <p:cNvPr id="605" name="TextShape 45"/>
+          <p:cNvSpPr txBox="1"/>
+          <p:nvPr/>
+        </p:nvSpPr>
+        <p:spPr>
+          <a:xfrm>
+            <a:off x="4754880" y="5094720"/>
+            <a:ext cx="1280160" cy="343800"/>
+          </a:xfrm>
+          <a:prstGeom prst="rect">
+            <a:avLst/>
+          </a:prstGeom>
+          <a:noFill/>
+          <a:ln>
+            <a:noFill/>
+          </a:ln>
+        </p:spPr>
+        <p:txBody>
+          <a:bodyPr lIns="90000" rIns="90000" tIns="45000" bIns="45000"/>
+          <a:p>
+            <a:pPr algn="ctr"/>
+            <a:r>
+              <a:rPr b="0" i="1" lang="en-US" sz="900" spc="-1" strike="noStrike">
+                <a:latin typeface="Times New Roman"/>
+              </a:rPr>
+              <a:t>Fine root biomass and distribution</a:t>
+            </a:r>
+            <a:endParaRPr b="0" lang="en-US" sz="900" spc="-1" strike="noStrike">
+              <a:latin typeface="Times New Roman"/>
+            </a:endParaRPr>
+          </a:p>
+        </p:txBody>
+      </p:sp>
+      <p:sp>
+        <p:nvSpPr>
+          <p:cNvPr id="606" name="Line 46"/>
+          <p:cNvSpPr/>
+          <p:nvPr/>
+        </p:nvSpPr>
+        <p:spPr>
+          <a:xfrm flipH="1">
+            <a:off x="3200400" y="3530160"/>
+            <a:ext cx="604080" cy="584640"/>
+          </a:xfrm>
+          <a:prstGeom prst="line">
+            <a:avLst/>
+          </a:prstGeom>
+          <a:ln>
+            <a:solidFill>
+              <a:srgbClr val="000000"/>
+            </a:solidFill>
+            <a:tailEnd len="med" type="stealth" w="med"/>
+          </a:ln>
+        </p:spPr>
+        <p:style>
+          <a:lnRef idx="0"/>
+          <a:fillRef idx="0"/>
+          <a:effectRef idx="0"/>
+          <a:fontRef idx="minor"/>
+        </p:style>
+      </p:sp>
+      <p:cxnSp>
+        <p:nvCxnSpPr>
+          <p:cNvPr id="607" name="Line 47"/>
+          <p:cNvCxnSpPr/>
+          <p:nvPr/>
+        </p:nvCxnSpPr>
+        <p:spPr>
+          <a:xfrm>
+            <a:off x="0" y="0"/>
+            <a:ext cx="360" cy="360"/>
+          </a:xfrm>
+          <a:prstGeom prst="line">
+            <a:avLst/>
+          </a:prstGeom>
+          <a:ln>
+            <a:solidFill>
+              <a:srgbClr val="000000"/>
+            </a:solidFill>
+            <a:tailEnd len="med" type="stealth" w="med"/>
+          </a:ln>
+        </p:spPr>
+      </p:cxnSp>
+    </p:spTree>
+  </p:cSld>
+  <p:timing>
+    <p:tnLst>
+      <p:par>
+        <p:cTn id="15" dur="indefinite" restart="never" nodeType="tmRoot">
+          <p:childTnLst>
+            <p:seq>
+              <p:cTn id="16" dur="indefinite" nodeType="mainSeq"/>
               <p:prevCondLst>
                 <p:cond delay="0" evt="onPrev">
                   <p:tgtEl>
